--- a/ppt/TARS.pptx
+++ b/ppt/TARS.pptx
@@ -228,7 +228,7 @@
           <a:p>
             <a:fld id="{C1984D0E-351B-134B-939A-40270C82F2DD}" type="datetimeFigureOut">
               <a:rPr kumimoji="1" lang="zh-CN" altLang="en-US" smtClean="0"/>
-              <a:t>2020/1/13</a:t>
+              <a:t>2020/1/14</a:t>
             </a:fld>
             <a:endParaRPr kumimoji="1" lang="zh-CN" altLang="en-US"/>
           </a:p>
@@ -674,7 +674,7 @@
           <a:p>
             <a:fld id="{F4B911A2-A7A0-374C-BF3F-D4D561F6F191}" type="datetimeFigureOut">
               <a:rPr kumimoji="1" lang="zh-CN" altLang="en-US" smtClean="0"/>
-              <a:t>2020/1/13</a:t>
+              <a:t>2020/1/14</a:t>
             </a:fld>
             <a:endParaRPr kumimoji="1" lang="zh-CN" altLang="en-US"/>
           </a:p>
@@ -842,7 +842,7 @@
           <a:p>
             <a:fld id="{F4B911A2-A7A0-374C-BF3F-D4D561F6F191}" type="datetimeFigureOut">
               <a:rPr kumimoji="1" lang="zh-CN" altLang="en-US" smtClean="0"/>
-              <a:t>2020/1/13</a:t>
+              <a:t>2020/1/14</a:t>
             </a:fld>
             <a:endParaRPr kumimoji="1" lang="zh-CN" altLang="en-US"/>
           </a:p>
@@ -1020,7 +1020,7 @@
           <a:p>
             <a:fld id="{F4B911A2-A7A0-374C-BF3F-D4D561F6F191}" type="datetimeFigureOut">
               <a:rPr kumimoji="1" lang="zh-CN" altLang="en-US" smtClean="0"/>
-              <a:t>2020/1/13</a:t>
+              <a:t>2020/1/14</a:t>
             </a:fld>
             <a:endParaRPr kumimoji="1" lang="zh-CN" altLang="en-US"/>
           </a:p>
@@ -1277,7 +1277,7 @@
           <a:p>
             <a:fld id="{F4B911A2-A7A0-374C-BF3F-D4D561F6F191}" type="datetimeFigureOut">
               <a:rPr kumimoji="1" lang="zh-CN" altLang="en-US" smtClean="0"/>
-              <a:t>2020/1/13</a:t>
+              <a:t>2020/1/14</a:t>
             </a:fld>
             <a:endParaRPr kumimoji="1" lang="zh-CN" altLang="en-US"/>
           </a:p>
@@ -1522,7 +1522,7 @@
           <a:p>
             <a:fld id="{F4B911A2-A7A0-374C-BF3F-D4D561F6F191}" type="datetimeFigureOut">
               <a:rPr kumimoji="1" lang="zh-CN" altLang="en-US" smtClean="0"/>
-              <a:t>2020/1/13</a:t>
+              <a:t>2020/1/14</a:t>
             </a:fld>
             <a:endParaRPr kumimoji="1" lang="zh-CN" altLang="en-US"/>
           </a:p>
@@ -1807,7 +1807,7 @@
           <a:p>
             <a:fld id="{F4B911A2-A7A0-374C-BF3F-D4D561F6F191}" type="datetimeFigureOut">
               <a:rPr kumimoji="1" lang="zh-CN" altLang="en-US" smtClean="0"/>
-              <a:t>2020/1/13</a:t>
+              <a:t>2020/1/14</a:t>
             </a:fld>
             <a:endParaRPr kumimoji="1" lang="zh-CN" altLang="en-US"/>
           </a:p>
@@ -2226,7 +2226,7 @@
           <a:p>
             <a:fld id="{F4B911A2-A7A0-374C-BF3F-D4D561F6F191}" type="datetimeFigureOut">
               <a:rPr kumimoji="1" lang="zh-CN" altLang="en-US" smtClean="0"/>
-              <a:t>2020/1/13</a:t>
+              <a:t>2020/1/14</a:t>
             </a:fld>
             <a:endParaRPr kumimoji="1" lang="zh-CN" altLang="en-US"/>
           </a:p>
@@ -2343,7 +2343,7 @@
           <a:p>
             <a:fld id="{F4B911A2-A7A0-374C-BF3F-D4D561F6F191}" type="datetimeFigureOut">
               <a:rPr kumimoji="1" lang="zh-CN" altLang="en-US" smtClean="0"/>
-              <a:t>2020/1/13</a:t>
+              <a:t>2020/1/14</a:t>
             </a:fld>
             <a:endParaRPr kumimoji="1" lang="zh-CN" altLang="en-US"/>
           </a:p>
@@ -2438,7 +2438,7 @@
           <a:p>
             <a:fld id="{F4B911A2-A7A0-374C-BF3F-D4D561F6F191}" type="datetimeFigureOut">
               <a:rPr kumimoji="1" lang="zh-CN" altLang="en-US" smtClean="0"/>
-              <a:t>2020/1/13</a:t>
+              <a:t>2020/1/14</a:t>
             </a:fld>
             <a:endParaRPr kumimoji="1" lang="zh-CN" altLang="en-US"/>
           </a:p>
@@ -2713,7 +2713,7 @@
           <a:p>
             <a:fld id="{F4B911A2-A7A0-374C-BF3F-D4D561F6F191}" type="datetimeFigureOut">
               <a:rPr kumimoji="1" lang="zh-CN" altLang="en-US" smtClean="0"/>
-              <a:t>2020/1/13</a:t>
+              <a:t>2020/1/14</a:t>
             </a:fld>
             <a:endParaRPr kumimoji="1" lang="zh-CN" altLang="en-US"/>
           </a:p>
@@ -2965,7 +2965,7 @@
           <a:p>
             <a:fld id="{F4B911A2-A7A0-374C-BF3F-D4D561F6F191}" type="datetimeFigureOut">
               <a:rPr kumimoji="1" lang="zh-CN" altLang="en-US" smtClean="0"/>
-              <a:t>2020/1/13</a:t>
+              <a:t>2020/1/14</a:t>
             </a:fld>
             <a:endParaRPr kumimoji="1" lang="zh-CN" altLang="en-US"/>
           </a:p>
@@ -3176,7 +3176,7 @@
           <a:p>
             <a:fld id="{F4B911A2-A7A0-374C-BF3F-D4D561F6F191}" type="datetimeFigureOut">
               <a:rPr kumimoji="1" lang="zh-CN" altLang="en-US" smtClean="0"/>
-              <a:t>2020/1/13</a:t>
+              <a:t>2020/1/14</a:t>
             </a:fld>
             <a:endParaRPr kumimoji="1" lang="zh-CN" altLang="en-US"/>
           </a:p>
@@ -3575,14 +3575,14 @@
           <a:effectLst/>
           <a:extLst>
             <a:ext uri="{909E8E84-426E-40dd-AFC4-6F175D3DCCD1}">
-              <a14:hiddenFill xmlns:a14="http://schemas.microsoft.com/office/drawing/2010/main" xmlns="">
+              <a14:hiddenFill xmlns="" xmlns:a14="http://schemas.microsoft.com/office/drawing/2010/main">
                 <a:solidFill>
                   <a:srgbClr val="FFFFFF"/>
                 </a:solidFill>
               </a14:hiddenFill>
             </a:ext>
             <a:ext uri="{91240B29-F687-4f45-9708-019B960494DF}">
-              <a14:hiddenLine xmlns:a14="http://schemas.microsoft.com/office/drawing/2010/main" xmlns="" w="9525">
+              <a14:hiddenLine xmlns="" xmlns:a14="http://schemas.microsoft.com/office/drawing/2010/main" w="9525">
                 <a:solidFill>
                   <a:srgbClr val="000000"/>
                 </a:solidFill>
@@ -3592,7 +3592,7 @@
               </a14:hiddenLine>
             </a:ext>
             <a:ext uri="{AF507438-7753-43e0-B8FC-AC1667EBCBE1}">
-              <a14:hiddenEffects xmlns:a14="http://schemas.microsoft.com/office/drawing/2010/main" xmlns="">
+              <a14:hiddenEffects xmlns="" xmlns:a14="http://schemas.microsoft.com/office/drawing/2010/main">
                 <a:effectLst>
                   <a:outerShdw blurRad="63500" dist="38099" dir="2700000" algn="ctr" rotWithShape="0">
                     <a:srgbClr val="000000">
@@ -3702,14 +3702,14 @@
           </a:ln>
           <a:extLst>
             <a:ext uri="{909E8E84-426E-40dd-AFC4-6F175D3DCCD1}">
-              <a14:hiddenFill xmlns:a14="http://schemas.microsoft.com/office/drawing/2010/main" xmlns="">
+              <a14:hiddenFill xmlns="" xmlns:a14="http://schemas.microsoft.com/office/drawing/2010/main">
                 <a:solidFill>
                   <a:srgbClr val="FFFFFF"/>
                 </a:solidFill>
               </a14:hiddenFill>
             </a:ext>
             <a:ext uri="{91240B29-F687-4f45-9708-019B960494DF}">
-              <a14:hiddenLine xmlns:a14="http://schemas.microsoft.com/office/drawing/2010/main" xmlns="" w="9525">
+              <a14:hiddenLine xmlns="" xmlns:a14="http://schemas.microsoft.com/office/drawing/2010/main" w="9525">
                 <a:solidFill>
                   <a:srgbClr val="000000"/>
                 </a:solidFill>
@@ -3782,7 +3782,7 @@
           </a:ln>
           <a:extLst>
             <a:ext uri="{909E8E84-426E-40dd-AFC4-6F175D3DCCD1}">
-              <a14:hiddenFill xmlns:a14="http://schemas.microsoft.com/office/drawing/2010/main" xmlns="">
+              <a14:hiddenFill xmlns="" xmlns:a14="http://schemas.microsoft.com/office/drawing/2010/main">
                 <a:solidFill>
                   <a:srgbClr val="FFFFFF"/>
                 </a:solidFill>
@@ -3831,7 +3831,7 @@
           </a:ln>
           <a:extLst>
             <a:ext uri="{909E8E84-426E-40dd-AFC4-6F175D3DCCD1}">
-              <a14:hiddenFill xmlns:a14="http://schemas.microsoft.com/office/drawing/2010/main" xmlns="">
+              <a14:hiddenFill xmlns="" xmlns:a14="http://schemas.microsoft.com/office/drawing/2010/main">
                 <a:solidFill>
                   <a:srgbClr val="FFFFFF"/>
                 </a:solidFill>
@@ -3949,7 +3949,7 @@
           <a:effectLst/>
           <a:extLst>
             <a:ext uri="{91240B29-F687-4f45-9708-019B960494DF}">
-              <a14:hiddenLine xmlns:a14="http://schemas.microsoft.com/office/drawing/2010/main" xmlns="" w="9525">
+              <a14:hiddenLine xmlns="" xmlns:a14="http://schemas.microsoft.com/office/drawing/2010/main" w="9525">
                 <a:solidFill>
                   <a:schemeClr val="tx1"/>
                 </a:solidFill>
@@ -3959,7 +3959,7 @@
               </a14:hiddenLine>
             </a:ext>
             <a:ext uri="{AF507438-7753-43e0-B8FC-AC1667EBCBE1}">
-              <a14:hiddenEffects xmlns:a14="http://schemas.microsoft.com/office/drawing/2010/main" xmlns="">
+              <a14:hiddenEffects xmlns="" xmlns:a14="http://schemas.microsoft.com/office/drawing/2010/main">
                 <a:effectLst>
                   <a:outerShdw blurRad="63500" dist="38099" dir="2700000" algn="ctr" rotWithShape="0">
                     <a:schemeClr val="bg2">
@@ -4010,7 +4010,7 @@
           <a:effectLst/>
           <a:extLst>
             <a:ext uri="{91240B29-F687-4f45-9708-019B960494DF}">
-              <a14:hiddenLine xmlns:a14="http://schemas.microsoft.com/office/drawing/2010/main" xmlns="" w="9525">
+              <a14:hiddenLine xmlns="" xmlns:a14="http://schemas.microsoft.com/office/drawing/2010/main" w="9525">
                 <a:solidFill>
                   <a:schemeClr val="tx1"/>
                 </a:solidFill>
@@ -4020,7 +4020,7 @@
               </a14:hiddenLine>
             </a:ext>
             <a:ext uri="{AF507438-7753-43e0-B8FC-AC1667EBCBE1}">
-              <a14:hiddenEffects xmlns:a14="http://schemas.microsoft.com/office/drawing/2010/main" xmlns="">
+              <a14:hiddenEffects xmlns="" xmlns:a14="http://schemas.microsoft.com/office/drawing/2010/main">
                 <a:effectLst>
                   <a:outerShdw blurRad="63500" dist="38099" dir="2700000" algn="ctr" rotWithShape="0">
                     <a:schemeClr val="bg2">
@@ -4071,7 +4071,7 @@
           <a:effectLst/>
           <a:extLst>
             <a:ext uri="{91240B29-F687-4f45-9708-019B960494DF}">
-              <a14:hiddenLine xmlns:a14="http://schemas.microsoft.com/office/drawing/2010/main" xmlns="" w="9525">
+              <a14:hiddenLine xmlns="" xmlns:a14="http://schemas.microsoft.com/office/drawing/2010/main" w="9525">
                 <a:solidFill>
                   <a:schemeClr val="tx1"/>
                 </a:solidFill>
@@ -4081,7 +4081,7 @@
               </a14:hiddenLine>
             </a:ext>
             <a:ext uri="{AF507438-7753-43e0-B8FC-AC1667EBCBE1}">
-              <a14:hiddenEffects xmlns:a14="http://schemas.microsoft.com/office/drawing/2010/main" xmlns="">
+              <a14:hiddenEffects xmlns="" xmlns:a14="http://schemas.microsoft.com/office/drawing/2010/main">
                 <a:effectLst>
                   <a:outerShdw blurRad="63500" dist="38099" dir="2700000" algn="ctr" rotWithShape="0">
                     <a:schemeClr val="bg2">
@@ -4138,7 +4138,7 @@
           <a:effectLst/>
           <a:extLst>
             <a:ext uri="{91240B29-F687-4f45-9708-019B960494DF}">
-              <a14:hiddenLine xmlns:a14="http://schemas.microsoft.com/office/drawing/2010/main" xmlns="" w="9525">
+              <a14:hiddenLine xmlns="" xmlns:a14="http://schemas.microsoft.com/office/drawing/2010/main" w="9525">
                 <a:solidFill>
                   <a:schemeClr val="tx1"/>
                 </a:solidFill>
@@ -4148,7 +4148,7 @@
               </a14:hiddenLine>
             </a:ext>
             <a:ext uri="{AF507438-7753-43e0-B8FC-AC1667EBCBE1}">
-              <a14:hiddenEffects xmlns:a14="http://schemas.microsoft.com/office/drawing/2010/main" xmlns="">
+              <a14:hiddenEffects xmlns="" xmlns:a14="http://schemas.microsoft.com/office/drawing/2010/main">
                 <a:effectLst>
                   <a:outerShdw blurRad="63500" dist="38099" dir="2700000" algn="ctr" rotWithShape="0">
                     <a:schemeClr val="bg2">
@@ -4192,14 +4192,14 @@
           <a:effectLst/>
           <a:extLst>
             <a:ext uri="{909E8E84-426E-40dd-AFC4-6F175D3DCCD1}">
-              <a14:hiddenFill xmlns:a14="http://schemas.microsoft.com/office/drawing/2010/main" xmlns="">
+              <a14:hiddenFill xmlns="" xmlns:a14="http://schemas.microsoft.com/office/drawing/2010/main">
                 <a:solidFill>
                   <a:schemeClr val="accent1"/>
                 </a:solidFill>
               </a14:hiddenFill>
             </a:ext>
             <a:ext uri="{91240B29-F687-4f45-9708-019B960494DF}">
-              <a14:hiddenLine xmlns:a14="http://schemas.microsoft.com/office/drawing/2010/main" xmlns="" w="9525">
+              <a14:hiddenLine xmlns="" xmlns:a14="http://schemas.microsoft.com/office/drawing/2010/main" w="9525">
                 <a:solidFill>
                   <a:schemeClr val="tx1"/>
                 </a:solidFill>
@@ -4209,7 +4209,7 @@
               </a14:hiddenLine>
             </a:ext>
             <a:ext uri="{AF507438-7753-43e0-B8FC-AC1667EBCBE1}">
-              <a14:hiddenEffects xmlns:a14="http://schemas.microsoft.com/office/drawing/2010/main" xmlns="">
+              <a14:hiddenEffects xmlns="" xmlns:a14="http://schemas.microsoft.com/office/drawing/2010/main">
                 <a:effectLst>
                   <a:outerShdw blurRad="63500" dist="38099" dir="2700000" algn="ctr" rotWithShape="0">
                     <a:schemeClr val="bg2">
@@ -4262,14 +4262,14 @@
           <a:effectLst/>
           <a:extLst>
             <a:ext uri="{909E8E84-426E-40dd-AFC4-6F175D3DCCD1}">
-              <a14:hiddenFill xmlns:a14="http://schemas.microsoft.com/office/drawing/2010/main" xmlns="">
+              <a14:hiddenFill xmlns="" xmlns:a14="http://schemas.microsoft.com/office/drawing/2010/main">
                 <a:solidFill>
                   <a:schemeClr val="accent1"/>
                 </a:solidFill>
               </a14:hiddenFill>
             </a:ext>
             <a:ext uri="{AF507438-7753-43e0-B8FC-AC1667EBCBE1}">
-              <a14:hiddenEffects xmlns:a14="http://schemas.microsoft.com/office/drawing/2010/main" xmlns="">
+              <a14:hiddenEffects xmlns="" xmlns:a14="http://schemas.microsoft.com/office/drawing/2010/main">
                 <a:effectLst>
                   <a:outerShdw blurRad="63500" dist="38099" dir="2700000" algn="ctr" rotWithShape="0">
                     <a:schemeClr val="bg2">
@@ -4317,14 +4317,14 @@
           <a:effectLst/>
           <a:extLst>
             <a:ext uri="{909E8E84-426E-40dd-AFC4-6F175D3DCCD1}">
-              <a14:hiddenFill xmlns:a14="http://schemas.microsoft.com/office/drawing/2010/main" xmlns="">
+              <a14:hiddenFill xmlns="" xmlns:a14="http://schemas.microsoft.com/office/drawing/2010/main">
                 <a:solidFill>
                   <a:schemeClr val="accent1"/>
                 </a:solidFill>
               </a14:hiddenFill>
             </a:ext>
             <a:ext uri="{AF507438-7753-43e0-B8FC-AC1667EBCBE1}">
-              <a14:hiddenEffects xmlns:a14="http://schemas.microsoft.com/office/drawing/2010/main" xmlns="">
+              <a14:hiddenEffects xmlns="" xmlns:a14="http://schemas.microsoft.com/office/drawing/2010/main">
                 <a:effectLst>
                   <a:outerShdw blurRad="63500" dist="38099" dir="2700000" algn="ctr" rotWithShape="0">
                     <a:schemeClr val="bg2">
@@ -4464,7 +4464,7 @@
           </a:ln>
           <a:extLst>
             <a:ext uri="{909E8E84-426E-40dd-AFC4-6F175D3DCCD1}">
-              <a14:hiddenFill xmlns:a14="http://schemas.microsoft.com/office/drawing/2010/main" xmlns="">
+              <a14:hiddenFill xmlns="" xmlns:a14="http://schemas.microsoft.com/office/drawing/2010/main">
                 <a:solidFill>
                   <a:srgbClr val="FFFFFF"/>
                 </a:solidFill>
@@ -4513,7 +4513,7 @@
           </a:ln>
           <a:extLst>
             <a:ext uri="{909E8E84-426E-40dd-AFC4-6F175D3DCCD1}">
-              <a14:hiddenFill xmlns:a14="http://schemas.microsoft.com/office/drawing/2010/main" xmlns="">
+              <a14:hiddenFill xmlns="" xmlns:a14="http://schemas.microsoft.com/office/drawing/2010/main">
                 <a:solidFill>
                   <a:srgbClr val="FFFFFF"/>
                 </a:solidFill>
@@ -4544,14 +4544,14 @@
           </a:ln>
           <a:extLst>
             <a:ext uri="{909E8E84-426E-40dd-AFC4-6F175D3DCCD1}">
-              <a14:hiddenFill xmlns:a14="http://schemas.microsoft.com/office/drawing/2010/main" xmlns="">
+              <a14:hiddenFill xmlns="" xmlns:a14="http://schemas.microsoft.com/office/drawing/2010/main">
                 <a:solidFill>
                   <a:srgbClr val="FFFFFF"/>
                 </a:solidFill>
               </a14:hiddenFill>
             </a:ext>
             <a:ext uri="{91240B29-F687-4f45-9708-019B960494DF}">
-              <a14:hiddenLine xmlns:a14="http://schemas.microsoft.com/office/drawing/2010/main" xmlns="" w="9525">
+              <a14:hiddenLine xmlns="" xmlns:a14="http://schemas.microsoft.com/office/drawing/2010/main" w="9525">
                 <a:solidFill>
                   <a:srgbClr val="000000"/>
                 </a:solidFill>
@@ -4639,7 +4639,7 @@
           <a:effectLst/>
           <a:extLst>
             <a:ext uri="{91240B29-F687-4f45-9708-019B960494DF}">
-              <a14:hiddenLine xmlns:a14="http://schemas.microsoft.com/office/drawing/2010/main" xmlns="" w="9525">
+              <a14:hiddenLine xmlns="" xmlns:a14="http://schemas.microsoft.com/office/drawing/2010/main" w="9525">
                 <a:solidFill>
                   <a:schemeClr val="tx1"/>
                 </a:solidFill>
@@ -4649,7 +4649,7 @@
               </a14:hiddenLine>
             </a:ext>
             <a:ext uri="{AF507438-7753-43e0-B8FC-AC1667EBCBE1}">
-              <a14:hiddenEffects xmlns:a14="http://schemas.microsoft.com/office/drawing/2010/main" xmlns="">
+              <a14:hiddenEffects xmlns="" xmlns:a14="http://schemas.microsoft.com/office/drawing/2010/main">
                 <a:effectLst>
                   <a:outerShdw blurRad="63500" dist="38099" dir="2700000" algn="ctr" rotWithShape="0">
                     <a:schemeClr val="bg2">
@@ -4699,7 +4699,7 @@
           <a:effectLst/>
           <a:extLst>
             <a:ext uri="{91240B29-F687-4f45-9708-019B960494DF}">
-              <a14:hiddenLine xmlns:a14="http://schemas.microsoft.com/office/drawing/2010/main" xmlns="" w="9525">
+              <a14:hiddenLine xmlns="" xmlns:a14="http://schemas.microsoft.com/office/drawing/2010/main" w="9525">
                 <a:solidFill>
                   <a:schemeClr val="tx1"/>
                 </a:solidFill>
@@ -4709,7 +4709,7 @@
               </a14:hiddenLine>
             </a:ext>
             <a:ext uri="{AF507438-7753-43e0-B8FC-AC1667EBCBE1}">
-              <a14:hiddenEffects xmlns:a14="http://schemas.microsoft.com/office/drawing/2010/main" xmlns="">
+              <a14:hiddenEffects xmlns="" xmlns:a14="http://schemas.microsoft.com/office/drawing/2010/main">
                 <a:effectLst>
                   <a:outerShdw blurRad="63500" dist="38099" dir="2700000" algn="ctr" rotWithShape="0">
                     <a:schemeClr val="bg2">
@@ -4762,14 +4762,14 @@
           <a:effectLst/>
           <a:extLst>
             <a:ext uri="{909E8E84-426E-40dd-AFC4-6F175D3DCCD1}">
-              <a14:hiddenFill xmlns:a14="http://schemas.microsoft.com/office/drawing/2010/main" xmlns="">
+              <a14:hiddenFill xmlns="" xmlns:a14="http://schemas.microsoft.com/office/drawing/2010/main">
                 <a:solidFill>
                   <a:schemeClr val="accent1"/>
                 </a:solidFill>
               </a14:hiddenFill>
             </a:ext>
             <a:ext uri="{AF507438-7753-43e0-B8FC-AC1667EBCBE1}">
-              <a14:hiddenEffects xmlns:a14="http://schemas.microsoft.com/office/drawing/2010/main" xmlns="">
+              <a14:hiddenEffects xmlns="" xmlns:a14="http://schemas.microsoft.com/office/drawing/2010/main">
                 <a:effectLst>
                   <a:outerShdw blurRad="63500" dist="38099" dir="2700000" algn="ctr" rotWithShape="0">
                     <a:schemeClr val="bg2">
@@ -4817,14 +4817,14 @@
           <a:effectLst/>
           <a:extLst>
             <a:ext uri="{909E8E84-426E-40dd-AFC4-6F175D3DCCD1}">
-              <a14:hiddenFill xmlns:a14="http://schemas.microsoft.com/office/drawing/2010/main" xmlns="">
+              <a14:hiddenFill xmlns="" xmlns:a14="http://schemas.microsoft.com/office/drawing/2010/main">
                 <a:solidFill>
                   <a:schemeClr val="accent1"/>
                 </a:solidFill>
               </a14:hiddenFill>
             </a:ext>
             <a:ext uri="{AF507438-7753-43e0-B8FC-AC1667EBCBE1}">
-              <a14:hiddenEffects xmlns:a14="http://schemas.microsoft.com/office/drawing/2010/main" xmlns="">
+              <a14:hiddenEffects xmlns="" xmlns:a14="http://schemas.microsoft.com/office/drawing/2010/main">
                 <a:effectLst>
                   <a:outerShdw blurRad="63500" dist="38099" dir="2700000" algn="ctr" rotWithShape="0">
                     <a:schemeClr val="bg2">
@@ -4869,7 +4869,7 @@
           <a:effectLst/>
           <a:extLst>
             <a:ext uri="{91240B29-F687-4f45-9708-019B960494DF}">
-              <a14:hiddenLine xmlns:a14="http://schemas.microsoft.com/office/drawing/2010/main" xmlns="" w="9525">
+              <a14:hiddenLine xmlns="" xmlns:a14="http://schemas.microsoft.com/office/drawing/2010/main" w="9525">
                 <a:solidFill>
                   <a:schemeClr val="tx1"/>
                 </a:solidFill>
@@ -4879,7 +4879,7 @@
               </a14:hiddenLine>
             </a:ext>
             <a:ext uri="{AF507438-7753-43e0-B8FC-AC1667EBCBE1}">
-              <a14:hiddenEffects xmlns:a14="http://schemas.microsoft.com/office/drawing/2010/main" xmlns="">
+              <a14:hiddenEffects xmlns="" xmlns:a14="http://schemas.microsoft.com/office/drawing/2010/main">
                 <a:effectLst>
                   <a:outerShdw blurRad="63500" dist="38099" dir="2700000" algn="ctr" rotWithShape="0">
                     <a:schemeClr val="bg2">
@@ -4949,7 +4949,7 @@
           <a:effectLst/>
           <a:extLst>
             <a:ext uri="{AF507438-7753-43e0-B8FC-AC1667EBCBE1}">
-              <a14:hiddenEffects xmlns:a14="http://schemas.microsoft.com/office/drawing/2010/main" xmlns="">
+              <a14:hiddenEffects xmlns="" xmlns:a14="http://schemas.microsoft.com/office/drawing/2010/main">
                 <a:effectLst>
                   <a:outerShdw blurRad="63500" dist="38099" dir="2700000" algn="ctr" rotWithShape="0">
                     <a:schemeClr val="bg2">
@@ -5021,14 +5021,14 @@
           </a:ln>
           <a:extLst>
             <a:ext uri="{909E8E84-426E-40dd-AFC4-6F175D3DCCD1}">
-              <a14:hiddenFill xmlns:a14="http://schemas.microsoft.com/office/drawing/2010/main" xmlns="">
+              <a14:hiddenFill xmlns="" xmlns:a14="http://schemas.microsoft.com/office/drawing/2010/main">
                 <a:solidFill>
                   <a:srgbClr val="FFFFFF"/>
                 </a:solidFill>
               </a14:hiddenFill>
             </a:ext>
             <a:ext uri="{91240B29-F687-4f45-9708-019B960494DF}">
-              <a14:hiddenLine xmlns:a14="http://schemas.microsoft.com/office/drawing/2010/main" xmlns="" w="9525">
+              <a14:hiddenLine xmlns="" xmlns:a14="http://schemas.microsoft.com/office/drawing/2010/main" w="9525">
                 <a:solidFill>
                   <a:srgbClr val="000000"/>
                 </a:solidFill>
@@ -5093,12 +5093,12 @@
           <a:effectLst/>
           <a:extLst>
             <a:ext uri="{909E8E84-426E-40dd-AFC4-6F175D3DCCD1}">
-              <a14:hiddenFill xmlns:a14="http://schemas.microsoft.com/office/drawing/2010/main" xmlns="">
+              <a14:hiddenFill xmlns="" xmlns:a14="http://schemas.microsoft.com/office/drawing/2010/main">
                 <a:noFill/>
               </a14:hiddenFill>
             </a:ext>
             <a:ext uri="{91240B29-F687-4f45-9708-019B960494DF}">
-              <a14:hiddenLine xmlns:a14="http://schemas.microsoft.com/office/drawing/2010/main" xmlns="" w="9525">
+              <a14:hiddenLine xmlns="" xmlns:a14="http://schemas.microsoft.com/office/drawing/2010/main" w="9525">
                 <a:solidFill>
                   <a:srgbClr val="000000"/>
                 </a:solidFill>
@@ -5108,7 +5108,7 @@
               </a14:hiddenLine>
             </a:ext>
             <a:ext uri="{AF507438-7753-43e0-B8FC-AC1667EBCBE1}">
-              <a14:hiddenEffects xmlns:a14="http://schemas.microsoft.com/office/drawing/2010/main" xmlns="">
+              <a14:hiddenEffects xmlns="" xmlns:a14="http://schemas.microsoft.com/office/drawing/2010/main">
                 <a:effectLst>
                   <a:outerShdw blurRad="63500" dist="38099" dir="2700000" algn="ctr" rotWithShape="0">
                     <a:schemeClr val="bg2">
@@ -5155,7 +5155,7 @@
           <a:effectLst/>
           <a:extLst>
             <a:ext uri="{91240B29-F687-4f45-9708-019B960494DF}">
-              <a14:hiddenLine xmlns:a14="http://schemas.microsoft.com/office/drawing/2010/main" xmlns="" w="9525">
+              <a14:hiddenLine xmlns="" xmlns:a14="http://schemas.microsoft.com/office/drawing/2010/main" w="9525">
                 <a:solidFill>
                   <a:srgbClr val="000000"/>
                 </a:solidFill>
@@ -5165,7 +5165,7 @@
               </a14:hiddenLine>
             </a:ext>
             <a:ext uri="{AF507438-7753-43e0-B8FC-AC1667EBCBE1}">
-              <a14:hiddenEffects xmlns:a14="http://schemas.microsoft.com/office/drawing/2010/main" xmlns="">
+              <a14:hiddenEffects xmlns="" xmlns:a14="http://schemas.microsoft.com/office/drawing/2010/main">
                 <a:effectLst>
                   <a:outerShdw blurRad="63500" dist="38099" dir="2700000" algn="ctr" rotWithShape="0">
                     <a:schemeClr val="bg2">
@@ -5220,7 +5220,7 @@
           <a:effectLst/>
           <a:extLst>
             <a:ext uri="{91240B29-F687-4f45-9708-019B960494DF}">
-              <a14:hiddenLine xmlns:a14="http://schemas.microsoft.com/office/drawing/2010/main" xmlns="" w="9525">
+              <a14:hiddenLine xmlns="" xmlns:a14="http://schemas.microsoft.com/office/drawing/2010/main" w="9525">
                 <a:solidFill>
                   <a:srgbClr val="000000"/>
                 </a:solidFill>
@@ -5230,7 +5230,7 @@
               </a14:hiddenLine>
             </a:ext>
             <a:ext uri="{AF507438-7753-43e0-B8FC-AC1667EBCBE1}">
-              <a14:hiddenEffects xmlns:a14="http://schemas.microsoft.com/office/drawing/2010/main" xmlns="">
+              <a14:hiddenEffects xmlns="" xmlns:a14="http://schemas.microsoft.com/office/drawing/2010/main">
                 <a:effectLst>
                   <a:outerShdw blurRad="63500" dist="38099" dir="2700000" algn="ctr" rotWithShape="0">
                     <a:schemeClr val="bg2">
@@ -5286,7 +5286,7 @@
           <a:effectLst/>
           <a:extLst>
             <a:ext uri="{91240B29-F687-4f45-9708-019B960494DF}">
-              <a14:hiddenLine xmlns:a14="http://schemas.microsoft.com/office/drawing/2010/main" xmlns="" w="9525">
+              <a14:hiddenLine xmlns="" xmlns:a14="http://schemas.microsoft.com/office/drawing/2010/main" w="9525">
                 <a:solidFill>
                   <a:srgbClr val="000000"/>
                 </a:solidFill>
@@ -5296,7 +5296,7 @@
               </a14:hiddenLine>
             </a:ext>
             <a:ext uri="{AF507438-7753-43e0-B8FC-AC1667EBCBE1}">
-              <a14:hiddenEffects xmlns:a14="http://schemas.microsoft.com/office/drawing/2010/main" xmlns="">
+              <a14:hiddenEffects xmlns="" xmlns:a14="http://schemas.microsoft.com/office/drawing/2010/main">
                 <a:effectLst>
                   <a:outerShdw blurRad="63500" dist="38099" dir="2700000" algn="ctr" rotWithShape="0">
                     <a:schemeClr val="bg2">
@@ -5347,7 +5347,7 @@
           <a:effectLst/>
           <a:extLst>
             <a:ext uri="{91240B29-F687-4f45-9708-019B960494DF}">
-              <a14:hiddenLine xmlns:a14="http://schemas.microsoft.com/office/drawing/2010/main" xmlns="" w="9525">
+              <a14:hiddenLine xmlns="" xmlns:a14="http://schemas.microsoft.com/office/drawing/2010/main" w="9525">
                 <a:solidFill>
                   <a:srgbClr val="000000"/>
                 </a:solidFill>
@@ -5357,7 +5357,7 @@
               </a14:hiddenLine>
             </a:ext>
             <a:ext uri="{AF507438-7753-43e0-B8FC-AC1667EBCBE1}">
-              <a14:hiddenEffects xmlns:a14="http://schemas.microsoft.com/office/drawing/2010/main" xmlns="">
+              <a14:hiddenEffects xmlns="" xmlns:a14="http://schemas.microsoft.com/office/drawing/2010/main">
                 <a:effectLst>
                   <a:outerShdw blurRad="63500" dist="38099" dir="2700000" algn="ctr" rotWithShape="0">
                     <a:schemeClr val="bg2">
@@ -5408,7 +5408,7 @@
           <a:effectLst/>
           <a:extLst>
             <a:ext uri="{91240B29-F687-4f45-9708-019B960494DF}">
-              <a14:hiddenLine xmlns:a14="http://schemas.microsoft.com/office/drawing/2010/main" xmlns="" w="9525">
+              <a14:hiddenLine xmlns="" xmlns:a14="http://schemas.microsoft.com/office/drawing/2010/main" w="9525">
                 <a:solidFill>
                   <a:srgbClr val="000000"/>
                 </a:solidFill>
@@ -5418,7 +5418,7 @@
               </a14:hiddenLine>
             </a:ext>
             <a:ext uri="{AF507438-7753-43e0-B8FC-AC1667EBCBE1}">
-              <a14:hiddenEffects xmlns:a14="http://schemas.microsoft.com/office/drawing/2010/main" xmlns="">
+              <a14:hiddenEffects xmlns="" xmlns:a14="http://schemas.microsoft.com/office/drawing/2010/main">
                 <a:effectLst>
                   <a:outerShdw blurRad="63500" dist="38099" dir="2700000" algn="ctr" rotWithShape="0">
                     <a:schemeClr val="bg2">
@@ -5473,7 +5473,7 @@
           <a:effectLst/>
           <a:extLst>
             <a:ext uri="{91240B29-F687-4f45-9708-019B960494DF}">
-              <a14:hiddenLine xmlns:a14="http://schemas.microsoft.com/office/drawing/2010/main" xmlns="" w="9525">
+              <a14:hiddenLine xmlns="" xmlns:a14="http://schemas.microsoft.com/office/drawing/2010/main" w="9525">
                 <a:solidFill>
                   <a:srgbClr val="000000"/>
                 </a:solidFill>
@@ -5483,7 +5483,7 @@
               </a14:hiddenLine>
             </a:ext>
             <a:ext uri="{AF507438-7753-43e0-B8FC-AC1667EBCBE1}">
-              <a14:hiddenEffects xmlns:a14="http://schemas.microsoft.com/office/drawing/2010/main" xmlns="">
+              <a14:hiddenEffects xmlns="" xmlns:a14="http://schemas.microsoft.com/office/drawing/2010/main">
                 <a:effectLst>
                   <a:outerShdw blurRad="63500" dist="38099" dir="2700000" algn="ctr" rotWithShape="0">
                     <a:schemeClr val="bg2">
@@ -5542,7 +5542,7 @@
           <a:effectLst/>
           <a:extLst>
             <a:ext uri="{91240B29-F687-4f45-9708-019B960494DF}">
-              <a14:hiddenLine xmlns:a14="http://schemas.microsoft.com/office/drawing/2010/main" xmlns="" w="9525">
+              <a14:hiddenLine xmlns="" xmlns:a14="http://schemas.microsoft.com/office/drawing/2010/main" w="9525">
                 <a:solidFill>
                   <a:srgbClr val="000000"/>
                 </a:solidFill>
@@ -5552,7 +5552,7 @@
               </a14:hiddenLine>
             </a:ext>
             <a:ext uri="{AF507438-7753-43e0-B8FC-AC1667EBCBE1}">
-              <a14:hiddenEffects xmlns:a14="http://schemas.microsoft.com/office/drawing/2010/main" xmlns="">
+              <a14:hiddenEffects xmlns="" xmlns:a14="http://schemas.microsoft.com/office/drawing/2010/main">
                 <a:effectLst>
                   <a:outerShdw blurRad="63500" dist="38099" dir="2700000" algn="ctr" rotWithShape="0">
                     <a:schemeClr val="bg2">
@@ -5611,7 +5611,7 @@
           <a:effectLst/>
           <a:extLst>
             <a:ext uri="{91240B29-F687-4f45-9708-019B960494DF}">
-              <a14:hiddenLine xmlns:a14="http://schemas.microsoft.com/office/drawing/2010/main" xmlns="" w="9525">
+              <a14:hiddenLine xmlns="" xmlns:a14="http://schemas.microsoft.com/office/drawing/2010/main" w="9525">
                 <a:solidFill>
                   <a:srgbClr val="000000"/>
                 </a:solidFill>
@@ -5621,7 +5621,7 @@
               </a14:hiddenLine>
             </a:ext>
             <a:ext uri="{AF507438-7753-43e0-B8FC-AC1667EBCBE1}">
-              <a14:hiddenEffects xmlns:a14="http://schemas.microsoft.com/office/drawing/2010/main" xmlns="">
+              <a14:hiddenEffects xmlns="" xmlns:a14="http://schemas.microsoft.com/office/drawing/2010/main">
                 <a:effectLst>
                   <a:outerShdw blurRad="63500" dist="38099" dir="2700000" algn="ctr" rotWithShape="0">
                     <a:schemeClr val="bg2">
@@ -5676,7 +5676,7 @@
           <a:effectLst/>
           <a:extLst>
             <a:ext uri="{91240B29-F687-4f45-9708-019B960494DF}">
-              <a14:hiddenLine xmlns:a14="http://schemas.microsoft.com/office/drawing/2010/main" xmlns="" w="9525">
+              <a14:hiddenLine xmlns="" xmlns:a14="http://schemas.microsoft.com/office/drawing/2010/main" w="9525">
                 <a:solidFill>
                   <a:srgbClr val="000000"/>
                 </a:solidFill>
@@ -5686,7 +5686,7 @@
               </a14:hiddenLine>
             </a:ext>
             <a:ext uri="{AF507438-7753-43e0-B8FC-AC1667EBCBE1}">
-              <a14:hiddenEffects xmlns:a14="http://schemas.microsoft.com/office/drawing/2010/main" xmlns="">
+              <a14:hiddenEffects xmlns="" xmlns:a14="http://schemas.microsoft.com/office/drawing/2010/main">
                 <a:effectLst>
                   <a:outerShdw blurRad="63500" dist="38099" dir="2700000" algn="ctr" rotWithShape="0">
                     <a:schemeClr val="bg2">
@@ -5749,7 +5749,7 @@
           <a:effectLst/>
           <a:extLst>
             <a:ext uri="{91240B29-F687-4f45-9708-019B960494DF}">
-              <a14:hiddenLine xmlns:a14="http://schemas.microsoft.com/office/drawing/2010/main" xmlns="" w="9525">
+              <a14:hiddenLine xmlns="" xmlns:a14="http://schemas.microsoft.com/office/drawing/2010/main" w="9525">
                 <a:solidFill>
                   <a:srgbClr val="000000"/>
                 </a:solidFill>
@@ -5759,7 +5759,7 @@
               </a14:hiddenLine>
             </a:ext>
             <a:ext uri="{AF507438-7753-43e0-B8FC-AC1667EBCBE1}">
-              <a14:hiddenEffects xmlns:a14="http://schemas.microsoft.com/office/drawing/2010/main" xmlns="">
+              <a14:hiddenEffects xmlns="" xmlns:a14="http://schemas.microsoft.com/office/drawing/2010/main">
                 <a:effectLst>
                   <a:outerShdw blurRad="63500" dist="38099" dir="2700000" algn="ctr" rotWithShape="0">
                     <a:schemeClr val="bg2">
@@ -5830,7 +5830,7 @@
           <a:effectLst/>
           <a:extLst>
             <a:ext uri="{91240B29-F687-4f45-9708-019B960494DF}">
-              <a14:hiddenLine xmlns:a14="http://schemas.microsoft.com/office/drawing/2010/main" xmlns="" w="9525">
+              <a14:hiddenLine xmlns="" xmlns:a14="http://schemas.microsoft.com/office/drawing/2010/main" w="9525">
                 <a:solidFill>
                   <a:srgbClr val="000000"/>
                 </a:solidFill>
@@ -5840,7 +5840,7 @@
               </a14:hiddenLine>
             </a:ext>
             <a:ext uri="{AF507438-7753-43e0-B8FC-AC1667EBCBE1}">
-              <a14:hiddenEffects xmlns:a14="http://schemas.microsoft.com/office/drawing/2010/main" xmlns="">
+              <a14:hiddenEffects xmlns="" xmlns:a14="http://schemas.microsoft.com/office/drawing/2010/main">
                 <a:effectLst>
                   <a:outerShdw blurRad="63500" dist="38099" dir="2700000" algn="ctr" rotWithShape="0">
                     <a:schemeClr val="bg2">
@@ -5895,7 +5895,7 @@
           <a:effectLst/>
           <a:extLst>
             <a:ext uri="{91240B29-F687-4f45-9708-019B960494DF}">
-              <a14:hiddenLine xmlns:a14="http://schemas.microsoft.com/office/drawing/2010/main" xmlns="" w="9525">
+              <a14:hiddenLine xmlns="" xmlns:a14="http://schemas.microsoft.com/office/drawing/2010/main" w="9525">
                 <a:solidFill>
                   <a:srgbClr val="000000"/>
                 </a:solidFill>
@@ -5905,7 +5905,7 @@
               </a14:hiddenLine>
             </a:ext>
             <a:ext uri="{AF507438-7753-43e0-B8FC-AC1667EBCBE1}">
-              <a14:hiddenEffects xmlns:a14="http://schemas.microsoft.com/office/drawing/2010/main" xmlns="">
+              <a14:hiddenEffects xmlns="" xmlns:a14="http://schemas.microsoft.com/office/drawing/2010/main">
                 <a:effectLst>
                   <a:outerShdw blurRad="63500" dist="38099" dir="2700000" algn="ctr" rotWithShape="0">
                     <a:schemeClr val="bg2">
@@ -5976,7 +5976,7 @@
           <a:effectLst/>
           <a:extLst>
             <a:ext uri="{91240B29-F687-4f45-9708-019B960494DF}">
-              <a14:hiddenLine xmlns:a14="http://schemas.microsoft.com/office/drawing/2010/main" xmlns="" w="9525">
+              <a14:hiddenLine xmlns="" xmlns:a14="http://schemas.microsoft.com/office/drawing/2010/main" w="9525">
                 <a:solidFill>
                   <a:srgbClr val="000000"/>
                 </a:solidFill>
@@ -5986,7 +5986,7 @@
               </a14:hiddenLine>
             </a:ext>
             <a:ext uri="{AF507438-7753-43e0-B8FC-AC1667EBCBE1}">
-              <a14:hiddenEffects xmlns:a14="http://schemas.microsoft.com/office/drawing/2010/main" xmlns="">
+              <a14:hiddenEffects xmlns="" xmlns:a14="http://schemas.microsoft.com/office/drawing/2010/main">
                 <a:effectLst>
                   <a:outerShdw blurRad="63500" dist="38099" dir="2700000" algn="ctr" rotWithShape="0">
                     <a:schemeClr val="bg2">
@@ -6041,7 +6041,7 @@
           <a:effectLst/>
           <a:extLst>
             <a:ext uri="{91240B29-F687-4f45-9708-019B960494DF}">
-              <a14:hiddenLine xmlns:a14="http://schemas.microsoft.com/office/drawing/2010/main" xmlns="" w="9525">
+              <a14:hiddenLine xmlns="" xmlns:a14="http://schemas.microsoft.com/office/drawing/2010/main" w="9525">
                 <a:solidFill>
                   <a:srgbClr val="000000"/>
                 </a:solidFill>
@@ -6051,7 +6051,7 @@
               </a14:hiddenLine>
             </a:ext>
             <a:ext uri="{AF507438-7753-43e0-B8FC-AC1667EBCBE1}">
-              <a14:hiddenEffects xmlns:a14="http://schemas.microsoft.com/office/drawing/2010/main" xmlns="">
+              <a14:hiddenEffects xmlns="" xmlns:a14="http://schemas.microsoft.com/office/drawing/2010/main">
                 <a:effectLst>
                   <a:outerShdw blurRad="63500" dist="38099" dir="2700000" algn="ctr" rotWithShape="0">
                     <a:schemeClr val="bg2">
@@ -6200,7 +6200,7 @@
           <a:effectLst/>
           <a:extLst>
             <a:ext uri="{91240B29-F687-4f45-9708-019B960494DF}">
-              <a14:hiddenLine xmlns:a14="http://schemas.microsoft.com/office/drawing/2010/main" xmlns="" w="9525">
+              <a14:hiddenLine xmlns="" xmlns:a14="http://schemas.microsoft.com/office/drawing/2010/main" w="9525">
                 <a:solidFill>
                   <a:srgbClr val="000000"/>
                 </a:solidFill>
@@ -6210,7 +6210,7 @@
               </a14:hiddenLine>
             </a:ext>
             <a:ext uri="{AF507438-7753-43e0-B8FC-AC1667EBCBE1}">
-              <a14:hiddenEffects xmlns:a14="http://schemas.microsoft.com/office/drawing/2010/main" xmlns="">
+              <a14:hiddenEffects xmlns="" xmlns:a14="http://schemas.microsoft.com/office/drawing/2010/main">
                 <a:effectLst>
                   <a:outerShdw blurRad="63500" dist="38099" dir="2700000" algn="ctr" rotWithShape="0">
                     <a:schemeClr val="bg2">
@@ -6351,7 +6351,7 @@
           <a:effectLst/>
           <a:extLst>
             <a:ext uri="{91240B29-F687-4f45-9708-019B960494DF}">
-              <a14:hiddenLine xmlns:a14="http://schemas.microsoft.com/office/drawing/2010/main" xmlns="" w="9525">
+              <a14:hiddenLine xmlns="" xmlns:a14="http://schemas.microsoft.com/office/drawing/2010/main" w="9525">
                 <a:solidFill>
                   <a:srgbClr val="000000"/>
                 </a:solidFill>
@@ -6361,7 +6361,7 @@
               </a14:hiddenLine>
             </a:ext>
             <a:ext uri="{AF507438-7753-43e0-B8FC-AC1667EBCBE1}">
-              <a14:hiddenEffects xmlns:a14="http://schemas.microsoft.com/office/drawing/2010/main" xmlns="">
+              <a14:hiddenEffects xmlns="" xmlns:a14="http://schemas.microsoft.com/office/drawing/2010/main">
                 <a:effectLst>
                   <a:outerShdw blurRad="63500" dist="38099" dir="2700000" algn="ctr" rotWithShape="0">
                     <a:schemeClr val="bg2">
@@ -6502,7 +6502,7 @@
           <a:effectLst/>
           <a:extLst>
             <a:ext uri="{91240B29-F687-4f45-9708-019B960494DF}">
-              <a14:hiddenLine xmlns:a14="http://schemas.microsoft.com/office/drawing/2010/main" xmlns="" w="9525">
+              <a14:hiddenLine xmlns="" xmlns:a14="http://schemas.microsoft.com/office/drawing/2010/main" w="9525">
                 <a:solidFill>
                   <a:srgbClr val="000000"/>
                 </a:solidFill>
@@ -6512,7 +6512,7 @@
               </a14:hiddenLine>
             </a:ext>
             <a:ext uri="{AF507438-7753-43e0-B8FC-AC1667EBCBE1}">
-              <a14:hiddenEffects xmlns:a14="http://schemas.microsoft.com/office/drawing/2010/main" xmlns="">
+              <a14:hiddenEffects xmlns="" xmlns:a14="http://schemas.microsoft.com/office/drawing/2010/main">
                 <a:effectLst>
                   <a:outerShdw blurRad="63500" dist="38099" dir="2700000" algn="ctr" rotWithShape="0">
                     <a:schemeClr val="bg2">
@@ -6653,7 +6653,7 @@
           <a:effectLst/>
           <a:extLst>
             <a:ext uri="{91240B29-F687-4f45-9708-019B960494DF}">
-              <a14:hiddenLine xmlns:a14="http://schemas.microsoft.com/office/drawing/2010/main" xmlns="" w="9525">
+              <a14:hiddenLine xmlns="" xmlns:a14="http://schemas.microsoft.com/office/drawing/2010/main" w="9525">
                 <a:solidFill>
                   <a:srgbClr val="000000"/>
                 </a:solidFill>
@@ -6663,7 +6663,7 @@
               </a14:hiddenLine>
             </a:ext>
             <a:ext uri="{AF507438-7753-43e0-B8FC-AC1667EBCBE1}">
-              <a14:hiddenEffects xmlns:a14="http://schemas.microsoft.com/office/drawing/2010/main" xmlns="">
+              <a14:hiddenEffects xmlns="" xmlns:a14="http://schemas.microsoft.com/office/drawing/2010/main">
                 <a:effectLst>
                   <a:outerShdw blurRad="63500" dist="38099" dir="2700000" algn="ctr" rotWithShape="0">
                     <a:schemeClr val="bg2">
@@ -6804,7 +6804,7 @@
           <a:effectLst/>
           <a:extLst>
             <a:ext uri="{91240B29-F687-4f45-9708-019B960494DF}">
-              <a14:hiddenLine xmlns:a14="http://schemas.microsoft.com/office/drawing/2010/main" xmlns="" w="9525">
+              <a14:hiddenLine xmlns="" xmlns:a14="http://schemas.microsoft.com/office/drawing/2010/main" w="9525">
                 <a:solidFill>
                   <a:srgbClr val="000000"/>
                 </a:solidFill>
@@ -6814,7 +6814,7 @@
               </a14:hiddenLine>
             </a:ext>
             <a:ext uri="{AF507438-7753-43e0-B8FC-AC1667EBCBE1}">
-              <a14:hiddenEffects xmlns:a14="http://schemas.microsoft.com/office/drawing/2010/main" xmlns="">
+              <a14:hiddenEffects xmlns="" xmlns:a14="http://schemas.microsoft.com/office/drawing/2010/main">
                 <a:effectLst>
                   <a:outerShdw blurRad="63500" dist="38099" dir="2700000" algn="ctr" rotWithShape="0">
                     <a:schemeClr val="bg2">
@@ -6955,7 +6955,7 @@
           <a:effectLst/>
           <a:extLst>
             <a:ext uri="{91240B29-F687-4f45-9708-019B960494DF}">
-              <a14:hiddenLine xmlns:a14="http://schemas.microsoft.com/office/drawing/2010/main" xmlns="" w="9525">
+              <a14:hiddenLine xmlns="" xmlns:a14="http://schemas.microsoft.com/office/drawing/2010/main" w="9525">
                 <a:solidFill>
                   <a:srgbClr val="000000"/>
                 </a:solidFill>
@@ -6965,7 +6965,7 @@
               </a14:hiddenLine>
             </a:ext>
             <a:ext uri="{AF507438-7753-43e0-B8FC-AC1667EBCBE1}">
-              <a14:hiddenEffects xmlns:a14="http://schemas.microsoft.com/office/drawing/2010/main" xmlns="">
+              <a14:hiddenEffects xmlns="" xmlns:a14="http://schemas.microsoft.com/office/drawing/2010/main">
                 <a:effectLst>
                   <a:outerShdw blurRad="63500" dist="38099" dir="2700000" algn="ctr" rotWithShape="0">
                     <a:schemeClr val="bg2">
@@ -7013,12 +7013,12 @@
           <a:effectLst/>
           <a:extLst>
             <a:ext uri="{909E8E84-426E-40dd-AFC4-6F175D3DCCD1}">
-              <a14:hiddenFill xmlns:a14="http://schemas.microsoft.com/office/drawing/2010/main" xmlns="">
+              <a14:hiddenFill xmlns="" xmlns:a14="http://schemas.microsoft.com/office/drawing/2010/main">
                 <a:noFill/>
               </a14:hiddenFill>
             </a:ext>
             <a:ext uri="{AF507438-7753-43e0-B8FC-AC1667EBCBE1}">
-              <a14:hiddenEffects xmlns:a14="http://schemas.microsoft.com/office/drawing/2010/main" xmlns="">
+              <a14:hiddenEffects xmlns="" xmlns:a14="http://schemas.microsoft.com/office/drawing/2010/main">
                 <a:effectLst>
                   <a:outerShdw blurRad="63500" dist="38099" dir="2700000" algn="ctr" rotWithShape="0">
                     <a:schemeClr val="bg2">
@@ -7066,12 +7066,12 @@
           <a:effectLst/>
           <a:extLst>
             <a:ext uri="{909E8E84-426E-40dd-AFC4-6F175D3DCCD1}">
-              <a14:hiddenFill xmlns:a14="http://schemas.microsoft.com/office/drawing/2010/main" xmlns="">
+              <a14:hiddenFill xmlns="" xmlns:a14="http://schemas.microsoft.com/office/drawing/2010/main">
                 <a:noFill/>
               </a14:hiddenFill>
             </a:ext>
             <a:ext uri="{AF507438-7753-43e0-B8FC-AC1667EBCBE1}">
-              <a14:hiddenEffects xmlns:a14="http://schemas.microsoft.com/office/drawing/2010/main" xmlns="">
+              <a14:hiddenEffects xmlns="" xmlns:a14="http://schemas.microsoft.com/office/drawing/2010/main">
                 <a:effectLst>
                   <a:outerShdw blurRad="63500" dist="38099" dir="2700000" algn="ctr" rotWithShape="0">
                     <a:schemeClr val="bg2">
@@ -7119,12 +7119,12 @@
           <a:effectLst/>
           <a:extLst>
             <a:ext uri="{909E8E84-426E-40dd-AFC4-6F175D3DCCD1}">
-              <a14:hiddenFill xmlns:a14="http://schemas.microsoft.com/office/drawing/2010/main" xmlns="">
+              <a14:hiddenFill xmlns="" xmlns:a14="http://schemas.microsoft.com/office/drawing/2010/main">
                 <a:noFill/>
               </a14:hiddenFill>
             </a:ext>
             <a:ext uri="{AF507438-7753-43e0-B8FC-AC1667EBCBE1}">
-              <a14:hiddenEffects xmlns:a14="http://schemas.microsoft.com/office/drawing/2010/main" xmlns="">
+              <a14:hiddenEffects xmlns="" xmlns:a14="http://schemas.microsoft.com/office/drawing/2010/main">
                 <a:effectLst>
                   <a:outerShdw blurRad="63500" dist="38099" dir="2700000" algn="ctr" rotWithShape="0">
                     <a:schemeClr val="bg2">
@@ -7172,12 +7172,12 @@
           <a:effectLst/>
           <a:extLst>
             <a:ext uri="{909E8E84-426E-40dd-AFC4-6F175D3DCCD1}">
-              <a14:hiddenFill xmlns:a14="http://schemas.microsoft.com/office/drawing/2010/main" xmlns="">
+              <a14:hiddenFill xmlns="" xmlns:a14="http://schemas.microsoft.com/office/drawing/2010/main">
                 <a:noFill/>
               </a14:hiddenFill>
             </a:ext>
             <a:ext uri="{AF507438-7753-43e0-B8FC-AC1667EBCBE1}">
-              <a14:hiddenEffects xmlns:a14="http://schemas.microsoft.com/office/drawing/2010/main" xmlns="">
+              <a14:hiddenEffects xmlns="" xmlns:a14="http://schemas.microsoft.com/office/drawing/2010/main">
                 <a:effectLst>
                   <a:outerShdw blurRad="63500" dist="38099" dir="2700000" algn="ctr" rotWithShape="0">
                     <a:schemeClr val="bg2">
@@ -7225,12 +7225,12 @@
           <a:effectLst/>
           <a:extLst>
             <a:ext uri="{909E8E84-426E-40dd-AFC4-6F175D3DCCD1}">
-              <a14:hiddenFill xmlns:a14="http://schemas.microsoft.com/office/drawing/2010/main" xmlns="">
+              <a14:hiddenFill xmlns="" xmlns:a14="http://schemas.microsoft.com/office/drawing/2010/main">
                 <a:noFill/>
               </a14:hiddenFill>
             </a:ext>
             <a:ext uri="{AF507438-7753-43e0-B8FC-AC1667EBCBE1}">
-              <a14:hiddenEffects xmlns:a14="http://schemas.microsoft.com/office/drawing/2010/main" xmlns="">
+              <a14:hiddenEffects xmlns="" xmlns:a14="http://schemas.microsoft.com/office/drawing/2010/main">
                 <a:effectLst>
                   <a:outerShdw blurRad="63500" dist="38099" dir="2700000" algn="ctr" rotWithShape="0">
                     <a:schemeClr val="bg2">
@@ -7273,12 +7273,12 @@
           <a:effectLst/>
           <a:extLst>
             <a:ext uri="{909E8E84-426E-40dd-AFC4-6F175D3DCCD1}">
-              <a14:hiddenFill xmlns:a14="http://schemas.microsoft.com/office/drawing/2010/main" xmlns="">
+              <a14:hiddenFill xmlns="" xmlns:a14="http://schemas.microsoft.com/office/drawing/2010/main">
                 <a:noFill/>
               </a14:hiddenFill>
             </a:ext>
             <a:ext uri="{91240B29-F687-4f45-9708-019B960494DF}">
-              <a14:hiddenLine xmlns:a14="http://schemas.microsoft.com/office/drawing/2010/main" xmlns="" w="9525">
+              <a14:hiddenLine xmlns="" xmlns:a14="http://schemas.microsoft.com/office/drawing/2010/main" w="9525">
                 <a:solidFill>
                   <a:srgbClr val="000000"/>
                 </a:solidFill>
@@ -7288,7 +7288,7 @@
               </a14:hiddenLine>
             </a:ext>
             <a:ext uri="{AF507438-7753-43e0-B8FC-AC1667EBCBE1}">
-              <a14:hiddenEffects xmlns:a14="http://schemas.microsoft.com/office/drawing/2010/main" xmlns="">
+              <a14:hiddenEffects xmlns="" xmlns:a14="http://schemas.microsoft.com/office/drawing/2010/main">
                 <a:effectLst>
                   <a:outerShdw blurRad="63500" dist="38099" dir="2700000" algn="ctr" rotWithShape="0">
                     <a:schemeClr val="bg2">
@@ -7333,7 +7333,7 @@
           <a:effectLst/>
           <a:extLst>
             <a:ext uri="{91240B29-F687-4f45-9708-019B960494DF}">
-              <a14:hiddenLine xmlns:a14="http://schemas.microsoft.com/office/drawing/2010/main" xmlns="" w="9525">
+              <a14:hiddenLine xmlns="" xmlns:a14="http://schemas.microsoft.com/office/drawing/2010/main" w="9525">
                 <a:solidFill>
                   <a:srgbClr val="000000"/>
                 </a:solidFill>
@@ -7343,7 +7343,7 @@
               </a14:hiddenLine>
             </a:ext>
             <a:ext uri="{AF507438-7753-43e0-B8FC-AC1667EBCBE1}">
-              <a14:hiddenEffects xmlns:a14="http://schemas.microsoft.com/office/drawing/2010/main" xmlns="">
+              <a14:hiddenEffects xmlns="" xmlns:a14="http://schemas.microsoft.com/office/drawing/2010/main">
                 <a:effectLst>
                   <a:outerShdw blurRad="63500" dist="38099" dir="2700000" algn="ctr" rotWithShape="0">
                     <a:schemeClr val="bg2">
@@ -7392,7 +7392,7 @@
           <a:effectLst/>
           <a:extLst>
             <a:ext uri="{91240B29-F687-4f45-9708-019B960494DF}">
-              <a14:hiddenLine xmlns:a14="http://schemas.microsoft.com/office/drawing/2010/main" xmlns="" w="9525">
+              <a14:hiddenLine xmlns="" xmlns:a14="http://schemas.microsoft.com/office/drawing/2010/main" w="9525">
                 <a:solidFill>
                   <a:srgbClr val="000000"/>
                 </a:solidFill>
@@ -7402,7 +7402,7 @@
               </a14:hiddenLine>
             </a:ext>
             <a:ext uri="{AF507438-7753-43e0-B8FC-AC1667EBCBE1}">
-              <a14:hiddenEffects xmlns:a14="http://schemas.microsoft.com/office/drawing/2010/main" xmlns="">
+              <a14:hiddenEffects xmlns="" xmlns:a14="http://schemas.microsoft.com/office/drawing/2010/main">
                 <a:effectLst>
                   <a:outerShdw blurRad="63500" dist="38099" dir="2700000" algn="ctr" rotWithShape="0">
                     <a:schemeClr val="bg2">
@@ -7451,7 +7451,7 @@
           <a:effectLst/>
           <a:extLst>
             <a:ext uri="{91240B29-F687-4f45-9708-019B960494DF}">
-              <a14:hiddenLine xmlns:a14="http://schemas.microsoft.com/office/drawing/2010/main" xmlns="" w="9525">
+              <a14:hiddenLine xmlns="" xmlns:a14="http://schemas.microsoft.com/office/drawing/2010/main" w="9525">
                 <a:solidFill>
                   <a:srgbClr val="000000"/>
                 </a:solidFill>
@@ -7461,7 +7461,7 @@
               </a14:hiddenLine>
             </a:ext>
             <a:ext uri="{AF507438-7753-43e0-B8FC-AC1667EBCBE1}">
-              <a14:hiddenEffects xmlns:a14="http://schemas.microsoft.com/office/drawing/2010/main" xmlns="">
+              <a14:hiddenEffects xmlns="" xmlns:a14="http://schemas.microsoft.com/office/drawing/2010/main">
                 <a:effectLst>
                   <a:outerShdw blurRad="63500" dist="38099" dir="2700000" algn="ctr" rotWithShape="0">
                     <a:schemeClr val="bg2">
@@ -7514,12 +7514,12 @@
           <a:effectLst/>
           <a:extLst>
             <a:ext uri="{909E8E84-426E-40dd-AFC4-6F175D3DCCD1}">
-              <a14:hiddenFill xmlns:a14="http://schemas.microsoft.com/office/drawing/2010/main" xmlns="">
+              <a14:hiddenFill xmlns="" xmlns:a14="http://schemas.microsoft.com/office/drawing/2010/main">
                 <a:noFill/>
               </a14:hiddenFill>
             </a:ext>
             <a:ext uri="{AF507438-7753-43e0-B8FC-AC1667EBCBE1}">
-              <a14:hiddenEffects xmlns:a14="http://schemas.microsoft.com/office/drawing/2010/main" xmlns="">
+              <a14:hiddenEffects xmlns="" xmlns:a14="http://schemas.microsoft.com/office/drawing/2010/main">
                 <a:effectLst>
                   <a:outerShdw blurRad="63500" dist="38099" dir="2700000" algn="ctr" rotWithShape="0">
                     <a:schemeClr val="bg2">
@@ -7568,12 +7568,12 @@
           <a:effectLst/>
           <a:extLst>
             <a:ext uri="{909E8E84-426E-40dd-AFC4-6F175D3DCCD1}">
-              <a14:hiddenFill xmlns:a14="http://schemas.microsoft.com/office/drawing/2010/main" xmlns="">
+              <a14:hiddenFill xmlns="" xmlns:a14="http://schemas.microsoft.com/office/drawing/2010/main">
                 <a:noFill/>
               </a14:hiddenFill>
             </a:ext>
             <a:ext uri="{AF507438-7753-43e0-B8FC-AC1667EBCBE1}">
-              <a14:hiddenEffects xmlns:a14="http://schemas.microsoft.com/office/drawing/2010/main" xmlns="">
+              <a14:hiddenEffects xmlns="" xmlns:a14="http://schemas.microsoft.com/office/drawing/2010/main">
                 <a:effectLst>
                   <a:outerShdw blurRad="63500" dist="38099" dir="2700000" algn="ctr" rotWithShape="0">
                     <a:schemeClr val="bg2">
@@ -7622,14 +7622,14 @@
           <a:effectLst/>
           <a:extLst>
             <a:ext uri="{909E8E84-426E-40dd-AFC4-6F175D3DCCD1}">
-              <a14:hiddenFill xmlns:a14="http://schemas.microsoft.com/office/drawing/2010/main" xmlns="">
+              <a14:hiddenFill xmlns="" xmlns:a14="http://schemas.microsoft.com/office/drawing/2010/main">
                 <a:solidFill>
                   <a:schemeClr val="accent1"/>
                 </a:solidFill>
               </a14:hiddenFill>
             </a:ext>
             <a:ext uri="{AF507438-7753-43e0-B8FC-AC1667EBCBE1}">
-              <a14:hiddenEffects xmlns:a14="http://schemas.microsoft.com/office/drawing/2010/main" xmlns="">
+              <a14:hiddenEffects xmlns="" xmlns:a14="http://schemas.microsoft.com/office/drawing/2010/main">
                 <a:effectLst>
                   <a:outerShdw blurRad="63500" dist="38099" dir="2700000" algn="ctr" rotWithShape="0">
                     <a:schemeClr val="bg2">
@@ -7672,14 +7672,14 @@
           <a:effectLst/>
           <a:extLst>
             <a:ext uri="{909E8E84-426E-40dd-AFC4-6F175D3DCCD1}">
-              <a14:hiddenFill xmlns:a14="http://schemas.microsoft.com/office/drawing/2010/main" xmlns="">
+              <a14:hiddenFill xmlns="" xmlns:a14="http://schemas.microsoft.com/office/drawing/2010/main">
                 <a:solidFill>
                   <a:schemeClr val="accent1"/>
                 </a:solidFill>
               </a14:hiddenFill>
             </a:ext>
             <a:ext uri="{91240B29-F687-4f45-9708-019B960494DF}">
-              <a14:hiddenLine xmlns:a14="http://schemas.microsoft.com/office/drawing/2010/main" xmlns="" w="9525">
+              <a14:hiddenLine xmlns="" xmlns:a14="http://schemas.microsoft.com/office/drawing/2010/main" w="9525">
                 <a:solidFill>
                   <a:srgbClr val="000000"/>
                 </a:solidFill>
@@ -7689,7 +7689,7 @@
               </a14:hiddenLine>
             </a:ext>
             <a:ext uri="{AF507438-7753-43e0-B8FC-AC1667EBCBE1}">
-              <a14:hiddenEffects xmlns:a14="http://schemas.microsoft.com/office/drawing/2010/main" xmlns="">
+              <a14:hiddenEffects xmlns="" xmlns:a14="http://schemas.microsoft.com/office/drawing/2010/main">
                 <a:effectLst>
                   <a:outerShdw blurRad="63500" dist="38099" dir="2700000" algn="ctr" rotWithShape="0">
                     <a:schemeClr val="bg2">
@@ -7736,14 +7736,14 @@
           <a:effectLst/>
           <a:extLst>
             <a:ext uri="{909E8E84-426E-40dd-AFC4-6F175D3DCCD1}">
-              <a14:hiddenFill xmlns:a14="http://schemas.microsoft.com/office/drawing/2010/main" xmlns="">
+              <a14:hiddenFill xmlns="" xmlns:a14="http://schemas.microsoft.com/office/drawing/2010/main">
                 <a:solidFill>
                   <a:schemeClr val="accent1"/>
                 </a:solidFill>
               </a14:hiddenFill>
             </a:ext>
             <a:ext uri="{91240B29-F687-4f45-9708-019B960494DF}">
-              <a14:hiddenLine xmlns:a14="http://schemas.microsoft.com/office/drawing/2010/main" xmlns="" w="9525">
+              <a14:hiddenLine xmlns="" xmlns:a14="http://schemas.microsoft.com/office/drawing/2010/main" w="9525">
                 <a:solidFill>
                   <a:srgbClr val="000000"/>
                 </a:solidFill>
@@ -7753,7 +7753,7 @@
               </a14:hiddenLine>
             </a:ext>
             <a:ext uri="{AF507438-7753-43e0-B8FC-AC1667EBCBE1}">
-              <a14:hiddenEffects xmlns:a14="http://schemas.microsoft.com/office/drawing/2010/main" xmlns="">
+              <a14:hiddenEffects xmlns="" xmlns:a14="http://schemas.microsoft.com/office/drawing/2010/main">
                 <a:effectLst>
                   <a:outerShdw blurRad="63500" dist="38099" dir="2700000" algn="ctr" rotWithShape="0">
                     <a:schemeClr val="bg2">
@@ -7800,14 +7800,14 @@
           <a:effectLst/>
           <a:extLst>
             <a:ext uri="{909E8E84-426E-40dd-AFC4-6F175D3DCCD1}">
-              <a14:hiddenFill xmlns:a14="http://schemas.microsoft.com/office/drawing/2010/main" xmlns="">
+              <a14:hiddenFill xmlns="" xmlns:a14="http://schemas.microsoft.com/office/drawing/2010/main">
                 <a:solidFill>
                   <a:schemeClr val="accent1"/>
                 </a:solidFill>
               </a14:hiddenFill>
             </a:ext>
             <a:ext uri="{91240B29-F687-4f45-9708-019B960494DF}">
-              <a14:hiddenLine xmlns:a14="http://schemas.microsoft.com/office/drawing/2010/main" xmlns="" w="9525">
+              <a14:hiddenLine xmlns="" xmlns:a14="http://schemas.microsoft.com/office/drawing/2010/main" w="9525">
                 <a:solidFill>
                   <a:srgbClr val="000000"/>
                 </a:solidFill>
@@ -7817,7 +7817,7 @@
               </a14:hiddenLine>
             </a:ext>
             <a:ext uri="{AF507438-7753-43e0-B8FC-AC1667EBCBE1}">
-              <a14:hiddenEffects xmlns:a14="http://schemas.microsoft.com/office/drawing/2010/main" xmlns="">
+              <a14:hiddenEffects xmlns="" xmlns:a14="http://schemas.microsoft.com/office/drawing/2010/main">
                 <a:effectLst>
                   <a:outerShdw blurRad="63500" dist="38099" dir="2700000" algn="ctr" rotWithShape="0">
                     <a:schemeClr val="bg2">
@@ -7893,14 +7893,14 @@
           </a:ln>
           <a:extLst>
             <a:ext uri="{909E8E84-426E-40dd-AFC4-6F175D3DCCD1}">
-              <a14:hiddenFill xmlns:a14="http://schemas.microsoft.com/office/drawing/2010/main" xmlns="">
+              <a14:hiddenFill xmlns="" xmlns:a14="http://schemas.microsoft.com/office/drawing/2010/main">
                 <a:solidFill>
                   <a:srgbClr val="FFFFFF"/>
                 </a:solidFill>
               </a14:hiddenFill>
             </a:ext>
             <a:ext uri="{91240B29-F687-4f45-9708-019B960494DF}">
-              <a14:hiddenLine xmlns:a14="http://schemas.microsoft.com/office/drawing/2010/main" xmlns="" w="9525">
+              <a14:hiddenLine xmlns="" xmlns:a14="http://schemas.microsoft.com/office/drawing/2010/main" w="9525">
                 <a:solidFill>
                   <a:srgbClr val="000000"/>
                 </a:solidFill>
@@ -8063,7 +8063,7 @@
           </a:ln>
           <a:extLst>
             <a:ext uri="{91240B29-F687-4f45-9708-019B960494DF}">
-              <a14:hiddenLine xmlns:a14="http://schemas.microsoft.com/office/drawing/2010/main" xmlns="" w="0">
+              <a14:hiddenLine xmlns="" xmlns:a14="http://schemas.microsoft.com/office/drawing/2010/main" w="0">
                 <a:solidFill>
                   <a:srgbClr val="D1D1D1"/>
                 </a:solidFill>
@@ -8158,7 +8158,7 @@
           </a:ln>
           <a:extLst>
             <a:ext uri="{91240B29-F687-4f45-9708-019B960494DF}">
-              <a14:hiddenLine xmlns:a14="http://schemas.microsoft.com/office/drawing/2010/main" xmlns="" w="0">
+              <a14:hiddenLine xmlns="" xmlns:a14="http://schemas.microsoft.com/office/drawing/2010/main" w="0">
                 <a:solidFill>
                   <a:srgbClr val="808080"/>
                 </a:solidFill>
@@ -8272,7 +8272,7 @@
           </a:ln>
           <a:extLst>
             <a:ext uri="{91240B29-F687-4f45-9708-019B960494DF}">
-              <a14:hiddenLine xmlns:a14="http://schemas.microsoft.com/office/drawing/2010/main" xmlns="" w="0">
+              <a14:hiddenLine xmlns="" xmlns:a14="http://schemas.microsoft.com/office/drawing/2010/main" w="0">
                 <a:solidFill>
                   <a:srgbClr val="D1D1D1"/>
                 </a:solidFill>
@@ -8367,7 +8367,7 @@
           </a:ln>
           <a:extLst>
             <a:ext uri="{91240B29-F687-4f45-9708-019B960494DF}">
-              <a14:hiddenLine xmlns:a14="http://schemas.microsoft.com/office/drawing/2010/main" xmlns="" w="0">
+              <a14:hiddenLine xmlns="" xmlns:a14="http://schemas.microsoft.com/office/drawing/2010/main" w="0">
                 <a:solidFill>
                   <a:srgbClr val="808080"/>
                 </a:solidFill>
@@ -8481,7 +8481,7 @@
           </a:ln>
           <a:extLst>
             <a:ext uri="{91240B29-F687-4f45-9708-019B960494DF}">
-              <a14:hiddenLine xmlns:a14="http://schemas.microsoft.com/office/drawing/2010/main" xmlns="" w="0">
+              <a14:hiddenLine xmlns="" xmlns:a14="http://schemas.microsoft.com/office/drawing/2010/main" w="0">
                 <a:solidFill>
                   <a:srgbClr val="D1D1D1"/>
                 </a:solidFill>
@@ -8595,7 +8595,7 @@
           </a:ln>
           <a:extLst>
             <a:ext uri="{91240B29-F687-4f45-9708-019B960494DF}">
-              <a14:hiddenLine xmlns:a14="http://schemas.microsoft.com/office/drawing/2010/main" xmlns="" w="0">
+              <a14:hiddenLine xmlns="" xmlns:a14="http://schemas.microsoft.com/office/drawing/2010/main" w="0">
                 <a:solidFill>
                   <a:srgbClr val="D1D1D1"/>
                 </a:solidFill>
@@ -8690,7 +8690,7 @@
           </a:ln>
           <a:extLst>
             <a:ext uri="{91240B29-F687-4f45-9708-019B960494DF}">
-              <a14:hiddenLine xmlns:a14="http://schemas.microsoft.com/office/drawing/2010/main" xmlns="" w="0">
+              <a14:hiddenLine xmlns="" xmlns:a14="http://schemas.microsoft.com/office/drawing/2010/main" w="0">
                 <a:solidFill>
                   <a:srgbClr val="808080"/>
                 </a:solidFill>
@@ -9112,7 +9112,7 @@
           </a:ln>
           <a:extLst>
             <a:ext uri="{91240B29-F687-4f45-9708-019B960494DF}">
-              <a14:hiddenLine xmlns:a14="http://schemas.microsoft.com/office/drawing/2010/main" xmlns="" w="0">
+              <a14:hiddenLine xmlns="" xmlns:a14="http://schemas.microsoft.com/office/drawing/2010/main" w="0">
                 <a:solidFill>
                   <a:srgbClr val="FACD69"/>
                 </a:solidFill>
@@ -9176,7 +9176,7 @@
           <a:effectLst/>
           <a:extLst>
             <a:ext uri="{91240B29-F687-4f45-9708-019B960494DF}">
-              <a14:hiddenLine xmlns:a14="http://schemas.microsoft.com/office/drawing/2010/main" xmlns="" w="9525">
+              <a14:hiddenLine xmlns="" xmlns:a14="http://schemas.microsoft.com/office/drawing/2010/main" w="9525">
                 <a:solidFill>
                   <a:schemeClr val="tx1"/>
                 </a:solidFill>
@@ -9186,7 +9186,7 @@
               </a14:hiddenLine>
             </a:ext>
             <a:ext uri="{AF507438-7753-43e0-B8FC-AC1667EBCBE1}">
-              <a14:hiddenEffects xmlns:a14="http://schemas.microsoft.com/office/drawing/2010/main" xmlns="">
+              <a14:hiddenEffects xmlns="" xmlns:a14="http://schemas.microsoft.com/office/drawing/2010/main">
                 <a:effectLst>
                   <a:outerShdw blurRad="63500" dist="38099" dir="2700000" algn="ctr" rotWithShape="0">
                     <a:schemeClr val="bg2">
@@ -9253,7 +9253,7 @@
           <a:effectLst/>
           <a:extLst>
             <a:ext uri="{91240B29-F687-4f45-9708-019B960494DF}">
-              <a14:hiddenLine xmlns:a14="http://schemas.microsoft.com/office/drawing/2010/main" xmlns="" w="9525">
+              <a14:hiddenLine xmlns="" xmlns:a14="http://schemas.microsoft.com/office/drawing/2010/main" w="9525">
                 <a:solidFill>
                   <a:schemeClr val="tx1"/>
                 </a:solidFill>
@@ -9263,7 +9263,7 @@
               </a14:hiddenLine>
             </a:ext>
             <a:ext uri="{AF507438-7753-43e0-B8FC-AC1667EBCBE1}">
-              <a14:hiddenEffects xmlns:a14="http://schemas.microsoft.com/office/drawing/2010/main" xmlns="">
+              <a14:hiddenEffects xmlns="" xmlns:a14="http://schemas.microsoft.com/office/drawing/2010/main">
                 <a:effectLst>
                   <a:outerShdw blurRad="63500" dist="38099" dir="2700000" algn="ctr" rotWithShape="0">
                     <a:schemeClr val="bg2">
@@ -9359,7 +9359,7 @@
           </a:ln>
           <a:extLst>
             <a:ext uri="{91240B29-F687-4f45-9708-019B960494DF}">
-              <a14:hiddenLine xmlns:a14="http://schemas.microsoft.com/office/drawing/2010/main" xmlns="" w="0">
+              <a14:hiddenLine xmlns="" xmlns:a14="http://schemas.microsoft.com/office/drawing/2010/main" w="0">
                 <a:solidFill>
                   <a:srgbClr val="808080"/>
                 </a:solidFill>
@@ -9423,7 +9423,7 @@
           <a:effectLst/>
           <a:extLst>
             <a:ext uri="{91240B29-F687-4f45-9708-019B960494DF}">
-              <a14:hiddenLine xmlns:a14="http://schemas.microsoft.com/office/drawing/2010/main" xmlns="" w="9525">
+              <a14:hiddenLine xmlns="" xmlns:a14="http://schemas.microsoft.com/office/drawing/2010/main" w="9525">
                 <a:solidFill>
                   <a:schemeClr val="tx1"/>
                 </a:solidFill>
@@ -9433,7 +9433,7 @@
               </a14:hiddenLine>
             </a:ext>
             <a:ext uri="{AF507438-7753-43e0-B8FC-AC1667EBCBE1}">
-              <a14:hiddenEffects xmlns:a14="http://schemas.microsoft.com/office/drawing/2010/main" xmlns="">
+              <a14:hiddenEffects xmlns="" xmlns:a14="http://schemas.microsoft.com/office/drawing/2010/main">
                 <a:effectLst>
                   <a:outerShdw blurRad="63500" dist="38099" dir="2700000" algn="ctr" rotWithShape="0">
                     <a:schemeClr val="bg2">
@@ -9500,7 +9500,7 @@
           <a:effectLst/>
           <a:extLst>
             <a:ext uri="{91240B29-F687-4f45-9708-019B960494DF}">
-              <a14:hiddenLine xmlns:a14="http://schemas.microsoft.com/office/drawing/2010/main" xmlns="" w="9525">
+              <a14:hiddenLine xmlns="" xmlns:a14="http://schemas.microsoft.com/office/drawing/2010/main" w="9525">
                 <a:solidFill>
                   <a:schemeClr val="tx1"/>
                 </a:solidFill>
@@ -9510,7 +9510,7 @@
               </a14:hiddenLine>
             </a:ext>
             <a:ext uri="{AF507438-7753-43e0-B8FC-AC1667EBCBE1}">
-              <a14:hiddenEffects xmlns:a14="http://schemas.microsoft.com/office/drawing/2010/main" xmlns="">
+              <a14:hiddenEffects xmlns="" xmlns:a14="http://schemas.microsoft.com/office/drawing/2010/main">
                 <a:effectLst>
                   <a:outerShdw blurRad="63500" dist="38099" dir="2700000" algn="ctr" rotWithShape="0">
                     <a:schemeClr val="bg2">
@@ -9556,14 +9556,14 @@
           <a:effectLst/>
           <a:extLst>
             <a:ext uri="{909E8E84-426E-40dd-AFC4-6F175D3DCCD1}">
-              <a14:hiddenFill xmlns:a14="http://schemas.microsoft.com/office/drawing/2010/main" xmlns="">
+              <a14:hiddenFill xmlns="" xmlns:a14="http://schemas.microsoft.com/office/drawing/2010/main">
                 <a:solidFill>
                   <a:schemeClr val="accent1"/>
                 </a:solidFill>
               </a14:hiddenFill>
             </a:ext>
             <a:ext uri="{91240B29-F687-4f45-9708-019B960494DF}">
-              <a14:hiddenLine xmlns:a14="http://schemas.microsoft.com/office/drawing/2010/main" xmlns="" w="9525">
+              <a14:hiddenLine xmlns="" xmlns:a14="http://schemas.microsoft.com/office/drawing/2010/main" w="9525">
                 <a:solidFill>
                   <a:schemeClr val="tx1"/>
                 </a:solidFill>
@@ -9573,7 +9573,7 @@
               </a14:hiddenLine>
             </a:ext>
             <a:ext uri="{AF507438-7753-43e0-B8FC-AC1667EBCBE1}">
-              <a14:hiddenEffects xmlns:a14="http://schemas.microsoft.com/office/drawing/2010/main" xmlns="">
+              <a14:hiddenEffects xmlns="" xmlns:a14="http://schemas.microsoft.com/office/drawing/2010/main">
                 <a:effectLst>
                   <a:outerShdw blurRad="63500" dist="38099" dir="2700000" algn="ctr" rotWithShape="0">
                     <a:schemeClr val="bg2">
@@ -9645,14 +9645,14 @@
           <a:effectLst/>
           <a:extLst>
             <a:ext uri="{909E8E84-426E-40dd-AFC4-6F175D3DCCD1}">
-              <a14:hiddenFill xmlns:a14="http://schemas.microsoft.com/office/drawing/2010/main" xmlns="">
+              <a14:hiddenFill xmlns="" xmlns:a14="http://schemas.microsoft.com/office/drawing/2010/main">
                 <a:solidFill>
                   <a:schemeClr val="accent1"/>
                 </a:solidFill>
               </a14:hiddenFill>
             </a:ext>
             <a:ext uri="{91240B29-F687-4f45-9708-019B960494DF}">
-              <a14:hiddenLine xmlns:a14="http://schemas.microsoft.com/office/drawing/2010/main" xmlns="" w="9525">
+              <a14:hiddenLine xmlns="" xmlns:a14="http://schemas.microsoft.com/office/drawing/2010/main" w="9525">
                 <a:solidFill>
                   <a:schemeClr val="tx1"/>
                 </a:solidFill>
@@ -9662,7 +9662,7 @@
               </a14:hiddenLine>
             </a:ext>
             <a:ext uri="{AF507438-7753-43e0-B8FC-AC1667EBCBE1}">
-              <a14:hiddenEffects xmlns:a14="http://schemas.microsoft.com/office/drawing/2010/main" xmlns="">
+              <a14:hiddenEffects xmlns="" xmlns:a14="http://schemas.microsoft.com/office/drawing/2010/main">
                 <a:effectLst>
                   <a:outerShdw blurRad="63500" dist="38099" dir="2700000" algn="ctr" rotWithShape="0">
                     <a:schemeClr val="bg2">
@@ -9718,14 +9718,14 @@
           <a:effectLst/>
           <a:extLst>
             <a:ext uri="{909E8E84-426E-40dd-AFC4-6F175D3DCCD1}">
-              <a14:hiddenFill xmlns:a14="http://schemas.microsoft.com/office/drawing/2010/main" xmlns="">
+              <a14:hiddenFill xmlns="" xmlns:a14="http://schemas.microsoft.com/office/drawing/2010/main">
                 <a:solidFill>
                   <a:schemeClr val="accent1"/>
                 </a:solidFill>
               </a14:hiddenFill>
             </a:ext>
             <a:ext uri="{91240B29-F687-4f45-9708-019B960494DF}">
-              <a14:hiddenLine xmlns:a14="http://schemas.microsoft.com/office/drawing/2010/main" xmlns="" w="9525">
+              <a14:hiddenLine xmlns="" xmlns:a14="http://schemas.microsoft.com/office/drawing/2010/main" w="9525">
                 <a:solidFill>
                   <a:schemeClr val="tx1"/>
                 </a:solidFill>
@@ -9735,7 +9735,7 @@
               </a14:hiddenLine>
             </a:ext>
             <a:ext uri="{AF507438-7753-43e0-B8FC-AC1667EBCBE1}">
-              <a14:hiddenEffects xmlns:a14="http://schemas.microsoft.com/office/drawing/2010/main" xmlns="">
+              <a14:hiddenEffects xmlns="" xmlns:a14="http://schemas.microsoft.com/office/drawing/2010/main">
                 <a:effectLst>
                   <a:outerShdw blurRad="63500" dist="38099" dir="2700000" algn="ctr" rotWithShape="0">
                     <a:schemeClr val="bg2">
@@ -9783,14 +9783,14 @@
           <a:effectLst/>
           <a:extLst>
             <a:ext uri="{909E8E84-426E-40dd-AFC4-6F175D3DCCD1}">
-              <a14:hiddenFill xmlns:a14="http://schemas.microsoft.com/office/drawing/2010/main" xmlns="">
+              <a14:hiddenFill xmlns="" xmlns:a14="http://schemas.microsoft.com/office/drawing/2010/main">
                 <a:solidFill>
                   <a:schemeClr val="accent1"/>
                 </a:solidFill>
               </a14:hiddenFill>
             </a:ext>
             <a:ext uri="{91240B29-F687-4f45-9708-019B960494DF}">
-              <a14:hiddenLine xmlns:a14="http://schemas.microsoft.com/office/drawing/2010/main" xmlns="" w="9525">
+              <a14:hiddenLine xmlns="" xmlns:a14="http://schemas.microsoft.com/office/drawing/2010/main" w="9525">
                 <a:solidFill>
                   <a:schemeClr val="tx1"/>
                 </a:solidFill>
@@ -9800,7 +9800,7 @@
               </a14:hiddenLine>
             </a:ext>
             <a:ext uri="{AF507438-7753-43e0-B8FC-AC1667EBCBE1}">
-              <a14:hiddenEffects xmlns:a14="http://schemas.microsoft.com/office/drawing/2010/main" xmlns="">
+              <a14:hiddenEffects xmlns="" xmlns:a14="http://schemas.microsoft.com/office/drawing/2010/main">
                 <a:effectLst>
                   <a:outerShdw blurRad="63500" dist="38099" dir="2700000" algn="ctr" rotWithShape="0">
                     <a:schemeClr val="bg2">
@@ -9900,7 +9900,7 @@
           </a:ln>
           <a:extLst>
             <a:ext uri="{91240B29-F687-4f45-9708-019B960494DF}">
-              <a14:hiddenLine xmlns:a14="http://schemas.microsoft.com/office/drawing/2010/main" xmlns="" w="0">
+              <a14:hiddenLine xmlns="" xmlns:a14="http://schemas.microsoft.com/office/drawing/2010/main" w="0">
                 <a:solidFill>
                   <a:srgbClr val="D1D1D1"/>
                 </a:solidFill>
@@ -9995,7 +9995,7 @@
           </a:ln>
           <a:extLst>
             <a:ext uri="{91240B29-F687-4f45-9708-019B960494DF}">
-              <a14:hiddenLine xmlns:a14="http://schemas.microsoft.com/office/drawing/2010/main" xmlns="" w="0">
+              <a14:hiddenLine xmlns="" xmlns:a14="http://schemas.microsoft.com/office/drawing/2010/main" w="0">
                 <a:solidFill>
                   <a:srgbClr val="808080"/>
                 </a:solidFill>
@@ -10040,7 +10040,7 @@
           <a:effectLst/>
           <a:extLst>
             <a:ext uri="{91240B29-F687-4f45-9708-019B960494DF}">
-              <a14:hiddenLine xmlns:a14="http://schemas.microsoft.com/office/drawing/2010/main" xmlns="" w="9525">
+              <a14:hiddenLine xmlns="" xmlns:a14="http://schemas.microsoft.com/office/drawing/2010/main" w="9525">
                 <a:solidFill>
                   <a:schemeClr val="tx1"/>
                 </a:solidFill>
@@ -10050,7 +10050,7 @@
               </a14:hiddenLine>
             </a:ext>
             <a:ext uri="{AF507438-7753-43e0-B8FC-AC1667EBCBE1}">
-              <a14:hiddenEffects xmlns:a14="http://schemas.microsoft.com/office/drawing/2010/main" xmlns="">
+              <a14:hiddenEffects xmlns="" xmlns:a14="http://schemas.microsoft.com/office/drawing/2010/main">
                 <a:effectLst>
                   <a:outerShdw blurRad="63500" dist="38099" dir="2700000" algn="ctr" rotWithShape="0">
                     <a:schemeClr val="bg2">
@@ -10096,14 +10096,14 @@
           <a:effectLst/>
           <a:extLst>
             <a:ext uri="{909E8E84-426E-40dd-AFC4-6F175D3DCCD1}">
-              <a14:hiddenFill xmlns:a14="http://schemas.microsoft.com/office/drawing/2010/main" xmlns="">
+              <a14:hiddenFill xmlns="" xmlns:a14="http://schemas.microsoft.com/office/drawing/2010/main">
                 <a:solidFill>
                   <a:schemeClr val="accent1"/>
                 </a:solidFill>
               </a14:hiddenFill>
             </a:ext>
             <a:ext uri="{91240B29-F687-4f45-9708-019B960494DF}">
-              <a14:hiddenLine xmlns:a14="http://schemas.microsoft.com/office/drawing/2010/main" xmlns="" w="9525">
+              <a14:hiddenLine xmlns="" xmlns:a14="http://schemas.microsoft.com/office/drawing/2010/main" w="9525">
                 <a:solidFill>
                   <a:schemeClr val="tx1"/>
                 </a:solidFill>
@@ -10113,7 +10113,7 @@
               </a14:hiddenLine>
             </a:ext>
             <a:ext uri="{AF507438-7753-43e0-B8FC-AC1667EBCBE1}">
-              <a14:hiddenEffects xmlns:a14="http://schemas.microsoft.com/office/drawing/2010/main" xmlns="">
+              <a14:hiddenEffects xmlns="" xmlns:a14="http://schemas.microsoft.com/office/drawing/2010/main">
                 <a:effectLst>
                   <a:outerShdw blurRad="63500" dist="38099" dir="2700000" algn="ctr" rotWithShape="0">
                     <a:schemeClr val="bg2">
@@ -10196,12 +10196,12 @@
           <a:effectLst/>
           <a:extLst>
             <a:ext uri="{909E8E84-426E-40dd-AFC4-6F175D3DCCD1}">
-              <a14:hiddenFill xmlns:a14="http://schemas.microsoft.com/office/drawing/2010/main" xmlns="">
+              <a14:hiddenFill xmlns="" xmlns:a14="http://schemas.microsoft.com/office/drawing/2010/main">
                 <a:noFill/>
               </a14:hiddenFill>
             </a:ext>
             <a:ext uri="{AF507438-7753-43e0-B8FC-AC1667EBCBE1}">
-              <a14:hiddenEffects xmlns:a14="http://schemas.microsoft.com/office/drawing/2010/main" xmlns="">
+              <a14:hiddenEffects xmlns="" xmlns:a14="http://schemas.microsoft.com/office/drawing/2010/main">
                 <a:effectLst>
                   <a:outerShdw blurRad="63500" dist="38099" dir="2700000" algn="ctr" rotWithShape="0">
                     <a:schemeClr val="bg2">
@@ -10243,14 +10243,14 @@
           </a:ln>
           <a:extLst>
             <a:ext uri="{909E8E84-426E-40dd-AFC4-6F175D3DCCD1}">
-              <a14:hiddenFill xmlns:a14="http://schemas.microsoft.com/office/drawing/2010/main" xmlns="">
+              <a14:hiddenFill xmlns="" xmlns:a14="http://schemas.microsoft.com/office/drawing/2010/main">
                 <a:solidFill>
                   <a:srgbClr val="FFFFFF"/>
                 </a:solidFill>
               </a14:hiddenFill>
             </a:ext>
             <a:ext uri="{91240B29-F687-4f45-9708-019B960494DF}">
-              <a14:hiddenLine xmlns:a14="http://schemas.microsoft.com/office/drawing/2010/main" xmlns="" w="9525">
+              <a14:hiddenLine xmlns="" xmlns:a14="http://schemas.microsoft.com/office/drawing/2010/main" w="9525">
                 <a:solidFill>
                   <a:srgbClr val="000000"/>
                 </a:solidFill>
@@ -10307,7 +10307,7 @@
           <a:effectLst/>
           <a:extLst>
             <a:ext uri="{AF507438-7753-43e0-B8FC-AC1667EBCBE1}">
-              <a14:hiddenEffects xmlns:a14="http://schemas.microsoft.com/office/drawing/2010/main" xmlns="">
+              <a14:hiddenEffects xmlns="" xmlns:a14="http://schemas.microsoft.com/office/drawing/2010/main">
                 <a:effectLst>
                   <a:outerShdw blurRad="63500" dist="38099" dir="2700000" algn="ctr" rotWithShape="0">
                     <a:schemeClr val="bg2">
@@ -10361,7 +10361,7 @@
           <a:effectLst/>
           <a:extLst>
             <a:ext uri="{AF507438-7753-43e0-B8FC-AC1667EBCBE1}">
-              <a14:hiddenEffects xmlns:a14="http://schemas.microsoft.com/office/drawing/2010/main" xmlns="">
+              <a14:hiddenEffects xmlns="" xmlns:a14="http://schemas.microsoft.com/office/drawing/2010/main">
                 <a:effectLst>
                   <a:outerShdw blurRad="63500" dist="38099" dir="2700000" algn="ctr" rotWithShape="0">
                     <a:schemeClr val="bg2">
@@ -10415,7 +10415,7 @@
           <a:effectLst/>
           <a:extLst>
             <a:ext uri="{AF507438-7753-43e0-B8FC-AC1667EBCBE1}">
-              <a14:hiddenEffects xmlns:a14="http://schemas.microsoft.com/office/drawing/2010/main" xmlns="">
+              <a14:hiddenEffects xmlns="" xmlns:a14="http://schemas.microsoft.com/office/drawing/2010/main">
                 <a:effectLst>
                   <a:outerShdw blurRad="63500" dist="38099" dir="2700000" algn="ctr" rotWithShape="0">
                     <a:schemeClr val="bg2">
@@ -10476,7 +10476,7 @@
           <a:effectLst/>
           <a:extLst>
             <a:ext uri="{AF507438-7753-43e0-B8FC-AC1667EBCBE1}">
-              <a14:hiddenEffects xmlns:a14="http://schemas.microsoft.com/office/drawing/2010/main" xmlns="">
+              <a14:hiddenEffects xmlns="" xmlns:a14="http://schemas.microsoft.com/office/drawing/2010/main">
                 <a:effectLst>
                   <a:outerShdw blurRad="63500" dist="38099" dir="2700000" algn="ctr" rotWithShape="0">
                     <a:schemeClr val="bg2">
@@ -10538,7 +10538,7 @@
           <a:effectLst/>
           <a:extLst>
             <a:ext uri="{AF507438-7753-43e0-B8FC-AC1667EBCBE1}">
-              <a14:hiddenEffects xmlns:a14="http://schemas.microsoft.com/office/drawing/2010/main" xmlns="">
+              <a14:hiddenEffects xmlns="" xmlns:a14="http://schemas.microsoft.com/office/drawing/2010/main">
                 <a:effectLst>
                   <a:outerShdw blurRad="63500" dist="38099" dir="2700000" algn="ctr" rotWithShape="0">
                     <a:schemeClr val="bg2">
@@ -10588,7 +10588,7 @@
           <a:effectLst/>
           <a:extLst>
             <a:ext uri="{AF507438-7753-43e0-B8FC-AC1667EBCBE1}">
-              <a14:hiddenEffects xmlns:a14="http://schemas.microsoft.com/office/drawing/2010/main" xmlns="">
+              <a14:hiddenEffects xmlns="" xmlns:a14="http://schemas.microsoft.com/office/drawing/2010/main">
                 <a:effectLst>
                   <a:outerShdw blurRad="63500" dist="38099" dir="2700000" algn="ctr" rotWithShape="0">
                     <a:schemeClr val="bg2">
@@ -10642,7 +10642,7 @@
           <a:effectLst/>
           <a:extLst>
             <a:ext uri="{AF507438-7753-43e0-B8FC-AC1667EBCBE1}">
-              <a14:hiddenEffects xmlns:a14="http://schemas.microsoft.com/office/drawing/2010/main" xmlns="">
+              <a14:hiddenEffects xmlns="" xmlns:a14="http://schemas.microsoft.com/office/drawing/2010/main">
                 <a:effectLst>
                   <a:outerShdw blurRad="63500" dist="38099" dir="2700000" algn="ctr" rotWithShape="0">
                     <a:schemeClr val="bg2">
@@ -10696,7 +10696,7 @@
           <a:effectLst/>
           <a:extLst>
             <a:ext uri="{AF507438-7753-43e0-B8FC-AC1667EBCBE1}">
-              <a14:hiddenEffects xmlns:a14="http://schemas.microsoft.com/office/drawing/2010/main" xmlns="">
+              <a14:hiddenEffects xmlns="" xmlns:a14="http://schemas.microsoft.com/office/drawing/2010/main">
                 <a:effectLst>
                   <a:outerShdw blurRad="63500" dist="38099" dir="2700000" algn="ctr" rotWithShape="0">
                     <a:schemeClr val="bg2">
@@ -10748,12 +10748,12 @@
           <a:effectLst/>
           <a:extLst>
             <a:ext uri="{909E8E84-426E-40dd-AFC4-6F175D3DCCD1}">
-              <a14:hiddenFill xmlns:a14="http://schemas.microsoft.com/office/drawing/2010/main" xmlns="">
+              <a14:hiddenFill xmlns="" xmlns:a14="http://schemas.microsoft.com/office/drawing/2010/main">
                 <a:noFill/>
               </a14:hiddenFill>
             </a:ext>
             <a:ext uri="{AF507438-7753-43e0-B8FC-AC1667EBCBE1}">
-              <a14:hiddenEffects xmlns:a14="http://schemas.microsoft.com/office/drawing/2010/main" xmlns="">
+              <a14:hiddenEffects xmlns="" xmlns:a14="http://schemas.microsoft.com/office/drawing/2010/main">
                 <a:effectLst>
                   <a:outerShdw blurRad="63500" dist="38099" dir="2700000" algn="ctr" rotWithShape="0">
                     <a:schemeClr val="bg2">
@@ -10796,14 +10796,14 @@
           <a:effectLst/>
           <a:extLst>
             <a:ext uri="{909E8E84-426E-40dd-AFC4-6F175D3DCCD1}">
-              <a14:hiddenFill xmlns:a14="http://schemas.microsoft.com/office/drawing/2010/main" xmlns="">
+              <a14:hiddenFill xmlns="" xmlns:a14="http://schemas.microsoft.com/office/drawing/2010/main">
                 <a:solidFill>
                   <a:schemeClr val="accent1"/>
                 </a:solidFill>
               </a14:hiddenFill>
             </a:ext>
             <a:ext uri="{91240B29-F687-4f45-9708-019B960494DF}">
-              <a14:hiddenLine xmlns:a14="http://schemas.microsoft.com/office/drawing/2010/main" xmlns="" w="9525">
+              <a14:hiddenLine xmlns="" xmlns:a14="http://schemas.microsoft.com/office/drawing/2010/main" w="9525">
                 <a:solidFill>
                   <a:srgbClr val="000000"/>
                 </a:solidFill>
@@ -10813,7 +10813,7 @@
               </a14:hiddenLine>
             </a:ext>
             <a:ext uri="{AF507438-7753-43e0-B8FC-AC1667EBCBE1}">
-              <a14:hiddenEffects xmlns:a14="http://schemas.microsoft.com/office/drawing/2010/main" xmlns="">
+              <a14:hiddenEffects xmlns="" xmlns:a14="http://schemas.microsoft.com/office/drawing/2010/main">
                 <a:effectLst>
                   <a:outerShdw blurRad="63500" dist="38099" dir="2700000" algn="ctr" rotWithShape="0">
                     <a:schemeClr val="bg2">
@@ -10868,14 +10868,14 @@
           <a:effectLst/>
           <a:extLst>
             <a:ext uri="{909E8E84-426E-40dd-AFC4-6F175D3DCCD1}">
-              <a14:hiddenFill xmlns:a14="http://schemas.microsoft.com/office/drawing/2010/main" xmlns="">
+              <a14:hiddenFill xmlns="" xmlns:a14="http://schemas.microsoft.com/office/drawing/2010/main">
                 <a:solidFill>
                   <a:schemeClr val="accent1"/>
                 </a:solidFill>
               </a14:hiddenFill>
             </a:ext>
             <a:ext uri="{91240B29-F687-4f45-9708-019B960494DF}">
-              <a14:hiddenLine xmlns:a14="http://schemas.microsoft.com/office/drawing/2010/main" xmlns="" w="9525">
+              <a14:hiddenLine xmlns="" xmlns:a14="http://schemas.microsoft.com/office/drawing/2010/main" w="9525">
                 <a:solidFill>
                   <a:srgbClr val="000000"/>
                 </a:solidFill>
@@ -10885,7 +10885,7 @@
               </a14:hiddenLine>
             </a:ext>
             <a:ext uri="{AF507438-7753-43e0-B8FC-AC1667EBCBE1}">
-              <a14:hiddenEffects xmlns:a14="http://schemas.microsoft.com/office/drawing/2010/main" xmlns="">
+              <a14:hiddenEffects xmlns="" xmlns:a14="http://schemas.microsoft.com/office/drawing/2010/main">
                 <a:effectLst>
                   <a:outerShdw blurRad="63500" dist="38099" dir="2700000" algn="ctr" rotWithShape="0">
                     <a:schemeClr val="bg2">
@@ -10943,7 +10943,7 @@
           <a:effectLst/>
           <a:extLst>
             <a:ext uri="{AF507438-7753-43e0-B8FC-AC1667EBCBE1}">
-              <a14:hiddenEffects xmlns:a14="http://schemas.microsoft.com/office/drawing/2010/main" xmlns="">
+              <a14:hiddenEffects xmlns="" xmlns:a14="http://schemas.microsoft.com/office/drawing/2010/main">
                 <a:effectLst>
                   <a:outerShdw blurRad="63500" dist="38099" dir="2700000" algn="ctr" rotWithShape="0">
                     <a:schemeClr val="bg2">
@@ -11009,12 +11009,12 @@
           <a:effectLst/>
           <a:extLst>
             <a:ext uri="{909E8E84-426E-40dd-AFC4-6F175D3DCCD1}">
-              <a14:hiddenFill xmlns:a14="http://schemas.microsoft.com/office/drawing/2010/main" xmlns="">
+              <a14:hiddenFill xmlns="" xmlns:a14="http://schemas.microsoft.com/office/drawing/2010/main">
                 <a:noFill/>
               </a14:hiddenFill>
             </a:ext>
             <a:ext uri="{AF507438-7753-43e0-B8FC-AC1667EBCBE1}">
-              <a14:hiddenEffects xmlns:a14="http://schemas.microsoft.com/office/drawing/2010/main" xmlns="">
+              <a14:hiddenEffects xmlns="" xmlns:a14="http://schemas.microsoft.com/office/drawing/2010/main">
                 <a:effectLst>
                   <a:outerShdw blurRad="63500" dist="38099" dir="2700000" algn="ctr" rotWithShape="0">
                     <a:schemeClr val="bg2">
@@ -11062,12 +11062,12 @@
           <a:effectLst/>
           <a:extLst>
             <a:ext uri="{909E8E84-426E-40dd-AFC4-6F175D3DCCD1}">
-              <a14:hiddenFill xmlns:a14="http://schemas.microsoft.com/office/drawing/2010/main" xmlns="">
+              <a14:hiddenFill xmlns="" xmlns:a14="http://schemas.microsoft.com/office/drawing/2010/main">
                 <a:noFill/>
               </a14:hiddenFill>
             </a:ext>
             <a:ext uri="{AF507438-7753-43e0-B8FC-AC1667EBCBE1}">
-              <a14:hiddenEffects xmlns:a14="http://schemas.microsoft.com/office/drawing/2010/main" xmlns="">
+              <a14:hiddenEffects xmlns="" xmlns:a14="http://schemas.microsoft.com/office/drawing/2010/main">
                 <a:effectLst>
                   <a:outerShdw blurRad="63500" dist="38099" dir="2700000" algn="ctr" rotWithShape="0">
                     <a:schemeClr val="bg2">
@@ -11110,14 +11110,14 @@
           <a:effectLst/>
           <a:extLst>
             <a:ext uri="{909E8E84-426E-40dd-AFC4-6F175D3DCCD1}">
-              <a14:hiddenFill xmlns:a14="http://schemas.microsoft.com/office/drawing/2010/main" xmlns="">
+              <a14:hiddenFill xmlns="" xmlns:a14="http://schemas.microsoft.com/office/drawing/2010/main">
                 <a:solidFill>
                   <a:schemeClr val="accent1"/>
                 </a:solidFill>
               </a14:hiddenFill>
             </a:ext>
             <a:ext uri="{91240B29-F687-4f45-9708-019B960494DF}">
-              <a14:hiddenLine xmlns:a14="http://schemas.microsoft.com/office/drawing/2010/main" xmlns="" w="9525">
+              <a14:hiddenLine xmlns="" xmlns:a14="http://schemas.microsoft.com/office/drawing/2010/main" w="9525">
                 <a:solidFill>
                   <a:srgbClr val="000000"/>
                 </a:solidFill>
@@ -11127,7 +11127,7 @@
               </a14:hiddenLine>
             </a:ext>
             <a:ext uri="{AF507438-7753-43e0-B8FC-AC1667EBCBE1}">
-              <a14:hiddenEffects xmlns:a14="http://schemas.microsoft.com/office/drawing/2010/main" xmlns="">
+              <a14:hiddenEffects xmlns="" xmlns:a14="http://schemas.microsoft.com/office/drawing/2010/main">
                 <a:effectLst>
                   <a:outerShdw blurRad="63500" dist="38099" dir="2700000" algn="ctr" rotWithShape="0">
                     <a:schemeClr val="bg2">
@@ -11185,7 +11185,7 @@
           <a:effectLst/>
           <a:extLst>
             <a:ext uri="{AF507438-7753-43e0-B8FC-AC1667EBCBE1}">
-              <a14:hiddenEffects xmlns:a14="http://schemas.microsoft.com/office/drawing/2010/main" xmlns="">
+              <a14:hiddenEffects xmlns="" xmlns:a14="http://schemas.microsoft.com/office/drawing/2010/main">
                 <a:effectLst>
                   <a:outerShdw blurRad="63500" dist="38099" dir="2700000" algn="ctr" rotWithShape="0">
                     <a:schemeClr val="bg2">
@@ -11239,7 +11239,7 @@
           <a:effectLst/>
           <a:extLst>
             <a:ext uri="{AF507438-7753-43e0-B8FC-AC1667EBCBE1}">
-              <a14:hiddenEffects xmlns:a14="http://schemas.microsoft.com/office/drawing/2010/main" xmlns="">
+              <a14:hiddenEffects xmlns="" xmlns:a14="http://schemas.microsoft.com/office/drawing/2010/main">
                 <a:effectLst>
                   <a:outerShdw blurRad="63500" dist="38099" dir="2700000" algn="ctr" rotWithShape="0">
                     <a:schemeClr val="bg2">
@@ -11293,7 +11293,7 @@
           <a:effectLst/>
           <a:extLst>
             <a:ext uri="{AF507438-7753-43e0-B8FC-AC1667EBCBE1}">
-              <a14:hiddenEffects xmlns:a14="http://schemas.microsoft.com/office/drawing/2010/main" xmlns="">
+              <a14:hiddenEffects xmlns="" xmlns:a14="http://schemas.microsoft.com/office/drawing/2010/main">
                 <a:effectLst>
                   <a:outerShdw blurRad="63500" dist="38099" dir="2700000" algn="ctr" rotWithShape="0">
                     <a:schemeClr val="bg2">
@@ -11347,7 +11347,7 @@
           <a:effectLst/>
           <a:extLst>
             <a:ext uri="{AF507438-7753-43e0-B8FC-AC1667EBCBE1}">
-              <a14:hiddenEffects xmlns:a14="http://schemas.microsoft.com/office/drawing/2010/main" xmlns="">
+              <a14:hiddenEffects xmlns="" xmlns:a14="http://schemas.microsoft.com/office/drawing/2010/main">
                 <a:effectLst>
                   <a:outerShdw blurRad="63500" dist="38099" dir="2700000" algn="ctr" rotWithShape="0">
                     <a:schemeClr val="bg2">
@@ -11408,7 +11408,7 @@
           <a:effectLst/>
           <a:extLst>
             <a:ext uri="{AF507438-7753-43e0-B8FC-AC1667EBCBE1}">
-              <a14:hiddenEffects xmlns:a14="http://schemas.microsoft.com/office/drawing/2010/main" xmlns="">
+              <a14:hiddenEffects xmlns="" xmlns:a14="http://schemas.microsoft.com/office/drawing/2010/main">
                 <a:effectLst>
                   <a:outerShdw blurRad="63500" dist="38099" dir="2700000" algn="ctr" rotWithShape="0">
                     <a:schemeClr val="bg2">
@@ -11462,7 +11462,7 @@
           <a:effectLst/>
           <a:extLst>
             <a:ext uri="{AF507438-7753-43e0-B8FC-AC1667EBCBE1}">
-              <a14:hiddenEffects xmlns:a14="http://schemas.microsoft.com/office/drawing/2010/main" xmlns="">
+              <a14:hiddenEffects xmlns="" xmlns:a14="http://schemas.microsoft.com/office/drawing/2010/main">
                 <a:effectLst>
                   <a:outerShdw blurRad="63500" dist="38099" dir="2700000" algn="ctr" rotWithShape="0">
                     <a:schemeClr val="bg2">
@@ -11516,7 +11516,7 @@
           <a:effectLst/>
           <a:extLst>
             <a:ext uri="{AF507438-7753-43e0-B8FC-AC1667EBCBE1}">
-              <a14:hiddenEffects xmlns:a14="http://schemas.microsoft.com/office/drawing/2010/main" xmlns="">
+              <a14:hiddenEffects xmlns="" xmlns:a14="http://schemas.microsoft.com/office/drawing/2010/main">
                 <a:effectLst>
                   <a:outerShdw blurRad="63500" dist="38099" dir="2700000" algn="ctr" rotWithShape="0">
                     <a:schemeClr val="bg2">
@@ -11572,12 +11572,12 @@
           <a:effectLst/>
           <a:extLst>
             <a:ext uri="{909E8E84-426E-40dd-AFC4-6F175D3DCCD1}">
-              <a14:hiddenFill xmlns:a14="http://schemas.microsoft.com/office/drawing/2010/main" xmlns="">
+              <a14:hiddenFill xmlns="" xmlns:a14="http://schemas.microsoft.com/office/drawing/2010/main">
                 <a:noFill/>
               </a14:hiddenFill>
             </a:ext>
             <a:ext uri="{AF507438-7753-43e0-B8FC-AC1667EBCBE1}">
-              <a14:hiddenEffects xmlns:a14="http://schemas.microsoft.com/office/drawing/2010/main" xmlns="">
+              <a14:hiddenEffects xmlns="" xmlns:a14="http://schemas.microsoft.com/office/drawing/2010/main">
                 <a:effectLst>
                   <a:outerShdw blurRad="63500" dist="38099" dir="2700000" algn="ctr" rotWithShape="0">
                     <a:schemeClr val="bg2">
@@ -11625,12 +11625,12 @@
           <a:effectLst/>
           <a:extLst>
             <a:ext uri="{909E8E84-426E-40dd-AFC4-6F175D3DCCD1}">
-              <a14:hiddenFill xmlns:a14="http://schemas.microsoft.com/office/drawing/2010/main" xmlns="">
+              <a14:hiddenFill xmlns="" xmlns:a14="http://schemas.microsoft.com/office/drawing/2010/main">
                 <a:noFill/>
               </a14:hiddenFill>
             </a:ext>
             <a:ext uri="{AF507438-7753-43e0-B8FC-AC1667EBCBE1}">
-              <a14:hiddenEffects xmlns:a14="http://schemas.microsoft.com/office/drawing/2010/main" xmlns="">
+              <a14:hiddenEffects xmlns="" xmlns:a14="http://schemas.microsoft.com/office/drawing/2010/main">
                 <a:effectLst>
                   <a:outerShdw blurRad="63500" dist="38099" dir="2700000" algn="ctr" rotWithShape="0">
                     <a:schemeClr val="bg2">
@@ -11678,12 +11678,12 @@
           <a:effectLst/>
           <a:extLst>
             <a:ext uri="{909E8E84-426E-40dd-AFC4-6F175D3DCCD1}">
-              <a14:hiddenFill xmlns:a14="http://schemas.microsoft.com/office/drawing/2010/main" xmlns="">
+              <a14:hiddenFill xmlns="" xmlns:a14="http://schemas.microsoft.com/office/drawing/2010/main">
                 <a:noFill/>
               </a14:hiddenFill>
             </a:ext>
             <a:ext uri="{AF507438-7753-43e0-B8FC-AC1667EBCBE1}">
-              <a14:hiddenEffects xmlns:a14="http://schemas.microsoft.com/office/drawing/2010/main" xmlns="">
+              <a14:hiddenEffects xmlns="" xmlns:a14="http://schemas.microsoft.com/office/drawing/2010/main">
                 <a:effectLst>
                   <a:outerShdw blurRad="63500" dist="38099" dir="2700000" algn="ctr" rotWithShape="0">
                     <a:schemeClr val="bg2">
@@ -11731,12 +11731,12 @@
           <a:effectLst/>
           <a:extLst>
             <a:ext uri="{909E8E84-426E-40dd-AFC4-6F175D3DCCD1}">
-              <a14:hiddenFill xmlns:a14="http://schemas.microsoft.com/office/drawing/2010/main" xmlns="">
+              <a14:hiddenFill xmlns="" xmlns:a14="http://schemas.microsoft.com/office/drawing/2010/main">
                 <a:noFill/>
               </a14:hiddenFill>
             </a:ext>
             <a:ext uri="{AF507438-7753-43e0-B8FC-AC1667EBCBE1}">
-              <a14:hiddenEffects xmlns:a14="http://schemas.microsoft.com/office/drawing/2010/main" xmlns="">
+              <a14:hiddenEffects xmlns="" xmlns:a14="http://schemas.microsoft.com/office/drawing/2010/main">
                 <a:effectLst>
                   <a:outerShdw blurRad="63500" dist="38099" dir="2700000" algn="ctr" rotWithShape="0">
                     <a:schemeClr val="bg2">
@@ -11779,14 +11779,14 @@
           <a:effectLst/>
           <a:extLst>
             <a:ext uri="{909E8E84-426E-40dd-AFC4-6F175D3DCCD1}">
-              <a14:hiddenFill xmlns:a14="http://schemas.microsoft.com/office/drawing/2010/main" xmlns="">
+              <a14:hiddenFill xmlns="" xmlns:a14="http://schemas.microsoft.com/office/drawing/2010/main">
                 <a:solidFill>
                   <a:schemeClr val="accent1"/>
                 </a:solidFill>
               </a14:hiddenFill>
             </a:ext>
             <a:ext uri="{91240B29-F687-4f45-9708-019B960494DF}">
-              <a14:hiddenLine xmlns:a14="http://schemas.microsoft.com/office/drawing/2010/main" xmlns="" w="9525">
+              <a14:hiddenLine xmlns="" xmlns:a14="http://schemas.microsoft.com/office/drawing/2010/main" w="9525">
                 <a:solidFill>
                   <a:srgbClr val="000000"/>
                 </a:solidFill>
@@ -11796,7 +11796,7 @@
               </a14:hiddenLine>
             </a:ext>
             <a:ext uri="{AF507438-7753-43e0-B8FC-AC1667EBCBE1}">
-              <a14:hiddenEffects xmlns:a14="http://schemas.microsoft.com/office/drawing/2010/main" xmlns="">
+              <a14:hiddenEffects xmlns="" xmlns:a14="http://schemas.microsoft.com/office/drawing/2010/main">
                 <a:effectLst>
                   <a:outerShdw blurRad="63500" dist="38099" dir="2700000" algn="ctr" rotWithShape="0">
                     <a:schemeClr val="bg2">
@@ -11854,7 +11854,7 @@
           <a:effectLst/>
           <a:extLst>
             <a:ext uri="{AF507438-7753-43e0-B8FC-AC1667EBCBE1}">
-              <a14:hiddenEffects xmlns:a14="http://schemas.microsoft.com/office/drawing/2010/main" xmlns="">
+              <a14:hiddenEffects xmlns="" xmlns:a14="http://schemas.microsoft.com/office/drawing/2010/main">
                 <a:effectLst>
                   <a:outerShdw blurRad="63500" dist="38099" dir="2700000" algn="ctr" rotWithShape="0">
                     <a:schemeClr val="bg2">
@@ -11914,12 +11914,12 @@
           <a:effectLst/>
           <a:extLst>
             <a:ext uri="{909E8E84-426E-40dd-AFC4-6F175D3DCCD1}">
-              <a14:hiddenFill xmlns:a14="http://schemas.microsoft.com/office/drawing/2010/main" xmlns="">
+              <a14:hiddenFill xmlns="" xmlns:a14="http://schemas.microsoft.com/office/drawing/2010/main">
                 <a:noFill/>
               </a14:hiddenFill>
             </a:ext>
             <a:ext uri="{AF507438-7753-43e0-B8FC-AC1667EBCBE1}">
-              <a14:hiddenEffects xmlns:a14="http://schemas.microsoft.com/office/drawing/2010/main" xmlns="">
+              <a14:hiddenEffects xmlns="" xmlns:a14="http://schemas.microsoft.com/office/drawing/2010/main">
                 <a:effectLst>
                   <a:outerShdw blurRad="63500" dist="38099" dir="2700000" algn="ctr" rotWithShape="0">
                     <a:schemeClr val="bg2">
@@ -11968,14 +11968,14 @@
           <a:effectLst/>
           <a:extLst>
             <a:ext uri="{909E8E84-426E-40dd-AFC4-6F175D3DCCD1}">
-              <a14:hiddenFill xmlns:a14="http://schemas.microsoft.com/office/drawing/2010/main" xmlns="">
+              <a14:hiddenFill xmlns="" xmlns:a14="http://schemas.microsoft.com/office/drawing/2010/main">
                 <a:solidFill>
                   <a:schemeClr val="accent1"/>
                 </a:solidFill>
               </a14:hiddenFill>
             </a:ext>
             <a:ext uri="{AF507438-7753-43e0-B8FC-AC1667EBCBE1}">
-              <a14:hiddenEffects xmlns:a14="http://schemas.microsoft.com/office/drawing/2010/main" xmlns="">
+              <a14:hiddenEffects xmlns="" xmlns:a14="http://schemas.microsoft.com/office/drawing/2010/main">
                 <a:effectLst>
                   <a:outerShdw blurRad="63500" dist="38099" dir="2700000" algn="ctr" rotWithShape="0">
                     <a:schemeClr val="bg2">
@@ -12024,14 +12024,14 @@
           <a:effectLst/>
           <a:extLst>
             <a:ext uri="{909E8E84-426E-40dd-AFC4-6F175D3DCCD1}">
-              <a14:hiddenFill xmlns:a14="http://schemas.microsoft.com/office/drawing/2010/main" xmlns="">
+              <a14:hiddenFill xmlns="" xmlns:a14="http://schemas.microsoft.com/office/drawing/2010/main">
                 <a:solidFill>
                   <a:schemeClr val="accent1"/>
                 </a:solidFill>
               </a14:hiddenFill>
             </a:ext>
             <a:ext uri="{AF507438-7753-43e0-B8FC-AC1667EBCBE1}">
-              <a14:hiddenEffects xmlns:a14="http://schemas.microsoft.com/office/drawing/2010/main" xmlns="">
+              <a14:hiddenEffects xmlns="" xmlns:a14="http://schemas.microsoft.com/office/drawing/2010/main">
                 <a:effectLst>
                   <a:outerShdw blurRad="63500" dist="38099" dir="2700000" algn="ctr" rotWithShape="0">
                     <a:schemeClr val="bg2">
@@ -12079,14 +12079,14 @@
           <a:effectLst/>
           <a:extLst>
             <a:ext uri="{909E8E84-426E-40dd-AFC4-6F175D3DCCD1}">
-              <a14:hiddenFill xmlns:a14="http://schemas.microsoft.com/office/drawing/2010/main" xmlns="">
+              <a14:hiddenFill xmlns="" xmlns:a14="http://schemas.microsoft.com/office/drawing/2010/main">
                 <a:solidFill>
                   <a:schemeClr val="accent1"/>
                 </a:solidFill>
               </a14:hiddenFill>
             </a:ext>
             <a:ext uri="{AF507438-7753-43e0-B8FC-AC1667EBCBE1}">
-              <a14:hiddenEffects xmlns:a14="http://schemas.microsoft.com/office/drawing/2010/main" xmlns="">
+              <a14:hiddenEffects xmlns="" xmlns:a14="http://schemas.microsoft.com/office/drawing/2010/main">
                 <a:effectLst>
                   <a:outerShdw blurRad="63500" dist="38099" dir="2700000" algn="ctr" rotWithShape="0">
                     <a:schemeClr val="bg2">
@@ -12135,14 +12135,14 @@
           <a:effectLst/>
           <a:extLst>
             <a:ext uri="{909E8E84-426E-40dd-AFC4-6F175D3DCCD1}">
-              <a14:hiddenFill xmlns:a14="http://schemas.microsoft.com/office/drawing/2010/main" xmlns="">
+              <a14:hiddenFill xmlns="" xmlns:a14="http://schemas.microsoft.com/office/drawing/2010/main">
                 <a:solidFill>
                   <a:schemeClr val="accent1"/>
                 </a:solidFill>
               </a14:hiddenFill>
             </a:ext>
             <a:ext uri="{AF507438-7753-43e0-B8FC-AC1667EBCBE1}">
-              <a14:hiddenEffects xmlns:a14="http://schemas.microsoft.com/office/drawing/2010/main" xmlns="">
+              <a14:hiddenEffects xmlns="" xmlns:a14="http://schemas.microsoft.com/office/drawing/2010/main">
                 <a:effectLst>
                   <a:outerShdw blurRad="63500" dist="38099" dir="2700000" algn="ctr" rotWithShape="0">
                     <a:schemeClr val="bg2">
@@ -12191,14 +12191,14 @@
           <a:effectLst/>
           <a:extLst>
             <a:ext uri="{909E8E84-426E-40dd-AFC4-6F175D3DCCD1}">
-              <a14:hiddenFill xmlns:a14="http://schemas.microsoft.com/office/drawing/2010/main" xmlns="">
+              <a14:hiddenFill xmlns="" xmlns:a14="http://schemas.microsoft.com/office/drawing/2010/main">
                 <a:solidFill>
                   <a:schemeClr val="accent1"/>
                 </a:solidFill>
               </a14:hiddenFill>
             </a:ext>
             <a:ext uri="{AF507438-7753-43e0-B8FC-AC1667EBCBE1}">
-              <a14:hiddenEffects xmlns:a14="http://schemas.microsoft.com/office/drawing/2010/main" xmlns="">
+              <a14:hiddenEffects xmlns="" xmlns:a14="http://schemas.microsoft.com/office/drawing/2010/main">
                 <a:effectLst>
                   <a:outerShdw blurRad="63500" dist="38099" dir="2700000" algn="ctr" rotWithShape="0">
                     <a:schemeClr val="bg2">
@@ -12247,14 +12247,14 @@
           <a:effectLst/>
           <a:extLst>
             <a:ext uri="{909E8E84-426E-40dd-AFC4-6F175D3DCCD1}">
-              <a14:hiddenFill xmlns:a14="http://schemas.microsoft.com/office/drawing/2010/main" xmlns="">
+              <a14:hiddenFill xmlns="" xmlns:a14="http://schemas.microsoft.com/office/drawing/2010/main">
                 <a:solidFill>
                   <a:schemeClr val="accent1"/>
                 </a:solidFill>
               </a14:hiddenFill>
             </a:ext>
             <a:ext uri="{AF507438-7753-43e0-B8FC-AC1667EBCBE1}">
-              <a14:hiddenEffects xmlns:a14="http://schemas.microsoft.com/office/drawing/2010/main" xmlns="">
+              <a14:hiddenEffects xmlns="" xmlns:a14="http://schemas.microsoft.com/office/drawing/2010/main">
                 <a:effectLst>
                   <a:outerShdw blurRad="63500" dist="38099" dir="2700000" algn="ctr" rotWithShape="0">
                     <a:schemeClr val="bg2">
@@ -12334,14 +12334,14 @@
           <a:effectLst/>
           <a:extLst>
             <a:ext uri="{909E8E84-426E-40dd-AFC4-6F175D3DCCD1}">
-              <a14:hiddenFill xmlns:a14="http://schemas.microsoft.com/office/drawing/2010/main" xmlns="">
+              <a14:hiddenFill xmlns="" xmlns:a14="http://schemas.microsoft.com/office/drawing/2010/main">
                 <a:solidFill>
                   <a:schemeClr val="accent1"/>
                 </a:solidFill>
               </a14:hiddenFill>
             </a:ext>
             <a:ext uri="{AF507438-7753-43e0-B8FC-AC1667EBCBE1}">
-              <a14:hiddenEffects xmlns:a14="http://schemas.microsoft.com/office/drawing/2010/main" xmlns="">
+              <a14:hiddenEffects xmlns="" xmlns:a14="http://schemas.microsoft.com/office/drawing/2010/main">
                 <a:effectLst>
                   <a:outerShdw blurRad="63500" dist="38099" dir="2700000" algn="ctr" rotWithShape="0">
                     <a:schemeClr val="bg2">
@@ -12383,14 +12383,14 @@
           </a:ln>
           <a:extLst>
             <a:ext uri="{909E8E84-426E-40dd-AFC4-6F175D3DCCD1}">
-              <a14:hiddenFill xmlns:a14="http://schemas.microsoft.com/office/drawing/2010/main" xmlns="">
+              <a14:hiddenFill xmlns="" xmlns:a14="http://schemas.microsoft.com/office/drawing/2010/main">
                 <a:solidFill>
                   <a:srgbClr val="FFFFFF"/>
                 </a:solidFill>
               </a14:hiddenFill>
             </a:ext>
             <a:ext uri="{91240B29-F687-4f45-9708-019B960494DF}">
-              <a14:hiddenLine xmlns:a14="http://schemas.microsoft.com/office/drawing/2010/main" xmlns="" w="9525">
+              <a14:hiddenLine xmlns="" xmlns:a14="http://schemas.microsoft.com/office/drawing/2010/main" w="9525">
                 <a:solidFill>
                   <a:srgbClr val="000000"/>
                 </a:solidFill>
@@ -12471,7 +12471,7 @@
           <a:effectLst/>
           <a:extLst>
             <a:ext uri="{AF507438-7753-43e0-B8FC-AC1667EBCBE1}">
-              <a14:hiddenEffects xmlns:a14="http://schemas.microsoft.com/office/drawing/2010/main" xmlns="">
+              <a14:hiddenEffects xmlns="" xmlns:a14="http://schemas.microsoft.com/office/drawing/2010/main">
                 <a:effectLst>
                   <a:outerShdw blurRad="63500" dist="38099" dir="2700000" algn="ctr" rotWithShape="0">
                     <a:schemeClr val="bg2">
@@ -12524,12 +12524,12 @@
           <a:effectLst/>
           <a:extLst>
             <a:ext uri="{909E8E84-426E-40dd-AFC4-6F175D3DCCD1}">
-              <a14:hiddenFill xmlns:a14="http://schemas.microsoft.com/office/drawing/2010/main" xmlns="">
+              <a14:hiddenFill xmlns="" xmlns:a14="http://schemas.microsoft.com/office/drawing/2010/main">
                 <a:noFill/>
               </a14:hiddenFill>
             </a:ext>
             <a:ext uri="{AF507438-7753-43e0-B8FC-AC1667EBCBE1}">
-              <a14:hiddenEffects xmlns:a14="http://schemas.microsoft.com/office/drawing/2010/main" xmlns="">
+              <a14:hiddenEffects xmlns="" xmlns:a14="http://schemas.microsoft.com/office/drawing/2010/main">
                 <a:effectLst>
                   <a:outerShdw blurRad="63500" dist="38099" dir="2700000" algn="ctr" rotWithShape="0">
                     <a:schemeClr val="bg2">
@@ -12579,7 +12579,7 @@
           <a:effectLst/>
           <a:extLst>
             <a:ext uri="{AF507438-7753-43e0-B8FC-AC1667EBCBE1}">
-              <a14:hiddenEffects xmlns:a14="http://schemas.microsoft.com/office/drawing/2010/main" xmlns="">
+              <a14:hiddenEffects xmlns="" xmlns:a14="http://schemas.microsoft.com/office/drawing/2010/main">
                 <a:effectLst>
                   <a:outerShdw blurRad="63500" dist="38099" dir="2700000" algn="ctr" rotWithShape="0">
                     <a:schemeClr val="bg2">
@@ -12633,7 +12633,7 @@
           <a:effectLst/>
           <a:extLst>
             <a:ext uri="{AF507438-7753-43e0-B8FC-AC1667EBCBE1}">
-              <a14:hiddenEffects xmlns:a14="http://schemas.microsoft.com/office/drawing/2010/main" xmlns="">
+              <a14:hiddenEffects xmlns="" xmlns:a14="http://schemas.microsoft.com/office/drawing/2010/main">
                 <a:effectLst>
                   <a:outerShdw blurRad="63500" dist="38099" dir="2700000" algn="ctr" rotWithShape="0">
                     <a:schemeClr val="bg2">
@@ -12687,7 +12687,7 @@
           <a:effectLst/>
           <a:extLst>
             <a:ext uri="{AF507438-7753-43e0-B8FC-AC1667EBCBE1}">
-              <a14:hiddenEffects xmlns:a14="http://schemas.microsoft.com/office/drawing/2010/main" xmlns="">
+              <a14:hiddenEffects xmlns="" xmlns:a14="http://schemas.microsoft.com/office/drawing/2010/main">
                 <a:effectLst>
                   <a:outerShdw blurRad="63500" dist="38099" dir="2700000" algn="ctr" rotWithShape="0">
                     <a:schemeClr val="bg2">
@@ -12738,14 +12738,14 @@
           <a:effectLst/>
           <a:extLst>
             <a:ext uri="{909E8E84-426E-40dd-AFC4-6F175D3DCCD1}">
-              <a14:hiddenFill xmlns:a14="http://schemas.microsoft.com/office/drawing/2010/main" xmlns="">
+              <a14:hiddenFill xmlns="" xmlns:a14="http://schemas.microsoft.com/office/drawing/2010/main">
                 <a:solidFill>
                   <a:schemeClr val="accent1"/>
                 </a:solidFill>
               </a14:hiddenFill>
             </a:ext>
             <a:ext uri="{91240B29-F687-4f45-9708-019B960494DF}">
-              <a14:hiddenLine xmlns:a14="http://schemas.microsoft.com/office/drawing/2010/main" xmlns="" w="9525">
+              <a14:hiddenLine xmlns="" xmlns:a14="http://schemas.microsoft.com/office/drawing/2010/main" w="9525">
                 <a:solidFill>
                   <a:srgbClr val="000000"/>
                 </a:solidFill>
@@ -12755,7 +12755,7 @@
               </a14:hiddenLine>
             </a:ext>
             <a:ext uri="{AF507438-7753-43e0-B8FC-AC1667EBCBE1}">
-              <a14:hiddenEffects xmlns:a14="http://schemas.microsoft.com/office/drawing/2010/main" xmlns="">
+              <a14:hiddenEffects xmlns="" xmlns:a14="http://schemas.microsoft.com/office/drawing/2010/main">
                 <a:effectLst>
                   <a:outerShdw blurRad="63500" dist="38099" dir="2700000" algn="ctr" rotWithShape="0">
                     <a:schemeClr val="bg2">
@@ -12809,12 +12809,12 @@
           <a:effectLst/>
           <a:extLst>
             <a:ext uri="{909E8E84-426E-40dd-AFC4-6F175D3DCCD1}">
-              <a14:hiddenFill xmlns:a14="http://schemas.microsoft.com/office/drawing/2010/main" xmlns="">
+              <a14:hiddenFill xmlns="" xmlns:a14="http://schemas.microsoft.com/office/drawing/2010/main">
                 <a:noFill/>
               </a14:hiddenFill>
             </a:ext>
             <a:ext uri="{AF507438-7753-43e0-B8FC-AC1667EBCBE1}">
-              <a14:hiddenEffects xmlns:a14="http://schemas.microsoft.com/office/drawing/2010/main" xmlns="">
+              <a14:hiddenEffects xmlns="" xmlns:a14="http://schemas.microsoft.com/office/drawing/2010/main">
                 <a:effectLst>
                   <a:outerShdw blurRad="63500" dist="38099" dir="2700000" algn="ctr" rotWithShape="0">
                     <a:schemeClr val="bg2">
@@ -12864,7 +12864,7 @@
           <a:effectLst/>
           <a:extLst>
             <a:ext uri="{AF507438-7753-43e0-B8FC-AC1667EBCBE1}">
-              <a14:hiddenEffects xmlns:a14="http://schemas.microsoft.com/office/drawing/2010/main" xmlns="">
+              <a14:hiddenEffects xmlns="" xmlns:a14="http://schemas.microsoft.com/office/drawing/2010/main">
                 <a:effectLst>
                   <a:outerShdw blurRad="63500" dist="38099" dir="2700000" algn="ctr" rotWithShape="0">
                     <a:schemeClr val="bg2">
@@ -12918,7 +12918,7 @@
           <a:effectLst/>
           <a:extLst>
             <a:ext uri="{AF507438-7753-43e0-B8FC-AC1667EBCBE1}">
-              <a14:hiddenEffects xmlns:a14="http://schemas.microsoft.com/office/drawing/2010/main" xmlns="">
+              <a14:hiddenEffects xmlns="" xmlns:a14="http://schemas.microsoft.com/office/drawing/2010/main">
                 <a:effectLst>
                   <a:outerShdw blurRad="63500" dist="38099" dir="2700000" algn="ctr" rotWithShape="0">
                     <a:schemeClr val="bg2">
@@ -12970,12 +12970,12 @@
           <a:effectLst/>
           <a:extLst>
             <a:ext uri="{909E8E84-426E-40dd-AFC4-6F175D3DCCD1}">
-              <a14:hiddenFill xmlns:a14="http://schemas.microsoft.com/office/drawing/2010/main" xmlns="">
+              <a14:hiddenFill xmlns="" xmlns:a14="http://schemas.microsoft.com/office/drawing/2010/main">
                 <a:noFill/>
               </a14:hiddenFill>
             </a:ext>
             <a:ext uri="{AF507438-7753-43e0-B8FC-AC1667EBCBE1}">
-              <a14:hiddenEffects xmlns:a14="http://schemas.microsoft.com/office/drawing/2010/main" xmlns="">
+              <a14:hiddenEffects xmlns="" xmlns:a14="http://schemas.microsoft.com/office/drawing/2010/main">
                 <a:effectLst>
                   <a:outerShdw blurRad="63500" dist="38099" dir="2700000" algn="ctr" rotWithShape="0">
                     <a:schemeClr val="bg2">
@@ -13027,12 +13027,12 @@
           <a:effectLst/>
           <a:extLst>
             <a:ext uri="{909E8E84-426E-40dd-AFC4-6F175D3DCCD1}">
-              <a14:hiddenFill xmlns:a14="http://schemas.microsoft.com/office/drawing/2010/main" xmlns="">
+              <a14:hiddenFill xmlns="" xmlns:a14="http://schemas.microsoft.com/office/drawing/2010/main">
                 <a:noFill/>
               </a14:hiddenFill>
             </a:ext>
             <a:ext uri="{AF507438-7753-43e0-B8FC-AC1667EBCBE1}">
-              <a14:hiddenEffects xmlns:a14="http://schemas.microsoft.com/office/drawing/2010/main" xmlns="">
+              <a14:hiddenEffects xmlns="" xmlns:a14="http://schemas.microsoft.com/office/drawing/2010/main">
                 <a:effectLst>
                   <a:outerShdw blurRad="63500" dist="38099" dir="2700000" algn="ctr" rotWithShape="0">
                     <a:schemeClr val="bg2">
@@ -13075,7 +13075,7 @@
           <a:effectLst/>
           <a:extLst>
             <a:ext uri="{AF507438-7753-43e0-B8FC-AC1667EBCBE1}">
-              <a14:hiddenEffects xmlns:a14="http://schemas.microsoft.com/office/drawing/2010/main" xmlns="">
+              <a14:hiddenEffects xmlns="" xmlns:a14="http://schemas.microsoft.com/office/drawing/2010/main">
                 <a:effectLst>
                   <a:outerShdw blurRad="63500" dist="38099" dir="2700000" algn="ctr" rotWithShape="0">
                     <a:schemeClr val="bg2">
@@ -13129,7 +13129,7 @@
           <a:effectLst/>
           <a:extLst>
             <a:ext uri="{AF507438-7753-43e0-B8FC-AC1667EBCBE1}">
-              <a14:hiddenEffects xmlns:a14="http://schemas.microsoft.com/office/drawing/2010/main" xmlns="">
+              <a14:hiddenEffects xmlns="" xmlns:a14="http://schemas.microsoft.com/office/drawing/2010/main">
                 <a:effectLst>
                   <a:outerShdw blurRad="63500" dist="38099" dir="2700000" algn="ctr" rotWithShape="0">
                     <a:schemeClr val="bg2">
@@ -13183,7 +13183,7 @@
           <a:effectLst/>
           <a:extLst>
             <a:ext uri="{AF507438-7753-43e0-B8FC-AC1667EBCBE1}">
-              <a14:hiddenEffects xmlns:a14="http://schemas.microsoft.com/office/drawing/2010/main" xmlns="">
+              <a14:hiddenEffects xmlns="" xmlns:a14="http://schemas.microsoft.com/office/drawing/2010/main">
                 <a:effectLst>
                   <a:outerShdw blurRad="63500" dist="38099" dir="2700000" algn="ctr" rotWithShape="0">
                     <a:schemeClr val="bg2">
@@ -13236,12 +13236,12 @@
           <a:effectLst/>
           <a:extLst>
             <a:ext uri="{909E8E84-426E-40dd-AFC4-6F175D3DCCD1}">
-              <a14:hiddenFill xmlns:a14="http://schemas.microsoft.com/office/drawing/2010/main" xmlns="">
+              <a14:hiddenFill xmlns="" xmlns:a14="http://schemas.microsoft.com/office/drawing/2010/main">
                 <a:noFill/>
               </a14:hiddenFill>
             </a:ext>
             <a:ext uri="{AF507438-7753-43e0-B8FC-AC1667EBCBE1}">
-              <a14:hiddenEffects xmlns:a14="http://schemas.microsoft.com/office/drawing/2010/main" xmlns="">
+              <a14:hiddenEffects xmlns="" xmlns:a14="http://schemas.microsoft.com/office/drawing/2010/main">
                 <a:effectLst>
                   <a:outerShdw blurRad="63500" dist="38099" dir="2700000" algn="ctr" rotWithShape="0">
                     <a:schemeClr val="bg2">
@@ -13290,12 +13290,12 @@
           <a:effectLst/>
           <a:extLst>
             <a:ext uri="{909E8E84-426E-40dd-AFC4-6F175D3DCCD1}">
-              <a14:hiddenFill xmlns:a14="http://schemas.microsoft.com/office/drawing/2010/main" xmlns="">
+              <a14:hiddenFill xmlns="" xmlns:a14="http://schemas.microsoft.com/office/drawing/2010/main">
                 <a:noFill/>
               </a14:hiddenFill>
             </a:ext>
             <a:ext uri="{AF507438-7753-43e0-B8FC-AC1667EBCBE1}">
-              <a14:hiddenEffects xmlns:a14="http://schemas.microsoft.com/office/drawing/2010/main" xmlns="">
+              <a14:hiddenEffects xmlns="" xmlns:a14="http://schemas.microsoft.com/office/drawing/2010/main">
                 <a:effectLst>
                   <a:outerShdw blurRad="63500" dist="38099" dir="2700000" algn="ctr" rotWithShape="0">
                     <a:schemeClr val="bg2">
@@ -13344,12 +13344,12 @@
           <a:effectLst/>
           <a:extLst>
             <a:ext uri="{909E8E84-426E-40dd-AFC4-6F175D3DCCD1}">
-              <a14:hiddenFill xmlns:a14="http://schemas.microsoft.com/office/drawing/2010/main" xmlns="">
+              <a14:hiddenFill xmlns="" xmlns:a14="http://schemas.microsoft.com/office/drawing/2010/main">
                 <a:noFill/>
               </a14:hiddenFill>
             </a:ext>
             <a:ext uri="{AF507438-7753-43e0-B8FC-AC1667EBCBE1}">
-              <a14:hiddenEffects xmlns:a14="http://schemas.microsoft.com/office/drawing/2010/main" xmlns="">
+              <a14:hiddenEffects xmlns="" xmlns:a14="http://schemas.microsoft.com/office/drawing/2010/main">
                 <a:effectLst>
                   <a:outerShdw blurRad="63500" dist="38099" dir="2700000" algn="ctr" rotWithShape="0">
                     <a:schemeClr val="bg2">
@@ -13397,12 +13397,12 @@
           <a:effectLst/>
           <a:extLst>
             <a:ext uri="{909E8E84-426E-40dd-AFC4-6F175D3DCCD1}">
-              <a14:hiddenFill xmlns:a14="http://schemas.microsoft.com/office/drawing/2010/main" xmlns="">
+              <a14:hiddenFill xmlns="" xmlns:a14="http://schemas.microsoft.com/office/drawing/2010/main">
                 <a:noFill/>
               </a14:hiddenFill>
             </a:ext>
             <a:ext uri="{AF507438-7753-43e0-B8FC-AC1667EBCBE1}">
-              <a14:hiddenEffects xmlns:a14="http://schemas.microsoft.com/office/drawing/2010/main" xmlns="">
+              <a14:hiddenEffects xmlns="" xmlns:a14="http://schemas.microsoft.com/office/drawing/2010/main">
                 <a:effectLst>
                   <a:outerShdw blurRad="63500" dist="38099" dir="2700000" algn="ctr" rotWithShape="0">
                     <a:schemeClr val="bg2">
@@ -13451,12 +13451,12 @@
           <a:effectLst/>
           <a:extLst>
             <a:ext uri="{909E8E84-426E-40dd-AFC4-6F175D3DCCD1}">
-              <a14:hiddenFill xmlns:a14="http://schemas.microsoft.com/office/drawing/2010/main" xmlns="">
+              <a14:hiddenFill xmlns="" xmlns:a14="http://schemas.microsoft.com/office/drawing/2010/main">
                 <a:noFill/>
               </a14:hiddenFill>
             </a:ext>
             <a:ext uri="{AF507438-7753-43e0-B8FC-AC1667EBCBE1}">
-              <a14:hiddenEffects xmlns:a14="http://schemas.microsoft.com/office/drawing/2010/main" xmlns="">
+              <a14:hiddenEffects xmlns="" xmlns:a14="http://schemas.microsoft.com/office/drawing/2010/main">
                 <a:effectLst>
                   <a:outerShdw blurRad="63500" dist="38099" dir="2700000" algn="ctr" rotWithShape="0">
                     <a:schemeClr val="bg2">
@@ -13505,12 +13505,12 @@
           <a:effectLst/>
           <a:extLst>
             <a:ext uri="{909E8E84-426E-40dd-AFC4-6F175D3DCCD1}">
-              <a14:hiddenFill xmlns:a14="http://schemas.microsoft.com/office/drawing/2010/main" xmlns="">
+              <a14:hiddenFill xmlns="" xmlns:a14="http://schemas.microsoft.com/office/drawing/2010/main">
                 <a:noFill/>
               </a14:hiddenFill>
             </a:ext>
             <a:ext uri="{AF507438-7753-43e0-B8FC-AC1667EBCBE1}">
-              <a14:hiddenEffects xmlns:a14="http://schemas.microsoft.com/office/drawing/2010/main" xmlns="">
+              <a14:hiddenEffects xmlns="" xmlns:a14="http://schemas.microsoft.com/office/drawing/2010/main">
                 <a:effectLst>
                   <a:outerShdw blurRad="63500" dist="38099" dir="2700000" algn="ctr" rotWithShape="0">
                     <a:schemeClr val="bg2">
@@ -13559,12 +13559,12 @@
           <a:effectLst/>
           <a:extLst>
             <a:ext uri="{909E8E84-426E-40dd-AFC4-6F175D3DCCD1}">
-              <a14:hiddenFill xmlns:a14="http://schemas.microsoft.com/office/drawing/2010/main" xmlns="">
+              <a14:hiddenFill xmlns="" xmlns:a14="http://schemas.microsoft.com/office/drawing/2010/main">
                 <a:noFill/>
               </a14:hiddenFill>
             </a:ext>
             <a:ext uri="{AF507438-7753-43e0-B8FC-AC1667EBCBE1}">
-              <a14:hiddenEffects xmlns:a14="http://schemas.microsoft.com/office/drawing/2010/main" xmlns="">
+              <a14:hiddenEffects xmlns="" xmlns:a14="http://schemas.microsoft.com/office/drawing/2010/main">
                 <a:effectLst>
                   <a:outerShdw blurRad="63500" dist="38099" dir="2700000" algn="ctr" rotWithShape="0">
                     <a:schemeClr val="bg2">
@@ -13636,14 +13636,14 @@
           </a:ln>
           <a:extLst>
             <a:ext uri="{909E8E84-426E-40dd-AFC4-6F175D3DCCD1}">
-              <a14:hiddenFill xmlns:a14="http://schemas.microsoft.com/office/drawing/2010/main" xmlns="">
+              <a14:hiddenFill xmlns="" xmlns:a14="http://schemas.microsoft.com/office/drawing/2010/main">
                 <a:solidFill>
                   <a:srgbClr val="FFFFFF"/>
                 </a:solidFill>
               </a14:hiddenFill>
             </a:ext>
             <a:ext uri="{91240B29-F687-4f45-9708-019B960494DF}">
-              <a14:hiddenLine xmlns:a14="http://schemas.microsoft.com/office/drawing/2010/main" xmlns="" w="9525">
+              <a14:hiddenLine xmlns="" xmlns:a14="http://schemas.microsoft.com/office/drawing/2010/main" w="9525">
                 <a:solidFill>
                   <a:srgbClr val="000000"/>
                 </a:solidFill>
@@ -13736,7 +13736,7 @@
           <a:effectLst/>
           <a:extLst>
             <a:ext uri="{AF507438-7753-43e0-B8FC-AC1667EBCBE1}">
-              <a14:hiddenEffects xmlns:a14="http://schemas.microsoft.com/office/drawing/2010/main" xmlns="">
+              <a14:hiddenEffects xmlns="" xmlns:a14="http://schemas.microsoft.com/office/drawing/2010/main">
                 <a:effectLst>
                   <a:outerShdw blurRad="63500" dist="38099" dir="2700000" algn="ctr" rotWithShape="0">
                     <a:schemeClr val="bg2">
@@ -13790,7 +13790,7 @@
           <a:effectLst/>
           <a:extLst>
             <a:ext uri="{AF507438-7753-43e0-B8FC-AC1667EBCBE1}">
-              <a14:hiddenEffects xmlns:a14="http://schemas.microsoft.com/office/drawing/2010/main" xmlns="">
+              <a14:hiddenEffects xmlns="" xmlns:a14="http://schemas.microsoft.com/office/drawing/2010/main">
                 <a:effectLst>
                   <a:outerShdw blurRad="63500" dist="38099" dir="2700000" algn="ctr" rotWithShape="0">
                     <a:schemeClr val="bg2">
@@ -13844,7 +13844,7 @@
           <a:effectLst/>
           <a:extLst>
             <a:ext uri="{AF507438-7753-43e0-B8FC-AC1667EBCBE1}">
-              <a14:hiddenEffects xmlns:a14="http://schemas.microsoft.com/office/drawing/2010/main" xmlns="">
+              <a14:hiddenEffects xmlns="" xmlns:a14="http://schemas.microsoft.com/office/drawing/2010/main">
                 <a:effectLst>
                   <a:outerShdw blurRad="63500" dist="38099" dir="2700000" algn="ctr" rotWithShape="0">
                     <a:schemeClr val="bg2">
@@ -13891,14 +13891,14 @@
           <a:effectLst/>
           <a:extLst>
             <a:ext uri="{909E8E84-426E-40dd-AFC4-6F175D3DCCD1}">
-              <a14:hiddenFill xmlns:a14="http://schemas.microsoft.com/office/drawing/2010/main" xmlns="">
+              <a14:hiddenFill xmlns="" xmlns:a14="http://schemas.microsoft.com/office/drawing/2010/main">
                 <a:solidFill>
                   <a:schemeClr val="accent1"/>
                 </a:solidFill>
               </a14:hiddenFill>
             </a:ext>
             <a:ext uri="{91240B29-F687-4f45-9708-019B960494DF}">
-              <a14:hiddenLine xmlns:a14="http://schemas.microsoft.com/office/drawing/2010/main" xmlns="" w="9525">
+              <a14:hiddenLine xmlns="" xmlns:a14="http://schemas.microsoft.com/office/drawing/2010/main" w="9525">
                 <a:solidFill>
                   <a:srgbClr val="000000"/>
                 </a:solidFill>
@@ -13908,7 +13908,7 @@
               </a14:hiddenLine>
             </a:ext>
             <a:ext uri="{AF507438-7753-43e0-B8FC-AC1667EBCBE1}">
-              <a14:hiddenEffects xmlns:a14="http://schemas.microsoft.com/office/drawing/2010/main" xmlns="">
+              <a14:hiddenEffects xmlns="" xmlns:a14="http://schemas.microsoft.com/office/drawing/2010/main">
                 <a:effectLst>
                   <a:outerShdw blurRad="63500" dist="38099" dir="2700000" algn="ctr" rotWithShape="0">
                     <a:schemeClr val="bg2">
@@ -13972,12 +13972,12 @@
           <a:effectLst/>
           <a:extLst>
             <a:ext uri="{909E8E84-426E-40dd-AFC4-6F175D3DCCD1}">
-              <a14:hiddenFill xmlns:a14="http://schemas.microsoft.com/office/drawing/2010/main" xmlns="">
+              <a14:hiddenFill xmlns="" xmlns:a14="http://schemas.microsoft.com/office/drawing/2010/main">
                 <a:noFill/>
               </a14:hiddenFill>
             </a:ext>
             <a:ext uri="{AF507438-7753-43e0-B8FC-AC1667EBCBE1}">
-              <a14:hiddenEffects xmlns:a14="http://schemas.microsoft.com/office/drawing/2010/main" xmlns="">
+              <a14:hiddenEffects xmlns="" xmlns:a14="http://schemas.microsoft.com/office/drawing/2010/main">
                 <a:effectLst>
                   <a:outerShdw blurRad="63500" dist="38099" dir="2700000" algn="ctr" rotWithShape="0">
                     <a:schemeClr val="bg2">
@@ -14025,12 +14025,12 @@
           <a:effectLst/>
           <a:extLst>
             <a:ext uri="{909E8E84-426E-40dd-AFC4-6F175D3DCCD1}">
-              <a14:hiddenFill xmlns:a14="http://schemas.microsoft.com/office/drawing/2010/main" xmlns="">
+              <a14:hiddenFill xmlns="" xmlns:a14="http://schemas.microsoft.com/office/drawing/2010/main">
                 <a:noFill/>
               </a14:hiddenFill>
             </a:ext>
             <a:ext uri="{AF507438-7753-43e0-B8FC-AC1667EBCBE1}">
-              <a14:hiddenEffects xmlns:a14="http://schemas.microsoft.com/office/drawing/2010/main" xmlns="">
+              <a14:hiddenEffects xmlns="" xmlns:a14="http://schemas.microsoft.com/office/drawing/2010/main">
                 <a:effectLst>
                   <a:outerShdw blurRad="63500" dist="38099" dir="2700000" algn="ctr" rotWithShape="0">
                     <a:schemeClr val="bg2">
@@ -14078,12 +14078,12 @@
           <a:effectLst/>
           <a:extLst>
             <a:ext uri="{909E8E84-426E-40dd-AFC4-6F175D3DCCD1}">
-              <a14:hiddenFill xmlns:a14="http://schemas.microsoft.com/office/drawing/2010/main" xmlns="">
+              <a14:hiddenFill xmlns="" xmlns:a14="http://schemas.microsoft.com/office/drawing/2010/main">
                 <a:noFill/>
               </a14:hiddenFill>
             </a:ext>
             <a:ext uri="{AF507438-7753-43e0-B8FC-AC1667EBCBE1}">
-              <a14:hiddenEffects xmlns:a14="http://schemas.microsoft.com/office/drawing/2010/main" xmlns="">
+              <a14:hiddenEffects xmlns="" xmlns:a14="http://schemas.microsoft.com/office/drawing/2010/main">
                 <a:effectLst>
                   <a:outerShdw blurRad="63500" dist="38099" dir="2700000" algn="ctr" rotWithShape="0">
                     <a:schemeClr val="bg2">
@@ -14131,12 +14131,12 @@
           <a:effectLst/>
           <a:extLst>
             <a:ext uri="{909E8E84-426E-40dd-AFC4-6F175D3DCCD1}">
-              <a14:hiddenFill xmlns:a14="http://schemas.microsoft.com/office/drawing/2010/main" xmlns="">
+              <a14:hiddenFill xmlns="" xmlns:a14="http://schemas.microsoft.com/office/drawing/2010/main">
                 <a:noFill/>
               </a14:hiddenFill>
             </a:ext>
             <a:ext uri="{AF507438-7753-43e0-B8FC-AC1667EBCBE1}">
-              <a14:hiddenEffects xmlns:a14="http://schemas.microsoft.com/office/drawing/2010/main" xmlns="">
+              <a14:hiddenEffects xmlns="" xmlns:a14="http://schemas.microsoft.com/office/drawing/2010/main">
                 <a:effectLst>
                   <a:outerShdw blurRad="63500" dist="38099" dir="2700000" algn="ctr" rotWithShape="0">
                     <a:schemeClr val="bg2">
@@ -14179,14 +14179,14 @@
           <a:effectLst/>
           <a:extLst>
             <a:ext uri="{909E8E84-426E-40dd-AFC4-6F175D3DCCD1}">
-              <a14:hiddenFill xmlns:a14="http://schemas.microsoft.com/office/drawing/2010/main" xmlns="">
+              <a14:hiddenFill xmlns="" xmlns:a14="http://schemas.microsoft.com/office/drawing/2010/main">
                 <a:solidFill>
                   <a:schemeClr val="accent1"/>
                 </a:solidFill>
               </a14:hiddenFill>
             </a:ext>
             <a:ext uri="{91240B29-F687-4f45-9708-019B960494DF}">
-              <a14:hiddenLine xmlns:a14="http://schemas.microsoft.com/office/drawing/2010/main" xmlns="" w="9525">
+              <a14:hiddenLine xmlns="" xmlns:a14="http://schemas.microsoft.com/office/drawing/2010/main" w="9525">
                 <a:solidFill>
                   <a:srgbClr val="000000"/>
                 </a:solidFill>
@@ -14196,7 +14196,7 @@
               </a14:hiddenLine>
             </a:ext>
             <a:ext uri="{AF507438-7753-43e0-B8FC-AC1667EBCBE1}">
-              <a14:hiddenEffects xmlns:a14="http://schemas.microsoft.com/office/drawing/2010/main" xmlns="">
+              <a14:hiddenEffects xmlns="" xmlns:a14="http://schemas.microsoft.com/office/drawing/2010/main">
                 <a:effectLst>
                   <a:outerShdw blurRad="63500" dist="38099" dir="2700000" algn="ctr" rotWithShape="0">
                     <a:schemeClr val="bg2">
@@ -14257,12 +14257,12 @@
           <a:effectLst/>
           <a:extLst>
             <a:ext uri="{909E8E84-426E-40dd-AFC4-6F175D3DCCD1}">
-              <a14:hiddenFill xmlns:a14="http://schemas.microsoft.com/office/drawing/2010/main" xmlns="">
+              <a14:hiddenFill xmlns="" xmlns:a14="http://schemas.microsoft.com/office/drawing/2010/main">
                 <a:noFill/>
               </a14:hiddenFill>
             </a:ext>
             <a:ext uri="{AF507438-7753-43e0-B8FC-AC1667EBCBE1}">
-              <a14:hiddenEffects xmlns:a14="http://schemas.microsoft.com/office/drawing/2010/main" xmlns="">
+              <a14:hiddenEffects xmlns="" xmlns:a14="http://schemas.microsoft.com/office/drawing/2010/main">
                 <a:effectLst>
                   <a:outerShdw blurRad="63500" dist="38099" dir="2700000" algn="ctr" rotWithShape="0">
                     <a:schemeClr val="bg2">
@@ -14316,7 +14316,7 @@
           <a:effectLst/>
           <a:extLst>
             <a:ext uri="{91240B29-F687-4f45-9708-019B960494DF}">
-              <a14:hiddenLine xmlns:a14="http://schemas.microsoft.com/office/drawing/2010/main" xmlns="" w="9525">
+              <a14:hiddenLine xmlns="" xmlns:a14="http://schemas.microsoft.com/office/drawing/2010/main" w="9525">
                 <a:solidFill>
                   <a:schemeClr val="tx1"/>
                 </a:solidFill>
@@ -14327,7 +14327,7 @@
               </a14:hiddenLine>
             </a:ext>
             <a:ext uri="{AF507438-7753-43e0-B8FC-AC1667EBCBE1}">
-              <a14:hiddenEffects xmlns:a14="http://schemas.microsoft.com/office/drawing/2010/main" xmlns="">
+              <a14:hiddenEffects xmlns="" xmlns:a14="http://schemas.microsoft.com/office/drawing/2010/main">
                 <a:effectLst>
                   <a:outerShdw blurRad="63500" dist="38099" dir="2700000" algn="ctr" rotWithShape="0">
                     <a:schemeClr val="bg2">
@@ -14543,14 +14543,14 @@
           <a:effectLst/>
           <a:extLst>
             <a:ext uri="{909E8E84-426E-40dd-AFC4-6F175D3DCCD1}">
-              <a14:hiddenFill xmlns:a14="http://schemas.microsoft.com/office/drawing/2010/main" xmlns="">
+              <a14:hiddenFill xmlns="" xmlns:a14="http://schemas.microsoft.com/office/drawing/2010/main">
                 <a:solidFill>
                   <a:schemeClr val="accent1"/>
                 </a:solidFill>
               </a14:hiddenFill>
             </a:ext>
             <a:ext uri="{91240B29-F687-4f45-9708-019B960494DF}">
-              <a14:hiddenLine xmlns:a14="http://schemas.microsoft.com/office/drawing/2010/main" xmlns="" w="9525">
+              <a14:hiddenLine xmlns="" xmlns:a14="http://schemas.microsoft.com/office/drawing/2010/main" w="9525">
                 <a:solidFill>
                   <a:srgbClr val="000000"/>
                 </a:solidFill>
@@ -14560,7 +14560,7 @@
               </a14:hiddenLine>
             </a:ext>
             <a:ext uri="{AF507438-7753-43e0-B8FC-AC1667EBCBE1}">
-              <a14:hiddenEffects xmlns:a14="http://schemas.microsoft.com/office/drawing/2010/main" xmlns="">
+              <a14:hiddenEffects xmlns="" xmlns:a14="http://schemas.microsoft.com/office/drawing/2010/main">
                 <a:effectLst>
                   <a:outerShdw blurRad="63500" dist="38099" dir="2700000" algn="ctr" rotWithShape="0">
                     <a:schemeClr val="bg2">
@@ -14614,7 +14614,7 @@
           <a:effectLst/>
           <a:extLst>
             <a:ext uri="{AF507438-7753-43e0-B8FC-AC1667EBCBE1}">
-              <a14:hiddenEffects xmlns:a14="http://schemas.microsoft.com/office/drawing/2010/main" xmlns="">
+              <a14:hiddenEffects xmlns="" xmlns:a14="http://schemas.microsoft.com/office/drawing/2010/main">
                 <a:effectLst>
                   <a:outerShdw blurRad="63500" dist="38099" dir="2700000" algn="ctr" rotWithShape="0">
                     <a:schemeClr val="bg2">
@@ -14668,7 +14668,7 @@
           <a:effectLst/>
           <a:extLst>
             <a:ext uri="{AF507438-7753-43e0-B8FC-AC1667EBCBE1}">
-              <a14:hiddenEffects xmlns:a14="http://schemas.microsoft.com/office/drawing/2010/main" xmlns="">
+              <a14:hiddenEffects xmlns="" xmlns:a14="http://schemas.microsoft.com/office/drawing/2010/main">
                 <a:effectLst>
                   <a:outerShdw blurRad="63500" dist="38099" dir="2700000" algn="ctr" rotWithShape="0">
                     <a:schemeClr val="bg2">
@@ -14722,7 +14722,7 @@
           <a:effectLst/>
           <a:extLst>
             <a:ext uri="{AF507438-7753-43e0-B8FC-AC1667EBCBE1}">
-              <a14:hiddenEffects xmlns:a14="http://schemas.microsoft.com/office/drawing/2010/main" xmlns="">
+              <a14:hiddenEffects xmlns="" xmlns:a14="http://schemas.microsoft.com/office/drawing/2010/main">
                 <a:effectLst>
                   <a:outerShdw blurRad="63500" dist="38099" dir="2700000" algn="ctr" rotWithShape="0">
                     <a:schemeClr val="bg2">
@@ -14774,12 +14774,12 @@
           <a:effectLst/>
           <a:extLst>
             <a:ext uri="{909E8E84-426E-40dd-AFC4-6F175D3DCCD1}">
-              <a14:hiddenFill xmlns:a14="http://schemas.microsoft.com/office/drawing/2010/main" xmlns="">
+              <a14:hiddenFill xmlns="" xmlns:a14="http://schemas.microsoft.com/office/drawing/2010/main">
                 <a:noFill/>
               </a14:hiddenFill>
             </a:ext>
             <a:ext uri="{AF507438-7753-43e0-B8FC-AC1667EBCBE1}">
-              <a14:hiddenEffects xmlns:a14="http://schemas.microsoft.com/office/drawing/2010/main" xmlns="">
+              <a14:hiddenEffects xmlns="" xmlns:a14="http://schemas.microsoft.com/office/drawing/2010/main">
                 <a:effectLst>
                   <a:outerShdw blurRad="63500" dist="38099" dir="2700000" algn="ctr" rotWithShape="0">
                     <a:schemeClr val="bg2">
@@ -14827,12 +14827,12 @@
           <a:effectLst/>
           <a:extLst>
             <a:ext uri="{909E8E84-426E-40dd-AFC4-6F175D3DCCD1}">
-              <a14:hiddenFill xmlns:a14="http://schemas.microsoft.com/office/drawing/2010/main" xmlns="">
+              <a14:hiddenFill xmlns="" xmlns:a14="http://schemas.microsoft.com/office/drawing/2010/main">
                 <a:noFill/>
               </a14:hiddenFill>
             </a:ext>
             <a:ext uri="{AF507438-7753-43e0-B8FC-AC1667EBCBE1}">
-              <a14:hiddenEffects xmlns:a14="http://schemas.microsoft.com/office/drawing/2010/main" xmlns="">
+              <a14:hiddenEffects xmlns="" xmlns:a14="http://schemas.microsoft.com/office/drawing/2010/main">
                 <a:effectLst>
                   <a:outerShdw blurRad="63500" dist="38099" dir="2700000" algn="ctr" rotWithShape="0">
                     <a:schemeClr val="bg2">
@@ -15268,14 +15268,14 @@
           </a:ln>
           <a:extLst>
             <a:ext uri="{909E8E84-426E-40dd-AFC4-6F175D3DCCD1}">
-              <a14:hiddenFill xmlns:a14="http://schemas.microsoft.com/office/drawing/2010/main" xmlns="">
+              <a14:hiddenFill xmlns="" xmlns:a14="http://schemas.microsoft.com/office/drawing/2010/main">
                 <a:solidFill>
                   <a:srgbClr val="FFFFFF"/>
                 </a:solidFill>
               </a14:hiddenFill>
             </a:ext>
             <a:ext uri="{91240B29-F687-4f45-9708-019B960494DF}">
-              <a14:hiddenLine xmlns:a14="http://schemas.microsoft.com/office/drawing/2010/main" xmlns="" w="9525">
+              <a14:hiddenLine xmlns="" xmlns:a14="http://schemas.microsoft.com/office/drawing/2010/main" w="9525">
                 <a:solidFill>
                   <a:srgbClr val="000000"/>
                 </a:solidFill>
@@ -15368,7 +15368,7 @@
           <a:effectLst/>
           <a:extLst>
             <a:ext uri="{AF507438-7753-43e0-B8FC-AC1667EBCBE1}">
-              <a14:hiddenEffects xmlns:a14="http://schemas.microsoft.com/office/drawing/2010/main" xmlns="">
+              <a14:hiddenEffects xmlns="" xmlns:a14="http://schemas.microsoft.com/office/drawing/2010/main">
                 <a:effectLst>
                   <a:outerShdw blurRad="63500" dist="38099" dir="2700000" algn="ctr" rotWithShape="0">
                     <a:schemeClr val="bg2">
@@ -15422,7 +15422,7 @@
           <a:effectLst/>
           <a:extLst>
             <a:ext uri="{AF507438-7753-43e0-B8FC-AC1667EBCBE1}">
-              <a14:hiddenEffects xmlns:a14="http://schemas.microsoft.com/office/drawing/2010/main" xmlns="">
+              <a14:hiddenEffects xmlns="" xmlns:a14="http://schemas.microsoft.com/office/drawing/2010/main">
                 <a:effectLst>
                   <a:outerShdw blurRad="63500" dist="38099" dir="2700000" algn="ctr" rotWithShape="0">
                     <a:schemeClr val="bg2">
@@ -15474,12 +15474,12 @@
           <a:effectLst/>
           <a:extLst>
             <a:ext uri="{909E8E84-426E-40dd-AFC4-6F175D3DCCD1}">
-              <a14:hiddenFill xmlns:a14="http://schemas.microsoft.com/office/drawing/2010/main" xmlns="">
+              <a14:hiddenFill xmlns="" xmlns:a14="http://schemas.microsoft.com/office/drawing/2010/main">
                 <a:noFill/>
               </a14:hiddenFill>
             </a:ext>
             <a:ext uri="{AF507438-7753-43e0-B8FC-AC1667EBCBE1}">
-              <a14:hiddenEffects xmlns:a14="http://schemas.microsoft.com/office/drawing/2010/main" xmlns="">
+              <a14:hiddenEffects xmlns="" xmlns:a14="http://schemas.microsoft.com/office/drawing/2010/main">
                 <a:effectLst>
                   <a:outerShdw blurRad="63500" dist="38099" dir="2700000" algn="ctr" rotWithShape="0">
                     <a:schemeClr val="bg2">
@@ -15527,12 +15527,12 @@
           <a:effectLst/>
           <a:extLst>
             <a:ext uri="{909E8E84-426E-40dd-AFC4-6F175D3DCCD1}">
-              <a14:hiddenFill xmlns:a14="http://schemas.microsoft.com/office/drawing/2010/main" xmlns="">
+              <a14:hiddenFill xmlns="" xmlns:a14="http://schemas.microsoft.com/office/drawing/2010/main">
                 <a:noFill/>
               </a14:hiddenFill>
             </a:ext>
             <a:ext uri="{AF507438-7753-43e0-B8FC-AC1667EBCBE1}">
-              <a14:hiddenEffects xmlns:a14="http://schemas.microsoft.com/office/drawing/2010/main" xmlns="">
+              <a14:hiddenEffects xmlns="" xmlns:a14="http://schemas.microsoft.com/office/drawing/2010/main">
                 <a:effectLst>
                   <a:outerShdw blurRad="63500" dist="38099" dir="2700000" algn="ctr" rotWithShape="0">
                     <a:schemeClr val="bg2">
@@ -15580,12 +15580,12 @@
           <a:effectLst/>
           <a:extLst>
             <a:ext uri="{909E8E84-426E-40dd-AFC4-6F175D3DCCD1}">
-              <a14:hiddenFill xmlns:a14="http://schemas.microsoft.com/office/drawing/2010/main" xmlns="">
+              <a14:hiddenFill xmlns="" xmlns:a14="http://schemas.microsoft.com/office/drawing/2010/main">
                 <a:noFill/>
               </a14:hiddenFill>
             </a:ext>
             <a:ext uri="{AF507438-7753-43e0-B8FC-AC1667EBCBE1}">
-              <a14:hiddenEffects xmlns:a14="http://schemas.microsoft.com/office/drawing/2010/main" xmlns="">
+              <a14:hiddenEffects xmlns="" xmlns:a14="http://schemas.microsoft.com/office/drawing/2010/main">
                 <a:effectLst>
                   <a:outerShdw blurRad="63500" dist="38099" dir="2700000" algn="ctr" rotWithShape="0">
                     <a:schemeClr val="bg2">
@@ -15628,14 +15628,14 @@
           <a:effectLst/>
           <a:extLst>
             <a:ext uri="{909E8E84-426E-40dd-AFC4-6F175D3DCCD1}">
-              <a14:hiddenFill xmlns:a14="http://schemas.microsoft.com/office/drawing/2010/main" xmlns="">
+              <a14:hiddenFill xmlns="" xmlns:a14="http://schemas.microsoft.com/office/drawing/2010/main">
                 <a:solidFill>
                   <a:schemeClr val="accent1"/>
                 </a:solidFill>
               </a14:hiddenFill>
             </a:ext>
             <a:ext uri="{91240B29-F687-4f45-9708-019B960494DF}">
-              <a14:hiddenLine xmlns:a14="http://schemas.microsoft.com/office/drawing/2010/main" xmlns="" w="9525">
+              <a14:hiddenLine xmlns="" xmlns:a14="http://schemas.microsoft.com/office/drawing/2010/main" w="9525">
                 <a:solidFill>
                   <a:srgbClr val="000000"/>
                 </a:solidFill>
@@ -15645,7 +15645,7 @@
               </a14:hiddenLine>
             </a:ext>
             <a:ext uri="{AF507438-7753-43e0-B8FC-AC1667EBCBE1}">
-              <a14:hiddenEffects xmlns:a14="http://schemas.microsoft.com/office/drawing/2010/main" xmlns="">
+              <a14:hiddenEffects xmlns="" xmlns:a14="http://schemas.microsoft.com/office/drawing/2010/main">
                 <a:effectLst>
                   <a:outerShdw blurRad="63500" dist="38099" dir="2700000" algn="ctr" rotWithShape="0">
                     <a:schemeClr val="bg2">
@@ -15699,7 +15699,7 @@
           <a:effectLst/>
           <a:extLst>
             <a:ext uri="{AF507438-7753-43e0-B8FC-AC1667EBCBE1}">
-              <a14:hiddenEffects xmlns:a14="http://schemas.microsoft.com/office/drawing/2010/main" xmlns="">
+              <a14:hiddenEffects xmlns="" xmlns:a14="http://schemas.microsoft.com/office/drawing/2010/main">
                 <a:effectLst>
                   <a:outerShdw blurRad="63500" dist="38099" dir="2700000" algn="ctr" rotWithShape="0">
                     <a:schemeClr val="bg2">
@@ -15753,7 +15753,7 @@
           <a:effectLst/>
           <a:extLst>
             <a:ext uri="{AF507438-7753-43e0-B8FC-AC1667EBCBE1}">
-              <a14:hiddenEffects xmlns:a14="http://schemas.microsoft.com/office/drawing/2010/main" xmlns="">
+              <a14:hiddenEffects xmlns="" xmlns:a14="http://schemas.microsoft.com/office/drawing/2010/main">
                 <a:effectLst>
                   <a:outerShdw blurRad="63500" dist="38099" dir="2700000" algn="ctr" rotWithShape="0">
                     <a:schemeClr val="bg2">
@@ -15807,7 +15807,7 @@
           <a:effectLst/>
           <a:extLst>
             <a:ext uri="{AF507438-7753-43e0-B8FC-AC1667EBCBE1}">
-              <a14:hiddenEffects xmlns:a14="http://schemas.microsoft.com/office/drawing/2010/main" xmlns="">
+              <a14:hiddenEffects xmlns="" xmlns:a14="http://schemas.microsoft.com/office/drawing/2010/main">
                 <a:effectLst>
                   <a:outerShdw blurRad="63500" dist="38099" dir="2700000" algn="ctr" rotWithShape="0">
                     <a:schemeClr val="bg2">
@@ -15862,7 +15862,7 @@
           <a:effectLst/>
           <a:extLst>
             <a:ext uri="{AF507438-7753-43e0-B8FC-AC1667EBCBE1}">
-              <a14:hiddenEffects xmlns:a14="http://schemas.microsoft.com/office/drawing/2010/main" xmlns="">
+              <a14:hiddenEffects xmlns="" xmlns:a14="http://schemas.microsoft.com/office/drawing/2010/main">
                 <a:effectLst>
                   <a:outerShdw blurRad="63500" dist="38099" dir="2700000" algn="ctr" rotWithShape="0">
                     <a:schemeClr val="bg2">
@@ -15916,7 +15916,7 @@
           <a:effectLst/>
           <a:extLst>
             <a:ext uri="{AF507438-7753-43e0-B8FC-AC1667EBCBE1}">
-              <a14:hiddenEffects xmlns:a14="http://schemas.microsoft.com/office/drawing/2010/main" xmlns="">
+              <a14:hiddenEffects xmlns="" xmlns:a14="http://schemas.microsoft.com/office/drawing/2010/main">
                 <a:effectLst>
                   <a:outerShdw blurRad="63500" dist="38099" dir="2700000" algn="ctr" rotWithShape="0">
                     <a:schemeClr val="bg2">
@@ -15971,14 +15971,14 @@
           <a:effectLst/>
           <a:extLst>
             <a:ext uri="{909E8E84-426E-40dd-AFC4-6F175D3DCCD1}">
-              <a14:hiddenFill xmlns:a14="http://schemas.microsoft.com/office/drawing/2010/main" xmlns="">
+              <a14:hiddenFill xmlns="" xmlns:a14="http://schemas.microsoft.com/office/drawing/2010/main">
                 <a:solidFill>
                   <a:schemeClr val="accent1"/>
                 </a:solidFill>
               </a14:hiddenFill>
             </a:ext>
             <a:ext uri="{AF507438-7753-43e0-B8FC-AC1667EBCBE1}">
-              <a14:hiddenEffects xmlns:a14="http://schemas.microsoft.com/office/drawing/2010/main" xmlns="">
+              <a14:hiddenEffects xmlns="" xmlns:a14="http://schemas.microsoft.com/office/drawing/2010/main">
                 <a:effectLst>
                   <a:outerShdw blurRad="63500" dist="38099" dir="2700000" algn="ctr" rotWithShape="0">
                     <a:schemeClr val="bg2">
@@ -16032,7 +16032,7 @@
           <a:effectLst/>
           <a:extLst>
             <a:ext uri="{91240B29-F687-4f45-9708-019B960494DF}">
-              <a14:hiddenLine xmlns:a14="http://schemas.microsoft.com/office/drawing/2010/main" xmlns="" w="9525">
+              <a14:hiddenLine xmlns="" xmlns:a14="http://schemas.microsoft.com/office/drawing/2010/main" w="9525">
                 <a:solidFill>
                   <a:schemeClr val="tx1"/>
                 </a:solidFill>
@@ -16043,7 +16043,7 @@
               </a14:hiddenLine>
             </a:ext>
             <a:ext uri="{AF507438-7753-43e0-B8FC-AC1667EBCBE1}">
-              <a14:hiddenEffects xmlns:a14="http://schemas.microsoft.com/office/drawing/2010/main" xmlns="">
+              <a14:hiddenEffects xmlns="" xmlns:a14="http://schemas.microsoft.com/office/drawing/2010/main">
                 <a:effectLst>
                   <a:outerShdw blurRad="63500" dist="38099" dir="2700000" algn="ctr" rotWithShape="0">
                     <a:schemeClr val="bg2">
@@ -16186,7 +16186,7 @@
           <a:effectLst/>
           <a:extLst>
             <a:ext uri="{AF507438-7753-43e0-B8FC-AC1667EBCBE1}">
-              <a14:hiddenEffects xmlns:a14="http://schemas.microsoft.com/office/drawing/2010/main" xmlns="">
+              <a14:hiddenEffects xmlns="" xmlns:a14="http://schemas.microsoft.com/office/drawing/2010/main">
                 <a:effectLst>
                   <a:outerShdw blurRad="63500" dist="38099" dir="2700000" algn="ctr" rotWithShape="0">
                     <a:schemeClr val="bg2">
@@ -16237,7 +16237,7 @@
           <a:effectLst/>
           <a:extLst>
             <a:ext uri="{AF507438-7753-43e0-B8FC-AC1667EBCBE1}">
-              <a14:hiddenEffects xmlns:a14="http://schemas.microsoft.com/office/drawing/2010/main" xmlns="">
+              <a14:hiddenEffects xmlns="" xmlns:a14="http://schemas.microsoft.com/office/drawing/2010/main">
                 <a:effectLst>
                   <a:outerShdw blurRad="63500" dist="38099" dir="2700000" algn="ctr" rotWithShape="0">
                     <a:schemeClr val="bg2">
@@ -16286,14 +16286,14 @@
           <a:effectLst/>
           <a:extLst>
             <a:ext uri="{909E8E84-426E-40dd-AFC4-6F175D3DCCD1}">
-              <a14:hiddenFill xmlns:a14="http://schemas.microsoft.com/office/drawing/2010/main" xmlns="">
+              <a14:hiddenFill xmlns="" xmlns:a14="http://schemas.microsoft.com/office/drawing/2010/main">
                 <a:solidFill>
                   <a:schemeClr val="accent1"/>
                 </a:solidFill>
               </a14:hiddenFill>
             </a:ext>
             <a:ext uri="{AF507438-7753-43e0-B8FC-AC1667EBCBE1}">
-              <a14:hiddenEffects xmlns:a14="http://schemas.microsoft.com/office/drawing/2010/main" xmlns="">
+              <a14:hiddenEffects xmlns="" xmlns:a14="http://schemas.microsoft.com/office/drawing/2010/main">
                 <a:effectLst>
                   <a:outerShdw blurRad="63500" dist="38099" dir="2700000" algn="ctr" rotWithShape="0">
                     <a:schemeClr val="bg2">
@@ -16345,12 +16345,12 @@
           <a:effectLst/>
           <a:extLst>
             <a:ext uri="{909E8E84-426E-40dd-AFC4-6F175D3DCCD1}">
-              <a14:hiddenFill xmlns:a14="http://schemas.microsoft.com/office/drawing/2010/main" xmlns="">
+              <a14:hiddenFill xmlns="" xmlns:a14="http://schemas.microsoft.com/office/drawing/2010/main">
                 <a:noFill/>
               </a14:hiddenFill>
             </a:ext>
             <a:ext uri="{AF507438-7753-43e0-B8FC-AC1667EBCBE1}">
-              <a14:hiddenEffects xmlns:a14="http://schemas.microsoft.com/office/drawing/2010/main" xmlns="">
+              <a14:hiddenEffects xmlns="" xmlns:a14="http://schemas.microsoft.com/office/drawing/2010/main">
                 <a:effectLst>
                   <a:outerShdw blurRad="63500" dist="38099" dir="2700000" algn="ctr" rotWithShape="0">
                     <a:schemeClr val="bg2">
@@ -16398,12 +16398,12 @@
           <a:effectLst/>
           <a:extLst>
             <a:ext uri="{909E8E84-426E-40dd-AFC4-6F175D3DCCD1}">
-              <a14:hiddenFill xmlns:a14="http://schemas.microsoft.com/office/drawing/2010/main" xmlns="">
+              <a14:hiddenFill xmlns="" xmlns:a14="http://schemas.microsoft.com/office/drawing/2010/main">
                 <a:noFill/>
               </a14:hiddenFill>
             </a:ext>
             <a:ext uri="{AF507438-7753-43e0-B8FC-AC1667EBCBE1}">
-              <a14:hiddenEffects xmlns:a14="http://schemas.microsoft.com/office/drawing/2010/main" xmlns="">
+              <a14:hiddenEffects xmlns="" xmlns:a14="http://schemas.microsoft.com/office/drawing/2010/main">
                 <a:effectLst>
                   <a:outerShdw blurRad="63500" dist="38099" dir="2700000" algn="ctr" rotWithShape="0">
                     <a:schemeClr val="bg2">
@@ -16451,12 +16451,12 @@
           <a:effectLst/>
           <a:extLst>
             <a:ext uri="{909E8E84-426E-40dd-AFC4-6F175D3DCCD1}">
-              <a14:hiddenFill xmlns:a14="http://schemas.microsoft.com/office/drawing/2010/main" xmlns="">
+              <a14:hiddenFill xmlns="" xmlns:a14="http://schemas.microsoft.com/office/drawing/2010/main">
                 <a:noFill/>
               </a14:hiddenFill>
             </a:ext>
             <a:ext uri="{AF507438-7753-43e0-B8FC-AC1667EBCBE1}">
-              <a14:hiddenEffects xmlns:a14="http://schemas.microsoft.com/office/drawing/2010/main" xmlns="">
+              <a14:hiddenEffects xmlns="" xmlns:a14="http://schemas.microsoft.com/office/drawing/2010/main">
                 <a:effectLst>
                   <a:outerShdw blurRad="63500" dist="38099" dir="2700000" algn="ctr" rotWithShape="0">
                     <a:schemeClr val="bg2">
@@ -16506,7 +16506,7 @@
           <a:effectLst/>
           <a:extLst>
             <a:ext uri="{AF507438-7753-43e0-B8FC-AC1667EBCBE1}">
-              <a14:hiddenEffects xmlns:a14="http://schemas.microsoft.com/office/drawing/2010/main" xmlns="">
+              <a14:hiddenEffects xmlns="" xmlns:a14="http://schemas.microsoft.com/office/drawing/2010/main">
                 <a:effectLst>
                   <a:outerShdw blurRad="63500" dist="38099" dir="2700000" algn="ctr" rotWithShape="0">
                     <a:schemeClr val="bg2">
@@ -16560,7 +16560,7 @@
           <a:effectLst/>
           <a:extLst>
             <a:ext uri="{AF507438-7753-43e0-B8FC-AC1667EBCBE1}">
-              <a14:hiddenEffects xmlns:a14="http://schemas.microsoft.com/office/drawing/2010/main" xmlns="">
+              <a14:hiddenEffects xmlns="" xmlns:a14="http://schemas.microsoft.com/office/drawing/2010/main">
                 <a:effectLst>
                   <a:outerShdw blurRad="63500" dist="38099" dir="2700000" algn="ctr" rotWithShape="0">
                     <a:schemeClr val="bg2">
@@ -16619,7 +16619,7 @@
           <a:effectLst/>
           <a:extLst>
             <a:ext uri="{AF507438-7753-43e0-B8FC-AC1667EBCBE1}">
-              <a14:hiddenEffects xmlns:a14="http://schemas.microsoft.com/office/drawing/2010/main" xmlns="">
+              <a14:hiddenEffects xmlns="" xmlns:a14="http://schemas.microsoft.com/office/drawing/2010/main">
                 <a:effectLst>
                   <a:outerShdw blurRad="63500" dist="38099" dir="2700000" algn="ctr" rotWithShape="0">
                     <a:schemeClr val="bg2">
@@ -16671,14 +16671,14 @@
           <a:effectLst/>
           <a:extLst>
             <a:ext uri="{909E8E84-426E-40dd-AFC4-6F175D3DCCD1}">
-              <a14:hiddenFill xmlns:a14="http://schemas.microsoft.com/office/drawing/2010/main" xmlns="">
+              <a14:hiddenFill xmlns="" xmlns:a14="http://schemas.microsoft.com/office/drawing/2010/main">
                 <a:solidFill>
                   <a:schemeClr val="hlink"/>
                 </a:solidFill>
               </a14:hiddenFill>
             </a:ext>
             <a:ext uri="{AF507438-7753-43e0-B8FC-AC1667EBCBE1}">
-              <a14:hiddenEffects xmlns:a14="http://schemas.microsoft.com/office/drawing/2010/main" xmlns="">
+              <a14:hiddenEffects xmlns="" xmlns:a14="http://schemas.microsoft.com/office/drawing/2010/main">
                 <a:effectLst>
                   <a:outerShdw blurRad="63500" dist="38099" dir="2700000" algn="ctr" rotWithShape="0">
                     <a:schemeClr val="bg2">
@@ -16730,12 +16730,12 @@
           <a:effectLst/>
           <a:extLst>
             <a:ext uri="{909E8E84-426E-40dd-AFC4-6F175D3DCCD1}">
-              <a14:hiddenFill xmlns:a14="http://schemas.microsoft.com/office/drawing/2010/main" xmlns="">
+              <a14:hiddenFill xmlns="" xmlns:a14="http://schemas.microsoft.com/office/drawing/2010/main">
                 <a:noFill/>
               </a14:hiddenFill>
             </a:ext>
             <a:ext uri="{AF507438-7753-43e0-B8FC-AC1667EBCBE1}">
-              <a14:hiddenEffects xmlns:a14="http://schemas.microsoft.com/office/drawing/2010/main" xmlns="">
+              <a14:hiddenEffects xmlns="" xmlns:a14="http://schemas.microsoft.com/office/drawing/2010/main">
                 <a:effectLst>
                   <a:outerShdw blurRad="63500" dist="38099" dir="2700000" algn="ctr" rotWithShape="0">
                     <a:schemeClr val="bg2">
@@ -16783,14 +16783,14 @@
           <a:effectLst/>
           <a:extLst>
             <a:ext uri="{909E8E84-426E-40dd-AFC4-6F175D3DCCD1}">
-              <a14:hiddenFill xmlns:a14="http://schemas.microsoft.com/office/drawing/2010/main" xmlns="">
+              <a14:hiddenFill xmlns="" xmlns:a14="http://schemas.microsoft.com/office/drawing/2010/main">
                 <a:solidFill>
                   <a:schemeClr val="accent1"/>
                 </a:solidFill>
               </a14:hiddenFill>
             </a:ext>
             <a:ext uri="{AF507438-7753-43e0-B8FC-AC1667EBCBE1}">
-              <a14:hiddenEffects xmlns:a14="http://schemas.microsoft.com/office/drawing/2010/main" xmlns="">
+              <a14:hiddenEffects xmlns="" xmlns:a14="http://schemas.microsoft.com/office/drawing/2010/main">
                 <a:effectLst>
                   <a:outerShdw blurRad="63500" dist="38099" dir="2700000" algn="ctr" rotWithShape="0">
                     <a:schemeClr val="bg2">
@@ -16844,7 +16844,7 @@
           <a:effectLst/>
           <a:extLst>
             <a:ext uri="{AF507438-7753-43e0-B8FC-AC1667EBCBE1}">
-              <a14:hiddenEffects xmlns:a14="http://schemas.microsoft.com/office/drawing/2010/main" xmlns="">
+              <a14:hiddenEffects xmlns="" xmlns:a14="http://schemas.microsoft.com/office/drawing/2010/main">
                 <a:effectLst>
                   <a:outerShdw blurRad="63500" dist="38099" dir="2700000" algn="ctr" rotWithShape="0">
                     <a:schemeClr val="bg2">
@@ -16903,7 +16903,7 @@
           <a:effectLst/>
           <a:extLst>
             <a:ext uri="{AF507438-7753-43e0-B8FC-AC1667EBCBE1}">
-              <a14:hiddenEffects xmlns:a14="http://schemas.microsoft.com/office/drawing/2010/main" xmlns="">
+              <a14:hiddenEffects xmlns="" xmlns:a14="http://schemas.microsoft.com/office/drawing/2010/main">
                 <a:effectLst>
                   <a:outerShdw blurRad="63500" dist="38099" dir="2700000" algn="ctr" rotWithShape="0">
                     <a:schemeClr val="bg2">
@@ -16957,7 +16957,7 @@
           <a:effectLst/>
           <a:extLst>
             <a:ext uri="{AF507438-7753-43e0-B8FC-AC1667EBCBE1}">
-              <a14:hiddenEffects xmlns:a14="http://schemas.microsoft.com/office/drawing/2010/main" xmlns="">
+              <a14:hiddenEffects xmlns="" xmlns:a14="http://schemas.microsoft.com/office/drawing/2010/main">
                 <a:effectLst>
                   <a:outerShdw blurRad="63500" dist="38099" dir="2700000" algn="ctr" rotWithShape="0">
                     <a:schemeClr val="bg2">
@@ -17009,12 +17009,12 @@
           <a:effectLst/>
           <a:extLst>
             <a:ext uri="{909E8E84-426E-40dd-AFC4-6F175D3DCCD1}">
-              <a14:hiddenFill xmlns:a14="http://schemas.microsoft.com/office/drawing/2010/main" xmlns="">
+              <a14:hiddenFill xmlns="" xmlns:a14="http://schemas.microsoft.com/office/drawing/2010/main">
                 <a:noFill/>
               </a14:hiddenFill>
             </a:ext>
             <a:ext uri="{AF507438-7753-43e0-B8FC-AC1667EBCBE1}">
-              <a14:hiddenEffects xmlns:a14="http://schemas.microsoft.com/office/drawing/2010/main" xmlns="">
+              <a14:hiddenEffects xmlns="" xmlns:a14="http://schemas.microsoft.com/office/drawing/2010/main">
                 <a:effectLst>
                   <a:outerShdw blurRad="63500" dist="38099" dir="2700000" algn="ctr" rotWithShape="0">
                     <a:schemeClr val="bg2">
@@ -17062,12 +17062,12 @@
           <a:effectLst/>
           <a:extLst>
             <a:ext uri="{909E8E84-426E-40dd-AFC4-6F175D3DCCD1}">
-              <a14:hiddenFill xmlns:a14="http://schemas.microsoft.com/office/drawing/2010/main" xmlns="">
+              <a14:hiddenFill xmlns="" xmlns:a14="http://schemas.microsoft.com/office/drawing/2010/main">
                 <a:noFill/>
               </a14:hiddenFill>
             </a:ext>
             <a:ext uri="{AF507438-7753-43e0-B8FC-AC1667EBCBE1}">
-              <a14:hiddenEffects xmlns:a14="http://schemas.microsoft.com/office/drawing/2010/main" xmlns="">
+              <a14:hiddenEffects xmlns="" xmlns:a14="http://schemas.microsoft.com/office/drawing/2010/main">
                 <a:effectLst>
                   <a:outerShdw blurRad="63500" dist="38099" dir="2700000" algn="ctr" rotWithShape="0">
                     <a:schemeClr val="bg2">
@@ -17115,12 +17115,12 @@
           <a:effectLst/>
           <a:extLst>
             <a:ext uri="{909E8E84-426E-40dd-AFC4-6F175D3DCCD1}">
-              <a14:hiddenFill xmlns:a14="http://schemas.microsoft.com/office/drawing/2010/main" xmlns="">
+              <a14:hiddenFill xmlns="" xmlns:a14="http://schemas.microsoft.com/office/drawing/2010/main">
                 <a:noFill/>
               </a14:hiddenFill>
             </a:ext>
             <a:ext uri="{AF507438-7753-43e0-B8FC-AC1667EBCBE1}">
-              <a14:hiddenEffects xmlns:a14="http://schemas.microsoft.com/office/drawing/2010/main" xmlns="">
+              <a14:hiddenEffects xmlns="" xmlns:a14="http://schemas.microsoft.com/office/drawing/2010/main">
                 <a:effectLst>
                   <a:outerShdw blurRad="63500" dist="38099" dir="2700000" algn="ctr" rotWithShape="0">
                     <a:schemeClr val="bg2">
@@ -17168,12 +17168,12 @@
           <a:effectLst/>
           <a:extLst>
             <a:ext uri="{909E8E84-426E-40dd-AFC4-6F175D3DCCD1}">
-              <a14:hiddenFill xmlns:a14="http://schemas.microsoft.com/office/drawing/2010/main" xmlns="">
+              <a14:hiddenFill xmlns="" xmlns:a14="http://schemas.microsoft.com/office/drawing/2010/main">
                 <a:noFill/>
               </a14:hiddenFill>
             </a:ext>
             <a:ext uri="{AF507438-7753-43e0-B8FC-AC1667EBCBE1}">
-              <a14:hiddenEffects xmlns:a14="http://schemas.microsoft.com/office/drawing/2010/main" xmlns="">
+              <a14:hiddenEffects xmlns="" xmlns:a14="http://schemas.microsoft.com/office/drawing/2010/main">
                 <a:effectLst>
                   <a:outerShdw blurRad="63500" dist="38099" dir="2700000" algn="ctr" rotWithShape="0">
                     <a:schemeClr val="bg2">
@@ -17222,14 +17222,14 @@
           <a:effectLst/>
           <a:extLst>
             <a:ext uri="{909E8E84-426E-40dd-AFC4-6F175D3DCCD1}">
-              <a14:hiddenFill xmlns:a14="http://schemas.microsoft.com/office/drawing/2010/main" xmlns="">
+              <a14:hiddenFill xmlns="" xmlns:a14="http://schemas.microsoft.com/office/drawing/2010/main">
                 <a:solidFill>
                   <a:schemeClr val="accent1"/>
                 </a:solidFill>
               </a14:hiddenFill>
             </a:ext>
             <a:ext uri="{AF507438-7753-43e0-B8FC-AC1667EBCBE1}">
-              <a14:hiddenEffects xmlns:a14="http://schemas.microsoft.com/office/drawing/2010/main" xmlns="">
+              <a14:hiddenEffects xmlns="" xmlns:a14="http://schemas.microsoft.com/office/drawing/2010/main">
                 <a:effectLst>
                   <a:outerShdw blurRad="63500" dist="38099" dir="2700000" algn="ctr" rotWithShape="0">
                     <a:schemeClr val="bg2">
@@ -17301,12 +17301,12 @@
           <a:effectLst/>
           <a:extLst>
             <a:ext uri="{909E8E84-426E-40dd-AFC4-6F175D3DCCD1}">
-              <a14:hiddenFill xmlns:a14="http://schemas.microsoft.com/office/drawing/2010/main" xmlns="">
+              <a14:hiddenFill xmlns="" xmlns:a14="http://schemas.microsoft.com/office/drawing/2010/main">
                 <a:noFill/>
               </a14:hiddenFill>
             </a:ext>
             <a:ext uri="{AF507438-7753-43e0-B8FC-AC1667EBCBE1}">
-              <a14:hiddenEffects xmlns:a14="http://schemas.microsoft.com/office/drawing/2010/main" xmlns="">
+              <a14:hiddenEffects xmlns="" xmlns:a14="http://schemas.microsoft.com/office/drawing/2010/main">
                 <a:effectLst>
                   <a:outerShdw blurRad="63500" dist="38099" dir="2700000" algn="ctr" rotWithShape="0">
                     <a:schemeClr val="bg2">
@@ -17357,7 +17357,7 @@
           <a:effectLst/>
           <a:extLst>
             <a:ext uri="{AF507438-7753-43e0-B8FC-AC1667EBCBE1}">
-              <a14:hiddenEffects xmlns:a14="http://schemas.microsoft.com/office/drawing/2010/main" xmlns="">
+              <a14:hiddenEffects xmlns="" xmlns:a14="http://schemas.microsoft.com/office/drawing/2010/main">
                 <a:effectLst>
                   <a:outerShdw blurRad="63500" dist="38099" dir="2700000" algn="ctr" rotWithShape="0">
                     <a:schemeClr val="bg2">
@@ -17407,7 +17407,7 @@
           <a:effectLst/>
           <a:extLst>
             <a:ext uri="{AF507438-7753-43e0-B8FC-AC1667EBCBE1}">
-              <a14:hiddenEffects xmlns:a14="http://schemas.microsoft.com/office/drawing/2010/main" xmlns="">
+              <a14:hiddenEffects xmlns="" xmlns:a14="http://schemas.microsoft.com/office/drawing/2010/main">
                 <a:effectLst>
                   <a:outerShdw blurRad="63500" dist="38099" dir="2700000" algn="ctr" rotWithShape="0">
                     <a:schemeClr val="bg2">
@@ -17461,7 +17461,7 @@
           <a:effectLst/>
           <a:extLst>
             <a:ext uri="{AF507438-7753-43e0-B8FC-AC1667EBCBE1}">
-              <a14:hiddenEffects xmlns:a14="http://schemas.microsoft.com/office/drawing/2010/main" xmlns="">
+              <a14:hiddenEffects xmlns="" xmlns:a14="http://schemas.microsoft.com/office/drawing/2010/main">
                 <a:effectLst>
                   <a:outerShdw blurRad="63500" dist="38099" dir="2700000" algn="ctr" rotWithShape="0">
                     <a:schemeClr val="bg2">
@@ -17515,7 +17515,7 @@
           <a:effectLst/>
           <a:extLst>
             <a:ext uri="{AF507438-7753-43e0-B8FC-AC1667EBCBE1}">
-              <a14:hiddenEffects xmlns:a14="http://schemas.microsoft.com/office/drawing/2010/main" xmlns="">
+              <a14:hiddenEffects xmlns="" xmlns:a14="http://schemas.microsoft.com/office/drawing/2010/main">
                 <a:effectLst>
                   <a:outerShdw blurRad="63500" dist="38099" dir="2700000" algn="ctr" rotWithShape="0">
                     <a:schemeClr val="bg2">
@@ -17567,12 +17567,12 @@
           <a:effectLst/>
           <a:extLst>
             <a:ext uri="{909E8E84-426E-40dd-AFC4-6F175D3DCCD1}">
-              <a14:hiddenFill xmlns:a14="http://schemas.microsoft.com/office/drawing/2010/main" xmlns="">
+              <a14:hiddenFill xmlns="" xmlns:a14="http://schemas.microsoft.com/office/drawing/2010/main">
                 <a:noFill/>
               </a14:hiddenFill>
             </a:ext>
             <a:ext uri="{AF507438-7753-43e0-B8FC-AC1667EBCBE1}">
-              <a14:hiddenEffects xmlns:a14="http://schemas.microsoft.com/office/drawing/2010/main" xmlns="">
+              <a14:hiddenEffects xmlns="" xmlns:a14="http://schemas.microsoft.com/office/drawing/2010/main">
                 <a:effectLst>
                   <a:outerShdw blurRad="63500" dist="38099" dir="2700000" algn="ctr" rotWithShape="0">
                     <a:schemeClr val="bg2">
@@ -17620,12 +17620,12 @@
           <a:effectLst/>
           <a:extLst>
             <a:ext uri="{909E8E84-426E-40dd-AFC4-6F175D3DCCD1}">
-              <a14:hiddenFill xmlns:a14="http://schemas.microsoft.com/office/drawing/2010/main" xmlns="">
+              <a14:hiddenFill xmlns="" xmlns:a14="http://schemas.microsoft.com/office/drawing/2010/main">
                 <a:noFill/>
               </a14:hiddenFill>
             </a:ext>
             <a:ext uri="{AF507438-7753-43e0-B8FC-AC1667EBCBE1}">
-              <a14:hiddenEffects xmlns:a14="http://schemas.microsoft.com/office/drawing/2010/main" xmlns="">
+              <a14:hiddenEffects xmlns="" xmlns:a14="http://schemas.microsoft.com/office/drawing/2010/main">
                 <a:effectLst>
                   <a:outerShdw blurRad="63500" dist="38099" dir="2700000" algn="ctr" rotWithShape="0">
                     <a:schemeClr val="bg2">
@@ -17673,12 +17673,12 @@
           <a:effectLst/>
           <a:extLst>
             <a:ext uri="{909E8E84-426E-40dd-AFC4-6F175D3DCCD1}">
-              <a14:hiddenFill xmlns:a14="http://schemas.microsoft.com/office/drawing/2010/main" xmlns="">
+              <a14:hiddenFill xmlns="" xmlns:a14="http://schemas.microsoft.com/office/drawing/2010/main">
                 <a:noFill/>
               </a14:hiddenFill>
             </a:ext>
             <a:ext uri="{AF507438-7753-43e0-B8FC-AC1667EBCBE1}">
-              <a14:hiddenEffects xmlns:a14="http://schemas.microsoft.com/office/drawing/2010/main" xmlns="">
+              <a14:hiddenEffects xmlns="" xmlns:a14="http://schemas.microsoft.com/office/drawing/2010/main">
                 <a:effectLst>
                   <a:outerShdw blurRad="63500" dist="38099" dir="2700000" algn="ctr" rotWithShape="0">
                     <a:schemeClr val="bg2">
@@ -17726,12 +17726,12 @@
           <a:effectLst/>
           <a:extLst>
             <a:ext uri="{909E8E84-426E-40dd-AFC4-6F175D3DCCD1}">
-              <a14:hiddenFill xmlns:a14="http://schemas.microsoft.com/office/drawing/2010/main" xmlns="">
+              <a14:hiddenFill xmlns="" xmlns:a14="http://schemas.microsoft.com/office/drawing/2010/main">
                 <a:noFill/>
               </a14:hiddenFill>
             </a:ext>
             <a:ext uri="{AF507438-7753-43e0-B8FC-AC1667EBCBE1}">
-              <a14:hiddenEffects xmlns:a14="http://schemas.microsoft.com/office/drawing/2010/main" xmlns="">
+              <a14:hiddenEffects xmlns="" xmlns:a14="http://schemas.microsoft.com/office/drawing/2010/main">
                 <a:effectLst>
                   <a:outerShdw blurRad="63500" dist="38099" dir="2700000" algn="ctr" rotWithShape="0">
                     <a:schemeClr val="bg2">
@@ -17779,12 +17779,12 @@
           <a:effectLst/>
           <a:extLst>
             <a:ext uri="{909E8E84-426E-40dd-AFC4-6F175D3DCCD1}">
-              <a14:hiddenFill xmlns:a14="http://schemas.microsoft.com/office/drawing/2010/main" xmlns="">
+              <a14:hiddenFill xmlns="" xmlns:a14="http://schemas.microsoft.com/office/drawing/2010/main">
                 <a:noFill/>
               </a14:hiddenFill>
             </a:ext>
             <a:ext uri="{AF507438-7753-43e0-B8FC-AC1667EBCBE1}">
-              <a14:hiddenEffects xmlns:a14="http://schemas.microsoft.com/office/drawing/2010/main" xmlns="">
+              <a14:hiddenEffects xmlns="" xmlns:a14="http://schemas.microsoft.com/office/drawing/2010/main">
                 <a:effectLst>
                   <a:outerShdw blurRad="63500" dist="38099" dir="2700000" algn="ctr" rotWithShape="0">
                     <a:schemeClr val="bg2">
@@ -17827,14 +17827,14 @@
           <a:effectLst/>
           <a:extLst>
             <a:ext uri="{909E8E84-426E-40dd-AFC4-6F175D3DCCD1}">
-              <a14:hiddenFill xmlns:a14="http://schemas.microsoft.com/office/drawing/2010/main" xmlns="">
+              <a14:hiddenFill xmlns="" xmlns:a14="http://schemas.microsoft.com/office/drawing/2010/main">
                 <a:solidFill>
                   <a:schemeClr val="accent1"/>
                 </a:solidFill>
               </a14:hiddenFill>
             </a:ext>
             <a:ext uri="{91240B29-F687-4f45-9708-019B960494DF}">
-              <a14:hiddenLine xmlns:a14="http://schemas.microsoft.com/office/drawing/2010/main" xmlns="" w="9525">
+              <a14:hiddenLine xmlns="" xmlns:a14="http://schemas.microsoft.com/office/drawing/2010/main" w="9525">
                 <a:solidFill>
                   <a:schemeClr val="tx1"/>
                 </a:solidFill>
@@ -17844,7 +17844,7 @@
               </a14:hiddenLine>
             </a:ext>
             <a:ext uri="{AF507438-7753-43e0-B8FC-AC1667EBCBE1}">
-              <a14:hiddenEffects xmlns:a14="http://schemas.microsoft.com/office/drawing/2010/main" xmlns="">
+              <a14:hiddenEffects xmlns="" xmlns:a14="http://schemas.microsoft.com/office/drawing/2010/main">
                 <a:effectLst>
                   <a:outerShdw blurRad="63500" dist="38099" dir="2700000" algn="ctr" rotWithShape="0">
                     <a:schemeClr val="bg2">
@@ -17892,14 +17892,14 @@
           <a:effectLst/>
           <a:extLst>
             <a:ext uri="{909E8E84-426E-40dd-AFC4-6F175D3DCCD1}">
-              <a14:hiddenFill xmlns:a14="http://schemas.microsoft.com/office/drawing/2010/main" xmlns="">
+              <a14:hiddenFill xmlns="" xmlns:a14="http://schemas.microsoft.com/office/drawing/2010/main">
                 <a:solidFill>
                   <a:schemeClr val="accent1"/>
                 </a:solidFill>
               </a14:hiddenFill>
             </a:ext>
             <a:ext uri="{91240B29-F687-4f45-9708-019B960494DF}">
-              <a14:hiddenLine xmlns:a14="http://schemas.microsoft.com/office/drawing/2010/main" xmlns="" w="9525">
+              <a14:hiddenLine xmlns="" xmlns:a14="http://schemas.microsoft.com/office/drawing/2010/main" w="9525">
                 <a:solidFill>
                   <a:schemeClr val="tx1"/>
                 </a:solidFill>
@@ -17909,7 +17909,7 @@
               </a14:hiddenLine>
             </a:ext>
             <a:ext uri="{AF507438-7753-43e0-B8FC-AC1667EBCBE1}">
-              <a14:hiddenEffects xmlns:a14="http://schemas.microsoft.com/office/drawing/2010/main" xmlns="">
+              <a14:hiddenEffects xmlns="" xmlns:a14="http://schemas.microsoft.com/office/drawing/2010/main">
                 <a:effectLst>
                   <a:outerShdw blurRad="63500" dist="38099" dir="2700000" algn="ctr" rotWithShape="0">
                     <a:schemeClr val="bg2">
@@ -17957,14 +17957,14 @@
           <a:effectLst/>
           <a:extLst>
             <a:ext uri="{909E8E84-426E-40dd-AFC4-6F175D3DCCD1}">
-              <a14:hiddenFill xmlns:a14="http://schemas.microsoft.com/office/drawing/2010/main" xmlns="">
+              <a14:hiddenFill xmlns="" xmlns:a14="http://schemas.microsoft.com/office/drawing/2010/main">
                 <a:solidFill>
                   <a:schemeClr val="accent1"/>
                 </a:solidFill>
               </a14:hiddenFill>
             </a:ext>
             <a:ext uri="{91240B29-F687-4f45-9708-019B960494DF}">
-              <a14:hiddenLine xmlns:a14="http://schemas.microsoft.com/office/drawing/2010/main" xmlns="" w="9525">
+              <a14:hiddenLine xmlns="" xmlns:a14="http://schemas.microsoft.com/office/drawing/2010/main" w="9525">
                 <a:solidFill>
                   <a:schemeClr val="tx1"/>
                 </a:solidFill>
@@ -17974,7 +17974,7 @@
               </a14:hiddenLine>
             </a:ext>
             <a:ext uri="{AF507438-7753-43e0-B8FC-AC1667EBCBE1}">
-              <a14:hiddenEffects xmlns:a14="http://schemas.microsoft.com/office/drawing/2010/main" xmlns="">
+              <a14:hiddenEffects xmlns="" xmlns:a14="http://schemas.microsoft.com/office/drawing/2010/main">
                 <a:effectLst>
                   <a:outerShdw blurRad="63500" dist="38099" dir="2700000" algn="ctr" rotWithShape="0">
                     <a:schemeClr val="bg2">
@@ -18029,7 +18029,7 @@
           <a:effectLst/>
           <a:extLst>
             <a:ext uri="{AF507438-7753-43e0-B8FC-AC1667EBCBE1}">
-              <a14:hiddenEffects xmlns:a14="http://schemas.microsoft.com/office/drawing/2010/main" xmlns="">
+              <a14:hiddenEffects xmlns="" xmlns:a14="http://schemas.microsoft.com/office/drawing/2010/main">
                 <a:effectLst>
                   <a:outerShdw blurRad="63500" dist="38099" dir="2700000" algn="ctr" rotWithShape="0">
                     <a:schemeClr val="bg2">
@@ -18242,14 +18242,14 @@
           </a:ln>
           <a:extLst>
             <a:ext uri="{909E8E84-426E-40dd-AFC4-6F175D3DCCD1}">
-              <a14:hiddenFill xmlns:a14="http://schemas.microsoft.com/office/drawing/2010/main" xmlns="">
+              <a14:hiddenFill xmlns="" xmlns:a14="http://schemas.microsoft.com/office/drawing/2010/main">
                 <a:solidFill>
                   <a:srgbClr val="FFFFFF"/>
                 </a:solidFill>
               </a14:hiddenFill>
             </a:ext>
             <a:ext uri="{91240B29-F687-4f45-9708-019B960494DF}">
-              <a14:hiddenLine xmlns:a14="http://schemas.microsoft.com/office/drawing/2010/main" xmlns="" w="9525">
+              <a14:hiddenLine xmlns="" xmlns:a14="http://schemas.microsoft.com/office/drawing/2010/main" w="9525">
                 <a:solidFill>
                   <a:srgbClr val="000000"/>
                 </a:solidFill>
@@ -18340,12 +18340,12 @@
           <a:effectLst/>
           <a:extLst>
             <a:ext uri="{909E8E84-426E-40dd-AFC4-6F175D3DCCD1}">
-              <a14:hiddenFill xmlns:a14="http://schemas.microsoft.com/office/drawing/2010/main" xmlns="">
+              <a14:hiddenFill xmlns="" xmlns:a14="http://schemas.microsoft.com/office/drawing/2010/main">
                 <a:noFill/>
               </a14:hiddenFill>
             </a:ext>
             <a:ext uri="{AF507438-7753-43e0-B8FC-AC1667EBCBE1}">
-              <a14:hiddenEffects xmlns:a14="http://schemas.microsoft.com/office/drawing/2010/main" xmlns="">
+              <a14:hiddenEffects xmlns="" xmlns:a14="http://schemas.microsoft.com/office/drawing/2010/main">
                 <a:effectLst>
                   <a:outerShdw blurRad="63500" dist="38099" dir="2700000" algn="ctr" rotWithShape="0">
                     <a:schemeClr val="bg2">
@@ -18395,7 +18395,7 @@
           <a:effectLst/>
           <a:extLst>
             <a:ext uri="{AF507438-7753-43e0-B8FC-AC1667EBCBE1}">
-              <a14:hiddenEffects xmlns:a14="http://schemas.microsoft.com/office/drawing/2010/main" xmlns="">
+              <a14:hiddenEffects xmlns="" xmlns:a14="http://schemas.microsoft.com/office/drawing/2010/main">
                 <a:effectLst>
                   <a:outerShdw blurRad="63500" dist="38099" dir="2700000" algn="ctr" rotWithShape="0">
                     <a:schemeClr val="bg2">
@@ -18452,12 +18452,12 @@
           <a:effectLst/>
           <a:extLst>
             <a:ext uri="{909E8E84-426E-40dd-AFC4-6F175D3DCCD1}">
-              <a14:hiddenFill xmlns:a14="http://schemas.microsoft.com/office/drawing/2010/main" xmlns="">
+              <a14:hiddenFill xmlns="" xmlns:a14="http://schemas.microsoft.com/office/drawing/2010/main">
                 <a:noFill/>
               </a14:hiddenFill>
             </a:ext>
             <a:ext uri="{AF507438-7753-43e0-B8FC-AC1667EBCBE1}">
-              <a14:hiddenEffects xmlns:a14="http://schemas.microsoft.com/office/drawing/2010/main" xmlns="">
+              <a14:hiddenEffects xmlns="" xmlns:a14="http://schemas.microsoft.com/office/drawing/2010/main">
                 <a:effectLst>
                   <a:outerShdw blurRad="63500" dist="38099" dir="2700000" algn="ctr" rotWithShape="0">
                     <a:schemeClr val="bg2">
@@ -18503,12 +18503,12 @@
           <a:effectLst/>
           <a:extLst>
             <a:ext uri="{909E8E84-426E-40dd-AFC4-6F175D3DCCD1}">
-              <a14:hiddenFill xmlns:a14="http://schemas.microsoft.com/office/drawing/2010/main" xmlns="">
+              <a14:hiddenFill xmlns="" xmlns:a14="http://schemas.microsoft.com/office/drawing/2010/main">
                 <a:noFill/>
               </a14:hiddenFill>
             </a:ext>
             <a:ext uri="{AF507438-7753-43e0-B8FC-AC1667EBCBE1}">
-              <a14:hiddenEffects xmlns:a14="http://schemas.microsoft.com/office/drawing/2010/main" xmlns="">
+              <a14:hiddenEffects xmlns="" xmlns:a14="http://schemas.microsoft.com/office/drawing/2010/main">
                 <a:effectLst>
                   <a:outerShdw blurRad="63500" dist="38099" dir="2700000" algn="ctr" rotWithShape="0">
                     <a:schemeClr val="bg2">
@@ -18582,7 +18582,7 @@
           <a:effectLst/>
           <a:extLst>
             <a:ext uri="{AF507438-7753-43e0-B8FC-AC1667EBCBE1}">
-              <a14:hiddenEffects xmlns:a14="http://schemas.microsoft.com/office/drawing/2010/main" xmlns="">
+              <a14:hiddenEffects xmlns="" xmlns:a14="http://schemas.microsoft.com/office/drawing/2010/main">
                 <a:effectLst>
                   <a:outerShdw blurRad="63500" dist="38099" dir="2700000" algn="ctr" rotWithShape="0">
                     <a:schemeClr val="bg2">
@@ -18624,14 +18624,14 @@
           </a:ln>
           <a:extLst>
             <a:ext uri="{909E8E84-426E-40dd-AFC4-6F175D3DCCD1}">
-              <a14:hiddenFill xmlns:a14="http://schemas.microsoft.com/office/drawing/2010/main" xmlns="">
+              <a14:hiddenFill xmlns="" xmlns:a14="http://schemas.microsoft.com/office/drawing/2010/main">
                 <a:solidFill>
                   <a:srgbClr val="FFFFFF"/>
                 </a:solidFill>
               </a14:hiddenFill>
             </a:ext>
             <a:ext uri="{91240B29-F687-4f45-9708-019B960494DF}">
-              <a14:hiddenLine xmlns:a14="http://schemas.microsoft.com/office/drawing/2010/main" xmlns="" w="9525">
+              <a14:hiddenLine xmlns="" xmlns:a14="http://schemas.microsoft.com/office/drawing/2010/main" w="9525">
                 <a:solidFill>
                   <a:srgbClr val="000000"/>
                 </a:solidFill>
@@ -18696,14 +18696,14 @@
           <a:effectLst/>
           <a:extLst>
             <a:ext uri="{909E8E84-426E-40dd-AFC4-6F175D3DCCD1}">
-              <a14:hiddenFill xmlns:a14="http://schemas.microsoft.com/office/drawing/2010/main" xmlns="">
+              <a14:hiddenFill xmlns="" xmlns:a14="http://schemas.microsoft.com/office/drawing/2010/main">
                 <a:solidFill>
                   <a:schemeClr val="accent1"/>
                 </a:solidFill>
               </a14:hiddenFill>
             </a:ext>
             <a:ext uri="{91240B29-F687-4f45-9708-019B960494DF}">
-              <a14:hiddenLine xmlns:a14="http://schemas.microsoft.com/office/drawing/2010/main" xmlns="" w="9525">
+              <a14:hiddenLine xmlns="" xmlns:a14="http://schemas.microsoft.com/office/drawing/2010/main" w="9525">
                 <a:solidFill>
                   <a:srgbClr val="000000"/>
                 </a:solidFill>
@@ -18713,7 +18713,7 @@
               </a14:hiddenLine>
             </a:ext>
             <a:ext uri="{AF507438-7753-43e0-B8FC-AC1667EBCBE1}">
-              <a14:hiddenEffects xmlns:a14="http://schemas.microsoft.com/office/drawing/2010/main" xmlns="">
+              <a14:hiddenEffects xmlns="" xmlns:a14="http://schemas.microsoft.com/office/drawing/2010/main">
                 <a:effectLst>
                   <a:outerShdw blurRad="63500" dist="38099" dir="2700000" algn="ctr" rotWithShape="0">
                     <a:schemeClr val="bg2">
@@ -18839,7 +18839,7 @@
           <a:effectLst/>
           <a:extLst>
             <a:ext uri="{AF507438-7753-43e0-B8FC-AC1667EBCBE1}">
-              <a14:hiddenEffects xmlns:a14="http://schemas.microsoft.com/office/drawing/2010/main" xmlns="">
+              <a14:hiddenEffects xmlns="" xmlns:a14="http://schemas.microsoft.com/office/drawing/2010/main">
                 <a:effectLst>
                   <a:outerShdw blurRad="63500" dist="38099" dir="2700000" algn="ctr" rotWithShape="0">
                     <a:schemeClr val="bg2">
@@ -18900,7 +18900,7 @@
           <a:effectLst/>
           <a:extLst>
             <a:ext uri="{AF507438-7753-43e0-B8FC-AC1667EBCBE1}">
-              <a14:hiddenEffects xmlns:a14="http://schemas.microsoft.com/office/drawing/2010/main" xmlns="">
+              <a14:hiddenEffects xmlns="" xmlns:a14="http://schemas.microsoft.com/office/drawing/2010/main">
                 <a:effectLst>
                   <a:outerShdw blurRad="63500" dist="38099" dir="2700000" algn="ctr" rotWithShape="0">
                     <a:schemeClr val="bg2">
@@ -18954,7 +18954,7 @@
           <a:effectLst/>
           <a:extLst>
             <a:ext uri="{AF507438-7753-43e0-B8FC-AC1667EBCBE1}">
-              <a14:hiddenEffects xmlns:a14="http://schemas.microsoft.com/office/drawing/2010/main" xmlns="">
+              <a14:hiddenEffects xmlns="" xmlns:a14="http://schemas.microsoft.com/office/drawing/2010/main">
                 <a:effectLst>
                   <a:outerShdw blurRad="63500" dist="38099" dir="2700000" algn="ctr" rotWithShape="0">
                     <a:schemeClr val="bg2">
@@ -19008,7 +19008,7 @@
           <a:effectLst/>
           <a:extLst>
             <a:ext uri="{AF507438-7753-43e0-B8FC-AC1667EBCBE1}">
-              <a14:hiddenEffects xmlns:a14="http://schemas.microsoft.com/office/drawing/2010/main" xmlns="">
+              <a14:hiddenEffects xmlns="" xmlns:a14="http://schemas.microsoft.com/office/drawing/2010/main">
                 <a:effectLst>
                   <a:outerShdw blurRad="63500" dist="38099" dir="2700000" algn="ctr" rotWithShape="0">
                     <a:schemeClr val="bg2">
@@ -19067,12 +19067,12 @@
           <a:effectLst/>
           <a:extLst>
             <a:ext uri="{909E8E84-426E-40dd-AFC4-6F175D3DCCD1}">
-              <a14:hiddenFill xmlns:a14="http://schemas.microsoft.com/office/drawing/2010/main" xmlns="">
+              <a14:hiddenFill xmlns="" xmlns:a14="http://schemas.microsoft.com/office/drawing/2010/main">
                 <a:noFill/>
               </a14:hiddenFill>
             </a:ext>
             <a:ext uri="{AF507438-7753-43e0-B8FC-AC1667EBCBE1}">
-              <a14:hiddenEffects xmlns:a14="http://schemas.microsoft.com/office/drawing/2010/main" xmlns="">
+              <a14:hiddenEffects xmlns="" xmlns:a14="http://schemas.microsoft.com/office/drawing/2010/main">
                 <a:effectLst>
                   <a:outerShdw blurRad="63500" dist="38099" dir="2700000" algn="ctr" rotWithShape="0">
                     <a:schemeClr val="bg2">
@@ -19120,12 +19120,12 @@
           <a:effectLst/>
           <a:extLst>
             <a:ext uri="{909E8E84-426E-40dd-AFC4-6F175D3DCCD1}">
-              <a14:hiddenFill xmlns:a14="http://schemas.microsoft.com/office/drawing/2010/main" xmlns="">
+              <a14:hiddenFill xmlns="" xmlns:a14="http://schemas.microsoft.com/office/drawing/2010/main">
                 <a:noFill/>
               </a14:hiddenFill>
             </a:ext>
             <a:ext uri="{AF507438-7753-43e0-B8FC-AC1667EBCBE1}">
-              <a14:hiddenEffects xmlns:a14="http://schemas.microsoft.com/office/drawing/2010/main" xmlns="">
+              <a14:hiddenEffects xmlns="" xmlns:a14="http://schemas.microsoft.com/office/drawing/2010/main">
                 <a:effectLst>
                   <a:outerShdw blurRad="63500" dist="38099" dir="2700000" algn="ctr" rotWithShape="0">
                     <a:schemeClr val="bg2">
@@ -19173,12 +19173,12 @@
           <a:effectLst/>
           <a:extLst>
             <a:ext uri="{909E8E84-426E-40dd-AFC4-6F175D3DCCD1}">
-              <a14:hiddenFill xmlns:a14="http://schemas.microsoft.com/office/drawing/2010/main" xmlns="">
+              <a14:hiddenFill xmlns="" xmlns:a14="http://schemas.microsoft.com/office/drawing/2010/main">
                 <a:noFill/>
               </a14:hiddenFill>
             </a:ext>
             <a:ext uri="{AF507438-7753-43e0-B8FC-AC1667EBCBE1}">
-              <a14:hiddenEffects xmlns:a14="http://schemas.microsoft.com/office/drawing/2010/main" xmlns="">
+              <a14:hiddenEffects xmlns="" xmlns:a14="http://schemas.microsoft.com/office/drawing/2010/main">
                 <a:effectLst>
                   <a:outerShdw blurRad="63500" dist="38099" dir="2700000" algn="ctr" rotWithShape="0">
                     <a:schemeClr val="bg2">
@@ -19226,12 +19226,12 @@
           <a:effectLst/>
           <a:extLst>
             <a:ext uri="{909E8E84-426E-40dd-AFC4-6F175D3DCCD1}">
-              <a14:hiddenFill xmlns:a14="http://schemas.microsoft.com/office/drawing/2010/main" xmlns="">
+              <a14:hiddenFill xmlns="" xmlns:a14="http://schemas.microsoft.com/office/drawing/2010/main">
                 <a:noFill/>
               </a14:hiddenFill>
             </a:ext>
             <a:ext uri="{AF507438-7753-43e0-B8FC-AC1667EBCBE1}">
-              <a14:hiddenEffects xmlns:a14="http://schemas.microsoft.com/office/drawing/2010/main" xmlns="">
+              <a14:hiddenEffects xmlns="" xmlns:a14="http://schemas.microsoft.com/office/drawing/2010/main">
                 <a:effectLst>
                   <a:outerShdw blurRad="63500" dist="38099" dir="2700000" algn="ctr" rotWithShape="0">
                     <a:schemeClr val="bg2">
@@ -19284,7 +19284,7 @@
           <a:effectLst/>
           <a:extLst>
             <a:ext uri="{AF507438-7753-43e0-B8FC-AC1667EBCBE1}">
-              <a14:hiddenEffects xmlns:a14="http://schemas.microsoft.com/office/drawing/2010/main" xmlns="">
+              <a14:hiddenEffects xmlns="" xmlns:a14="http://schemas.microsoft.com/office/drawing/2010/main">
                 <a:effectLst>
                   <a:outerShdw blurRad="63500" dist="38099" dir="2700000" algn="ctr" rotWithShape="0">
                     <a:schemeClr val="bg2">
@@ -19337,7 +19337,7 @@
           <a:effectLst/>
           <a:extLst>
             <a:ext uri="{AF507438-7753-43e0-B8FC-AC1667EBCBE1}">
-              <a14:hiddenEffects xmlns:a14="http://schemas.microsoft.com/office/drawing/2010/main" xmlns="">
+              <a14:hiddenEffects xmlns="" xmlns:a14="http://schemas.microsoft.com/office/drawing/2010/main">
                 <a:effectLst>
                   <a:outerShdw blurRad="63500" dist="38099" dir="2700000" algn="ctr" rotWithShape="0">
                     <a:schemeClr val="bg2">
@@ -19394,7 +19394,7 @@
           <a:effectLst/>
           <a:extLst>
             <a:ext uri="{AF507438-7753-43e0-B8FC-AC1667EBCBE1}">
-              <a14:hiddenEffects xmlns:a14="http://schemas.microsoft.com/office/drawing/2010/main" xmlns="">
+              <a14:hiddenEffects xmlns="" xmlns:a14="http://schemas.microsoft.com/office/drawing/2010/main">
                 <a:effectLst>
                   <a:outerShdw blurRad="63500" dist="38099" dir="2700000" algn="ctr" rotWithShape="0">
                     <a:schemeClr val="bg2">
@@ -19459,7 +19459,7 @@
           <a:effectLst/>
           <a:extLst>
             <a:ext uri="{AF507438-7753-43e0-B8FC-AC1667EBCBE1}">
-              <a14:hiddenEffects xmlns:a14="http://schemas.microsoft.com/office/drawing/2010/main" xmlns="">
+              <a14:hiddenEffects xmlns="" xmlns:a14="http://schemas.microsoft.com/office/drawing/2010/main">
                 <a:effectLst>
                   <a:outerShdw blurRad="63500" dist="38099" dir="2700000" algn="ctr" rotWithShape="0">
                     <a:schemeClr val="bg2">
@@ -19752,14 +19752,14 @@
           <a:ln/>
           <a:extLst>
             <a:ext uri="{909E8E84-426E-40dd-AFC4-6F175D3DCCD1}">
-              <a14:hiddenFill xmlns:a14="http://schemas.microsoft.com/office/drawing/2010/main" xmlns="">
+              <a14:hiddenFill xmlns="" xmlns:a14="http://schemas.microsoft.com/office/drawing/2010/main">
                 <a:solidFill>
                   <a:schemeClr val="accent1"/>
                 </a:solidFill>
               </a14:hiddenFill>
             </a:ext>
             <a:ext uri="{91240B29-F687-4f45-9708-019B960494DF}">
-              <a14:hiddenLine xmlns:a14="http://schemas.microsoft.com/office/drawing/2010/main" xmlns="" w="9525">
+              <a14:hiddenLine xmlns="" xmlns:a14="http://schemas.microsoft.com/office/drawing/2010/main" w="9525">
                 <a:solidFill>
                   <a:srgbClr val="000000"/>
                 </a:solidFill>
@@ -19769,7 +19769,7 @@
               </a14:hiddenLine>
             </a:ext>
             <a:ext uri="{AF507438-7753-43e0-B8FC-AC1667EBCBE1}">
-              <a14:hiddenEffects xmlns:a14="http://schemas.microsoft.com/office/drawing/2010/main" xmlns="">
+              <a14:hiddenEffects xmlns="" xmlns:a14="http://schemas.microsoft.com/office/drawing/2010/main">
                 <a:effectLst>
                   <a:outerShdw blurRad="63500" dist="38099" dir="2700000" algn="ctr" rotWithShape="0">
                     <a:schemeClr val="bg2">
@@ -19862,14 +19862,14 @@
           </a:ln>
           <a:extLst>
             <a:ext uri="{909E8E84-426E-40dd-AFC4-6F175D3DCCD1}">
-              <a14:hiddenFill xmlns:a14="http://schemas.microsoft.com/office/drawing/2010/main" xmlns="">
+              <a14:hiddenFill xmlns="" xmlns:a14="http://schemas.microsoft.com/office/drawing/2010/main">
                 <a:solidFill>
                   <a:srgbClr val="FFFFFF"/>
                 </a:solidFill>
               </a14:hiddenFill>
             </a:ext>
             <a:ext uri="{91240B29-F687-4f45-9708-019B960494DF}">
-              <a14:hiddenLine xmlns:a14="http://schemas.microsoft.com/office/drawing/2010/main" xmlns="" w="9525">
+              <a14:hiddenLine xmlns="" xmlns:a14="http://schemas.microsoft.com/office/drawing/2010/main" w="9525">
                 <a:solidFill>
                   <a:srgbClr val="000000"/>
                 </a:solidFill>
@@ -20526,14 +20526,14 @@
           <a:effectLst/>
           <a:extLst>
             <a:ext uri="{909E8E84-426E-40dd-AFC4-6F175D3DCCD1}">
-              <a14:hiddenFill xmlns:a14="http://schemas.microsoft.com/office/drawing/2010/main" xmlns="">
+              <a14:hiddenFill xmlns="" xmlns:a14="http://schemas.microsoft.com/office/drawing/2010/main">
                 <a:solidFill>
                   <a:schemeClr val="accent1"/>
                 </a:solidFill>
               </a14:hiddenFill>
             </a:ext>
             <a:ext uri="{91240B29-F687-4f45-9708-019B960494DF}">
-              <a14:hiddenLine xmlns:a14="http://schemas.microsoft.com/office/drawing/2010/main" xmlns="" w="9525">
+              <a14:hiddenLine xmlns="" xmlns:a14="http://schemas.microsoft.com/office/drawing/2010/main" w="9525">
                 <a:solidFill>
                   <a:srgbClr val="000000"/>
                 </a:solidFill>
@@ -20543,7 +20543,7 @@
               </a14:hiddenLine>
             </a:ext>
             <a:ext uri="{AF507438-7753-43e0-B8FC-AC1667EBCBE1}">
-              <a14:hiddenEffects xmlns:a14="http://schemas.microsoft.com/office/drawing/2010/main" xmlns="">
+              <a14:hiddenEffects xmlns="" xmlns:a14="http://schemas.microsoft.com/office/drawing/2010/main">
                 <a:effectLst>
                   <a:outerShdw blurRad="63500" dist="38099" dir="2700000" algn="ctr" rotWithShape="0">
                     <a:schemeClr val="bg2">
@@ -20665,7 +20665,7 @@
           <a:effectLst/>
           <a:extLst>
             <a:ext uri="{909E8E84-426E-40dd-AFC4-6F175D3DCCD1}">
-              <a14:hiddenFill xmlns:a14="http://schemas.microsoft.com/office/drawing/2010/main" xmlns="">
+              <a14:hiddenFill xmlns="" xmlns:a14="http://schemas.microsoft.com/office/drawing/2010/main">
                 <a:gradFill rotWithShape="1">
                   <a:gsLst>
                     <a:gs pos="0">
@@ -20688,7 +20688,7 @@
               </a14:hiddenFill>
             </a:ext>
             <a:ext uri="{AF507438-7753-43e0-B8FC-AC1667EBCBE1}">
-              <a14:hiddenEffects xmlns:a14="http://schemas.microsoft.com/office/drawing/2010/main" xmlns="">
+              <a14:hiddenEffects xmlns="" xmlns:a14="http://schemas.microsoft.com/office/drawing/2010/main">
                 <a:effectLst>
                   <a:outerShdw blurRad="63500" dist="38099" dir="2700000" algn="ctr" rotWithShape="0">
                     <a:schemeClr val="bg2">
@@ -20737,7 +20737,7 @@
           <a:effectLst/>
           <a:extLst>
             <a:ext uri="{909E8E84-426E-40dd-AFC4-6F175D3DCCD1}">
-              <a14:hiddenFill xmlns:a14="http://schemas.microsoft.com/office/drawing/2010/main" xmlns="">
+              <a14:hiddenFill xmlns="" xmlns:a14="http://schemas.microsoft.com/office/drawing/2010/main">
                 <a:gradFill rotWithShape="1">
                   <a:gsLst>
                     <a:gs pos="0">
@@ -20760,7 +20760,7 @@
               </a14:hiddenFill>
             </a:ext>
             <a:ext uri="{AF507438-7753-43e0-B8FC-AC1667EBCBE1}">
-              <a14:hiddenEffects xmlns:a14="http://schemas.microsoft.com/office/drawing/2010/main" xmlns="">
+              <a14:hiddenEffects xmlns="" xmlns:a14="http://schemas.microsoft.com/office/drawing/2010/main">
                 <a:effectLst>
                   <a:outerShdw blurRad="63500" dist="38099" dir="2700000" algn="ctr" rotWithShape="0">
                     <a:schemeClr val="bg2">
@@ -20809,7 +20809,7 @@
           <a:effectLst/>
           <a:extLst>
             <a:ext uri="{909E8E84-426E-40dd-AFC4-6F175D3DCCD1}">
-              <a14:hiddenFill xmlns:a14="http://schemas.microsoft.com/office/drawing/2010/main" xmlns="">
+              <a14:hiddenFill xmlns="" xmlns:a14="http://schemas.microsoft.com/office/drawing/2010/main">
                 <a:gradFill rotWithShape="1">
                   <a:gsLst>
                     <a:gs pos="0">
@@ -20832,7 +20832,7 @@
               </a14:hiddenFill>
             </a:ext>
             <a:ext uri="{AF507438-7753-43e0-B8FC-AC1667EBCBE1}">
-              <a14:hiddenEffects xmlns:a14="http://schemas.microsoft.com/office/drawing/2010/main" xmlns="">
+              <a14:hiddenEffects xmlns="" xmlns:a14="http://schemas.microsoft.com/office/drawing/2010/main">
                 <a:effectLst>
                   <a:outerShdw blurRad="63500" dist="38099" dir="2700000" algn="ctr" rotWithShape="0">
                     <a:schemeClr val="bg2">
@@ -20875,14 +20875,14 @@
           <a:effectLst/>
           <a:extLst>
             <a:ext uri="{909E8E84-426E-40dd-AFC4-6F175D3DCCD1}">
-              <a14:hiddenFill xmlns:a14="http://schemas.microsoft.com/office/drawing/2010/main" xmlns="">
+              <a14:hiddenFill xmlns="" xmlns:a14="http://schemas.microsoft.com/office/drawing/2010/main">
                 <a:solidFill>
                   <a:schemeClr val="accent1"/>
                 </a:solidFill>
               </a14:hiddenFill>
             </a:ext>
             <a:ext uri="{91240B29-F687-4f45-9708-019B960494DF}">
-              <a14:hiddenLine xmlns:a14="http://schemas.microsoft.com/office/drawing/2010/main" xmlns="" w="9525">
+              <a14:hiddenLine xmlns="" xmlns:a14="http://schemas.microsoft.com/office/drawing/2010/main" w="9525">
                 <a:solidFill>
                   <a:schemeClr val="tx1"/>
                 </a:solidFill>
@@ -20892,7 +20892,7 @@
               </a14:hiddenLine>
             </a:ext>
             <a:ext uri="{AF507438-7753-43e0-B8FC-AC1667EBCBE1}">
-              <a14:hiddenEffects xmlns:a14="http://schemas.microsoft.com/office/drawing/2010/main" xmlns="">
+              <a14:hiddenEffects xmlns="" xmlns:a14="http://schemas.microsoft.com/office/drawing/2010/main">
                 <a:effectLst>
                   <a:outerShdw blurRad="63500" dist="38099" dir="2700000" algn="ctr" rotWithShape="0">
                     <a:schemeClr val="bg2">
@@ -20945,14 +20945,14 @@
           <a:effectLst/>
           <a:extLst>
             <a:ext uri="{909E8E84-426E-40dd-AFC4-6F175D3DCCD1}">
-              <a14:hiddenFill xmlns:a14="http://schemas.microsoft.com/office/drawing/2010/main" xmlns="">
+              <a14:hiddenFill xmlns="" xmlns:a14="http://schemas.microsoft.com/office/drawing/2010/main">
                 <a:solidFill>
                   <a:schemeClr val="accent1"/>
                 </a:solidFill>
               </a14:hiddenFill>
             </a:ext>
             <a:ext uri="{91240B29-F687-4f45-9708-019B960494DF}">
-              <a14:hiddenLine xmlns:a14="http://schemas.microsoft.com/office/drawing/2010/main" xmlns="" w="9525">
+              <a14:hiddenLine xmlns="" xmlns:a14="http://schemas.microsoft.com/office/drawing/2010/main" w="9525">
                 <a:solidFill>
                   <a:schemeClr val="tx1"/>
                 </a:solidFill>
@@ -20962,7 +20962,7 @@
               </a14:hiddenLine>
             </a:ext>
             <a:ext uri="{AF507438-7753-43e0-B8FC-AC1667EBCBE1}">
-              <a14:hiddenEffects xmlns:a14="http://schemas.microsoft.com/office/drawing/2010/main" xmlns="">
+              <a14:hiddenEffects xmlns="" xmlns:a14="http://schemas.microsoft.com/office/drawing/2010/main">
                 <a:effectLst>
                   <a:outerShdw blurRad="63500" dist="38099" dir="2700000" algn="ctr" rotWithShape="0">
                     <a:schemeClr val="bg2">
@@ -21015,14 +21015,14 @@
           <a:effectLst/>
           <a:extLst>
             <a:ext uri="{909E8E84-426E-40dd-AFC4-6F175D3DCCD1}">
-              <a14:hiddenFill xmlns:a14="http://schemas.microsoft.com/office/drawing/2010/main" xmlns="">
+              <a14:hiddenFill xmlns="" xmlns:a14="http://schemas.microsoft.com/office/drawing/2010/main">
                 <a:solidFill>
                   <a:schemeClr val="accent1"/>
                 </a:solidFill>
               </a14:hiddenFill>
             </a:ext>
             <a:ext uri="{91240B29-F687-4f45-9708-019B960494DF}">
-              <a14:hiddenLine xmlns:a14="http://schemas.microsoft.com/office/drawing/2010/main" xmlns="" w="9525">
+              <a14:hiddenLine xmlns="" xmlns:a14="http://schemas.microsoft.com/office/drawing/2010/main" w="9525">
                 <a:solidFill>
                   <a:schemeClr val="tx1"/>
                 </a:solidFill>
@@ -21032,7 +21032,7 @@
               </a14:hiddenLine>
             </a:ext>
             <a:ext uri="{AF507438-7753-43e0-B8FC-AC1667EBCBE1}">
-              <a14:hiddenEffects xmlns:a14="http://schemas.microsoft.com/office/drawing/2010/main" xmlns="">
+              <a14:hiddenEffects xmlns="" xmlns:a14="http://schemas.microsoft.com/office/drawing/2010/main">
                 <a:effectLst>
                   <a:outerShdw blurRad="63500" dist="38099" dir="2700000" algn="ctr" rotWithShape="0">
                     <a:schemeClr val="bg2">
@@ -21085,14 +21085,14 @@
           <a:effectLst/>
           <a:extLst>
             <a:ext uri="{909E8E84-426E-40dd-AFC4-6F175D3DCCD1}">
-              <a14:hiddenFill xmlns:a14="http://schemas.microsoft.com/office/drawing/2010/main" xmlns="">
+              <a14:hiddenFill xmlns="" xmlns:a14="http://schemas.microsoft.com/office/drawing/2010/main">
                 <a:solidFill>
                   <a:schemeClr val="accent1"/>
                 </a:solidFill>
               </a14:hiddenFill>
             </a:ext>
             <a:ext uri="{91240B29-F687-4f45-9708-019B960494DF}">
-              <a14:hiddenLine xmlns:a14="http://schemas.microsoft.com/office/drawing/2010/main" xmlns="" w="9525">
+              <a14:hiddenLine xmlns="" xmlns:a14="http://schemas.microsoft.com/office/drawing/2010/main" w="9525">
                 <a:solidFill>
                   <a:schemeClr val="tx1"/>
                 </a:solidFill>
@@ -21102,7 +21102,7 @@
               </a14:hiddenLine>
             </a:ext>
             <a:ext uri="{AF507438-7753-43e0-B8FC-AC1667EBCBE1}">
-              <a14:hiddenEffects xmlns:a14="http://schemas.microsoft.com/office/drawing/2010/main" xmlns="">
+              <a14:hiddenEffects xmlns="" xmlns:a14="http://schemas.microsoft.com/office/drawing/2010/main">
                 <a:effectLst>
                   <a:outerShdw blurRad="63500" dist="38099" dir="2700000" algn="ctr" rotWithShape="0">
                     <a:schemeClr val="bg2">
@@ -21361,14 +21361,14 @@
           <a:effectLst/>
           <a:extLst>
             <a:ext uri="{909E8E84-426E-40dd-AFC4-6F175D3DCCD1}">
-              <a14:hiddenFill xmlns:a14="http://schemas.microsoft.com/office/drawing/2010/main" xmlns="">
+              <a14:hiddenFill xmlns="" xmlns:a14="http://schemas.microsoft.com/office/drawing/2010/main">
                 <a:solidFill>
                   <a:schemeClr val="accent1"/>
                 </a:solidFill>
               </a14:hiddenFill>
             </a:ext>
             <a:ext uri="{91240B29-F687-4f45-9708-019B960494DF}">
-              <a14:hiddenLine xmlns:a14="http://schemas.microsoft.com/office/drawing/2010/main" xmlns="" w="9525">
+              <a14:hiddenLine xmlns="" xmlns:a14="http://schemas.microsoft.com/office/drawing/2010/main" w="9525">
                 <a:solidFill>
                   <a:schemeClr val="tx1"/>
                 </a:solidFill>
@@ -21378,7 +21378,7 @@
               </a14:hiddenLine>
             </a:ext>
             <a:ext uri="{AF507438-7753-43e0-B8FC-AC1667EBCBE1}">
-              <a14:hiddenEffects xmlns:a14="http://schemas.microsoft.com/office/drawing/2010/main" xmlns="">
+              <a14:hiddenEffects xmlns="" xmlns:a14="http://schemas.microsoft.com/office/drawing/2010/main">
                 <a:effectLst>
                   <a:outerShdw blurRad="63500" dist="38099" dir="2700000" algn="ctr" rotWithShape="0">
                     <a:schemeClr val="bg2">
@@ -21727,14 +21727,14 @@
           <a:effectLst/>
           <a:extLst>
             <a:ext uri="{909E8E84-426E-40dd-AFC4-6F175D3DCCD1}">
-              <a14:hiddenFill xmlns:a14="http://schemas.microsoft.com/office/drawing/2010/main" xmlns="">
+              <a14:hiddenFill xmlns="" xmlns:a14="http://schemas.microsoft.com/office/drawing/2010/main">
                 <a:solidFill>
                   <a:schemeClr val="accent1"/>
                 </a:solidFill>
               </a14:hiddenFill>
             </a:ext>
             <a:ext uri="{91240B29-F687-4f45-9708-019B960494DF}">
-              <a14:hiddenLine xmlns:a14="http://schemas.microsoft.com/office/drawing/2010/main" xmlns="" w="9525">
+              <a14:hiddenLine xmlns="" xmlns:a14="http://schemas.microsoft.com/office/drawing/2010/main" w="9525">
                 <a:solidFill>
                   <a:schemeClr val="tx1"/>
                 </a:solidFill>
@@ -21744,7 +21744,7 @@
               </a14:hiddenLine>
             </a:ext>
             <a:ext uri="{AF507438-7753-43e0-B8FC-AC1667EBCBE1}">
-              <a14:hiddenEffects xmlns:a14="http://schemas.microsoft.com/office/drawing/2010/main" xmlns="">
+              <a14:hiddenEffects xmlns="" xmlns:a14="http://schemas.microsoft.com/office/drawing/2010/main">
                 <a:effectLst>
                   <a:outerShdw blurRad="63500" dist="38099" dir="2700000" algn="ctr" rotWithShape="0">
                     <a:schemeClr val="bg2">
@@ -21946,14 +21946,14 @@
           <a:effectLst/>
           <a:extLst>
             <a:ext uri="{909E8E84-426E-40dd-AFC4-6F175D3DCCD1}">
-              <a14:hiddenFill xmlns:a14="http://schemas.microsoft.com/office/drawing/2010/main" xmlns="">
+              <a14:hiddenFill xmlns="" xmlns:a14="http://schemas.microsoft.com/office/drawing/2010/main">
                 <a:solidFill>
                   <a:schemeClr val="accent1"/>
                 </a:solidFill>
               </a14:hiddenFill>
             </a:ext>
             <a:ext uri="{91240B29-F687-4f45-9708-019B960494DF}">
-              <a14:hiddenLine xmlns:a14="http://schemas.microsoft.com/office/drawing/2010/main" xmlns="" w="9525">
+              <a14:hiddenLine xmlns="" xmlns:a14="http://schemas.microsoft.com/office/drawing/2010/main" w="9525">
                 <a:solidFill>
                   <a:schemeClr val="tx1"/>
                 </a:solidFill>
@@ -21963,7 +21963,7 @@
               </a14:hiddenLine>
             </a:ext>
             <a:ext uri="{AF507438-7753-43e0-B8FC-AC1667EBCBE1}">
-              <a14:hiddenEffects xmlns:a14="http://schemas.microsoft.com/office/drawing/2010/main" xmlns="">
+              <a14:hiddenEffects xmlns="" xmlns:a14="http://schemas.microsoft.com/office/drawing/2010/main">
                 <a:effectLst>
                   <a:outerShdw blurRad="63500" dist="38099" dir="2700000" algn="ctr" rotWithShape="0">
                     <a:schemeClr val="bg2">
@@ -22021,7 +22021,7 @@
           <a:effectLst/>
           <a:extLst>
             <a:ext uri="{AF507438-7753-43e0-B8FC-AC1667EBCBE1}">
-              <a14:hiddenEffects xmlns:a14="http://schemas.microsoft.com/office/drawing/2010/main" xmlns="">
+              <a14:hiddenEffects xmlns="" xmlns:a14="http://schemas.microsoft.com/office/drawing/2010/main">
                 <a:effectLst>
                   <a:outerShdw blurRad="63500" kx="-3284103" algn="br" rotWithShape="0">
                     <a:schemeClr val="bg2">
@@ -22067,14 +22067,14 @@
           </a:ln>
           <a:extLst>
             <a:ext uri="{909E8E84-426E-40dd-AFC4-6F175D3DCCD1}">
-              <a14:hiddenFill xmlns:a14="http://schemas.microsoft.com/office/drawing/2010/main" xmlns="">
+              <a14:hiddenFill xmlns="" xmlns:a14="http://schemas.microsoft.com/office/drawing/2010/main">
                 <a:solidFill>
                   <a:srgbClr val="FFFFFF"/>
                 </a:solidFill>
               </a14:hiddenFill>
             </a:ext>
             <a:ext uri="{91240B29-F687-4f45-9708-019B960494DF}">
-              <a14:hiddenLine xmlns:a14="http://schemas.microsoft.com/office/drawing/2010/main" xmlns="" w="9525">
+              <a14:hiddenLine xmlns="" xmlns:a14="http://schemas.microsoft.com/office/drawing/2010/main" w="9525">
                 <a:solidFill>
                   <a:srgbClr val="000000"/>
                 </a:solidFill>
@@ -22154,7 +22154,7 @@
           </a:sp3d>
           <a:extLst>
             <a:ext uri="{91240B29-F687-4f45-9708-019B960494DF}">
-              <a14:hiddenLine xmlns:a14="http://schemas.microsoft.com/office/drawing/2010/main" xmlns="" w="9525">
+              <a14:hiddenLine xmlns="" xmlns:a14="http://schemas.microsoft.com/office/drawing/2010/main" w="9525">
                 <a:noFill/>
                 <a:miter lim="800000"/>
                 <a:headEnd/>
@@ -22162,7 +22162,7 @@
               </a14:hiddenLine>
             </a:ext>
             <a:ext uri="{AF507438-7753-43e0-B8FC-AC1667EBCBE1}">
-              <a14:hiddenEffects xmlns:a14="http://schemas.microsoft.com/office/drawing/2010/main" xmlns="">
+              <a14:hiddenEffects xmlns="" xmlns:a14="http://schemas.microsoft.com/office/drawing/2010/main">
                 <a:effectLst>
                   <a:outerShdw blurRad="63500" sy="50000" kx="-2453608" rotWithShape="0">
                     <a:schemeClr val="bg2">
@@ -22226,7 +22226,7 @@
           </a:sp3d>
           <a:extLst>
             <a:ext uri="{91240B29-F687-4f45-9708-019B960494DF}">
-              <a14:hiddenLine xmlns:a14="http://schemas.microsoft.com/office/drawing/2010/main" xmlns="" w="9525">
+              <a14:hiddenLine xmlns="" xmlns:a14="http://schemas.microsoft.com/office/drawing/2010/main" w="9525">
                 <a:noFill/>
                 <a:miter lim="800000"/>
                 <a:headEnd/>
@@ -22234,7 +22234,7 @@
               </a14:hiddenLine>
             </a:ext>
             <a:ext uri="{AF507438-7753-43e0-B8FC-AC1667EBCBE1}">
-              <a14:hiddenEffects xmlns:a14="http://schemas.microsoft.com/office/drawing/2010/main" xmlns="">
+              <a14:hiddenEffects xmlns="" xmlns:a14="http://schemas.microsoft.com/office/drawing/2010/main">
                 <a:effectLst>
                   <a:outerShdw blurRad="63500" sy="50000" kx="-2453608" rotWithShape="0">
                     <a:schemeClr val="bg2">
@@ -22299,7 +22299,7 @@
           </a:sp3d>
           <a:extLst>
             <a:ext uri="{91240B29-F687-4f45-9708-019B960494DF}">
-              <a14:hiddenLine xmlns:a14="http://schemas.microsoft.com/office/drawing/2010/main" xmlns="" w="9525">
+              <a14:hiddenLine xmlns="" xmlns:a14="http://schemas.microsoft.com/office/drawing/2010/main" w="9525">
                 <a:noFill/>
                 <a:miter lim="800000"/>
                 <a:headEnd/>
@@ -22307,7 +22307,7 @@
               </a14:hiddenLine>
             </a:ext>
             <a:ext uri="{AF507438-7753-43e0-B8FC-AC1667EBCBE1}">
-              <a14:hiddenEffects xmlns:a14="http://schemas.microsoft.com/office/drawing/2010/main" xmlns="">
+              <a14:hiddenEffects xmlns="" xmlns:a14="http://schemas.microsoft.com/office/drawing/2010/main">
                 <a:effectLst>
                   <a:outerShdw blurRad="63500" dist="38099" dir="2700000" algn="ctr" rotWithShape="0">
                     <a:schemeClr val="bg2">
@@ -22357,14 +22357,14 @@
           <a:effectLst/>
           <a:extLst>
             <a:ext uri="{909E8E84-426E-40dd-AFC4-6F175D3DCCD1}">
-              <a14:hiddenFill xmlns:a14="http://schemas.microsoft.com/office/drawing/2010/main" xmlns="">
+              <a14:hiddenFill xmlns="" xmlns:a14="http://schemas.microsoft.com/office/drawing/2010/main">
                 <a:solidFill>
                   <a:schemeClr val="accent1"/>
                 </a:solidFill>
               </a14:hiddenFill>
             </a:ext>
             <a:ext uri="{91240B29-F687-4f45-9708-019B960494DF}">
-              <a14:hiddenLine xmlns:a14="http://schemas.microsoft.com/office/drawing/2010/main" xmlns="" w="9525">
+              <a14:hiddenLine xmlns="" xmlns:a14="http://schemas.microsoft.com/office/drawing/2010/main" w="9525">
                 <a:solidFill>
                   <a:schemeClr val="tx1"/>
                 </a:solidFill>
@@ -22374,7 +22374,7 @@
               </a14:hiddenLine>
             </a:ext>
             <a:ext uri="{AF507438-7753-43e0-B8FC-AC1667EBCBE1}">
-              <a14:hiddenEffects xmlns:a14="http://schemas.microsoft.com/office/drawing/2010/main" xmlns="">
+              <a14:hiddenEffects xmlns="" xmlns:a14="http://schemas.microsoft.com/office/drawing/2010/main">
                 <a:effectLst>
                   <a:outerShdw blurRad="63500" dist="38099" dir="2700000" algn="ctr" rotWithShape="0">
                     <a:schemeClr val="bg2">
@@ -22431,14 +22431,14 @@
           <a:effectLst/>
           <a:extLst>
             <a:ext uri="{909E8E84-426E-40dd-AFC4-6F175D3DCCD1}">
-              <a14:hiddenFill xmlns:a14="http://schemas.microsoft.com/office/drawing/2010/main" xmlns="">
+              <a14:hiddenFill xmlns="" xmlns:a14="http://schemas.microsoft.com/office/drawing/2010/main">
                 <a:solidFill>
                   <a:schemeClr val="accent1"/>
                 </a:solidFill>
               </a14:hiddenFill>
             </a:ext>
             <a:ext uri="{91240B29-F687-4f45-9708-019B960494DF}">
-              <a14:hiddenLine xmlns:a14="http://schemas.microsoft.com/office/drawing/2010/main" xmlns="" w="9525">
+              <a14:hiddenLine xmlns="" xmlns:a14="http://schemas.microsoft.com/office/drawing/2010/main" w="9525">
                 <a:solidFill>
                   <a:schemeClr val="tx1"/>
                 </a:solidFill>
@@ -22448,7 +22448,7 @@
               </a14:hiddenLine>
             </a:ext>
             <a:ext uri="{AF507438-7753-43e0-B8FC-AC1667EBCBE1}">
-              <a14:hiddenEffects xmlns:a14="http://schemas.microsoft.com/office/drawing/2010/main" xmlns="">
+              <a14:hiddenEffects xmlns="" xmlns:a14="http://schemas.microsoft.com/office/drawing/2010/main">
                 <a:effectLst>
                   <a:outerShdw blurRad="63500" dist="38099" dir="2700000" algn="ctr" rotWithShape="0">
                     <a:schemeClr val="bg2">
@@ -22505,14 +22505,14 @@
           <a:effectLst/>
           <a:extLst>
             <a:ext uri="{909E8E84-426E-40dd-AFC4-6F175D3DCCD1}">
-              <a14:hiddenFill xmlns:a14="http://schemas.microsoft.com/office/drawing/2010/main" xmlns="">
+              <a14:hiddenFill xmlns="" xmlns:a14="http://schemas.microsoft.com/office/drawing/2010/main">
                 <a:solidFill>
                   <a:schemeClr val="accent1"/>
                 </a:solidFill>
               </a14:hiddenFill>
             </a:ext>
             <a:ext uri="{91240B29-F687-4f45-9708-019B960494DF}">
-              <a14:hiddenLine xmlns:a14="http://schemas.microsoft.com/office/drawing/2010/main" xmlns="" w="9525">
+              <a14:hiddenLine xmlns="" xmlns:a14="http://schemas.microsoft.com/office/drawing/2010/main" w="9525">
                 <a:solidFill>
                   <a:schemeClr val="tx1"/>
                 </a:solidFill>
@@ -22522,7 +22522,7 @@
               </a14:hiddenLine>
             </a:ext>
             <a:ext uri="{AF507438-7753-43e0-B8FC-AC1667EBCBE1}">
-              <a14:hiddenEffects xmlns:a14="http://schemas.microsoft.com/office/drawing/2010/main" xmlns="">
+              <a14:hiddenEffects xmlns="" xmlns:a14="http://schemas.microsoft.com/office/drawing/2010/main">
                 <a:effectLst>
                   <a:outerShdw blurRad="63500" dist="38099" dir="2700000" algn="ctr" rotWithShape="0">
                     <a:schemeClr val="bg2">
@@ -22608,14 +22608,14 @@
           </a:ln>
           <a:extLst>
             <a:ext uri="{909E8E84-426E-40dd-AFC4-6F175D3DCCD1}">
-              <a14:hiddenFill xmlns:a14="http://schemas.microsoft.com/office/drawing/2010/main" xmlns="">
+              <a14:hiddenFill xmlns="" xmlns:a14="http://schemas.microsoft.com/office/drawing/2010/main">
                 <a:solidFill>
                   <a:srgbClr val="FFFFFF"/>
                 </a:solidFill>
               </a14:hiddenFill>
             </a:ext>
             <a:ext uri="{91240B29-F687-4f45-9708-019B960494DF}">
-              <a14:hiddenLine xmlns:a14="http://schemas.microsoft.com/office/drawing/2010/main" xmlns="" w="9525">
+              <a14:hiddenLine xmlns="" xmlns:a14="http://schemas.microsoft.com/office/drawing/2010/main" w="9525">
                 <a:solidFill>
                   <a:srgbClr val="000000"/>
                 </a:solidFill>
@@ -22646,7 +22646,7 @@
                 </a:solidFill>
                 <a:latin typeface="Times New Roman" charset="0"/>
               </a:rPr>
-              <a:t>TAF</a:t>
+              <a:t>TARS</a:t>
             </a:r>
             <a:r>
               <a:rPr lang="zh-CN" altLang="en-US" sz="3600" dirty="0">
@@ -22701,7 +22701,7 @@
           <a:effectLst/>
           <a:extLst>
             <a:ext uri="{91240B29-F687-4f45-9708-019B960494DF}">
-              <a14:hiddenLine xmlns:a14="http://schemas.microsoft.com/office/drawing/2010/main" xmlns="" w="0">
+              <a14:hiddenLine xmlns="" xmlns:a14="http://schemas.microsoft.com/office/drawing/2010/main" w="0">
                 <a:solidFill>
                   <a:srgbClr val="000000"/>
                 </a:solidFill>
@@ -22711,7 +22711,7 @@
               </a14:hiddenLine>
             </a:ext>
             <a:ext uri="{AF507438-7753-43e0-B8FC-AC1667EBCBE1}">
-              <a14:hiddenEffects xmlns:a14="http://schemas.microsoft.com/office/drawing/2010/main" xmlns="">
+              <a14:hiddenEffects xmlns="" xmlns:a14="http://schemas.microsoft.com/office/drawing/2010/main">
                 <a:effectLst>
                   <a:outerShdw blurRad="63500" dist="38099" dir="2700000" algn="ctr" rotWithShape="0">
                     <a:srgbClr val="000000">
@@ -22772,7 +22772,7 @@
           <a:effectLst/>
           <a:extLst>
             <a:ext uri="{91240B29-F687-4f45-9708-019B960494DF}">
-              <a14:hiddenLine xmlns:a14="http://schemas.microsoft.com/office/drawing/2010/main" xmlns="" w="0">
+              <a14:hiddenLine xmlns="" xmlns:a14="http://schemas.microsoft.com/office/drawing/2010/main" w="0">
                 <a:solidFill>
                   <a:srgbClr val="000000"/>
                 </a:solidFill>
@@ -22782,7 +22782,7 @@
               </a14:hiddenLine>
             </a:ext>
             <a:ext uri="{AF507438-7753-43e0-B8FC-AC1667EBCBE1}">
-              <a14:hiddenEffects xmlns:a14="http://schemas.microsoft.com/office/drawing/2010/main" xmlns="">
+              <a14:hiddenEffects xmlns="" xmlns:a14="http://schemas.microsoft.com/office/drawing/2010/main">
                 <a:effectLst>
                   <a:outerShdw blurRad="63500" dist="38099" dir="2700000" algn="ctr" rotWithShape="0">
                     <a:srgbClr val="000000">
@@ -22843,7 +22843,7 @@
           <a:effectLst/>
           <a:extLst>
             <a:ext uri="{91240B29-F687-4f45-9708-019B960494DF}">
-              <a14:hiddenLine xmlns:a14="http://schemas.microsoft.com/office/drawing/2010/main" xmlns="" w="0">
+              <a14:hiddenLine xmlns="" xmlns:a14="http://schemas.microsoft.com/office/drawing/2010/main" w="0">
                 <a:solidFill>
                   <a:srgbClr val="000000"/>
                 </a:solidFill>
@@ -22853,7 +22853,7 @@
               </a14:hiddenLine>
             </a:ext>
             <a:ext uri="{AF507438-7753-43e0-B8FC-AC1667EBCBE1}">
-              <a14:hiddenEffects xmlns:a14="http://schemas.microsoft.com/office/drawing/2010/main" xmlns="">
+              <a14:hiddenEffects xmlns="" xmlns:a14="http://schemas.microsoft.com/office/drawing/2010/main">
                 <a:effectLst>
                   <a:outerShdw blurRad="63500" dist="38099" dir="2700000" algn="ctr" rotWithShape="0">
                     <a:srgbClr val="000000">
@@ -22914,7 +22914,7 @@
           <a:effectLst/>
           <a:extLst>
             <a:ext uri="{91240B29-F687-4f45-9708-019B960494DF}">
-              <a14:hiddenLine xmlns:a14="http://schemas.microsoft.com/office/drawing/2010/main" xmlns="" w="0">
+              <a14:hiddenLine xmlns="" xmlns:a14="http://schemas.microsoft.com/office/drawing/2010/main" w="0">
                 <a:solidFill>
                   <a:srgbClr val="000000"/>
                 </a:solidFill>
@@ -22924,7 +22924,7 @@
               </a14:hiddenLine>
             </a:ext>
             <a:ext uri="{AF507438-7753-43e0-B8FC-AC1667EBCBE1}">
-              <a14:hiddenEffects xmlns:a14="http://schemas.microsoft.com/office/drawing/2010/main" xmlns="">
+              <a14:hiddenEffects xmlns="" xmlns:a14="http://schemas.microsoft.com/office/drawing/2010/main">
                 <a:effectLst>
                   <a:outerShdw blurRad="63500" dist="38099" dir="2700000" algn="ctr" rotWithShape="0">
                     <a:srgbClr val="000000">
@@ -22985,7 +22985,7 @@
           <a:effectLst/>
           <a:extLst>
             <a:ext uri="{91240B29-F687-4f45-9708-019B960494DF}">
-              <a14:hiddenLine xmlns:a14="http://schemas.microsoft.com/office/drawing/2010/main" xmlns="" w="0">
+              <a14:hiddenLine xmlns="" xmlns:a14="http://schemas.microsoft.com/office/drawing/2010/main" w="0">
                 <a:solidFill>
                   <a:srgbClr val="000000"/>
                 </a:solidFill>
@@ -22995,7 +22995,7 @@
               </a14:hiddenLine>
             </a:ext>
             <a:ext uri="{AF507438-7753-43e0-B8FC-AC1667EBCBE1}">
-              <a14:hiddenEffects xmlns:a14="http://schemas.microsoft.com/office/drawing/2010/main" xmlns="">
+              <a14:hiddenEffects xmlns="" xmlns:a14="http://schemas.microsoft.com/office/drawing/2010/main">
                 <a:effectLst>
                   <a:outerShdw blurRad="63500" dist="38099" dir="2700000" algn="ctr" rotWithShape="0">
                     <a:srgbClr val="000000">
@@ -23056,7 +23056,7 @@
           <a:effectLst/>
           <a:extLst>
             <a:ext uri="{91240B29-F687-4f45-9708-019B960494DF}">
-              <a14:hiddenLine xmlns:a14="http://schemas.microsoft.com/office/drawing/2010/main" xmlns="" w="0">
+              <a14:hiddenLine xmlns="" xmlns:a14="http://schemas.microsoft.com/office/drawing/2010/main" w="0">
                 <a:solidFill>
                   <a:srgbClr val="000000"/>
                 </a:solidFill>
@@ -23066,7 +23066,7 @@
               </a14:hiddenLine>
             </a:ext>
             <a:ext uri="{AF507438-7753-43e0-B8FC-AC1667EBCBE1}">
-              <a14:hiddenEffects xmlns:a14="http://schemas.microsoft.com/office/drawing/2010/main" xmlns="">
+              <a14:hiddenEffects xmlns="" xmlns:a14="http://schemas.microsoft.com/office/drawing/2010/main">
                 <a:effectLst>
                   <a:outerShdw blurRad="63500" dist="38099" dir="2700000" algn="ctr" rotWithShape="0">
                     <a:srgbClr val="000000">
@@ -23114,14 +23114,14 @@
           <a:effectLst/>
           <a:extLst>
             <a:ext uri="{909E8E84-426E-40dd-AFC4-6F175D3DCCD1}">
-              <a14:hiddenFill xmlns:a14="http://schemas.microsoft.com/office/drawing/2010/main" xmlns="">
+              <a14:hiddenFill xmlns="" xmlns:a14="http://schemas.microsoft.com/office/drawing/2010/main">
                 <a:solidFill>
                   <a:schemeClr val="bg2"/>
                 </a:solidFill>
               </a14:hiddenFill>
             </a:ext>
             <a:ext uri="{AF507438-7753-43e0-B8FC-AC1667EBCBE1}">
-              <a14:hiddenEffects xmlns:a14="http://schemas.microsoft.com/office/drawing/2010/main" xmlns="">
+              <a14:hiddenEffects xmlns="" xmlns:a14="http://schemas.microsoft.com/office/drawing/2010/main">
                 <a:effectLst>
                   <a:outerShdw blurRad="63500" dist="109250" dir="3267739" algn="ctr" rotWithShape="0">
                     <a:srgbClr val="000000">
@@ -23203,7 +23203,7 @@
             <a:effectLst/>
             <a:extLst>
               <a:ext uri="{91240B29-F687-4f45-9708-019B960494DF}">
-                <a14:hiddenLine xmlns:a14="http://schemas.microsoft.com/office/drawing/2010/main" xmlns="" w="38100">
+                <a14:hiddenLine xmlns="" xmlns:a14="http://schemas.microsoft.com/office/drawing/2010/main" w="38100">
                   <a:solidFill>
                     <a:schemeClr val="bg1"/>
                   </a:solidFill>
@@ -23213,7 +23213,7 @@
                 </a14:hiddenLine>
               </a:ext>
               <a:ext uri="{AF507438-7753-43e0-B8FC-AC1667EBCBE1}">
-                <a14:hiddenEffects xmlns:a14="http://schemas.microsoft.com/office/drawing/2010/main" xmlns="">
+                <a14:hiddenEffects xmlns="" xmlns:a14="http://schemas.microsoft.com/office/drawing/2010/main">
                   <a:effectLst>
                     <a:outerShdw blurRad="63500" dist="109250" dir="3267739" algn="ctr" rotWithShape="0">
                       <a:srgbClr val="000000">
@@ -23279,7 +23279,7 @@
             <a:effectLst/>
             <a:extLst>
               <a:ext uri="{91240B29-F687-4f45-9708-019B960494DF}">
-                <a14:hiddenLine xmlns:a14="http://schemas.microsoft.com/office/drawing/2010/main" xmlns="" w="38100">
+                <a14:hiddenLine xmlns="" xmlns:a14="http://schemas.microsoft.com/office/drawing/2010/main" w="38100">
                   <a:solidFill>
                     <a:schemeClr val="bg1"/>
                   </a:solidFill>
@@ -23289,7 +23289,7 @@
                 </a14:hiddenLine>
               </a:ext>
               <a:ext uri="{AF507438-7753-43e0-B8FC-AC1667EBCBE1}">
-                <a14:hiddenEffects xmlns:a14="http://schemas.microsoft.com/office/drawing/2010/main" xmlns="">
+                <a14:hiddenEffects xmlns="" xmlns:a14="http://schemas.microsoft.com/office/drawing/2010/main">
                   <a:effectLst>
                     <a:outerShdw blurRad="63500" dist="109250" dir="3267739" algn="ctr" rotWithShape="0">
                       <a:srgbClr val="000000">
@@ -23350,7 +23350,7 @@
             <a:effectLst/>
             <a:extLst>
               <a:ext uri="{91240B29-F687-4f45-9708-019B960494DF}">
-                <a14:hiddenLine xmlns:a14="http://schemas.microsoft.com/office/drawing/2010/main" xmlns="" w="38100">
+                <a14:hiddenLine xmlns="" xmlns:a14="http://schemas.microsoft.com/office/drawing/2010/main" w="38100">
                   <a:solidFill>
                     <a:schemeClr val="bg1"/>
                   </a:solidFill>
@@ -23360,7 +23360,7 @@
                 </a14:hiddenLine>
               </a:ext>
               <a:ext uri="{AF507438-7753-43e0-B8FC-AC1667EBCBE1}">
-                <a14:hiddenEffects xmlns:a14="http://schemas.microsoft.com/office/drawing/2010/main" xmlns="">
+                <a14:hiddenEffects xmlns="" xmlns:a14="http://schemas.microsoft.com/office/drawing/2010/main">
                   <a:effectLst>
                     <a:outerShdw blurRad="63500" dist="109250" dir="3267739" algn="ctr" rotWithShape="0">
                       <a:srgbClr val="000000">
@@ -23407,7 +23407,7 @@
             <a:effectLst/>
             <a:extLst>
               <a:ext uri="{91240B29-F687-4f45-9708-019B960494DF}">
-                <a14:hiddenLine xmlns:a14="http://schemas.microsoft.com/office/drawing/2010/main" xmlns="" w="38100">
+                <a14:hiddenLine xmlns="" xmlns:a14="http://schemas.microsoft.com/office/drawing/2010/main" w="38100">
                   <a:solidFill>
                     <a:schemeClr val="bg1"/>
                   </a:solidFill>
@@ -23417,7 +23417,7 @@
                 </a14:hiddenLine>
               </a:ext>
               <a:ext uri="{AF507438-7753-43e0-B8FC-AC1667EBCBE1}">
-                <a14:hiddenEffects xmlns:a14="http://schemas.microsoft.com/office/drawing/2010/main" xmlns="">
+                <a14:hiddenEffects xmlns="" xmlns:a14="http://schemas.microsoft.com/office/drawing/2010/main">
                   <a:effectLst>
                     <a:outerShdw blurRad="63500" dist="109250" dir="3267739" algn="ctr" rotWithShape="0">
                       <a:srgbClr val="000000">
@@ -23492,7 +23492,7 @@
               <a:effectLst/>
               <a:extLst>
                 <a:ext uri="{91240B29-F687-4f45-9708-019B960494DF}">
-                  <a14:hiddenLine xmlns:a14="http://schemas.microsoft.com/office/drawing/2010/main" xmlns="" w="9525">
+                  <a14:hiddenLine xmlns="" xmlns:a14="http://schemas.microsoft.com/office/drawing/2010/main" w="9525">
                     <a:solidFill>
                       <a:schemeClr val="tx1"/>
                     </a:solidFill>
@@ -23502,7 +23502,7 @@
                   </a14:hiddenLine>
                 </a:ext>
                 <a:ext uri="{AF507438-7753-43e0-B8FC-AC1667EBCBE1}">
-                  <a14:hiddenEffects xmlns:a14="http://schemas.microsoft.com/office/drawing/2010/main" xmlns="">
+                  <a14:hiddenEffects xmlns="" xmlns:a14="http://schemas.microsoft.com/office/drawing/2010/main">
                     <a:effectLst>
                       <a:outerShdw blurRad="63500" dist="38099" dir="2700000" algn="ctr" rotWithShape="0">
                         <a:schemeClr val="bg2">
@@ -23561,7 +23561,7 @@
               <a:effectLst/>
               <a:extLst>
                 <a:ext uri="{91240B29-F687-4f45-9708-019B960494DF}">
-                  <a14:hiddenLine xmlns:a14="http://schemas.microsoft.com/office/drawing/2010/main" xmlns="" w="9525">
+                  <a14:hiddenLine xmlns="" xmlns:a14="http://schemas.microsoft.com/office/drawing/2010/main" w="9525">
                     <a:solidFill>
                       <a:schemeClr val="tx1"/>
                     </a:solidFill>
@@ -23571,7 +23571,7 @@
                   </a14:hiddenLine>
                 </a:ext>
                 <a:ext uri="{AF507438-7753-43e0-B8FC-AC1667EBCBE1}">
-                  <a14:hiddenEffects xmlns:a14="http://schemas.microsoft.com/office/drawing/2010/main" xmlns="">
+                  <a14:hiddenEffects xmlns="" xmlns:a14="http://schemas.microsoft.com/office/drawing/2010/main">
                     <a:effectLst>
                       <a:outerShdw blurRad="63500" dist="38099" dir="2700000" algn="ctr" rotWithShape="0">
                         <a:schemeClr val="bg2">
@@ -23630,7 +23630,7 @@
               <a:effectLst/>
               <a:extLst>
                 <a:ext uri="{91240B29-F687-4f45-9708-019B960494DF}">
-                  <a14:hiddenLine xmlns:a14="http://schemas.microsoft.com/office/drawing/2010/main" xmlns="" w="9525">
+                  <a14:hiddenLine xmlns="" xmlns:a14="http://schemas.microsoft.com/office/drawing/2010/main" w="9525">
                     <a:solidFill>
                       <a:schemeClr val="tx1"/>
                     </a:solidFill>
@@ -23640,7 +23640,7 @@
                   </a14:hiddenLine>
                 </a:ext>
                 <a:ext uri="{AF507438-7753-43e0-B8FC-AC1667EBCBE1}">
-                  <a14:hiddenEffects xmlns:a14="http://schemas.microsoft.com/office/drawing/2010/main" xmlns="">
+                  <a14:hiddenEffects xmlns="" xmlns:a14="http://schemas.microsoft.com/office/drawing/2010/main">
                     <a:effectLst>
                       <a:outerShdw blurRad="63500" dist="38099" dir="2700000" algn="ctr" rotWithShape="0">
                         <a:schemeClr val="bg2">
@@ -23699,7 +23699,7 @@
               <a:effectLst/>
               <a:extLst>
                 <a:ext uri="{91240B29-F687-4f45-9708-019B960494DF}">
-                  <a14:hiddenLine xmlns:a14="http://schemas.microsoft.com/office/drawing/2010/main" xmlns="" w="9525">
+                  <a14:hiddenLine xmlns="" xmlns:a14="http://schemas.microsoft.com/office/drawing/2010/main" w="9525">
                     <a:solidFill>
                       <a:schemeClr val="tx1"/>
                     </a:solidFill>
@@ -23709,7 +23709,7 @@
                   </a14:hiddenLine>
                 </a:ext>
                 <a:ext uri="{AF507438-7753-43e0-B8FC-AC1667EBCBE1}">
-                  <a14:hiddenEffects xmlns:a14="http://schemas.microsoft.com/office/drawing/2010/main" xmlns="">
+                  <a14:hiddenEffects xmlns="" xmlns:a14="http://schemas.microsoft.com/office/drawing/2010/main">
                     <a:effectLst>
                       <a:outerShdw blurRad="63500" dist="38099" dir="2700000" algn="ctr" rotWithShape="0">
                         <a:schemeClr val="bg2">
@@ -23753,14 +23753,14 @@
             <a:effectLst/>
             <a:extLst>
               <a:ext uri="{909E8E84-426E-40dd-AFC4-6F175D3DCCD1}">
-                <a14:hiddenFill xmlns:a14="http://schemas.microsoft.com/office/drawing/2010/main" xmlns="">
+                <a14:hiddenFill xmlns="" xmlns:a14="http://schemas.microsoft.com/office/drawing/2010/main">
                   <a:solidFill>
                     <a:schemeClr val="accent1"/>
                   </a:solidFill>
                 </a14:hiddenFill>
               </a:ext>
               <a:ext uri="{91240B29-F687-4f45-9708-019B960494DF}">
-                <a14:hiddenLine xmlns:a14="http://schemas.microsoft.com/office/drawing/2010/main" xmlns="" w="9525">
+                <a14:hiddenLine xmlns="" xmlns:a14="http://schemas.microsoft.com/office/drawing/2010/main" w="9525">
                   <a:solidFill>
                     <a:schemeClr val="tx1"/>
                   </a:solidFill>
@@ -23770,7 +23770,7 @@
                 </a14:hiddenLine>
               </a:ext>
               <a:ext uri="{AF507438-7753-43e0-B8FC-AC1667EBCBE1}">
-                <a14:hiddenEffects xmlns:a14="http://schemas.microsoft.com/office/drawing/2010/main" xmlns="">
+                <a14:hiddenEffects xmlns="" xmlns:a14="http://schemas.microsoft.com/office/drawing/2010/main">
                   <a:effectLst>
                     <a:outerShdw blurRad="63500" dist="38099" dir="2700000" algn="ctr" rotWithShape="0">
                       <a:schemeClr val="bg2">
@@ -24145,7 +24145,7 @@
           <a:effectLst/>
           <a:extLst>
             <a:ext uri="{91240B29-F687-4f45-9708-019B960494DF}">
-              <a14:hiddenLine xmlns:a14="http://schemas.microsoft.com/office/drawing/2010/main" xmlns="" w="0">
+              <a14:hiddenLine xmlns="" xmlns:a14="http://schemas.microsoft.com/office/drawing/2010/main" w="0">
                 <a:solidFill>
                   <a:srgbClr val="000000"/>
                 </a:solidFill>
@@ -24155,7 +24155,7 @@
               </a14:hiddenLine>
             </a:ext>
             <a:ext uri="{AF507438-7753-43e0-B8FC-AC1667EBCBE1}">
-              <a14:hiddenEffects xmlns:a14="http://schemas.microsoft.com/office/drawing/2010/main" xmlns="">
+              <a14:hiddenEffects xmlns="" xmlns:a14="http://schemas.microsoft.com/office/drawing/2010/main">
                 <a:effectLst>
                   <a:outerShdw blurRad="63500" dist="38099" dir="2700000" algn="ctr" rotWithShape="0">
                     <a:srgbClr val="000000">
@@ -24314,7 +24314,7 @@
           <a:effectLst/>
           <a:extLst>
             <a:ext uri="{91240B29-F687-4f45-9708-019B960494DF}">
-              <a14:hiddenLine xmlns:a14="http://schemas.microsoft.com/office/drawing/2010/main" xmlns="" w="0">
+              <a14:hiddenLine xmlns="" xmlns:a14="http://schemas.microsoft.com/office/drawing/2010/main" w="0">
                 <a:solidFill>
                   <a:srgbClr val="000000"/>
                 </a:solidFill>
@@ -24324,7 +24324,7 @@
               </a14:hiddenLine>
             </a:ext>
             <a:ext uri="{AF507438-7753-43e0-B8FC-AC1667EBCBE1}">
-              <a14:hiddenEffects xmlns:a14="http://schemas.microsoft.com/office/drawing/2010/main" xmlns="">
+              <a14:hiddenEffects xmlns="" xmlns:a14="http://schemas.microsoft.com/office/drawing/2010/main">
                 <a:effectLst>
                   <a:outerShdw blurRad="63500" dist="38099" dir="2700000" algn="ctr" rotWithShape="0">
                     <a:srgbClr val="000000">
@@ -24396,14 +24396,14 @@
           </a:ln>
           <a:extLst>
             <a:ext uri="{909E8E84-426E-40dd-AFC4-6F175D3DCCD1}">
-              <a14:hiddenFill xmlns:a14="http://schemas.microsoft.com/office/drawing/2010/main" xmlns="">
+              <a14:hiddenFill xmlns="" xmlns:a14="http://schemas.microsoft.com/office/drawing/2010/main">
                 <a:solidFill>
                   <a:srgbClr val="FFFFFF"/>
                 </a:solidFill>
               </a14:hiddenFill>
             </a:ext>
             <a:ext uri="{91240B29-F687-4f45-9708-019B960494DF}">
-              <a14:hiddenLine xmlns:a14="http://schemas.microsoft.com/office/drawing/2010/main" xmlns="" w="9525">
+              <a14:hiddenLine xmlns="" xmlns:a14="http://schemas.microsoft.com/office/drawing/2010/main" w="9525">
                 <a:solidFill>
                   <a:srgbClr val="000000"/>
                 </a:solidFill>
@@ -24434,7 +24434,7 @@
                 </a:solidFill>
                 <a:latin typeface="Times New Roman" charset="0"/>
               </a:rPr>
-              <a:t>TAF </a:t>
+              <a:t>TARS </a:t>
             </a:r>
             <a:r>
               <a:rPr lang="zh-CN" altLang="en-US" sz="3600" dirty="0">
@@ -24557,7 +24557,7 @@
             <a:effectLst/>
             <a:extLst>
               <a:ext uri="{91240B29-F687-4f45-9708-019B960494DF}">
-                <a14:hiddenLine xmlns:a14="http://schemas.microsoft.com/office/drawing/2010/main" xmlns="" w="12700" cap="rnd" cmpd="sng">
+                <a14:hiddenLine xmlns="" xmlns:a14="http://schemas.microsoft.com/office/drawing/2010/main" w="12700" cap="rnd" cmpd="sng">
                   <a:solidFill>
                     <a:srgbClr val="000000"/>
                   </a:solidFill>
@@ -24568,7 +24568,7 @@
                 </a14:hiddenLine>
               </a:ext>
               <a:ext uri="{AF507438-7753-43e0-B8FC-AC1667EBCBE1}">
-                <a14:hiddenEffects xmlns:a14="http://schemas.microsoft.com/office/drawing/2010/main" xmlns="">
+                <a14:hiddenEffects xmlns="" xmlns:a14="http://schemas.microsoft.com/office/drawing/2010/main">
                   <a:effectLst>
                     <a:outerShdw blurRad="63500" dist="38099" dir="2700000" algn="ctr" rotWithShape="0">
                       <a:schemeClr val="bg2">
@@ -24675,7 +24675,7 @@
             <a:effectLst/>
             <a:extLst>
               <a:ext uri="{91240B29-F687-4f45-9708-019B960494DF}">
-                <a14:hiddenLine xmlns:a14="http://schemas.microsoft.com/office/drawing/2010/main" xmlns="" w="12700" cap="rnd" cmpd="sng">
+                <a14:hiddenLine xmlns="" xmlns:a14="http://schemas.microsoft.com/office/drawing/2010/main" w="12700" cap="rnd" cmpd="sng">
                   <a:solidFill>
                     <a:srgbClr val="000000"/>
                   </a:solidFill>
@@ -24686,7 +24686,7 @@
                 </a14:hiddenLine>
               </a:ext>
               <a:ext uri="{AF507438-7753-43e0-B8FC-AC1667EBCBE1}">
-                <a14:hiddenEffects xmlns:a14="http://schemas.microsoft.com/office/drawing/2010/main" xmlns="">
+                <a14:hiddenEffects xmlns="" xmlns:a14="http://schemas.microsoft.com/office/drawing/2010/main">
                   <a:effectLst>
                     <a:outerShdw blurRad="63500" dist="38099" dir="2700000" algn="ctr" rotWithShape="0">
                       <a:schemeClr val="bg2">
@@ -24793,7 +24793,7 @@
             <a:effectLst/>
             <a:extLst>
               <a:ext uri="{91240B29-F687-4f45-9708-019B960494DF}">
-                <a14:hiddenLine xmlns:a14="http://schemas.microsoft.com/office/drawing/2010/main" xmlns="" w="12700" cap="rnd" cmpd="sng">
+                <a14:hiddenLine xmlns="" xmlns:a14="http://schemas.microsoft.com/office/drawing/2010/main" w="12700" cap="rnd" cmpd="sng">
                   <a:solidFill>
                     <a:srgbClr val="000000"/>
                   </a:solidFill>
@@ -24804,7 +24804,7 @@
                 </a14:hiddenLine>
               </a:ext>
               <a:ext uri="{AF507438-7753-43e0-B8FC-AC1667EBCBE1}">
-                <a14:hiddenEffects xmlns:a14="http://schemas.microsoft.com/office/drawing/2010/main" xmlns="">
+                <a14:hiddenEffects xmlns="" xmlns:a14="http://schemas.microsoft.com/office/drawing/2010/main">
                   <a:effectLst>
                     <a:outerShdw blurRad="63500" dist="38099" dir="2700000" algn="ctr" rotWithShape="0">
                       <a:schemeClr val="bg2">
@@ -24911,7 +24911,7 @@
             <a:effectLst/>
             <a:extLst>
               <a:ext uri="{91240B29-F687-4f45-9708-019B960494DF}">
-                <a14:hiddenLine xmlns:a14="http://schemas.microsoft.com/office/drawing/2010/main" xmlns="" w="12700" cap="rnd" cmpd="sng">
+                <a14:hiddenLine xmlns="" xmlns:a14="http://schemas.microsoft.com/office/drawing/2010/main" w="12700" cap="rnd" cmpd="sng">
                   <a:solidFill>
                     <a:srgbClr val="000000"/>
                   </a:solidFill>
@@ -24922,7 +24922,7 @@
                 </a14:hiddenLine>
               </a:ext>
               <a:ext uri="{AF507438-7753-43e0-B8FC-AC1667EBCBE1}">
-                <a14:hiddenEffects xmlns:a14="http://schemas.microsoft.com/office/drawing/2010/main" xmlns="">
+                <a14:hiddenEffects xmlns="" xmlns:a14="http://schemas.microsoft.com/office/drawing/2010/main">
                   <a:effectLst>
                     <a:outerShdw blurRad="63500" dist="38099" dir="2700000" algn="ctr" rotWithShape="0">
                       <a:schemeClr val="bg2">
@@ -25029,7 +25029,7 @@
             <a:effectLst/>
             <a:extLst>
               <a:ext uri="{91240B29-F687-4f45-9708-019B960494DF}">
-                <a14:hiddenLine xmlns:a14="http://schemas.microsoft.com/office/drawing/2010/main" xmlns="" w="12700" cap="rnd" cmpd="sng">
+                <a14:hiddenLine xmlns="" xmlns:a14="http://schemas.microsoft.com/office/drawing/2010/main" w="12700" cap="rnd" cmpd="sng">
                   <a:solidFill>
                     <a:srgbClr val="000000"/>
                   </a:solidFill>
@@ -25040,7 +25040,7 @@
                 </a14:hiddenLine>
               </a:ext>
               <a:ext uri="{AF507438-7753-43e0-B8FC-AC1667EBCBE1}">
-                <a14:hiddenEffects xmlns:a14="http://schemas.microsoft.com/office/drawing/2010/main" xmlns="">
+                <a14:hiddenEffects xmlns="" xmlns:a14="http://schemas.microsoft.com/office/drawing/2010/main">
                   <a:effectLst>
                     <a:outerShdw blurRad="63500" dist="38099" dir="2700000" algn="ctr" rotWithShape="0">
                       <a:schemeClr val="bg2">
@@ -25147,7 +25147,7 @@
             <a:effectLst/>
             <a:extLst>
               <a:ext uri="{91240B29-F687-4f45-9708-019B960494DF}">
-                <a14:hiddenLine xmlns:a14="http://schemas.microsoft.com/office/drawing/2010/main" xmlns="" w="12700" cap="rnd" cmpd="sng">
+                <a14:hiddenLine xmlns="" xmlns:a14="http://schemas.microsoft.com/office/drawing/2010/main" w="12700" cap="rnd" cmpd="sng">
                   <a:solidFill>
                     <a:srgbClr val="000000"/>
                   </a:solidFill>
@@ -25158,7 +25158,7 @@
                 </a14:hiddenLine>
               </a:ext>
               <a:ext uri="{AF507438-7753-43e0-B8FC-AC1667EBCBE1}">
-                <a14:hiddenEffects xmlns:a14="http://schemas.microsoft.com/office/drawing/2010/main" xmlns="">
+                <a14:hiddenEffects xmlns="" xmlns:a14="http://schemas.microsoft.com/office/drawing/2010/main">
                   <a:effectLst>
                     <a:outerShdw blurRad="63500" dist="38099" dir="2700000" algn="ctr" rotWithShape="0">
                       <a:schemeClr val="bg2">
@@ -25265,7 +25265,7 @@
             <a:effectLst/>
             <a:extLst>
               <a:ext uri="{91240B29-F687-4f45-9708-019B960494DF}">
-                <a14:hiddenLine xmlns:a14="http://schemas.microsoft.com/office/drawing/2010/main" xmlns="" w="12700" cap="rnd" cmpd="sng">
+                <a14:hiddenLine xmlns="" xmlns:a14="http://schemas.microsoft.com/office/drawing/2010/main" w="12700" cap="rnd" cmpd="sng">
                   <a:solidFill>
                     <a:srgbClr val="000000"/>
                   </a:solidFill>
@@ -25276,7 +25276,7 @@
                 </a14:hiddenLine>
               </a:ext>
               <a:ext uri="{AF507438-7753-43e0-B8FC-AC1667EBCBE1}">
-                <a14:hiddenEffects xmlns:a14="http://schemas.microsoft.com/office/drawing/2010/main" xmlns="">
+                <a14:hiddenEffects xmlns="" xmlns:a14="http://schemas.microsoft.com/office/drawing/2010/main">
                   <a:effectLst>
                     <a:outerShdw blurRad="63500" dist="38099" dir="2700000" algn="ctr" rotWithShape="0">
                       <a:schemeClr val="bg2">
@@ -25383,7 +25383,7 @@
             <a:effectLst/>
             <a:extLst>
               <a:ext uri="{91240B29-F687-4f45-9708-019B960494DF}">
-                <a14:hiddenLine xmlns:a14="http://schemas.microsoft.com/office/drawing/2010/main" xmlns="" w="12700" cap="rnd" cmpd="sng">
+                <a14:hiddenLine xmlns="" xmlns:a14="http://schemas.microsoft.com/office/drawing/2010/main" w="12700" cap="rnd" cmpd="sng">
                   <a:solidFill>
                     <a:srgbClr val="000000"/>
                   </a:solidFill>
@@ -25394,7 +25394,7 @@
                 </a14:hiddenLine>
               </a:ext>
               <a:ext uri="{AF507438-7753-43e0-B8FC-AC1667EBCBE1}">
-                <a14:hiddenEffects xmlns:a14="http://schemas.microsoft.com/office/drawing/2010/main" xmlns="">
+                <a14:hiddenEffects xmlns="" xmlns:a14="http://schemas.microsoft.com/office/drawing/2010/main">
                   <a:effectLst>
                     <a:outerShdw blurRad="63500" dist="38099" dir="2700000" algn="ctr" rotWithShape="0">
                       <a:schemeClr val="bg2">
@@ -25501,7 +25501,7 @@
             <a:effectLst/>
             <a:extLst>
               <a:ext uri="{91240B29-F687-4f45-9708-019B960494DF}">
-                <a14:hiddenLine xmlns:a14="http://schemas.microsoft.com/office/drawing/2010/main" xmlns="" w="12700" cap="rnd" cmpd="sng">
+                <a14:hiddenLine xmlns="" xmlns:a14="http://schemas.microsoft.com/office/drawing/2010/main" w="12700" cap="rnd" cmpd="sng">
                   <a:solidFill>
                     <a:srgbClr val="000000"/>
                   </a:solidFill>
@@ -25512,7 +25512,7 @@
                 </a14:hiddenLine>
               </a:ext>
               <a:ext uri="{AF507438-7753-43e0-B8FC-AC1667EBCBE1}">
-                <a14:hiddenEffects xmlns:a14="http://schemas.microsoft.com/office/drawing/2010/main" xmlns="">
+                <a14:hiddenEffects xmlns="" xmlns:a14="http://schemas.microsoft.com/office/drawing/2010/main">
                   <a:effectLst>
                     <a:outerShdw blurRad="63500" dist="38099" dir="2700000" algn="ctr" rotWithShape="0">
                       <a:schemeClr val="bg2">
@@ -25619,7 +25619,7 @@
             <a:effectLst/>
             <a:extLst>
               <a:ext uri="{91240B29-F687-4f45-9708-019B960494DF}">
-                <a14:hiddenLine xmlns:a14="http://schemas.microsoft.com/office/drawing/2010/main" xmlns="" w="12700" cap="rnd" cmpd="sng">
+                <a14:hiddenLine xmlns="" xmlns:a14="http://schemas.microsoft.com/office/drawing/2010/main" w="12700" cap="rnd" cmpd="sng">
                   <a:solidFill>
                     <a:srgbClr val="000000"/>
                   </a:solidFill>
@@ -25630,7 +25630,7 @@
                 </a14:hiddenLine>
               </a:ext>
               <a:ext uri="{AF507438-7753-43e0-B8FC-AC1667EBCBE1}">
-                <a14:hiddenEffects xmlns:a14="http://schemas.microsoft.com/office/drawing/2010/main" xmlns="">
+                <a14:hiddenEffects xmlns="" xmlns:a14="http://schemas.microsoft.com/office/drawing/2010/main">
                   <a:effectLst>
                     <a:outerShdw blurRad="63500" dist="38099" dir="2700000" algn="ctr" rotWithShape="0">
                       <a:schemeClr val="bg2">
@@ -25737,7 +25737,7 @@
             <a:effectLst/>
             <a:extLst>
               <a:ext uri="{91240B29-F687-4f45-9708-019B960494DF}">
-                <a14:hiddenLine xmlns:a14="http://schemas.microsoft.com/office/drawing/2010/main" xmlns="" w="12700" cap="rnd" cmpd="sng">
+                <a14:hiddenLine xmlns="" xmlns:a14="http://schemas.microsoft.com/office/drawing/2010/main" w="12700" cap="rnd" cmpd="sng">
                   <a:solidFill>
                     <a:srgbClr val="000000"/>
                   </a:solidFill>
@@ -25748,7 +25748,7 @@
                 </a14:hiddenLine>
               </a:ext>
               <a:ext uri="{AF507438-7753-43e0-B8FC-AC1667EBCBE1}">
-                <a14:hiddenEffects xmlns:a14="http://schemas.microsoft.com/office/drawing/2010/main" xmlns="">
+                <a14:hiddenEffects xmlns="" xmlns:a14="http://schemas.microsoft.com/office/drawing/2010/main">
                   <a:effectLst>
                     <a:outerShdw blurRad="63500" dist="38099" dir="2700000" algn="ctr" rotWithShape="0">
                       <a:schemeClr val="bg2">
@@ -25855,7 +25855,7 @@
             <a:effectLst/>
             <a:extLst>
               <a:ext uri="{91240B29-F687-4f45-9708-019B960494DF}">
-                <a14:hiddenLine xmlns:a14="http://schemas.microsoft.com/office/drawing/2010/main" xmlns="" w="12700" cap="rnd" cmpd="sng">
+                <a14:hiddenLine xmlns="" xmlns:a14="http://schemas.microsoft.com/office/drawing/2010/main" w="12700" cap="rnd" cmpd="sng">
                   <a:solidFill>
                     <a:srgbClr val="000000"/>
                   </a:solidFill>
@@ -25866,7 +25866,7 @@
                 </a14:hiddenLine>
               </a:ext>
               <a:ext uri="{AF507438-7753-43e0-B8FC-AC1667EBCBE1}">
-                <a14:hiddenEffects xmlns:a14="http://schemas.microsoft.com/office/drawing/2010/main" xmlns="">
+                <a14:hiddenEffects xmlns="" xmlns:a14="http://schemas.microsoft.com/office/drawing/2010/main">
                   <a:effectLst>
                     <a:outerShdw blurRad="63500" dist="38099" dir="2700000" algn="ctr" rotWithShape="0">
                       <a:schemeClr val="bg2">
@@ -25965,7 +25965,7 @@
             <a:effectLst/>
             <a:extLst>
               <a:ext uri="{91240B29-F687-4f45-9708-019B960494DF}">
-                <a14:hiddenLine xmlns:a14="http://schemas.microsoft.com/office/drawing/2010/main" xmlns="" w="12700" cap="rnd" cmpd="sng">
+                <a14:hiddenLine xmlns="" xmlns:a14="http://schemas.microsoft.com/office/drawing/2010/main" w="12700" cap="rnd" cmpd="sng">
                   <a:solidFill>
                     <a:srgbClr val="000000"/>
                   </a:solidFill>
@@ -25976,7 +25976,7 @@
                 </a14:hiddenLine>
               </a:ext>
               <a:ext uri="{AF507438-7753-43e0-B8FC-AC1667EBCBE1}">
-                <a14:hiddenEffects xmlns:a14="http://schemas.microsoft.com/office/drawing/2010/main" xmlns="">
+                <a14:hiddenEffects xmlns="" xmlns:a14="http://schemas.microsoft.com/office/drawing/2010/main">
                   <a:effectLst>
                     <a:outerShdw blurRad="63500" dist="38099" dir="2700000" algn="ctr" rotWithShape="0">
                       <a:schemeClr val="bg2">
@@ -26075,7 +26075,7 @@
             <a:effectLst/>
             <a:extLst>
               <a:ext uri="{91240B29-F687-4f45-9708-019B960494DF}">
-                <a14:hiddenLine xmlns:a14="http://schemas.microsoft.com/office/drawing/2010/main" xmlns="" w="12700" cap="rnd" cmpd="sng">
+                <a14:hiddenLine xmlns="" xmlns:a14="http://schemas.microsoft.com/office/drawing/2010/main" w="12700" cap="rnd" cmpd="sng">
                   <a:solidFill>
                     <a:srgbClr val="000000"/>
                   </a:solidFill>
@@ -26086,7 +26086,7 @@
                 </a14:hiddenLine>
               </a:ext>
               <a:ext uri="{AF507438-7753-43e0-B8FC-AC1667EBCBE1}">
-                <a14:hiddenEffects xmlns:a14="http://schemas.microsoft.com/office/drawing/2010/main" xmlns="">
+                <a14:hiddenEffects xmlns="" xmlns:a14="http://schemas.microsoft.com/office/drawing/2010/main">
                   <a:effectLst>
                     <a:outerShdw blurRad="63500" dist="38099" dir="2700000" algn="ctr" rotWithShape="0">
                       <a:schemeClr val="bg2">
@@ -26129,14 +26129,14 @@
             <a:effectLst/>
             <a:extLst>
               <a:ext uri="{909E8E84-426E-40dd-AFC4-6F175D3DCCD1}">
-                <a14:hiddenFill xmlns:a14="http://schemas.microsoft.com/office/drawing/2010/main" xmlns="">
+                <a14:hiddenFill xmlns="" xmlns:a14="http://schemas.microsoft.com/office/drawing/2010/main">
                   <a:solidFill>
                     <a:schemeClr val="accent1"/>
                   </a:solidFill>
                 </a14:hiddenFill>
               </a:ext>
               <a:ext uri="{91240B29-F687-4f45-9708-019B960494DF}">
-                <a14:hiddenLine xmlns:a14="http://schemas.microsoft.com/office/drawing/2010/main" xmlns="" w="9525">
+                <a14:hiddenLine xmlns="" xmlns:a14="http://schemas.microsoft.com/office/drawing/2010/main" w="9525">
                   <a:solidFill>
                     <a:schemeClr val="tx1"/>
                   </a:solidFill>
@@ -26146,7 +26146,7 @@
                 </a14:hiddenLine>
               </a:ext>
               <a:ext uri="{AF507438-7753-43e0-B8FC-AC1667EBCBE1}">
-                <a14:hiddenEffects xmlns:a14="http://schemas.microsoft.com/office/drawing/2010/main" xmlns="">
+                <a14:hiddenEffects xmlns="" xmlns:a14="http://schemas.microsoft.com/office/drawing/2010/main">
                   <a:effectLst>
                     <a:outerShdw blurRad="63500" dist="38099" dir="2700000" algn="ctr" rotWithShape="0">
                       <a:schemeClr val="bg2">
@@ -26204,14 +26204,14 @@
             <a:effectLst/>
             <a:extLst>
               <a:ext uri="{909E8E84-426E-40dd-AFC4-6F175D3DCCD1}">
-                <a14:hiddenFill xmlns:a14="http://schemas.microsoft.com/office/drawing/2010/main" xmlns="">
+                <a14:hiddenFill xmlns="" xmlns:a14="http://schemas.microsoft.com/office/drawing/2010/main">
                   <a:solidFill>
                     <a:schemeClr val="accent1"/>
                   </a:solidFill>
                 </a14:hiddenFill>
               </a:ext>
               <a:ext uri="{91240B29-F687-4f45-9708-019B960494DF}">
-                <a14:hiddenLine xmlns:a14="http://schemas.microsoft.com/office/drawing/2010/main" xmlns="" w="9525">
+                <a14:hiddenLine xmlns="" xmlns:a14="http://schemas.microsoft.com/office/drawing/2010/main" w="9525">
                   <a:solidFill>
                     <a:schemeClr val="tx1"/>
                   </a:solidFill>
@@ -26221,7 +26221,7 @@
                 </a14:hiddenLine>
               </a:ext>
               <a:ext uri="{AF507438-7753-43e0-B8FC-AC1667EBCBE1}">
-                <a14:hiddenEffects xmlns:a14="http://schemas.microsoft.com/office/drawing/2010/main" xmlns="">
+                <a14:hiddenEffects xmlns="" xmlns:a14="http://schemas.microsoft.com/office/drawing/2010/main">
                   <a:effectLst>
                     <a:outerShdw blurRad="63500" dist="38099" dir="2700000" algn="ctr" rotWithShape="0">
                       <a:schemeClr val="bg2">
@@ -26279,14 +26279,14 @@
             <a:effectLst/>
             <a:extLst>
               <a:ext uri="{909E8E84-426E-40dd-AFC4-6F175D3DCCD1}">
-                <a14:hiddenFill xmlns:a14="http://schemas.microsoft.com/office/drawing/2010/main" xmlns="">
+                <a14:hiddenFill xmlns="" xmlns:a14="http://schemas.microsoft.com/office/drawing/2010/main">
                   <a:solidFill>
                     <a:schemeClr val="accent1"/>
                   </a:solidFill>
                 </a14:hiddenFill>
               </a:ext>
               <a:ext uri="{91240B29-F687-4f45-9708-019B960494DF}">
-                <a14:hiddenLine xmlns:a14="http://schemas.microsoft.com/office/drawing/2010/main" xmlns="" w="9525">
+                <a14:hiddenLine xmlns="" xmlns:a14="http://schemas.microsoft.com/office/drawing/2010/main" w="9525">
                   <a:solidFill>
                     <a:schemeClr val="tx1"/>
                   </a:solidFill>
@@ -26296,7 +26296,7 @@
                 </a14:hiddenLine>
               </a:ext>
               <a:ext uri="{AF507438-7753-43e0-B8FC-AC1667EBCBE1}">
-                <a14:hiddenEffects xmlns:a14="http://schemas.microsoft.com/office/drawing/2010/main" xmlns="">
+                <a14:hiddenEffects xmlns="" xmlns:a14="http://schemas.microsoft.com/office/drawing/2010/main">
                   <a:effectLst>
                     <a:outerShdw blurRad="63500" dist="38099" dir="2700000" algn="ctr" rotWithShape="0">
                       <a:schemeClr val="bg2">
@@ -26354,14 +26354,14 @@
             <a:effectLst/>
             <a:extLst>
               <a:ext uri="{909E8E84-426E-40dd-AFC4-6F175D3DCCD1}">
-                <a14:hiddenFill xmlns:a14="http://schemas.microsoft.com/office/drawing/2010/main" xmlns="">
+                <a14:hiddenFill xmlns="" xmlns:a14="http://schemas.microsoft.com/office/drawing/2010/main">
                   <a:solidFill>
                     <a:schemeClr val="accent1"/>
                   </a:solidFill>
                 </a14:hiddenFill>
               </a:ext>
               <a:ext uri="{91240B29-F687-4f45-9708-019B960494DF}">
-                <a14:hiddenLine xmlns:a14="http://schemas.microsoft.com/office/drawing/2010/main" xmlns="" w="9525">
+                <a14:hiddenLine xmlns="" xmlns:a14="http://schemas.microsoft.com/office/drawing/2010/main" w="9525">
                   <a:solidFill>
                     <a:schemeClr val="tx1"/>
                   </a:solidFill>
@@ -26371,7 +26371,7 @@
                 </a14:hiddenLine>
               </a:ext>
               <a:ext uri="{AF507438-7753-43e0-B8FC-AC1667EBCBE1}">
-                <a14:hiddenEffects xmlns:a14="http://schemas.microsoft.com/office/drawing/2010/main" xmlns="">
+                <a14:hiddenEffects xmlns="" xmlns:a14="http://schemas.microsoft.com/office/drawing/2010/main">
                   <a:effectLst>
                     <a:outerShdw blurRad="63500" dist="38099" dir="2700000" algn="ctr" rotWithShape="0">
                       <a:schemeClr val="bg2">
@@ -26429,14 +26429,14 @@
             <a:effectLst/>
             <a:extLst>
               <a:ext uri="{909E8E84-426E-40dd-AFC4-6F175D3DCCD1}">
-                <a14:hiddenFill xmlns:a14="http://schemas.microsoft.com/office/drawing/2010/main" xmlns="">
+                <a14:hiddenFill xmlns="" xmlns:a14="http://schemas.microsoft.com/office/drawing/2010/main">
                   <a:solidFill>
                     <a:schemeClr val="accent1"/>
                   </a:solidFill>
                 </a14:hiddenFill>
               </a:ext>
               <a:ext uri="{91240B29-F687-4f45-9708-019B960494DF}">
-                <a14:hiddenLine xmlns:a14="http://schemas.microsoft.com/office/drawing/2010/main" xmlns="" w="9525">
+                <a14:hiddenLine xmlns="" xmlns:a14="http://schemas.microsoft.com/office/drawing/2010/main" w="9525">
                   <a:solidFill>
                     <a:schemeClr val="tx1"/>
                   </a:solidFill>
@@ -26446,7 +26446,7 @@
                 </a14:hiddenLine>
               </a:ext>
               <a:ext uri="{AF507438-7753-43e0-B8FC-AC1667EBCBE1}">
-                <a14:hiddenEffects xmlns:a14="http://schemas.microsoft.com/office/drawing/2010/main" xmlns="">
+                <a14:hiddenEffects xmlns="" xmlns:a14="http://schemas.microsoft.com/office/drawing/2010/main">
                   <a:effectLst>
                     <a:outerShdw blurRad="63500" dist="38099" dir="2700000" algn="ctr" rotWithShape="0">
                       <a:schemeClr val="bg2">
@@ -26514,12 +26514,12 @@
           <a:effectLst/>
           <a:extLst>
             <a:ext uri="{909E8E84-426E-40dd-AFC4-6F175D3DCCD1}">
-              <a14:hiddenFill xmlns:a14="http://schemas.microsoft.com/office/drawing/2010/main" xmlns="">
+              <a14:hiddenFill xmlns="" xmlns:a14="http://schemas.microsoft.com/office/drawing/2010/main">
                 <a:noFill/>
               </a14:hiddenFill>
             </a:ext>
             <a:ext uri="{AF507438-7753-43e0-B8FC-AC1667EBCBE1}">
-              <a14:hiddenEffects xmlns:a14="http://schemas.microsoft.com/office/drawing/2010/main" xmlns="">
+              <a14:hiddenEffects xmlns="" xmlns:a14="http://schemas.microsoft.com/office/drawing/2010/main">
                 <a:effectLst>
                   <a:outerShdw blurRad="63500" dist="76200" dir="10800000" kx="-3284103" algn="br" rotWithShape="0">
                     <a:schemeClr val="bg2">
@@ -26568,12 +26568,12 @@
           <a:effectLst/>
           <a:extLst>
             <a:ext uri="{909E8E84-426E-40dd-AFC4-6F175D3DCCD1}">
-              <a14:hiddenFill xmlns:a14="http://schemas.microsoft.com/office/drawing/2010/main" xmlns="">
+              <a14:hiddenFill xmlns="" xmlns:a14="http://schemas.microsoft.com/office/drawing/2010/main">
                 <a:noFill/>
               </a14:hiddenFill>
             </a:ext>
             <a:ext uri="{AF507438-7753-43e0-B8FC-AC1667EBCBE1}">
-              <a14:hiddenEffects xmlns:a14="http://schemas.microsoft.com/office/drawing/2010/main" xmlns="">
+              <a14:hiddenEffects xmlns="" xmlns:a14="http://schemas.microsoft.com/office/drawing/2010/main">
                 <a:effectLst>
                   <a:outerShdw blurRad="63500" dist="76200" dir="10800000" kx="-3284103" algn="br" rotWithShape="0">
                     <a:schemeClr val="bg2">
@@ -26622,12 +26622,12 @@
           <a:effectLst/>
           <a:extLst>
             <a:ext uri="{909E8E84-426E-40dd-AFC4-6F175D3DCCD1}">
-              <a14:hiddenFill xmlns:a14="http://schemas.microsoft.com/office/drawing/2010/main" xmlns="">
+              <a14:hiddenFill xmlns="" xmlns:a14="http://schemas.microsoft.com/office/drawing/2010/main">
                 <a:noFill/>
               </a14:hiddenFill>
             </a:ext>
             <a:ext uri="{AF507438-7753-43e0-B8FC-AC1667EBCBE1}">
-              <a14:hiddenEffects xmlns:a14="http://schemas.microsoft.com/office/drawing/2010/main" xmlns="">
+              <a14:hiddenEffects xmlns="" xmlns:a14="http://schemas.microsoft.com/office/drawing/2010/main">
                 <a:effectLst>
                   <a:outerShdw blurRad="63500" dist="76200" dir="10800000" kx="-3284103" algn="br" rotWithShape="0">
                     <a:schemeClr val="bg2">
@@ -26676,12 +26676,12 @@
           <a:effectLst/>
           <a:extLst>
             <a:ext uri="{909E8E84-426E-40dd-AFC4-6F175D3DCCD1}">
-              <a14:hiddenFill xmlns:a14="http://schemas.microsoft.com/office/drawing/2010/main" xmlns="">
+              <a14:hiddenFill xmlns="" xmlns:a14="http://schemas.microsoft.com/office/drawing/2010/main">
                 <a:noFill/>
               </a14:hiddenFill>
             </a:ext>
             <a:ext uri="{AF507438-7753-43e0-B8FC-AC1667EBCBE1}">
-              <a14:hiddenEffects xmlns:a14="http://schemas.microsoft.com/office/drawing/2010/main" xmlns="">
+              <a14:hiddenEffects xmlns="" xmlns:a14="http://schemas.microsoft.com/office/drawing/2010/main">
                 <a:effectLst>
                   <a:outerShdw blurRad="63500" dist="76200" dir="10800000" kx="-3284103" algn="br" rotWithShape="0">
                     <a:schemeClr val="bg2">
@@ -26730,12 +26730,12 @@
           <a:effectLst/>
           <a:extLst>
             <a:ext uri="{909E8E84-426E-40dd-AFC4-6F175D3DCCD1}">
-              <a14:hiddenFill xmlns:a14="http://schemas.microsoft.com/office/drawing/2010/main" xmlns="">
+              <a14:hiddenFill xmlns="" xmlns:a14="http://schemas.microsoft.com/office/drawing/2010/main">
                 <a:noFill/>
               </a14:hiddenFill>
             </a:ext>
             <a:ext uri="{AF507438-7753-43e0-B8FC-AC1667EBCBE1}">
-              <a14:hiddenEffects xmlns:a14="http://schemas.microsoft.com/office/drawing/2010/main" xmlns="">
+              <a14:hiddenEffects xmlns="" xmlns:a14="http://schemas.microsoft.com/office/drawing/2010/main">
                 <a:effectLst>
                   <a:outerShdw blurRad="63500" dist="76200" dir="10800000" kx="-3284103" algn="br" rotWithShape="0">
                     <a:schemeClr val="bg2">
@@ -26784,12 +26784,12 @@
           <a:effectLst/>
           <a:extLst>
             <a:ext uri="{909E8E84-426E-40dd-AFC4-6F175D3DCCD1}">
-              <a14:hiddenFill xmlns:a14="http://schemas.microsoft.com/office/drawing/2010/main" xmlns="">
+              <a14:hiddenFill xmlns="" xmlns:a14="http://schemas.microsoft.com/office/drawing/2010/main">
                 <a:noFill/>
               </a14:hiddenFill>
             </a:ext>
             <a:ext uri="{AF507438-7753-43e0-B8FC-AC1667EBCBE1}">
-              <a14:hiddenEffects xmlns:a14="http://schemas.microsoft.com/office/drawing/2010/main" xmlns="">
+              <a14:hiddenEffects xmlns="" xmlns:a14="http://schemas.microsoft.com/office/drawing/2010/main">
                 <a:effectLst>
                   <a:outerShdw blurRad="63500" dist="76200" dir="10800000" kx="-3284103" algn="br" rotWithShape="0">
                     <a:schemeClr val="bg2">
@@ -26832,14 +26832,14 @@
           <a:effectLst/>
           <a:extLst>
             <a:ext uri="{909E8E84-426E-40dd-AFC4-6F175D3DCCD1}">
-              <a14:hiddenFill xmlns:a14="http://schemas.microsoft.com/office/drawing/2010/main" xmlns="">
+              <a14:hiddenFill xmlns="" xmlns:a14="http://schemas.microsoft.com/office/drawing/2010/main">
                 <a:solidFill>
                   <a:schemeClr val="accent1"/>
                 </a:solidFill>
               </a14:hiddenFill>
             </a:ext>
             <a:ext uri="{91240B29-F687-4f45-9708-019B960494DF}">
-              <a14:hiddenLine xmlns:a14="http://schemas.microsoft.com/office/drawing/2010/main" xmlns="" w="9525">
+              <a14:hiddenLine xmlns="" xmlns:a14="http://schemas.microsoft.com/office/drawing/2010/main" w="9525">
                 <a:solidFill>
                   <a:schemeClr val="tx1"/>
                 </a:solidFill>
@@ -26849,7 +26849,7 @@
               </a14:hiddenLine>
             </a:ext>
             <a:ext uri="{AF507438-7753-43e0-B8FC-AC1667EBCBE1}">
-              <a14:hiddenEffects xmlns:a14="http://schemas.microsoft.com/office/drawing/2010/main" xmlns="">
+              <a14:hiddenEffects xmlns="" xmlns:a14="http://schemas.microsoft.com/office/drawing/2010/main">
                 <a:effectLst>
                   <a:outerShdw blurRad="63500" dist="38099" dir="2700000" algn="ctr" rotWithShape="0">
                     <a:schemeClr val="bg2">
@@ -26912,14 +26912,14 @@
           <a:effectLst/>
           <a:extLst>
             <a:ext uri="{909E8E84-426E-40dd-AFC4-6F175D3DCCD1}">
-              <a14:hiddenFill xmlns:a14="http://schemas.microsoft.com/office/drawing/2010/main" xmlns="">
+              <a14:hiddenFill xmlns="" xmlns:a14="http://schemas.microsoft.com/office/drawing/2010/main">
                 <a:solidFill>
                   <a:schemeClr val="accent1"/>
                 </a:solidFill>
               </a14:hiddenFill>
             </a:ext>
             <a:ext uri="{91240B29-F687-4f45-9708-019B960494DF}">
-              <a14:hiddenLine xmlns:a14="http://schemas.microsoft.com/office/drawing/2010/main" xmlns="" w="9525">
+              <a14:hiddenLine xmlns="" xmlns:a14="http://schemas.microsoft.com/office/drawing/2010/main" w="9525">
                 <a:solidFill>
                   <a:schemeClr val="tx1"/>
                 </a:solidFill>
@@ -26929,7 +26929,7 @@
               </a14:hiddenLine>
             </a:ext>
             <a:ext uri="{AF507438-7753-43e0-B8FC-AC1667EBCBE1}">
-              <a14:hiddenEffects xmlns:a14="http://schemas.microsoft.com/office/drawing/2010/main" xmlns="">
+              <a14:hiddenEffects xmlns="" xmlns:a14="http://schemas.microsoft.com/office/drawing/2010/main">
                 <a:effectLst>
                   <a:outerShdw blurRad="63500" dist="38099" dir="2700000" algn="ctr" rotWithShape="0">
                     <a:schemeClr val="bg2">
@@ -26980,14 +26980,14 @@
           <a:effectLst/>
           <a:extLst>
             <a:ext uri="{909E8E84-426E-40dd-AFC4-6F175D3DCCD1}">
-              <a14:hiddenFill xmlns:a14="http://schemas.microsoft.com/office/drawing/2010/main" xmlns="">
+              <a14:hiddenFill xmlns="" xmlns:a14="http://schemas.microsoft.com/office/drawing/2010/main">
                 <a:solidFill>
                   <a:schemeClr val="accent1"/>
                 </a:solidFill>
               </a14:hiddenFill>
             </a:ext>
             <a:ext uri="{91240B29-F687-4f45-9708-019B960494DF}">
-              <a14:hiddenLine xmlns:a14="http://schemas.microsoft.com/office/drawing/2010/main" xmlns="" w="9525">
+              <a14:hiddenLine xmlns="" xmlns:a14="http://schemas.microsoft.com/office/drawing/2010/main" w="9525">
                 <a:solidFill>
                   <a:schemeClr val="tx1"/>
                 </a:solidFill>
@@ -26997,7 +26997,7 @@
               </a14:hiddenLine>
             </a:ext>
             <a:ext uri="{AF507438-7753-43e0-B8FC-AC1667EBCBE1}">
-              <a14:hiddenEffects xmlns:a14="http://schemas.microsoft.com/office/drawing/2010/main" xmlns="">
+              <a14:hiddenEffects xmlns="" xmlns:a14="http://schemas.microsoft.com/office/drawing/2010/main">
                 <a:effectLst>
                   <a:outerShdw blurRad="63500" dist="38099" dir="2700000" algn="ctr" rotWithShape="0">
                     <a:schemeClr val="bg2">
@@ -27054,14 +27054,14 @@
           <a:effectLst/>
           <a:extLst>
             <a:ext uri="{909E8E84-426E-40dd-AFC4-6F175D3DCCD1}">
-              <a14:hiddenFill xmlns:a14="http://schemas.microsoft.com/office/drawing/2010/main" xmlns="">
+              <a14:hiddenFill xmlns="" xmlns:a14="http://schemas.microsoft.com/office/drawing/2010/main">
                 <a:solidFill>
                   <a:schemeClr val="accent1"/>
                 </a:solidFill>
               </a14:hiddenFill>
             </a:ext>
             <a:ext uri="{91240B29-F687-4f45-9708-019B960494DF}">
-              <a14:hiddenLine xmlns:a14="http://schemas.microsoft.com/office/drawing/2010/main" xmlns="" w="9525">
+              <a14:hiddenLine xmlns="" xmlns:a14="http://schemas.microsoft.com/office/drawing/2010/main" w="9525">
                 <a:solidFill>
                   <a:schemeClr val="tx1"/>
                 </a:solidFill>
@@ -27071,7 +27071,7 @@
               </a14:hiddenLine>
             </a:ext>
             <a:ext uri="{AF507438-7753-43e0-B8FC-AC1667EBCBE1}">
-              <a14:hiddenEffects xmlns:a14="http://schemas.microsoft.com/office/drawing/2010/main" xmlns="">
+              <a14:hiddenEffects xmlns="" xmlns:a14="http://schemas.microsoft.com/office/drawing/2010/main">
                 <a:effectLst>
                   <a:outerShdw blurRad="63500" dist="38099" dir="2700000" algn="ctr" rotWithShape="0">
                     <a:schemeClr val="bg2">
@@ -27122,14 +27122,14 @@
           <a:effectLst/>
           <a:extLst>
             <a:ext uri="{909E8E84-426E-40dd-AFC4-6F175D3DCCD1}">
-              <a14:hiddenFill xmlns:a14="http://schemas.microsoft.com/office/drawing/2010/main" xmlns="">
+              <a14:hiddenFill xmlns="" xmlns:a14="http://schemas.microsoft.com/office/drawing/2010/main">
                 <a:solidFill>
                   <a:schemeClr val="accent1"/>
                 </a:solidFill>
               </a14:hiddenFill>
             </a:ext>
             <a:ext uri="{91240B29-F687-4f45-9708-019B960494DF}">
-              <a14:hiddenLine xmlns:a14="http://schemas.microsoft.com/office/drawing/2010/main" xmlns="" w="9525">
+              <a14:hiddenLine xmlns="" xmlns:a14="http://schemas.microsoft.com/office/drawing/2010/main" w="9525">
                 <a:solidFill>
                   <a:schemeClr val="tx1"/>
                 </a:solidFill>
@@ -27139,7 +27139,7 @@
               </a14:hiddenLine>
             </a:ext>
             <a:ext uri="{AF507438-7753-43e0-B8FC-AC1667EBCBE1}">
-              <a14:hiddenEffects xmlns:a14="http://schemas.microsoft.com/office/drawing/2010/main" xmlns="">
+              <a14:hiddenEffects xmlns="" xmlns:a14="http://schemas.microsoft.com/office/drawing/2010/main">
                 <a:effectLst>
                   <a:outerShdw blurRad="63500" dist="38099" dir="2700000" algn="ctr" rotWithShape="0">
                     <a:schemeClr val="bg2">
@@ -27199,12 +27199,12 @@
           <a:effectLst/>
           <a:extLst>
             <a:ext uri="{909E8E84-426E-40dd-AFC4-6F175D3DCCD1}">
-              <a14:hiddenFill xmlns:a14="http://schemas.microsoft.com/office/drawing/2010/main" xmlns="">
+              <a14:hiddenFill xmlns="" xmlns:a14="http://schemas.microsoft.com/office/drawing/2010/main">
                 <a:noFill/>
               </a14:hiddenFill>
             </a:ext>
             <a:ext uri="{AF507438-7753-43e0-B8FC-AC1667EBCBE1}">
-              <a14:hiddenEffects xmlns:a14="http://schemas.microsoft.com/office/drawing/2010/main" xmlns="">
+              <a14:hiddenEffects xmlns="" xmlns:a14="http://schemas.microsoft.com/office/drawing/2010/main">
                 <a:effectLst>
                   <a:outerShdw blurRad="63500" dist="38099" dir="2700000" algn="ctr" rotWithShape="0">
                     <a:schemeClr val="bg2">
@@ -27240,14 +27240,14 @@
           <a:effectLst/>
           <a:extLst>
             <a:ext uri="{909E8E84-426E-40dd-AFC4-6F175D3DCCD1}">
-              <a14:hiddenFill xmlns:a14="http://schemas.microsoft.com/office/drawing/2010/main" xmlns="">
+              <a14:hiddenFill xmlns="" xmlns:a14="http://schemas.microsoft.com/office/drawing/2010/main">
                 <a:solidFill>
                   <a:schemeClr val="accent1"/>
                 </a:solidFill>
               </a14:hiddenFill>
             </a:ext>
             <a:ext uri="{91240B29-F687-4f45-9708-019B960494DF}">
-              <a14:hiddenLine xmlns:a14="http://schemas.microsoft.com/office/drawing/2010/main" xmlns="" w="9525">
+              <a14:hiddenLine xmlns="" xmlns:a14="http://schemas.microsoft.com/office/drawing/2010/main" w="9525">
                 <a:solidFill>
                   <a:schemeClr val="tx1"/>
                 </a:solidFill>
@@ -27257,7 +27257,7 @@
               </a14:hiddenLine>
             </a:ext>
             <a:ext uri="{AF507438-7753-43e0-B8FC-AC1667EBCBE1}">
-              <a14:hiddenEffects xmlns:a14="http://schemas.microsoft.com/office/drawing/2010/main" xmlns="">
+              <a14:hiddenEffects xmlns="" xmlns:a14="http://schemas.microsoft.com/office/drawing/2010/main">
                 <a:effectLst>
                   <a:outerShdw blurRad="63500" dist="38099" dir="2700000" algn="ctr" rotWithShape="0">
                     <a:schemeClr val="bg2">
@@ -27454,12 +27454,12 @@
           <a:effectLst/>
           <a:extLst>
             <a:ext uri="{909E8E84-426E-40dd-AFC4-6F175D3DCCD1}">
-              <a14:hiddenFill xmlns:a14="http://schemas.microsoft.com/office/drawing/2010/main" xmlns="">
+              <a14:hiddenFill xmlns="" xmlns:a14="http://schemas.microsoft.com/office/drawing/2010/main">
                 <a:noFill/>
               </a14:hiddenFill>
             </a:ext>
             <a:ext uri="{AF507438-7753-43e0-B8FC-AC1667EBCBE1}">
-              <a14:hiddenEffects xmlns:a14="http://schemas.microsoft.com/office/drawing/2010/main" xmlns="">
+              <a14:hiddenEffects xmlns="" xmlns:a14="http://schemas.microsoft.com/office/drawing/2010/main">
                 <a:effectLst>
                   <a:outerShdw blurRad="63500" dist="107763" dir="2700000" algn="ctr" rotWithShape="0">
                     <a:schemeClr val="bg2">
@@ -27893,12 +27893,12 @@
           <a:effectLst/>
           <a:extLst>
             <a:ext uri="{909E8E84-426E-40dd-AFC4-6F175D3DCCD1}">
-              <a14:hiddenFill xmlns:a14="http://schemas.microsoft.com/office/drawing/2010/main" xmlns="">
+              <a14:hiddenFill xmlns="" xmlns:a14="http://schemas.microsoft.com/office/drawing/2010/main">
                 <a:noFill/>
               </a14:hiddenFill>
             </a:ext>
             <a:ext uri="{AF507438-7753-43e0-B8FC-AC1667EBCBE1}">
-              <a14:hiddenEffects xmlns:a14="http://schemas.microsoft.com/office/drawing/2010/main" xmlns="">
+              <a14:hiddenEffects xmlns="" xmlns:a14="http://schemas.microsoft.com/office/drawing/2010/main">
                 <a:effectLst>
                   <a:outerShdw blurRad="63500" dist="107763" dir="2700000" algn="ctr" rotWithShape="0">
                     <a:schemeClr val="bg2">
@@ -28133,7 +28133,7 @@
           <a:effectLst/>
           <a:extLst>
             <a:ext uri="{AF507438-7753-43e0-B8FC-AC1667EBCBE1}">
-              <a14:hiddenEffects xmlns:a14="http://schemas.microsoft.com/office/drawing/2010/main" xmlns="">
+              <a14:hiddenEffects xmlns="" xmlns:a14="http://schemas.microsoft.com/office/drawing/2010/main">
                 <a:effectLst>
                   <a:outerShdw blurRad="63500" dist="107763" dir="2700000" algn="ctr" rotWithShape="0">
                     <a:schemeClr val="bg2">
@@ -28372,7 +28372,7 @@
           <a:effectLst/>
           <a:extLst>
             <a:ext uri="{AF507438-7753-43e0-B8FC-AC1667EBCBE1}">
-              <a14:hiddenEffects xmlns:a14="http://schemas.microsoft.com/office/drawing/2010/main" xmlns="">
+              <a14:hiddenEffects xmlns="" xmlns:a14="http://schemas.microsoft.com/office/drawing/2010/main">
                 <a:effectLst>
                   <a:outerShdw blurRad="63500" dist="107763" dir="2700000" algn="ctr" rotWithShape="0">
                     <a:schemeClr val="bg2">
@@ -28433,14 +28433,14 @@
           <a:effectLst/>
           <a:extLst>
             <a:ext uri="{909E8E84-426E-40dd-AFC4-6F175D3DCCD1}">
-              <a14:hiddenFill xmlns:a14="http://schemas.microsoft.com/office/drawing/2010/main" xmlns="">
+              <a14:hiddenFill xmlns="" xmlns:a14="http://schemas.microsoft.com/office/drawing/2010/main">
                 <a:solidFill>
                   <a:srgbClr val="FFFF99"/>
                 </a:solidFill>
               </a14:hiddenFill>
             </a:ext>
             <a:ext uri="{AF507438-7753-43e0-B8FC-AC1667EBCBE1}">
-              <a14:hiddenEffects xmlns:a14="http://schemas.microsoft.com/office/drawing/2010/main" xmlns="">
+              <a14:hiddenEffects xmlns="" xmlns:a14="http://schemas.microsoft.com/office/drawing/2010/main">
                 <a:effectLst>
                   <a:outerShdw blurRad="63500" dist="107763" dir="2700000" algn="ctr" rotWithShape="0">
                     <a:schemeClr val="bg2">
@@ -28500,14 +28500,14 @@
           <a:effectLst/>
           <a:extLst>
             <a:ext uri="{909E8E84-426E-40dd-AFC4-6F175D3DCCD1}">
-              <a14:hiddenFill xmlns:a14="http://schemas.microsoft.com/office/drawing/2010/main" xmlns="">
+              <a14:hiddenFill xmlns="" xmlns:a14="http://schemas.microsoft.com/office/drawing/2010/main">
                 <a:solidFill>
                   <a:srgbClr val="FFFF99"/>
                 </a:solidFill>
               </a14:hiddenFill>
             </a:ext>
             <a:ext uri="{AF507438-7753-43e0-B8FC-AC1667EBCBE1}">
-              <a14:hiddenEffects xmlns:a14="http://schemas.microsoft.com/office/drawing/2010/main" xmlns="">
+              <a14:hiddenEffects xmlns="" xmlns:a14="http://schemas.microsoft.com/office/drawing/2010/main">
                 <a:effectLst>
                   <a:outerShdw blurRad="63500" dist="107763" dir="2700000" algn="ctr" rotWithShape="0">
                     <a:schemeClr val="bg2">
@@ -28567,14 +28567,14 @@
           <a:effectLst/>
           <a:extLst>
             <a:ext uri="{909E8E84-426E-40dd-AFC4-6F175D3DCCD1}">
-              <a14:hiddenFill xmlns:a14="http://schemas.microsoft.com/office/drawing/2010/main" xmlns="">
+              <a14:hiddenFill xmlns="" xmlns:a14="http://schemas.microsoft.com/office/drawing/2010/main">
                 <a:solidFill>
                   <a:srgbClr val="FFFF99"/>
                 </a:solidFill>
               </a14:hiddenFill>
             </a:ext>
             <a:ext uri="{AF507438-7753-43e0-B8FC-AC1667EBCBE1}">
-              <a14:hiddenEffects xmlns:a14="http://schemas.microsoft.com/office/drawing/2010/main" xmlns="">
+              <a14:hiddenEffects xmlns="" xmlns:a14="http://schemas.microsoft.com/office/drawing/2010/main">
                 <a:effectLst>
                   <a:outerShdw blurRad="63500" dist="107763" dir="2700000" algn="ctr" rotWithShape="0">
                     <a:schemeClr val="bg2">
@@ -28634,14 +28634,14 @@
           <a:effectLst/>
           <a:extLst>
             <a:ext uri="{909E8E84-426E-40dd-AFC4-6F175D3DCCD1}">
-              <a14:hiddenFill xmlns:a14="http://schemas.microsoft.com/office/drawing/2010/main" xmlns="">
+              <a14:hiddenFill xmlns="" xmlns:a14="http://schemas.microsoft.com/office/drawing/2010/main">
                 <a:solidFill>
                   <a:srgbClr val="FFFF99"/>
                 </a:solidFill>
               </a14:hiddenFill>
             </a:ext>
             <a:ext uri="{AF507438-7753-43e0-B8FC-AC1667EBCBE1}">
-              <a14:hiddenEffects xmlns:a14="http://schemas.microsoft.com/office/drawing/2010/main" xmlns="">
+              <a14:hiddenEffects xmlns="" xmlns:a14="http://schemas.microsoft.com/office/drawing/2010/main">
                 <a:effectLst>
                   <a:outerShdw blurRad="63500" dist="107763" dir="2700000" algn="ctr" rotWithShape="0">
                     <a:schemeClr val="bg2">
@@ -28701,14 +28701,14 @@
           <a:effectLst/>
           <a:extLst>
             <a:ext uri="{909E8E84-426E-40dd-AFC4-6F175D3DCCD1}">
-              <a14:hiddenFill xmlns:a14="http://schemas.microsoft.com/office/drawing/2010/main" xmlns="">
+              <a14:hiddenFill xmlns="" xmlns:a14="http://schemas.microsoft.com/office/drawing/2010/main">
                 <a:solidFill>
                   <a:srgbClr val="FFFF99"/>
                 </a:solidFill>
               </a14:hiddenFill>
             </a:ext>
             <a:ext uri="{AF507438-7753-43e0-B8FC-AC1667EBCBE1}">
-              <a14:hiddenEffects xmlns:a14="http://schemas.microsoft.com/office/drawing/2010/main" xmlns="">
+              <a14:hiddenEffects xmlns="" xmlns:a14="http://schemas.microsoft.com/office/drawing/2010/main">
                 <a:effectLst>
                   <a:outerShdw blurRad="63500" dist="107763" dir="2700000" algn="ctr" rotWithShape="0">
                     <a:schemeClr val="bg2">
@@ -28789,14 +28789,14 @@
           <a:effectLst/>
           <a:extLst>
             <a:ext uri="{909E8E84-426E-40dd-AFC4-6F175D3DCCD1}">
-              <a14:hiddenFill xmlns:a14="http://schemas.microsoft.com/office/drawing/2010/main" xmlns="">
+              <a14:hiddenFill xmlns="" xmlns:a14="http://schemas.microsoft.com/office/drawing/2010/main">
                 <a:solidFill>
                   <a:srgbClr val="FFFF99"/>
                 </a:solidFill>
               </a14:hiddenFill>
             </a:ext>
             <a:ext uri="{AF507438-7753-43e0-B8FC-AC1667EBCBE1}">
-              <a14:hiddenEffects xmlns:a14="http://schemas.microsoft.com/office/drawing/2010/main" xmlns="">
+              <a14:hiddenEffects xmlns="" xmlns:a14="http://schemas.microsoft.com/office/drawing/2010/main">
                 <a:effectLst>
                   <a:outerShdw blurRad="63500" dist="107763" dir="2700000" algn="ctr" rotWithShape="0">
                     <a:schemeClr val="bg2">
@@ -28861,14 +28861,14 @@
           <a:effectLst/>
           <a:extLst>
             <a:ext uri="{909E8E84-426E-40dd-AFC4-6F175D3DCCD1}">
-              <a14:hiddenFill xmlns:a14="http://schemas.microsoft.com/office/drawing/2010/main" xmlns="">
+              <a14:hiddenFill xmlns="" xmlns:a14="http://schemas.microsoft.com/office/drawing/2010/main">
                 <a:solidFill>
                   <a:srgbClr val="FFFF99"/>
                 </a:solidFill>
               </a14:hiddenFill>
             </a:ext>
             <a:ext uri="{AF507438-7753-43e0-B8FC-AC1667EBCBE1}">
-              <a14:hiddenEffects xmlns:a14="http://schemas.microsoft.com/office/drawing/2010/main" xmlns="">
+              <a14:hiddenEffects xmlns="" xmlns:a14="http://schemas.microsoft.com/office/drawing/2010/main">
                 <a:effectLst>
                   <a:outerShdw blurRad="63500" dist="107763" dir="2700000" algn="ctr" rotWithShape="0">
                     <a:schemeClr val="bg2">
@@ -28939,14 +28939,14 @@
           <a:effectLst/>
           <a:extLst>
             <a:ext uri="{909E8E84-426E-40dd-AFC4-6F175D3DCCD1}">
-              <a14:hiddenFill xmlns:a14="http://schemas.microsoft.com/office/drawing/2010/main" xmlns="">
+              <a14:hiddenFill xmlns="" xmlns:a14="http://schemas.microsoft.com/office/drawing/2010/main">
                 <a:solidFill>
                   <a:srgbClr val="FFFF99"/>
                 </a:solidFill>
               </a14:hiddenFill>
             </a:ext>
             <a:ext uri="{AF507438-7753-43e0-B8FC-AC1667EBCBE1}">
-              <a14:hiddenEffects xmlns:a14="http://schemas.microsoft.com/office/drawing/2010/main" xmlns="">
+              <a14:hiddenEffects xmlns="" xmlns:a14="http://schemas.microsoft.com/office/drawing/2010/main">
                 <a:effectLst>
                   <a:outerShdw blurRad="63500" dist="107763" dir="2700000" algn="ctr" rotWithShape="0">
                     <a:schemeClr val="bg2">
@@ -29011,14 +29011,14 @@
           </a:effectLst>
           <a:extLst>
             <a:ext uri="{909E8E84-426E-40dd-AFC4-6F175D3DCCD1}">
-              <a14:hiddenFill xmlns:a14="http://schemas.microsoft.com/office/drawing/2010/main" xmlns="">
+              <a14:hiddenFill xmlns="" xmlns:a14="http://schemas.microsoft.com/office/drawing/2010/main">
                 <a:solidFill>
                   <a:schemeClr val="accent1"/>
                 </a:solidFill>
               </a14:hiddenFill>
             </a:ext>
             <a:ext uri="{91240B29-F687-4f45-9708-019B960494DF}">
-              <a14:hiddenLine xmlns:a14="http://schemas.microsoft.com/office/drawing/2010/main" xmlns="" w="9525">
+              <a14:hiddenLine xmlns="" xmlns:a14="http://schemas.microsoft.com/office/drawing/2010/main" w="9525">
                 <a:solidFill>
                   <a:srgbClr val="000000"/>
                 </a:solidFill>
@@ -29134,14 +29134,14 @@
           <a:effectLst/>
           <a:extLst>
             <a:ext uri="{909E8E84-426E-40dd-AFC4-6F175D3DCCD1}">
-              <a14:hiddenFill xmlns:a14="http://schemas.microsoft.com/office/drawing/2010/main" xmlns="">
+              <a14:hiddenFill xmlns="" xmlns:a14="http://schemas.microsoft.com/office/drawing/2010/main">
                 <a:solidFill>
                   <a:srgbClr val="FFFF99"/>
                 </a:solidFill>
               </a14:hiddenFill>
             </a:ext>
             <a:ext uri="{AF507438-7753-43e0-B8FC-AC1667EBCBE1}">
-              <a14:hiddenEffects xmlns:a14="http://schemas.microsoft.com/office/drawing/2010/main" xmlns="">
+              <a14:hiddenEffects xmlns="" xmlns:a14="http://schemas.microsoft.com/office/drawing/2010/main">
                 <a:effectLst>
                   <a:outerShdw blurRad="63500" dist="107763" dir="2700000" algn="ctr" rotWithShape="0">
                     <a:schemeClr val="bg2">
@@ -29192,14 +29192,14 @@
           <a:effectLst/>
           <a:extLst>
             <a:ext uri="{909E8E84-426E-40dd-AFC4-6F175D3DCCD1}">
-              <a14:hiddenFill xmlns:a14="http://schemas.microsoft.com/office/drawing/2010/main" xmlns="">
+              <a14:hiddenFill xmlns="" xmlns:a14="http://schemas.microsoft.com/office/drawing/2010/main">
                 <a:solidFill>
                   <a:srgbClr val="FF9900"/>
                 </a:solidFill>
               </a14:hiddenFill>
             </a:ext>
             <a:ext uri="{91240B29-F687-4f45-9708-019B960494DF}">
-              <a14:hiddenLine xmlns:a14="http://schemas.microsoft.com/office/drawing/2010/main" xmlns="" w="9525">
+              <a14:hiddenLine xmlns="" xmlns:a14="http://schemas.microsoft.com/office/drawing/2010/main" w="9525">
                 <a:solidFill>
                   <a:srgbClr val="000000"/>
                 </a:solidFill>
@@ -29209,7 +29209,7 @@
               </a14:hiddenLine>
             </a:ext>
             <a:ext uri="{AF507438-7753-43e0-B8FC-AC1667EBCBE1}">
-              <a14:hiddenEffects xmlns:a14="http://schemas.microsoft.com/office/drawing/2010/main" xmlns="">
+              <a14:hiddenEffects xmlns="" xmlns:a14="http://schemas.microsoft.com/office/drawing/2010/main">
                 <a:effectLst>
                   <a:outerShdw blurRad="63500" dist="38099" dir="2700000" algn="ctr" rotWithShape="0">
                     <a:schemeClr val="bg2">
@@ -29256,14 +29256,14 @@
           <a:effectLst/>
           <a:extLst>
             <a:ext uri="{909E8E84-426E-40dd-AFC4-6F175D3DCCD1}">
-              <a14:hiddenFill xmlns:a14="http://schemas.microsoft.com/office/drawing/2010/main" xmlns="">
+              <a14:hiddenFill xmlns="" xmlns:a14="http://schemas.microsoft.com/office/drawing/2010/main">
                 <a:solidFill>
                   <a:srgbClr val="FF9900"/>
                 </a:solidFill>
               </a14:hiddenFill>
             </a:ext>
             <a:ext uri="{91240B29-F687-4f45-9708-019B960494DF}">
-              <a14:hiddenLine xmlns:a14="http://schemas.microsoft.com/office/drawing/2010/main" xmlns="" w="9525">
+              <a14:hiddenLine xmlns="" xmlns:a14="http://schemas.microsoft.com/office/drawing/2010/main" w="9525">
                 <a:solidFill>
                   <a:srgbClr val="000000"/>
                 </a:solidFill>
@@ -29273,7 +29273,7 @@
               </a14:hiddenLine>
             </a:ext>
             <a:ext uri="{AF507438-7753-43e0-B8FC-AC1667EBCBE1}">
-              <a14:hiddenEffects xmlns:a14="http://schemas.microsoft.com/office/drawing/2010/main" xmlns="">
+              <a14:hiddenEffects xmlns="" xmlns:a14="http://schemas.microsoft.com/office/drawing/2010/main">
                 <a:effectLst>
                   <a:outerShdw blurRad="63500" dist="38099" dir="2700000" algn="ctr" rotWithShape="0">
                     <a:schemeClr val="bg2">
@@ -29378,14 +29378,14 @@
           <a:effectLst/>
           <a:extLst>
             <a:ext uri="{909E8E84-426E-40dd-AFC4-6F175D3DCCD1}">
-              <a14:hiddenFill xmlns:a14="http://schemas.microsoft.com/office/drawing/2010/main" xmlns="">
+              <a14:hiddenFill xmlns="" xmlns:a14="http://schemas.microsoft.com/office/drawing/2010/main">
                 <a:solidFill>
                   <a:srgbClr val="FFFF99"/>
                 </a:solidFill>
               </a14:hiddenFill>
             </a:ext>
             <a:ext uri="{AF507438-7753-43e0-B8FC-AC1667EBCBE1}">
-              <a14:hiddenEffects xmlns:a14="http://schemas.microsoft.com/office/drawing/2010/main" xmlns="">
+              <a14:hiddenEffects xmlns="" xmlns:a14="http://schemas.microsoft.com/office/drawing/2010/main">
                 <a:effectLst>
                   <a:outerShdw blurRad="63500" dist="107763" dir="2700000" algn="ctr" rotWithShape="0">
                     <a:schemeClr val="bg2">
@@ -29505,14 +29505,14 @@
           <a:effectLst/>
           <a:extLst>
             <a:ext uri="{909E8E84-426E-40dd-AFC4-6F175D3DCCD1}">
-              <a14:hiddenFill xmlns:a14="http://schemas.microsoft.com/office/drawing/2010/main" xmlns="">
+              <a14:hiddenFill xmlns="" xmlns:a14="http://schemas.microsoft.com/office/drawing/2010/main">
                 <a:solidFill>
                   <a:srgbClr val="FFFF99"/>
                 </a:solidFill>
               </a14:hiddenFill>
             </a:ext>
             <a:ext uri="{AF507438-7753-43e0-B8FC-AC1667EBCBE1}">
-              <a14:hiddenEffects xmlns:a14="http://schemas.microsoft.com/office/drawing/2010/main" xmlns="">
+              <a14:hiddenEffects xmlns="" xmlns:a14="http://schemas.microsoft.com/office/drawing/2010/main">
                 <a:effectLst>
                   <a:outerShdw blurRad="63500" dist="107763" dir="2700000" algn="ctr" rotWithShape="0">
                     <a:schemeClr val="bg2">
@@ -29602,7 +29602,7 @@
           <a:effectLst/>
           <a:extLst>
             <a:ext uri="{AF507438-7753-43e0-B8FC-AC1667EBCBE1}">
-              <a14:hiddenEffects xmlns:a14="http://schemas.microsoft.com/office/drawing/2010/main" xmlns="">
+              <a14:hiddenEffects xmlns="" xmlns:a14="http://schemas.microsoft.com/office/drawing/2010/main">
                 <a:effectLst>
                   <a:outerShdw blurRad="63500" dist="38099" dir="2700000" algn="ctr" rotWithShape="0">
                     <a:schemeClr val="bg2">
@@ -29652,7 +29652,7 @@
           <a:effectLst/>
           <a:extLst>
             <a:ext uri="{AF507438-7753-43e0-B8FC-AC1667EBCBE1}">
-              <a14:hiddenEffects xmlns:a14="http://schemas.microsoft.com/office/drawing/2010/main" xmlns="">
+              <a14:hiddenEffects xmlns="" xmlns:a14="http://schemas.microsoft.com/office/drawing/2010/main">
                 <a:effectLst>
                   <a:outerShdw blurRad="63500" dist="38099" dir="2700000" algn="ctr" rotWithShape="0">
                     <a:schemeClr val="bg2">
@@ -29708,14 +29708,14 @@
           <a:effectLst/>
           <a:extLst>
             <a:ext uri="{909E8E84-426E-40dd-AFC4-6F175D3DCCD1}">
-              <a14:hiddenFill xmlns:a14="http://schemas.microsoft.com/office/drawing/2010/main" xmlns="">
+              <a14:hiddenFill xmlns="" xmlns:a14="http://schemas.microsoft.com/office/drawing/2010/main">
                 <a:solidFill>
                   <a:schemeClr val="accent1"/>
                 </a:solidFill>
               </a14:hiddenFill>
             </a:ext>
             <a:ext uri="{AF507438-7753-43e0-B8FC-AC1667EBCBE1}">
-              <a14:hiddenEffects xmlns:a14="http://schemas.microsoft.com/office/drawing/2010/main" xmlns="">
+              <a14:hiddenEffects xmlns="" xmlns:a14="http://schemas.microsoft.com/office/drawing/2010/main">
                 <a:effectLst>
                   <a:outerShdw blurRad="63500" dist="38099" dir="2700000" algn="ctr" rotWithShape="0">
                     <a:schemeClr val="bg2">
@@ -29767,12 +29767,12 @@
           <a:effectLst/>
           <a:extLst>
             <a:ext uri="{909E8E84-426E-40dd-AFC4-6F175D3DCCD1}">
-              <a14:hiddenFill xmlns:a14="http://schemas.microsoft.com/office/drawing/2010/main" xmlns="">
+              <a14:hiddenFill xmlns="" xmlns:a14="http://schemas.microsoft.com/office/drawing/2010/main">
                 <a:noFill/>
               </a14:hiddenFill>
             </a:ext>
             <a:ext uri="{AF507438-7753-43e0-B8FC-AC1667EBCBE1}">
-              <a14:hiddenEffects xmlns:a14="http://schemas.microsoft.com/office/drawing/2010/main" xmlns="">
+              <a14:hiddenEffects xmlns="" xmlns:a14="http://schemas.microsoft.com/office/drawing/2010/main">
                 <a:effectLst>
                   <a:outerShdw blurRad="63500" dist="38099" dir="2700000" algn="ctr" rotWithShape="0">
                     <a:schemeClr val="bg2">
@@ -29817,7 +29817,7 @@
           <a:effectLst/>
           <a:extLst>
             <a:ext uri="{91240B29-F687-4f45-9708-019B960494DF}">
-              <a14:hiddenLine xmlns:a14="http://schemas.microsoft.com/office/drawing/2010/main" xmlns="" w="9525">
+              <a14:hiddenLine xmlns="" xmlns:a14="http://schemas.microsoft.com/office/drawing/2010/main" w="9525">
                 <a:solidFill>
                   <a:schemeClr val="tx1"/>
                 </a:solidFill>
@@ -29827,7 +29827,7 @@
               </a14:hiddenLine>
             </a:ext>
             <a:ext uri="{AF507438-7753-43e0-B8FC-AC1667EBCBE1}">
-              <a14:hiddenEffects xmlns:a14="http://schemas.microsoft.com/office/drawing/2010/main" xmlns="">
+              <a14:hiddenEffects xmlns="" xmlns:a14="http://schemas.microsoft.com/office/drawing/2010/main">
                 <a:effectLst>
                   <a:outerShdw blurRad="63500" dist="38099" dir="2700000" algn="ctr" rotWithShape="0">
                     <a:schemeClr val="bg2">
@@ -29882,7 +29882,7 @@
           <a:effectLst/>
           <a:extLst>
             <a:ext uri="{AF507438-7753-43e0-B8FC-AC1667EBCBE1}">
-              <a14:hiddenEffects xmlns:a14="http://schemas.microsoft.com/office/drawing/2010/main" xmlns="">
+              <a14:hiddenEffects xmlns="" xmlns:a14="http://schemas.microsoft.com/office/drawing/2010/main">
                 <a:effectLst>
                   <a:outerShdw blurRad="63500" dist="38099" dir="2700000" algn="ctr" rotWithShape="0">
                     <a:schemeClr val="bg2">
@@ -29936,7 +29936,7 @@
           <a:effectLst/>
           <a:extLst>
             <a:ext uri="{AF507438-7753-43e0-B8FC-AC1667EBCBE1}">
-              <a14:hiddenEffects xmlns:a14="http://schemas.microsoft.com/office/drawing/2010/main" xmlns="">
+              <a14:hiddenEffects xmlns="" xmlns:a14="http://schemas.microsoft.com/office/drawing/2010/main">
                 <a:effectLst>
                   <a:outerShdw blurRad="63500" dist="38099" dir="2700000" algn="ctr" rotWithShape="0">
                     <a:schemeClr val="bg2">
@@ -29988,12 +29988,12 @@
           <a:effectLst/>
           <a:extLst>
             <a:ext uri="{909E8E84-426E-40dd-AFC4-6F175D3DCCD1}">
-              <a14:hiddenFill xmlns:a14="http://schemas.microsoft.com/office/drawing/2010/main" xmlns="">
+              <a14:hiddenFill xmlns="" xmlns:a14="http://schemas.microsoft.com/office/drawing/2010/main">
                 <a:noFill/>
               </a14:hiddenFill>
             </a:ext>
             <a:ext uri="{AF507438-7753-43e0-B8FC-AC1667EBCBE1}">
-              <a14:hiddenEffects xmlns:a14="http://schemas.microsoft.com/office/drawing/2010/main" xmlns="">
+              <a14:hiddenEffects xmlns="" xmlns:a14="http://schemas.microsoft.com/office/drawing/2010/main">
                 <a:effectLst>
                   <a:outerShdw blurRad="63500" dist="38099" dir="2700000" algn="ctr" rotWithShape="0">
                     <a:schemeClr val="bg2">
@@ -30041,12 +30041,12 @@
           <a:effectLst/>
           <a:extLst>
             <a:ext uri="{909E8E84-426E-40dd-AFC4-6F175D3DCCD1}">
-              <a14:hiddenFill xmlns:a14="http://schemas.microsoft.com/office/drawing/2010/main" xmlns="">
+              <a14:hiddenFill xmlns="" xmlns:a14="http://schemas.microsoft.com/office/drawing/2010/main">
                 <a:noFill/>
               </a14:hiddenFill>
             </a:ext>
             <a:ext uri="{AF507438-7753-43e0-B8FC-AC1667EBCBE1}">
-              <a14:hiddenEffects xmlns:a14="http://schemas.microsoft.com/office/drawing/2010/main" xmlns="">
+              <a14:hiddenEffects xmlns="" xmlns:a14="http://schemas.microsoft.com/office/drawing/2010/main">
                 <a:effectLst>
                   <a:outerShdw blurRad="63500" dist="38099" dir="2700000" algn="ctr" rotWithShape="0">
                     <a:schemeClr val="bg2">
@@ -30089,14 +30089,14 @@
           <a:effectLst/>
           <a:extLst>
             <a:ext uri="{909E8E84-426E-40dd-AFC4-6F175D3DCCD1}">
-              <a14:hiddenFill xmlns:a14="http://schemas.microsoft.com/office/drawing/2010/main" xmlns="">
+              <a14:hiddenFill xmlns="" xmlns:a14="http://schemas.microsoft.com/office/drawing/2010/main">
                 <a:solidFill>
                   <a:schemeClr val="bg1"/>
                 </a:solidFill>
               </a14:hiddenFill>
             </a:ext>
             <a:ext uri="{91240B29-F687-4f45-9708-019B960494DF}">
-              <a14:hiddenLine xmlns:a14="http://schemas.microsoft.com/office/drawing/2010/main" xmlns="" w="9525">
+              <a14:hiddenLine xmlns="" xmlns:a14="http://schemas.microsoft.com/office/drawing/2010/main" w="9525">
                 <a:solidFill>
                   <a:schemeClr val="tx1"/>
                 </a:solidFill>
@@ -30106,7 +30106,7 @@
               </a14:hiddenLine>
             </a:ext>
             <a:ext uri="{AF507438-7753-43e0-B8FC-AC1667EBCBE1}">
-              <a14:hiddenEffects xmlns:a14="http://schemas.microsoft.com/office/drawing/2010/main" xmlns="">
+              <a14:hiddenEffects xmlns="" xmlns:a14="http://schemas.microsoft.com/office/drawing/2010/main">
                 <a:effectLst>
                   <a:outerShdw blurRad="63500" dist="38099" dir="2700000" algn="ctr" rotWithShape="0">
                     <a:schemeClr val="bg2">
@@ -30162,7 +30162,7 @@
           <a:effectLst/>
           <a:extLst>
             <a:ext uri="{AF507438-7753-43e0-B8FC-AC1667EBCBE1}">
-              <a14:hiddenEffects xmlns:a14="http://schemas.microsoft.com/office/drawing/2010/main" xmlns="">
+              <a14:hiddenEffects xmlns="" xmlns:a14="http://schemas.microsoft.com/office/drawing/2010/main">
                 <a:effectLst>
                   <a:outerShdw blurRad="63500" dist="38099" dir="2700000" algn="ctr" rotWithShape="0">
                     <a:schemeClr val="bg2">
@@ -30216,7 +30216,7 @@
           <a:effectLst/>
           <a:extLst>
             <a:ext uri="{AF507438-7753-43e0-B8FC-AC1667EBCBE1}">
-              <a14:hiddenEffects xmlns:a14="http://schemas.microsoft.com/office/drawing/2010/main" xmlns="">
+              <a14:hiddenEffects xmlns="" xmlns:a14="http://schemas.microsoft.com/office/drawing/2010/main">
                 <a:effectLst>
                   <a:outerShdw blurRad="63500" dist="38099" dir="2700000" algn="ctr" rotWithShape="0">
                     <a:schemeClr val="bg2">
@@ -30268,12 +30268,12 @@
           <a:effectLst/>
           <a:extLst>
             <a:ext uri="{909E8E84-426E-40dd-AFC4-6F175D3DCCD1}">
-              <a14:hiddenFill xmlns:a14="http://schemas.microsoft.com/office/drawing/2010/main" xmlns="">
+              <a14:hiddenFill xmlns="" xmlns:a14="http://schemas.microsoft.com/office/drawing/2010/main">
                 <a:noFill/>
               </a14:hiddenFill>
             </a:ext>
             <a:ext uri="{AF507438-7753-43e0-B8FC-AC1667EBCBE1}">
-              <a14:hiddenEffects xmlns:a14="http://schemas.microsoft.com/office/drawing/2010/main" xmlns="">
+              <a14:hiddenEffects xmlns="" xmlns:a14="http://schemas.microsoft.com/office/drawing/2010/main">
                 <a:effectLst>
                   <a:outerShdw blurRad="63500" dist="38099" dir="2700000" algn="ctr" rotWithShape="0">
                     <a:schemeClr val="bg2">
@@ -30321,12 +30321,12 @@
           <a:effectLst/>
           <a:extLst>
             <a:ext uri="{909E8E84-426E-40dd-AFC4-6F175D3DCCD1}">
-              <a14:hiddenFill xmlns:a14="http://schemas.microsoft.com/office/drawing/2010/main" xmlns="">
+              <a14:hiddenFill xmlns="" xmlns:a14="http://schemas.microsoft.com/office/drawing/2010/main">
                 <a:noFill/>
               </a14:hiddenFill>
             </a:ext>
             <a:ext uri="{AF507438-7753-43e0-B8FC-AC1667EBCBE1}">
-              <a14:hiddenEffects xmlns:a14="http://schemas.microsoft.com/office/drawing/2010/main" xmlns="">
+              <a14:hiddenEffects xmlns="" xmlns:a14="http://schemas.microsoft.com/office/drawing/2010/main">
                 <a:effectLst>
                   <a:outerShdw blurRad="63500" dist="38099" dir="2700000" algn="ctr" rotWithShape="0">
                     <a:schemeClr val="bg2">
@@ -30369,14 +30369,14 @@
           <a:effectLst/>
           <a:extLst>
             <a:ext uri="{909E8E84-426E-40dd-AFC4-6F175D3DCCD1}">
-              <a14:hiddenFill xmlns:a14="http://schemas.microsoft.com/office/drawing/2010/main" xmlns="">
+              <a14:hiddenFill xmlns="" xmlns:a14="http://schemas.microsoft.com/office/drawing/2010/main">
                 <a:solidFill>
                   <a:schemeClr val="bg1"/>
                 </a:solidFill>
               </a14:hiddenFill>
             </a:ext>
             <a:ext uri="{91240B29-F687-4f45-9708-019B960494DF}">
-              <a14:hiddenLine xmlns:a14="http://schemas.microsoft.com/office/drawing/2010/main" xmlns="" w="9525">
+              <a14:hiddenLine xmlns="" xmlns:a14="http://schemas.microsoft.com/office/drawing/2010/main" w="9525">
                 <a:solidFill>
                   <a:schemeClr val="tx1"/>
                 </a:solidFill>
@@ -30386,7 +30386,7 @@
               </a14:hiddenLine>
             </a:ext>
             <a:ext uri="{AF507438-7753-43e0-B8FC-AC1667EBCBE1}">
-              <a14:hiddenEffects xmlns:a14="http://schemas.microsoft.com/office/drawing/2010/main" xmlns="">
+              <a14:hiddenEffects xmlns="" xmlns:a14="http://schemas.microsoft.com/office/drawing/2010/main">
                 <a:effectLst>
                   <a:outerShdw blurRad="63500" dist="38099" dir="2700000" algn="ctr" rotWithShape="0">
                     <a:schemeClr val="bg2">
@@ -30444,12 +30444,12 @@
           <a:effectLst/>
           <a:extLst>
             <a:ext uri="{909E8E84-426E-40dd-AFC4-6F175D3DCCD1}">
-              <a14:hiddenFill xmlns:a14="http://schemas.microsoft.com/office/drawing/2010/main" xmlns="">
+              <a14:hiddenFill xmlns="" xmlns:a14="http://schemas.microsoft.com/office/drawing/2010/main">
                 <a:noFill/>
               </a14:hiddenFill>
             </a:ext>
             <a:ext uri="{AF507438-7753-43e0-B8FC-AC1667EBCBE1}">
-              <a14:hiddenEffects xmlns:a14="http://schemas.microsoft.com/office/drawing/2010/main" xmlns="">
+              <a14:hiddenEffects xmlns="" xmlns:a14="http://schemas.microsoft.com/office/drawing/2010/main">
                 <a:effectLst>
                   <a:outerShdw blurRad="63500" dist="38099" dir="2700000" algn="ctr" rotWithShape="0">
                     <a:schemeClr val="bg2">
@@ -30490,12 +30490,12 @@
           <a:effectLst/>
           <a:extLst>
             <a:ext uri="{909E8E84-426E-40dd-AFC4-6F175D3DCCD1}">
-              <a14:hiddenFill xmlns:a14="http://schemas.microsoft.com/office/drawing/2010/main" xmlns="">
+              <a14:hiddenFill xmlns="" xmlns:a14="http://schemas.microsoft.com/office/drawing/2010/main">
                 <a:noFill/>
               </a14:hiddenFill>
             </a:ext>
             <a:ext uri="{AF507438-7753-43e0-B8FC-AC1667EBCBE1}">
-              <a14:hiddenEffects xmlns:a14="http://schemas.microsoft.com/office/drawing/2010/main" xmlns="">
+              <a14:hiddenEffects xmlns="" xmlns:a14="http://schemas.microsoft.com/office/drawing/2010/main">
                 <a:effectLst>
                   <a:outerShdw blurRad="63500" dist="38099" dir="2700000" algn="ctr" rotWithShape="0">
                     <a:schemeClr val="bg2">
@@ -30538,14 +30538,14 @@
           <a:effectLst/>
           <a:extLst>
             <a:ext uri="{909E8E84-426E-40dd-AFC4-6F175D3DCCD1}">
-              <a14:hiddenFill xmlns:a14="http://schemas.microsoft.com/office/drawing/2010/main" xmlns="">
+              <a14:hiddenFill xmlns="" xmlns:a14="http://schemas.microsoft.com/office/drawing/2010/main">
                 <a:solidFill>
                   <a:schemeClr val="bg1"/>
                 </a:solidFill>
               </a14:hiddenFill>
             </a:ext>
             <a:ext uri="{91240B29-F687-4f45-9708-019B960494DF}">
-              <a14:hiddenLine xmlns:a14="http://schemas.microsoft.com/office/drawing/2010/main" xmlns="" w="9525">
+              <a14:hiddenLine xmlns="" xmlns:a14="http://schemas.microsoft.com/office/drawing/2010/main" w="9525">
                 <a:solidFill>
                   <a:schemeClr val="tx1"/>
                 </a:solidFill>
@@ -30555,7 +30555,7 @@
               </a14:hiddenLine>
             </a:ext>
             <a:ext uri="{AF507438-7753-43e0-B8FC-AC1667EBCBE1}">
-              <a14:hiddenEffects xmlns:a14="http://schemas.microsoft.com/office/drawing/2010/main" xmlns="">
+              <a14:hiddenEffects xmlns="" xmlns:a14="http://schemas.microsoft.com/office/drawing/2010/main">
                 <a:effectLst>
                   <a:outerShdw blurRad="63500" dist="38099" dir="2700000" algn="ctr" rotWithShape="0">
                     <a:schemeClr val="bg2">
@@ -30610,7 +30610,7 @@
           <a:effectLst/>
           <a:extLst>
             <a:ext uri="{AF507438-7753-43e0-B8FC-AC1667EBCBE1}">
-              <a14:hiddenEffects xmlns:a14="http://schemas.microsoft.com/office/drawing/2010/main" xmlns="">
+              <a14:hiddenEffects xmlns="" xmlns:a14="http://schemas.microsoft.com/office/drawing/2010/main">
                 <a:effectLst>
                   <a:outerShdw blurRad="63500" dist="38099" dir="2700000" algn="ctr" rotWithShape="0">
                     <a:schemeClr val="bg2">
@@ -30662,12 +30662,12 @@
           <a:effectLst/>
           <a:extLst>
             <a:ext uri="{909E8E84-426E-40dd-AFC4-6F175D3DCCD1}">
-              <a14:hiddenFill xmlns:a14="http://schemas.microsoft.com/office/drawing/2010/main" xmlns="">
+              <a14:hiddenFill xmlns="" xmlns:a14="http://schemas.microsoft.com/office/drawing/2010/main">
                 <a:noFill/>
               </a14:hiddenFill>
             </a:ext>
             <a:ext uri="{AF507438-7753-43e0-B8FC-AC1667EBCBE1}">
-              <a14:hiddenEffects xmlns:a14="http://schemas.microsoft.com/office/drawing/2010/main" xmlns="">
+              <a14:hiddenEffects xmlns="" xmlns:a14="http://schemas.microsoft.com/office/drawing/2010/main">
                 <a:effectLst>
                   <a:outerShdw blurRad="63500" dist="38099" dir="2700000" algn="ctr" rotWithShape="0">
                     <a:schemeClr val="bg2">
@@ -30715,12 +30715,12 @@
           <a:effectLst/>
           <a:extLst>
             <a:ext uri="{909E8E84-426E-40dd-AFC4-6F175D3DCCD1}">
-              <a14:hiddenFill xmlns:a14="http://schemas.microsoft.com/office/drawing/2010/main" xmlns="">
+              <a14:hiddenFill xmlns="" xmlns:a14="http://schemas.microsoft.com/office/drawing/2010/main">
                 <a:noFill/>
               </a14:hiddenFill>
             </a:ext>
             <a:ext uri="{AF507438-7753-43e0-B8FC-AC1667EBCBE1}">
-              <a14:hiddenEffects xmlns:a14="http://schemas.microsoft.com/office/drawing/2010/main" xmlns="">
+              <a14:hiddenEffects xmlns="" xmlns:a14="http://schemas.microsoft.com/office/drawing/2010/main">
                 <a:effectLst>
                   <a:outerShdw blurRad="63500" dist="38099" dir="2700000" algn="ctr" rotWithShape="0">
                     <a:schemeClr val="bg2">
@@ -30763,14 +30763,14 @@
           <a:effectLst/>
           <a:extLst>
             <a:ext uri="{909E8E84-426E-40dd-AFC4-6F175D3DCCD1}">
-              <a14:hiddenFill xmlns:a14="http://schemas.microsoft.com/office/drawing/2010/main" xmlns="">
+              <a14:hiddenFill xmlns="" xmlns:a14="http://schemas.microsoft.com/office/drawing/2010/main">
                 <a:solidFill>
                   <a:schemeClr val="bg1"/>
                 </a:solidFill>
               </a14:hiddenFill>
             </a:ext>
             <a:ext uri="{91240B29-F687-4f45-9708-019B960494DF}">
-              <a14:hiddenLine xmlns:a14="http://schemas.microsoft.com/office/drawing/2010/main" xmlns="" w="9525">
+              <a14:hiddenLine xmlns="" xmlns:a14="http://schemas.microsoft.com/office/drawing/2010/main" w="9525">
                 <a:solidFill>
                   <a:schemeClr val="tx1"/>
                 </a:solidFill>
@@ -30780,7 +30780,7 @@
               </a14:hiddenLine>
             </a:ext>
             <a:ext uri="{AF507438-7753-43e0-B8FC-AC1667EBCBE1}">
-              <a14:hiddenEffects xmlns:a14="http://schemas.microsoft.com/office/drawing/2010/main" xmlns="">
+              <a14:hiddenEffects xmlns="" xmlns:a14="http://schemas.microsoft.com/office/drawing/2010/main">
                 <a:effectLst>
                   <a:outerShdw blurRad="63500" dist="38099" dir="2700000" algn="ctr" rotWithShape="0">
                     <a:schemeClr val="bg2">
@@ -30835,7 +30835,7 @@
           <a:effectLst/>
           <a:extLst>
             <a:ext uri="{AF507438-7753-43e0-B8FC-AC1667EBCBE1}">
-              <a14:hiddenEffects xmlns:a14="http://schemas.microsoft.com/office/drawing/2010/main" xmlns="">
+              <a14:hiddenEffects xmlns="" xmlns:a14="http://schemas.microsoft.com/office/drawing/2010/main">
                 <a:effectLst>
                   <a:outerShdw blurRad="63500" dist="38099" dir="2700000" algn="ctr" rotWithShape="0">
                     <a:schemeClr val="bg2">
@@ -30889,7 +30889,7 @@
           <a:effectLst/>
           <a:extLst>
             <a:ext uri="{AF507438-7753-43e0-B8FC-AC1667EBCBE1}">
-              <a14:hiddenEffects xmlns:a14="http://schemas.microsoft.com/office/drawing/2010/main" xmlns="">
+              <a14:hiddenEffects xmlns="" xmlns:a14="http://schemas.microsoft.com/office/drawing/2010/main">
                 <a:effectLst>
                   <a:outerShdw blurRad="63500" dist="38099" dir="2700000" algn="ctr" rotWithShape="0">
                     <a:schemeClr val="bg2">
@@ -30943,7 +30943,7 @@
           <a:effectLst/>
           <a:extLst>
             <a:ext uri="{AF507438-7753-43e0-B8FC-AC1667EBCBE1}">
-              <a14:hiddenEffects xmlns:a14="http://schemas.microsoft.com/office/drawing/2010/main" xmlns="">
+              <a14:hiddenEffects xmlns="" xmlns:a14="http://schemas.microsoft.com/office/drawing/2010/main">
                 <a:effectLst>
                   <a:outerShdw blurRad="63500" dist="38099" dir="2700000" algn="ctr" rotWithShape="0">
                     <a:schemeClr val="bg2">
@@ -30997,7 +30997,7 @@
           <a:effectLst/>
           <a:extLst>
             <a:ext uri="{AF507438-7753-43e0-B8FC-AC1667EBCBE1}">
-              <a14:hiddenEffects xmlns:a14="http://schemas.microsoft.com/office/drawing/2010/main" xmlns="">
+              <a14:hiddenEffects xmlns="" xmlns:a14="http://schemas.microsoft.com/office/drawing/2010/main">
                 <a:effectLst>
                   <a:outerShdw blurRad="63500" dist="38099" dir="2700000" algn="ctr" rotWithShape="0">
                     <a:schemeClr val="bg2">
@@ -31051,7 +31051,7 @@
           <a:effectLst/>
           <a:extLst>
             <a:ext uri="{AF507438-7753-43e0-B8FC-AC1667EBCBE1}">
-              <a14:hiddenEffects xmlns:a14="http://schemas.microsoft.com/office/drawing/2010/main" xmlns="">
+              <a14:hiddenEffects xmlns="" xmlns:a14="http://schemas.microsoft.com/office/drawing/2010/main">
                 <a:effectLst>
                   <a:outerShdw blurRad="63500" dist="38099" dir="2700000" algn="ctr" rotWithShape="0">
                     <a:schemeClr val="bg2">
@@ -31104,12 +31104,12 @@
           <a:effectLst/>
           <a:extLst>
             <a:ext uri="{909E8E84-426E-40dd-AFC4-6F175D3DCCD1}">
-              <a14:hiddenFill xmlns:a14="http://schemas.microsoft.com/office/drawing/2010/main" xmlns="">
+              <a14:hiddenFill xmlns="" xmlns:a14="http://schemas.microsoft.com/office/drawing/2010/main">
                 <a:noFill/>
               </a14:hiddenFill>
             </a:ext>
             <a:ext uri="{AF507438-7753-43e0-B8FC-AC1667EBCBE1}">
-              <a14:hiddenEffects xmlns:a14="http://schemas.microsoft.com/office/drawing/2010/main" xmlns="">
+              <a14:hiddenEffects xmlns="" xmlns:a14="http://schemas.microsoft.com/office/drawing/2010/main">
                 <a:effectLst>
                   <a:outerShdw blurRad="63500" dist="38099" dir="2700000" algn="ctr" rotWithShape="0">
                     <a:schemeClr val="bg2">
@@ -31158,12 +31158,12 @@
           <a:effectLst/>
           <a:extLst>
             <a:ext uri="{909E8E84-426E-40dd-AFC4-6F175D3DCCD1}">
-              <a14:hiddenFill xmlns:a14="http://schemas.microsoft.com/office/drawing/2010/main" xmlns="">
+              <a14:hiddenFill xmlns="" xmlns:a14="http://schemas.microsoft.com/office/drawing/2010/main">
                 <a:noFill/>
               </a14:hiddenFill>
             </a:ext>
             <a:ext uri="{AF507438-7753-43e0-B8FC-AC1667EBCBE1}">
-              <a14:hiddenEffects xmlns:a14="http://schemas.microsoft.com/office/drawing/2010/main" xmlns="">
+              <a14:hiddenEffects xmlns="" xmlns:a14="http://schemas.microsoft.com/office/drawing/2010/main">
                 <a:effectLst>
                   <a:outerShdw blurRad="63500" dist="38099" dir="2700000" algn="ctr" rotWithShape="0">
                     <a:schemeClr val="bg2">
@@ -31212,12 +31212,12 @@
           <a:effectLst/>
           <a:extLst>
             <a:ext uri="{909E8E84-426E-40dd-AFC4-6F175D3DCCD1}">
-              <a14:hiddenFill xmlns:a14="http://schemas.microsoft.com/office/drawing/2010/main" xmlns="">
+              <a14:hiddenFill xmlns="" xmlns:a14="http://schemas.microsoft.com/office/drawing/2010/main">
                 <a:noFill/>
               </a14:hiddenFill>
             </a:ext>
             <a:ext uri="{AF507438-7753-43e0-B8FC-AC1667EBCBE1}">
-              <a14:hiddenEffects xmlns:a14="http://schemas.microsoft.com/office/drawing/2010/main" xmlns="">
+              <a14:hiddenEffects xmlns="" xmlns:a14="http://schemas.microsoft.com/office/drawing/2010/main">
                 <a:effectLst>
                   <a:outerShdw blurRad="63500" dist="38099" dir="2700000" algn="ctr" rotWithShape="0">
                     <a:schemeClr val="bg2">
@@ -31266,12 +31266,12 @@
           <a:effectLst/>
           <a:extLst>
             <a:ext uri="{909E8E84-426E-40dd-AFC4-6F175D3DCCD1}">
-              <a14:hiddenFill xmlns:a14="http://schemas.microsoft.com/office/drawing/2010/main" xmlns="">
+              <a14:hiddenFill xmlns="" xmlns:a14="http://schemas.microsoft.com/office/drawing/2010/main">
                 <a:noFill/>
               </a14:hiddenFill>
             </a:ext>
             <a:ext uri="{AF507438-7753-43e0-B8FC-AC1667EBCBE1}">
-              <a14:hiddenEffects xmlns:a14="http://schemas.microsoft.com/office/drawing/2010/main" xmlns="">
+              <a14:hiddenEffects xmlns="" xmlns:a14="http://schemas.microsoft.com/office/drawing/2010/main">
                 <a:effectLst>
                   <a:outerShdw blurRad="63500" dist="38099" dir="2700000" algn="ctr" rotWithShape="0">
                     <a:schemeClr val="bg2">
@@ -31320,12 +31320,12 @@
           <a:effectLst/>
           <a:extLst>
             <a:ext uri="{909E8E84-426E-40dd-AFC4-6F175D3DCCD1}">
-              <a14:hiddenFill xmlns:a14="http://schemas.microsoft.com/office/drawing/2010/main" xmlns="">
+              <a14:hiddenFill xmlns="" xmlns:a14="http://schemas.microsoft.com/office/drawing/2010/main">
                 <a:noFill/>
               </a14:hiddenFill>
             </a:ext>
             <a:ext uri="{AF507438-7753-43e0-B8FC-AC1667EBCBE1}">
-              <a14:hiddenEffects xmlns:a14="http://schemas.microsoft.com/office/drawing/2010/main" xmlns="">
+              <a14:hiddenEffects xmlns="" xmlns:a14="http://schemas.microsoft.com/office/drawing/2010/main">
                 <a:effectLst>
                   <a:outerShdw blurRad="63500" dist="38099" dir="2700000" algn="ctr" rotWithShape="0">
                     <a:schemeClr val="bg2">
@@ -31374,12 +31374,12 @@
           <a:effectLst/>
           <a:extLst>
             <a:ext uri="{909E8E84-426E-40dd-AFC4-6F175D3DCCD1}">
-              <a14:hiddenFill xmlns:a14="http://schemas.microsoft.com/office/drawing/2010/main" xmlns="">
+              <a14:hiddenFill xmlns="" xmlns:a14="http://schemas.microsoft.com/office/drawing/2010/main">
                 <a:noFill/>
               </a14:hiddenFill>
             </a:ext>
             <a:ext uri="{AF507438-7753-43e0-B8FC-AC1667EBCBE1}">
-              <a14:hiddenEffects xmlns:a14="http://schemas.microsoft.com/office/drawing/2010/main" xmlns="">
+              <a14:hiddenEffects xmlns="" xmlns:a14="http://schemas.microsoft.com/office/drawing/2010/main">
                 <a:effectLst>
                   <a:outerShdw blurRad="63500" dist="38099" dir="2700000" algn="ctr" rotWithShape="0">
                     <a:schemeClr val="bg2">
@@ -31422,14 +31422,14 @@
           <a:effectLst/>
           <a:extLst>
             <a:ext uri="{909E8E84-426E-40dd-AFC4-6F175D3DCCD1}">
-              <a14:hiddenFill xmlns:a14="http://schemas.microsoft.com/office/drawing/2010/main" xmlns="">
+              <a14:hiddenFill xmlns="" xmlns:a14="http://schemas.microsoft.com/office/drawing/2010/main">
                 <a:solidFill>
                   <a:schemeClr val="bg1"/>
                 </a:solidFill>
               </a14:hiddenFill>
             </a:ext>
             <a:ext uri="{91240B29-F687-4f45-9708-019B960494DF}">
-              <a14:hiddenLine xmlns:a14="http://schemas.microsoft.com/office/drawing/2010/main" xmlns="" w="9525">
+              <a14:hiddenLine xmlns="" xmlns:a14="http://schemas.microsoft.com/office/drawing/2010/main" w="9525">
                 <a:solidFill>
                   <a:schemeClr val="tx1"/>
                 </a:solidFill>
@@ -31439,7 +31439,7 @@
               </a14:hiddenLine>
             </a:ext>
             <a:ext uri="{AF507438-7753-43e0-B8FC-AC1667EBCBE1}">
-              <a14:hiddenEffects xmlns:a14="http://schemas.microsoft.com/office/drawing/2010/main" xmlns="">
+              <a14:hiddenEffects xmlns="" xmlns:a14="http://schemas.microsoft.com/office/drawing/2010/main">
                 <a:effectLst>
                   <a:outerShdw blurRad="63500" dist="38099" dir="2700000" algn="ctr" rotWithShape="0">
                     <a:schemeClr val="bg2">
@@ -31487,14 +31487,14 @@
           <a:effectLst/>
           <a:extLst>
             <a:ext uri="{909E8E84-426E-40dd-AFC4-6F175D3DCCD1}">
-              <a14:hiddenFill xmlns:a14="http://schemas.microsoft.com/office/drawing/2010/main" xmlns="">
+              <a14:hiddenFill xmlns="" xmlns:a14="http://schemas.microsoft.com/office/drawing/2010/main">
                 <a:solidFill>
                   <a:schemeClr val="bg1"/>
                 </a:solidFill>
               </a14:hiddenFill>
             </a:ext>
             <a:ext uri="{91240B29-F687-4f45-9708-019B960494DF}">
-              <a14:hiddenLine xmlns:a14="http://schemas.microsoft.com/office/drawing/2010/main" xmlns="" w="9525">
+              <a14:hiddenLine xmlns="" xmlns:a14="http://schemas.microsoft.com/office/drawing/2010/main" w="9525">
                 <a:solidFill>
                   <a:schemeClr val="tx1"/>
                 </a:solidFill>
@@ -31504,7 +31504,7 @@
               </a14:hiddenLine>
             </a:ext>
             <a:ext uri="{AF507438-7753-43e0-B8FC-AC1667EBCBE1}">
-              <a14:hiddenEffects xmlns:a14="http://schemas.microsoft.com/office/drawing/2010/main" xmlns="">
+              <a14:hiddenEffects xmlns="" xmlns:a14="http://schemas.microsoft.com/office/drawing/2010/main">
                 <a:effectLst>
                   <a:outerShdw blurRad="63500" dist="38099" dir="2700000" algn="ctr" rotWithShape="0">
                     <a:schemeClr val="bg2">
@@ -31553,14 +31553,14 @@
           <a:effectLst/>
           <a:extLst>
             <a:ext uri="{909E8E84-426E-40dd-AFC4-6F175D3DCCD1}">
-              <a14:hiddenFill xmlns:a14="http://schemas.microsoft.com/office/drawing/2010/main" xmlns="">
+              <a14:hiddenFill xmlns="" xmlns:a14="http://schemas.microsoft.com/office/drawing/2010/main">
                 <a:solidFill>
                   <a:schemeClr val="bg1"/>
                 </a:solidFill>
               </a14:hiddenFill>
             </a:ext>
             <a:ext uri="{91240B29-F687-4f45-9708-019B960494DF}">
-              <a14:hiddenLine xmlns:a14="http://schemas.microsoft.com/office/drawing/2010/main" xmlns="" w="9525">
+              <a14:hiddenLine xmlns="" xmlns:a14="http://schemas.microsoft.com/office/drawing/2010/main" w="9525">
                 <a:solidFill>
                   <a:schemeClr val="tx1"/>
                 </a:solidFill>
@@ -31570,7 +31570,7 @@
               </a14:hiddenLine>
             </a:ext>
             <a:ext uri="{AF507438-7753-43e0-B8FC-AC1667EBCBE1}">
-              <a14:hiddenEffects xmlns:a14="http://schemas.microsoft.com/office/drawing/2010/main" xmlns="">
+              <a14:hiddenEffects xmlns="" xmlns:a14="http://schemas.microsoft.com/office/drawing/2010/main">
                 <a:effectLst>
                   <a:outerShdw blurRad="63500" dist="38099" dir="2700000" algn="ctr" rotWithShape="0">
                     <a:schemeClr val="bg2">
@@ -31618,14 +31618,14 @@
           </a:ln>
           <a:extLst>
             <a:ext uri="{909E8E84-426E-40dd-AFC4-6F175D3DCCD1}">
-              <a14:hiddenFill xmlns:a14="http://schemas.microsoft.com/office/drawing/2010/main" xmlns="">
+              <a14:hiddenFill xmlns="" xmlns:a14="http://schemas.microsoft.com/office/drawing/2010/main">
                 <a:solidFill>
                   <a:srgbClr val="FFFFFF"/>
                 </a:solidFill>
               </a14:hiddenFill>
             </a:ext>
             <a:ext uri="{91240B29-F687-4f45-9708-019B960494DF}">
-              <a14:hiddenLine xmlns:a14="http://schemas.microsoft.com/office/drawing/2010/main" xmlns="" w="9525">
+              <a14:hiddenLine xmlns="" xmlns:a14="http://schemas.microsoft.com/office/drawing/2010/main" w="9525">
                 <a:solidFill>
                   <a:srgbClr val="000000"/>
                 </a:solidFill>
@@ -31688,7 +31688,7 @@
           <a:effectLst/>
           <a:extLst>
             <a:ext uri="{AF507438-7753-43e0-B8FC-AC1667EBCBE1}">
-              <a14:hiddenEffects xmlns:a14="http://schemas.microsoft.com/office/drawing/2010/main" xmlns="">
+              <a14:hiddenEffects xmlns="" xmlns:a14="http://schemas.microsoft.com/office/drawing/2010/main">
                 <a:effectLst>
                   <a:outerShdw blurRad="63500" dist="38099" dir="2700000" algn="ctr" rotWithShape="0">
                     <a:schemeClr val="bg2">
@@ -31752,7 +31752,7 @@
           <a:effectLst/>
           <a:extLst>
             <a:ext uri="{AF507438-7753-43e0-B8FC-AC1667EBCBE1}">
-              <a14:hiddenEffects xmlns:a14="http://schemas.microsoft.com/office/drawing/2010/main" xmlns="">
+              <a14:hiddenEffects xmlns="" xmlns:a14="http://schemas.microsoft.com/office/drawing/2010/main">
                 <a:effectLst>
                   <a:outerShdw blurRad="63500" dist="38099" dir="2700000" algn="ctr" rotWithShape="0">
                     <a:schemeClr val="bg2">
@@ -31817,12 +31817,12 @@
           <a:effectLst/>
           <a:extLst>
             <a:ext uri="{909E8E84-426E-40dd-AFC4-6F175D3DCCD1}">
-              <a14:hiddenFill xmlns:a14="http://schemas.microsoft.com/office/drawing/2010/main" xmlns="">
+              <a14:hiddenFill xmlns="" xmlns:a14="http://schemas.microsoft.com/office/drawing/2010/main">
                 <a:noFill/>
               </a14:hiddenFill>
             </a:ext>
             <a:ext uri="{AF507438-7753-43e0-B8FC-AC1667EBCBE1}">
-              <a14:hiddenEffects xmlns:a14="http://schemas.microsoft.com/office/drawing/2010/main" xmlns="">
+              <a14:hiddenEffects xmlns="" xmlns:a14="http://schemas.microsoft.com/office/drawing/2010/main">
                 <a:effectLst>
                   <a:outerShdw blurRad="63500" dist="38099" dir="2700000" algn="ctr" rotWithShape="0">
                     <a:schemeClr val="bg2">
@@ -31894,14 +31894,14 @@
           </a:ln>
           <a:extLst>
             <a:ext uri="{909E8E84-426E-40dd-AFC4-6F175D3DCCD1}">
-              <a14:hiddenFill xmlns:a14="http://schemas.microsoft.com/office/drawing/2010/main" xmlns="">
+              <a14:hiddenFill xmlns="" xmlns:a14="http://schemas.microsoft.com/office/drawing/2010/main">
                 <a:solidFill>
                   <a:srgbClr val="FFFFFF"/>
                 </a:solidFill>
               </a14:hiddenFill>
             </a:ext>
             <a:ext uri="{91240B29-F687-4f45-9708-019B960494DF}">
-              <a14:hiddenLine xmlns:a14="http://schemas.microsoft.com/office/drawing/2010/main" xmlns="" w="9525">
+              <a14:hiddenLine xmlns="" xmlns:a14="http://schemas.microsoft.com/office/drawing/2010/main" w="9525">
                 <a:solidFill>
                   <a:srgbClr val="000000"/>
                 </a:solidFill>
@@ -31973,7 +31973,7 @@
           <a:effectLst/>
           <a:extLst>
             <a:ext uri="{AF507438-7753-43e0-B8FC-AC1667EBCBE1}">
-              <a14:hiddenEffects xmlns:a14="http://schemas.microsoft.com/office/drawing/2010/main" xmlns="">
+              <a14:hiddenEffects xmlns="" xmlns:a14="http://schemas.microsoft.com/office/drawing/2010/main">
                 <a:effectLst>
                   <a:outerShdw blurRad="63500" dist="38099" dir="2700000" algn="ctr" rotWithShape="0">
                     <a:schemeClr val="bg2">
@@ -32027,7 +32027,7 @@
           <a:effectLst/>
           <a:extLst>
             <a:ext uri="{AF507438-7753-43e0-B8FC-AC1667EBCBE1}">
-              <a14:hiddenEffects xmlns:a14="http://schemas.microsoft.com/office/drawing/2010/main" xmlns="">
+              <a14:hiddenEffects xmlns="" xmlns:a14="http://schemas.microsoft.com/office/drawing/2010/main">
                 <a:effectLst>
                   <a:outerShdw blurRad="63500" dist="38099" dir="2700000" algn="ctr" rotWithShape="0">
                     <a:schemeClr val="bg2">
@@ -32088,7 +32088,7 @@
           <a:effectLst/>
           <a:extLst>
             <a:ext uri="{AF507438-7753-43e0-B8FC-AC1667EBCBE1}">
-              <a14:hiddenEffects xmlns:a14="http://schemas.microsoft.com/office/drawing/2010/main" xmlns="">
+              <a14:hiddenEffects xmlns="" xmlns:a14="http://schemas.microsoft.com/office/drawing/2010/main">
                 <a:effectLst>
                   <a:outerShdw blurRad="63500" dist="38099" dir="2700000" algn="ctr" rotWithShape="0">
                     <a:schemeClr val="bg2">
@@ -32165,7 +32165,7 @@
           <a:effectLst/>
           <a:extLst>
             <a:ext uri="{AF507438-7753-43e0-B8FC-AC1667EBCBE1}">
-              <a14:hiddenEffects xmlns:a14="http://schemas.microsoft.com/office/drawing/2010/main" xmlns="">
+              <a14:hiddenEffects xmlns="" xmlns:a14="http://schemas.microsoft.com/office/drawing/2010/main">
                 <a:effectLst>
                   <a:outerShdw blurRad="63500" dist="38099" dir="2700000" algn="ctr" rotWithShape="0">
                     <a:schemeClr val="bg2">
@@ -32219,7 +32219,7 @@
           <a:effectLst/>
           <a:extLst>
             <a:ext uri="{AF507438-7753-43e0-B8FC-AC1667EBCBE1}">
-              <a14:hiddenEffects xmlns:a14="http://schemas.microsoft.com/office/drawing/2010/main" xmlns="">
+              <a14:hiddenEffects xmlns="" xmlns:a14="http://schemas.microsoft.com/office/drawing/2010/main">
                 <a:effectLst>
                   <a:outerShdw blurRad="63500" dist="38099" dir="2700000" algn="ctr" rotWithShape="0">
                     <a:schemeClr val="bg2">
@@ -32273,7 +32273,7 @@
           <a:effectLst/>
           <a:extLst>
             <a:ext uri="{AF507438-7753-43e0-B8FC-AC1667EBCBE1}">
-              <a14:hiddenEffects xmlns:a14="http://schemas.microsoft.com/office/drawing/2010/main" xmlns="">
+              <a14:hiddenEffects xmlns="" xmlns:a14="http://schemas.microsoft.com/office/drawing/2010/main">
                 <a:effectLst>
                   <a:outerShdw blurRad="63500" dist="38099" dir="2700000" algn="ctr" rotWithShape="0">
                     <a:schemeClr val="bg2">
@@ -32327,7 +32327,7 @@
           <a:effectLst/>
           <a:extLst>
             <a:ext uri="{AF507438-7753-43e0-B8FC-AC1667EBCBE1}">
-              <a14:hiddenEffects xmlns:a14="http://schemas.microsoft.com/office/drawing/2010/main" xmlns="">
+              <a14:hiddenEffects xmlns="" xmlns:a14="http://schemas.microsoft.com/office/drawing/2010/main">
                 <a:effectLst>
                   <a:outerShdw blurRad="63500" dist="38099" dir="2700000" algn="ctr" rotWithShape="0">
                     <a:schemeClr val="bg2">
@@ -32381,7 +32381,7 @@
           <a:effectLst/>
           <a:extLst>
             <a:ext uri="{AF507438-7753-43e0-B8FC-AC1667EBCBE1}">
-              <a14:hiddenEffects xmlns:a14="http://schemas.microsoft.com/office/drawing/2010/main" xmlns="">
+              <a14:hiddenEffects xmlns="" xmlns:a14="http://schemas.microsoft.com/office/drawing/2010/main">
                 <a:effectLst>
                   <a:outerShdw blurRad="63500" dist="38099" dir="2700000" algn="ctr" rotWithShape="0">
                     <a:schemeClr val="bg2">
@@ -32435,7 +32435,7 @@
           <a:effectLst/>
           <a:extLst>
             <a:ext uri="{AF507438-7753-43e0-B8FC-AC1667EBCBE1}">
-              <a14:hiddenEffects xmlns:a14="http://schemas.microsoft.com/office/drawing/2010/main" xmlns="">
+              <a14:hiddenEffects xmlns="" xmlns:a14="http://schemas.microsoft.com/office/drawing/2010/main">
                 <a:effectLst>
                   <a:outerShdw blurRad="63500" dist="38099" dir="2700000" algn="ctr" rotWithShape="0">
                     <a:schemeClr val="bg2">
@@ -32489,7 +32489,7 @@
           <a:effectLst/>
           <a:extLst>
             <a:ext uri="{AF507438-7753-43e0-B8FC-AC1667EBCBE1}">
-              <a14:hiddenEffects xmlns:a14="http://schemas.microsoft.com/office/drawing/2010/main" xmlns="">
+              <a14:hiddenEffects xmlns="" xmlns:a14="http://schemas.microsoft.com/office/drawing/2010/main">
                 <a:effectLst>
                   <a:outerShdw blurRad="63500" dist="38099" dir="2700000" algn="ctr" rotWithShape="0">
                     <a:schemeClr val="bg2">
@@ -32543,7 +32543,7 @@
           <a:effectLst/>
           <a:extLst>
             <a:ext uri="{AF507438-7753-43e0-B8FC-AC1667EBCBE1}">
-              <a14:hiddenEffects xmlns:a14="http://schemas.microsoft.com/office/drawing/2010/main" xmlns="">
+              <a14:hiddenEffects xmlns="" xmlns:a14="http://schemas.microsoft.com/office/drawing/2010/main">
                 <a:effectLst>
                   <a:outerShdw blurRad="63500" dist="38099" dir="2700000" algn="ctr" rotWithShape="0">
                     <a:schemeClr val="bg2">
@@ -32598,7 +32598,7 @@
           <a:effectLst/>
           <a:extLst>
             <a:ext uri="{AF507438-7753-43e0-B8FC-AC1667EBCBE1}">
-              <a14:hiddenEffects xmlns:a14="http://schemas.microsoft.com/office/drawing/2010/main" xmlns="">
+              <a14:hiddenEffects xmlns="" xmlns:a14="http://schemas.microsoft.com/office/drawing/2010/main">
                 <a:effectLst>
                   <a:outerShdw blurRad="63500" dist="38099" dir="2700000" algn="ctr" rotWithShape="0">
                     <a:schemeClr val="bg2">
@@ -32653,7 +32653,7 @@
           <a:effectLst/>
           <a:extLst>
             <a:ext uri="{AF507438-7753-43e0-B8FC-AC1667EBCBE1}">
-              <a14:hiddenEffects xmlns:a14="http://schemas.microsoft.com/office/drawing/2010/main" xmlns="">
+              <a14:hiddenEffects xmlns="" xmlns:a14="http://schemas.microsoft.com/office/drawing/2010/main">
                 <a:effectLst>
                   <a:outerShdw blurRad="63500" dist="38099" dir="2700000" algn="ctr" rotWithShape="0">
                     <a:schemeClr val="bg2">
@@ -32707,7 +32707,7 @@
           <a:effectLst/>
           <a:extLst>
             <a:ext uri="{AF507438-7753-43e0-B8FC-AC1667EBCBE1}">
-              <a14:hiddenEffects xmlns:a14="http://schemas.microsoft.com/office/drawing/2010/main" xmlns="">
+              <a14:hiddenEffects xmlns="" xmlns:a14="http://schemas.microsoft.com/office/drawing/2010/main">
                 <a:effectLst>
                   <a:outerShdw blurRad="63500" dist="38099" dir="2700000" algn="ctr" rotWithShape="0">
                     <a:schemeClr val="bg2">
@@ -32794,7 +32794,7 @@
           <a:effectLst/>
           <a:extLst>
             <a:ext uri="{AF507438-7753-43e0-B8FC-AC1667EBCBE1}">
-              <a14:hiddenEffects xmlns:a14="http://schemas.microsoft.com/office/drawing/2010/main" xmlns="">
+              <a14:hiddenEffects xmlns="" xmlns:a14="http://schemas.microsoft.com/office/drawing/2010/main">
                 <a:effectLst>
                   <a:outerShdw blurRad="63500" dist="38099" dir="2700000" algn="ctr" rotWithShape="0">
                     <a:schemeClr val="bg2">
@@ -32848,7 +32848,7 @@
           <a:effectLst/>
           <a:extLst>
             <a:ext uri="{AF507438-7753-43e0-B8FC-AC1667EBCBE1}">
-              <a14:hiddenEffects xmlns:a14="http://schemas.microsoft.com/office/drawing/2010/main" xmlns="">
+              <a14:hiddenEffects xmlns="" xmlns:a14="http://schemas.microsoft.com/office/drawing/2010/main">
                 <a:effectLst>
                   <a:outerShdw blurRad="63500" dist="38099" dir="2700000" algn="ctr" rotWithShape="0">
                     <a:schemeClr val="bg2">
@@ -32907,7 +32907,7 @@
           <a:effectLst/>
           <a:extLst>
             <a:ext uri="{AF507438-7753-43e0-B8FC-AC1667EBCBE1}">
-              <a14:hiddenEffects xmlns:a14="http://schemas.microsoft.com/office/drawing/2010/main" xmlns="">
+              <a14:hiddenEffects xmlns="" xmlns:a14="http://schemas.microsoft.com/office/drawing/2010/main">
                 <a:effectLst>
                   <a:outerShdw blurRad="63500" dist="38099" dir="2700000" algn="ctr" rotWithShape="0">
                     <a:schemeClr val="bg2">
@@ -32958,7 +32958,7 @@
           <a:effectLst/>
           <a:extLst>
             <a:ext uri="{AF507438-7753-43e0-B8FC-AC1667EBCBE1}">
-              <a14:hiddenEffects xmlns:a14="http://schemas.microsoft.com/office/drawing/2010/main" xmlns="">
+              <a14:hiddenEffects xmlns="" xmlns:a14="http://schemas.microsoft.com/office/drawing/2010/main">
                 <a:effectLst>
                   <a:outerShdw blurRad="63500" dist="38099" dir="2700000" algn="ctr" rotWithShape="0">
                     <a:schemeClr val="bg2">
@@ -33009,7 +33009,7 @@
           <a:effectLst/>
           <a:extLst>
             <a:ext uri="{AF507438-7753-43e0-B8FC-AC1667EBCBE1}">
-              <a14:hiddenEffects xmlns:a14="http://schemas.microsoft.com/office/drawing/2010/main" xmlns="">
+              <a14:hiddenEffects xmlns="" xmlns:a14="http://schemas.microsoft.com/office/drawing/2010/main">
                 <a:effectLst>
                   <a:outerShdw blurRad="63500" dist="38099" dir="2700000" algn="ctr" rotWithShape="0">
                     <a:schemeClr val="bg2">
@@ -33060,7 +33060,7 @@
           <a:effectLst/>
           <a:extLst>
             <a:ext uri="{AF507438-7753-43e0-B8FC-AC1667EBCBE1}">
-              <a14:hiddenEffects xmlns:a14="http://schemas.microsoft.com/office/drawing/2010/main" xmlns="">
+              <a14:hiddenEffects xmlns="" xmlns:a14="http://schemas.microsoft.com/office/drawing/2010/main">
                 <a:effectLst>
                   <a:outerShdw blurRad="63500" dist="38099" dir="2700000" algn="ctr" rotWithShape="0">
                     <a:schemeClr val="bg2">
@@ -33111,7 +33111,7 @@
           <a:effectLst/>
           <a:extLst>
             <a:ext uri="{AF507438-7753-43e0-B8FC-AC1667EBCBE1}">
-              <a14:hiddenEffects xmlns:a14="http://schemas.microsoft.com/office/drawing/2010/main" xmlns="">
+              <a14:hiddenEffects xmlns="" xmlns:a14="http://schemas.microsoft.com/office/drawing/2010/main">
                 <a:effectLst>
                   <a:outerShdw blurRad="63500" dist="38099" dir="2700000" algn="ctr" rotWithShape="0">
                     <a:schemeClr val="bg2">
@@ -33162,7 +33162,7 @@
           <a:effectLst/>
           <a:extLst>
             <a:ext uri="{AF507438-7753-43e0-B8FC-AC1667EBCBE1}">
-              <a14:hiddenEffects xmlns:a14="http://schemas.microsoft.com/office/drawing/2010/main" xmlns="">
+              <a14:hiddenEffects xmlns="" xmlns:a14="http://schemas.microsoft.com/office/drawing/2010/main">
                 <a:effectLst>
                   <a:outerShdw blurRad="63500" dist="38099" dir="2700000" algn="ctr" rotWithShape="0">
                     <a:schemeClr val="bg2">
@@ -33206,14 +33206,14 @@
           <a:effectLst/>
           <a:extLst>
             <a:ext uri="{909E8E84-426E-40dd-AFC4-6F175D3DCCD1}">
-              <a14:hiddenFill xmlns:a14="http://schemas.microsoft.com/office/drawing/2010/main" xmlns="">
+              <a14:hiddenFill xmlns="" xmlns:a14="http://schemas.microsoft.com/office/drawing/2010/main">
                 <a:solidFill>
                   <a:srgbClr val="FF9900"/>
                 </a:solidFill>
               </a14:hiddenFill>
             </a:ext>
             <a:ext uri="{91240B29-F687-4f45-9708-019B960494DF}">
-              <a14:hiddenLine xmlns:a14="http://schemas.microsoft.com/office/drawing/2010/main" xmlns="" w="9525">
+              <a14:hiddenLine xmlns="" xmlns:a14="http://schemas.microsoft.com/office/drawing/2010/main" w="9525">
                 <a:solidFill>
                   <a:srgbClr val="000000"/>
                 </a:solidFill>
@@ -33223,7 +33223,7 @@
               </a14:hiddenLine>
             </a:ext>
             <a:ext uri="{AF507438-7753-43e0-B8FC-AC1667EBCBE1}">
-              <a14:hiddenEffects xmlns:a14="http://schemas.microsoft.com/office/drawing/2010/main" xmlns="">
+              <a14:hiddenEffects xmlns="" xmlns:a14="http://schemas.microsoft.com/office/drawing/2010/main">
                 <a:effectLst>
                   <a:outerShdw blurRad="63500" dist="38099" dir="2700000" algn="ctr" rotWithShape="0">
                     <a:schemeClr val="bg2">
@@ -33270,14 +33270,14 @@
           <a:effectLst/>
           <a:extLst>
             <a:ext uri="{909E8E84-426E-40dd-AFC4-6F175D3DCCD1}">
-              <a14:hiddenFill xmlns:a14="http://schemas.microsoft.com/office/drawing/2010/main" xmlns="">
+              <a14:hiddenFill xmlns="" xmlns:a14="http://schemas.microsoft.com/office/drawing/2010/main">
                 <a:solidFill>
                   <a:srgbClr val="6699FF"/>
                 </a:solidFill>
               </a14:hiddenFill>
             </a:ext>
             <a:ext uri="{91240B29-F687-4f45-9708-019B960494DF}">
-              <a14:hiddenLine xmlns:a14="http://schemas.microsoft.com/office/drawing/2010/main" xmlns="" w="9525">
+              <a14:hiddenLine xmlns="" xmlns:a14="http://schemas.microsoft.com/office/drawing/2010/main" w="9525">
                 <a:solidFill>
                   <a:srgbClr val="000000"/>
                 </a:solidFill>
@@ -33287,7 +33287,7 @@
               </a14:hiddenLine>
             </a:ext>
             <a:ext uri="{AF507438-7753-43e0-B8FC-AC1667EBCBE1}">
-              <a14:hiddenEffects xmlns:a14="http://schemas.microsoft.com/office/drawing/2010/main" xmlns="">
+              <a14:hiddenEffects xmlns="" xmlns:a14="http://schemas.microsoft.com/office/drawing/2010/main">
                 <a:effectLst>
                   <a:outerShdw blurRad="63500" dist="38099" dir="2700000" algn="ctr" rotWithShape="0">
                     <a:schemeClr val="bg2">
@@ -33335,14 +33335,14 @@
           <a:effectLst/>
           <a:extLst>
             <a:ext uri="{909E8E84-426E-40dd-AFC4-6F175D3DCCD1}">
-              <a14:hiddenFill xmlns:a14="http://schemas.microsoft.com/office/drawing/2010/main" xmlns="">
+              <a14:hiddenFill xmlns="" xmlns:a14="http://schemas.microsoft.com/office/drawing/2010/main">
                 <a:solidFill>
                   <a:srgbClr val="CCECFF"/>
                 </a:solidFill>
               </a14:hiddenFill>
             </a:ext>
             <a:ext uri="{91240B29-F687-4f45-9708-019B960494DF}">
-              <a14:hiddenLine xmlns:a14="http://schemas.microsoft.com/office/drawing/2010/main" xmlns="" w="9525">
+              <a14:hiddenLine xmlns="" xmlns:a14="http://schemas.microsoft.com/office/drawing/2010/main" w="9525">
                 <a:solidFill>
                   <a:srgbClr val="000000"/>
                 </a:solidFill>
@@ -33352,7 +33352,7 @@
               </a14:hiddenLine>
             </a:ext>
             <a:ext uri="{AF507438-7753-43e0-B8FC-AC1667EBCBE1}">
-              <a14:hiddenEffects xmlns:a14="http://schemas.microsoft.com/office/drawing/2010/main" xmlns="">
+              <a14:hiddenEffects xmlns="" xmlns:a14="http://schemas.microsoft.com/office/drawing/2010/main">
                 <a:effectLst>
                   <a:outerShdw blurRad="63500" dist="38099" dir="2700000" algn="ctr" rotWithShape="0">
                     <a:schemeClr val="bg2">
@@ -33400,14 +33400,14 @@
           <a:effectLst/>
           <a:extLst>
             <a:ext uri="{909E8E84-426E-40dd-AFC4-6F175D3DCCD1}">
-              <a14:hiddenFill xmlns:a14="http://schemas.microsoft.com/office/drawing/2010/main" xmlns="">
+              <a14:hiddenFill xmlns="" xmlns:a14="http://schemas.microsoft.com/office/drawing/2010/main">
                 <a:solidFill>
                   <a:srgbClr val="66CCFF"/>
                 </a:solidFill>
               </a14:hiddenFill>
             </a:ext>
             <a:ext uri="{91240B29-F687-4f45-9708-019B960494DF}">
-              <a14:hiddenLine xmlns:a14="http://schemas.microsoft.com/office/drawing/2010/main" xmlns="" w="9525">
+              <a14:hiddenLine xmlns="" xmlns:a14="http://schemas.microsoft.com/office/drawing/2010/main" w="9525">
                 <a:solidFill>
                   <a:srgbClr val="000000"/>
                 </a:solidFill>
@@ -33417,7 +33417,7 @@
               </a14:hiddenLine>
             </a:ext>
             <a:ext uri="{AF507438-7753-43e0-B8FC-AC1667EBCBE1}">
-              <a14:hiddenEffects xmlns:a14="http://schemas.microsoft.com/office/drawing/2010/main" xmlns="">
+              <a14:hiddenEffects xmlns="" xmlns:a14="http://schemas.microsoft.com/office/drawing/2010/main">
                 <a:effectLst>
                   <a:outerShdw blurRad="63500" dist="38099" dir="2700000" algn="ctr" rotWithShape="0">
                     <a:schemeClr val="bg2">
@@ -33465,14 +33465,14 @@
           <a:effectLst/>
           <a:extLst>
             <a:ext uri="{909E8E84-426E-40dd-AFC4-6F175D3DCCD1}">
-              <a14:hiddenFill xmlns:a14="http://schemas.microsoft.com/office/drawing/2010/main" xmlns="">
+              <a14:hiddenFill xmlns="" xmlns:a14="http://schemas.microsoft.com/office/drawing/2010/main">
                 <a:solidFill>
                   <a:schemeClr val="hlink"/>
                 </a:solidFill>
               </a14:hiddenFill>
             </a:ext>
             <a:ext uri="{91240B29-F687-4f45-9708-019B960494DF}">
-              <a14:hiddenLine xmlns:a14="http://schemas.microsoft.com/office/drawing/2010/main" xmlns="" w="9525">
+              <a14:hiddenLine xmlns="" xmlns:a14="http://schemas.microsoft.com/office/drawing/2010/main" w="9525">
                 <a:solidFill>
                   <a:srgbClr val="000000"/>
                 </a:solidFill>
@@ -33482,7 +33482,7 @@
               </a14:hiddenLine>
             </a:ext>
             <a:ext uri="{AF507438-7753-43e0-B8FC-AC1667EBCBE1}">
-              <a14:hiddenEffects xmlns:a14="http://schemas.microsoft.com/office/drawing/2010/main" xmlns="">
+              <a14:hiddenEffects xmlns="" xmlns:a14="http://schemas.microsoft.com/office/drawing/2010/main">
                 <a:effectLst>
                   <a:outerShdw blurRad="63500" dist="38099" dir="2700000" algn="ctr" rotWithShape="0">
                     <a:schemeClr val="bg2">
@@ -33530,14 +33530,14 @@
           <a:effectLst/>
           <a:extLst>
             <a:ext uri="{909E8E84-426E-40dd-AFC4-6F175D3DCCD1}">
-              <a14:hiddenFill xmlns:a14="http://schemas.microsoft.com/office/drawing/2010/main" xmlns="">
+              <a14:hiddenFill xmlns="" xmlns:a14="http://schemas.microsoft.com/office/drawing/2010/main">
                 <a:solidFill>
                   <a:srgbClr val="FF00FF"/>
                 </a:solidFill>
               </a14:hiddenFill>
             </a:ext>
             <a:ext uri="{91240B29-F687-4f45-9708-019B960494DF}">
-              <a14:hiddenLine xmlns:a14="http://schemas.microsoft.com/office/drawing/2010/main" xmlns="" w="9525">
+              <a14:hiddenLine xmlns="" xmlns:a14="http://schemas.microsoft.com/office/drawing/2010/main" w="9525">
                 <a:solidFill>
                   <a:srgbClr val="000000"/>
                 </a:solidFill>
@@ -33547,7 +33547,7 @@
               </a14:hiddenLine>
             </a:ext>
             <a:ext uri="{AF507438-7753-43e0-B8FC-AC1667EBCBE1}">
-              <a14:hiddenEffects xmlns:a14="http://schemas.microsoft.com/office/drawing/2010/main" xmlns="">
+              <a14:hiddenEffects xmlns="" xmlns:a14="http://schemas.microsoft.com/office/drawing/2010/main">
                 <a:effectLst>
                   <a:outerShdw blurRad="63500" dist="38099" dir="2700000" algn="ctr" rotWithShape="0">
                     <a:schemeClr val="bg2">
@@ -33600,12 +33600,12 @@
           <a:effectLst/>
           <a:extLst>
             <a:ext uri="{909E8E84-426E-40dd-AFC4-6F175D3DCCD1}">
-              <a14:hiddenFill xmlns:a14="http://schemas.microsoft.com/office/drawing/2010/main" xmlns="">
+              <a14:hiddenFill xmlns="" xmlns:a14="http://schemas.microsoft.com/office/drawing/2010/main">
                 <a:noFill/>
               </a14:hiddenFill>
             </a:ext>
             <a:ext uri="{AF507438-7753-43e0-B8FC-AC1667EBCBE1}">
-              <a14:hiddenEffects xmlns:a14="http://schemas.microsoft.com/office/drawing/2010/main" xmlns="">
+              <a14:hiddenEffects xmlns="" xmlns:a14="http://schemas.microsoft.com/office/drawing/2010/main">
                 <a:effectLst>
                   <a:outerShdw blurRad="63500" dist="38099" dir="2700000" algn="ctr" rotWithShape="0">
                     <a:schemeClr val="bg2">
@@ -33650,7 +33650,7 @@
           <a:effectLst/>
           <a:extLst>
             <a:ext uri="{91240B29-F687-4f45-9708-019B960494DF}">
-              <a14:hiddenLine xmlns:a14="http://schemas.microsoft.com/office/drawing/2010/main" xmlns="" w="9525">
+              <a14:hiddenLine xmlns="" xmlns:a14="http://schemas.microsoft.com/office/drawing/2010/main" w="9525">
                 <a:solidFill>
                   <a:srgbClr val="000000"/>
                 </a:solidFill>
@@ -33660,7 +33660,7 @@
               </a14:hiddenLine>
             </a:ext>
             <a:ext uri="{AF507438-7753-43e0-B8FC-AC1667EBCBE1}">
-              <a14:hiddenEffects xmlns:a14="http://schemas.microsoft.com/office/drawing/2010/main" xmlns="">
+              <a14:hiddenEffects xmlns="" xmlns:a14="http://schemas.microsoft.com/office/drawing/2010/main">
                 <a:effectLst>
                   <a:outerShdw blurRad="63500" dist="38099" dir="2700000" algn="ctr" rotWithShape="0">
                     <a:schemeClr val="bg2">
@@ -33721,12 +33721,12 @@
           <a:effectLst/>
           <a:extLst>
             <a:ext uri="{909E8E84-426E-40dd-AFC4-6F175D3DCCD1}">
-              <a14:hiddenFill xmlns:a14="http://schemas.microsoft.com/office/drawing/2010/main" xmlns="">
+              <a14:hiddenFill xmlns="" xmlns:a14="http://schemas.microsoft.com/office/drawing/2010/main">
                 <a:noFill/>
               </a14:hiddenFill>
             </a:ext>
             <a:ext uri="{AF507438-7753-43e0-B8FC-AC1667EBCBE1}">
-              <a14:hiddenEffects xmlns:a14="http://schemas.microsoft.com/office/drawing/2010/main" xmlns="">
+              <a14:hiddenEffects xmlns="" xmlns:a14="http://schemas.microsoft.com/office/drawing/2010/main">
                 <a:effectLst>
                   <a:outerShdw blurRad="63500" dist="38099" dir="2700000" algn="ctr" rotWithShape="0">
                     <a:schemeClr val="bg2">
@@ -33771,7 +33771,7 @@
           <a:effectLst/>
           <a:extLst>
             <a:ext uri="{91240B29-F687-4f45-9708-019B960494DF}">
-              <a14:hiddenLine xmlns:a14="http://schemas.microsoft.com/office/drawing/2010/main" xmlns="" w="9525">
+              <a14:hiddenLine xmlns="" xmlns:a14="http://schemas.microsoft.com/office/drawing/2010/main" w="9525">
                 <a:solidFill>
                   <a:srgbClr val="000000"/>
                 </a:solidFill>
@@ -33781,7 +33781,7 @@
               </a14:hiddenLine>
             </a:ext>
             <a:ext uri="{AF507438-7753-43e0-B8FC-AC1667EBCBE1}">
-              <a14:hiddenEffects xmlns:a14="http://schemas.microsoft.com/office/drawing/2010/main" xmlns="">
+              <a14:hiddenEffects xmlns="" xmlns:a14="http://schemas.microsoft.com/office/drawing/2010/main">
                 <a:effectLst>
                   <a:outerShdw blurRad="63500" dist="38099" dir="2700000" algn="ctr" rotWithShape="0">
                     <a:schemeClr val="bg2">
@@ -33842,12 +33842,12 @@
           <a:effectLst/>
           <a:extLst>
             <a:ext uri="{909E8E84-426E-40dd-AFC4-6F175D3DCCD1}">
-              <a14:hiddenFill xmlns:a14="http://schemas.microsoft.com/office/drawing/2010/main" xmlns="">
+              <a14:hiddenFill xmlns="" xmlns:a14="http://schemas.microsoft.com/office/drawing/2010/main">
                 <a:noFill/>
               </a14:hiddenFill>
             </a:ext>
             <a:ext uri="{AF507438-7753-43e0-B8FC-AC1667EBCBE1}">
-              <a14:hiddenEffects xmlns:a14="http://schemas.microsoft.com/office/drawing/2010/main" xmlns="">
+              <a14:hiddenEffects xmlns="" xmlns:a14="http://schemas.microsoft.com/office/drawing/2010/main">
                 <a:effectLst>
                   <a:outerShdw blurRad="63500" dist="38099" dir="2700000" algn="ctr" rotWithShape="0">
                     <a:schemeClr val="bg2">
@@ -33892,7 +33892,7 @@
           <a:effectLst/>
           <a:extLst>
             <a:ext uri="{91240B29-F687-4f45-9708-019B960494DF}">
-              <a14:hiddenLine xmlns:a14="http://schemas.microsoft.com/office/drawing/2010/main" xmlns="" w="9525">
+              <a14:hiddenLine xmlns="" xmlns:a14="http://schemas.microsoft.com/office/drawing/2010/main" w="9525">
                 <a:solidFill>
                   <a:srgbClr val="000000"/>
                 </a:solidFill>
@@ -33902,7 +33902,7 @@
               </a14:hiddenLine>
             </a:ext>
             <a:ext uri="{AF507438-7753-43e0-B8FC-AC1667EBCBE1}">
-              <a14:hiddenEffects xmlns:a14="http://schemas.microsoft.com/office/drawing/2010/main" xmlns="">
+              <a14:hiddenEffects xmlns="" xmlns:a14="http://schemas.microsoft.com/office/drawing/2010/main">
                 <a:effectLst>
                   <a:outerShdw blurRad="63500" dist="38099" dir="2700000" algn="ctr" rotWithShape="0">
                     <a:schemeClr val="bg2">
@@ -33964,12 +33964,12 @@
           <a:effectLst/>
           <a:extLst>
             <a:ext uri="{909E8E84-426E-40dd-AFC4-6F175D3DCCD1}">
-              <a14:hiddenFill xmlns:a14="http://schemas.microsoft.com/office/drawing/2010/main" xmlns="">
+              <a14:hiddenFill xmlns="" xmlns:a14="http://schemas.microsoft.com/office/drawing/2010/main">
                 <a:noFill/>
               </a14:hiddenFill>
             </a:ext>
             <a:ext uri="{AF507438-7753-43e0-B8FC-AC1667EBCBE1}">
-              <a14:hiddenEffects xmlns:a14="http://schemas.microsoft.com/office/drawing/2010/main" xmlns="">
+              <a14:hiddenEffects xmlns="" xmlns:a14="http://schemas.microsoft.com/office/drawing/2010/main">
                 <a:effectLst>
                   <a:outerShdw blurRad="63500" dist="38099" dir="2700000" algn="ctr" rotWithShape="0">
                     <a:schemeClr val="bg2">
@@ -34018,12 +34018,12 @@
           <a:effectLst/>
           <a:extLst>
             <a:ext uri="{909E8E84-426E-40dd-AFC4-6F175D3DCCD1}">
-              <a14:hiddenFill xmlns:a14="http://schemas.microsoft.com/office/drawing/2010/main" xmlns="">
+              <a14:hiddenFill xmlns="" xmlns:a14="http://schemas.microsoft.com/office/drawing/2010/main">
                 <a:noFill/>
               </a14:hiddenFill>
             </a:ext>
             <a:ext uri="{AF507438-7753-43e0-B8FC-AC1667EBCBE1}">
-              <a14:hiddenEffects xmlns:a14="http://schemas.microsoft.com/office/drawing/2010/main" xmlns="">
+              <a14:hiddenEffects xmlns="" xmlns:a14="http://schemas.microsoft.com/office/drawing/2010/main">
                 <a:effectLst>
                   <a:outerShdw blurRad="63500" dist="38099" dir="2700000" algn="ctr" rotWithShape="0">
                     <a:schemeClr val="bg2">
@@ -34073,7 +34073,7 @@
           <a:effectLst/>
           <a:extLst>
             <a:ext uri="{AF507438-7753-43e0-B8FC-AC1667EBCBE1}">
-              <a14:hiddenEffects xmlns:a14="http://schemas.microsoft.com/office/drawing/2010/main" xmlns="">
+              <a14:hiddenEffects xmlns="" xmlns:a14="http://schemas.microsoft.com/office/drawing/2010/main">
                 <a:effectLst>
                   <a:outerShdw blurRad="63500" dist="38099" dir="2700000" algn="ctr" rotWithShape="0">
                     <a:schemeClr val="bg2">
@@ -34149,14 +34149,14 @@
           </a:ln>
           <a:extLst>
             <a:ext uri="{909E8E84-426E-40dd-AFC4-6F175D3DCCD1}">
-              <a14:hiddenFill xmlns:a14="http://schemas.microsoft.com/office/drawing/2010/main" xmlns="">
+              <a14:hiddenFill xmlns="" xmlns:a14="http://schemas.microsoft.com/office/drawing/2010/main">
                 <a:solidFill>
                   <a:srgbClr val="FFFFFF"/>
                 </a:solidFill>
               </a14:hiddenFill>
             </a:ext>
             <a:ext uri="{91240B29-F687-4f45-9708-019B960494DF}">
-              <a14:hiddenLine xmlns:a14="http://schemas.microsoft.com/office/drawing/2010/main" xmlns="" w="9525">
+              <a14:hiddenLine xmlns="" xmlns:a14="http://schemas.microsoft.com/office/drawing/2010/main" w="9525">
                 <a:solidFill>
                   <a:srgbClr val="000000"/>
                 </a:solidFill>
@@ -34247,7 +34247,7 @@
           </a:ln>
           <a:extLst>
             <a:ext uri="{909E8E84-426E-40dd-AFC4-6F175D3DCCD1}">
-              <a14:hiddenFill xmlns:a14="http://schemas.microsoft.com/office/drawing/2010/main" xmlns="">
+              <a14:hiddenFill xmlns="" xmlns:a14="http://schemas.microsoft.com/office/drawing/2010/main">
                 <a:solidFill>
                   <a:srgbClr val="FFFFFF"/>
                 </a:solidFill>
@@ -34281,7 +34281,7 @@
           <a:effectLst/>
           <a:extLst>
             <a:ext uri="{91240B29-F687-4f45-9708-019B960494DF}">
-              <a14:hiddenLine xmlns:a14="http://schemas.microsoft.com/office/drawing/2010/main" xmlns="" w="9525">
+              <a14:hiddenLine xmlns="" xmlns:a14="http://schemas.microsoft.com/office/drawing/2010/main" w="9525">
                 <a:solidFill>
                   <a:schemeClr val="tx1"/>
                 </a:solidFill>
@@ -34291,7 +34291,7 @@
               </a14:hiddenLine>
             </a:ext>
             <a:ext uri="{AF507438-7753-43e0-B8FC-AC1667EBCBE1}">
-              <a14:hiddenEffects xmlns:a14="http://schemas.microsoft.com/office/drawing/2010/main" xmlns="">
+              <a14:hiddenEffects xmlns="" xmlns:a14="http://schemas.microsoft.com/office/drawing/2010/main">
                 <a:effectLst>
                   <a:outerShdw blurRad="63500" dist="38099" dir="2700000" algn="ctr" rotWithShape="0">
                     <a:schemeClr val="bg2">
@@ -34363,7 +34363,7 @@
           <a:effectLst/>
           <a:extLst>
             <a:ext uri="{91240B29-F687-4f45-9708-019B960494DF}">
-              <a14:hiddenLine xmlns:a14="http://schemas.microsoft.com/office/drawing/2010/main" xmlns="" w="9525">
+              <a14:hiddenLine xmlns="" xmlns:a14="http://schemas.microsoft.com/office/drawing/2010/main" w="9525">
                 <a:solidFill>
                   <a:schemeClr val="tx1"/>
                 </a:solidFill>
@@ -34373,7 +34373,7 @@
               </a14:hiddenLine>
             </a:ext>
             <a:ext uri="{AF507438-7753-43e0-B8FC-AC1667EBCBE1}">
-              <a14:hiddenEffects xmlns:a14="http://schemas.microsoft.com/office/drawing/2010/main" xmlns="">
+              <a14:hiddenEffects xmlns="" xmlns:a14="http://schemas.microsoft.com/office/drawing/2010/main">
                 <a:effectLst>
                   <a:outerShdw blurRad="63500" dist="38099" dir="2700000" algn="ctr" rotWithShape="0">
                     <a:schemeClr val="bg2">
@@ -34453,7 +34453,7 @@
           <a:effectLst/>
           <a:extLst>
             <a:ext uri="{91240B29-F687-4f45-9708-019B960494DF}">
-              <a14:hiddenLine xmlns:a14="http://schemas.microsoft.com/office/drawing/2010/main" xmlns="" w="9525">
+              <a14:hiddenLine xmlns="" xmlns:a14="http://schemas.microsoft.com/office/drawing/2010/main" w="9525">
                 <a:solidFill>
                   <a:schemeClr val="tx1"/>
                 </a:solidFill>
@@ -34463,7 +34463,7 @@
               </a14:hiddenLine>
             </a:ext>
             <a:ext uri="{AF507438-7753-43e0-B8FC-AC1667EBCBE1}">
-              <a14:hiddenEffects xmlns:a14="http://schemas.microsoft.com/office/drawing/2010/main" xmlns="">
+              <a14:hiddenEffects xmlns="" xmlns:a14="http://schemas.microsoft.com/office/drawing/2010/main">
                 <a:effectLst>
                   <a:outerShdw blurRad="63500" dist="38099" dir="2700000" algn="ctr" rotWithShape="0">
                     <a:schemeClr val="bg2">
@@ -34512,7 +34512,7 @@
           <a:effectLst/>
           <a:extLst>
             <a:ext uri="{91240B29-F687-4f45-9708-019B960494DF}">
-              <a14:hiddenLine xmlns:a14="http://schemas.microsoft.com/office/drawing/2010/main" xmlns="" w="9525">
+              <a14:hiddenLine xmlns="" xmlns:a14="http://schemas.microsoft.com/office/drawing/2010/main" w="9525">
                 <a:solidFill>
                   <a:schemeClr val="tx1"/>
                 </a:solidFill>
@@ -34522,7 +34522,7 @@
               </a14:hiddenLine>
             </a:ext>
             <a:ext uri="{AF507438-7753-43e0-B8FC-AC1667EBCBE1}">
-              <a14:hiddenEffects xmlns:a14="http://schemas.microsoft.com/office/drawing/2010/main" xmlns="">
+              <a14:hiddenEffects xmlns="" xmlns:a14="http://schemas.microsoft.com/office/drawing/2010/main">
                 <a:effectLst>
                   <a:outerShdw blurRad="63500" dist="38099" dir="2700000" algn="ctr" rotWithShape="0">
                     <a:schemeClr val="bg2">
@@ -34565,14 +34565,14 @@
           <a:effectLst/>
           <a:extLst>
             <a:ext uri="{909E8E84-426E-40dd-AFC4-6F175D3DCCD1}">
-              <a14:hiddenFill xmlns:a14="http://schemas.microsoft.com/office/drawing/2010/main" xmlns="">
+              <a14:hiddenFill xmlns="" xmlns:a14="http://schemas.microsoft.com/office/drawing/2010/main">
                 <a:solidFill>
                   <a:schemeClr val="accent1"/>
                 </a:solidFill>
               </a14:hiddenFill>
             </a:ext>
             <a:ext uri="{91240B29-F687-4f45-9708-019B960494DF}">
-              <a14:hiddenLine xmlns:a14="http://schemas.microsoft.com/office/drawing/2010/main" xmlns="" w="9525">
+              <a14:hiddenLine xmlns="" xmlns:a14="http://schemas.microsoft.com/office/drawing/2010/main" w="9525">
                 <a:solidFill>
                   <a:schemeClr val="tx1"/>
                 </a:solidFill>
@@ -34582,7 +34582,7 @@
               </a14:hiddenLine>
             </a:ext>
             <a:ext uri="{AF507438-7753-43e0-B8FC-AC1667EBCBE1}">
-              <a14:hiddenEffects xmlns:a14="http://schemas.microsoft.com/office/drawing/2010/main" xmlns="">
+              <a14:hiddenEffects xmlns="" xmlns:a14="http://schemas.microsoft.com/office/drawing/2010/main">
                 <a:effectLst>
                   <a:outerShdw blurRad="63500" dist="38099" dir="2700000" algn="ctr" rotWithShape="0">
                     <a:schemeClr val="bg2">
@@ -34630,14 +34630,14 @@
           <a:effectLst/>
           <a:extLst>
             <a:ext uri="{909E8E84-426E-40dd-AFC4-6F175D3DCCD1}">
-              <a14:hiddenFill xmlns:a14="http://schemas.microsoft.com/office/drawing/2010/main" xmlns="">
+              <a14:hiddenFill xmlns="" xmlns:a14="http://schemas.microsoft.com/office/drawing/2010/main">
                 <a:solidFill>
                   <a:schemeClr val="accent1"/>
                 </a:solidFill>
               </a14:hiddenFill>
             </a:ext>
             <a:ext uri="{91240B29-F687-4f45-9708-019B960494DF}">
-              <a14:hiddenLine xmlns:a14="http://schemas.microsoft.com/office/drawing/2010/main" xmlns="" w="9525">
+              <a14:hiddenLine xmlns="" xmlns:a14="http://schemas.microsoft.com/office/drawing/2010/main" w="9525">
                 <a:solidFill>
                   <a:schemeClr val="tx1"/>
                 </a:solidFill>
@@ -34647,7 +34647,7 @@
               </a14:hiddenLine>
             </a:ext>
             <a:ext uri="{AF507438-7753-43e0-B8FC-AC1667EBCBE1}">
-              <a14:hiddenEffects xmlns:a14="http://schemas.microsoft.com/office/drawing/2010/main" xmlns="">
+              <a14:hiddenEffects xmlns="" xmlns:a14="http://schemas.microsoft.com/office/drawing/2010/main">
                 <a:effectLst>
                   <a:outerShdw blurRad="63500" dist="38099" dir="2700000" algn="ctr" rotWithShape="0">
                     <a:schemeClr val="bg2">
@@ -34700,14 +34700,14 @@
           <a:effectLst/>
           <a:extLst>
             <a:ext uri="{909E8E84-426E-40dd-AFC4-6F175D3DCCD1}">
-              <a14:hiddenFill xmlns:a14="http://schemas.microsoft.com/office/drawing/2010/main" xmlns="">
+              <a14:hiddenFill xmlns="" xmlns:a14="http://schemas.microsoft.com/office/drawing/2010/main">
                 <a:solidFill>
                   <a:schemeClr val="accent1"/>
                 </a:solidFill>
               </a14:hiddenFill>
             </a:ext>
             <a:ext uri="{AF507438-7753-43e0-B8FC-AC1667EBCBE1}">
-              <a14:hiddenEffects xmlns:a14="http://schemas.microsoft.com/office/drawing/2010/main" xmlns="">
+              <a14:hiddenEffects xmlns="" xmlns:a14="http://schemas.microsoft.com/office/drawing/2010/main">
                 <a:effectLst>
                   <a:outerShdw blurRad="63500" dist="38099" dir="2700000" algn="ctr" rotWithShape="0">
                     <a:schemeClr val="bg2">
@@ -34755,14 +34755,14 @@
           <a:effectLst/>
           <a:extLst>
             <a:ext uri="{909E8E84-426E-40dd-AFC4-6F175D3DCCD1}">
-              <a14:hiddenFill xmlns:a14="http://schemas.microsoft.com/office/drawing/2010/main" xmlns="">
+              <a14:hiddenFill xmlns="" xmlns:a14="http://schemas.microsoft.com/office/drawing/2010/main">
                 <a:solidFill>
                   <a:schemeClr val="accent1"/>
                 </a:solidFill>
               </a14:hiddenFill>
             </a:ext>
             <a:ext uri="{AF507438-7753-43e0-B8FC-AC1667EBCBE1}">
-              <a14:hiddenEffects xmlns:a14="http://schemas.microsoft.com/office/drawing/2010/main" xmlns="">
+              <a14:hiddenEffects xmlns="" xmlns:a14="http://schemas.microsoft.com/office/drawing/2010/main">
                 <a:effectLst>
                   <a:outerShdw blurRad="63500" dist="38099" dir="2700000" algn="ctr" rotWithShape="0">
                     <a:schemeClr val="bg2">
@@ -34810,12 +34810,12 @@
           <a:effectLst/>
           <a:extLst>
             <a:ext uri="{909E8E84-426E-40dd-AFC4-6F175D3DCCD1}">
-              <a14:hiddenFill xmlns:a14="http://schemas.microsoft.com/office/drawing/2010/main" xmlns="">
+              <a14:hiddenFill xmlns="" xmlns:a14="http://schemas.microsoft.com/office/drawing/2010/main">
                 <a:noFill/>
               </a14:hiddenFill>
             </a:ext>
             <a:ext uri="{AF507438-7753-43e0-B8FC-AC1667EBCBE1}">
-              <a14:hiddenEffects xmlns:a14="http://schemas.microsoft.com/office/drawing/2010/main" xmlns="">
+              <a14:hiddenEffects xmlns="" xmlns:a14="http://schemas.microsoft.com/office/drawing/2010/main">
                 <a:effectLst>
                   <a:outerShdw blurRad="63500" dist="38099" dir="2700000" algn="ctr" rotWithShape="0">
                     <a:schemeClr val="bg2">
@@ -34858,14 +34858,14 @@
           <a:effectLst/>
           <a:extLst>
             <a:ext uri="{909E8E84-426E-40dd-AFC4-6F175D3DCCD1}">
-              <a14:hiddenFill xmlns:a14="http://schemas.microsoft.com/office/drawing/2010/main" xmlns="">
+              <a14:hiddenFill xmlns="" xmlns:a14="http://schemas.microsoft.com/office/drawing/2010/main">
                 <a:solidFill>
                   <a:schemeClr val="accent1"/>
                 </a:solidFill>
               </a14:hiddenFill>
             </a:ext>
             <a:ext uri="{91240B29-F687-4f45-9708-019B960494DF}">
-              <a14:hiddenLine xmlns:a14="http://schemas.microsoft.com/office/drawing/2010/main" xmlns="" w="9525">
+              <a14:hiddenLine xmlns="" xmlns:a14="http://schemas.microsoft.com/office/drawing/2010/main" w="9525">
                 <a:solidFill>
                   <a:schemeClr val="tx1"/>
                 </a:solidFill>
@@ -34875,7 +34875,7 @@
               </a14:hiddenLine>
             </a:ext>
             <a:ext uri="{AF507438-7753-43e0-B8FC-AC1667EBCBE1}">
-              <a14:hiddenEffects xmlns:a14="http://schemas.microsoft.com/office/drawing/2010/main" xmlns="">
+              <a14:hiddenEffects xmlns="" xmlns:a14="http://schemas.microsoft.com/office/drawing/2010/main">
                 <a:effectLst>
                   <a:outerShdw blurRad="63500" dist="38099" dir="2700000" algn="ctr" rotWithShape="0">
                     <a:schemeClr val="bg2">
@@ -34928,12 +34928,12 @@
           <a:effectLst/>
           <a:extLst>
             <a:ext uri="{909E8E84-426E-40dd-AFC4-6F175D3DCCD1}">
-              <a14:hiddenFill xmlns:a14="http://schemas.microsoft.com/office/drawing/2010/main" xmlns="">
+              <a14:hiddenFill xmlns="" xmlns:a14="http://schemas.microsoft.com/office/drawing/2010/main">
                 <a:noFill/>
               </a14:hiddenFill>
             </a:ext>
             <a:ext uri="{AF507438-7753-43e0-B8FC-AC1667EBCBE1}">
-              <a14:hiddenEffects xmlns:a14="http://schemas.microsoft.com/office/drawing/2010/main" xmlns="">
+              <a14:hiddenEffects xmlns="" xmlns:a14="http://schemas.microsoft.com/office/drawing/2010/main">
                 <a:effectLst>
                   <a:outerShdw blurRad="63500" dist="38099" dir="2700000" algn="ctr" rotWithShape="0">
                     <a:schemeClr val="bg2">
@@ -34976,14 +34976,14 @@
           <a:effectLst/>
           <a:extLst>
             <a:ext uri="{909E8E84-426E-40dd-AFC4-6F175D3DCCD1}">
-              <a14:hiddenFill xmlns:a14="http://schemas.microsoft.com/office/drawing/2010/main" xmlns="">
+              <a14:hiddenFill xmlns="" xmlns:a14="http://schemas.microsoft.com/office/drawing/2010/main">
                 <a:solidFill>
                   <a:schemeClr val="accent1"/>
                 </a:solidFill>
               </a14:hiddenFill>
             </a:ext>
             <a:ext uri="{91240B29-F687-4f45-9708-019B960494DF}">
-              <a14:hiddenLine xmlns:a14="http://schemas.microsoft.com/office/drawing/2010/main" xmlns="" w="9525">
+              <a14:hiddenLine xmlns="" xmlns:a14="http://schemas.microsoft.com/office/drawing/2010/main" w="9525">
                 <a:solidFill>
                   <a:schemeClr val="tx1"/>
                 </a:solidFill>
@@ -34993,7 +34993,7 @@
               </a14:hiddenLine>
             </a:ext>
             <a:ext uri="{AF507438-7753-43e0-B8FC-AC1667EBCBE1}">
-              <a14:hiddenEffects xmlns:a14="http://schemas.microsoft.com/office/drawing/2010/main" xmlns="">
+              <a14:hiddenEffects xmlns="" xmlns:a14="http://schemas.microsoft.com/office/drawing/2010/main">
                 <a:effectLst>
                   <a:outerShdw blurRad="63500" dist="38099" dir="2700000" algn="ctr" rotWithShape="0">
                     <a:schemeClr val="bg2">
@@ -35046,14 +35046,14 @@
           <a:effectLst/>
           <a:extLst>
             <a:ext uri="{909E8E84-426E-40dd-AFC4-6F175D3DCCD1}">
-              <a14:hiddenFill xmlns:a14="http://schemas.microsoft.com/office/drawing/2010/main" xmlns="">
+              <a14:hiddenFill xmlns="" xmlns:a14="http://schemas.microsoft.com/office/drawing/2010/main">
                 <a:solidFill>
                   <a:schemeClr val="accent1"/>
                 </a:solidFill>
               </a14:hiddenFill>
             </a:ext>
             <a:ext uri="{AF507438-7753-43e0-B8FC-AC1667EBCBE1}">
-              <a14:hiddenEffects xmlns:a14="http://schemas.microsoft.com/office/drawing/2010/main" xmlns="">
+              <a14:hiddenEffects xmlns="" xmlns:a14="http://schemas.microsoft.com/office/drawing/2010/main">
                 <a:effectLst>
                   <a:outerShdw blurRad="63500" dist="38099" dir="2700000" algn="ctr" rotWithShape="0">
                     <a:schemeClr val="bg2">
@@ -35096,14 +35096,14 @@
           <a:effectLst/>
           <a:extLst>
             <a:ext uri="{909E8E84-426E-40dd-AFC4-6F175D3DCCD1}">
-              <a14:hiddenFill xmlns:a14="http://schemas.microsoft.com/office/drawing/2010/main" xmlns="">
+              <a14:hiddenFill xmlns="" xmlns:a14="http://schemas.microsoft.com/office/drawing/2010/main">
                 <a:solidFill>
                   <a:schemeClr val="accent1"/>
                 </a:solidFill>
               </a14:hiddenFill>
             </a:ext>
             <a:ext uri="{91240B29-F687-4f45-9708-019B960494DF}">
-              <a14:hiddenLine xmlns:a14="http://schemas.microsoft.com/office/drawing/2010/main" xmlns="" w="9525">
+              <a14:hiddenLine xmlns="" xmlns:a14="http://schemas.microsoft.com/office/drawing/2010/main" w="9525">
                 <a:solidFill>
                   <a:schemeClr val="tx1"/>
                 </a:solidFill>
@@ -35113,7 +35113,7 @@
               </a14:hiddenLine>
             </a:ext>
             <a:ext uri="{AF507438-7753-43e0-B8FC-AC1667EBCBE1}">
-              <a14:hiddenEffects xmlns:a14="http://schemas.microsoft.com/office/drawing/2010/main" xmlns="">
+              <a14:hiddenEffects xmlns="" xmlns:a14="http://schemas.microsoft.com/office/drawing/2010/main">
                 <a:effectLst>
                   <a:outerShdw blurRad="63500" dist="38099" dir="2700000" algn="ctr" rotWithShape="0">
                     <a:schemeClr val="bg2">
@@ -35166,12 +35166,12 @@
           <a:effectLst/>
           <a:extLst>
             <a:ext uri="{909E8E84-426E-40dd-AFC4-6F175D3DCCD1}">
-              <a14:hiddenFill xmlns:a14="http://schemas.microsoft.com/office/drawing/2010/main" xmlns="">
+              <a14:hiddenFill xmlns="" xmlns:a14="http://schemas.microsoft.com/office/drawing/2010/main">
                 <a:noFill/>
               </a14:hiddenFill>
             </a:ext>
             <a:ext uri="{AF507438-7753-43e0-B8FC-AC1667EBCBE1}">
-              <a14:hiddenEffects xmlns:a14="http://schemas.microsoft.com/office/drawing/2010/main" xmlns="">
+              <a14:hiddenEffects xmlns="" xmlns:a14="http://schemas.microsoft.com/office/drawing/2010/main">
                 <a:effectLst>
                   <a:outerShdw blurRad="63500" dist="38099" dir="2700000" algn="ctr" rotWithShape="0">
                     <a:schemeClr val="bg2">

--- a/ppt/TARS.pptx
+++ b/ppt/TARS.pptx
@@ -5,7 +5,7 @@
     <p:sldMasterId id="2147483648" r:id="rId1"/>
   </p:sldMasterIdLst>
   <p:notesMasterIdLst>
-    <p:notesMasterId r:id="rId23"/>
+    <p:notesMasterId r:id="rId25"/>
   </p:notesMasterIdLst>
   <p:sldIdLst>
     <p:sldId id="256" r:id="rId2"/>
@@ -27,8 +27,10 @@
     <p:sldId id="275" r:id="rId18"/>
     <p:sldId id="277" r:id="rId19"/>
     <p:sldId id="278" r:id="rId20"/>
-    <p:sldId id="285" r:id="rId21"/>
-    <p:sldId id="284" r:id="rId22"/>
+    <p:sldId id="286" r:id="rId21"/>
+    <p:sldId id="285" r:id="rId22"/>
+    <p:sldId id="287" r:id="rId23"/>
+    <p:sldId id="284" r:id="rId24"/>
   </p:sldIdLst>
   <p:sldSz cx="9144000" cy="6858000" type="screen4x3"/>
   <p:notesSz cx="6858000" cy="9144000"/>
@@ -228,7 +230,7 @@
           <a:p>
             <a:fld id="{C1984D0E-351B-134B-939A-40270C82F2DD}" type="datetimeFigureOut">
               <a:rPr kumimoji="1" lang="zh-CN" altLang="en-US" smtClean="0"/>
-              <a:t>2020/1/14</a:t>
+              <a:t>2020/1/16</a:t>
             </a:fld>
             <a:endParaRPr kumimoji="1" lang="zh-CN" altLang="en-US"/>
           </a:p>
@@ -674,7 +676,7 @@
           <a:p>
             <a:fld id="{F4B911A2-A7A0-374C-BF3F-D4D561F6F191}" type="datetimeFigureOut">
               <a:rPr kumimoji="1" lang="zh-CN" altLang="en-US" smtClean="0"/>
-              <a:t>2020/1/14</a:t>
+              <a:t>2020/1/16</a:t>
             </a:fld>
             <a:endParaRPr kumimoji="1" lang="zh-CN" altLang="en-US"/>
           </a:p>
@@ -842,7 +844,7 @@
           <a:p>
             <a:fld id="{F4B911A2-A7A0-374C-BF3F-D4D561F6F191}" type="datetimeFigureOut">
               <a:rPr kumimoji="1" lang="zh-CN" altLang="en-US" smtClean="0"/>
-              <a:t>2020/1/14</a:t>
+              <a:t>2020/1/16</a:t>
             </a:fld>
             <a:endParaRPr kumimoji="1" lang="zh-CN" altLang="en-US"/>
           </a:p>
@@ -1020,7 +1022,7 @@
           <a:p>
             <a:fld id="{F4B911A2-A7A0-374C-BF3F-D4D561F6F191}" type="datetimeFigureOut">
               <a:rPr kumimoji="1" lang="zh-CN" altLang="en-US" smtClean="0"/>
-              <a:t>2020/1/14</a:t>
+              <a:t>2020/1/16</a:t>
             </a:fld>
             <a:endParaRPr kumimoji="1" lang="zh-CN" altLang="en-US"/>
           </a:p>
@@ -1277,7 +1279,7 @@
           <a:p>
             <a:fld id="{F4B911A2-A7A0-374C-BF3F-D4D561F6F191}" type="datetimeFigureOut">
               <a:rPr kumimoji="1" lang="zh-CN" altLang="en-US" smtClean="0"/>
-              <a:t>2020/1/14</a:t>
+              <a:t>2020/1/16</a:t>
             </a:fld>
             <a:endParaRPr kumimoji="1" lang="zh-CN" altLang="en-US"/>
           </a:p>
@@ -1522,7 +1524,7 @@
           <a:p>
             <a:fld id="{F4B911A2-A7A0-374C-BF3F-D4D561F6F191}" type="datetimeFigureOut">
               <a:rPr kumimoji="1" lang="zh-CN" altLang="en-US" smtClean="0"/>
-              <a:t>2020/1/14</a:t>
+              <a:t>2020/1/16</a:t>
             </a:fld>
             <a:endParaRPr kumimoji="1" lang="zh-CN" altLang="en-US"/>
           </a:p>
@@ -1807,7 +1809,7 @@
           <a:p>
             <a:fld id="{F4B911A2-A7A0-374C-BF3F-D4D561F6F191}" type="datetimeFigureOut">
               <a:rPr kumimoji="1" lang="zh-CN" altLang="en-US" smtClean="0"/>
-              <a:t>2020/1/14</a:t>
+              <a:t>2020/1/16</a:t>
             </a:fld>
             <a:endParaRPr kumimoji="1" lang="zh-CN" altLang="en-US"/>
           </a:p>
@@ -2226,7 +2228,7 @@
           <a:p>
             <a:fld id="{F4B911A2-A7A0-374C-BF3F-D4D561F6F191}" type="datetimeFigureOut">
               <a:rPr kumimoji="1" lang="zh-CN" altLang="en-US" smtClean="0"/>
-              <a:t>2020/1/14</a:t>
+              <a:t>2020/1/16</a:t>
             </a:fld>
             <a:endParaRPr kumimoji="1" lang="zh-CN" altLang="en-US"/>
           </a:p>
@@ -2343,7 +2345,7 @@
           <a:p>
             <a:fld id="{F4B911A2-A7A0-374C-BF3F-D4D561F6F191}" type="datetimeFigureOut">
               <a:rPr kumimoji="1" lang="zh-CN" altLang="en-US" smtClean="0"/>
-              <a:t>2020/1/14</a:t>
+              <a:t>2020/1/16</a:t>
             </a:fld>
             <a:endParaRPr kumimoji="1" lang="zh-CN" altLang="en-US"/>
           </a:p>
@@ -2438,7 +2440,7 @@
           <a:p>
             <a:fld id="{F4B911A2-A7A0-374C-BF3F-D4D561F6F191}" type="datetimeFigureOut">
               <a:rPr kumimoji="1" lang="zh-CN" altLang="en-US" smtClean="0"/>
-              <a:t>2020/1/14</a:t>
+              <a:t>2020/1/16</a:t>
             </a:fld>
             <a:endParaRPr kumimoji="1" lang="zh-CN" altLang="en-US"/>
           </a:p>
@@ -2713,7 +2715,7 @@
           <a:p>
             <a:fld id="{F4B911A2-A7A0-374C-BF3F-D4D561F6F191}" type="datetimeFigureOut">
               <a:rPr kumimoji="1" lang="zh-CN" altLang="en-US" smtClean="0"/>
-              <a:t>2020/1/14</a:t>
+              <a:t>2020/1/16</a:t>
             </a:fld>
             <a:endParaRPr kumimoji="1" lang="zh-CN" altLang="en-US"/>
           </a:p>
@@ -2965,7 +2967,7 @@
           <a:p>
             <a:fld id="{F4B911A2-A7A0-374C-BF3F-D4D561F6F191}" type="datetimeFigureOut">
               <a:rPr kumimoji="1" lang="zh-CN" altLang="en-US" smtClean="0"/>
-              <a:t>2020/1/14</a:t>
+              <a:t>2020/1/16</a:t>
             </a:fld>
             <a:endParaRPr kumimoji="1" lang="zh-CN" altLang="en-US"/>
           </a:p>
@@ -3176,7 +3178,7 @@
           <a:p>
             <a:fld id="{F4B911A2-A7A0-374C-BF3F-D4D561F6F191}" type="datetimeFigureOut">
               <a:rPr kumimoji="1" lang="zh-CN" altLang="en-US" smtClean="0"/>
-              <a:t>2020/1/14</a:t>
+              <a:t>2020/1/16</a:t>
             </a:fld>
             <a:endParaRPr kumimoji="1" lang="zh-CN" altLang="en-US"/>
           </a:p>
@@ -3562,7 +3564,7 @@
         </p:nvSpPr>
         <p:spPr bwMode="auto">
           <a:xfrm>
-            <a:off x="755650" y="2565400"/>
+            <a:off x="1007268" y="2797875"/>
             <a:ext cx="7129463" cy="1962150"/>
           </a:xfrm>
           <a:prstGeom prst="rect">
@@ -3575,14 +3577,14 @@
           <a:effectLst/>
           <a:extLst>
             <a:ext uri="{909E8E84-426E-40dd-AFC4-6F175D3DCCD1}">
-              <a14:hiddenFill xmlns="" xmlns:a14="http://schemas.microsoft.com/office/drawing/2010/main">
+              <a14:hiddenFill xmlns:a14="http://schemas.microsoft.com/office/drawing/2010/main" xmlns="">
                 <a:solidFill>
                   <a:srgbClr val="FFFFFF"/>
                 </a:solidFill>
               </a14:hiddenFill>
             </a:ext>
             <a:ext uri="{91240B29-F687-4f45-9708-019B960494DF}">
-              <a14:hiddenLine xmlns="" xmlns:a14="http://schemas.microsoft.com/office/drawing/2010/main" w="9525">
+              <a14:hiddenLine xmlns:a14="http://schemas.microsoft.com/office/drawing/2010/main" xmlns="" w="9525">
                 <a:solidFill>
                   <a:srgbClr val="000000"/>
                 </a:solidFill>
@@ -3592,7 +3594,7 @@
               </a14:hiddenLine>
             </a:ext>
             <a:ext uri="{AF507438-7753-43e0-B8FC-AC1667EBCBE1}">
-              <a14:hiddenEffects xmlns="" xmlns:a14="http://schemas.microsoft.com/office/drawing/2010/main">
+              <a14:hiddenEffects xmlns:a14="http://schemas.microsoft.com/office/drawing/2010/main" xmlns="">
                 <a:effectLst>
                   <a:outerShdw blurRad="63500" dist="38099" dir="2700000" algn="ctr" rotWithShape="0">
                     <a:srgbClr val="000000">
@@ -3702,14 +3704,14 @@
           </a:ln>
           <a:extLst>
             <a:ext uri="{909E8E84-426E-40dd-AFC4-6F175D3DCCD1}">
-              <a14:hiddenFill xmlns="" xmlns:a14="http://schemas.microsoft.com/office/drawing/2010/main">
+              <a14:hiddenFill xmlns:a14="http://schemas.microsoft.com/office/drawing/2010/main" xmlns="">
                 <a:solidFill>
                   <a:srgbClr val="FFFFFF"/>
                 </a:solidFill>
               </a14:hiddenFill>
             </a:ext>
             <a:ext uri="{91240B29-F687-4f45-9708-019B960494DF}">
-              <a14:hiddenLine xmlns="" xmlns:a14="http://schemas.microsoft.com/office/drawing/2010/main" w="9525">
+              <a14:hiddenLine xmlns:a14="http://schemas.microsoft.com/office/drawing/2010/main" xmlns="" w="9525">
                 <a:solidFill>
                   <a:srgbClr val="000000"/>
                 </a:solidFill>
@@ -3782,7 +3784,7 @@
           </a:ln>
           <a:extLst>
             <a:ext uri="{909E8E84-426E-40dd-AFC4-6F175D3DCCD1}">
-              <a14:hiddenFill xmlns="" xmlns:a14="http://schemas.microsoft.com/office/drawing/2010/main">
+              <a14:hiddenFill xmlns:a14="http://schemas.microsoft.com/office/drawing/2010/main" xmlns="">
                 <a:solidFill>
                   <a:srgbClr val="FFFFFF"/>
                 </a:solidFill>
@@ -3831,7 +3833,7 @@
           </a:ln>
           <a:extLst>
             <a:ext uri="{909E8E84-426E-40dd-AFC4-6F175D3DCCD1}">
-              <a14:hiddenFill xmlns="" xmlns:a14="http://schemas.microsoft.com/office/drawing/2010/main">
+              <a14:hiddenFill xmlns:a14="http://schemas.microsoft.com/office/drawing/2010/main" xmlns="">
                 <a:solidFill>
                   <a:srgbClr val="FFFFFF"/>
                 </a:solidFill>
@@ -3949,7 +3951,7 @@
           <a:effectLst/>
           <a:extLst>
             <a:ext uri="{91240B29-F687-4f45-9708-019B960494DF}">
-              <a14:hiddenLine xmlns="" xmlns:a14="http://schemas.microsoft.com/office/drawing/2010/main" w="9525">
+              <a14:hiddenLine xmlns:a14="http://schemas.microsoft.com/office/drawing/2010/main" xmlns="" w="9525">
                 <a:solidFill>
                   <a:schemeClr val="tx1"/>
                 </a:solidFill>
@@ -3959,7 +3961,7 @@
               </a14:hiddenLine>
             </a:ext>
             <a:ext uri="{AF507438-7753-43e0-B8FC-AC1667EBCBE1}">
-              <a14:hiddenEffects xmlns="" xmlns:a14="http://schemas.microsoft.com/office/drawing/2010/main">
+              <a14:hiddenEffects xmlns:a14="http://schemas.microsoft.com/office/drawing/2010/main" xmlns="">
                 <a:effectLst>
                   <a:outerShdw blurRad="63500" dist="38099" dir="2700000" algn="ctr" rotWithShape="0">
                     <a:schemeClr val="bg2">
@@ -4010,7 +4012,7 @@
           <a:effectLst/>
           <a:extLst>
             <a:ext uri="{91240B29-F687-4f45-9708-019B960494DF}">
-              <a14:hiddenLine xmlns="" xmlns:a14="http://schemas.microsoft.com/office/drawing/2010/main" w="9525">
+              <a14:hiddenLine xmlns:a14="http://schemas.microsoft.com/office/drawing/2010/main" xmlns="" w="9525">
                 <a:solidFill>
                   <a:schemeClr val="tx1"/>
                 </a:solidFill>
@@ -4020,7 +4022,7 @@
               </a14:hiddenLine>
             </a:ext>
             <a:ext uri="{AF507438-7753-43e0-B8FC-AC1667EBCBE1}">
-              <a14:hiddenEffects xmlns="" xmlns:a14="http://schemas.microsoft.com/office/drawing/2010/main">
+              <a14:hiddenEffects xmlns:a14="http://schemas.microsoft.com/office/drawing/2010/main" xmlns="">
                 <a:effectLst>
                   <a:outerShdw blurRad="63500" dist="38099" dir="2700000" algn="ctr" rotWithShape="0">
                     <a:schemeClr val="bg2">
@@ -4071,7 +4073,7 @@
           <a:effectLst/>
           <a:extLst>
             <a:ext uri="{91240B29-F687-4f45-9708-019B960494DF}">
-              <a14:hiddenLine xmlns="" xmlns:a14="http://schemas.microsoft.com/office/drawing/2010/main" w="9525">
+              <a14:hiddenLine xmlns:a14="http://schemas.microsoft.com/office/drawing/2010/main" xmlns="" w="9525">
                 <a:solidFill>
                   <a:schemeClr val="tx1"/>
                 </a:solidFill>
@@ -4081,7 +4083,7 @@
               </a14:hiddenLine>
             </a:ext>
             <a:ext uri="{AF507438-7753-43e0-B8FC-AC1667EBCBE1}">
-              <a14:hiddenEffects xmlns="" xmlns:a14="http://schemas.microsoft.com/office/drawing/2010/main">
+              <a14:hiddenEffects xmlns:a14="http://schemas.microsoft.com/office/drawing/2010/main" xmlns="">
                 <a:effectLst>
                   <a:outerShdw blurRad="63500" dist="38099" dir="2700000" algn="ctr" rotWithShape="0">
                     <a:schemeClr val="bg2">
@@ -4138,7 +4140,7 @@
           <a:effectLst/>
           <a:extLst>
             <a:ext uri="{91240B29-F687-4f45-9708-019B960494DF}">
-              <a14:hiddenLine xmlns="" xmlns:a14="http://schemas.microsoft.com/office/drawing/2010/main" w="9525">
+              <a14:hiddenLine xmlns:a14="http://schemas.microsoft.com/office/drawing/2010/main" xmlns="" w="9525">
                 <a:solidFill>
                   <a:schemeClr val="tx1"/>
                 </a:solidFill>
@@ -4148,7 +4150,7 @@
               </a14:hiddenLine>
             </a:ext>
             <a:ext uri="{AF507438-7753-43e0-B8FC-AC1667EBCBE1}">
-              <a14:hiddenEffects xmlns="" xmlns:a14="http://schemas.microsoft.com/office/drawing/2010/main">
+              <a14:hiddenEffects xmlns:a14="http://schemas.microsoft.com/office/drawing/2010/main" xmlns="">
                 <a:effectLst>
                   <a:outerShdw blurRad="63500" dist="38099" dir="2700000" algn="ctr" rotWithShape="0">
                     <a:schemeClr val="bg2">
@@ -4192,14 +4194,14 @@
           <a:effectLst/>
           <a:extLst>
             <a:ext uri="{909E8E84-426E-40dd-AFC4-6F175D3DCCD1}">
-              <a14:hiddenFill xmlns="" xmlns:a14="http://schemas.microsoft.com/office/drawing/2010/main">
+              <a14:hiddenFill xmlns:a14="http://schemas.microsoft.com/office/drawing/2010/main" xmlns="">
                 <a:solidFill>
                   <a:schemeClr val="accent1"/>
                 </a:solidFill>
               </a14:hiddenFill>
             </a:ext>
             <a:ext uri="{91240B29-F687-4f45-9708-019B960494DF}">
-              <a14:hiddenLine xmlns="" xmlns:a14="http://schemas.microsoft.com/office/drawing/2010/main" w="9525">
+              <a14:hiddenLine xmlns:a14="http://schemas.microsoft.com/office/drawing/2010/main" xmlns="" w="9525">
                 <a:solidFill>
                   <a:schemeClr val="tx1"/>
                 </a:solidFill>
@@ -4209,7 +4211,7 @@
               </a14:hiddenLine>
             </a:ext>
             <a:ext uri="{AF507438-7753-43e0-B8FC-AC1667EBCBE1}">
-              <a14:hiddenEffects xmlns="" xmlns:a14="http://schemas.microsoft.com/office/drawing/2010/main">
+              <a14:hiddenEffects xmlns:a14="http://schemas.microsoft.com/office/drawing/2010/main" xmlns="">
                 <a:effectLst>
                   <a:outerShdw blurRad="63500" dist="38099" dir="2700000" algn="ctr" rotWithShape="0">
                     <a:schemeClr val="bg2">
@@ -4262,14 +4264,14 @@
           <a:effectLst/>
           <a:extLst>
             <a:ext uri="{909E8E84-426E-40dd-AFC4-6F175D3DCCD1}">
-              <a14:hiddenFill xmlns="" xmlns:a14="http://schemas.microsoft.com/office/drawing/2010/main">
+              <a14:hiddenFill xmlns:a14="http://schemas.microsoft.com/office/drawing/2010/main" xmlns="">
                 <a:solidFill>
                   <a:schemeClr val="accent1"/>
                 </a:solidFill>
               </a14:hiddenFill>
             </a:ext>
             <a:ext uri="{AF507438-7753-43e0-B8FC-AC1667EBCBE1}">
-              <a14:hiddenEffects xmlns="" xmlns:a14="http://schemas.microsoft.com/office/drawing/2010/main">
+              <a14:hiddenEffects xmlns:a14="http://schemas.microsoft.com/office/drawing/2010/main" xmlns="">
                 <a:effectLst>
                   <a:outerShdw blurRad="63500" dist="38099" dir="2700000" algn="ctr" rotWithShape="0">
                     <a:schemeClr val="bg2">
@@ -4317,14 +4319,14 @@
           <a:effectLst/>
           <a:extLst>
             <a:ext uri="{909E8E84-426E-40dd-AFC4-6F175D3DCCD1}">
-              <a14:hiddenFill xmlns="" xmlns:a14="http://schemas.microsoft.com/office/drawing/2010/main">
+              <a14:hiddenFill xmlns:a14="http://schemas.microsoft.com/office/drawing/2010/main" xmlns="">
                 <a:solidFill>
                   <a:schemeClr val="accent1"/>
                 </a:solidFill>
               </a14:hiddenFill>
             </a:ext>
             <a:ext uri="{AF507438-7753-43e0-B8FC-AC1667EBCBE1}">
-              <a14:hiddenEffects xmlns="" xmlns:a14="http://schemas.microsoft.com/office/drawing/2010/main">
+              <a14:hiddenEffects xmlns:a14="http://schemas.microsoft.com/office/drawing/2010/main" xmlns="">
                 <a:effectLst>
                   <a:outerShdw blurRad="63500" dist="38099" dir="2700000" algn="ctr" rotWithShape="0">
                     <a:schemeClr val="bg2">
@@ -4464,7 +4466,7 @@
           </a:ln>
           <a:extLst>
             <a:ext uri="{909E8E84-426E-40dd-AFC4-6F175D3DCCD1}">
-              <a14:hiddenFill xmlns="" xmlns:a14="http://schemas.microsoft.com/office/drawing/2010/main">
+              <a14:hiddenFill xmlns:a14="http://schemas.microsoft.com/office/drawing/2010/main" xmlns="">
                 <a:solidFill>
                   <a:srgbClr val="FFFFFF"/>
                 </a:solidFill>
@@ -4513,7 +4515,7 @@
           </a:ln>
           <a:extLst>
             <a:ext uri="{909E8E84-426E-40dd-AFC4-6F175D3DCCD1}">
-              <a14:hiddenFill xmlns="" xmlns:a14="http://schemas.microsoft.com/office/drawing/2010/main">
+              <a14:hiddenFill xmlns:a14="http://schemas.microsoft.com/office/drawing/2010/main" xmlns="">
                 <a:solidFill>
                   <a:srgbClr val="FFFFFF"/>
                 </a:solidFill>
@@ -4544,14 +4546,14 @@
           </a:ln>
           <a:extLst>
             <a:ext uri="{909E8E84-426E-40dd-AFC4-6F175D3DCCD1}">
-              <a14:hiddenFill xmlns="" xmlns:a14="http://schemas.microsoft.com/office/drawing/2010/main">
+              <a14:hiddenFill xmlns:a14="http://schemas.microsoft.com/office/drawing/2010/main" xmlns="">
                 <a:solidFill>
                   <a:srgbClr val="FFFFFF"/>
                 </a:solidFill>
               </a14:hiddenFill>
             </a:ext>
             <a:ext uri="{91240B29-F687-4f45-9708-019B960494DF}">
-              <a14:hiddenLine xmlns="" xmlns:a14="http://schemas.microsoft.com/office/drawing/2010/main" w="9525">
+              <a14:hiddenLine xmlns:a14="http://schemas.microsoft.com/office/drawing/2010/main" xmlns="" w="9525">
                 <a:solidFill>
                   <a:srgbClr val="000000"/>
                 </a:solidFill>
@@ -4639,7 +4641,7 @@
           <a:effectLst/>
           <a:extLst>
             <a:ext uri="{91240B29-F687-4f45-9708-019B960494DF}">
-              <a14:hiddenLine xmlns="" xmlns:a14="http://schemas.microsoft.com/office/drawing/2010/main" w="9525">
+              <a14:hiddenLine xmlns:a14="http://schemas.microsoft.com/office/drawing/2010/main" xmlns="" w="9525">
                 <a:solidFill>
                   <a:schemeClr val="tx1"/>
                 </a:solidFill>
@@ -4649,7 +4651,7 @@
               </a14:hiddenLine>
             </a:ext>
             <a:ext uri="{AF507438-7753-43e0-B8FC-AC1667EBCBE1}">
-              <a14:hiddenEffects xmlns="" xmlns:a14="http://schemas.microsoft.com/office/drawing/2010/main">
+              <a14:hiddenEffects xmlns:a14="http://schemas.microsoft.com/office/drawing/2010/main" xmlns="">
                 <a:effectLst>
                   <a:outerShdw blurRad="63500" dist="38099" dir="2700000" algn="ctr" rotWithShape="0">
                     <a:schemeClr val="bg2">
@@ -4699,7 +4701,7 @@
           <a:effectLst/>
           <a:extLst>
             <a:ext uri="{91240B29-F687-4f45-9708-019B960494DF}">
-              <a14:hiddenLine xmlns="" xmlns:a14="http://schemas.microsoft.com/office/drawing/2010/main" w="9525">
+              <a14:hiddenLine xmlns:a14="http://schemas.microsoft.com/office/drawing/2010/main" xmlns="" w="9525">
                 <a:solidFill>
                   <a:schemeClr val="tx1"/>
                 </a:solidFill>
@@ -4709,7 +4711,7 @@
               </a14:hiddenLine>
             </a:ext>
             <a:ext uri="{AF507438-7753-43e0-B8FC-AC1667EBCBE1}">
-              <a14:hiddenEffects xmlns="" xmlns:a14="http://schemas.microsoft.com/office/drawing/2010/main">
+              <a14:hiddenEffects xmlns:a14="http://schemas.microsoft.com/office/drawing/2010/main" xmlns="">
                 <a:effectLst>
                   <a:outerShdw blurRad="63500" dist="38099" dir="2700000" algn="ctr" rotWithShape="0">
                     <a:schemeClr val="bg2">
@@ -4762,14 +4764,14 @@
           <a:effectLst/>
           <a:extLst>
             <a:ext uri="{909E8E84-426E-40dd-AFC4-6F175D3DCCD1}">
-              <a14:hiddenFill xmlns="" xmlns:a14="http://schemas.microsoft.com/office/drawing/2010/main">
+              <a14:hiddenFill xmlns:a14="http://schemas.microsoft.com/office/drawing/2010/main" xmlns="">
                 <a:solidFill>
                   <a:schemeClr val="accent1"/>
                 </a:solidFill>
               </a14:hiddenFill>
             </a:ext>
             <a:ext uri="{AF507438-7753-43e0-B8FC-AC1667EBCBE1}">
-              <a14:hiddenEffects xmlns="" xmlns:a14="http://schemas.microsoft.com/office/drawing/2010/main">
+              <a14:hiddenEffects xmlns:a14="http://schemas.microsoft.com/office/drawing/2010/main" xmlns="">
                 <a:effectLst>
                   <a:outerShdw blurRad="63500" dist="38099" dir="2700000" algn="ctr" rotWithShape="0">
                     <a:schemeClr val="bg2">
@@ -4817,14 +4819,14 @@
           <a:effectLst/>
           <a:extLst>
             <a:ext uri="{909E8E84-426E-40dd-AFC4-6F175D3DCCD1}">
-              <a14:hiddenFill xmlns="" xmlns:a14="http://schemas.microsoft.com/office/drawing/2010/main">
+              <a14:hiddenFill xmlns:a14="http://schemas.microsoft.com/office/drawing/2010/main" xmlns="">
                 <a:solidFill>
                   <a:schemeClr val="accent1"/>
                 </a:solidFill>
               </a14:hiddenFill>
             </a:ext>
             <a:ext uri="{AF507438-7753-43e0-B8FC-AC1667EBCBE1}">
-              <a14:hiddenEffects xmlns="" xmlns:a14="http://schemas.microsoft.com/office/drawing/2010/main">
+              <a14:hiddenEffects xmlns:a14="http://schemas.microsoft.com/office/drawing/2010/main" xmlns="">
                 <a:effectLst>
                   <a:outerShdw blurRad="63500" dist="38099" dir="2700000" algn="ctr" rotWithShape="0">
                     <a:schemeClr val="bg2">
@@ -4869,7 +4871,7 @@
           <a:effectLst/>
           <a:extLst>
             <a:ext uri="{91240B29-F687-4f45-9708-019B960494DF}">
-              <a14:hiddenLine xmlns="" xmlns:a14="http://schemas.microsoft.com/office/drawing/2010/main" w="9525">
+              <a14:hiddenLine xmlns:a14="http://schemas.microsoft.com/office/drawing/2010/main" xmlns="" w="9525">
                 <a:solidFill>
                   <a:schemeClr val="tx1"/>
                 </a:solidFill>
@@ -4879,7 +4881,7 @@
               </a14:hiddenLine>
             </a:ext>
             <a:ext uri="{AF507438-7753-43e0-B8FC-AC1667EBCBE1}">
-              <a14:hiddenEffects xmlns="" xmlns:a14="http://schemas.microsoft.com/office/drawing/2010/main">
+              <a14:hiddenEffects xmlns:a14="http://schemas.microsoft.com/office/drawing/2010/main" xmlns="">
                 <a:effectLst>
                   <a:outerShdw blurRad="63500" dist="38099" dir="2700000" algn="ctr" rotWithShape="0">
                     <a:schemeClr val="bg2">
@@ -4949,7 +4951,7 @@
           <a:effectLst/>
           <a:extLst>
             <a:ext uri="{AF507438-7753-43e0-B8FC-AC1667EBCBE1}">
-              <a14:hiddenEffects xmlns="" xmlns:a14="http://schemas.microsoft.com/office/drawing/2010/main">
+              <a14:hiddenEffects xmlns:a14="http://schemas.microsoft.com/office/drawing/2010/main" xmlns="">
                 <a:effectLst>
                   <a:outerShdw blurRad="63500" dist="38099" dir="2700000" algn="ctr" rotWithShape="0">
                     <a:schemeClr val="bg2">
@@ -5021,14 +5023,14 @@
           </a:ln>
           <a:extLst>
             <a:ext uri="{909E8E84-426E-40dd-AFC4-6F175D3DCCD1}">
-              <a14:hiddenFill xmlns="" xmlns:a14="http://schemas.microsoft.com/office/drawing/2010/main">
+              <a14:hiddenFill xmlns:a14="http://schemas.microsoft.com/office/drawing/2010/main" xmlns="">
                 <a:solidFill>
                   <a:srgbClr val="FFFFFF"/>
                 </a:solidFill>
               </a14:hiddenFill>
             </a:ext>
             <a:ext uri="{91240B29-F687-4f45-9708-019B960494DF}">
-              <a14:hiddenLine xmlns="" xmlns:a14="http://schemas.microsoft.com/office/drawing/2010/main" w="9525">
+              <a14:hiddenLine xmlns:a14="http://schemas.microsoft.com/office/drawing/2010/main" xmlns="" w="9525">
                 <a:solidFill>
                   <a:srgbClr val="000000"/>
                 </a:solidFill>
@@ -5093,12 +5095,12 @@
           <a:effectLst/>
           <a:extLst>
             <a:ext uri="{909E8E84-426E-40dd-AFC4-6F175D3DCCD1}">
-              <a14:hiddenFill xmlns="" xmlns:a14="http://schemas.microsoft.com/office/drawing/2010/main">
+              <a14:hiddenFill xmlns:a14="http://schemas.microsoft.com/office/drawing/2010/main" xmlns="">
                 <a:noFill/>
               </a14:hiddenFill>
             </a:ext>
             <a:ext uri="{91240B29-F687-4f45-9708-019B960494DF}">
-              <a14:hiddenLine xmlns="" xmlns:a14="http://schemas.microsoft.com/office/drawing/2010/main" w="9525">
+              <a14:hiddenLine xmlns:a14="http://schemas.microsoft.com/office/drawing/2010/main" xmlns="" w="9525">
                 <a:solidFill>
                   <a:srgbClr val="000000"/>
                 </a:solidFill>
@@ -5108,7 +5110,7 @@
               </a14:hiddenLine>
             </a:ext>
             <a:ext uri="{AF507438-7753-43e0-B8FC-AC1667EBCBE1}">
-              <a14:hiddenEffects xmlns="" xmlns:a14="http://schemas.microsoft.com/office/drawing/2010/main">
+              <a14:hiddenEffects xmlns:a14="http://schemas.microsoft.com/office/drawing/2010/main" xmlns="">
                 <a:effectLst>
                   <a:outerShdw blurRad="63500" dist="38099" dir="2700000" algn="ctr" rotWithShape="0">
                     <a:schemeClr val="bg2">
@@ -5155,7 +5157,7 @@
           <a:effectLst/>
           <a:extLst>
             <a:ext uri="{91240B29-F687-4f45-9708-019B960494DF}">
-              <a14:hiddenLine xmlns="" xmlns:a14="http://schemas.microsoft.com/office/drawing/2010/main" w="9525">
+              <a14:hiddenLine xmlns:a14="http://schemas.microsoft.com/office/drawing/2010/main" xmlns="" w="9525">
                 <a:solidFill>
                   <a:srgbClr val="000000"/>
                 </a:solidFill>
@@ -5165,7 +5167,7 @@
               </a14:hiddenLine>
             </a:ext>
             <a:ext uri="{AF507438-7753-43e0-B8FC-AC1667EBCBE1}">
-              <a14:hiddenEffects xmlns="" xmlns:a14="http://schemas.microsoft.com/office/drawing/2010/main">
+              <a14:hiddenEffects xmlns:a14="http://schemas.microsoft.com/office/drawing/2010/main" xmlns="">
                 <a:effectLst>
                   <a:outerShdw blurRad="63500" dist="38099" dir="2700000" algn="ctr" rotWithShape="0">
                     <a:schemeClr val="bg2">
@@ -5220,7 +5222,7 @@
           <a:effectLst/>
           <a:extLst>
             <a:ext uri="{91240B29-F687-4f45-9708-019B960494DF}">
-              <a14:hiddenLine xmlns="" xmlns:a14="http://schemas.microsoft.com/office/drawing/2010/main" w="9525">
+              <a14:hiddenLine xmlns:a14="http://schemas.microsoft.com/office/drawing/2010/main" xmlns="" w="9525">
                 <a:solidFill>
                   <a:srgbClr val="000000"/>
                 </a:solidFill>
@@ -5230,7 +5232,7 @@
               </a14:hiddenLine>
             </a:ext>
             <a:ext uri="{AF507438-7753-43e0-B8FC-AC1667EBCBE1}">
-              <a14:hiddenEffects xmlns="" xmlns:a14="http://schemas.microsoft.com/office/drawing/2010/main">
+              <a14:hiddenEffects xmlns:a14="http://schemas.microsoft.com/office/drawing/2010/main" xmlns="">
                 <a:effectLst>
                   <a:outerShdw blurRad="63500" dist="38099" dir="2700000" algn="ctr" rotWithShape="0">
                     <a:schemeClr val="bg2">
@@ -5248,14 +5250,14 @@
           <a:p>
             <a:pPr algn="ctr"/>
             <a:r>
-              <a:rPr lang="zh-CN" altLang="en-US"/>
+              <a:rPr lang="zh-CN" altLang="en-US" dirty="0"/>
               <a:t>脚本创建新</a:t>
             </a:r>
             <a:r>
-              <a:rPr lang="en-US" sz="1600"/>
+              <a:rPr lang="en-US" sz="1600" dirty="0"/>
               <a:t>Server</a:t>
             </a:r>
-            <a:endParaRPr lang="en-US"/>
+            <a:endParaRPr lang="en-US" dirty="0"/>
           </a:p>
         </p:txBody>
       </p:sp>
@@ -5286,7 +5288,7 @@
           <a:effectLst/>
           <a:extLst>
             <a:ext uri="{91240B29-F687-4f45-9708-019B960494DF}">
-              <a14:hiddenLine xmlns="" xmlns:a14="http://schemas.microsoft.com/office/drawing/2010/main" w="9525">
+              <a14:hiddenLine xmlns:a14="http://schemas.microsoft.com/office/drawing/2010/main" xmlns="" w="9525">
                 <a:solidFill>
                   <a:srgbClr val="000000"/>
                 </a:solidFill>
@@ -5296,7 +5298,7 @@
               </a14:hiddenLine>
             </a:ext>
             <a:ext uri="{AF507438-7753-43e0-B8FC-AC1667EBCBE1}">
-              <a14:hiddenEffects xmlns="" xmlns:a14="http://schemas.microsoft.com/office/drawing/2010/main">
+              <a14:hiddenEffects xmlns:a14="http://schemas.microsoft.com/office/drawing/2010/main" xmlns="">
                 <a:effectLst>
                   <a:outerShdw blurRad="63500" dist="38099" dir="2700000" algn="ctr" rotWithShape="0">
                     <a:schemeClr val="bg2">
@@ -5347,7 +5349,7 @@
           <a:effectLst/>
           <a:extLst>
             <a:ext uri="{91240B29-F687-4f45-9708-019B960494DF}">
-              <a14:hiddenLine xmlns="" xmlns:a14="http://schemas.microsoft.com/office/drawing/2010/main" w="9525">
+              <a14:hiddenLine xmlns:a14="http://schemas.microsoft.com/office/drawing/2010/main" xmlns="" w="9525">
                 <a:solidFill>
                   <a:srgbClr val="000000"/>
                 </a:solidFill>
@@ -5357,7 +5359,7 @@
               </a14:hiddenLine>
             </a:ext>
             <a:ext uri="{AF507438-7753-43e0-B8FC-AC1667EBCBE1}">
-              <a14:hiddenEffects xmlns="" xmlns:a14="http://schemas.microsoft.com/office/drawing/2010/main">
+              <a14:hiddenEffects xmlns:a14="http://schemas.microsoft.com/office/drawing/2010/main" xmlns="">
                 <a:effectLst>
                   <a:outerShdw blurRad="63500" dist="38099" dir="2700000" algn="ctr" rotWithShape="0">
                     <a:schemeClr val="bg2">
@@ -5408,7 +5410,7 @@
           <a:effectLst/>
           <a:extLst>
             <a:ext uri="{91240B29-F687-4f45-9708-019B960494DF}">
-              <a14:hiddenLine xmlns="" xmlns:a14="http://schemas.microsoft.com/office/drawing/2010/main" w="9525">
+              <a14:hiddenLine xmlns:a14="http://schemas.microsoft.com/office/drawing/2010/main" xmlns="" w="9525">
                 <a:solidFill>
                   <a:srgbClr val="000000"/>
                 </a:solidFill>
@@ -5418,7 +5420,7 @@
               </a14:hiddenLine>
             </a:ext>
             <a:ext uri="{AF507438-7753-43e0-B8FC-AC1667EBCBE1}">
-              <a14:hiddenEffects xmlns="" xmlns:a14="http://schemas.microsoft.com/office/drawing/2010/main">
+              <a14:hiddenEffects xmlns:a14="http://schemas.microsoft.com/office/drawing/2010/main" xmlns="">
                 <a:effectLst>
                   <a:outerShdw blurRad="63500" dist="38099" dir="2700000" algn="ctr" rotWithShape="0">
                     <a:schemeClr val="bg2">
@@ -5473,7 +5475,7 @@
           <a:effectLst/>
           <a:extLst>
             <a:ext uri="{91240B29-F687-4f45-9708-019B960494DF}">
-              <a14:hiddenLine xmlns="" xmlns:a14="http://schemas.microsoft.com/office/drawing/2010/main" w="9525">
+              <a14:hiddenLine xmlns:a14="http://schemas.microsoft.com/office/drawing/2010/main" xmlns="" w="9525">
                 <a:solidFill>
                   <a:srgbClr val="000000"/>
                 </a:solidFill>
@@ -5483,7 +5485,7 @@
               </a14:hiddenLine>
             </a:ext>
             <a:ext uri="{AF507438-7753-43e0-B8FC-AC1667EBCBE1}">
-              <a14:hiddenEffects xmlns="" xmlns:a14="http://schemas.microsoft.com/office/drawing/2010/main">
+              <a14:hiddenEffects xmlns:a14="http://schemas.microsoft.com/office/drawing/2010/main" xmlns="">
                 <a:effectLst>
                   <a:outerShdw blurRad="63500" dist="38099" dir="2700000" algn="ctr" rotWithShape="0">
                     <a:schemeClr val="bg2">
@@ -5542,7 +5544,7 @@
           <a:effectLst/>
           <a:extLst>
             <a:ext uri="{91240B29-F687-4f45-9708-019B960494DF}">
-              <a14:hiddenLine xmlns="" xmlns:a14="http://schemas.microsoft.com/office/drawing/2010/main" w="9525">
+              <a14:hiddenLine xmlns:a14="http://schemas.microsoft.com/office/drawing/2010/main" xmlns="" w="9525">
                 <a:solidFill>
                   <a:srgbClr val="000000"/>
                 </a:solidFill>
@@ -5552,7 +5554,7 @@
               </a14:hiddenLine>
             </a:ext>
             <a:ext uri="{AF507438-7753-43e0-B8FC-AC1667EBCBE1}">
-              <a14:hiddenEffects xmlns="" xmlns:a14="http://schemas.microsoft.com/office/drawing/2010/main">
+              <a14:hiddenEffects xmlns:a14="http://schemas.microsoft.com/office/drawing/2010/main" xmlns="">
                 <a:effectLst>
                   <a:outerShdw blurRad="63500" dist="38099" dir="2700000" algn="ctr" rotWithShape="0">
                     <a:schemeClr val="bg2">
@@ -5611,7 +5613,7 @@
           <a:effectLst/>
           <a:extLst>
             <a:ext uri="{91240B29-F687-4f45-9708-019B960494DF}">
-              <a14:hiddenLine xmlns="" xmlns:a14="http://schemas.microsoft.com/office/drawing/2010/main" w="9525">
+              <a14:hiddenLine xmlns:a14="http://schemas.microsoft.com/office/drawing/2010/main" xmlns="" w="9525">
                 <a:solidFill>
                   <a:srgbClr val="000000"/>
                 </a:solidFill>
@@ -5621,7 +5623,7 @@
               </a14:hiddenLine>
             </a:ext>
             <a:ext uri="{AF507438-7753-43e0-B8FC-AC1667EBCBE1}">
-              <a14:hiddenEffects xmlns="" xmlns:a14="http://schemas.microsoft.com/office/drawing/2010/main">
+              <a14:hiddenEffects xmlns:a14="http://schemas.microsoft.com/office/drawing/2010/main" xmlns="">
                 <a:effectLst>
                   <a:outerShdw blurRad="63500" dist="38099" dir="2700000" algn="ctr" rotWithShape="0">
                     <a:schemeClr val="bg2">
@@ -5676,7 +5678,7 @@
           <a:effectLst/>
           <a:extLst>
             <a:ext uri="{91240B29-F687-4f45-9708-019B960494DF}">
-              <a14:hiddenLine xmlns="" xmlns:a14="http://schemas.microsoft.com/office/drawing/2010/main" w="9525">
+              <a14:hiddenLine xmlns:a14="http://schemas.microsoft.com/office/drawing/2010/main" xmlns="" w="9525">
                 <a:solidFill>
                   <a:srgbClr val="000000"/>
                 </a:solidFill>
@@ -5686,7 +5688,7 @@
               </a14:hiddenLine>
             </a:ext>
             <a:ext uri="{AF507438-7753-43e0-B8FC-AC1667EBCBE1}">
-              <a14:hiddenEffects xmlns="" xmlns:a14="http://schemas.microsoft.com/office/drawing/2010/main">
+              <a14:hiddenEffects xmlns:a14="http://schemas.microsoft.com/office/drawing/2010/main" xmlns="">
                 <a:effectLst>
                   <a:outerShdw blurRad="63500" dist="38099" dir="2700000" algn="ctr" rotWithShape="0">
                     <a:schemeClr val="bg2">
@@ -5749,7 +5751,7 @@
           <a:effectLst/>
           <a:extLst>
             <a:ext uri="{91240B29-F687-4f45-9708-019B960494DF}">
-              <a14:hiddenLine xmlns="" xmlns:a14="http://schemas.microsoft.com/office/drawing/2010/main" w="9525">
+              <a14:hiddenLine xmlns:a14="http://schemas.microsoft.com/office/drawing/2010/main" xmlns="" w="9525">
                 <a:solidFill>
                   <a:srgbClr val="000000"/>
                 </a:solidFill>
@@ -5759,7 +5761,7 @@
               </a14:hiddenLine>
             </a:ext>
             <a:ext uri="{AF507438-7753-43e0-B8FC-AC1667EBCBE1}">
-              <a14:hiddenEffects xmlns="" xmlns:a14="http://schemas.microsoft.com/office/drawing/2010/main">
+              <a14:hiddenEffects xmlns:a14="http://schemas.microsoft.com/office/drawing/2010/main" xmlns="">
                 <a:effectLst>
                   <a:outerShdw blurRad="63500" dist="38099" dir="2700000" algn="ctr" rotWithShape="0">
                     <a:schemeClr val="bg2">
@@ -5830,7 +5832,7 @@
           <a:effectLst/>
           <a:extLst>
             <a:ext uri="{91240B29-F687-4f45-9708-019B960494DF}">
-              <a14:hiddenLine xmlns="" xmlns:a14="http://schemas.microsoft.com/office/drawing/2010/main" w="9525">
+              <a14:hiddenLine xmlns:a14="http://schemas.microsoft.com/office/drawing/2010/main" xmlns="" w="9525">
                 <a:solidFill>
                   <a:srgbClr val="000000"/>
                 </a:solidFill>
@@ -5840,7 +5842,7 @@
               </a14:hiddenLine>
             </a:ext>
             <a:ext uri="{AF507438-7753-43e0-B8FC-AC1667EBCBE1}">
-              <a14:hiddenEffects xmlns="" xmlns:a14="http://schemas.microsoft.com/office/drawing/2010/main">
+              <a14:hiddenEffects xmlns:a14="http://schemas.microsoft.com/office/drawing/2010/main" xmlns="">
                 <a:effectLst>
                   <a:outerShdw blurRad="63500" dist="38099" dir="2700000" algn="ctr" rotWithShape="0">
                     <a:schemeClr val="bg2">
@@ -5895,7 +5897,7 @@
           <a:effectLst/>
           <a:extLst>
             <a:ext uri="{91240B29-F687-4f45-9708-019B960494DF}">
-              <a14:hiddenLine xmlns="" xmlns:a14="http://schemas.microsoft.com/office/drawing/2010/main" w="9525">
+              <a14:hiddenLine xmlns:a14="http://schemas.microsoft.com/office/drawing/2010/main" xmlns="" w="9525">
                 <a:solidFill>
                   <a:srgbClr val="000000"/>
                 </a:solidFill>
@@ -5905,7 +5907,7 @@
               </a14:hiddenLine>
             </a:ext>
             <a:ext uri="{AF507438-7753-43e0-B8FC-AC1667EBCBE1}">
-              <a14:hiddenEffects xmlns="" xmlns:a14="http://schemas.microsoft.com/office/drawing/2010/main">
+              <a14:hiddenEffects xmlns:a14="http://schemas.microsoft.com/office/drawing/2010/main" xmlns="">
                 <a:effectLst>
                   <a:outerShdw blurRad="63500" dist="38099" dir="2700000" algn="ctr" rotWithShape="0">
                     <a:schemeClr val="bg2">
@@ -5976,7 +5978,7 @@
           <a:effectLst/>
           <a:extLst>
             <a:ext uri="{91240B29-F687-4f45-9708-019B960494DF}">
-              <a14:hiddenLine xmlns="" xmlns:a14="http://schemas.microsoft.com/office/drawing/2010/main" w="9525">
+              <a14:hiddenLine xmlns:a14="http://schemas.microsoft.com/office/drawing/2010/main" xmlns="" w="9525">
                 <a:solidFill>
                   <a:srgbClr val="000000"/>
                 </a:solidFill>
@@ -5986,7 +5988,7 @@
               </a14:hiddenLine>
             </a:ext>
             <a:ext uri="{AF507438-7753-43e0-B8FC-AC1667EBCBE1}">
-              <a14:hiddenEffects xmlns="" xmlns:a14="http://schemas.microsoft.com/office/drawing/2010/main">
+              <a14:hiddenEffects xmlns:a14="http://schemas.microsoft.com/office/drawing/2010/main" xmlns="">
                 <a:effectLst>
                   <a:outerShdw blurRad="63500" dist="38099" dir="2700000" algn="ctr" rotWithShape="0">
                     <a:schemeClr val="bg2">
@@ -6041,7 +6043,7 @@
           <a:effectLst/>
           <a:extLst>
             <a:ext uri="{91240B29-F687-4f45-9708-019B960494DF}">
-              <a14:hiddenLine xmlns="" xmlns:a14="http://schemas.microsoft.com/office/drawing/2010/main" w="9525">
+              <a14:hiddenLine xmlns:a14="http://schemas.microsoft.com/office/drawing/2010/main" xmlns="" w="9525">
                 <a:solidFill>
                   <a:srgbClr val="000000"/>
                 </a:solidFill>
@@ -6051,7 +6053,7 @@
               </a14:hiddenLine>
             </a:ext>
             <a:ext uri="{AF507438-7753-43e0-B8FC-AC1667EBCBE1}">
-              <a14:hiddenEffects xmlns="" xmlns:a14="http://schemas.microsoft.com/office/drawing/2010/main">
+              <a14:hiddenEffects xmlns:a14="http://schemas.microsoft.com/office/drawing/2010/main" xmlns="">
                 <a:effectLst>
                   <a:outerShdw blurRad="63500" dist="38099" dir="2700000" algn="ctr" rotWithShape="0">
                     <a:schemeClr val="bg2">
@@ -6200,7 +6202,7 @@
           <a:effectLst/>
           <a:extLst>
             <a:ext uri="{91240B29-F687-4f45-9708-019B960494DF}">
-              <a14:hiddenLine xmlns="" xmlns:a14="http://schemas.microsoft.com/office/drawing/2010/main" w="9525">
+              <a14:hiddenLine xmlns:a14="http://schemas.microsoft.com/office/drawing/2010/main" xmlns="" w="9525">
                 <a:solidFill>
                   <a:srgbClr val="000000"/>
                 </a:solidFill>
@@ -6210,7 +6212,7 @@
               </a14:hiddenLine>
             </a:ext>
             <a:ext uri="{AF507438-7753-43e0-B8FC-AC1667EBCBE1}">
-              <a14:hiddenEffects xmlns="" xmlns:a14="http://schemas.microsoft.com/office/drawing/2010/main">
+              <a14:hiddenEffects xmlns:a14="http://schemas.microsoft.com/office/drawing/2010/main" xmlns="">
                 <a:effectLst>
                   <a:outerShdw blurRad="63500" dist="38099" dir="2700000" algn="ctr" rotWithShape="0">
                     <a:schemeClr val="bg2">
@@ -6351,7 +6353,7 @@
           <a:effectLst/>
           <a:extLst>
             <a:ext uri="{91240B29-F687-4f45-9708-019B960494DF}">
-              <a14:hiddenLine xmlns="" xmlns:a14="http://schemas.microsoft.com/office/drawing/2010/main" w="9525">
+              <a14:hiddenLine xmlns:a14="http://schemas.microsoft.com/office/drawing/2010/main" xmlns="" w="9525">
                 <a:solidFill>
                   <a:srgbClr val="000000"/>
                 </a:solidFill>
@@ -6361,7 +6363,7 @@
               </a14:hiddenLine>
             </a:ext>
             <a:ext uri="{AF507438-7753-43e0-B8FC-AC1667EBCBE1}">
-              <a14:hiddenEffects xmlns="" xmlns:a14="http://schemas.microsoft.com/office/drawing/2010/main">
+              <a14:hiddenEffects xmlns:a14="http://schemas.microsoft.com/office/drawing/2010/main" xmlns="">
                 <a:effectLst>
                   <a:outerShdw blurRad="63500" dist="38099" dir="2700000" algn="ctr" rotWithShape="0">
                     <a:schemeClr val="bg2">
@@ -6502,7 +6504,7 @@
           <a:effectLst/>
           <a:extLst>
             <a:ext uri="{91240B29-F687-4f45-9708-019B960494DF}">
-              <a14:hiddenLine xmlns="" xmlns:a14="http://schemas.microsoft.com/office/drawing/2010/main" w="9525">
+              <a14:hiddenLine xmlns:a14="http://schemas.microsoft.com/office/drawing/2010/main" xmlns="" w="9525">
                 <a:solidFill>
                   <a:srgbClr val="000000"/>
                 </a:solidFill>
@@ -6512,7 +6514,7 @@
               </a14:hiddenLine>
             </a:ext>
             <a:ext uri="{AF507438-7753-43e0-B8FC-AC1667EBCBE1}">
-              <a14:hiddenEffects xmlns="" xmlns:a14="http://schemas.microsoft.com/office/drawing/2010/main">
+              <a14:hiddenEffects xmlns:a14="http://schemas.microsoft.com/office/drawing/2010/main" xmlns="">
                 <a:effectLst>
                   <a:outerShdw blurRad="63500" dist="38099" dir="2700000" algn="ctr" rotWithShape="0">
                     <a:schemeClr val="bg2">
@@ -6653,7 +6655,7 @@
           <a:effectLst/>
           <a:extLst>
             <a:ext uri="{91240B29-F687-4f45-9708-019B960494DF}">
-              <a14:hiddenLine xmlns="" xmlns:a14="http://schemas.microsoft.com/office/drawing/2010/main" w="9525">
+              <a14:hiddenLine xmlns:a14="http://schemas.microsoft.com/office/drawing/2010/main" xmlns="" w="9525">
                 <a:solidFill>
                   <a:srgbClr val="000000"/>
                 </a:solidFill>
@@ -6663,7 +6665,7 @@
               </a14:hiddenLine>
             </a:ext>
             <a:ext uri="{AF507438-7753-43e0-B8FC-AC1667EBCBE1}">
-              <a14:hiddenEffects xmlns="" xmlns:a14="http://schemas.microsoft.com/office/drawing/2010/main">
+              <a14:hiddenEffects xmlns:a14="http://schemas.microsoft.com/office/drawing/2010/main" xmlns="">
                 <a:effectLst>
                   <a:outerShdw blurRad="63500" dist="38099" dir="2700000" algn="ctr" rotWithShape="0">
                     <a:schemeClr val="bg2">
@@ -6804,7 +6806,7 @@
           <a:effectLst/>
           <a:extLst>
             <a:ext uri="{91240B29-F687-4f45-9708-019B960494DF}">
-              <a14:hiddenLine xmlns="" xmlns:a14="http://schemas.microsoft.com/office/drawing/2010/main" w="9525">
+              <a14:hiddenLine xmlns:a14="http://schemas.microsoft.com/office/drawing/2010/main" xmlns="" w="9525">
                 <a:solidFill>
                   <a:srgbClr val="000000"/>
                 </a:solidFill>
@@ -6814,7 +6816,7 @@
               </a14:hiddenLine>
             </a:ext>
             <a:ext uri="{AF507438-7753-43e0-B8FC-AC1667EBCBE1}">
-              <a14:hiddenEffects xmlns="" xmlns:a14="http://schemas.microsoft.com/office/drawing/2010/main">
+              <a14:hiddenEffects xmlns:a14="http://schemas.microsoft.com/office/drawing/2010/main" xmlns="">
                 <a:effectLst>
                   <a:outerShdw blurRad="63500" dist="38099" dir="2700000" algn="ctr" rotWithShape="0">
                     <a:schemeClr val="bg2">
@@ -6955,7 +6957,7 @@
           <a:effectLst/>
           <a:extLst>
             <a:ext uri="{91240B29-F687-4f45-9708-019B960494DF}">
-              <a14:hiddenLine xmlns="" xmlns:a14="http://schemas.microsoft.com/office/drawing/2010/main" w="9525">
+              <a14:hiddenLine xmlns:a14="http://schemas.microsoft.com/office/drawing/2010/main" xmlns="" w="9525">
                 <a:solidFill>
                   <a:srgbClr val="000000"/>
                 </a:solidFill>
@@ -6965,7 +6967,7 @@
               </a14:hiddenLine>
             </a:ext>
             <a:ext uri="{AF507438-7753-43e0-B8FC-AC1667EBCBE1}">
-              <a14:hiddenEffects xmlns="" xmlns:a14="http://schemas.microsoft.com/office/drawing/2010/main">
+              <a14:hiddenEffects xmlns:a14="http://schemas.microsoft.com/office/drawing/2010/main" xmlns="">
                 <a:effectLst>
                   <a:outerShdw blurRad="63500" dist="38099" dir="2700000" algn="ctr" rotWithShape="0">
                     <a:schemeClr val="bg2">
@@ -7013,12 +7015,12 @@
           <a:effectLst/>
           <a:extLst>
             <a:ext uri="{909E8E84-426E-40dd-AFC4-6F175D3DCCD1}">
-              <a14:hiddenFill xmlns="" xmlns:a14="http://schemas.microsoft.com/office/drawing/2010/main">
+              <a14:hiddenFill xmlns:a14="http://schemas.microsoft.com/office/drawing/2010/main" xmlns="">
                 <a:noFill/>
               </a14:hiddenFill>
             </a:ext>
             <a:ext uri="{AF507438-7753-43e0-B8FC-AC1667EBCBE1}">
-              <a14:hiddenEffects xmlns="" xmlns:a14="http://schemas.microsoft.com/office/drawing/2010/main">
+              <a14:hiddenEffects xmlns:a14="http://schemas.microsoft.com/office/drawing/2010/main" xmlns="">
                 <a:effectLst>
                   <a:outerShdw blurRad="63500" dist="38099" dir="2700000" algn="ctr" rotWithShape="0">
                     <a:schemeClr val="bg2">
@@ -7066,12 +7068,12 @@
           <a:effectLst/>
           <a:extLst>
             <a:ext uri="{909E8E84-426E-40dd-AFC4-6F175D3DCCD1}">
-              <a14:hiddenFill xmlns="" xmlns:a14="http://schemas.microsoft.com/office/drawing/2010/main">
+              <a14:hiddenFill xmlns:a14="http://schemas.microsoft.com/office/drawing/2010/main" xmlns="">
                 <a:noFill/>
               </a14:hiddenFill>
             </a:ext>
             <a:ext uri="{AF507438-7753-43e0-B8FC-AC1667EBCBE1}">
-              <a14:hiddenEffects xmlns="" xmlns:a14="http://schemas.microsoft.com/office/drawing/2010/main">
+              <a14:hiddenEffects xmlns:a14="http://schemas.microsoft.com/office/drawing/2010/main" xmlns="">
                 <a:effectLst>
                   <a:outerShdw blurRad="63500" dist="38099" dir="2700000" algn="ctr" rotWithShape="0">
                     <a:schemeClr val="bg2">
@@ -7119,12 +7121,12 @@
           <a:effectLst/>
           <a:extLst>
             <a:ext uri="{909E8E84-426E-40dd-AFC4-6F175D3DCCD1}">
-              <a14:hiddenFill xmlns="" xmlns:a14="http://schemas.microsoft.com/office/drawing/2010/main">
+              <a14:hiddenFill xmlns:a14="http://schemas.microsoft.com/office/drawing/2010/main" xmlns="">
                 <a:noFill/>
               </a14:hiddenFill>
             </a:ext>
             <a:ext uri="{AF507438-7753-43e0-B8FC-AC1667EBCBE1}">
-              <a14:hiddenEffects xmlns="" xmlns:a14="http://schemas.microsoft.com/office/drawing/2010/main">
+              <a14:hiddenEffects xmlns:a14="http://schemas.microsoft.com/office/drawing/2010/main" xmlns="">
                 <a:effectLst>
                   <a:outerShdw blurRad="63500" dist="38099" dir="2700000" algn="ctr" rotWithShape="0">
                     <a:schemeClr val="bg2">
@@ -7172,12 +7174,12 @@
           <a:effectLst/>
           <a:extLst>
             <a:ext uri="{909E8E84-426E-40dd-AFC4-6F175D3DCCD1}">
-              <a14:hiddenFill xmlns="" xmlns:a14="http://schemas.microsoft.com/office/drawing/2010/main">
+              <a14:hiddenFill xmlns:a14="http://schemas.microsoft.com/office/drawing/2010/main" xmlns="">
                 <a:noFill/>
               </a14:hiddenFill>
             </a:ext>
             <a:ext uri="{AF507438-7753-43e0-B8FC-AC1667EBCBE1}">
-              <a14:hiddenEffects xmlns="" xmlns:a14="http://schemas.microsoft.com/office/drawing/2010/main">
+              <a14:hiddenEffects xmlns:a14="http://schemas.microsoft.com/office/drawing/2010/main" xmlns="">
                 <a:effectLst>
                   <a:outerShdw blurRad="63500" dist="38099" dir="2700000" algn="ctr" rotWithShape="0">
                     <a:schemeClr val="bg2">
@@ -7225,12 +7227,12 @@
           <a:effectLst/>
           <a:extLst>
             <a:ext uri="{909E8E84-426E-40dd-AFC4-6F175D3DCCD1}">
-              <a14:hiddenFill xmlns="" xmlns:a14="http://schemas.microsoft.com/office/drawing/2010/main">
+              <a14:hiddenFill xmlns:a14="http://schemas.microsoft.com/office/drawing/2010/main" xmlns="">
                 <a:noFill/>
               </a14:hiddenFill>
             </a:ext>
             <a:ext uri="{AF507438-7753-43e0-B8FC-AC1667EBCBE1}">
-              <a14:hiddenEffects xmlns="" xmlns:a14="http://schemas.microsoft.com/office/drawing/2010/main">
+              <a14:hiddenEffects xmlns:a14="http://schemas.microsoft.com/office/drawing/2010/main" xmlns="">
                 <a:effectLst>
                   <a:outerShdw blurRad="63500" dist="38099" dir="2700000" algn="ctr" rotWithShape="0">
                     <a:schemeClr val="bg2">
@@ -7273,12 +7275,12 @@
           <a:effectLst/>
           <a:extLst>
             <a:ext uri="{909E8E84-426E-40dd-AFC4-6F175D3DCCD1}">
-              <a14:hiddenFill xmlns="" xmlns:a14="http://schemas.microsoft.com/office/drawing/2010/main">
+              <a14:hiddenFill xmlns:a14="http://schemas.microsoft.com/office/drawing/2010/main" xmlns="">
                 <a:noFill/>
               </a14:hiddenFill>
             </a:ext>
             <a:ext uri="{91240B29-F687-4f45-9708-019B960494DF}">
-              <a14:hiddenLine xmlns="" xmlns:a14="http://schemas.microsoft.com/office/drawing/2010/main" w="9525">
+              <a14:hiddenLine xmlns:a14="http://schemas.microsoft.com/office/drawing/2010/main" xmlns="" w="9525">
                 <a:solidFill>
                   <a:srgbClr val="000000"/>
                 </a:solidFill>
@@ -7288,7 +7290,7 @@
               </a14:hiddenLine>
             </a:ext>
             <a:ext uri="{AF507438-7753-43e0-B8FC-AC1667EBCBE1}">
-              <a14:hiddenEffects xmlns="" xmlns:a14="http://schemas.microsoft.com/office/drawing/2010/main">
+              <a14:hiddenEffects xmlns:a14="http://schemas.microsoft.com/office/drawing/2010/main" xmlns="">
                 <a:effectLst>
                   <a:outerShdw blurRad="63500" dist="38099" dir="2700000" algn="ctr" rotWithShape="0">
                     <a:schemeClr val="bg2">
@@ -7333,7 +7335,7 @@
           <a:effectLst/>
           <a:extLst>
             <a:ext uri="{91240B29-F687-4f45-9708-019B960494DF}">
-              <a14:hiddenLine xmlns="" xmlns:a14="http://schemas.microsoft.com/office/drawing/2010/main" w="9525">
+              <a14:hiddenLine xmlns:a14="http://schemas.microsoft.com/office/drawing/2010/main" xmlns="" w="9525">
                 <a:solidFill>
                   <a:srgbClr val="000000"/>
                 </a:solidFill>
@@ -7343,7 +7345,7 @@
               </a14:hiddenLine>
             </a:ext>
             <a:ext uri="{AF507438-7753-43e0-B8FC-AC1667EBCBE1}">
-              <a14:hiddenEffects xmlns="" xmlns:a14="http://schemas.microsoft.com/office/drawing/2010/main">
+              <a14:hiddenEffects xmlns:a14="http://schemas.microsoft.com/office/drawing/2010/main" xmlns="">
                 <a:effectLst>
                   <a:outerShdw blurRad="63500" dist="38099" dir="2700000" algn="ctr" rotWithShape="0">
                     <a:schemeClr val="bg2">
@@ -7392,7 +7394,7 @@
           <a:effectLst/>
           <a:extLst>
             <a:ext uri="{91240B29-F687-4f45-9708-019B960494DF}">
-              <a14:hiddenLine xmlns="" xmlns:a14="http://schemas.microsoft.com/office/drawing/2010/main" w="9525">
+              <a14:hiddenLine xmlns:a14="http://schemas.microsoft.com/office/drawing/2010/main" xmlns="" w="9525">
                 <a:solidFill>
                   <a:srgbClr val="000000"/>
                 </a:solidFill>
@@ -7402,7 +7404,7 @@
               </a14:hiddenLine>
             </a:ext>
             <a:ext uri="{AF507438-7753-43e0-B8FC-AC1667EBCBE1}">
-              <a14:hiddenEffects xmlns="" xmlns:a14="http://schemas.microsoft.com/office/drawing/2010/main">
+              <a14:hiddenEffects xmlns:a14="http://schemas.microsoft.com/office/drawing/2010/main" xmlns="">
                 <a:effectLst>
                   <a:outerShdw blurRad="63500" dist="38099" dir="2700000" algn="ctr" rotWithShape="0">
                     <a:schemeClr val="bg2">
@@ -7451,7 +7453,7 @@
           <a:effectLst/>
           <a:extLst>
             <a:ext uri="{91240B29-F687-4f45-9708-019B960494DF}">
-              <a14:hiddenLine xmlns="" xmlns:a14="http://schemas.microsoft.com/office/drawing/2010/main" w="9525">
+              <a14:hiddenLine xmlns:a14="http://schemas.microsoft.com/office/drawing/2010/main" xmlns="" w="9525">
                 <a:solidFill>
                   <a:srgbClr val="000000"/>
                 </a:solidFill>
@@ -7461,7 +7463,7 @@
               </a14:hiddenLine>
             </a:ext>
             <a:ext uri="{AF507438-7753-43e0-B8FC-AC1667EBCBE1}">
-              <a14:hiddenEffects xmlns="" xmlns:a14="http://schemas.microsoft.com/office/drawing/2010/main">
+              <a14:hiddenEffects xmlns:a14="http://schemas.microsoft.com/office/drawing/2010/main" xmlns="">
                 <a:effectLst>
                   <a:outerShdw blurRad="63500" dist="38099" dir="2700000" algn="ctr" rotWithShape="0">
                     <a:schemeClr val="bg2">
@@ -7514,12 +7516,12 @@
           <a:effectLst/>
           <a:extLst>
             <a:ext uri="{909E8E84-426E-40dd-AFC4-6F175D3DCCD1}">
-              <a14:hiddenFill xmlns="" xmlns:a14="http://schemas.microsoft.com/office/drawing/2010/main">
+              <a14:hiddenFill xmlns:a14="http://schemas.microsoft.com/office/drawing/2010/main" xmlns="">
                 <a:noFill/>
               </a14:hiddenFill>
             </a:ext>
             <a:ext uri="{AF507438-7753-43e0-B8FC-AC1667EBCBE1}">
-              <a14:hiddenEffects xmlns="" xmlns:a14="http://schemas.microsoft.com/office/drawing/2010/main">
+              <a14:hiddenEffects xmlns:a14="http://schemas.microsoft.com/office/drawing/2010/main" xmlns="">
                 <a:effectLst>
                   <a:outerShdw blurRad="63500" dist="38099" dir="2700000" algn="ctr" rotWithShape="0">
                     <a:schemeClr val="bg2">
@@ -7568,12 +7570,12 @@
           <a:effectLst/>
           <a:extLst>
             <a:ext uri="{909E8E84-426E-40dd-AFC4-6F175D3DCCD1}">
-              <a14:hiddenFill xmlns="" xmlns:a14="http://schemas.microsoft.com/office/drawing/2010/main">
+              <a14:hiddenFill xmlns:a14="http://schemas.microsoft.com/office/drawing/2010/main" xmlns="">
                 <a:noFill/>
               </a14:hiddenFill>
             </a:ext>
             <a:ext uri="{AF507438-7753-43e0-B8FC-AC1667EBCBE1}">
-              <a14:hiddenEffects xmlns="" xmlns:a14="http://schemas.microsoft.com/office/drawing/2010/main">
+              <a14:hiddenEffects xmlns:a14="http://schemas.microsoft.com/office/drawing/2010/main" xmlns="">
                 <a:effectLst>
                   <a:outerShdw blurRad="63500" dist="38099" dir="2700000" algn="ctr" rotWithShape="0">
                     <a:schemeClr val="bg2">
@@ -7622,14 +7624,14 @@
           <a:effectLst/>
           <a:extLst>
             <a:ext uri="{909E8E84-426E-40dd-AFC4-6F175D3DCCD1}">
-              <a14:hiddenFill xmlns="" xmlns:a14="http://schemas.microsoft.com/office/drawing/2010/main">
+              <a14:hiddenFill xmlns:a14="http://schemas.microsoft.com/office/drawing/2010/main" xmlns="">
                 <a:solidFill>
                   <a:schemeClr val="accent1"/>
                 </a:solidFill>
               </a14:hiddenFill>
             </a:ext>
             <a:ext uri="{AF507438-7753-43e0-B8FC-AC1667EBCBE1}">
-              <a14:hiddenEffects xmlns="" xmlns:a14="http://schemas.microsoft.com/office/drawing/2010/main">
+              <a14:hiddenEffects xmlns:a14="http://schemas.microsoft.com/office/drawing/2010/main" xmlns="">
                 <a:effectLst>
                   <a:outerShdw blurRad="63500" dist="38099" dir="2700000" algn="ctr" rotWithShape="0">
                     <a:schemeClr val="bg2">
@@ -7672,14 +7674,14 @@
           <a:effectLst/>
           <a:extLst>
             <a:ext uri="{909E8E84-426E-40dd-AFC4-6F175D3DCCD1}">
-              <a14:hiddenFill xmlns="" xmlns:a14="http://schemas.microsoft.com/office/drawing/2010/main">
+              <a14:hiddenFill xmlns:a14="http://schemas.microsoft.com/office/drawing/2010/main" xmlns="">
                 <a:solidFill>
                   <a:schemeClr val="accent1"/>
                 </a:solidFill>
               </a14:hiddenFill>
             </a:ext>
             <a:ext uri="{91240B29-F687-4f45-9708-019B960494DF}">
-              <a14:hiddenLine xmlns="" xmlns:a14="http://schemas.microsoft.com/office/drawing/2010/main" w="9525">
+              <a14:hiddenLine xmlns:a14="http://schemas.microsoft.com/office/drawing/2010/main" xmlns="" w="9525">
                 <a:solidFill>
                   <a:srgbClr val="000000"/>
                 </a:solidFill>
@@ -7689,7 +7691,7 @@
               </a14:hiddenLine>
             </a:ext>
             <a:ext uri="{AF507438-7753-43e0-B8FC-AC1667EBCBE1}">
-              <a14:hiddenEffects xmlns="" xmlns:a14="http://schemas.microsoft.com/office/drawing/2010/main">
+              <a14:hiddenEffects xmlns:a14="http://schemas.microsoft.com/office/drawing/2010/main" xmlns="">
                 <a:effectLst>
                   <a:outerShdw blurRad="63500" dist="38099" dir="2700000" algn="ctr" rotWithShape="0">
                     <a:schemeClr val="bg2">
@@ -7736,14 +7738,14 @@
           <a:effectLst/>
           <a:extLst>
             <a:ext uri="{909E8E84-426E-40dd-AFC4-6F175D3DCCD1}">
-              <a14:hiddenFill xmlns="" xmlns:a14="http://schemas.microsoft.com/office/drawing/2010/main">
+              <a14:hiddenFill xmlns:a14="http://schemas.microsoft.com/office/drawing/2010/main" xmlns="">
                 <a:solidFill>
                   <a:schemeClr val="accent1"/>
                 </a:solidFill>
               </a14:hiddenFill>
             </a:ext>
             <a:ext uri="{91240B29-F687-4f45-9708-019B960494DF}">
-              <a14:hiddenLine xmlns="" xmlns:a14="http://schemas.microsoft.com/office/drawing/2010/main" w="9525">
+              <a14:hiddenLine xmlns:a14="http://schemas.microsoft.com/office/drawing/2010/main" xmlns="" w="9525">
                 <a:solidFill>
                   <a:srgbClr val="000000"/>
                 </a:solidFill>
@@ -7753,7 +7755,7 @@
               </a14:hiddenLine>
             </a:ext>
             <a:ext uri="{AF507438-7753-43e0-B8FC-AC1667EBCBE1}">
-              <a14:hiddenEffects xmlns="" xmlns:a14="http://schemas.microsoft.com/office/drawing/2010/main">
+              <a14:hiddenEffects xmlns:a14="http://schemas.microsoft.com/office/drawing/2010/main" xmlns="">
                 <a:effectLst>
                   <a:outerShdw blurRad="63500" dist="38099" dir="2700000" algn="ctr" rotWithShape="0">
                     <a:schemeClr val="bg2">
@@ -7800,14 +7802,14 @@
           <a:effectLst/>
           <a:extLst>
             <a:ext uri="{909E8E84-426E-40dd-AFC4-6F175D3DCCD1}">
-              <a14:hiddenFill xmlns="" xmlns:a14="http://schemas.microsoft.com/office/drawing/2010/main">
+              <a14:hiddenFill xmlns:a14="http://schemas.microsoft.com/office/drawing/2010/main" xmlns="">
                 <a:solidFill>
                   <a:schemeClr val="accent1"/>
                 </a:solidFill>
               </a14:hiddenFill>
             </a:ext>
             <a:ext uri="{91240B29-F687-4f45-9708-019B960494DF}">
-              <a14:hiddenLine xmlns="" xmlns:a14="http://schemas.microsoft.com/office/drawing/2010/main" w="9525">
+              <a14:hiddenLine xmlns:a14="http://schemas.microsoft.com/office/drawing/2010/main" xmlns="" w="9525">
                 <a:solidFill>
                   <a:srgbClr val="000000"/>
                 </a:solidFill>
@@ -7817,7 +7819,7 @@
               </a14:hiddenLine>
             </a:ext>
             <a:ext uri="{AF507438-7753-43e0-B8FC-AC1667EBCBE1}">
-              <a14:hiddenEffects xmlns="" xmlns:a14="http://schemas.microsoft.com/office/drawing/2010/main">
+              <a14:hiddenEffects xmlns:a14="http://schemas.microsoft.com/office/drawing/2010/main" xmlns="">
                 <a:effectLst>
                   <a:outerShdw blurRad="63500" dist="38099" dir="2700000" algn="ctr" rotWithShape="0">
                     <a:schemeClr val="bg2">
@@ -7893,14 +7895,14 @@
           </a:ln>
           <a:extLst>
             <a:ext uri="{909E8E84-426E-40dd-AFC4-6F175D3DCCD1}">
-              <a14:hiddenFill xmlns="" xmlns:a14="http://schemas.microsoft.com/office/drawing/2010/main">
+              <a14:hiddenFill xmlns:a14="http://schemas.microsoft.com/office/drawing/2010/main" xmlns="">
                 <a:solidFill>
                   <a:srgbClr val="FFFFFF"/>
                 </a:solidFill>
               </a14:hiddenFill>
             </a:ext>
             <a:ext uri="{91240B29-F687-4f45-9708-019B960494DF}">
-              <a14:hiddenLine xmlns="" xmlns:a14="http://schemas.microsoft.com/office/drawing/2010/main" w="9525">
+              <a14:hiddenLine xmlns:a14="http://schemas.microsoft.com/office/drawing/2010/main" xmlns="" w="9525">
                 <a:solidFill>
                   <a:srgbClr val="000000"/>
                 </a:solidFill>
@@ -8063,7 +8065,7 @@
           </a:ln>
           <a:extLst>
             <a:ext uri="{91240B29-F687-4f45-9708-019B960494DF}">
-              <a14:hiddenLine xmlns="" xmlns:a14="http://schemas.microsoft.com/office/drawing/2010/main" w="0">
+              <a14:hiddenLine xmlns:a14="http://schemas.microsoft.com/office/drawing/2010/main" xmlns="" w="0">
                 <a:solidFill>
                   <a:srgbClr val="D1D1D1"/>
                 </a:solidFill>
@@ -8158,7 +8160,7 @@
           </a:ln>
           <a:extLst>
             <a:ext uri="{91240B29-F687-4f45-9708-019B960494DF}">
-              <a14:hiddenLine xmlns="" xmlns:a14="http://schemas.microsoft.com/office/drawing/2010/main" w="0">
+              <a14:hiddenLine xmlns:a14="http://schemas.microsoft.com/office/drawing/2010/main" xmlns="" w="0">
                 <a:solidFill>
                   <a:srgbClr val="808080"/>
                 </a:solidFill>
@@ -8272,7 +8274,7 @@
           </a:ln>
           <a:extLst>
             <a:ext uri="{91240B29-F687-4f45-9708-019B960494DF}">
-              <a14:hiddenLine xmlns="" xmlns:a14="http://schemas.microsoft.com/office/drawing/2010/main" w="0">
+              <a14:hiddenLine xmlns:a14="http://schemas.microsoft.com/office/drawing/2010/main" xmlns="" w="0">
                 <a:solidFill>
                   <a:srgbClr val="D1D1D1"/>
                 </a:solidFill>
@@ -8367,7 +8369,7 @@
           </a:ln>
           <a:extLst>
             <a:ext uri="{91240B29-F687-4f45-9708-019B960494DF}">
-              <a14:hiddenLine xmlns="" xmlns:a14="http://schemas.microsoft.com/office/drawing/2010/main" w="0">
+              <a14:hiddenLine xmlns:a14="http://schemas.microsoft.com/office/drawing/2010/main" xmlns="" w="0">
                 <a:solidFill>
                   <a:srgbClr val="808080"/>
                 </a:solidFill>
@@ -8481,7 +8483,7 @@
           </a:ln>
           <a:extLst>
             <a:ext uri="{91240B29-F687-4f45-9708-019B960494DF}">
-              <a14:hiddenLine xmlns="" xmlns:a14="http://schemas.microsoft.com/office/drawing/2010/main" w="0">
+              <a14:hiddenLine xmlns:a14="http://schemas.microsoft.com/office/drawing/2010/main" xmlns="" w="0">
                 <a:solidFill>
                   <a:srgbClr val="D1D1D1"/>
                 </a:solidFill>
@@ -8595,7 +8597,7 @@
           </a:ln>
           <a:extLst>
             <a:ext uri="{91240B29-F687-4f45-9708-019B960494DF}">
-              <a14:hiddenLine xmlns="" xmlns:a14="http://schemas.microsoft.com/office/drawing/2010/main" w="0">
+              <a14:hiddenLine xmlns:a14="http://schemas.microsoft.com/office/drawing/2010/main" xmlns="" w="0">
                 <a:solidFill>
                   <a:srgbClr val="D1D1D1"/>
                 </a:solidFill>
@@ -8690,7 +8692,7 @@
           </a:ln>
           <a:extLst>
             <a:ext uri="{91240B29-F687-4f45-9708-019B960494DF}">
-              <a14:hiddenLine xmlns="" xmlns:a14="http://schemas.microsoft.com/office/drawing/2010/main" w="0">
+              <a14:hiddenLine xmlns:a14="http://schemas.microsoft.com/office/drawing/2010/main" xmlns="" w="0">
                 <a:solidFill>
                   <a:srgbClr val="808080"/>
                 </a:solidFill>
@@ -9112,7 +9114,7 @@
           </a:ln>
           <a:extLst>
             <a:ext uri="{91240B29-F687-4f45-9708-019B960494DF}">
-              <a14:hiddenLine xmlns="" xmlns:a14="http://schemas.microsoft.com/office/drawing/2010/main" w="0">
+              <a14:hiddenLine xmlns:a14="http://schemas.microsoft.com/office/drawing/2010/main" xmlns="" w="0">
                 <a:solidFill>
                   <a:srgbClr val="FACD69"/>
                 </a:solidFill>
@@ -9176,7 +9178,7 @@
           <a:effectLst/>
           <a:extLst>
             <a:ext uri="{91240B29-F687-4f45-9708-019B960494DF}">
-              <a14:hiddenLine xmlns="" xmlns:a14="http://schemas.microsoft.com/office/drawing/2010/main" w="9525">
+              <a14:hiddenLine xmlns:a14="http://schemas.microsoft.com/office/drawing/2010/main" xmlns="" w="9525">
                 <a:solidFill>
                   <a:schemeClr val="tx1"/>
                 </a:solidFill>
@@ -9186,7 +9188,7 @@
               </a14:hiddenLine>
             </a:ext>
             <a:ext uri="{AF507438-7753-43e0-B8FC-AC1667EBCBE1}">
-              <a14:hiddenEffects xmlns="" xmlns:a14="http://schemas.microsoft.com/office/drawing/2010/main">
+              <a14:hiddenEffects xmlns:a14="http://schemas.microsoft.com/office/drawing/2010/main" xmlns="">
                 <a:effectLst>
                   <a:outerShdw blurRad="63500" dist="38099" dir="2700000" algn="ctr" rotWithShape="0">
                     <a:schemeClr val="bg2">
@@ -9253,7 +9255,7 @@
           <a:effectLst/>
           <a:extLst>
             <a:ext uri="{91240B29-F687-4f45-9708-019B960494DF}">
-              <a14:hiddenLine xmlns="" xmlns:a14="http://schemas.microsoft.com/office/drawing/2010/main" w="9525">
+              <a14:hiddenLine xmlns:a14="http://schemas.microsoft.com/office/drawing/2010/main" xmlns="" w="9525">
                 <a:solidFill>
                   <a:schemeClr val="tx1"/>
                 </a:solidFill>
@@ -9263,7 +9265,7 @@
               </a14:hiddenLine>
             </a:ext>
             <a:ext uri="{AF507438-7753-43e0-B8FC-AC1667EBCBE1}">
-              <a14:hiddenEffects xmlns="" xmlns:a14="http://schemas.microsoft.com/office/drawing/2010/main">
+              <a14:hiddenEffects xmlns:a14="http://schemas.microsoft.com/office/drawing/2010/main" xmlns="">
                 <a:effectLst>
                   <a:outerShdw blurRad="63500" dist="38099" dir="2700000" algn="ctr" rotWithShape="0">
                     <a:schemeClr val="bg2">
@@ -9359,7 +9361,7 @@
           </a:ln>
           <a:extLst>
             <a:ext uri="{91240B29-F687-4f45-9708-019B960494DF}">
-              <a14:hiddenLine xmlns="" xmlns:a14="http://schemas.microsoft.com/office/drawing/2010/main" w="0">
+              <a14:hiddenLine xmlns:a14="http://schemas.microsoft.com/office/drawing/2010/main" xmlns="" w="0">
                 <a:solidFill>
                   <a:srgbClr val="808080"/>
                 </a:solidFill>
@@ -9423,7 +9425,7 @@
           <a:effectLst/>
           <a:extLst>
             <a:ext uri="{91240B29-F687-4f45-9708-019B960494DF}">
-              <a14:hiddenLine xmlns="" xmlns:a14="http://schemas.microsoft.com/office/drawing/2010/main" w="9525">
+              <a14:hiddenLine xmlns:a14="http://schemas.microsoft.com/office/drawing/2010/main" xmlns="" w="9525">
                 <a:solidFill>
                   <a:schemeClr val="tx1"/>
                 </a:solidFill>
@@ -9433,7 +9435,7 @@
               </a14:hiddenLine>
             </a:ext>
             <a:ext uri="{AF507438-7753-43e0-B8FC-AC1667EBCBE1}">
-              <a14:hiddenEffects xmlns="" xmlns:a14="http://schemas.microsoft.com/office/drawing/2010/main">
+              <a14:hiddenEffects xmlns:a14="http://schemas.microsoft.com/office/drawing/2010/main" xmlns="">
                 <a:effectLst>
                   <a:outerShdw blurRad="63500" dist="38099" dir="2700000" algn="ctr" rotWithShape="0">
                     <a:schemeClr val="bg2">
@@ -9500,7 +9502,7 @@
           <a:effectLst/>
           <a:extLst>
             <a:ext uri="{91240B29-F687-4f45-9708-019B960494DF}">
-              <a14:hiddenLine xmlns="" xmlns:a14="http://schemas.microsoft.com/office/drawing/2010/main" w="9525">
+              <a14:hiddenLine xmlns:a14="http://schemas.microsoft.com/office/drawing/2010/main" xmlns="" w="9525">
                 <a:solidFill>
                   <a:schemeClr val="tx1"/>
                 </a:solidFill>
@@ -9510,7 +9512,7 @@
               </a14:hiddenLine>
             </a:ext>
             <a:ext uri="{AF507438-7753-43e0-B8FC-AC1667EBCBE1}">
-              <a14:hiddenEffects xmlns="" xmlns:a14="http://schemas.microsoft.com/office/drawing/2010/main">
+              <a14:hiddenEffects xmlns:a14="http://schemas.microsoft.com/office/drawing/2010/main" xmlns="">
                 <a:effectLst>
                   <a:outerShdw blurRad="63500" dist="38099" dir="2700000" algn="ctr" rotWithShape="0">
                     <a:schemeClr val="bg2">
@@ -9556,14 +9558,14 @@
           <a:effectLst/>
           <a:extLst>
             <a:ext uri="{909E8E84-426E-40dd-AFC4-6F175D3DCCD1}">
-              <a14:hiddenFill xmlns="" xmlns:a14="http://schemas.microsoft.com/office/drawing/2010/main">
+              <a14:hiddenFill xmlns:a14="http://schemas.microsoft.com/office/drawing/2010/main" xmlns="">
                 <a:solidFill>
                   <a:schemeClr val="accent1"/>
                 </a:solidFill>
               </a14:hiddenFill>
             </a:ext>
             <a:ext uri="{91240B29-F687-4f45-9708-019B960494DF}">
-              <a14:hiddenLine xmlns="" xmlns:a14="http://schemas.microsoft.com/office/drawing/2010/main" w="9525">
+              <a14:hiddenLine xmlns:a14="http://schemas.microsoft.com/office/drawing/2010/main" xmlns="" w="9525">
                 <a:solidFill>
                   <a:schemeClr val="tx1"/>
                 </a:solidFill>
@@ -9573,7 +9575,7 @@
               </a14:hiddenLine>
             </a:ext>
             <a:ext uri="{AF507438-7753-43e0-B8FC-AC1667EBCBE1}">
-              <a14:hiddenEffects xmlns="" xmlns:a14="http://schemas.microsoft.com/office/drawing/2010/main">
+              <a14:hiddenEffects xmlns:a14="http://schemas.microsoft.com/office/drawing/2010/main" xmlns="">
                 <a:effectLst>
                   <a:outerShdw blurRad="63500" dist="38099" dir="2700000" algn="ctr" rotWithShape="0">
                     <a:schemeClr val="bg2">
@@ -9645,14 +9647,14 @@
           <a:effectLst/>
           <a:extLst>
             <a:ext uri="{909E8E84-426E-40dd-AFC4-6F175D3DCCD1}">
-              <a14:hiddenFill xmlns="" xmlns:a14="http://schemas.microsoft.com/office/drawing/2010/main">
+              <a14:hiddenFill xmlns:a14="http://schemas.microsoft.com/office/drawing/2010/main" xmlns="">
                 <a:solidFill>
                   <a:schemeClr val="accent1"/>
                 </a:solidFill>
               </a14:hiddenFill>
             </a:ext>
             <a:ext uri="{91240B29-F687-4f45-9708-019B960494DF}">
-              <a14:hiddenLine xmlns="" xmlns:a14="http://schemas.microsoft.com/office/drawing/2010/main" w="9525">
+              <a14:hiddenLine xmlns:a14="http://schemas.microsoft.com/office/drawing/2010/main" xmlns="" w="9525">
                 <a:solidFill>
                   <a:schemeClr val="tx1"/>
                 </a:solidFill>
@@ -9662,7 +9664,7 @@
               </a14:hiddenLine>
             </a:ext>
             <a:ext uri="{AF507438-7753-43e0-B8FC-AC1667EBCBE1}">
-              <a14:hiddenEffects xmlns="" xmlns:a14="http://schemas.microsoft.com/office/drawing/2010/main">
+              <a14:hiddenEffects xmlns:a14="http://schemas.microsoft.com/office/drawing/2010/main" xmlns="">
                 <a:effectLst>
                   <a:outerShdw blurRad="63500" dist="38099" dir="2700000" algn="ctr" rotWithShape="0">
                     <a:schemeClr val="bg2">
@@ -9681,15 +9683,15 @@
           <a:lstStyle/>
           <a:p>
             <a:r>
-              <a:rPr lang="zh-CN" altLang="en-US"/>
+              <a:rPr lang="zh-CN" altLang="en-US" dirty="0"/>
               <a:t>不依赖协议的</a:t>
             </a:r>
             <a:r>
-              <a:rPr lang="en-US" altLang="zh-CN"/>
+              <a:rPr lang="en-US" altLang="zh-CN" dirty="0" err="1"/>
               <a:t>epoll</a:t>
             </a:r>
             <a:r>
-              <a:rPr lang="zh-CN" altLang="en-US"/>
+              <a:rPr lang="zh-CN" altLang="en-US" dirty="0"/>
               <a:t>服务模型</a:t>
             </a:r>
           </a:p>
@@ -9718,14 +9720,14 @@
           <a:effectLst/>
           <a:extLst>
             <a:ext uri="{909E8E84-426E-40dd-AFC4-6F175D3DCCD1}">
-              <a14:hiddenFill xmlns="" xmlns:a14="http://schemas.microsoft.com/office/drawing/2010/main">
+              <a14:hiddenFill xmlns:a14="http://schemas.microsoft.com/office/drawing/2010/main" xmlns="">
                 <a:solidFill>
                   <a:schemeClr val="accent1"/>
                 </a:solidFill>
               </a14:hiddenFill>
             </a:ext>
             <a:ext uri="{91240B29-F687-4f45-9708-019B960494DF}">
-              <a14:hiddenLine xmlns="" xmlns:a14="http://schemas.microsoft.com/office/drawing/2010/main" w="9525">
+              <a14:hiddenLine xmlns:a14="http://schemas.microsoft.com/office/drawing/2010/main" xmlns="" w="9525">
                 <a:solidFill>
                   <a:schemeClr val="tx1"/>
                 </a:solidFill>
@@ -9735,7 +9737,7 @@
               </a14:hiddenLine>
             </a:ext>
             <a:ext uri="{AF507438-7753-43e0-B8FC-AC1667EBCBE1}">
-              <a14:hiddenEffects xmlns="" xmlns:a14="http://schemas.microsoft.com/office/drawing/2010/main">
+              <a14:hiddenEffects xmlns:a14="http://schemas.microsoft.com/office/drawing/2010/main" xmlns="">
                 <a:effectLst>
                   <a:outerShdw blurRad="63500" dist="38099" dir="2700000" algn="ctr" rotWithShape="0">
                     <a:schemeClr val="bg2">
@@ -9754,7 +9756,7 @@
           <a:lstStyle/>
           <a:p>
             <a:r>
-              <a:rPr lang="zh-CN" altLang="en-US"/>
+              <a:rPr lang="zh-CN" altLang="en-US" dirty="0"/>
               <a:t>服务协议层接口</a:t>
             </a:r>
           </a:p>
@@ -9783,14 +9785,14 @@
           <a:effectLst/>
           <a:extLst>
             <a:ext uri="{909E8E84-426E-40dd-AFC4-6F175D3DCCD1}">
-              <a14:hiddenFill xmlns="" xmlns:a14="http://schemas.microsoft.com/office/drawing/2010/main">
+              <a14:hiddenFill xmlns:a14="http://schemas.microsoft.com/office/drawing/2010/main" xmlns="">
                 <a:solidFill>
                   <a:schemeClr val="accent1"/>
                 </a:solidFill>
               </a14:hiddenFill>
             </a:ext>
             <a:ext uri="{91240B29-F687-4f45-9708-019B960494DF}">
-              <a14:hiddenLine xmlns="" xmlns:a14="http://schemas.microsoft.com/office/drawing/2010/main" w="9525">
+              <a14:hiddenLine xmlns:a14="http://schemas.microsoft.com/office/drawing/2010/main" xmlns="" w="9525">
                 <a:solidFill>
                   <a:schemeClr val="tx1"/>
                 </a:solidFill>
@@ -9800,7 +9802,7 @@
               </a14:hiddenLine>
             </a:ext>
             <a:ext uri="{AF507438-7753-43e0-B8FC-AC1667EBCBE1}">
-              <a14:hiddenEffects xmlns="" xmlns:a14="http://schemas.microsoft.com/office/drawing/2010/main">
+              <a14:hiddenEffects xmlns:a14="http://schemas.microsoft.com/office/drawing/2010/main" xmlns="">
                 <a:effectLst>
                   <a:outerShdw blurRad="63500" dist="38099" dir="2700000" algn="ctr" rotWithShape="0">
                     <a:schemeClr val="bg2">
@@ -9819,7 +9821,7 @@
           <a:lstStyle/>
           <a:p>
             <a:r>
-              <a:rPr lang="zh-CN" altLang="en-US"/>
+              <a:rPr lang="zh-CN" altLang="en-US" dirty="0"/>
               <a:t>服务独立运行</a:t>
             </a:r>
           </a:p>
@@ -9900,7 +9902,7 @@
           </a:ln>
           <a:extLst>
             <a:ext uri="{91240B29-F687-4f45-9708-019B960494DF}">
-              <a14:hiddenLine xmlns="" xmlns:a14="http://schemas.microsoft.com/office/drawing/2010/main" w="0">
+              <a14:hiddenLine xmlns:a14="http://schemas.microsoft.com/office/drawing/2010/main" xmlns="" w="0">
                 <a:solidFill>
                   <a:srgbClr val="D1D1D1"/>
                 </a:solidFill>
@@ -9995,7 +9997,7 @@
           </a:ln>
           <a:extLst>
             <a:ext uri="{91240B29-F687-4f45-9708-019B960494DF}">
-              <a14:hiddenLine xmlns="" xmlns:a14="http://schemas.microsoft.com/office/drawing/2010/main" w="0">
+              <a14:hiddenLine xmlns:a14="http://schemas.microsoft.com/office/drawing/2010/main" xmlns="" w="0">
                 <a:solidFill>
                   <a:srgbClr val="808080"/>
                 </a:solidFill>
@@ -10040,7 +10042,7 @@
           <a:effectLst/>
           <a:extLst>
             <a:ext uri="{91240B29-F687-4f45-9708-019B960494DF}">
-              <a14:hiddenLine xmlns="" xmlns:a14="http://schemas.microsoft.com/office/drawing/2010/main" w="9525">
+              <a14:hiddenLine xmlns:a14="http://schemas.microsoft.com/office/drawing/2010/main" xmlns="" w="9525">
                 <a:solidFill>
                   <a:schemeClr val="tx1"/>
                 </a:solidFill>
@@ -10050,7 +10052,7 @@
               </a14:hiddenLine>
             </a:ext>
             <a:ext uri="{AF507438-7753-43e0-B8FC-AC1667EBCBE1}">
-              <a14:hiddenEffects xmlns="" xmlns:a14="http://schemas.microsoft.com/office/drawing/2010/main">
+              <a14:hiddenEffects xmlns:a14="http://schemas.microsoft.com/office/drawing/2010/main" xmlns="">
                 <a:effectLst>
                   <a:outerShdw blurRad="63500" dist="38099" dir="2700000" algn="ctr" rotWithShape="0">
                     <a:schemeClr val="bg2">
@@ -10096,14 +10098,14 @@
           <a:effectLst/>
           <a:extLst>
             <a:ext uri="{909E8E84-426E-40dd-AFC4-6F175D3DCCD1}">
-              <a14:hiddenFill xmlns="" xmlns:a14="http://schemas.microsoft.com/office/drawing/2010/main">
+              <a14:hiddenFill xmlns:a14="http://schemas.microsoft.com/office/drawing/2010/main" xmlns="">
                 <a:solidFill>
                   <a:schemeClr val="accent1"/>
                 </a:solidFill>
               </a14:hiddenFill>
             </a:ext>
             <a:ext uri="{91240B29-F687-4f45-9708-019B960494DF}">
-              <a14:hiddenLine xmlns="" xmlns:a14="http://schemas.microsoft.com/office/drawing/2010/main" w="9525">
+              <a14:hiddenLine xmlns:a14="http://schemas.microsoft.com/office/drawing/2010/main" xmlns="" w="9525">
                 <a:solidFill>
                   <a:schemeClr val="tx1"/>
                 </a:solidFill>
@@ -10113,7 +10115,7 @@
               </a14:hiddenLine>
             </a:ext>
             <a:ext uri="{AF507438-7753-43e0-B8FC-AC1667EBCBE1}">
-              <a14:hiddenEffects xmlns="" xmlns:a14="http://schemas.microsoft.com/office/drawing/2010/main">
+              <a14:hiddenEffects xmlns:a14="http://schemas.microsoft.com/office/drawing/2010/main" xmlns="">
                 <a:effectLst>
                   <a:outerShdw blurRad="63500" dist="38099" dir="2700000" algn="ctr" rotWithShape="0">
                     <a:schemeClr val="bg2">
@@ -10132,7 +10134,7 @@
           <a:lstStyle/>
           <a:p>
             <a:r>
-              <a:rPr lang="zh-CN" altLang="en-US"/>
+              <a:rPr lang="zh-CN" altLang="en-US" dirty="0"/>
               <a:t>自定义端口协议</a:t>
             </a:r>
           </a:p>
@@ -10196,12 +10198,12 @@
           <a:effectLst/>
           <a:extLst>
             <a:ext uri="{909E8E84-426E-40dd-AFC4-6F175D3DCCD1}">
-              <a14:hiddenFill xmlns="" xmlns:a14="http://schemas.microsoft.com/office/drawing/2010/main">
+              <a14:hiddenFill xmlns:a14="http://schemas.microsoft.com/office/drawing/2010/main" xmlns="">
                 <a:noFill/>
               </a14:hiddenFill>
             </a:ext>
             <a:ext uri="{AF507438-7753-43e0-B8FC-AC1667EBCBE1}">
-              <a14:hiddenEffects xmlns="" xmlns:a14="http://schemas.microsoft.com/office/drawing/2010/main">
+              <a14:hiddenEffects xmlns:a14="http://schemas.microsoft.com/office/drawing/2010/main" xmlns="">
                 <a:effectLst>
                   <a:outerShdw blurRad="63500" dist="38099" dir="2700000" algn="ctr" rotWithShape="0">
                     <a:schemeClr val="bg2">
@@ -10243,14 +10245,14 @@
           </a:ln>
           <a:extLst>
             <a:ext uri="{909E8E84-426E-40dd-AFC4-6F175D3DCCD1}">
-              <a14:hiddenFill xmlns="" xmlns:a14="http://schemas.microsoft.com/office/drawing/2010/main">
+              <a14:hiddenFill xmlns:a14="http://schemas.microsoft.com/office/drawing/2010/main" xmlns="">
                 <a:solidFill>
                   <a:srgbClr val="FFFFFF"/>
                 </a:solidFill>
               </a14:hiddenFill>
             </a:ext>
             <a:ext uri="{91240B29-F687-4f45-9708-019B960494DF}">
-              <a14:hiddenLine xmlns="" xmlns:a14="http://schemas.microsoft.com/office/drawing/2010/main" w="9525">
+              <a14:hiddenLine xmlns:a14="http://schemas.microsoft.com/office/drawing/2010/main" xmlns="" w="9525">
                 <a:solidFill>
                   <a:srgbClr val="000000"/>
                 </a:solidFill>
@@ -10307,7 +10309,7 @@
           <a:effectLst/>
           <a:extLst>
             <a:ext uri="{AF507438-7753-43e0-B8FC-AC1667EBCBE1}">
-              <a14:hiddenEffects xmlns="" xmlns:a14="http://schemas.microsoft.com/office/drawing/2010/main">
+              <a14:hiddenEffects xmlns:a14="http://schemas.microsoft.com/office/drawing/2010/main" xmlns="">
                 <a:effectLst>
                   <a:outerShdw blurRad="63500" dist="38099" dir="2700000" algn="ctr" rotWithShape="0">
                     <a:schemeClr val="bg2">
@@ -10361,7 +10363,7 @@
           <a:effectLst/>
           <a:extLst>
             <a:ext uri="{AF507438-7753-43e0-B8FC-AC1667EBCBE1}">
-              <a14:hiddenEffects xmlns="" xmlns:a14="http://schemas.microsoft.com/office/drawing/2010/main">
+              <a14:hiddenEffects xmlns:a14="http://schemas.microsoft.com/office/drawing/2010/main" xmlns="">
                 <a:effectLst>
                   <a:outerShdw blurRad="63500" dist="38099" dir="2700000" algn="ctr" rotWithShape="0">
                     <a:schemeClr val="bg2">
@@ -10415,7 +10417,7 @@
           <a:effectLst/>
           <a:extLst>
             <a:ext uri="{AF507438-7753-43e0-B8FC-AC1667EBCBE1}">
-              <a14:hiddenEffects xmlns="" xmlns:a14="http://schemas.microsoft.com/office/drawing/2010/main">
+              <a14:hiddenEffects xmlns:a14="http://schemas.microsoft.com/office/drawing/2010/main" xmlns="">
                 <a:effectLst>
                   <a:outerShdw blurRad="63500" dist="38099" dir="2700000" algn="ctr" rotWithShape="0">
                     <a:schemeClr val="bg2">
@@ -10476,7 +10478,7 @@
           <a:effectLst/>
           <a:extLst>
             <a:ext uri="{AF507438-7753-43e0-B8FC-AC1667EBCBE1}">
-              <a14:hiddenEffects xmlns="" xmlns:a14="http://schemas.microsoft.com/office/drawing/2010/main">
+              <a14:hiddenEffects xmlns:a14="http://schemas.microsoft.com/office/drawing/2010/main" xmlns="">
                 <a:effectLst>
                   <a:outerShdw blurRad="63500" dist="38099" dir="2700000" algn="ctr" rotWithShape="0">
                     <a:schemeClr val="bg2">
@@ -10538,7 +10540,7 @@
           <a:effectLst/>
           <a:extLst>
             <a:ext uri="{AF507438-7753-43e0-B8FC-AC1667EBCBE1}">
-              <a14:hiddenEffects xmlns="" xmlns:a14="http://schemas.microsoft.com/office/drawing/2010/main">
+              <a14:hiddenEffects xmlns:a14="http://schemas.microsoft.com/office/drawing/2010/main" xmlns="">
                 <a:effectLst>
                   <a:outerShdw blurRad="63500" dist="38099" dir="2700000" algn="ctr" rotWithShape="0">
                     <a:schemeClr val="bg2">
@@ -10588,7 +10590,7 @@
           <a:effectLst/>
           <a:extLst>
             <a:ext uri="{AF507438-7753-43e0-B8FC-AC1667EBCBE1}">
-              <a14:hiddenEffects xmlns="" xmlns:a14="http://schemas.microsoft.com/office/drawing/2010/main">
+              <a14:hiddenEffects xmlns:a14="http://schemas.microsoft.com/office/drawing/2010/main" xmlns="">
                 <a:effectLst>
                   <a:outerShdw blurRad="63500" dist="38099" dir="2700000" algn="ctr" rotWithShape="0">
                     <a:schemeClr val="bg2">
@@ -10606,9 +10608,10 @@
           <a:p>
             <a:pPr algn="ctr"/>
             <a:r>
-              <a:rPr lang="en-US"/>
+              <a:rPr lang="en-US" dirty="0" err="1"/>
               <a:t>NetThread</a:t>
             </a:r>
+            <a:endParaRPr lang="en-US" dirty="0"/>
           </a:p>
         </p:txBody>
       </p:sp>
@@ -10642,7 +10645,7 @@
           <a:effectLst/>
           <a:extLst>
             <a:ext uri="{AF507438-7753-43e0-B8FC-AC1667EBCBE1}">
-              <a14:hiddenEffects xmlns="" xmlns:a14="http://schemas.microsoft.com/office/drawing/2010/main">
+              <a14:hiddenEffects xmlns:a14="http://schemas.microsoft.com/office/drawing/2010/main" xmlns="">
                 <a:effectLst>
                   <a:outerShdw blurRad="63500" dist="38099" dir="2700000" algn="ctr" rotWithShape="0">
                     <a:schemeClr val="bg2">
@@ -10696,7 +10699,7 @@
           <a:effectLst/>
           <a:extLst>
             <a:ext uri="{AF507438-7753-43e0-B8FC-AC1667EBCBE1}">
-              <a14:hiddenEffects xmlns="" xmlns:a14="http://schemas.microsoft.com/office/drawing/2010/main">
+              <a14:hiddenEffects xmlns:a14="http://schemas.microsoft.com/office/drawing/2010/main" xmlns="">
                 <a:effectLst>
                   <a:outerShdw blurRad="63500" dist="38099" dir="2700000" algn="ctr" rotWithShape="0">
                     <a:schemeClr val="bg2">
@@ -10748,12 +10751,12 @@
           <a:effectLst/>
           <a:extLst>
             <a:ext uri="{909E8E84-426E-40dd-AFC4-6F175D3DCCD1}">
-              <a14:hiddenFill xmlns="" xmlns:a14="http://schemas.microsoft.com/office/drawing/2010/main">
+              <a14:hiddenFill xmlns:a14="http://schemas.microsoft.com/office/drawing/2010/main" xmlns="">
                 <a:noFill/>
               </a14:hiddenFill>
             </a:ext>
             <a:ext uri="{AF507438-7753-43e0-B8FC-AC1667EBCBE1}">
-              <a14:hiddenEffects xmlns="" xmlns:a14="http://schemas.microsoft.com/office/drawing/2010/main">
+              <a14:hiddenEffects xmlns:a14="http://schemas.microsoft.com/office/drawing/2010/main" xmlns="">
                 <a:effectLst>
                   <a:outerShdw blurRad="63500" dist="38099" dir="2700000" algn="ctr" rotWithShape="0">
                     <a:schemeClr val="bg2">
@@ -10796,14 +10799,14 @@
           <a:effectLst/>
           <a:extLst>
             <a:ext uri="{909E8E84-426E-40dd-AFC4-6F175D3DCCD1}">
-              <a14:hiddenFill xmlns="" xmlns:a14="http://schemas.microsoft.com/office/drawing/2010/main">
+              <a14:hiddenFill xmlns:a14="http://schemas.microsoft.com/office/drawing/2010/main" xmlns="">
                 <a:solidFill>
                   <a:schemeClr val="accent1"/>
                 </a:solidFill>
               </a14:hiddenFill>
             </a:ext>
             <a:ext uri="{91240B29-F687-4f45-9708-019B960494DF}">
-              <a14:hiddenLine xmlns="" xmlns:a14="http://schemas.microsoft.com/office/drawing/2010/main" w="9525">
+              <a14:hiddenLine xmlns:a14="http://schemas.microsoft.com/office/drawing/2010/main" xmlns="" w="9525">
                 <a:solidFill>
                   <a:srgbClr val="000000"/>
                 </a:solidFill>
@@ -10813,7 +10816,7 @@
               </a14:hiddenLine>
             </a:ext>
             <a:ext uri="{AF507438-7753-43e0-B8FC-AC1667EBCBE1}">
-              <a14:hiddenEffects xmlns="" xmlns:a14="http://schemas.microsoft.com/office/drawing/2010/main">
+              <a14:hiddenEffects xmlns:a14="http://schemas.microsoft.com/office/drawing/2010/main" xmlns="">
                 <a:effectLst>
                   <a:outerShdw blurRad="63500" dist="38099" dir="2700000" algn="ctr" rotWithShape="0">
                     <a:schemeClr val="bg2">
@@ -10868,14 +10871,14 @@
           <a:effectLst/>
           <a:extLst>
             <a:ext uri="{909E8E84-426E-40dd-AFC4-6F175D3DCCD1}">
-              <a14:hiddenFill xmlns="" xmlns:a14="http://schemas.microsoft.com/office/drawing/2010/main">
+              <a14:hiddenFill xmlns:a14="http://schemas.microsoft.com/office/drawing/2010/main" xmlns="">
                 <a:solidFill>
                   <a:schemeClr val="accent1"/>
                 </a:solidFill>
               </a14:hiddenFill>
             </a:ext>
             <a:ext uri="{91240B29-F687-4f45-9708-019B960494DF}">
-              <a14:hiddenLine xmlns="" xmlns:a14="http://schemas.microsoft.com/office/drawing/2010/main" w="9525">
+              <a14:hiddenLine xmlns:a14="http://schemas.microsoft.com/office/drawing/2010/main" xmlns="" w="9525">
                 <a:solidFill>
                   <a:srgbClr val="000000"/>
                 </a:solidFill>
@@ -10885,7 +10888,7 @@
               </a14:hiddenLine>
             </a:ext>
             <a:ext uri="{AF507438-7753-43e0-B8FC-AC1667EBCBE1}">
-              <a14:hiddenEffects xmlns="" xmlns:a14="http://schemas.microsoft.com/office/drawing/2010/main">
+              <a14:hiddenEffects xmlns:a14="http://schemas.microsoft.com/office/drawing/2010/main" xmlns="">
                 <a:effectLst>
                   <a:outerShdw blurRad="63500" dist="38099" dir="2700000" algn="ctr" rotWithShape="0">
                     <a:schemeClr val="bg2">
@@ -10943,7 +10946,7 @@
           <a:effectLst/>
           <a:extLst>
             <a:ext uri="{AF507438-7753-43e0-B8FC-AC1667EBCBE1}">
-              <a14:hiddenEffects xmlns="" xmlns:a14="http://schemas.microsoft.com/office/drawing/2010/main">
+              <a14:hiddenEffects xmlns:a14="http://schemas.microsoft.com/office/drawing/2010/main" xmlns="">
                 <a:effectLst>
                   <a:outerShdw blurRad="63500" dist="38099" dir="2700000" algn="ctr" rotWithShape="0">
                     <a:schemeClr val="bg2">
@@ -11009,12 +11012,12 @@
           <a:effectLst/>
           <a:extLst>
             <a:ext uri="{909E8E84-426E-40dd-AFC4-6F175D3DCCD1}">
-              <a14:hiddenFill xmlns="" xmlns:a14="http://schemas.microsoft.com/office/drawing/2010/main">
+              <a14:hiddenFill xmlns:a14="http://schemas.microsoft.com/office/drawing/2010/main" xmlns="">
                 <a:noFill/>
               </a14:hiddenFill>
             </a:ext>
             <a:ext uri="{AF507438-7753-43e0-B8FC-AC1667EBCBE1}">
-              <a14:hiddenEffects xmlns="" xmlns:a14="http://schemas.microsoft.com/office/drawing/2010/main">
+              <a14:hiddenEffects xmlns:a14="http://schemas.microsoft.com/office/drawing/2010/main" xmlns="">
                 <a:effectLst>
                   <a:outerShdw blurRad="63500" dist="38099" dir="2700000" algn="ctr" rotWithShape="0">
                     <a:schemeClr val="bg2">
@@ -11062,12 +11065,12 @@
           <a:effectLst/>
           <a:extLst>
             <a:ext uri="{909E8E84-426E-40dd-AFC4-6F175D3DCCD1}">
-              <a14:hiddenFill xmlns="" xmlns:a14="http://schemas.microsoft.com/office/drawing/2010/main">
+              <a14:hiddenFill xmlns:a14="http://schemas.microsoft.com/office/drawing/2010/main" xmlns="">
                 <a:noFill/>
               </a14:hiddenFill>
             </a:ext>
             <a:ext uri="{AF507438-7753-43e0-B8FC-AC1667EBCBE1}">
-              <a14:hiddenEffects xmlns="" xmlns:a14="http://schemas.microsoft.com/office/drawing/2010/main">
+              <a14:hiddenEffects xmlns:a14="http://schemas.microsoft.com/office/drawing/2010/main" xmlns="">
                 <a:effectLst>
                   <a:outerShdw blurRad="63500" dist="38099" dir="2700000" algn="ctr" rotWithShape="0">
                     <a:schemeClr val="bg2">
@@ -11110,14 +11113,14 @@
           <a:effectLst/>
           <a:extLst>
             <a:ext uri="{909E8E84-426E-40dd-AFC4-6F175D3DCCD1}">
-              <a14:hiddenFill xmlns="" xmlns:a14="http://schemas.microsoft.com/office/drawing/2010/main">
+              <a14:hiddenFill xmlns:a14="http://schemas.microsoft.com/office/drawing/2010/main" xmlns="">
                 <a:solidFill>
                   <a:schemeClr val="accent1"/>
                 </a:solidFill>
               </a14:hiddenFill>
             </a:ext>
             <a:ext uri="{91240B29-F687-4f45-9708-019B960494DF}">
-              <a14:hiddenLine xmlns="" xmlns:a14="http://schemas.microsoft.com/office/drawing/2010/main" w="9525">
+              <a14:hiddenLine xmlns:a14="http://schemas.microsoft.com/office/drawing/2010/main" xmlns="" w="9525">
                 <a:solidFill>
                   <a:srgbClr val="000000"/>
                 </a:solidFill>
@@ -11127,7 +11130,7 @@
               </a14:hiddenLine>
             </a:ext>
             <a:ext uri="{AF507438-7753-43e0-B8FC-AC1667EBCBE1}">
-              <a14:hiddenEffects xmlns="" xmlns:a14="http://schemas.microsoft.com/office/drawing/2010/main">
+              <a14:hiddenEffects xmlns:a14="http://schemas.microsoft.com/office/drawing/2010/main" xmlns="">
                 <a:effectLst>
                   <a:outerShdw blurRad="63500" dist="38099" dir="2700000" algn="ctr" rotWithShape="0">
                     <a:schemeClr val="bg2">
@@ -11185,7 +11188,7 @@
           <a:effectLst/>
           <a:extLst>
             <a:ext uri="{AF507438-7753-43e0-B8FC-AC1667EBCBE1}">
-              <a14:hiddenEffects xmlns="" xmlns:a14="http://schemas.microsoft.com/office/drawing/2010/main">
+              <a14:hiddenEffects xmlns:a14="http://schemas.microsoft.com/office/drawing/2010/main" xmlns="">
                 <a:effectLst>
                   <a:outerShdw blurRad="63500" dist="38099" dir="2700000" algn="ctr" rotWithShape="0">
                     <a:schemeClr val="bg2">
@@ -11239,7 +11242,7 @@
           <a:effectLst/>
           <a:extLst>
             <a:ext uri="{AF507438-7753-43e0-B8FC-AC1667EBCBE1}">
-              <a14:hiddenEffects xmlns="" xmlns:a14="http://schemas.microsoft.com/office/drawing/2010/main">
+              <a14:hiddenEffects xmlns:a14="http://schemas.microsoft.com/office/drawing/2010/main" xmlns="">
                 <a:effectLst>
                   <a:outerShdw blurRad="63500" dist="38099" dir="2700000" algn="ctr" rotWithShape="0">
                     <a:schemeClr val="bg2">
@@ -11293,7 +11296,7 @@
           <a:effectLst/>
           <a:extLst>
             <a:ext uri="{AF507438-7753-43e0-B8FC-AC1667EBCBE1}">
-              <a14:hiddenEffects xmlns="" xmlns:a14="http://schemas.microsoft.com/office/drawing/2010/main">
+              <a14:hiddenEffects xmlns:a14="http://schemas.microsoft.com/office/drawing/2010/main" xmlns="">
                 <a:effectLst>
                   <a:outerShdw blurRad="63500" dist="38099" dir="2700000" algn="ctr" rotWithShape="0">
                     <a:schemeClr val="bg2">
@@ -11347,7 +11350,7 @@
           <a:effectLst/>
           <a:extLst>
             <a:ext uri="{AF507438-7753-43e0-B8FC-AC1667EBCBE1}">
-              <a14:hiddenEffects xmlns="" xmlns:a14="http://schemas.microsoft.com/office/drawing/2010/main">
+              <a14:hiddenEffects xmlns:a14="http://schemas.microsoft.com/office/drawing/2010/main" xmlns="">
                 <a:effectLst>
                   <a:outerShdw blurRad="63500" dist="38099" dir="2700000" algn="ctr" rotWithShape="0">
                     <a:schemeClr val="bg2">
@@ -11408,7 +11411,7 @@
           <a:effectLst/>
           <a:extLst>
             <a:ext uri="{AF507438-7753-43e0-B8FC-AC1667EBCBE1}">
-              <a14:hiddenEffects xmlns="" xmlns:a14="http://schemas.microsoft.com/office/drawing/2010/main">
+              <a14:hiddenEffects xmlns:a14="http://schemas.microsoft.com/office/drawing/2010/main" xmlns="">
                 <a:effectLst>
                   <a:outerShdw blurRad="63500" dist="38099" dir="2700000" algn="ctr" rotWithShape="0">
                     <a:schemeClr val="bg2">
@@ -11462,7 +11465,7 @@
           <a:effectLst/>
           <a:extLst>
             <a:ext uri="{AF507438-7753-43e0-B8FC-AC1667EBCBE1}">
-              <a14:hiddenEffects xmlns="" xmlns:a14="http://schemas.microsoft.com/office/drawing/2010/main">
+              <a14:hiddenEffects xmlns:a14="http://schemas.microsoft.com/office/drawing/2010/main" xmlns="">
                 <a:effectLst>
                   <a:outerShdw blurRad="63500" dist="38099" dir="2700000" algn="ctr" rotWithShape="0">
                     <a:schemeClr val="bg2">
@@ -11480,7 +11483,7 @@
           <a:p>
             <a:pPr algn="ctr"/>
             <a:r>
-              <a:rPr lang="en-US"/>
+              <a:rPr lang="en-US" dirty="0"/>
               <a:t>Admin</a:t>
             </a:r>
           </a:p>
@@ -11516,7 +11519,7 @@
           <a:effectLst/>
           <a:extLst>
             <a:ext uri="{AF507438-7753-43e0-B8FC-AC1667EBCBE1}">
-              <a14:hiddenEffects xmlns="" xmlns:a14="http://schemas.microsoft.com/office/drawing/2010/main">
+              <a14:hiddenEffects xmlns:a14="http://schemas.microsoft.com/office/drawing/2010/main" xmlns="">
                 <a:effectLst>
                   <a:outerShdw blurRad="63500" dist="38099" dir="2700000" algn="ctr" rotWithShape="0">
                     <a:schemeClr val="bg2">
@@ -11572,12 +11575,12 @@
           <a:effectLst/>
           <a:extLst>
             <a:ext uri="{909E8E84-426E-40dd-AFC4-6F175D3DCCD1}">
-              <a14:hiddenFill xmlns="" xmlns:a14="http://schemas.microsoft.com/office/drawing/2010/main">
+              <a14:hiddenFill xmlns:a14="http://schemas.microsoft.com/office/drawing/2010/main" xmlns="">
                 <a:noFill/>
               </a14:hiddenFill>
             </a:ext>
             <a:ext uri="{AF507438-7753-43e0-B8FC-AC1667EBCBE1}">
-              <a14:hiddenEffects xmlns="" xmlns:a14="http://schemas.microsoft.com/office/drawing/2010/main">
+              <a14:hiddenEffects xmlns:a14="http://schemas.microsoft.com/office/drawing/2010/main" xmlns="">
                 <a:effectLst>
                   <a:outerShdw blurRad="63500" dist="38099" dir="2700000" algn="ctr" rotWithShape="0">
                     <a:schemeClr val="bg2">
@@ -11625,12 +11628,12 @@
           <a:effectLst/>
           <a:extLst>
             <a:ext uri="{909E8E84-426E-40dd-AFC4-6F175D3DCCD1}">
-              <a14:hiddenFill xmlns="" xmlns:a14="http://schemas.microsoft.com/office/drawing/2010/main">
+              <a14:hiddenFill xmlns:a14="http://schemas.microsoft.com/office/drawing/2010/main" xmlns="">
                 <a:noFill/>
               </a14:hiddenFill>
             </a:ext>
             <a:ext uri="{AF507438-7753-43e0-B8FC-AC1667EBCBE1}">
-              <a14:hiddenEffects xmlns="" xmlns:a14="http://schemas.microsoft.com/office/drawing/2010/main">
+              <a14:hiddenEffects xmlns:a14="http://schemas.microsoft.com/office/drawing/2010/main" xmlns="">
                 <a:effectLst>
                   <a:outerShdw blurRad="63500" dist="38099" dir="2700000" algn="ctr" rotWithShape="0">
                     <a:schemeClr val="bg2">
@@ -11678,12 +11681,12 @@
           <a:effectLst/>
           <a:extLst>
             <a:ext uri="{909E8E84-426E-40dd-AFC4-6F175D3DCCD1}">
-              <a14:hiddenFill xmlns="" xmlns:a14="http://schemas.microsoft.com/office/drawing/2010/main">
+              <a14:hiddenFill xmlns:a14="http://schemas.microsoft.com/office/drawing/2010/main" xmlns="">
                 <a:noFill/>
               </a14:hiddenFill>
             </a:ext>
             <a:ext uri="{AF507438-7753-43e0-B8FC-AC1667EBCBE1}">
-              <a14:hiddenEffects xmlns="" xmlns:a14="http://schemas.microsoft.com/office/drawing/2010/main">
+              <a14:hiddenEffects xmlns:a14="http://schemas.microsoft.com/office/drawing/2010/main" xmlns="">
                 <a:effectLst>
                   <a:outerShdw blurRad="63500" dist="38099" dir="2700000" algn="ctr" rotWithShape="0">
                     <a:schemeClr val="bg2">
@@ -11731,12 +11734,12 @@
           <a:effectLst/>
           <a:extLst>
             <a:ext uri="{909E8E84-426E-40dd-AFC4-6F175D3DCCD1}">
-              <a14:hiddenFill xmlns="" xmlns:a14="http://schemas.microsoft.com/office/drawing/2010/main">
+              <a14:hiddenFill xmlns:a14="http://schemas.microsoft.com/office/drawing/2010/main" xmlns="">
                 <a:noFill/>
               </a14:hiddenFill>
             </a:ext>
             <a:ext uri="{AF507438-7753-43e0-B8FC-AC1667EBCBE1}">
-              <a14:hiddenEffects xmlns="" xmlns:a14="http://schemas.microsoft.com/office/drawing/2010/main">
+              <a14:hiddenEffects xmlns:a14="http://schemas.microsoft.com/office/drawing/2010/main" xmlns="">
                 <a:effectLst>
                   <a:outerShdw blurRad="63500" dist="38099" dir="2700000" algn="ctr" rotWithShape="0">
                     <a:schemeClr val="bg2">
@@ -11779,14 +11782,14 @@
           <a:effectLst/>
           <a:extLst>
             <a:ext uri="{909E8E84-426E-40dd-AFC4-6F175D3DCCD1}">
-              <a14:hiddenFill xmlns="" xmlns:a14="http://schemas.microsoft.com/office/drawing/2010/main">
+              <a14:hiddenFill xmlns:a14="http://schemas.microsoft.com/office/drawing/2010/main" xmlns="">
                 <a:solidFill>
                   <a:schemeClr val="accent1"/>
                 </a:solidFill>
               </a14:hiddenFill>
             </a:ext>
             <a:ext uri="{91240B29-F687-4f45-9708-019B960494DF}">
-              <a14:hiddenLine xmlns="" xmlns:a14="http://schemas.microsoft.com/office/drawing/2010/main" w="9525">
+              <a14:hiddenLine xmlns:a14="http://schemas.microsoft.com/office/drawing/2010/main" xmlns="" w="9525">
                 <a:solidFill>
                   <a:srgbClr val="000000"/>
                 </a:solidFill>
@@ -11796,7 +11799,7 @@
               </a14:hiddenLine>
             </a:ext>
             <a:ext uri="{AF507438-7753-43e0-B8FC-AC1667EBCBE1}">
-              <a14:hiddenEffects xmlns="" xmlns:a14="http://schemas.microsoft.com/office/drawing/2010/main">
+              <a14:hiddenEffects xmlns:a14="http://schemas.microsoft.com/office/drawing/2010/main" xmlns="">
                 <a:effectLst>
                   <a:outerShdw blurRad="63500" dist="38099" dir="2700000" algn="ctr" rotWithShape="0">
                     <a:schemeClr val="bg2">
@@ -11854,7 +11857,7 @@
           <a:effectLst/>
           <a:extLst>
             <a:ext uri="{AF507438-7753-43e0-B8FC-AC1667EBCBE1}">
-              <a14:hiddenEffects xmlns="" xmlns:a14="http://schemas.microsoft.com/office/drawing/2010/main">
+              <a14:hiddenEffects xmlns:a14="http://schemas.microsoft.com/office/drawing/2010/main" xmlns="">
                 <a:effectLst>
                   <a:outerShdw blurRad="63500" dist="38099" dir="2700000" algn="ctr" rotWithShape="0">
                     <a:schemeClr val="bg2">
@@ -11914,12 +11917,12 @@
           <a:effectLst/>
           <a:extLst>
             <a:ext uri="{909E8E84-426E-40dd-AFC4-6F175D3DCCD1}">
-              <a14:hiddenFill xmlns="" xmlns:a14="http://schemas.microsoft.com/office/drawing/2010/main">
+              <a14:hiddenFill xmlns:a14="http://schemas.microsoft.com/office/drawing/2010/main" xmlns="">
                 <a:noFill/>
               </a14:hiddenFill>
             </a:ext>
             <a:ext uri="{AF507438-7753-43e0-B8FC-AC1667EBCBE1}">
-              <a14:hiddenEffects xmlns="" xmlns:a14="http://schemas.microsoft.com/office/drawing/2010/main">
+              <a14:hiddenEffects xmlns:a14="http://schemas.microsoft.com/office/drawing/2010/main" xmlns="">
                 <a:effectLst>
                   <a:outerShdw blurRad="63500" dist="38099" dir="2700000" algn="ctr" rotWithShape="0">
                     <a:schemeClr val="bg2">
@@ -11968,14 +11971,14 @@
           <a:effectLst/>
           <a:extLst>
             <a:ext uri="{909E8E84-426E-40dd-AFC4-6F175D3DCCD1}">
-              <a14:hiddenFill xmlns="" xmlns:a14="http://schemas.microsoft.com/office/drawing/2010/main">
+              <a14:hiddenFill xmlns:a14="http://schemas.microsoft.com/office/drawing/2010/main" xmlns="">
                 <a:solidFill>
                   <a:schemeClr val="accent1"/>
                 </a:solidFill>
               </a14:hiddenFill>
             </a:ext>
             <a:ext uri="{AF507438-7753-43e0-B8FC-AC1667EBCBE1}">
-              <a14:hiddenEffects xmlns="" xmlns:a14="http://schemas.microsoft.com/office/drawing/2010/main">
+              <a14:hiddenEffects xmlns:a14="http://schemas.microsoft.com/office/drawing/2010/main" xmlns="">
                 <a:effectLst>
                   <a:outerShdw blurRad="63500" dist="38099" dir="2700000" algn="ctr" rotWithShape="0">
                     <a:schemeClr val="bg2">
@@ -12024,14 +12027,14 @@
           <a:effectLst/>
           <a:extLst>
             <a:ext uri="{909E8E84-426E-40dd-AFC4-6F175D3DCCD1}">
-              <a14:hiddenFill xmlns="" xmlns:a14="http://schemas.microsoft.com/office/drawing/2010/main">
+              <a14:hiddenFill xmlns:a14="http://schemas.microsoft.com/office/drawing/2010/main" xmlns="">
                 <a:solidFill>
                   <a:schemeClr val="accent1"/>
                 </a:solidFill>
               </a14:hiddenFill>
             </a:ext>
             <a:ext uri="{AF507438-7753-43e0-B8FC-AC1667EBCBE1}">
-              <a14:hiddenEffects xmlns="" xmlns:a14="http://schemas.microsoft.com/office/drawing/2010/main">
+              <a14:hiddenEffects xmlns:a14="http://schemas.microsoft.com/office/drawing/2010/main" xmlns="">
                 <a:effectLst>
                   <a:outerShdw blurRad="63500" dist="38099" dir="2700000" algn="ctr" rotWithShape="0">
                     <a:schemeClr val="bg2">
@@ -12079,14 +12082,14 @@
           <a:effectLst/>
           <a:extLst>
             <a:ext uri="{909E8E84-426E-40dd-AFC4-6F175D3DCCD1}">
-              <a14:hiddenFill xmlns="" xmlns:a14="http://schemas.microsoft.com/office/drawing/2010/main">
+              <a14:hiddenFill xmlns:a14="http://schemas.microsoft.com/office/drawing/2010/main" xmlns="">
                 <a:solidFill>
                   <a:schemeClr val="accent1"/>
                 </a:solidFill>
               </a14:hiddenFill>
             </a:ext>
             <a:ext uri="{AF507438-7753-43e0-B8FC-AC1667EBCBE1}">
-              <a14:hiddenEffects xmlns="" xmlns:a14="http://schemas.microsoft.com/office/drawing/2010/main">
+              <a14:hiddenEffects xmlns:a14="http://schemas.microsoft.com/office/drawing/2010/main" xmlns="">
                 <a:effectLst>
                   <a:outerShdw blurRad="63500" dist="38099" dir="2700000" algn="ctr" rotWithShape="0">
                     <a:schemeClr val="bg2">
@@ -12135,14 +12138,14 @@
           <a:effectLst/>
           <a:extLst>
             <a:ext uri="{909E8E84-426E-40dd-AFC4-6F175D3DCCD1}">
-              <a14:hiddenFill xmlns="" xmlns:a14="http://schemas.microsoft.com/office/drawing/2010/main">
+              <a14:hiddenFill xmlns:a14="http://schemas.microsoft.com/office/drawing/2010/main" xmlns="">
                 <a:solidFill>
                   <a:schemeClr val="accent1"/>
                 </a:solidFill>
               </a14:hiddenFill>
             </a:ext>
             <a:ext uri="{AF507438-7753-43e0-B8FC-AC1667EBCBE1}">
-              <a14:hiddenEffects xmlns="" xmlns:a14="http://schemas.microsoft.com/office/drawing/2010/main">
+              <a14:hiddenEffects xmlns:a14="http://schemas.microsoft.com/office/drawing/2010/main" xmlns="">
                 <a:effectLst>
                   <a:outerShdw blurRad="63500" dist="38099" dir="2700000" algn="ctr" rotWithShape="0">
                     <a:schemeClr val="bg2">
@@ -12191,14 +12194,14 @@
           <a:effectLst/>
           <a:extLst>
             <a:ext uri="{909E8E84-426E-40dd-AFC4-6F175D3DCCD1}">
-              <a14:hiddenFill xmlns="" xmlns:a14="http://schemas.microsoft.com/office/drawing/2010/main">
+              <a14:hiddenFill xmlns:a14="http://schemas.microsoft.com/office/drawing/2010/main" xmlns="">
                 <a:solidFill>
                   <a:schemeClr val="accent1"/>
                 </a:solidFill>
               </a14:hiddenFill>
             </a:ext>
             <a:ext uri="{AF507438-7753-43e0-B8FC-AC1667EBCBE1}">
-              <a14:hiddenEffects xmlns="" xmlns:a14="http://schemas.microsoft.com/office/drawing/2010/main">
+              <a14:hiddenEffects xmlns:a14="http://schemas.microsoft.com/office/drawing/2010/main" xmlns="">
                 <a:effectLst>
                   <a:outerShdw blurRad="63500" dist="38099" dir="2700000" algn="ctr" rotWithShape="0">
                     <a:schemeClr val="bg2">
@@ -12247,14 +12250,14 @@
           <a:effectLst/>
           <a:extLst>
             <a:ext uri="{909E8E84-426E-40dd-AFC4-6F175D3DCCD1}">
-              <a14:hiddenFill xmlns="" xmlns:a14="http://schemas.microsoft.com/office/drawing/2010/main">
+              <a14:hiddenFill xmlns:a14="http://schemas.microsoft.com/office/drawing/2010/main" xmlns="">
                 <a:solidFill>
                   <a:schemeClr val="accent1"/>
                 </a:solidFill>
               </a14:hiddenFill>
             </a:ext>
             <a:ext uri="{AF507438-7753-43e0-B8FC-AC1667EBCBE1}">
-              <a14:hiddenEffects xmlns="" xmlns:a14="http://schemas.microsoft.com/office/drawing/2010/main">
+              <a14:hiddenEffects xmlns:a14="http://schemas.microsoft.com/office/drawing/2010/main" xmlns="">
                 <a:effectLst>
                   <a:outerShdw blurRad="63500" dist="38099" dir="2700000" algn="ctr" rotWithShape="0">
                     <a:schemeClr val="bg2">
@@ -12334,14 +12337,14 @@
           <a:effectLst/>
           <a:extLst>
             <a:ext uri="{909E8E84-426E-40dd-AFC4-6F175D3DCCD1}">
-              <a14:hiddenFill xmlns="" xmlns:a14="http://schemas.microsoft.com/office/drawing/2010/main">
+              <a14:hiddenFill xmlns:a14="http://schemas.microsoft.com/office/drawing/2010/main" xmlns="">
                 <a:solidFill>
                   <a:schemeClr val="accent1"/>
                 </a:solidFill>
               </a14:hiddenFill>
             </a:ext>
             <a:ext uri="{AF507438-7753-43e0-B8FC-AC1667EBCBE1}">
-              <a14:hiddenEffects xmlns="" xmlns:a14="http://schemas.microsoft.com/office/drawing/2010/main">
+              <a14:hiddenEffects xmlns:a14="http://schemas.microsoft.com/office/drawing/2010/main" xmlns="">
                 <a:effectLst>
                   <a:outerShdw blurRad="63500" dist="38099" dir="2700000" algn="ctr" rotWithShape="0">
                     <a:schemeClr val="bg2">
@@ -12383,14 +12386,14 @@
           </a:ln>
           <a:extLst>
             <a:ext uri="{909E8E84-426E-40dd-AFC4-6F175D3DCCD1}">
-              <a14:hiddenFill xmlns="" xmlns:a14="http://schemas.microsoft.com/office/drawing/2010/main">
+              <a14:hiddenFill xmlns:a14="http://schemas.microsoft.com/office/drawing/2010/main" xmlns="">
                 <a:solidFill>
                   <a:srgbClr val="FFFFFF"/>
                 </a:solidFill>
               </a14:hiddenFill>
             </a:ext>
             <a:ext uri="{91240B29-F687-4f45-9708-019B960494DF}">
-              <a14:hiddenLine xmlns="" xmlns:a14="http://schemas.microsoft.com/office/drawing/2010/main" w="9525">
+              <a14:hiddenLine xmlns:a14="http://schemas.microsoft.com/office/drawing/2010/main" xmlns="" w="9525">
                 <a:solidFill>
                   <a:srgbClr val="000000"/>
                 </a:solidFill>
@@ -12471,7 +12474,7 @@
           <a:effectLst/>
           <a:extLst>
             <a:ext uri="{AF507438-7753-43e0-B8FC-AC1667EBCBE1}">
-              <a14:hiddenEffects xmlns="" xmlns:a14="http://schemas.microsoft.com/office/drawing/2010/main">
+              <a14:hiddenEffects xmlns:a14="http://schemas.microsoft.com/office/drawing/2010/main" xmlns="">
                 <a:effectLst>
                   <a:outerShdw blurRad="63500" dist="38099" dir="2700000" algn="ctr" rotWithShape="0">
                     <a:schemeClr val="bg2">
@@ -12524,12 +12527,12 @@
           <a:effectLst/>
           <a:extLst>
             <a:ext uri="{909E8E84-426E-40dd-AFC4-6F175D3DCCD1}">
-              <a14:hiddenFill xmlns="" xmlns:a14="http://schemas.microsoft.com/office/drawing/2010/main">
+              <a14:hiddenFill xmlns:a14="http://schemas.microsoft.com/office/drawing/2010/main" xmlns="">
                 <a:noFill/>
               </a14:hiddenFill>
             </a:ext>
             <a:ext uri="{AF507438-7753-43e0-B8FC-AC1667EBCBE1}">
-              <a14:hiddenEffects xmlns="" xmlns:a14="http://schemas.microsoft.com/office/drawing/2010/main">
+              <a14:hiddenEffects xmlns:a14="http://schemas.microsoft.com/office/drawing/2010/main" xmlns="">
                 <a:effectLst>
                   <a:outerShdw blurRad="63500" dist="38099" dir="2700000" algn="ctr" rotWithShape="0">
                     <a:schemeClr val="bg2">
@@ -12579,7 +12582,7 @@
           <a:effectLst/>
           <a:extLst>
             <a:ext uri="{AF507438-7753-43e0-B8FC-AC1667EBCBE1}">
-              <a14:hiddenEffects xmlns="" xmlns:a14="http://schemas.microsoft.com/office/drawing/2010/main">
+              <a14:hiddenEffects xmlns:a14="http://schemas.microsoft.com/office/drawing/2010/main" xmlns="">
                 <a:effectLst>
                   <a:outerShdw blurRad="63500" dist="38099" dir="2700000" algn="ctr" rotWithShape="0">
                     <a:schemeClr val="bg2">
@@ -12633,7 +12636,7 @@
           <a:effectLst/>
           <a:extLst>
             <a:ext uri="{AF507438-7753-43e0-B8FC-AC1667EBCBE1}">
-              <a14:hiddenEffects xmlns="" xmlns:a14="http://schemas.microsoft.com/office/drawing/2010/main">
+              <a14:hiddenEffects xmlns:a14="http://schemas.microsoft.com/office/drawing/2010/main" xmlns="">
                 <a:effectLst>
                   <a:outerShdw blurRad="63500" dist="38099" dir="2700000" algn="ctr" rotWithShape="0">
                     <a:schemeClr val="bg2">
@@ -12687,7 +12690,7 @@
           <a:effectLst/>
           <a:extLst>
             <a:ext uri="{AF507438-7753-43e0-B8FC-AC1667EBCBE1}">
-              <a14:hiddenEffects xmlns="" xmlns:a14="http://schemas.microsoft.com/office/drawing/2010/main">
+              <a14:hiddenEffects xmlns:a14="http://schemas.microsoft.com/office/drawing/2010/main" xmlns="">
                 <a:effectLst>
                   <a:outerShdw blurRad="63500" dist="38099" dir="2700000" algn="ctr" rotWithShape="0">
                     <a:schemeClr val="bg2">
@@ -12738,14 +12741,14 @@
           <a:effectLst/>
           <a:extLst>
             <a:ext uri="{909E8E84-426E-40dd-AFC4-6F175D3DCCD1}">
-              <a14:hiddenFill xmlns="" xmlns:a14="http://schemas.microsoft.com/office/drawing/2010/main">
+              <a14:hiddenFill xmlns:a14="http://schemas.microsoft.com/office/drawing/2010/main" xmlns="">
                 <a:solidFill>
                   <a:schemeClr val="accent1"/>
                 </a:solidFill>
               </a14:hiddenFill>
             </a:ext>
             <a:ext uri="{91240B29-F687-4f45-9708-019B960494DF}">
-              <a14:hiddenLine xmlns="" xmlns:a14="http://schemas.microsoft.com/office/drawing/2010/main" w="9525">
+              <a14:hiddenLine xmlns:a14="http://schemas.microsoft.com/office/drawing/2010/main" xmlns="" w="9525">
                 <a:solidFill>
                   <a:srgbClr val="000000"/>
                 </a:solidFill>
@@ -12755,7 +12758,7 @@
               </a14:hiddenLine>
             </a:ext>
             <a:ext uri="{AF507438-7753-43e0-B8FC-AC1667EBCBE1}">
-              <a14:hiddenEffects xmlns="" xmlns:a14="http://schemas.microsoft.com/office/drawing/2010/main">
+              <a14:hiddenEffects xmlns:a14="http://schemas.microsoft.com/office/drawing/2010/main" xmlns="">
                 <a:effectLst>
                   <a:outerShdw blurRad="63500" dist="38099" dir="2700000" algn="ctr" rotWithShape="0">
                     <a:schemeClr val="bg2">
@@ -12809,12 +12812,12 @@
           <a:effectLst/>
           <a:extLst>
             <a:ext uri="{909E8E84-426E-40dd-AFC4-6F175D3DCCD1}">
-              <a14:hiddenFill xmlns="" xmlns:a14="http://schemas.microsoft.com/office/drawing/2010/main">
+              <a14:hiddenFill xmlns:a14="http://schemas.microsoft.com/office/drawing/2010/main" xmlns="">
                 <a:noFill/>
               </a14:hiddenFill>
             </a:ext>
             <a:ext uri="{AF507438-7753-43e0-B8FC-AC1667EBCBE1}">
-              <a14:hiddenEffects xmlns="" xmlns:a14="http://schemas.microsoft.com/office/drawing/2010/main">
+              <a14:hiddenEffects xmlns:a14="http://schemas.microsoft.com/office/drawing/2010/main" xmlns="">
                 <a:effectLst>
                   <a:outerShdw blurRad="63500" dist="38099" dir="2700000" algn="ctr" rotWithShape="0">
                     <a:schemeClr val="bg2">
@@ -12864,7 +12867,7 @@
           <a:effectLst/>
           <a:extLst>
             <a:ext uri="{AF507438-7753-43e0-B8FC-AC1667EBCBE1}">
-              <a14:hiddenEffects xmlns="" xmlns:a14="http://schemas.microsoft.com/office/drawing/2010/main">
+              <a14:hiddenEffects xmlns:a14="http://schemas.microsoft.com/office/drawing/2010/main" xmlns="">
                 <a:effectLst>
                   <a:outerShdw blurRad="63500" dist="38099" dir="2700000" algn="ctr" rotWithShape="0">
                     <a:schemeClr val="bg2">
@@ -12918,7 +12921,7 @@
           <a:effectLst/>
           <a:extLst>
             <a:ext uri="{AF507438-7753-43e0-B8FC-AC1667EBCBE1}">
-              <a14:hiddenEffects xmlns="" xmlns:a14="http://schemas.microsoft.com/office/drawing/2010/main">
+              <a14:hiddenEffects xmlns:a14="http://schemas.microsoft.com/office/drawing/2010/main" xmlns="">
                 <a:effectLst>
                   <a:outerShdw blurRad="63500" dist="38099" dir="2700000" algn="ctr" rotWithShape="0">
                     <a:schemeClr val="bg2">
@@ -12970,12 +12973,12 @@
           <a:effectLst/>
           <a:extLst>
             <a:ext uri="{909E8E84-426E-40dd-AFC4-6F175D3DCCD1}">
-              <a14:hiddenFill xmlns="" xmlns:a14="http://schemas.microsoft.com/office/drawing/2010/main">
+              <a14:hiddenFill xmlns:a14="http://schemas.microsoft.com/office/drawing/2010/main" xmlns="">
                 <a:noFill/>
               </a14:hiddenFill>
             </a:ext>
             <a:ext uri="{AF507438-7753-43e0-B8FC-AC1667EBCBE1}">
-              <a14:hiddenEffects xmlns="" xmlns:a14="http://schemas.microsoft.com/office/drawing/2010/main">
+              <a14:hiddenEffects xmlns:a14="http://schemas.microsoft.com/office/drawing/2010/main" xmlns="">
                 <a:effectLst>
                   <a:outerShdw blurRad="63500" dist="38099" dir="2700000" algn="ctr" rotWithShape="0">
                     <a:schemeClr val="bg2">
@@ -13027,12 +13030,12 @@
           <a:effectLst/>
           <a:extLst>
             <a:ext uri="{909E8E84-426E-40dd-AFC4-6F175D3DCCD1}">
-              <a14:hiddenFill xmlns="" xmlns:a14="http://schemas.microsoft.com/office/drawing/2010/main">
+              <a14:hiddenFill xmlns:a14="http://schemas.microsoft.com/office/drawing/2010/main" xmlns="">
                 <a:noFill/>
               </a14:hiddenFill>
             </a:ext>
             <a:ext uri="{AF507438-7753-43e0-B8FC-AC1667EBCBE1}">
-              <a14:hiddenEffects xmlns="" xmlns:a14="http://schemas.microsoft.com/office/drawing/2010/main">
+              <a14:hiddenEffects xmlns:a14="http://schemas.microsoft.com/office/drawing/2010/main" xmlns="">
                 <a:effectLst>
                   <a:outerShdw blurRad="63500" dist="38099" dir="2700000" algn="ctr" rotWithShape="0">
                     <a:schemeClr val="bg2">
@@ -13075,7 +13078,7 @@
           <a:effectLst/>
           <a:extLst>
             <a:ext uri="{AF507438-7753-43e0-B8FC-AC1667EBCBE1}">
-              <a14:hiddenEffects xmlns="" xmlns:a14="http://schemas.microsoft.com/office/drawing/2010/main">
+              <a14:hiddenEffects xmlns:a14="http://schemas.microsoft.com/office/drawing/2010/main" xmlns="">
                 <a:effectLst>
                   <a:outerShdw blurRad="63500" dist="38099" dir="2700000" algn="ctr" rotWithShape="0">
                     <a:schemeClr val="bg2">
@@ -13129,7 +13132,7 @@
           <a:effectLst/>
           <a:extLst>
             <a:ext uri="{AF507438-7753-43e0-B8FC-AC1667EBCBE1}">
-              <a14:hiddenEffects xmlns="" xmlns:a14="http://schemas.microsoft.com/office/drawing/2010/main">
+              <a14:hiddenEffects xmlns:a14="http://schemas.microsoft.com/office/drawing/2010/main" xmlns="">
                 <a:effectLst>
                   <a:outerShdw blurRad="63500" dist="38099" dir="2700000" algn="ctr" rotWithShape="0">
                     <a:schemeClr val="bg2">
@@ -13183,7 +13186,7 @@
           <a:effectLst/>
           <a:extLst>
             <a:ext uri="{AF507438-7753-43e0-B8FC-AC1667EBCBE1}">
-              <a14:hiddenEffects xmlns="" xmlns:a14="http://schemas.microsoft.com/office/drawing/2010/main">
+              <a14:hiddenEffects xmlns:a14="http://schemas.microsoft.com/office/drawing/2010/main" xmlns="">
                 <a:effectLst>
                   <a:outerShdw blurRad="63500" dist="38099" dir="2700000" algn="ctr" rotWithShape="0">
                     <a:schemeClr val="bg2">
@@ -13236,12 +13239,12 @@
           <a:effectLst/>
           <a:extLst>
             <a:ext uri="{909E8E84-426E-40dd-AFC4-6F175D3DCCD1}">
-              <a14:hiddenFill xmlns="" xmlns:a14="http://schemas.microsoft.com/office/drawing/2010/main">
+              <a14:hiddenFill xmlns:a14="http://schemas.microsoft.com/office/drawing/2010/main" xmlns="">
                 <a:noFill/>
               </a14:hiddenFill>
             </a:ext>
             <a:ext uri="{AF507438-7753-43e0-B8FC-AC1667EBCBE1}">
-              <a14:hiddenEffects xmlns="" xmlns:a14="http://schemas.microsoft.com/office/drawing/2010/main">
+              <a14:hiddenEffects xmlns:a14="http://schemas.microsoft.com/office/drawing/2010/main" xmlns="">
                 <a:effectLst>
                   <a:outerShdw blurRad="63500" dist="38099" dir="2700000" algn="ctr" rotWithShape="0">
                     <a:schemeClr val="bg2">
@@ -13290,12 +13293,12 @@
           <a:effectLst/>
           <a:extLst>
             <a:ext uri="{909E8E84-426E-40dd-AFC4-6F175D3DCCD1}">
-              <a14:hiddenFill xmlns="" xmlns:a14="http://schemas.microsoft.com/office/drawing/2010/main">
+              <a14:hiddenFill xmlns:a14="http://schemas.microsoft.com/office/drawing/2010/main" xmlns="">
                 <a:noFill/>
               </a14:hiddenFill>
             </a:ext>
             <a:ext uri="{AF507438-7753-43e0-B8FC-AC1667EBCBE1}">
-              <a14:hiddenEffects xmlns="" xmlns:a14="http://schemas.microsoft.com/office/drawing/2010/main">
+              <a14:hiddenEffects xmlns:a14="http://schemas.microsoft.com/office/drawing/2010/main" xmlns="">
                 <a:effectLst>
                   <a:outerShdw blurRad="63500" dist="38099" dir="2700000" algn="ctr" rotWithShape="0">
                     <a:schemeClr val="bg2">
@@ -13344,12 +13347,12 @@
           <a:effectLst/>
           <a:extLst>
             <a:ext uri="{909E8E84-426E-40dd-AFC4-6F175D3DCCD1}">
-              <a14:hiddenFill xmlns="" xmlns:a14="http://schemas.microsoft.com/office/drawing/2010/main">
+              <a14:hiddenFill xmlns:a14="http://schemas.microsoft.com/office/drawing/2010/main" xmlns="">
                 <a:noFill/>
               </a14:hiddenFill>
             </a:ext>
             <a:ext uri="{AF507438-7753-43e0-B8FC-AC1667EBCBE1}">
-              <a14:hiddenEffects xmlns="" xmlns:a14="http://schemas.microsoft.com/office/drawing/2010/main">
+              <a14:hiddenEffects xmlns:a14="http://schemas.microsoft.com/office/drawing/2010/main" xmlns="">
                 <a:effectLst>
                   <a:outerShdw blurRad="63500" dist="38099" dir="2700000" algn="ctr" rotWithShape="0">
                     <a:schemeClr val="bg2">
@@ -13397,12 +13400,12 @@
           <a:effectLst/>
           <a:extLst>
             <a:ext uri="{909E8E84-426E-40dd-AFC4-6F175D3DCCD1}">
-              <a14:hiddenFill xmlns="" xmlns:a14="http://schemas.microsoft.com/office/drawing/2010/main">
+              <a14:hiddenFill xmlns:a14="http://schemas.microsoft.com/office/drawing/2010/main" xmlns="">
                 <a:noFill/>
               </a14:hiddenFill>
             </a:ext>
             <a:ext uri="{AF507438-7753-43e0-B8FC-AC1667EBCBE1}">
-              <a14:hiddenEffects xmlns="" xmlns:a14="http://schemas.microsoft.com/office/drawing/2010/main">
+              <a14:hiddenEffects xmlns:a14="http://schemas.microsoft.com/office/drawing/2010/main" xmlns="">
                 <a:effectLst>
                   <a:outerShdw blurRad="63500" dist="38099" dir="2700000" algn="ctr" rotWithShape="0">
                     <a:schemeClr val="bg2">
@@ -13451,12 +13454,12 @@
           <a:effectLst/>
           <a:extLst>
             <a:ext uri="{909E8E84-426E-40dd-AFC4-6F175D3DCCD1}">
-              <a14:hiddenFill xmlns="" xmlns:a14="http://schemas.microsoft.com/office/drawing/2010/main">
+              <a14:hiddenFill xmlns:a14="http://schemas.microsoft.com/office/drawing/2010/main" xmlns="">
                 <a:noFill/>
               </a14:hiddenFill>
             </a:ext>
             <a:ext uri="{AF507438-7753-43e0-B8FC-AC1667EBCBE1}">
-              <a14:hiddenEffects xmlns="" xmlns:a14="http://schemas.microsoft.com/office/drawing/2010/main">
+              <a14:hiddenEffects xmlns:a14="http://schemas.microsoft.com/office/drawing/2010/main" xmlns="">
                 <a:effectLst>
                   <a:outerShdw blurRad="63500" dist="38099" dir="2700000" algn="ctr" rotWithShape="0">
                     <a:schemeClr val="bg2">
@@ -13505,12 +13508,12 @@
           <a:effectLst/>
           <a:extLst>
             <a:ext uri="{909E8E84-426E-40dd-AFC4-6F175D3DCCD1}">
-              <a14:hiddenFill xmlns="" xmlns:a14="http://schemas.microsoft.com/office/drawing/2010/main">
+              <a14:hiddenFill xmlns:a14="http://schemas.microsoft.com/office/drawing/2010/main" xmlns="">
                 <a:noFill/>
               </a14:hiddenFill>
             </a:ext>
             <a:ext uri="{AF507438-7753-43e0-B8FC-AC1667EBCBE1}">
-              <a14:hiddenEffects xmlns="" xmlns:a14="http://schemas.microsoft.com/office/drawing/2010/main">
+              <a14:hiddenEffects xmlns:a14="http://schemas.microsoft.com/office/drawing/2010/main" xmlns="">
                 <a:effectLst>
                   <a:outerShdw blurRad="63500" dist="38099" dir="2700000" algn="ctr" rotWithShape="0">
                     <a:schemeClr val="bg2">
@@ -13559,12 +13562,12 @@
           <a:effectLst/>
           <a:extLst>
             <a:ext uri="{909E8E84-426E-40dd-AFC4-6F175D3DCCD1}">
-              <a14:hiddenFill xmlns="" xmlns:a14="http://schemas.microsoft.com/office/drawing/2010/main">
+              <a14:hiddenFill xmlns:a14="http://schemas.microsoft.com/office/drawing/2010/main" xmlns="">
                 <a:noFill/>
               </a14:hiddenFill>
             </a:ext>
             <a:ext uri="{AF507438-7753-43e0-B8FC-AC1667EBCBE1}">
-              <a14:hiddenEffects xmlns="" xmlns:a14="http://schemas.microsoft.com/office/drawing/2010/main">
+              <a14:hiddenEffects xmlns:a14="http://schemas.microsoft.com/office/drawing/2010/main" xmlns="">
                 <a:effectLst>
                   <a:outerShdw blurRad="63500" dist="38099" dir="2700000" algn="ctr" rotWithShape="0">
                     <a:schemeClr val="bg2">
@@ -13636,14 +13639,14 @@
           </a:ln>
           <a:extLst>
             <a:ext uri="{909E8E84-426E-40dd-AFC4-6F175D3DCCD1}">
-              <a14:hiddenFill xmlns="" xmlns:a14="http://schemas.microsoft.com/office/drawing/2010/main">
+              <a14:hiddenFill xmlns:a14="http://schemas.microsoft.com/office/drawing/2010/main" xmlns="">
                 <a:solidFill>
                   <a:srgbClr val="FFFFFF"/>
                 </a:solidFill>
               </a14:hiddenFill>
             </a:ext>
             <a:ext uri="{91240B29-F687-4f45-9708-019B960494DF}">
-              <a14:hiddenLine xmlns="" xmlns:a14="http://schemas.microsoft.com/office/drawing/2010/main" w="9525">
+              <a14:hiddenLine xmlns:a14="http://schemas.microsoft.com/office/drawing/2010/main" xmlns="" w="9525">
                 <a:solidFill>
                   <a:srgbClr val="000000"/>
                 </a:solidFill>
@@ -13736,7 +13739,7 @@
           <a:effectLst/>
           <a:extLst>
             <a:ext uri="{AF507438-7753-43e0-B8FC-AC1667EBCBE1}">
-              <a14:hiddenEffects xmlns="" xmlns:a14="http://schemas.microsoft.com/office/drawing/2010/main">
+              <a14:hiddenEffects xmlns:a14="http://schemas.microsoft.com/office/drawing/2010/main" xmlns="">
                 <a:effectLst>
                   <a:outerShdw blurRad="63500" dist="38099" dir="2700000" algn="ctr" rotWithShape="0">
                     <a:schemeClr val="bg2">
@@ -13754,7 +13757,7 @@
           <a:p>
             <a:pPr algn="ctr"/>
             <a:r>
-              <a:rPr lang="en-US" b="1"/>
+              <a:rPr lang="en-US" b="1" dirty="0"/>
               <a:t>Client</a:t>
             </a:r>
           </a:p>
@@ -13790,7 +13793,7 @@
           <a:effectLst/>
           <a:extLst>
             <a:ext uri="{AF507438-7753-43e0-B8FC-AC1667EBCBE1}">
-              <a14:hiddenEffects xmlns="" xmlns:a14="http://schemas.microsoft.com/office/drawing/2010/main">
+              <a14:hiddenEffects xmlns:a14="http://schemas.microsoft.com/office/drawing/2010/main" xmlns="">
                 <a:effectLst>
                   <a:outerShdw blurRad="63500" dist="38099" dir="2700000" algn="ctr" rotWithShape="0">
                     <a:schemeClr val="bg2">
@@ -13844,7 +13847,7 @@
           <a:effectLst/>
           <a:extLst>
             <a:ext uri="{AF507438-7753-43e0-B8FC-AC1667EBCBE1}">
-              <a14:hiddenEffects xmlns="" xmlns:a14="http://schemas.microsoft.com/office/drawing/2010/main">
+              <a14:hiddenEffects xmlns:a14="http://schemas.microsoft.com/office/drawing/2010/main" xmlns="">
                 <a:effectLst>
                   <a:outerShdw blurRad="63500" dist="38099" dir="2700000" algn="ctr" rotWithShape="0">
                     <a:schemeClr val="bg2">
@@ -13862,7 +13865,7 @@
           <a:p>
             <a:pPr algn="ctr"/>
             <a:r>
-              <a:rPr lang="en-US" b="1"/>
+              <a:rPr lang="en-US" b="1" dirty="0"/>
               <a:t>registry</a:t>
             </a:r>
           </a:p>
@@ -13891,14 +13894,14 @@
           <a:effectLst/>
           <a:extLst>
             <a:ext uri="{909E8E84-426E-40dd-AFC4-6F175D3DCCD1}">
-              <a14:hiddenFill xmlns="" xmlns:a14="http://schemas.microsoft.com/office/drawing/2010/main">
+              <a14:hiddenFill xmlns:a14="http://schemas.microsoft.com/office/drawing/2010/main" xmlns="">
                 <a:solidFill>
                   <a:schemeClr val="accent1"/>
                 </a:solidFill>
               </a14:hiddenFill>
             </a:ext>
             <a:ext uri="{91240B29-F687-4f45-9708-019B960494DF}">
-              <a14:hiddenLine xmlns="" xmlns:a14="http://schemas.microsoft.com/office/drawing/2010/main" w="9525">
+              <a14:hiddenLine xmlns:a14="http://schemas.microsoft.com/office/drawing/2010/main" xmlns="" w="9525">
                 <a:solidFill>
                   <a:srgbClr val="000000"/>
                 </a:solidFill>
@@ -13908,7 +13911,7 @@
               </a14:hiddenLine>
             </a:ext>
             <a:ext uri="{AF507438-7753-43e0-B8FC-AC1667EBCBE1}">
-              <a14:hiddenEffects xmlns="" xmlns:a14="http://schemas.microsoft.com/office/drawing/2010/main">
+              <a14:hiddenEffects xmlns:a14="http://schemas.microsoft.com/office/drawing/2010/main" xmlns="">
                 <a:effectLst>
                   <a:outerShdw blurRad="63500" dist="38099" dir="2700000" algn="ctr" rotWithShape="0">
                     <a:schemeClr val="bg2">
@@ -13972,12 +13975,12 @@
           <a:effectLst/>
           <a:extLst>
             <a:ext uri="{909E8E84-426E-40dd-AFC4-6F175D3DCCD1}">
-              <a14:hiddenFill xmlns="" xmlns:a14="http://schemas.microsoft.com/office/drawing/2010/main">
+              <a14:hiddenFill xmlns:a14="http://schemas.microsoft.com/office/drawing/2010/main" xmlns="">
                 <a:noFill/>
               </a14:hiddenFill>
             </a:ext>
             <a:ext uri="{AF507438-7753-43e0-B8FC-AC1667EBCBE1}">
-              <a14:hiddenEffects xmlns="" xmlns:a14="http://schemas.microsoft.com/office/drawing/2010/main">
+              <a14:hiddenEffects xmlns:a14="http://schemas.microsoft.com/office/drawing/2010/main" xmlns="">
                 <a:effectLst>
                   <a:outerShdw blurRad="63500" dist="38099" dir="2700000" algn="ctr" rotWithShape="0">
                     <a:schemeClr val="bg2">
@@ -14025,12 +14028,12 @@
           <a:effectLst/>
           <a:extLst>
             <a:ext uri="{909E8E84-426E-40dd-AFC4-6F175D3DCCD1}">
-              <a14:hiddenFill xmlns="" xmlns:a14="http://schemas.microsoft.com/office/drawing/2010/main">
+              <a14:hiddenFill xmlns:a14="http://schemas.microsoft.com/office/drawing/2010/main" xmlns="">
                 <a:noFill/>
               </a14:hiddenFill>
             </a:ext>
             <a:ext uri="{AF507438-7753-43e0-B8FC-AC1667EBCBE1}">
-              <a14:hiddenEffects xmlns="" xmlns:a14="http://schemas.microsoft.com/office/drawing/2010/main">
+              <a14:hiddenEffects xmlns:a14="http://schemas.microsoft.com/office/drawing/2010/main" xmlns="">
                 <a:effectLst>
                   <a:outerShdw blurRad="63500" dist="38099" dir="2700000" algn="ctr" rotWithShape="0">
                     <a:schemeClr val="bg2">
@@ -14078,12 +14081,12 @@
           <a:effectLst/>
           <a:extLst>
             <a:ext uri="{909E8E84-426E-40dd-AFC4-6F175D3DCCD1}">
-              <a14:hiddenFill xmlns="" xmlns:a14="http://schemas.microsoft.com/office/drawing/2010/main">
+              <a14:hiddenFill xmlns:a14="http://schemas.microsoft.com/office/drawing/2010/main" xmlns="">
                 <a:noFill/>
               </a14:hiddenFill>
             </a:ext>
             <a:ext uri="{AF507438-7753-43e0-B8FC-AC1667EBCBE1}">
-              <a14:hiddenEffects xmlns="" xmlns:a14="http://schemas.microsoft.com/office/drawing/2010/main">
+              <a14:hiddenEffects xmlns:a14="http://schemas.microsoft.com/office/drawing/2010/main" xmlns="">
                 <a:effectLst>
                   <a:outerShdw blurRad="63500" dist="38099" dir="2700000" algn="ctr" rotWithShape="0">
                     <a:schemeClr val="bg2">
@@ -14131,12 +14134,12 @@
           <a:effectLst/>
           <a:extLst>
             <a:ext uri="{909E8E84-426E-40dd-AFC4-6F175D3DCCD1}">
-              <a14:hiddenFill xmlns="" xmlns:a14="http://schemas.microsoft.com/office/drawing/2010/main">
+              <a14:hiddenFill xmlns:a14="http://schemas.microsoft.com/office/drawing/2010/main" xmlns="">
                 <a:noFill/>
               </a14:hiddenFill>
             </a:ext>
             <a:ext uri="{AF507438-7753-43e0-B8FC-AC1667EBCBE1}">
-              <a14:hiddenEffects xmlns="" xmlns:a14="http://schemas.microsoft.com/office/drawing/2010/main">
+              <a14:hiddenEffects xmlns:a14="http://schemas.microsoft.com/office/drawing/2010/main" xmlns="">
                 <a:effectLst>
                   <a:outerShdw blurRad="63500" dist="38099" dir="2700000" algn="ctr" rotWithShape="0">
                     <a:schemeClr val="bg2">
@@ -14179,14 +14182,14 @@
           <a:effectLst/>
           <a:extLst>
             <a:ext uri="{909E8E84-426E-40dd-AFC4-6F175D3DCCD1}">
-              <a14:hiddenFill xmlns="" xmlns:a14="http://schemas.microsoft.com/office/drawing/2010/main">
+              <a14:hiddenFill xmlns:a14="http://schemas.microsoft.com/office/drawing/2010/main" xmlns="">
                 <a:solidFill>
                   <a:schemeClr val="accent1"/>
                 </a:solidFill>
               </a14:hiddenFill>
             </a:ext>
             <a:ext uri="{91240B29-F687-4f45-9708-019B960494DF}">
-              <a14:hiddenLine xmlns="" xmlns:a14="http://schemas.microsoft.com/office/drawing/2010/main" w="9525">
+              <a14:hiddenLine xmlns:a14="http://schemas.microsoft.com/office/drawing/2010/main" xmlns="" w="9525">
                 <a:solidFill>
                   <a:srgbClr val="000000"/>
                 </a:solidFill>
@@ -14196,7 +14199,7 @@
               </a14:hiddenLine>
             </a:ext>
             <a:ext uri="{AF507438-7753-43e0-B8FC-AC1667EBCBE1}">
-              <a14:hiddenEffects xmlns="" xmlns:a14="http://schemas.microsoft.com/office/drawing/2010/main">
+              <a14:hiddenEffects xmlns:a14="http://schemas.microsoft.com/office/drawing/2010/main" xmlns="">
                 <a:effectLst>
                   <a:outerShdw blurRad="63500" dist="38099" dir="2700000" algn="ctr" rotWithShape="0">
                     <a:schemeClr val="bg2">
@@ -14257,12 +14260,12 @@
           <a:effectLst/>
           <a:extLst>
             <a:ext uri="{909E8E84-426E-40dd-AFC4-6F175D3DCCD1}">
-              <a14:hiddenFill xmlns="" xmlns:a14="http://schemas.microsoft.com/office/drawing/2010/main">
+              <a14:hiddenFill xmlns:a14="http://schemas.microsoft.com/office/drawing/2010/main" xmlns="">
                 <a:noFill/>
               </a14:hiddenFill>
             </a:ext>
             <a:ext uri="{AF507438-7753-43e0-B8FC-AC1667EBCBE1}">
-              <a14:hiddenEffects xmlns="" xmlns:a14="http://schemas.microsoft.com/office/drawing/2010/main">
+              <a14:hiddenEffects xmlns:a14="http://schemas.microsoft.com/office/drawing/2010/main" xmlns="">
                 <a:effectLst>
                   <a:outerShdw blurRad="63500" dist="38099" dir="2700000" algn="ctr" rotWithShape="0">
                     <a:schemeClr val="bg2">
@@ -14316,7 +14319,7 @@
           <a:effectLst/>
           <a:extLst>
             <a:ext uri="{91240B29-F687-4f45-9708-019B960494DF}">
-              <a14:hiddenLine xmlns="" xmlns:a14="http://schemas.microsoft.com/office/drawing/2010/main" w="9525">
+              <a14:hiddenLine xmlns:a14="http://schemas.microsoft.com/office/drawing/2010/main" xmlns="" w="9525">
                 <a:solidFill>
                   <a:schemeClr val="tx1"/>
                 </a:solidFill>
@@ -14327,7 +14330,7 @@
               </a14:hiddenLine>
             </a:ext>
             <a:ext uri="{AF507438-7753-43e0-B8FC-AC1667EBCBE1}">
-              <a14:hiddenEffects xmlns="" xmlns:a14="http://schemas.microsoft.com/office/drawing/2010/main">
+              <a14:hiddenEffects xmlns:a14="http://schemas.microsoft.com/office/drawing/2010/main" xmlns="">
                 <a:effectLst>
                   <a:outerShdw blurRad="63500" dist="38099" dir="2700000" algn="ctr" rotWithShape="0">
                     <a:schemeClr val="bg2">
@@ -14344,25 +14347,37 @@
           <a:lstStyle/>
           <a:p>
             <a:r>
-              <a:rPr lang="en-US">
+              <a:rPr lang="en-US" dirty="0">
                 <a:latin typeface="宋体" charset="0"/>
               </a:rPr>
               <a:t>1. </a:t>
             </a:r>
             <a:r>
-              <a:rPr lang="zh-CN" altLang="en-US">
+              <a:rPr lang="zh-CN" altLang="en-US" dirty="0">
                 <a:latin typeface="宋体" charset="0"/>
               </a:rPr>
               <a:t>缺省到每个</a:t>
             </a:r>
             <a:r>
-              <a:rPr lang="en-US">
+              <a:rPr lang="en-US" dirty="0">
                 <a:latin typeface="宋体" charset="0"/>
               </a:rPr>
-              <a:t>server(ip:port) </a:t>
-            </a:r>
-            <a:r>
-              <a:rPr lang="zh-CN" altLang="en-US">
+              <a:t>server(</a:t>
+            </a:r>
+            <a:r>
+              <a:rPr lang="en-US" dirty="0" err="1">
+                <a:latin typeface="宋体" charset="0"/>
+              </a:rPr>
+              <a:t>ip:port</a:t>
+            </a:r>
+            <a:r>
+              <a:rPr lang="en-US" dirty="0">
+                <a:latin typeface="宋体" charset="0"/>
+              </a:rPr>
+              <a:t>) </a:t>
+            </a:r>
+            <a:r>
+              <a:rPr lang="zh-CN" altLang="en-US" dirty="0">
                 <a:latin typeface="宋体" charset="0"/>
               </a:rPr>
               <a:t>一个连接</a:t>
@@ -14370,13 +14385,13 @@
           </a:p>
           <a:p>
             <a:r>
-              <a:rPr lang="en-US">
+              <a:rPr lang="en-US" dirty="0">
                 <a:latin typeface="宋体" charset="0"/>
               </a:rPr>
               <a:t>2. </a:t>
             </a:r>
             <a:r>
-              <a:rPr lang="zh-CN" altLang="en-US">
+              <a:rPr lang="zh-CN" altLang="en-US" dirty="0">
                 <a:latin typeface="宋体" charset="0"/>
               </a:rPr>
               <a:t>多个连接竞争消息队列</a:t>
@@ -14384,13 +14399,13 @@
           </a:p>
           <a:p>
             <a:r>
-              <a:rPr lang="en-US">
+              <a:rPr lang="en-US" dirty="0">
                 <a:latin typeface="宋体" charset="0"/>
               </a:rPr>
               <a:t>3. </a:t>
             </a:r>
             <a:r>
-              <a:rPr lang="zh-CN" altLang="en-US">
+              <a:rPr lang="zh-CN" altLang="en-US" dirty="0">
                 <a:latin typeface="宋体" charset="0"/>
               </a:rPr>
               <a:t>一个连接异常后影响最后一个请求</a:t>
@@ -14398,69 +14413,72 @@
           </a:p>
           <a:p>
             <a:r>
-              <a:rPr lang="en-US">
+              <a:rPr lang="en-US" dirty="0">
                 <a:latin typeface="宋体" charset="0"/>
               </a:rPr>
               <a:t>4. </a:t>
             </a:r>
             <a:r>
-              <a:rPr lang="zh-CN" altLang="en-US">
+              <a:rPr lang="zh-CN" altLang="en-US" dirty="0">
                 <a:latin typeface="宋体" charset="0"/>
               </a:rPr>
               <a:t>定时从</a:t>
             </a:r>
             <a:r>
-              <a:rPr lang="en-US">
+              <a:rPr lang="en-US" dirty="0">
                 <a:latin typeface="宋体" charset="0"/>
               </a:rPr>
               <a:t>registry</a:t>
             </a:r>
             <a:r>
-              <a:rPr lang="zh-CN" altLang="en-US">
+              <a:rPr lang="zh-CN" altLang="en-US" dirty="0">
                 <a:latin typeface="宋体" charset="0"/>
               </a:rPr>
               <a:t>异步刷新服务列表，实现动态加入</a:t>
             </a:r>
             <a:r>
-              <a:rPr lang="en-US">
+              <a:rPr lang="en-US" dirty="0">
                 <a:latin typeface="宋体" charset="0"/>
               </a:rPr>
               <a:t>/</a:t>
             </a:r>
             <a:r>
-              <a:rPr lang="zh-CN" altLang="en-US">
+              <a:rPr lang="zh-CN" altLang="en-US" dirty="0">
                 <a:latin typeface="宋体" charset="0"/>
               </a:rPr>
               <a:t>移除</a:t>
             </a:r>
             <a:r>
-              <a:rPr lang="en-US">
+              <a:rPr lang="en-US" dirty="0" err="1">
                 <a:latin typeface="宋体" charset="0"/>
               </a:rPr>
               <a:t>Svr</a:t>
             </a:r>
-          </a:p>
-          <a:p>
-            <a:r>
-              <a:rPr lang="en-US">
+            <a:endParaRPr lang="en-US" dirty="0">
+              <a:latin typeface="宋体" charset="0"/>
+            </a:endParaRPr>
+          </a:p>
+          <a:p>
+            <a:r>
+              <a:rPr lang="en-US" dirty="0">
                 <a:latin typeface="宋体" charset="0"/>
               </a:rPr>
               <a:t>5. Registry </a:t>
             </a:r>
             <a:r>
-              <a:rPr lang="zh-CN" altLang="en-US">
+              <a:rPr lang="zh-CN" altLang="en-US" dirty="0">
                 <a:latin typeface="宋体" charset="0"/>
               </a:rPr>
               <a:t>部署多台，通过</a:t>
             </a:r>
             <a:r>
-              <a:rPr lang="en-US">
+              <a:rPr lang="en-US" dirty="0" err="1">
                 <a:latin typeface="宋体" charset="0"/>
               </a:rPr>
               <a:t>db</a:t>
             </a:r>
             <a:r>
-              <a:rPr lang="zh-CN" altLang="en-US">
+              <a:rPr lang="zh-CN" altLang="en-US" dirty="0">
                 <a:latin typeface="宋体" charset="0"/>
               </a:rPr>
               <a:t>共享数据，实现热备</a:t>
@@ -14468,25 +14486,25 @@
           </a:p>
           <a:p>
             <a:r>
-              <a:rPr lang="en-US">
+              <a:rPr lang="en-US" dirty="0">
                 <a:latin typeface="宋体" charset="0"/>
               </a:rPr>
               <a:t>6. </a:t>
             </a:r>
             <a:r>
-              <a:rPr lang="zh-CN" altLang="en-US">
+              <a:rPr lang="zh-CN" altLang="en-US" dirty="0">
                 <a:latin typeface="宋体" charset="0"/>
               </a:rPr>
               <a:t>缺省轮循选择服务节点，支持</a:t>
             </a:r>
             <a:r>
-              <a:rPr lang="en-US" altLang="zh-CN">
+              <a:rPr lang="en-US" altLang="zh-CN" dirty="0">
                 <a:latin typeface="宋体" charset="0"/>
               </a:rPr>
               <a:t>HASH</a:t>
             </a:r>
             <a:r>
-              <a:rPr lang="zh-CN" altLang="en-US">
+              <a:rPr lang="zh-CN" altLang="en-US" dirty="0">
                 <a:latin typeface="宋体" charset="0"/>
               </a:rPr>
               <a:t>方式</a:t>
@@ -14494,25 +14512,25 @@
           </a:p>
           <a:p>
             <a:r>
-              <a:rPr lang="en-US" altLang="zh-CN">
+              <a:rPr lang="en-US" altLang="zh-CN" dirty="0">
                 <a:latin typeface="宋体" charset="0"/>
               </a:rPr>
               <a:t>7. </a:t>
             </a:r>
             <a:r>
-              <a:rPr lang="zh-CN" altLang="en-US">
+              <a:rPr lang="zh-CN" altLang="en-US" dirty="0">
                 <a:latin typeface="宋体" charset="0"/>
               </a:rPr>
               <a:t>某个连接或者节点失效后，会定时重连（</a:t>
             </a:r>
             <a:r>
-              <a:rPr lang="en-US" altLang="zh-CN">
+              <a:rPr lang="en-US" altLang="zh-CN" dirty="0">
                 <a:latin typeface="宋体" charset="0"/>
               </a:rPr>
               <a:t>10</a:t>
             </a:r>
             <a:r>
-              <a:rPr lang="zh-CN" altLang="en-US">
+              <a:rPr lang="zh-CN" altLang="en-US" dirty="0">
                 <a:latin typeface="宋体" charset="0"/>
               </a:rPr>
               <a:t>秒）</a:t>
@@ -14543,14 +14561,14 @@
           <a:effectLst/>
           <a:extLst>
             <a:ext uri="{909E8E84-426E-40dd-AFC4-6F175D3DCCD1}">
-              <a14:hiddenFill xmlns="" xmlns:a14="http://schemas.microsoft.com/office/drawing/2010/main">
+              <a14:hiddenFill xmlns:a14="http://schemas.microsoft.com/office/drawing/2010/main" xmlns="">
                 <a:solidFill>
                   <a:schemeClr val="accent1"/>
                 </a:solidFill>
               </a14:hiddenFill>
             </a:ext>
             <a:ext uri="{91240B29-F687-4f45-9708-019B960494DF}">
-              <a14:hiddenLine xmlns="" xmlns:a14="http://schemas.microsoft.com/office/drawing/2010/main" w="9525">
+              <a14:hiddenLine xmlns:a14="http://schemas.microsoft.com/office/drawing/2010/main" xmlns="" w="9525">
                 <a:solidFill>
                   <a:srgbClr val="000000"/>
                 </a:solidFill>
@@ -14560,7 +14578,7 @@
               </a14:hiddenLine>
             </a:ext>
             <a:ext uri="{AF507438-7753-43e0-B8FC-AC1667EBCBE1}">
-              <a14:hiddenEffects xmlns="" xmlns:a14="http://schemas.microsoft.com/office/drawing/2010/main">
+              <a14:hiddenEffects xmlns:a14="http://schemas.microsoft.com/office/drawing/2010/main" xmlns="">
                 <a:effectLst>
                   <a:outerShdw blurRad="63500" dist="38099" dir="2700000" algn="ctr" rotWithShape="0">
                     <a:schemeClr val="bg2">
@@ -14614,7 +14632,7 @@
           <a:effectLst/>
           <a:extLst>
             <a:ext uri="{AF507438-7753-43e0-B8FC-AC1667EBCBE1}">
-              <a14:hiddenEffects xmlns="" xmlns:a14="http://schemas.microsoft.com/office/drawing/2010/main">
+              <a14:hiddenEffects xmlns:a14="http://schemas.microsoft.com/office/drawing/2010/main" xmlns="">
                 <a:effectLst>
                   <a:outerShdw blurRad="63500" dist="38099" dir="2700000" algn="ctr" rotWithShape="0">
                     <a:schemeClr val="bg2">
@@ -14668,7 +14686,7 @@
           <a:effectLst/>
           <a:extLst>
             <a:ext uri="{AF507438-7753-43e0-B8FC-AC1667EBCBE1}">
-              <a14:hiddenEffects xmlns="" xmlns:a14="http://schemas.microsoft.com/office/drawing/2010/main">
+              <a14:hiddenEffects xmlns:a14="http://schemas.microsoft.com/office/drawing/2010/main" xmlns="">
                 <a:effectLst>
                   <a:outerShdw blurRad="63500" dist="38099" dir="2700000" algn="ctr" rotWithShape="0">
                     <a:schemeClr val="bg2">
@@ -14722,7 +14740,7 @@
           <a:effectLst/>
           <a:extLst>
             <a:ext uri="{AF507438-7753-43e0-B8FC-AC1667EBCBE1}">
-              <a14:hiddenEffects xmlns="" xmlns:a14="http://schemas.microsoft.com/office/drawing/2010/main">
+              <a14:hiddenEffects xmlns:a14="http://schemas.microsoft.com/office/drawing/2010/main" xmlns="">
                 <a:effectLst>
                   <a:outerShdw blurRad="63500" dist="38099" dir="2700000" algn="ctr" rotWithShape="0">
                     <a:schemeClr val="bg2">
@@ -14774,12 +14792,12 @@
           <a:effectLst/>
           <a:extLst>
             <a:ext uri="{909E8E84-426E-40dd-AFC4-6F175D3DCCD1}">
-              <a14:hiddenFill xmlns="" xmlns:a14="http://schemas.microsoft.com/office/drawing/2010/main">
+              <a14:hiddenFill xmlns:a14="http://schemas.microsoft.com/office/drawing/2010/main" xmlns="">
                 <a:noFill/>
               </a14:hiddenFill>
             </a:ext>
             <a:ext uri="{AF507438-7753-43e0-B8FC-AC1667EBCBE1}">
-              <a14:hiddenEffects xmlns="" xmlns:a14="http://schemas.microsoft.com/office/drawing/2010/main">
+              <a14:hiddenEffects xmlns:a14="http://schemas.microsoft.com/office/drawing/2010/main" xmlns="">
                 <a:effectLst>
                   <a:outerShdw blurRad="63500" dist="38099" dir="2700000" algn="ctr" rotWithShape="0">
                     <a:schemeClr val="bg2">
@@ -14827,12 +14845,12 @@
           <a:effectLst/>
           <a:extLst>
             <a:ext uri="{909E8E84-426E-40dd-AFC4-6F175D3DCCD1}">
-              <a14:hiddenFill xmlns="" xmlns:a14="http://schemas.microsoft.com/office/drawing/2010/main">
+              <a14:hiddenFill xmlns:a14="http://schemas.microsoft.com/office/drawing/2010/main" xmlns="">
                 <a:noFill/>
               </a14:hiddenFill>
             </a:ext>
             <a:ext uri="{AF507438-7753-43e0-B8FC-AC1667EBCBE1}">
-              <a14:hiddenEffects xmlns="" xmlns:a14="http://schemas.microsoft.com/office/drawing/2010/main">
+              <a14:hiddenEffects xmlns:a14="http://schemas.microsoft.com/office/drawing/2010/main" xmlns="">
                 <a:effectLst>
                   <a:outerShdw blurRad="63500" dist="38099" dir="2700000" algn="ctr" rotWithShape="0">
                     <a:schemeClr val="bg2">
@@ -15268,14 +15286,14 @@
           </a:ln>
           <a:extLst>
             <a:ext uri="{909E8E84-426E-40dd-AFC4-6F175D3DCCD1}">
-              <a14:hiddenFill xmlns="" xmlns:a14="http://schemas.microsoft.com/office/drawing/2010/main">
+              <a14:hiddenFill xmlns:a14="http://schemas.microsoft.com/office/drawing/2010/main" xmlns="">
                 <a:solidFill>
                   <a:srgbClr val="FFFFFF"/>
                 </a:solidFill>
               </a14:hiddenFill>
             </a:ext>
             <a:ext uri="{91240B29-F687-4f45-9708-019B960494DF}">
-              <a14:hiddenLine xmlns="" xmlns:a14="http://schemas.microsoft.com/office/drawing/2010/main" w="9525">
+              <a14:hiddenLine xmlns:a14="http://schemas.microsoft.com/office/drawing/2010/main" xmlns="" w="9525">
                 <a:solidFill>
                   <a:srgbClr val="000000"/>
                 </a:solidFill>
@@ -15368,7 +15386,7 @@
           <a:effectLst/>
           <a:extLst>
             <a:ext uri="{AF507438-7753-43e0-B8FC-AC1667EBCBE1}">
-              <a14:hiddenEffects xmlns="" xmlns:a14="http://schemas.microsoft.com/office/drawing/2010/main">
+              <a14:hiddenEffects xmlns:a14="http://schemas.microsoft.com/office/drawing/2010/main" xmlns="">
                 <a:effectLst>
                   <a:outerShdw blurRad="63500" dist="38099" dir="2700000" algn="ctr" rotWithShape="0">
                     <a:schemeClr val="bg2">
@@ -15422,7 +15440,7 @@
           <a:effectLst/>
           <a:extLst>
             <a:ext uri="{AF507438-7753-43e0-B8FC-AC1667EBCBE1}">
-              <a14:hiddenEffects xmlns="" xmlns:a14="http://schemas.microsoft.com/office/drawing/2010/main">
+              <a14:hiddenEffects xmlns:a14="http://schemas.microsoft.com/office/drawing/2010/main" xmlns="">
                 <a:effectLst>
                   <a:outerShdw blurRad="63500" dist="38099" dir="2700000" algn="ctr" rotWithShape="0">
                     <a:schemeClr val="bg2">
@@ -15474,12 +15492,12 @@
           <a:effectLst/>
           <a:extLst>
             <a:ext uri="{909E8E84-426E-40dd-AFC4-6F175D3DCCD1}">
-              <a14:hiddenFill xmlns="" xmlns:a14="http://schemas.microsoft.com/office/drawing/2010/main">
+              <a14:hiddenFill xmlns:a14="http://schemas.microsoft.com/office/drawing/2010/main" xmlns="">
                 <a:noFill/>
               </a14:hiddenFill>
             </a:ext>
             <a:ext uri="{AF507438-7753-43e0-B8FC-AC1667EBCBE1}">
-              <a14:hiddenEffects xmlns="" xmlns:a14="http://schemas.microsoft.com/office/drawing/2010/main">
+              <a14:hiddenEffects xmlns:a14="http://schemas.microsoft.com/office/drawing/2010/main" xmlns="">
                 <a:effectLst>
                   <a:outerShdw blurRad="63500" dist="38099" dir="2700000" algn="ctr" rotWithShape="0">
                     <a:schemeClr val="bg2">
@@ -15527,12 +15545,12 @@
           <a:effectLst/>
           <a:extLst>
             <a:ext uri="{909E8E84-426E-40dd-AFC4-6F175D3DCCD1}">
-              <a14:hiddenFill xmlns="" xmlns:a14="http://schemas.microsoft.com/office/drawing/2010/main">
+              <a14:hiddenFill xmlns:a14="http://schemas.microsoft.com/office/drawing/2010/main" xmlns="">
                 <a:noFill/>
               </a14:hiddenFill>
             </a:ext>
             <a:ext uri="{AF507438-7753-43e0-B8FC-AC1667EBCBE1}">
-              <a14:hiddenEffects xmlns="" xmlns:a14="http://schemas.microsoft.com/office/drawing/2010/main">
+              <a14:hiddenEffects xmlns:a14="http://schemas.microsoft.com/office/drawing/2010/main" xmlns="">
                 <a:effectLst>
                   <a:outerShdw blurRad="63500" dist="38099" dir="2700000" algn="ctr" rotWithShape="0">
                     <a:schemeClr val="bg2">
@@ -15580,12 +15598,12 @@
           <a:effectLst/>
           <a:extLst>
             <a:ext uri="{909E8E84-426E-40dd-AFC4-6F175D3DCCD1}">
-              <a14:hiddenFill xmlns="" xmlns:a14="http://schemas.microsoft.com/office/drawing/2010/main">
+              <a14:hiddenFill xmlns:a14="http://schemas.microsoft.com/office/drawing/2010/main" xmlns="">
                 <a:noFill/>
               </a14:hiddenFill>
             </a:ext>
             <a:ext uri="{AF507438-7753-43e0-B8FC-AC1667EBCBE1}">
-              <a14:hiddenEffects xmlns="" xmlns:a14="http://schemas.microsoft.com/office/drawing/2010/main">
+              <a14:hiddenEffects xmlns:a14="http://schemas.microsoft.com/office/drawing/2010/main" xmlns="">
                 <a:effectLst>
                   <a:outerShdw blurRad="63500" dist="38099" dir="2700000" algn="ctr" rotWithShape="0">
                     <a:schemeClr val="bg2">
@@ -15628,14 +15646,14 @@
           <a:effectLst/>
           <a:extLst>
             <a:ext uri="{909E8E84-426E-40dd-AFC4-6F175D3DCCD1}">
-              <a14:hiddenFill xmlns="" xmlns:a14="http://schemas.microsoft.com/office/drawing/2010/main">
+              <a14:hiddenFill xmlns:a14="http://schemas.microsoft.com/office/drawing/2010/main" xmlns="">
                 <a:solidFill>
                   <a:schemeClr val="accent1"/>
                 </a:solidFill>
               </a14:hiddenFill>
             </a:ext>
             <a:ext uri="{91240B29-F687-4f45-9708-019B960494DF}">
-              <a14:hiddenLine xmlns="" xmlns:a14="http://schemas.microsoft.com/office/drawing/2010/main" w="9525">
+              <a14:hiddenLine xmlns:a14="http://schemas.microsoft.com/office/drawing/2010/main" xmlns="" w="9525">
                 <a:solidFill>
                   <a:srgbClr val="000000"/>
                 </a:solidFill>
@@ -15645,7 +15663,7 @@
               </a14:hiddenLine>
             </a:ext>
             <a:ext uri="{AF507438-7753-43e0-B8FC-AC1667EBCBE1}">
-              <a14:hiddenEffects xmlns="" xmlns:a14="http://schemas.microsoft.com/office/drawing/2010/main">
+              <a14:hiddenEffects xmlns:a14="http://schemas.microsoft.com/office/drawing/2010/main" xmlns="">
                 <a:effectLst>
                   <a:outerShdw blurRad="63500" dist="38099" dir="2700000" algn="ctr" rotWithShape="0">
                     <a:schemeClr val="bg2">
@@ -15699,7 +15717,7 @@
           <a:effectLst/>
           <a:extLst>
             <a:ext uri="{AF507438-7753-43e0-B8FC-AC1667EBCBE1}">
-              <a14:hiddenEffects xmlns="" xmlns:a14="http://schemas.microsoft.com/office/drawing/2010/main">
+              <a14:hiddenEffects xmlns:a14="http://schemas.microsoft.com/office/drawing/2010/main" xmlns="">
                 <a:effectLst>
                   <a:outerShdw blurRad="63500" dist="38099" dir="2700000" algn="ctr" rotWithShape="0">
                     <a:schemeClr val="bg2">
@@ -15753,7 +15771,7 @@
           <a:effectLst/>
           <a:extLst>
             <a:ext uri="{AF507438-7753-43e0-B8FC-AC1667EBCBE1}">
-              <a14:hiddenEffects xmlns="" xmlns:a14="http://schemas.microsoft.com/office/drawing/2010/main">
+              <a14:hiddenEffects xmlns:a14="http://schemas.microsoft.com/office/drawing/2010/main" xmlns="">
                 <a:effectLst>
                   <a:outerShdw blurRad="63500" dist="38099" dir="2700000" algn="ctr" rotWithShape="0">
                     <a:schemeClr val="bg2">
@@ -15807,7 +15825,7 @@
           <a:effectLst/>
           <a:extLst>
             <a:ext uri="{AF507438-7753-43e0-B8FC-AC1667EBCBE1}">
-              <a14:hiddenEffects xmlns="" xmlns:a14="http://schemas.microsoft.com/office/drawing/2010/main">
+              <a14:hiddenEffects xmlns:a14="http://schemas.microsoft.com/office/drawing/2010/main" xmlns="">
                 <a:effectLst>
                   <a:outerShdw blurRad="63500" dist="38099" dir="2700000" algn="ctr" rotWithShape="0">
                     <a:schemeClr val="bg2">
@@ -15862,7 +15880,7 @@
           <a:effectLst/>
           <a:extLst>
             <a:ext uri="{AF507438-7753-43e0-B8FC-AC1667EBCBE1}">
-              <a14:hiddenEffects xmlns="" xmlns:a14="http://schemas.microsoft.com/office/drawing/2010/main">
+              <a14:hiddenEffects xmlns:a14="http://schemas.microsoft.com/office/drawing/2010/main" xmlns="">
                 <a:effectLst>
                   <a:outerShdw blurRad="63500" dist="38099" dir="2700000" algn="ctr" rotWithShape="0">
                     <a:schemeClr val="bg2">
@@ -15916,7 +15934,7 @@
           <a:effectLst/>
           <a:extLst>
             <a:ext uri="{AF507438-7753-43e0-B8FC-AC1667EBCBE1}">
-              <a14:hiddenEffects xmlns="" xmlns:a14="http://schemas.microsoft.com/office/drawing/2010/main">
+              <a14:hiddenEffects xmlns:a14="http://schemas.microsoft.com/office/drawing/2010/main" xmlns="">
                 <a:effectLst>
                   <a:outerShdw blurRad="63500" dist="38099" dir="2700000" algn="ctr" rotWithShape="0">
                     <a:schemeClr val="bg2">
@@ -15971,14 +15989,14 @@
           <a:effectLst/>
           <a:extLst>
             <a:ext uri="{909E8E84-426E-40dd-AFC4-6F175D3DCCD1}">
-              <a14:hiddenFill xmlns="" xmlns:a14="http://schemas.microsoft.com/office/drawing/2010/main">
+              <a14:hiddenFill xmlns:a14="http://schemas.microsoft.com/office/drawing/2010/main" xmlns="">
                 <a:solidFill>
                   <a:schemeClr val="accent1"/>
                 </a:solidFill>
               </a14:hiddenFill>
             </a:ext>
             <a:ext uri="{AF507438-7753-43e0-B8FC-AC1667EBCBE1}">
-              <a14:hiddenEffects xmlns="" xmlns:a14="http://schemas.microsoft.com/office/drawing/2010/main">
+              <a14:hiddenEffects xmlns:a14="http://schemas.microsoft.com/office/drawing/2010/main" xmlns="">
                 <a:effectLst>
                   <a:outerShdw blurRad="63500" dist="38099" dir="2700000" algn="ctr" rotWithShape="0">
                     <a:schemeClr val="bg2">
@@ -16032,7 +16050,7 @@
           <a:effectLst/>
           <a:extLst>
             <a:ext uri="{91240B29-F687-4f45-9708-019B960494DF}">
-              <a14:hiddenLine xmlns="" xmlns:a14="http://schemas.microsoft.com/office/drawing/2010/main" w="9525">
+              <a14:hiddenLine xmlns:a14="http://schemas.microsoft.com/office/drawing/2010/main" xmlns="" w="9525">
                 <a:solidFill>
                   <a:schemeClr val="tx1"/>
                 </a:solidFill>
@@ -16043,7 +16061,7 @@
               </a14:hiddenLine>
             </a:ext>
             <a:ext uri="{AF507438-7753-43e0-B8FC-AC1667EBCBE1}">
-              <a14:hiddenEffects xmlns="" xmlns:a14="http://schemas.microsoft.com/office/drawing/2010/main">
+              <a14:hiddenEffects xmlns:a14="http://schemas.microsoft.com/office/drawing/2010/main" xmlns="">
                 <a:effectLst>
                   <a:outerShdw blurRad="63500" dist="38099" dir="2700000" algn="ctr" rotWithShape="0">
                     <a:schemeClr val="bg2">
@@ -16186,7 +16204,7 @@
           <a:effectLst/>
           <a:extLst>
             <a:ext uri="{AF507438-7753-43e0-B8FC-AC1667EBCBE1}">
-              <a14:hiddenEffects xmlns="" xmlns:a14="http://schemas.microsoft.com/office/drawing/2010/main">
+              <a14:hiddenEffects xmlns:a14="http://schemas.microsoft.com/office/drawing/2010/main" xmlns="">
                 <a:effectLst>
                   <a:outerShdw blurRad="63500" dist="38099" dir="2700000" algn="ctr" rotWithShape="0">
                     <a:schemeClr val="bg2">
@@ -16237,7 +16255,7 @@
           <a:effectLst/>
           <a:extLst>
             <a:ext uri="{AF507438-7753-43e0-B8FC-AC1667EBCBE1}">
-              <a14:hiddenEffects xmlns="" xmlns:a14="http://schemas.microsoft.com/office/drawing/2010/main">
+              <a14:hiddenEffects xmlns:a14="http://schemas.microsoft.com/office/drawing/2010/main" xmlns="">
                 <a:effectLst>
                   <a:outerShdw blurRad="63500" dist="38099" dir="2700000" algn="ctr" rotWithShape="0">
                     <a:schemeClr val="bg2">
@@ -16286,14 +16304,14 @@
           <a:effectLst/>
           <a:extLst>
             <a:ext uri="{909E8E84-426E-40dd-AFC4-6F175D3DCCD1}">
-              <a14:hiddenFill xmlns="" xmlns:a14="http://schemas.microsoft.com/office/drawing/2010/main">
+              <a14:hiddenFill xmlns:a14="http://schemas.microsoft.com/office/drawing/2010/main" xmlns="">
                 <a:solidFill>
                   <a:schemeClr val="accent1"/>
                 </a:solidFill>
               </a14:hiddenFill>
             </a:ext>
             <a:ext uri="{AF507438-7753-43e0-B8FC-AC1667EBCBE1}">
-              <a14:hiddenEffects xmlns="" xmlns:a14="http://schemas.microsoft.com/office/drawing/2010/main">
+              <a14:hiddenEffects xmlns:a14="http://schemas.microsoft.com/office/drawing/2010/main" xmlns="">
                 <a:effectLst>
                   <a:outerShdw blurRad="63500" dist="38099" dir="2700000" algn="ctr" rotWithShape="0">
                     <a:schemeClr val="bg2">
@@ -16311,9 +16329,22 @@
           <a:p>
             <a:pPr algn="ctr"/>
             <a:r>
-              <a:rPr lang="en-US" altLang="zh-CN" b="1"/>
-              <a:t>web/wap svr</a:t>
-            </a:r>
+              <a:rPr lang="en-US" altLang="zh-CN" b="1" dirty="0"/>
+              <a:t>web/</a:t>
+            </a:r>
+            <a:r>
+              <a:rPr lang="en-US" altLang="zh-CN" b="1" dirty="0" err="1"/>
+              <a:t>wap</a:t>
+            </a:r>
+            <a:r>
+              <a:rPr lang="en-US" altLang="zh-CN" b="1" dirty="0"/>
+              <a:t> </a:t>
+            </a:r>
+            <a:r>
+              <a:rPr lang="en-US" altLang="zh-CN" b="1" dirty="0" err="1"/>
+              <a:t>svr</a:t>
+            </a:r>
+            <a:endParaRPr lang="en-US" altLang="zh-CN" b="1" dirty="0"/>
           </a:p>
         </p:txBody>
       </p:sp>
@@ -16345,12 +16376,12 @@
           <a:effectLst/>
           <a:extLst>
             <a:ext uri="{909E8E84-426E-40dd-AFC4-6F175D3DCCD1}">
-              <a14:hiddenFill xmlns="" xmlns:a14="http://schemas.microsoft.com/office/drawing/2010/main">
+              <a14:hiddenFill xmlns:a14="http://schemas.microsoft.com/office/drawing/2010/main" xmlns="">
                 <a:noFill/>
               </a14:hiddenFill>
             </a:ext>
             <a:ext uri="{AF507438-7753-43e0-B8FC-AC1667EBCBE1}">
-              <a14:hiddenEffects xmlns="" xmlns:a14="http://schemas.microsoft.com/office/drawing/2010/main">
+              <a14:hiddenEffects xmlns:a14="http://schemas.microsoft.com/office/drawing/2010/main" xmlns="">
                 <a:effectLst>
                   <a:outerShdw blurRad="63500" dist="38099" dir="2700000" algn="ctr" rotWithShape="0">
                     <a:schemeClr val="bg2">
@@ -16398,12 +16429,12 @@
           <a:effectLst/>
           <a:extLst>
             <a:ext uri="{909E8E84-426E-40dd-AFC4-6F175D3DCCD1}">
-              <a14:hiddenFill xmlns="" xmlns:a14="http://schemas.microsoft.com/office/drawing/2010/main">
+              <a14:hiddenFill xmlns:a14="http://schemas.microsoft.com/office/drawing/2010/main" xmlns="">
                 <a:noFill/>
               </a14:hiddenFill>
             </a:ext>
             <a:ext uri="{AF507438-7753-43e0-B8FC-AC1667EBCBE1}">
-              <a14:hiddenEffects xmlns="" xmlns:a14="http://schemas.microsoft.com/office/drawing/2010/main">
+              <a14:hiddenEffects xmlns:a14="http://schemas.microsoft.com/office/drawing/2010/main" xmlns="">
                 <a:effectLst>
                   <a:outerShdw blurRad="63500" dist="38099" dir="2700000" algn="ctr" rotWithShape="0">
                     <a:schemeClr val="bg2">
@@ -16451,12 +16482,12 @@
           <a:effectLst/>
           <a:extLst>
             <a:ext uri="{909E8E84-426E-40dd-AFC4-6F175D3DCCD1}">
-              <a14:hiddenFill xmlns="" xmlns:a14="http://schemas.microsoft.com/office/drawing/2010/main">
+              <a14:hiddenFill xmlns:a14="http://schemas.microsoft.com/office/drawing/2010/main" xmlns="">
                 <a:noFill/>
               </a14:hiddenFill>
             </a:ext>
             <a:ext uri="{AF507438-7753-43e0-B8FC-AC1667EBCBE1}">
-              <a14:hiddenEffects xmlns="" xmlns:a14="http://schemas.microsoft.com/office/drawing/2010/main">
+              <a14:hiddenEffects xmlns:a14="http://schemas.microsoft.com/office/drawing/2010/main" xmlns="">
                 <a:effectLst>
                   <a:outerShdw blurRad="63500" dist="38099" dir="2700000" algn="ctr" rotWithShape="0">
                     <a:schemeClr val="bg2">
@@ -16506,7 +16537,7 @@
           <a:effectLst/>
           <a:extLst>
             <a:ext uri="{AF507438-7753-43e0-B8FC-AC1667EBCBE1}">
-              <a14:hiddenEffects xmlns="" xmlns:a14="http://schemas.microsoft.com/office/drawing/2010/main">
+              <a14:hiddenEffects xmlns:a14="http://schemas.microsoft.com/office/drawing/2010/main" xmlns="">
                 <a:effectLst>
                   <a:outerShdw blurRad="63500" dist="38099" dir="2700000" algn="ctr" rotWithShape="0">
                     <a:schemeClr val="bg2">
@@ -16560,7 +16591,7 @@
           <a:effectLst/>
           <a:extLst>
             <a:ext uri="{AF507438-7753-43e0-B8FC-AC1667EBCBE1}">
-              <a14:hiddenEffects xmlns="" xmlns:a14="http://schemas.microsoft.com/office/drawing/2010/main">
+              <a14:hiddenEffects xmlns:a14="http://schemas.microsoft.com/office/drawing/2010/main" xmlns="">
                 <a:effectLst>
                   <a:outerShdw blurRad="63500" dist="38099" dir="2700000" algn="ctr" rotWithShape="0">
                     <a:schemeClr val="bg2">
@@ -16619,7 +16650,7 @@
           <a:effectLst/>
           <a:extLst>
             <a:ext uri="{AF507438-7753-43e0-B8FC-AC1667EBCBE1}">
-              <a14:hiddenEffects xmlns="" xmlns:a14="http://schemas.microsoft.com/office/drawing/2010/main">
+              <a14:hiddenEffects xmlns:a14="http://schemas.microsoft.com/office/drawing/2010/main" xmlns="">
                 <a:effectLst>
                   <a:outerShdw blurRad="63500" dist="38099" dir="2700000" algn="ctr" rotWithShape="0">
                     <a:schemeClr val="bg2">
@@ -16671,14 +16702,14 @@
           <a:effectLst/>
           <a:extLst>
             <a:ext uri="{909E8E84-426E-40dd-AFC4-6F175D3DCCD1}">
-              <a14:hiddenFill xmlns="" xmlns:a14="http://schemas.microsoft.com/office/drawing/2010/main">
+              <a14:hiddenFill xmlns:a14="http://schemas.microsoft.com/office/drawing/2010/main" xmlns="">
                 <a:solidFill>
                   <a:schemeClr val="hlink"/>
                 </a:solidFill>
               </a14:hiddenFill>
             </a:ext>
             <a:ext uri="{AF507438-7753-43e0-B8FC-AC1667EBCBE1}">
-              <a14:hiddenEffects xmlns="" xmlns:a14="http://schemas.microsoft.com/office/drawing/2010/main">
+              <a14:hiddenEffects xmlns:a14="http://schemas.microsoft.com/office/drawing/2010/main" xmlns="">
                 <a:effectLst>
                   <a:outerShdw blurRad="63500" dist="38099" dir="2700000" algn="ctr" rotWithShape="0">
                     <a:schemeClr val="bg2">
@@ -16730,12 +16761,12 @@
           <a:effectLst/>
           <a:extLst>
             <a:ext uri="{909E8E84-426E-40dd-AFC4-6F175D3DCCD1}">
-              <a14:hiddenFill xmlns="" xmlns:a14="http://schemas.microsoft.com/office/drawing/2010/main">
+              <a14:hiddenFill xmlns:a14="http://schemas.microsoft.com/office/drawing/2010/main" xmlns="">
                 <a:noFill/>
               </a14:hiddenFill>
             </a:ext>
             <a:ext uri="{AF507438-7753-43e0-B8FC-AC1667EBCBE1}">
-              <a14:hiddenEffects xmlns="" xmlns:a14="http://schemas.microsoft.com/office/drawing/2010/main">
+              <a14:hiddenEffects xmlns:a14="http://schemas.microsoft.com/office/drawing/2010/main" xmlns="">
                 <a:effectLst>
                   <a:outerShdw blurRad="63500" dist="38099" dir="2700000" algn="ctr" rotWithShape="0">
                     <a:schemeClr val="bg2">
@@ -16783,14 +16814,14 @@
           <a:effectLst/>
           <a:extLst>
             <a:ext uri="{909E8E84-426E-40dd-AFC4-6F175D3DCCD1}">
-              <a14:hiddenFill xmlns="" xmlns:a14="http://schemas.microsoft.com/office/drawing/2010/main">
+              <a14:hiddenFill xmlns:a14="http://schemas.microsoft.com/office/drawing/2010/main" xmlns="">
                 <a:solidFill>
                   <a:schemeClr val="accent1"/>
                 </a:solidFill>
               </a14:hiddenFill>
             </a:ext>
             <a:ext uri="{AF507438-7753-43e0-B8FC-AC1667EBCBE1}">
-              <a14:hiddenEffects xmlns="" xmlns:a14="http://schemas.microsoft.com/office/drawing/2010/main">
+              <a14:hiddenEffects xmlns:a14="http://schemas.microsoft.com/office/drawing/2010/main" xmlns="">
                 <a:effectLst>
                   <a:outerShdw blurRad="63500" dist="38099" dir="2700000" algn="ctr" rotWithShape="0">
                     <a:schemeClr val="bg2">
@@ -16844,7 +16875,7 @@
           <a:effectLst/>
           <a:extLst>
             <a:ext uri="{AF507438-7753-43e0-B8FC-AC1667EBCBE1}">
-              <a14:hiddenEffects xmlns="" xmlns:a14="http://schemas.microsoft.com/office/drawing/2010/main">
+              <a14:hiddenEffects xmlns:a14="http://schemas.microsoft.com/office/drawing/2010/main" xmlns="">
                 <a:effectLst>
                   <a:outerShdw blurRad="63500" dist="38099" dir="2700000" algn="ctr" rotWithShape="0">
                     <a:schemeClr val="bg2">
@@ -16903,7 +16934,7 @@
           <a:effectLst/>
           <a:extLst>
             <a:ext uri="{AF507438-7753-43e0-B8FC-AC1667EBCBE1}">
-              <a14:hiddenEffects xmlns="" xmlns:a14="http://schemas.microsoft.com/office/drawing/2010/main">
+              <a14:hiddenEffects xmlns:a14="http://schemas.microsoft.com/office/drawing/2010/main" xmlns="">
                 <a:effectLst>
                   <a:outerShdw blurRad="63500" dist="38099" dir="2700000" algn="ctr" rotWithShape="0">
                     <a:schemeClr val="bg2">
@@ -16957,7 +16988,7 @@
           <a:effectLst/>
           <a:extLst>
             <a:ext uri="{AF507438-7753-43e0-B8FC-AC1667EBCBE1}">
-              <a14:hiddenEffects xmlns="" xmlns:a14="http://schemas.microsoft.com/office/drawing/2010/main">
+              <a14:hiddenEffects xmlns:a14="http://schemas.microsoft.com/office/drawing/2010/main" xmlns="">
                 <a:effectLst>
                   <a:outerShdw blurRad="63500" dist="38099" dir="2700000" algn="ctr" rotWithShape="0">
                     <a:schemeClr val="bg2">
@@ -17009,12 +17040,12 @@
           <a:effectLst/>
           <a:extLst>
             <a:ext uri="{909E8E84-426E-40dd-AFC4-6F175D3DCCD1}">
-              <a14:hiddenFill xmlns="" xmlns:a14="http://schemas.microsoft.com/office/drawing/2010/main">
+              <a14:hiddenFill xmlns:a14="http://schemas.microsoft.com/office/drawing/2010/main" xmlns="">
                 <a:noFill/>
               </a14:hiddenFill>
             </a:ext>
             <a:ext uri="{AF507438-7753-43e0-B8FC-AC1667EBCBE1}">
-              <a14:hiddenEffects xmlns="" xmlns:a14="http://schemas.microsoft.com/office/drawing/2010/main">
+              <a14:hiddenEffects xmlns:a14="http://schemas.microsoft.com/office/drawing/2010/main" xmlns="">
                 <a:effectLst>
                   <a:outerShdw blurRad="63500" dist="38099" dir="2700000" algn="ctr" rotWithShape="0">
                     <a:schemeClr val="bg2">
@@ -17062,12 +17093,12 @@
           <a:effectLst/>
           <a:extLst>
             <a:ext uri="{909E8E84-426E-40dd-AFC4-6F175D3DCCD1}">
-              <a14:hiddenFill xmlns="" xmlns:a14="http://schemas.microsoft.com/office/drawing/2010/main">
+              <a14:hiddenFill xmlns:a14="http://schemas.microsoft.com/office/drawing/2010/main" xmlns="">
                 <a:noFill/>
               </a14:hiddenFill>
             </a:ext>
             <a:ext uri="{AF507438-7753-43e0-B8FC-AC1667EBCBE1}">
-              <a14:hiddenEffects xmlns="" xmlns:a14="http://schemas.microsoft.com/office/drawing/2010/main">
+              <a14:hiddenEffects xmlns:a14="http://schemas.microsoft.com/office/drawing/2010/main" xmlns="">
                 <a:effectLst>
                   <a:outerShdw blurRad="63500" dist="38099" dir="2700000" algn="ctr" rotWithShape="0">
                     <a:schemeClr val="bg2">
@@ -17115,12 +17146,12 @@
           <a:effectLst/>
           <a:extLst>
             <a:ext uri="{909E8E84-426E-40dd-AFC4-6F175D3DCCD1}">
-              <a14:hiddenFill xmlns="" xmlns:a14="http://schemas.microsoft.com/office/drawing/2010/main">
+              <a14:hiddenFill xmlns:a14="http://schemas.microsoft.com/office/drawing/2010/main" xmlns="">
                 <a:noFill/>
               </a14:hiddenFill>
             </a:ext>
             <a:ext uri="{AF507438-7753-43e0-B8FC-AC1667EBCBE1}">
-              <a14:hiddenEffects xmlns="" xmlns:a14="http://schemas.microsoft.com/office/drawing/2010/main">
+              <a14:hiddenEffects xmlns:a14="http://schemas.microsoft.com/office/drawing/2010/main" xmlns="">
                 <a:effectLst>
                   <a:outerShdw blurRad="63500" dist="38099" dir="2700000" algn="ctr" rotWithShape="0">
                     <a:schemeClr val="bg2">
@@ -17168,12 +17199,12 @@
           <a:effectLst/>
           <a:extLst>
             <a:ext uri="{909E8E84-426E-40dd-AFC4-6F175D3DCCD1}">
-              <a14:hiddenFill xmlns="" xmlns:a14="http://schemas.microsoft.com/office/drawing/2010/main">
+              <a14:hiddenFill xmlns:a14="http://schemas.microsoft.com/office/drawing/2010/main" xmlns="">
                 <a:noFill/>
               </a14:hiddenFill>
             </a:ext>
             <a:ext uri="{AF507438-7753-43e0-B8FC-AC1667EBCBE1}">
-              <a14:hiddenEffects xmlns="" xmlns:a14="http://schemas.microsoft.com/office/drawing/2010/main">
+              <a14:hiddenEffects xmlns:a14="http://schemas.microsoft.com/office/drawing/2010/main" xmlns="">
                 <a:effectLst>
                   <a:outerShdw blurRad="63500" dist="38099" dir="2700000" algn="ctr" rotWithShape="0">
                     <a:schemeClr val="bg2">
@@ -17222,14 +17253,14 @@
           <a:effectLst/>
           <a:extLst>
             <a:ext uri="{909E8E84-426E-40dd-AFC4-6F175D3DCCD1}">
-              <a14:hiddenFill xmlns="" xmlns:a14="http://schemas.microsoft.com/office/drawing/2010/main">
+              <a14:hiddenFill xmlns:a14="http://schemas.microsoft.com/office/drawing/2010/main" xmlns="">
                 <a:solidFill>
                   <a:schemeClr val="accent1"/>
                 </a:solidFill>
               </a14:hiddenFill>
             </a:ext>
             <a:ext uri="{AF507438-7753-43e0-B8FC-AC1667EBCBE1}">
-              <a14:hiddenEffects xmlns="" xmlns:a14="http://schemas.microsoft.com/office/drawing/2010/main">
+              <a14:hiddenEffects xmlns:a14="http://schemas.microsoft.com/office/drawing/2010/main" xmlns="">
                 <a:effectLst>
                   <a:outerShdw blurRad="63500" dist="38099" dir="2700000" algn="ctr" rotWithShape="0">
                     <a:schemeClr val="bg2">
@@ -17301,12 +17332,12 @@
           <a:effectLst/>
           <a:extLst>
             <a:ext uri="{909E8E84-426E-40dd-AFC4-6F175D3DCCD1}">
-              <a14:hiddenFill xmlns="" xmlns:a14="http://schemas.microsoft.com/office/drawing/2010/main">
+              <a14:hiddenFill xmlns:a14="http://schemas.microsoft.com/office/drawing/2010/main" xmlns="">
                 <a:noFill/>
               </a14:hiddenFill>
             </a:ext>
             <a:ext uri="{AF507438-7753-43e0-B8FC-AC1667EBCBE1}">
-              <a14:hiddenEffects xmlns="" xmlns:a14="http://schemas.microsoft.com/office/drawing/2010/main">
+              <a14:hiddenEffects xmlns:a14="http://schemas.microsoft.com/office/drawing/2010/main" xmlns="">
                 <a:effectLst>
                   <a:outerShdw blurRad="63500" dist="38099" dir="2700000" algn="ctr" rotWithShape="0">
                     <a:schemeClr val="bg2">
@@ -17357,7 +17388,7 @@
           <a:effectLst/>
           <a:extLst>
             <a:ext uri="{AF507438-7753-43e0-B8FC-AC1667EBCBE1}">
-              <a14:hiddenEffects xmlns="" xmlns:a14="http://schemas.microsoft.com/office/drawing/2010/main">
+              <a14:hiddenEffects xmlns:a14="http://schemas.microsoft.com/office/drawing/2010/main" xmlns="">
                 <a:effectLst>
                   <a:outerShdw blurRad="63500" dist="38099" dir="2700000" algn="ctr" rotWithShape="0">
                     <a:schemeClr val="bg2">
@@ -17407,7 +17438,7 @@
           <a:effectLst/>
           <a:extLst>
             <a:ext uri="{AF507438-7753-43e0-B8FC-AC1667EBCBE1}">
-              <a14:hiddenEffects xmlns="" xmlns:a14="http://schemas.microsoft.com/office/drawing/2010/main">
+              <a14:hiddenEffects xmlns:a14="http://schemas.microsoft.com/office/drawing/2010/main" xmlns="">
                 <a:effectLst>
                   <a:outerShdw blurRad="63500" dist="38099" dir="2700000" algn="ctr" rotWithShape="0">
                     <a:schemeClr val="bg2">
@@ -17461,7 +17492,7 @@
           <a:effectLst/>
           <a:extLst>
             <a:ext uri="{AF507438-7753-43e0-B8FC-AC1667EBCBE1}">
-              <a14:hiddenEffects xmlns="" xmlns:a14="http://schemas.microsoft.com/office/drawing/2010/main">
+              <a14:hiddenEffects xmlns:a14="http://schemas.microsoft.com/office/drawing/2010/main" xmlns="">
                 <a:effectLst>
                   <a:outerShdw blurRad="63500" dist="38099" dir="2700000" algn="ctr" rotWithShape="0">
                     <a:schemeClr val="bg2">
@@ -17515,7 +17546,7 @@
           <a:effectLst/>
           <a:extLst>
             <a:ext uri="{AF507438-7753-43e0-B8FC-AC1667EBCBE1}">
-              <a14:hiddenEffects xmlns="" xmlns:a14="http://schemas.microsoft.com/office/drawing/2010/main">
+              <a14:hiddenEffects xmlns:a14="http://schemas.microsoft.com/office/drawing/2010/main" xmlns="">
                 <a:effectLst>
                   <a:outerShdw blurRad="63500" dist="38099" dir="2700000" algn="ctr" rotWithShape="0">
                     <a:schemeClr val="bg2">
@@ -17567,12 +17598,12 @@
           <a:effectLst/>
           <a:extLst>
             <a:ext uri="{909E8E84-426E-40dd-AFC4-6F175D3DCCD1}">
-              <a14:hiddenFill xmlns="" xmlns:a14="http://schemas.microsoft.com/office/drawing/2010/main">
+              <a14:hiddenFill xmlns:a14="http://schemas.microsoft.com/office/drawing/2010/main" xmlns="">
                 <a:noFill/>
               </a14:hiddenFill>
             </a:ext>
             <a:ext uri="{AF507438-7753-43e0-B8FC-AC1667EBCBE1}">
-              <a14:hiddenEffects xmlns="" xmlns:a14="http://schemas.microsoft.com/office/drawing/2010/main">
+              <a14:hiddenEffects xmlns:a14="http://schemas.microsoft.com/office/drawing/2010/main" xmlns="">
                 <a:effectLst>
                   <a:outerShdw blurRad="63500" dist="38099" dir="2700000" algn="ctr" rotWithShape="0">
                     <a:schemeClr val="bg2">
@@ -17620,12 +17651,12 @@
           <a:effectLst/>
           <a:extLst>
             <a:ext uri="{909E8E84-426E-40dd-AFC4-6F175D3DCCD1}">
-              <a14:hiddenFill xmlns="" xmlns:a14="http://schemas.microsoft.com/office/drawing/2010/main">
+              <a14:hiddenFill xmlns:a14="http://schemas.microsoft.com/office/drawing/2010/main" xmlns="">
                 <a:noFill/>
               </a14:hiddenFill>
             </a:ext>
             <a:ext uri="{AF507438-7753-43e0-B8FC-AC1667EBCBE1}">
-              <a14:hiddenEffects xmlns="" xmlns:a14="http://schemas.microsoft.com/office/drawing/2010/main">
+              <a14:hiddenEffects xmlns:a14="http://schemas.microsoft.com/office/drawing/2010/main" xmlns="">
                 <a:effectLst>
                   <a:outerShdw blurRad="63500" dist="38099" dir="2700000" algn="ctr" rotWithShape="0">
                     <a:schemeClr val="bg2">
@@ -17673,12 +17704,12 @@
           <a:effectLst/>
           <a:extLst>
             <a:ext uri="{909E8E84-426E-40dd-AFC4-6F175D3DCCD1}">
-              <a14:hiddenFill xmlns="" xmlns:a14="http://schemas.microsoft.com/office/drawing/2010/main">
+              <a14:hiddenFill xmlns:a14="http://schemas.microsoft.com/office/drawing/2010/main" xmlns="">
                 <a:noFill/>
               </a14:hiddenFill>
             </a:ext>
             <a:ext uri="{AF507438-7753-43e0-B8FC-AC1667EBCBE1}">
-              <a14:hiddenEffects xmlns="" xmlns:a14="http://schemas.microsoft.com/office/drawing/2010/main">
+              <a14:hiddenEffects xmlns:a14="http://schemas.microsoft.com/office/drawing/2010/main" xmlns="">
                 <a:effectLst>
                   <a:outerShdw blurRad="63500" dist="38099" dir="2700000" algn="ctr" rotWithShape="0">
                     <a:schemeClr val="bg2">
@@ -17726,12 +17757,12 @@
           <a:effectLst/>
           <a:extLst>
             <a:ext uri="{909E8E84-426E-40dd-AFC4-6F175D3DCCD1}">
-              <a14:hiddenFill xmlns="" xmlns:a14="http://schemas.microsoft.com/office/drawing/2010/main">
+              <a14:hiddenFill xmlns:a14="http://schemas.microsoft.com/office/drawing/2010/main" xmlns="">
                 <a:noFill/>
               </a14:hiddenFill>
             </a:ext>
             <a:ext uri="{AF507438-7753-43e0-B8FC-AC1667EBCBE1}">
-              <a14:hiddenEffects xmlns="" xmlns:a14="http://schemas.microsoft.com/office/drawing/2010/main">
+              <a14:hiddenEffects xmlns:a14="http://schemas.microsoft.com/office/drawing/2010/main" xmlns="">
                 <a:effectLst>
                   <a:outerShdw blurRad="63500" dist="38099" dir="2700000" algn="ctr" rotWithShape="0">
                     <a:schemeClr val="bg2">
@@ -17779,12 +17810,12 @@
           <a:effectLst/>
           <a:extLst>
             <a:ext uri="{909E8E84-426E-40dd-AFC4-6F175D3DCCD1}">
-              <a14:hiddenFill xmlns="" xmlns:a14="http://schemas.microsoft.com/office/drawing/2010/main">
+              <a14:hiddenFill xmlns:a14="http://schemas.microsoft.com/office/drawing/2010/main" xmlns="">
                 <a:noFill/>
               </a14:hiddenFill>
             </a:ext>
             <a:ext uri="{AF507438-7753-43e0-B8FC-AC1667EBCBE1}">
-              <a14:hiddenEffects xmlns="" xmlns:a14="http://schemas.microsoft.com/office/drawing/2010/main">
+              <a14:hiddenEffects xmlns:a14="http://schemas.microsoft.com/office/drawing/2010/main" xmlns="">
                 <a:effectLst>
                   <a:outerShdw blurRad="63500" dist="38099" dir="2700000" algn="ctr" rotWithShape="0">
                     <a:schemeClr val="bg2">
@@ -17827,14 +17858,14 @@
           <a:effectLst/>
           <a:extLst>
             <a:ext uri="{909E8E84-426E-40dd-AFC4-6F175D3DCCD1}">
-              <a14:hiddenFill xmlns="" xmlns:a14="http://schemas.microsoft.com/office/drawing/2010/main">
+              <a14:hiddenFill xmlns:a14="http://schemas.microsoft.com/office/drawing/2010/main" xmlns="">
                 <a:solidFill>
                   <a:schemeClr val="accent1"/>
                 </a:solidFill>
               </a14:hiddenFill>
             </a:ext>
             <a:ext uri="{91240B29-F687-4f45-9708-019B960494DF}">
-              <a14:hiddenLine xmlns="" xmlns:a14="http://schemas.microsoft.com/office/drawing/2010/main" w="9525">
+              <a14:hiddenLine xmlns:a14="http://schemas.microsoft.com/office/drawing/2010/main" xmlns="" w="9525">
                 <a:solidFill>
                   <a:schemeClr val="tx1"/>
                 </a:solidFill>
@@ -17844,7 +17875,7 @@
               </a14:hiddenLine>
             </a:ext>
             <a:ext uri="{AF507438-7753-43e0-B8FC-AC1667EBCBE1}">
-              <a14:hiddenEffects xmlns="" xmlns:a14="http://schemas.microsoft.com/office/drawing/2010/main">
+              <a14:hiddenEffects xmlns:a14="http://schemas.microsoft.com/office/drawing/2010/main" xmlns="">
                 <a:effectLst>
                   <a:outerShdw blurRad="63500" dist="38099" dir="2700000" algn="ctr" rotWithShape="0">
                     <a:schemeClr val="bg2">
@@ -17892,14 +17923,14 @@
           <a:effectLst/>
           <a:extLst>
             <a:ext uri="{909E8E84-426E-40dd-AFC4-6F175D3DCCD1}">
-              <a14:hiddenFill xmlns="" xmlns:a14="http://schemas.microsoft.com/office/drawing/2010/main">
+              <a14:hiddenFill xmlns:a14="http://schemas.microsoft.com/office/drawing/2010/main" xmlns="">
                 <a:solidFill>
                   <a:schemeClr val="accent1"/>
                 </a:solidFill>
               </a14:hiddenFill>
             </a:ext>
             <a:ext uri="{91240B29-F687-4f45-9708-019B960494DF}">
-              <a14:hiddenLine xmlns="" xmlns:a14="http://schemas.microsoft.com/office/drawing/2010/main" w="9525">
+              <a14:hiddenLine xmlns:a14="http://schemas.microsoft.com/office/drawing/2010/main" xmlns="" w="9525">
                 <a:solidFill>
                   <a:schemeClr val="tx1"/>
                 </a:solidFill>
@@ -17909,7 +17940,7 @@
               </a14:hiddenLine>
             </a:ext>
             <a:ext uri="{AF507438-7753-43e0-B8FC-AC1667EBCBE1}">
-              <a14:hiddenEffects xmlns="" xmlns:a14="http://schemas.microsoft.com/office/drawing/2010/main">
+              <a14:hiddenEffects xmlns:a14="http://schemas.microsoft.com/office/drawing/2010/main" xmlns="">
                 <a:effectLst>
                   <a:outerShdw blurRad="63500" dist="38099" dir="2700000" algn="ctr" rotWithShape="0">
                     <a:schemeClr val="bg2">
@@ -17957,14 +17988,14 @@
           <a:effectLst/>
           <a:extLst>
             <a:ext uri="{909E8E84-426E-40dd-AFC4-6F175D3DCCD1}">
-              <a14:hiddenFill xmlns="" xmlns:a14="http://schemas.microsoft.com/office/drawing/2010/main">
+              <a14:hiddenFill xmlns:a14="http://schemas.microsoft.com/office/drawing/2010/main" xmlns="">
                 <a:solidFill>
                   <a:schemeClr val="accent1"/>
                 </a:solidFill>
               </a14:hiddenFill>
             </a:ext>
             <a:ext uri="{91240B29-F687-4f45-9708-019B960494DF}">
-              <a14:hiddenLine xmlns="" xmlns:a14="http://schemas.microsoft.com/office/drawing/2010/main" w="9525">
+              <a14:hiddenLine xmlns:a14="http://schemas.microsoft.com/office/drawing/2010/main" xmlns="" w="9525">
                 <a:solidFill>
                   <a:schemeClr val="tx1"/>
                 </a:solidFill>
@@ -17974,7 +18005,7 @@
               </a14:hiddenLine>
             </a:ext>
             <a:ext uri="{AF507438-7753-43e0-B8FC-AC1667EBCBE1}">
-              <a14:hiddenEffects xmlns="" xmlns:a14="http://schemas.microsoft.com/office/drawing/2010/main">
+              <a14:hiddenEffects xmlns:a14="http://schemas.microsoft.com/office/drawing/2010/main" xmlns="">
                 <a:effectLst>
                   <a:outerShdw blurRad="63500" dist="38099" dir="2700000" algn="ctr" rotWithShape="0">
                     <a:schemeClr val="bg2">
@@ -18029,7 +18060,7 @@
           <a:effectLst/>
           <a:extLst>
             <a:ext uri="{AF507438-7753-43e0-B8FC-AC1667EBCBE1}">
-              <a14:hiddenEffects xmlns="" xmlns:a14="http://schemas.microsoft.com/office/drawing/2010/main">
+              <a14:hiddenEffects xmlns:a14="http://schemas.microsoft.com/office/drawing/2010/main" xmlns="">
                 <a:effectLst>
                   <a:outerShdw blurRad="63500" dist="38099" dir="2700000" algn="ctr" rotWithShape="0">
                     <a:schemeClr val="bg2">
@@ -18242,14 +18273,14 @@
           </a:ln>
           <a:extLst>
             <a:ext uri="{909E8E84-426E-40dd-AFC4-6F175D3DCCD1}">
-              <a14:hiddenFill xmlns="" xmlns:a14="http://schemas.microsoft.com/office/drawing/2010/main">
+              <a14:hiddenFill xmlns:a14="http://schemas.microsoft.com/office/drawing/2010/main" xmlns="">
                 <a:solidFill>
                   <a:srgbClr val="FFFFFF"/>
                 </a:solidFill>
               </a14:hiddenFill>
             </a:ext>
             <a:ext uri="{91240B29-F687-4f45-9708-019B960494DF}">
-              <a14:hiddenLine xmlns="" xmlns:a14="http://schemas.microsoft.com/office/drawing/2010/main" w="9525">
+              <a14:hiddenLine xmlns:a14="http://schemas.microsoft.com/office/drawing/2010/main" xmlns="" w="9525">
                 <a:solidFill>
                   <a:srgbClr val="000000"/>
                 </a:solidFill>
@@ -18340,12 +18371,12 @@
           <a:effectLst/>
           <a:extLst>
             <a:ext uri="{909E8E84-426E-40dd-AFC4-6F175D3DCCD1}">
-              <a14:hiddenFill xmlns="" xmlns:a14="http://schemas.microsoft.com/office/drawing/2010/main">
+              <a14:hiddenFill xmlns:a14="http://schemas.microsoft.com/office/drawing/2010/main" xmlns="">
                 <a:noFill/>
               </a14:hiddenFill>
             </a:ext>
             <a:ext uri="{AF507438-7753-43e0-B8FC-AC1667EBCBE1}">
-              <a14:hiddenEffects xmlns="" xmlns:a14="http://schemas.microsoft.com/office/drawing/2010/main">
+              <a14:hiddenEffects xmlns:a14="http://schemas.microsoft.com/office/drawing/2010/main" xmlns="">
                 <a:effectLst>
                   <a:outerShdw blurRad="63500" dist="38099" dir="2700000" algn="ctr" rotWithShape="0">
                     <a:schemeClr val="bg2">
@@ -18395,7 +18426,7 @@
           <a:effectLst/>
           <a:extLst>
             <a:ext uri="{AF507438-7753-43e0-B8FC-AC1667EBCBE1}">
-              <a14:hiddenEffects xmlns="" xmlns:a14="http://schemas.microsoft.com/office/drawing/2010/main">
+              <a14:hiddenEffects xmlns:a14="http://schemas.microsoft.com/office/drawing/2010/main" xmlns="">
                 <a:effectLst>
                   <a:outerShdw blurRad="63500" dist="38099" dir="2700000" algn="ctr" rotWithShape="0">
                     <a:schemeClr val="bg2">
@@ -18413,7 +18444,7 @@
           <a:p>
             <a:pPr algn="ctr"/>
             <a:r>
-              <a:rPr lang="en-US" altLang="zh-CN"/>
+              <a:rPr lang="en-US" altLang="zh-CN" dirty="0"/>
               <a:t>dye log server</a:t>
             </a:r>
           </a:p>
@@ -18452,12 +18483,12 @@
           <a:effectLst/>
           <a:extLst>
             <a:ext uri="{909E8E84-426E-40dd-AFC4-6F175D3DCCD1}">
-              <a14:hiddenFill xmlns="" xmlns:a14="http://schemas.microsoft.com/office/drawing/2010/main">
+              <a14:hiddenFill xmlns:a14="http://schemas.microsoft.com/office/drawing/2010/main" xmlns="">
                 <a:noFill/>
               </a14:hiddenFill>
             </a:ext>
             <a:ext uri="{AF507438-7753-43e0-B8FC-AC1667EBCBE1}">
-              <a14:hiddenEffects xmlns="" xmlns:a14="http://schemas.microsoft.com/office/drawing/2010/main">
+              <a14:hiddenEffects xmlns:a14="http://schemas.microsoft.com/office/drawing/2010/main" xmlns="">
                 <a:effectLst>
                   <a:outerShdw blurRad="63500" dist="38099" dir="2700000" algn="ctr" rotWithShape="0">
                     <a:schemeClr val="bg2">
@@ -18503,12 +18534,12 @@
           <a:effectLst/>
           <a:extLst>
             <a:ext uri="{909E8E84-426E-40dd-AFC4-6F175D3DCCD1}">
-              <a14:hiddenFill xmlns="" xmlns:a14="http://schemas.microsoft.com/office/drawing/2010/main">
+              <a14:hiddenFill xmlns:a14="http://schemas.microsoft.com/office/drawing/2010/main" xmlns="">
                 <a:noFill/>
               </a14:hiddenFill>
             </a:ext>
             <a:ext uri="{AF507438-7753-43e0-B8FC-AC1667EBCBE1}">
-              <a14:hiddenEffects xmlns="" xmlns:a14="http://schemas.microsoft.com/office/drawing/2010/main">
+              <a14:hiddenEffects xmlns:a14="http://schemas.microsoft.com/office/drawing/2010/main" xmlns="">
                 <a:effectLst>
                   <a:outerShdw blurRad="63500" dist="38099" dir="2700000" algn="ctr" rotWithShape="0">
                     <a:schemeClr val="bg2">
@@ -18582,7 +18613,7 @@
           <a:effectLst/>
           <a:extLst>
             <a:ext uri="{AF507438-7753-43e0-B8FC-AC1667EBCBE1}">
-              <a14:hiddenEffects xmlns="" xmlns:a14="http://schemas.microsoft.com/office/drawing/2010/main">
+              <a14:hiddenEffects xmlns:a14="http://schemas.microsoft.com/office/drawing/2010/main" xmlns="">
                 <a:effectLst>
                   <a:outerShdw blurRad="63500" dist="38099" dir="2700000" algn="ctr" rotWithShape="0">
                     <a:schemeClr val="bg2">
@@ -18624,14 +18655,14 @@
           </a:ln>
           <a:extLst>
             <a:ext uri="{909E8E84-426E-40dd-AFC4-6F175D3DCCD1}">
-              <a14:hiddenFill xmlns="" xmlns:a14="http://schemas.microsoft.com/office/drawing/2010/main">
+              <a14:hiddenFill xmlns:a14="http://schemas.microsoft.com/office/drawing/2010/main" xmlns="">
                 <a:solidFill>
                   <a:srgbClr val="FFFFFF"/>
                 </a:solidFill>
               </a14:hiddenFill>
             </a:ext>
             <a:ext uri="{91240B29-F687-4f45-9708-019B960494DF}">
-              <a14:hiddenLine xmlns="" xmlns:a14="http://schemas.microsoft.com/office/drawing/2010/main" w="9525">
+              <a14:hiddenLine xmlns:a14="http://schemas.microsoft.com/office/drawing/2010/main" xmlns="" w="9525">
                 <a:solidFill>
                   <a:srgbClr val="000000"/>
                 </a:solidFill>
@@ -18696,14 +18727,14 @@
           <a:effectLst/>
           <a:extLst>
             <a:ext uri="{909E8E84-426E-40dd-AFC4-6F175D3DCCD1}">
-              <a14:hiddenFill xmlns="" xmlns:a14="http://schemas.microsoft.com/office/drawing/2010/main">
+              <a14:hiddenFill xmlns:a14="http://schemas.microsoft.com/office/drawing/2010/main" xmlns="">
                 <a:solidFill>
                   <a:schemeClr val="accent1"/>
                 </a:solidFill>
               </a14:hiddenFill>
             </a:ext>
             <a:ext uri="{91240B29-F687-4f45-9708-019B960494DF}">
-              <a14:hiddenLine xmlns="" xmlns:a14="http://schemas.microsoft.com/office/drawing/2010/main" w="9525">
+              <a14:hiddenLine xmlns:a14="http://schemas.microsoft.com/office/drawing/2010/main" xmlns="" w="9525">
                 <a:solidFill>
                   <a:srgbClr val="000000"/>
                 </a:solidFill>
@@ -18713,7 +18744,7 @@
               </a14:hiddenLine>
             </a:ext>
             <a:ext uri="{AF507438-7753-43e0-B8FC-AC1667EBCBE1}">
-              <a14:hiddenEffects xmlns="" xmlns:a14="http://schemas.microsoft.com/office/drawing/2010/main">
+              <a14:hiddenEffects xmlns:a14="http://schemas.microsoft.com/office/drawing/2010/main" xmlns="">
                 <a:effectLst>
                   <a:outerShdw blurRad="63500" dist="38099" dir="2700000" algn="ctr" rotWithShape="0">
                     <a:schemeClr val="bg2">
@@ -18738,18 +18769,18 @@
               </a:spcBef>
             </a:pPr>
             <a:r>
-              <a:rPr lang="zh-CN" altLang="en-US" sz="2000">
+              <a:rPr lang="zh-CN" altLang="en-US" sz="2000" dirty="0">
                 <a:latin typeface="Times New Roman" charset="0"/>
               </a:rPr>
               <a:t>服务端接收队列达到某个阀值后</a:t>
             </a:r>
             <a:r>
-              <a:rPr lang="en-US" sz="2000">
+              <a:rPr lang="en-US" sz="2000" dirty="0">
                 <a:latin typeface="Arial"/>
               </a:rPr>
               <a:t>——</a:t>
             </a:r>
-            <a:endParaRPr lang="en-US" sz="2000">
+            <a:endParaRPr lang="en-US" sz="2000" dirty="0">
               <a:latin typeface="Times New Roman" charset="0"/>
             </a:endParaRPr>
           </a:p>
@@ -18765,7 +18796,7 @@
               <a:buAutoNum type="arabicPeriod"/>
             </a:pPr>
             <a:r>
-              <a:rPr lang="zh-CN" altLang="en-US" sz="2000">
+              <a:rPr lang="zh-CN" altLang="en-US" sz="2000" dirty="0">
                 <a:latin typeface="Times New Roman" charset="0"/>
               </a:rPr>
               <a:t>拒绝新请求</a:t>
@@ -18783,7 +18814,7 @@
               <a:buAutoNum type="arabicPeriod"/>
             </a:pPr>
             <a:r>
-              <a:rPr lang="zh-CN" altLang="en-US" sz="2000">
+              <a:rPr lang="zh-CN" altLang="en-US" sz="2000" dirty="0">
                 <a:latin typeface="Times New Roman" charset="0"/>
               </a:rPr>
               <a:t>监测每条消息在队列中的时间，已超时的消息不做业务逻辑处理</a:t>
@@ -18801,7 +18832,7 @@
               <a:buAutoNum type="arabicPeriod"/>
             </a:pPr>
             <a:r>
-              <a:rPr lang="zh-CN" altLang="en-US" sz="2000">
+              <a:rPr lang="zh-CN" altLang="en-US" sz="2000" dirty="0">
                 <a:latin typeface="Times New Roman" charset="0"/>
               </a:rPr>
               <a:t>超时时长由客户端控制</a:t>
@@ -18839,7 +18870,7 @@
           <a:effectLst/>
           <a:extLst>
             <a:ext uri="{AF507438-7753-43e0-B8FC-AC1667EBCBE1}">
-              <a14:hiddenEffects xmlns="" xmlns:a14="http://schemas.microsoft.com/office/drawing/2010/main">
+              <a14:hiddenEffects xmlns:a14="http://schemas.microsoft.com/office/drawing/2010/main" xmlns="">
                 <a:effectLst>
                   <a:outerShdw blurRad="63500" dist="38099" dir="2700000" algn="ctr" rotWithShape="0">
                     <a:schemeClr val="bg2">
@@ -18900,7 +18931,7 @@
           <a:effectLst/>
           <a:extLst>
             <a:ext uri="{AF507438-7753-43e0-B8FC-AC1667EBCBE1}">
-              <a14:hiddenEffects xmlns="" xmlns:a14="http://schemas.microsoft.com/office/drawing/2010/main">
+              <a14:hiddenEffects xmlns:a14="http://schemas.microsoft.com/office/drawing/2010/main" xmlns="">
                 <a:effectLst>
                   <a:outerShdw blurRad="63500" dist="38099" dir="2700000" algn="ctr" rotWithShape="0">
                     <a:schemeClr val="bg2">
@@ -18954,7 +18985,7 @@
           <a:effectLst/>
           <a:extLst>
             <a:ext uri="{AF507438-7753-43e0-B8FC-AC1667EBCBE1}">
-              <a14:hiddenEffects xmlns="" xmlns:a14="http://schemas.microsoft.com/office/drawing/2010/main">
+              <a14:hiddenEffects xmlns:a14="http://schemas.microsoft.com/office/drawing/2010/main" xmlns="">
                 <a:effectLst>
                   <a:outerShdw blurRad="63500" dist="38099" dir="2700000" algn="ctr" rotWithShape="0">
                     <a:schemeClr val="bg2">
@@ -19008,7 +19039,7 @@
           <a:effectLst/>
           <a:extLst>
             <a:ext uri="{AF507438-7753-43e0-B8FC-AC1667EBCBE1}">
-              <a14:hiddenEffects xmlns="" xmlns:a14="http://schemas.microsoft.com/office/drawing/2010/main">
+              <a14:hiddenEffects xmlns:a14="http://schemas.microsoft.com/office/drawing/2010/main" xmlns="">
                 <a:effectLst>
                   <a:outerShdw blurRad="63500" dist="38099" dir="2700000" algn="ctr" rotWithShape="0">
                     <a:schemeClr val="bg2">
@@ -19067,12 +19098,12 @@
           <a:effectLst/>
           <a:extLst>
             <a:ext uri="{909E8E84-426E-40dd-AFC4-6F175D3DCCD1}">
-              <a14:hiddenFill xmlns="" xmlns:a14="http://schemas.microsoft.com/office/drawing/2010/main">
+              <a14:hiddenFill xmlns:a14="http://schemas.microsoft.com/office/drawing/2010/main" xmlns="">
                 <a:noFill/>
               </a14:hiddenFill>
             </a:ext>
             <a:ext uri="{AF507438-7753-43e0-B8FC-AC1667EBCBE1}">
-              <a14:hiddenEffects xmlns="" xmlns:a14="http://schemas.microsoft.com/office/drawing/2010/main">
+              <a14:hiddenEffects xmlns:a14="http://schemas.microsoft.com/office/drawing/2010/main" xmlns="">
                 <a:effectLst>
                   <a:outerShdw blurRad="63500" dist="38099" dir="2700000" algn="ctr" rotWithShape="0">
                     <a:schemeClr val="bg2">
@@ -19120,12 +19151,12 @@
           <a:effectLst/>
           <a:extLst>
             <a:ext uri="{909E8E84-426E-40dd-AFC4-6F175D3DCCD1}">
-              <a14:hiddenFill xmlns="" xmlns:a14="http://schemas.microsoft.com/office/drawing/2010/main">
+              <a14:hiddenFill xmlns:a14="http://schemas.microsoft.com/office/drawing/2010/main" xmlns="">
                 <a:noFill/>
               </a14:hiddenFill>
             </a:ext>
             <a:ext uri="{AF507438-7753-43e0-B8FC-AC1667EBCBE1}">
-              <a14:hiddenEffects xmlns="" xmlns:a14="http://schemas.microsoft.com/office/drawing/2010/main">
+              <a14:hiddenEffects xmlns:a14="http://schemas.microsoft.com/office/drawing/2010/main" xmlns="">
                 <a:effectLst>
                   <a:outerShdw blurRad="63500" dist="38099" dir="2700000" algn="ctr" rotWithShape="0">
                     <a:schemeClr val="bg2">
@@ -19173,12 +19204,12 @@
           <a:effectLst/>
           <a:extLst>
             <a:ext uri="{909E8E84-426E-40dd-AFC4-6F175D3DCCD1}">
-              <a14:hiddenFill xmlns="" xmlns:a14="http://schemas.microsoft.com/office/drawing/2010/main">
+              <a14:hiddenFill xmlns:a14="http://schemas.microsoft.com/office/drawing/2010/main" xmlns="">
                 <a:noFill/>
               </a14:hiddenFill>
             </a:ext>
             <a:ext uri="{AF507438-7753-43e0-B8FC-AC1667EBCBE1}">
-              <a14:hiddenEffects xmlns="" xmlns:a14="http://schemas.microsoft.com/office/drawing/2010/main">
+              <a14:hiddenEffects xmlns:a14="http://schemas.microsoft.com/office/drawing/2010/main" xmlns="">
                 <a:effectLst>
                   <a:outerShdw blurRad="63500" dist="38099" dir="2700000" algn="ctr" rotWithShape="0">
                     <a:schemeClr val="bg2">
@@ -19226,12 +19257,12 @@
           <a:effectLst/>
           <a:extLst>
             <a:ext uri="{909E8E84-426E-40dd-AFC4-6F175D3DCCD1}">
-              <a14:hiddenFill xmlns="" xmlns:a14="http://schemas.microsoft.com/office/drawing/2010/main">
+              <a14:hiddenFill xmlns:a14="http://schemas.microsoft.com/office/drawing/2010/main" xmlns="">
                 <a:noFill/>
               </a14:hiddenFill>
             </a:ext>
             <a:ext uri="{AF507438-7753-43e0-B8FC-AC1667EBCBE1}">
-              <a14:hiddenEffects xmlns="" xmlns:a14="http://schemas.microsoft.com/office/drawing/2010/main">
+              <a14:hiddenEffects xmlns:a14="http://schemas.microsoft.com/office/drawing/2010/main" xmlns="">
                 <a:effectLst>
                   <a:outerShdw blurRad="63500" dist="38099" dir="2700000" algn="ctr" rotWithShape="0">
                     <a:schemeClr val="bg2">
@@ -19284,7 +19315,7 @@
           <a:effectLst/>
           <a:extLst>
             <a:ext uri="{AF507438-7753-43e0-B8FC-AC1667EBCBE1}">
-              <a14:hiddenEffects xmlns="" xmlns:a14="http://schemas.microsoft.com/office/drawing/2010/main">
+              <a14:hiddenEffects xmlns:a14="http://schemas.microsoft.com/office/drawing/2010/main" xmlns="">
                 <a:effectLst>
                   <a:outerShdw blurRad="63500" dist="38099" dir="2700000" algn="ctr" rotWithShape="0">
                     <a:schemeClr val="bg2">
@@ -19337,7 +19368,7 @@
           <a:effectLst/>
           <a:extLst>
             <a:ext uri="{AF507438-7753-43e0-B8FC-AC1667EBCBE1}">
-              <a14:hiddenEffects xmlns="" xmlns:a14="http://schemas.microsoft.com/office/drawing/2010/main">
+              <a14:hiddenEffects xmlns:a14="http://schemas.microsoft.com/office/drawing/2010/main" xmlns="">
                 <a:effectLst>
                   <a:outerShdw blurRad="63500" dist="38099" dir="2700000" algn="ctr" rotWithShape="0">
                     <a:schemeClr val="bg2">
@@ -19394,7 +19425,7 @@
           <a:effectLst/>
           <a:extLst>
             <a:ext uri="{AF507438-7753-43e0-B8FC-AC1667EBCBE1}">
-              <a14:hiddenEffects xmlns="" xmlns:a14="http://schemas.microsoft.com/office/drawing/2010/main">
+              <a14:hiddenEffects xmlns:a14="http://schemas.microsoft.com/office/drawing/2010/main" xmlns="">
                 <a:effectLst>
                   <a:outerShdw blurRad="63500" dist="38099" dir="2700000" algn="ctr" rotWithShape="0">
                     <a:schemeClr val="bg2">
@@ -19459,7 +19490,7 @@
           <a:effectLst/>
           <a:extLst>
             <a:ext uri="{AF507438-7753-43e0-B8FC-AC1667EBCBE1}">
-              <a14:hiddenEffects xmlns="" xmlns:a14="http://schemas.microsoft.com/office/drawing/2010/main">
+              <a14:hiddenEffects xmlns:a14="http://schemas.microsoft.com/office/drawing/2010/main" xmlns="">
                 <a:effectLst>
                   <a:outerShdw blurRad="63500" dist="38099" dir="2700000" algn="ctr" rotWithShape="0">
                     <a:schemeClr val="bg2">
@@ -19752,14 +19783,14 @@
           <a:ln/>
           <a:extLst>
             <a:ext uri="{909E8E84-426E-40dd-AFC4-6F175D3DCCD1}">
-              <a14:hiddenFill xmlns="" xmlns:a14="http://schemas.microsoft.com/office/drawing/2010/main">
+              <a14:hiddenFill xmlns:a14="http://schemas.microsoft.com/office/drawing/2010/main" xmlns="">
                 <a:solidFill>
                   <a:schemeClr val="accent1"/>
                 </a:solidFill>
               </a14:hiddenFill>
             </a:ext>
             <a:ext uri="{91240B29-F687-4f45-9708-019B960494DF}">
-              <a14:hiddenLine xmlns="" xmlns:a14="http://schemas.microsoft.com/office/drawing/2010/main" w="9525">
+              <a14:hiddenLine xmlns:a14="http://schemas.microsoft.com/office/drawing/2010/main" xmlns="" w="9525">
                 <a:solidFill>
                   <a:srgbClr val="000000"/>
                 </a:solidFill>
@@ -19769,7 +19800,7 @@
               </a14:hiddenLine>
             </a:ext>
             <a:ext uri="{AF507438-7753-43e0-B8FC-AC1667EBCBE1}">
-              <a14:hiddenEffects xmlns="" xmlns:a14="http://schemas.microsoft.com/office/drawing/2010/main">
+              <a14:hiddenEffects xmlns:a14="http://schemas.microsoft.com/office/drawing/2010/main" xmlns="">
                 <a:effectLst>
                   <a:outerShdw blurRad="63500" dist="38099" dir="2700000" algn="ctr" rotWithShape="0">
                     <a:schemeClr val="bg2">
@@ -19839,6 +19870,432 @@
           <p:cNvPr id="3" name="Rectangle 3">
             <a:extLst>
               <a:ext uri="{FF2B5EF4-FFF2-40B4-BE49-F238E27FC236}">
+                <a16:creationId xmlns:a16="http://schemas.microsoft.com/office/drawing/2014/main" id="{AF0D6570-86B5-EB43-A841-3121556ADADA}"/>
+              </a:ext>
+            </a:extLst>
+          </p:cNvPr>
+          <p:cNvSpPr>
+            <a:spLocks noChangeArrowheads="1"/>
+          </p:cNvSpPr>
+          <p:nvPr/>
+        </p:nvSpPr>
+        <p:spPr bwMode="auto">
+          <a:xfrm>
+            <a:off x="442913" y="547687"/>
+            <a:ext cx="8243887" cy="581025"/>
+          </a:xfrm>
+          <a:prstGeom prst="rect">
+            <a:avLst/>
+          </a:prstGeom>
+          <a:noFill/>
+          <a:ln>
+            <a:noFill/>
+          </a:ln>
+          <a:extLst>
+            <a:ext uri="{909E8E84-426E-40dd-AFC4-6F175D3DCCD1}">
+              <a14:hiddenFill xmlns:a14="http://schemas.microsoft.com/office/drawing/2010/main" xmlns="">
+                <a:solidFill>
+                  <a:srgbClr val="FFFFFF"/>
+                </a:solidFill>
+              </a14:hiddenFill>
+            </a:ext>
+            <a:ext uri="{91240B29-F687-4f45-9708-019B960494DF}">
+              <a14:hiddenLine xmlns:a14="http://schemas.microsoft.com/office/drawing/2010/main" xmlns="" w="9525">
+                <a:solidFill>
+                  <a:srgbClr val="000000"/>
+                </a:solidFill>
+                <a:miter lim="800000"/>
+                <a:headEnd/>
+                <a:tailEnd/>
+              </a14:hiddenLine>
+            </a:ext>
+          </a:extLst>
+        </p:spPr>
+        <p:txBody>
+          <a:bodyPr anchor="b"/>
+          <a:lstStyle/>
+          <a:p>
+            <a:r>
+              <a:rPr lang="zh-CN" altLang="en-US" sz="3600" dirty="0">
+                <a:solidFill>
+                  <a:schemeClr val="tx2"/>
+                </a:solidFill>
+                <a:latin typeface="Times New Roman" charset="0"/>
+              </a:rPr>
+              <a:t>问题定位</a:t>
+            </a:r>
+            <a:endParaRPr lang="en-US" altLang="zh-CN" sz="4400" dirty="0">
+              <a:solidFill>
+                <a:schemeClr val="tx2"/>
+              </a:solidFill>
+              <a:latin typeface="Times New Roman" charset="0"/>
+            </a:endParaRPr>
+          </a:p>
+        </p:txBody>
+      </p:sp>
+      <p:sp>
+        <p:nvSpPr>
+          <p:cNvPr id="4" name="Rectangle 4">
+            <a:extLst>
+              <a:ext uri="{FF2B5EF4-FFF2-40B4-BE49-F238E27FC236}">
+                <a16:creationId xmlns:a16="http://schemas.microsoft.com/office/drawing/2014/main" id="{47D12235-B374-5442-BFC7-5F5B2A8DC5FE}"/>
+              </a:ext>
+            </a:extLst>
+          </p:cNvPr>
+          <p:cNvSpPr>
+            <a:spLocks noChangeArrowheads="1"/>
+          </p:cNvSpPr>
+          <p:nvPr/>
+        </p:nvSpPr>
+        <p:spPr bwMode="auto">
+          <a:xfrm>
+            <a:off x="604837" y="1606927"/>
+            <a:ext cx="7920037" cy="2016125"/>
+          </a:xfrm>
+          <a:prstGeom prst="rect">
+            <a:avLst/>
+          </a:prstGeom>
+          <a:noFill/>
+          <a:ln>
+            <a:noFill/>
+          </a:ln>
+          <a:effectLst/>
+          <a:extLst>
+            <a:ext uri="{909E8E84-426E-40dd-AFC4-6F175D3DCCD1}">
+              <a14:hiddenFill xmlns:a14="http://schemas.microsoft.com/office/drawing/2010/main" xmlns="">
+                <a:solidFill>
+                  <a:schemeClr val="accent1"/>
+                </a:solidFill>
+              </a14:hiddenFill>
+            </a:ext>
+            <a:ext uri="{91240B29-F687-4f45-9708-019B960494DF}">
+              <a14:hiddenLine xmlns:a14="http://schemas.microsoft.com/office/drawing/2010/main" xmlns="" w="9525">
+                <a:solidFill>
+                  <a:srgbClr val="000000"/>
+                </a:solidFill>
+                <a:miter lim="800000"/>
+                <a:headEnd/>
+                <a:tailEnd/>
+              </a14:hiddenLine>
+            </a:ext>
+            <a:ext uri="{AF507438-7753-43e0-B8FC-AC1667EBCBE1}">
+              <a14:hiddenEffects xmlns:a14="http://schemas.microsoft.com/office/drawing/2010/main" xmlns="">
+                <a:effectLst>
+                  <a:outerShdw blurRad="63500" dist="38099" dir="2700000" algn="ctr" rotWithShape="0">
+                    <a:schemeClr val="bg2">
+                      <a:alpha val="74998"/>
+                    </a:schemeClr>
+                  </a:outerShdw>
+                </a:effectLst>
+              </a14:hiddenEffects>
+            </a:ext>
+          </a:extLst>
+        </p:spPr>
+        <p:txBody>
+          <a:bodyPr/>
+          <a:lstStyle/>
+          <a:p>
+            <a:pPr marL="609600" indent="-609600">
+              <a:lnSpc>
+                <a:spcPct val="115000"/>
+              </a:lnSpc>
+              <a:spcBef>
+                <a:spcPct val="20000"/>
+              </a:spcBef>
+            </a:pPr>
+            <a:r>
+              <a:rPr lang="zh-CN" altLang="en-US" sz="2000" dirty="0">
+                <a:latin typeface="Times New Roman" charset="0"/>
+              </a:rPr>
+              <a:t>主要目录</a:t>
+            </a:r>
+            <a:endParaRPr lang="en-US" sz="2000" dirty="0">
+              <a:latin typeface="Times New Roman" charset="0"/>
+            </a:endParaRPr>
+          </a:p>
+          <a:p>
+            <a:pPr marL="609600" indent="-609600">
+              <a:lnSpc>
+                <a:spcPct val="115000"/>
+              </a:lnSpc>
+              <a:spcBef>
+                <a:spcPct val="20000"/>
+              </a:spcBef>
+              <a:buFontTx/>
+              <a:buAutoNum type="arabicPeriod"/>
+            </a:pPr>
+            <a:r>
+              <a:rPr lang="zh-CN" altLang="en-US" sz="2000" dirty="0">
+                <a:latin typeface="Times New Roman" charset="0"/>
+              </a:rPr>
+              <a:t>框架服务目录</a:t>
+            </a:r>
+            <a:r>
+              <a:rPr lang="en-US" altLang="zh-CN" sz="2000" dirty="0">
+                <a:latin typeface="Times New Roman" charset="0"/>
+              </a:rPr>
+              <a:t>:</a:t>
+            </a:r>
+            <a:r>
+              <a:rPr lang="zh-CN" altLang="en-US" sz="2000" dirty="0">
+                <a:latin typeface="Times New Roman" charset="0"/>
+              </a:rPr>
+              <a:t> </a:t>
+            </a:r>
+            <a:r>
+              <a:rPr lang="en-US" altLang="zh-CN" sz="2000" dirty="0">
+                <a:latin typeface="Times New Roman" charset="0"/>
+              </a:rPr>
+              <a:t>/</a:t>
+            </a:r>
+            <a:r>
+              <a:rPr lang="en-US" altLang="zh-CN" sz="2000" dirty="0" err="1">
+                <a:latin typeface="Times New Roman" charset="0"/>
+              </a:rPr>
+              <a:t>usr</a:t>
+            </a:r>
+            <a:r>
+              <a:rPr lang="en-US" altLang="zh-CN" sz="2000" dirty="0">
+                <a:latin typeface="Times New Roman" charset="0"/>
+              </a:rPr>
+              <a:t>/local/app/tars/xxx</a:t>
+            </a:r>
+          </a:p>
+          <a:p>
+            <a:pPr marL="609600" indent="-609600">
+              <a:lnSpc>
+                <a:spcPct val="115000"/>
+              </a:lnSpc>
+              <a:spcBef>
+                <a:spcPct val="20000"/>
+              </a:spcBef>
+              <a:buFontTx/>
+              <a:buAutoNum type="arabicPeriod"/>
+            </a:pPr>
+            <a:r>
+              <a:rPr lang="zh-CN" altLang="en-US" sz="2000" dirty="0">
+                <a:latin typeface="Times New Roman" charset="0"/>
+              </a:rPr>
+              <a:t>业务服务</a:t>
+            </a:r>
+            <a:r>
+              <a:rPr lang="en-US" altLang="zh-CN" sz="2000" dirty="0">
+                <a:latin typeface="Times New Roman" charset="0"/>
+              </a:rPr>
+              <a:t>:</a:t>
+            </a:r>
+            <a:r>
+              <a:rPr lang="zh-CN" altLang="en-US" sz="2000" dirty="0">
+                <a:latin typeface="Times New Roman" charset="0"/>
+              </a:rPr>
+              <a:t> </a:t>
+            </a:r>
+            <a:r>
+              <a:rPr lang="en-US" altLang="zh-CN" sz="2000" dirty="0">
+                <a:latin typeface="Times New Roman" charset="0"/>
+              </a:rPr>
+              <a:t> /</a:t>
+            </a:r>
+            <a:r>
+              <a:rPr lang="en-US" altLang="zh-CN" sz="2000" dirty="0" err="1">
+                <a:latin typeface="Times New Roman" charset="0"/>
+              </a:rPr>
+              <a:t>usr</a:t>
+            </a:r>
+            <a:r>
+              <a:rPr lang="en-US" altLang="zh-CN" sz="2000" dirty="0">
+                <a:latin typeface="Times New Roman" charset="0"/>
+              </a:rPr>
+              <a:t>/local/app/tars/</a:t>
+            </a:r>
+            <a:r>
+              <a:rPr lang="en-US" altLang="zh-CN" sz="2000" dirty="0" err="1">
+                <a:latin typeface="Times New Roman" charset="0"/>
+              </a:rPr>
+              <a:t>tarsnode</a:t>
+            </a:r>
+            <a:r>
+              <a:rPr lang="en-US" altLang="zh-CN" sz="2000" dirty="0">
+                <a:latin typeface="Times New Roman" charset="0"/>
+              </a:rPr>
+              <a:t>/data/</a:t>
+            </a:r>
+          </a:p>
+          <a:p>
+            <a:pPr marL="609600" indent="-609600">
+              <a:lnSpc>
+                <a:spcPct val="115000"/>
+              </a:lnSpc>
+              <a:spcBef>
+                <a:spcPct val="20000"/>
+              </a:spcBef>
+              <a:buFontTx/>
+              <a:buAutoNum type="arabicPeriod"/>
+            </a:pPr>
+            <a:r>
+              <a:rPr lang="zh-CN" altLang="en-US" sz="2000" dirty="0">
+                <a:latin typeface="Times New Roman" charset="0"/>
+              </a:rPr>
+              <a:t>服务日志</a:t>
+            </a:r>
+            <a:r>
+              <a:rPr lang="en-US" altLang="zh-CN" sz="2000" dirty="0">
+                <a:latin typeface="Times New Roman" charset="0"/>
+              </a:rPr>
+              <a:t>:</a:t>
+            </a:r>
+            <a:r>
+              <a:rPr lang="zh-CN" altLang="en-US" sz="2000" dirty="0">
+                <a:latin typeface="Times New Roman" charset="0"/>
+              </a:rPr>
+              <a:t>  </a:t>
+            </a:r>
+            <a:r>
+              <a:rPr lang="en-US" altLang="zh-CN" sz="2000" dirty="0">
+                <a:latin typeface="Times New Roman" charset="0"/>
+              </a:rPr>
+              <a:t>/</a:t>
+            </a:r>
+            <a:r>
+              <a:rPr lang="en-US" altLang="zh-CN" sz="2000" dirty="0" err="1">
+                <a:latin typeface="Times New Roman" charset="0"/>
+              </a:rPr>
+              <a:t>usr</a:t>
+            </a:r>
+            <a:r>
+              <a:rPr lang="en-US" altLang="zh-CN" sz="2000" dirty="0">
+                <a:latin typeface="Times New Roman" charset="0"/>
+              </a:rPr>
+              <a:t>/local</a:t>
+            </a:r>
+            <a:r>
+              <a:rPr lang="zh-CN" altLang="en-US" sz="2000" dirty="0">
+                <a:latin typeface="Times New Roman" charset="0"/>
+              </a:rPr>
+              <a:t> </a:t>
+            </a:r>
+            <a:r>
+              <a:rPr lang="en-US" altLang="zh-CN" sz="2000" dirty="0">
+                <a:latin typeface="Times New Roman" charset="0"/>
+              </a:rPr>
+              <a:t>/app/tars/</a:t>
+            </a:r>
+            <a:r>
+              <a:rPr lang="en-US" altLang="zh-CN" sz="2000" dirty="0" err="1">
+                <a:latin typeface="Times New Roman" charset="0"/>
+              </a:rPr>
+              <a:t>app_log</a:t>
+            </a:r>
+            <a:r>
+              <a:rPr lang="en-US" altLang="zh-CN" sz="2000" dirty="0">
+                <a:latin typeface="Times New Roman" charset="0"/>
+              </a:rPr>
+              <a:t>/xxx/</a:t>
+            </a:r>
+            <a:r>
+              <a:rPr lang="en-US" altLang="zh-CN" sz="2000" dirty="0" err="1">
+                <a:latin typeface="Times New Roman" charset="0"/>
+              </a:rPr>
+              <a:t>xxxserver</a:t>
+            </a:r>
+            <a:r>
+              <a:rPr lang="en-US" altLang="zh-CN" sz="2000" dirty="0">
+                <a:latin typeface="Times New Roman" charset="0"/>
+              </a:rPr>
+              <a:t>/*.log</a:t>
+            </a:r>
+          </a:p>
+          <a:p>
+            <a:pPr marL="609600" indent="-609600">
+              <a:lnSpc>
+                <a:spcPct val="115000"/>
+              </a:lnSpc>
+              <a:spcBef>
+                <a:spcPct val="20000"/>
+              </a:spcBef>
+              <a:buFontTx/>
+              <a:buAutoNum type="arabicPeriod"/>
+            </a:pPr>
+            <a:r>
+              <a:rPr lang="en-US" altLang="zh-CN" sz="2000" dirty="0">
+                <a:latin typeface="Times New Roman" charset="0"/>
+              </a:rPr>
+              <a:t>Web</a:t>
+            </a:r>
+            <a:r>
+              <a:rPr lang="zh-CN" altLang="en-US" sz="2000" dirty="0">
+                <a:latin typeface="Times New Roman" charset="0"/>
+              </a:rPr>
+              <a:t>日志</a:t>
+            </a:r>
+            <a:r>
+              <a:rPr lang="en-US" altLang="zh-CN" sz="2000" dirty="0">
+                <a:latin typeface="Times New Roman" charset="0"/>
+              </a:rPr>
+              <a:t>:</a:t>
+            </a:r>
+            <a:r>
+              <a:rPr lang="zh-CN" altLang="en-US" sz="2000" dirty="0">
+                <a:latin typeface="Times New Roman" charset="0"/>
+              </a:rPr>
+              <a:t> </a:t>
+            </a:r>
+            <a:r>
+              <a:rPr lang="en-US" altLang="zh-CN" sz="2000" dirty="0">
+                <a:latin typeface="Times New Roman" charset="0"/>
+              </a:rPr>
+              <a:t>/</a:t>
+            </a:r>
+            <a:r>
+              <a:rPr lang="en-US" altLang="zh-CN" sz="2000" dirty="0" err="1">
+                <a:latin typeface="Times New Roman" charset="0"/>
+              </a:rPr>
+              <a:t>usr</a:t>
+            </a:r>
+            <a:r>
+              <a:rPr lang="en-US" altLang="zh-CN" sz="2000" dirty="0">
+                <a:latin typeface="Times New Roman" charset="0"/>
+              </a:rPr>
+              <a:t>/local/app/web/log</a:t>
+            </a:r>
+          </a:p>
+        </p:txBody>
+      </p:sp>
+    </p:spTree>
+    <p:extLst>
+      <p:ext uri="{BB962C8B-B14F-4D97-AF65-F5344CB8AC3E}">
+        <p14:creationId xmlns:p14="http://schemas.microsoft.com/office/powerpoint/2010/main" val="931776628"/>
+      </p:ext>
+    </p:extLst>
+  </p:cSld>
+  <p:clrMapOvr>
+    <a:masterClrMapping/>
+  </p:clrMapOvr>
+</p:sld>
+</file>
+
+<file path=ppt/slides/slide21.xml><?xml version="1.0" encoding="utf-8"?>
+<p:sld xmlns:a="http://schemas.openxmlformats.org/drawingml/2006/main" xmlns:r="http://schemas.openxmlformats.org/officeDocument/2006/relationships" xmlns:p="http://schemas.openxmlformats.org/presentationml/2006/main">
+  <p:cSld>
+    <p:spTree>
+      <p:nvGrpSpPr>
+        <p:cNvPr id="1" name=""/>
+        <p:cNvGrpSpPr/>
+        <p:nvPr/>
+      </p:nvGrpSpPr>
+      <p:grpSpPr>
+        <a:xfrm>
+          <a:off x="0" y="0"/>
+          <a:ext cx="0" cy="0"/>
+          <a:chOff x="0" y="0"/>
+          <a:chExt cx="0" cy="0"/>
+        </a:xfrm>
+      </p:grpSpPr>
+      <p:sp>
+        <p:nvSpPr>
+          <p:cNvPr id="3" name="Rectangle 3">
+            <a:extLst>
+              <a:ext uri="{FF2B5EF4-FFF2-40B4-BE49-F238E27FC236}">
                 <a16:creationId xmlns:a16="http://schemas.microsoft.com/office/drawing/2014/main" id="{E636676D-A465-A849-A9D1-756974B565A9}"/>
               </a:ext>
             </a:extLst>
@@ -19862,14 +20319,14 @@
           </a:ln>
           <a:extLst>
             <a:ext uri="{909E8E84-426E-40dd-AFC4-6F175D3DCCD1}">
-              <a14:hiddenFill xmlns="" xmlns:a14="http://schemas.microsoft.com/office/drawing/2010/main">
+              <a14:hiddenFill xmlns:a14="http://schemas.microsoft.com/office/drawing/2010/main" xmlns="">
                 <a:solidFill>
                   <a:srgbClr val="FFFFFF"/>
                 </a:solidFill>
               </a14:hiddenFill>
             </a:ext>
             <a:ext uri="{91240B29-F687-4f45-9708-019B960494DF}">
-              <a14:hiddenLine xmlns="" xmlns:a14="http://schemas.microsoft.com/office/drawing/2010/main" w="9525">
+              <a14:hiddenLine xmlns:a14="http://schemas.microsoft.com/office/drawing/2010/main" xmlns="" w="9525">
                 <a:solidFill>
                   <a:srgbClr val="000000"/>
                 </a:solidFill>
@@ -19972,7 +20429,7 @@
           <p:nvPr>
             <p:extLst>
               <p:ext uri="{D42A27DB-BD31-4B8C-83A1-F6EECF244321}">
-                <p14:modId xmlns:p14="http://schemas.microsoft.com/office/powerpoint/2010/main" val="3253929446"/>
+                <p14:modId xmlns:p14="http://schemas.microsoft.com/office/powerpoint/2010/main" val="2434629792"/>
               </p:ext>
             </p:extLst>
           </p:nvPr>
@@ -20408,7 +20865,7 @@
                       </a:r>
                       <a:r>
                         <a:rPr lang="zh-CN" altLang="en-US" dirty="0"/>
-                        <a:t>制作脚本男</a:t>
+                        <a:t>制作脚本</a:t>
                       </a:r>
                       <a:endParaRPr lang="en-US" altLang="zh-CN" dirty="0"/>
                     </a:p>
@@ -20473,6 +20930,62 @@
           </a:graphicData>
         </a:graphic>
       </p:graphicFrame>
+      <p:sp>
+        <p:nvSpPr>
+          <p:cNvPr id="6" name="文本框 5">
+            <a:extLst>
+              <a:ext uri="{FF2B5EF4-FFF2-40B4-BE49-F238E27FC236}">
+                <a16:creationId xmlns:a16="http://schemas.microsoft.com/office/drawing/2014/main" id="{3C045F7D-23E8-2E41-B787-EE74FD62E871}"/>
+              </a:ext>
+            </a:extLst>
+          </p:cNvPr>
+          <p:cNvSpPr txBox="1"/>
+          <p:nvPr/>
+        </p:nvSpPr>
+        <p:spPr>
+          <a:xfrm>
+            <a:off x="4408373" y="1353541"/>
+            <a:ext cx="4712380" cy="369332"/>
+          </a:xfrm>
+          <a:prstGeom prst="rect">
+            <a:avLst/>
+          </a:prstGeom>
+          <a:noFill/>
+        </p:spPr>
+        <p:txBody>
+          <a:bodyPr wrap="none" rtlCol="0">
+            <a:spAutoFit/>
+          </a:bodyPr>
+          <a:lstStyle/>
+          <a:p>
+            <a:r>
+              <a:rPr lang="zh-CN" altLang="en-US" dirty="0">
+                <a:hlinkClick r:id="rId4"/>
+              </a:rPr>
+              <a:t>教程文档</a:t>
+            </a:r>
+            <a:r>
+              <a:rPr lang="en-US" altLang="zh-CN" dirty="0">
+                <a:hlinkClick r:id="rId4"/>
+              </a:rPr>
+              <a:t>:</a:t>
+            </a:r>
+            <a:r>
+              <a:rPr lang="zh-CN" altLang="en-US" dirty="0">
+                <a:hlinkClick r:id="rId4"/>
+              </a:rPr>
+              <a:t> </a:t>
+            </a:r>
+            <a:r>
+              <a:rPr lang="en-US" altLang="zh-CN" dirty="0">
+                <a:hlinkClick r:id="rId4"/>
+              </a:rPr>
+              <a:t>https://tarscloud.github.io/TarsDocs/</a:t>
+            </a:r>
+            <a:endParaRPr kumimoji="1" lang="zh-CN" altLang="en-US" dirty="0"/>
+          </a:p>
+        </p:txBody>
+      </p:sp>
     </p:spTree>
     <p:extLst>
       <p:ext uri="{BB962C8B-B14F-4D97-AF65-F5344CB8AC3E}">
@@ -20486,7 +20999,7 @@
 </p:sld>
 </file>
 
-<file path=ppt/slides/slide21.xml><?xml version="1.0" encoding="utf-8"?>
+<file path=ppt/slides/slide22.xml><?xml version="1.0" encoding="utf-8"?>
 <p:sld xmlns:a="http://schemas.openxmlformats.org/drawingml/2006/main" xmlns:r="http://schemas.openxmlformats.org/officeDocument/2006/relationships" xmlns:p="http://schemas.openxmlformats.org/presentationml/2006/main">
   <p:cSld>
     <p:spTree>
@@ -20505,7 +21018,13 @@
       </p:grpSpPr>
       <p:sp>
         <p:nvSpPr>
-          <p:cNvPr id="27651" name="Rectangle 3"/>
+          <p:cNvPr id="3" name="Rectangle 3">
+            <a:extLst>
+              <a:ext uri="{FF2B5EF4-FFF2-40B4-BE49-F238E27FC236}">
+                <a16:creationId xmlns:a16="http://schemas.microsoft.com/office/drawing/2014/main" id="{E636676D-A465-A849-A9D1-756974B565A9}"/>
+              </a:ext>
+            </a:extLst>
+          </p:cNvPr>
           <p:cNvSpPr>
             <a:spLocks noChangeArrowheads="1"/>
           </p:cNvSpPr>
@@ -20513,8 +21032,8 @@
         </p:nvSpPr>
         <p:spPr bwMode="auto">
           <a:xfrm>
-            <a:off x="1476375" y="2925763"/>
-            <a:ext cx="5976938" cy="1079500"/>
+            <a:off x="442913" y="547687"/>
+            <a:ext cx="8243887" cy="581025"/>
           </a:xfrm>
           <a:prstGeom prst="rect">
             <a:avLst/>
@@ -20523,17 +21042,16 @@
           <a:ln>
             <a:noFill/>
           </a:ln>
-          <a:effectLst/>
           <a:extLst>
             <a:ext uri="{909E8E84-426E-40dd-AFC4-6F175D3DCCD1}">
-              <a14:hiddenFill xmlns="" xmlns:a14="http://schemas.microsoft.com/office/drawing/2010/main">
-                <a:solidFill>
-                  <a:schemeClr val="accent1"/>
+              <a14:hiddenFill xmlns:a14="http://schemas.microsoft.com/office/drawing/2010/main" xmlns="">
+                <a:solidFill>
+                  <a:srgbClr val="FFFFFF"/>
                 </a:solidFill>
               </a14:hiddenFill>
             </a:ext>
             <a:ext uri="{91240B29-F687-4f45-9708-019B960494DF}">
-              <a14:hiddenLine xmlns="" xmlns:a14="http://schemas.microsoft.com/office/drawing/2010/main" w="9525">
+              <a14:hiddenLine xmlns:a14="http://schemas.microsoft.com/office/drawing/2010/main" xmlns="" w="9525">
                 <a:solidFill>
                   <a:srgbClr val="000000"/>
                 </a:solidFill>
@@ -20542,8 +21060,178 @@
                 <a:tailEnd/>
               </a14:hiddenLine>
             </a:ext>
+          </a:extLst>
+        </p:spPr>
+        <p:txBody>
+          <a:bodyPr anchor="b"/>
+          <a:lstStyle/>
+          <a:p>
+            <a:r>
+              <a:rPr lang="en-US" altLang="zh-CN" sz="3600" dirty="0">
+                <a:solidFill>
+                  <a:schemeClr val="tx2"/>
+                </a:solidFill>
+                <a:latin typeface="Times New Roman" charset="0"/>
+              </a:rPr>
+              <a:t>GITHUB</a:t>
+            </a:r>
+            <a:r>
+              <a:rPr lang="zh-CN" altLang="en-US" sz="3600" dirty="0">
+                <a:solidFill>
+                  <a:schemeClr val="tx2"/>
+                </a:solidFill>
+                <a:latin typeface="Arial"/>
+              </a:rPr>
+              <a:t>合作</a:t>
+            </a:r>
+            <a:endParaRPr lang="en-US" altLang="zh-CN" sz="4400" dirty="0">
+              <a:solidFill>
+                <a:schemeClr val="tx2"/>
+              </a:solidFill>
+              <a:latin typeface="Times New Roman" charset="0"/>
+            </a:endParaRPr>
+          </a:p>
+        </p:txBody>
+      </p:sp>
+      <p:sp>
+        <p:nvSpPr>
+          <p:cNvPr id="4" name="文本框 3">
+            <a:extLst>
+              <a:ext uri="{FF2B5EF4-FFF2-40B4-BE49-F238E27FC236}">
+                <a16:creationId xmlns:a16="http://schemas.microsoft.com/office/drawing/2014/main" id="{576D02E2-8842-FA40-9D05-4FA319FB079A}"/>
+              </a:ext>
+            </a:extLst>
+          </p:cNvPr>
+          <p:cNvSpPr txBox="1"/>
+          <p:nvPr/>
+        </p:nvSpPr>
+        <p:spPr>
+          <a:xfrm>
+            <a:off x="1916433" y="2634712"/>
+            <a:ext cx="5311134" cy="646331"/>
+          </a:xfrm>
+          <a:prstGeom prst="rect">
+            <a:avLst/>
+          </a:prstGeom>
+          <a:noFill/>
+        </p:spPr>
+        <p:txBody>
+          <a:bodyPr wrap="none" rtlCol="0">
+            <a:spAutoFit/>
+          </a:bodyPr>
+          <a:lstStyle/>
+          <a:p>
+            <a:r>
+              <a:rPr kumimoji="1" lang="en-US" altLang="zh-CN" sz="3600" dirty="0"/>
+              <a:t>Fork</a:t>
+            </a:r>
+            <a:r>
+              <a:rPr kumimoji="1" lang="zh-CN" altLang="en-US" sz="3600" dirty="0"/>
+              <a:t> </a:t>
+            </a:r>
+            <a:r>
+              <a:rPr kumimoji="1" lang="en-US" altLang="zh-CN" sz="3600" dirty="0"/>
+              <a:t>-&gt;</a:t>
+            </a:r>
+            <a:r>
+              <a:rPr kumimoji="1" lang="zh-CN" altLang="en-US" sz="3600" dirty="0"/>
+              <a:t> 修改 </a:t>
+            </a:r>
+            <a:r>
+              <a:rPr kumimoji="1" lang="en-US" altLang="zh-CN" sz="3600" dirty="0"/>
+              <a:t>-&gt;</a:t>
+            </a:r>
+            <a:r>
+              <a:rPr kumimoji="1" lang="zh-CN" altLang="en-US" sz="3600" dirty="0"/>
+              <a:t> </a:t>
+            </a:r>
+            <a:r>
+              <a:rPr kumimoji="1" lang="en-US" altLang="zh-CN" sz="3600" dirty="0"/>
+              <a:t>pull</a:t>
+            </a:r>
+            <a:r>
+              <a:rPr kumimoji="1" lang="zh-CN" altLang="en-US" sz="3600" dirty="0"/>
+              <a:t> </a:t>
+            </a:r>
+            <a:r>
+              <a:rPr kumimoji="1" lang="en-US" altLang="zh-CN" sz="3600" dirty="0"/>
+              <a:t>request</a:t>
+            </a:r>
+            <a:endParaRPr kumimoji="1" lang="zh-CN" altLang="en-US" sz="3600" dirty="0"/>
+          </a:p>
+        </p:txBody>
+      </p:sp>
+    </p:spTree>
+    <p:extLst>
+      <p:ext uri="{BB962C8B-B14F-4D97-AF65-F5344CB8AC3E}">
+        <p14:creationId xmlns:p14="http://schemas.microsoft.com/office/powerpoint/2010/main" val="1502812812"/>
+      </p:ext>
+    </p:extLst>
+  </p:cSld>
+  <p:clrMapOvr>
+    <a:masterClrMapping/>
+  </p:clrMapOvr>
+</p:sld>
+</file>
+
+<file path=ppt/slides/slide23.xml><?xml version="1.0" encoding="utf-8"?>
+<p:sld xmlns:a="http://schemas.openxmlformats.org/drawingml/2006/main" xmlns:r="http://schemas.openxmlformats.org/officeDocument/2006/relationships" xmlns:p="http://schemas.openxmlformats.org/presentationml/2006/main">
+  <p:cSld>
+    <p:spTree>
+      <p:nvGrpSpPr>
+        <p:cNvPr id="1" name=""/>
+        <p:cNvGrpSpPr/>
+        <p:nvPr/>
+      </p:nvGrpSpPr>
+      <p:grpSpPr>
+        <a:xfrm>
+          <a:off x="0" y="0"/>
+          <a:ext cx="0" cy="0"/>
+          <a:chOff x="0" y="0"/>
+          <a:chExt cx="0" cy="0"/>
+        </a:xfrm>
+      </p:grpSpPr>
+      <p:sp>
+        <p:nvSpPr>
+          <p:cNvPr id="27651" name="Rectangle 3"/>
+          <p:cNvSpPr>
+            <a:spLocks noChangeArrowheads="1"/>
+          </p:cNvSpPr>
+          <p:nvPr/>
+        </p:nvSpPr>
+        <p:spPr bwMode="auto">
+          <a:xfrm>
+            <a:off x="1476375" y="2925763"/>
+            <a:ext cx="5976938" cy="1079500"/>
+          </a:xfrm>
+          <a:prstGeom prst="rect">
+            <a:avLst/>
+          </a:prstGeom>
+          <a:noFill/>
+          <a:ln>
+            <a:noFill/>
+          </a:ln>
+          <a:effectLst/>
+          <a:extLst>
+            <a:ext uri="{909E8E84-426E-40dd-AFC4-6F175D3DCCD1}">
+              <a14:hiddenFill xmlns:a14="http://schemas.microsoft.com/office/drawing/2010/main" xmlns="">
+                <a:solidFill>
+                  <a:schemeClr val="accent1"/>
+                </a:solidFill>
+              </a14:hiddenFill>
+            </a:ext>
+            <a:ext uri="{91240B29-F687-4f45-9708-019B960494DF}">
+              <a14:hiddenLine xmlns:a14="http://schemas.microsoft.com/office/drawing/2010/main" xmlns="" w="9525">
+                <a:solidFill>
+                  <a:srgbClr val="000000"/>
+                </a:solidFill>
+                <a:miter lim="800000"/>
+                <a:headEnd/>
+                <a:tailEnd/>
+              </a14:hiddenLine>
+            </a:ext>
             <a:ext uri="{AF507438-7753-43e0-B8FC-AC1667EBCBE1}">
-              <a14:hiddenEffects xmlns="" xmlns:a14="http://schemas.microsoft.com/office/drawing/2010/main">
+              <a14:hiddenEffects xmlns:a14="http://schemas.microsoft.com/office/drawing/2010/main" xmlns="">
                 <a:effectLst>
                   <a:outerShdw blurRad="63500" dist="38099" dir="2700000" algn="ctr" rotWithShape="0">
                     <a:schemeClr val="bg2">
@@ -20665,7 +21353,7 @@
           <a:effectLst/>
           <a:extLst>
             <a:ext uri="{909E8E84-426E-40dd-AFC4-6F175D3DCCD1}">
-              <a14:hiddenFill xmlns="" xmlns:a14="http://schemas.microsoft.com/office/drawing/2010/main">
+              <a14:hiddenFill xmlns:a14="http://schemas.microsoft.com/office/drawing/2010/main" xmlns="">
                 <a:gradFill rotWithShape="1">
                   <a:gsLst>
                     <a:gs pos="0">
@@ -20688,7 +21376,7 @@
               </a14:hiddenFill>
             </a:ext>
             <a:ext uri="{AF507438-7753-43e0-B8FC-AC1667EBCBE1}">
-              <a14:hiddenEffects xmlns="" xmlns:a14="http://schemas.microsoft.com/office/drawing/2010/main">
+              <a14:hiddenEffects xmlns:a14="http://schemas.microsoft.com/office/drawing/2010/main" xmlns="">
                 <a:effectLst>
                   <a:outerShdw blurRad="63500" dist="38099" dir="2700000" algn="ctr" rotWithShape="0">
                     <a:schemeClr val="bg2">
@@ -20737,7 +21425,7 @@
           <a:effectLst/>
           <a:extLst>
             <a:ext uri="{909E8E84-426E-40dd-AFC4-6F175D3DCCD1}">
-              <a14:hiddenFill xmlns="" xmlns:a14="http://schemas.microsoft.com/office/drawing/2010/main">
+              <a14:hiddenFill xmlns:a14="http://schemas.microsoft.com/office/drawing/2010/main" xmlns="">
                 <a:gradFill rotWithShape="1">
                   <a:gsLst>
                     <a:gs pos="0">
@@ -20760,7 +21448,7 @@
               </a14:hiddenFill>
             </a:ext>
             <a:ext uri="{AF507438-7753-43e0-B8FC-AC1667EBCBE1}">
-              <a14:hiddenEffects xmlns="" xmlns:a14="http://schemas.microsoft.com/office/drawing/2010/main">
+              <a14:hiddenEffects xmlns:a14="http://schemas.microsoft.com/office/drawing/2010/main" xmlns="">
                 <a:effectLst>
                   <a:outerShdw blurRad="63500" dist="38099" dir="2700000" algn="ctr" rotWithShape="0">
                     <a:schemeClr val="bg2">
@@ -20809,7 +21497,7 @@
           <a:effectLst/>
           <a:extLst>
             <a:ext uri="{909E8E84-426E-40dd-AFC4-6F175D3DCCD1}">
-              <a14:hiddenFill xmlns="" xmlns:a14="http://schemas.microsoft.com/office/drawing/2010/main">
+              <a14:hiddenFill xmlns:a14="http://schemas.microsoft.com/office/drawing/2010/main" xmlns="">
                 <a:gradFill rotWithShape="1">
                   <a:gsLst>
                     <a:gs pos="0">
@@ -20832,7 +21520,7 @@
               </a14:hiddenFill>
             </a:ext>
             <a:ext uri="{AF507438-7753-43e0-B8FC-AC1667EBCBE1}">
-              <a14:hiddenEffects xmlns="" xmlns:a14="http://schemas.microsoft.com/office/drawing/2010/main">
+              <a14:hiddenEffects xmlns:a14="http://schemas.microsoft.com/office/drawing/2010/main" xmlns="">
                 <a:effectLst>
                   <a:outerShdw blurRad="63500" dist="38099" dir="2700000" algn="ctr" rotWithShape="0">
                     <a:schemeClr val="bg2">
@@ -20875,14 +21563,14 @@
           <a:effectLst/>
           <a:extLst>
             <a:ext uri="{909E8E84-426E-40dd-AFC4-6F175D3DCCD1}">
-              <a14:hiddenFill xmlns="" xmlns:a14="http://schemas.microsoft.com/office/drawing/2010/main">
+              <a14:hiddenFill xmlns:a14="http://schemas.microsoft.com/office/drawing/2010/main" xmlns="">
                 <a:solidFill>
                   <a:schemeClr val="accent1"/>
                 </a:solidFill>
               </a14:hiddenFill>
             </a:ext>
             <a:ext uri="{91240B29-F687-4f45-9708-019B960494DF}">
-              <a14:hiddenLine xmlns="" xmlns:a14="http://schemas.microsoft.com/office/drawing/2010/main" w="9525">
+              <a14:hiddenLine xmlns:a14="http://schemas.microsoft.com/office/drawing/2010/main" xmlns="" w="9525">
                 <a:solidFill>
                   <a:schemeClr val="tx1"/>
                 </a:solidFill>
@@ -20892,7 +21580,7 @@
               </a14:hiddenLine>
             </a:ext>
             <a:ext uri="{AF507438-7753-43e0-B8FC-AC1667EBCBE1}">
-              <a14:hiddenEffects xmlns="" xmlns:a14="http://schemas.microsoft.com/office/drawing/2010/main">
+              <a14:hiddenEffects xmlns:a14="http://schemas.microsoft.com/office/drawing/2010/main" xmlns="">
                 <a:effectLst>
                   <a:outerShdw blurRad="63500" dist="38099" dir="2700000" algn="ctr" rotWithShape="0">
                     <a:schemeClr val="bg2">
@@ -20945,14 +21633,14 @@
           <a:effectLst/>
           <a:extLst>
             <a:ext uri="{909E8E84-426E-40dd-AFC4-6F175D3DCCD1}">
-              <a14:hiddenFill xmlns="" xmlns:a14="http://schemas.microsoft.com/office/drawing/2010/main">
+              <a14:hiddenFill xmlns:a14="http://schemas.microsoft.com/office/drawing/2010/main" xmlns="">
                 <a:solidFill>
                   <a:schemeClr val="accent1"/>
                 </a:solidFill>
               </a14:hiddenFill>
             </a:ext>
             <a:ext uri="{91240B29-F687-4f45-9708-019B960494DF}">
-              <a14:hiddenLine xmlns="" xmlns:a14="http://schemas.microsoft.com/office/drawing/2010/main" w="9525">
+              <a14:hiddenLine xmlns:a14="http://schemas.microsoft.com/office/drawing/2010/main" xmlns="" w="9525">
                 <a:solidFill>
                   <a:schemeClr val="tx1"/>
                 </a:solidFill>
@@ -20962,7 +21650,7 @@
               </a14:hiddenLine>
             </a:ext>
             <a:ext uri="{AF507438-7753-43e0-B8FC-AC1667EBCBE1}">
-              <a14:hiddenEffects xmlns="" xmlns:a14="http://schemas.microsoft.com/office/drawing/2010/main">
+              <a14:hiddenEffects xmlns:a14="http://schemas.microsoft.com/office/drawing/2010/main" xmlns="">
                 <a:effectLst>
                   <a:outerShdw blurRad="63500" dist="38099" dir="2700000" algn="ctr" rotWithShape="0">
                     <a:schemeClr val="bg2">
@@ -21015,14 +21703,14 @@
           <a:effectLst/>
           <a:extLst>
             <a:ext uri="{909E8E84-426E-40dd-AFC4-6F175D3DCCD1}">
-              <a14:hiddenFill xmlns="" xmlns:a14="http://schemas.microsoft.com/office/drawing/2010/main">
+              <a14:hiddenFill xmlns:a14="http://schemas.microsoft.com/office/drawing/2010/main" xmlns="">
                 <a:solidFill>
                   <a:schemeClr val="accent1"/>
                 </a:solidFill>
               </a14:hiddenFill>
             </a:ext>
             <a:ext uri="{91240B29-F687-4f45-9708-019B960494DF}">
-              <a14:hiddenLine xmlns="" xmlns:a14="http://schemas.microsoft.com/office/drawing/2010/main" w="9525">
+              <a14:hiddenLine xmlns:a14="http://schemas.microsoft.com/office/drawing/2010/main" xmlns="" w="9525">
                 <a:solidFill>
                   <a:schemeClr val="tx1"/>
                 </a:solidFill>
@@ -21032,7 +21720,7 @@
               </a14:hiddenLine>
             </a:ext>
             <a:ext uri="{AF507438-7753-43e0-B8FC-AC1667EBCBE1}">
-              <a14:hiddenEffects xmlns="" xmlns:a14="http://schemas.microsoft.com/office/drawing/2010/main">
+              <a14:hiddenEffects xmlns:a14="http://schemas.microsoft.com/office/drawing/2010/main" xmlns="">
                 <a:effectLst>
                   <a:outerShdw blurRad="63500" dist="38099" dir="2700000" algn="ctr" rotWithShape="0">
                     <a:schemeClr val="bg2">
@@ -21085,14 +21773,14 @@
           <a:effectLst/>
           <a:extLst>
             <a:ext uri="{909E8E84-426E-40dd-AFC4-6F175D3DCCD1}">
-              <a14:hiddenFill xmlns="" xmlns:a14="http://schemas.microsoft.com/office/drawing/2010/main">
+              <a14:hiddenFill xmlns:a14="http://schemas.microsoft.com/office/drawing/2010/main" xmlns="">
                 <a:solidFill>
                   <a:schemeClr val="accent1"/>
                 </a:solidFill>
               </a14:hiddenFill>
             </a:ext>
             <a:ext uri="{91240B29-F687-4f45-9708-019B960494DF}">
-              <a14:hiddenLine xmlns="" xmlns:a14="http://schemas.microsoft.com/office/drawing/2010/main" w="9525">
+              <a14:hiddenLine xmlns:a14="http://schemas.microsoft.com/office/drawing/2010/main" xmlns="" w="9525">
                 <a:solidFill>
                   <a:schemeClr val="tx1"/>
                 </a:solidFill>
@@ -21102,7 +21790,7 @@
               </a14:hiddenLine>
             </a:ext>
             <a:ext uri="{AF507438-7753-43e0-B8FC-AC1667EBCBE1}">
-              <a14:hiddenEffects xmlns="" xmlns:a14="http://schemas.microsoft.com/office/drawing/2010/main">
+              <a14:hiddenEffects xmlns:a14="http://schemas.microsoft.com/office/drawing/2010/main" xmlns="">
                 <a:effectLst>
                   <a:outerShdw blurRad="63500" dist="38099" dir="2700000" algn="ctr" rotWithShape="0">
                     <a:schemeClr val="bg2">
@@ -21361,14 +22049,14 @@
           <a:effectLst/>
           <a:extLst>
             <a:ext uri="{909E8E84-426E-40dd-AFC4-6F175D3DCCD1}">
-              <a14:hiddenFill xmlns="" xmlns:a14="http://schemas.microsoft.com/office/drawing/2010/main">
+              <a14:hiddenFill xmlns:a14="http://schemas.microsoft.com/office/drawing/2010/main" xmlns="">
                 <a:solidFill>
                   <a:schemeClr val="accent1"/>
                 </a:solidFill>
               </a14:hiddenFill>
             </a:ext>
             <a:ext uri="{91240B29-F687-4f45-9708-019B960494DF}">
-              <a14:hiddenLine xmlns="" xmlns:a14="http://schemas.microsoft.com/office/drawing/2010/main" w="9525">
+              <a14:hiddenLine xmlns:a14="http://schemas.microsoft.com/office/drawing/2010/main" xmlns="" w="9525">
                 <a:solidFill>
                   <a:schemeClr val="tx1"/>
                 </a:solidFill>
@@ -21378,7 +22066,7 @@
               </a14:hiddenLine>
             </a:ext>
             <a:ext uri="{AF507438-7753-43e0-B8FC-AC1667EBCBE1}">
-              <a14:hiddenEffects xmlns="" xmlns:a14="http://schemas.microsoft.com/office/drawing/2010/main">
+              <a14:hiddenEffects xmlns:a14="http://schemas.microsoft.com/office/drawing/2010/main" xmlns="">
                 <a:effectLst>
                   <a:outerShdw blurRad="63500" dist="38099" dir="2700000" algn="ctr" rotWithShape="0">
                     <a:schemeClr val="bg2">
@@ -21727,14 +22415,14 @@
           <a:effectLst/>
           <a:extLst>
             <a:ext uri="{909E8E84-426E-40dd-AFC4-6F175D3DCCD1}">
-              <a14:hiddenFill xmlns="" xmlns:a14="http://schemas.microsoft.com/office/drawing/2010/main">
+              <a14:hiddenFill xmlns:a14="http://schemas.microsoft.com/office/drawing/2010/main" xmlns="">
                 <a:solidFill>
                   <a:schemeClr val="accent1"/>
                 </a:solidFill>
               </a14:hiddenFill>
             </a:ext>
             <a:ext uri="{91240B29-F687-4f45-9708-019B960494DF}">
-              <a14:hiddenLine xmlns="" xmlns:a14="http://schemas.microsoft.com/office/drawing/2010/main" w="9525">
+              <a14:hiddenLine xmlns:a14="http://schemas.microsoft.com/office/drawing/2010/main" xmlns="" w="9525">
                 <a:solidFill>
                   <a:schemeClr val="tx1"/>
                 </a:solidFill>
@@ -21744,7 +22432,7 @@
               </a14:hiddenLine>
             </a:ext>
             <a:ext uri="{AF507438-7753-43e0-B8FC-AC1667EBCBE1}">
-              <a14:hiddenEffects xmlns="" xmlns:a14="http://schemas.microsoft.com/office/drawing/2010/main">
+              <a14:hiddenEffects xmlns:a14="http://schemas.microsoft.com/office/drawing/2010/main" xmlns="">
                 <a:effectLst>
                   <a:outerShdw blurRad="63500" dist="38099" dir="2700000" algn="ctr" rotWithShape="0">
                     <a:schemeClr val="bg2">
@@ -21946,14 +22634,14 @@
           <a:effectLst/>
           <a:extLst>
             <a:ext uri="{909E8E84-426E-40dd-AFC4-6F175D3DCCD1}">
-              <a14:hiddenFill xmlns="" xmlns:a14="http://schemas.microsoft.com/office/drawing/2010/main">
+              <a14:hiddenFill xmlns:a14="http://schemas.microsoft.com/office/drawing/2010/main" xmlns="">
                 <a:solidFill>
                   <a:schemeClr val="accent1"/>
                 </a:solidFill>
               </a14:hiddenFill>
             </a:ext>
             <a:ext uri="{91240B29-F687-4f45-9708-019B960494DF}">
-              <a14:hiddenLine xmlns="" xmlns:a14="http://schemas.microsoft.com/office/drawing/2010/main" w="9525">
+              <a14:hiddenLine xmlns:a14="http://schemas.microsoft.com/office/drawing/2010/main" xmlns="" w="9525">
                 <a:solidFill>
                   <a:schemeClr val="tx1"/>
                 </a:solidFill>
@@ -21963,7 +22651,7 @@
               </a14:hiddenLine>
             </a:ext>
             <a:ext uri="{AF507438-7753-43e0-B8FC-AC1667EBCBE1}">
-              <a14:hiddenEffects xmlns="" xmlns:a14="http://schemas.microsoft.com/office/drawing/2010/main">
+              <a14:hiddenEffects xmlns:a14="http://schemas.microsoft.com/office/drawing/2010/main" xmlns="">
                 <a:effectLst>
                   <a:outerShdw blurRad="63500" dist="38099" dir="2700000" algn="ctr" rotWithShape="0">
                     <a:schemeClr val="bg2">
@@ -21984,7 +22672,7 @@
             <a:pPr algn="ctr" eaLnBrk="0" hangingPunct="0"/>
             <a:r>
               <a:rPr lang="en-US" altLang="zh-CN" sz="2400" b="1"/>
-              <a:t>TAF </a:t>
+              <a:t>TARS </a:t>
             </a:r>
           </a:p>
         </p:txBody>
@@ -22021,7 +22709,7 @@
           <a:effectLst/>
           <a:extLst>
             <a:ext uri="{AF507438-7753-43e0-B8FC-AC1667EBCBE1}">
-              <a14:hiddenEffects xmlns="" xmlns:a14="http://schemas.microsoft.com/office/drawing/2010/main">
+              <a14:hiddenEffects xmlns:a14="http://schemas.microsoft.com/office/drawing/2010/main" xmlns="">
                 <a:effectLst>
                   <a:outerShdw blurRad="63500" kx="-3284103" algn="br" rotWithShape="0">
                     <a:schemeClr val="bg2">
@@ -22039,8 +22727,16 @@
           <a:p>
             <a:pPr algn="ctr" eaLnBrk="0" hangingPunct="0"/>
             <a:r>
-              <a:rPr lang="zh-CN" altLang="en-US" b="1"/>
-              <a:t>业务统一开发、运营、监控框架 </a:t>
+              <a:rPr lang="zh-CN" altLang="en-US" b="1" dirty="0"/>
+              <a:t>业务统一开发、运营、监控框架</a:t>
+            </a:r>
+            <a:r>
+              <a:rPr lang="en-US" altLang="zh-CN" b="1" dirty="0"/>
+              <a:t>,</a:t>
+            </a:r>
+            <a:r>
+              <a:rPr lang="zh-CN" altLang="en-US" b="1" dirty="0"/>
+              <a:t> 提升研发效率 </a:t>
             </a:r>
           </a:p>
         </p:txBody>
@@ -22067,14 +22763,14 @@
           </a:ln>
           <a:extLst>
             <a:ext uri="{909E8E84-426E-40dd-AFC4-6F175D3DCCD1}">
-              <a14:hiddenFill xmlns="" xmlns:a14="http://schemas.microsoft.com/office/drawing/2010/main">
+              <a14:hiddenFill xmlns:a14="http://schemas.microsoft.com/office/drawing/2010/main" xmlns="">
                 <a:solidFill>
                   <a:srgbClr val="FFFFFF"/>
                 </a:solidFill>
               </a14:hiddenFill>
             </a:ext>
             <a:ext uri="{91240B29-F687-4f45-9708-019B960494DF}">
-              <a14:hiddenLine xmlns="" xmlns:a14="http://schemas.microsoft.com/office/drawing/2010/main" w="9525">
+              <a14:hiddenLine xmlns:a14="http://schemas.microsoft.com/office/drawing/2010/main" xmlns="" w="9525">
                 <a:solidFill>
                   <a:srgbClr val="000000"/>
                 </a:solidFill>
@@ -22154,7 +22850,7 @@
           </a:sp3d>
           <a:extLst>
             <a:ext uri="{91240B29-F687-4f45-9708-019B960494DF}">
-              <a14:hiddenLine xmlns="" xmlns:a14="http://schemas.microsoft.com/office/drawing/2010/main" w="9525">
+              <a14:hiddenLine xmlns:a14="http://schemas.microsoft.com/office/drawing/2010/main" xmlns="" w="9525">
                 <a:noFill/>
                 <a:miter lim="800000"/>
                 <a:headEnd/>
@@ -22162,7 +22858,7 @@
               </a14:hiddenLine>
             </a:ext>
             <a:ext uri="{AF507438-7753-43e0-B8FC-AC1667EBCBE1}">
-              <a14:hiddenEffects xmlns="" xmlns:a14="http://schemas.microsoft.com/office/drawing/2010/main">
+              <a14:hiddenEffects xmlns:a14="http://schemas.microsoft.com/office/drawing/2010/main" xmlns="">
                 <a:effectLst>
                   <a:outerShdw blurRad="63500" sy="50000" kx="-2453608" rotWithShape="0">
                     <a:schemeClr val="bg2">
@@ -22226,7 +22922,7 @@
           </a:sp3d>
           <a:extLst>
             <a:ext uri="{91240B29-F687-4f45-9708-019B960494DF}">
-              <a14:hiddenLine xmlns="" xmlns:a14="http://schemas.microsoft.com/office/drawing/2010/main" w="9525">
+              <a14:hiddenLine xmlns:a14="http://schemas.microsoft.com/office/drawing/2010/main" xmlns="" w="9525">
                 <a:noFill/>
                 <a:miter lim="800000"/>
                 <a:headEnd/>
@@ -22234,7 +22930,7 @@
               </a14:hiddenLine>
             </a:ext>
             <a:ext uri="{AF507438-7753-43e0-B8FC-AC1667EBCBE1}">
-              <a14:hiddenEffects xmlns="" xmlns:a14="http://schemas.microsoft.com/office/drawing/2010/main">
+              <a14:hiddenEffects xmlns:a14="http://schemas.microsoft.com/office/drawing/2010/main" xmlns="">
                 <a:effectLst>
                   <a:outerShdw blurRad="63500" sy="50000" kx="-2453608" rotWithShape="0">
                     <a:schemeClr val="bg2">
@@ -22299,7 +22995,7 @@
           </a:sp3d>
           <a:extLst>
             <a:ext uri="{91240B29-F687-4f45-9708-019B960494DF}">
-              <a14:hiddenLine xmlns="" xmlns:a14="http://schemas.microsoft.com/office/drawing/2010/main" w="9525">
+              <a14:hiddenLine xmlns:a14="http://schemas.microsoft.com/office/drawing/2010/main" xmlns="" w="9525">
                 <a:noFill/>
                 <a:miter lim="800000"/>
                 <a:headEnd/>
@@ -22307,7 +23003,7 @@
               </a14:hiddenLine>
             </a:ext>
             <a:ext uri="{AF507438-7753-43e0-B8FC-AC1667EBCBE1}">
-              <a14:hiddenEffects xmlns="" xmlns:a14="http://schemas.microsoft.com/office/drawing/2010/main">
+              <a14:hiddenEffects xmlns:a14="http://schemas.microsoft.com/office/drawing/2010/main" xmlns="">
                 <a:effectLst>
                   <a:outerShdw blurRad="63500" dist="38099" dir="2700000" algn="ctr" rotWithShape="0">
                     <a:schemeClr val="bg2">
@@ -22357,14 +23053,14 @@
           <a:effectLst/>
           <a:extLst>
             <a:ext uri="{909E8E84-426E-40dd-AFC4-6F175D3DCCD1}">
-              <a14:hiddenFill xmlns="" xmlns:a14="http://schemas.microsoft.com/office/drawing/2010/main">
+              <a14:hiddenFill xmlns:a14="http://schemas.microsoft.com/office/drawing/2010/main" xmlns="">
                 <a:solidFill>
                   <a:schemeClr val="accent1"/>
                 </a:solidFill>
               </a14:hiddenFill>
             </a:ext>
             <a:ext uri="{91240B29-F687-4f45-9708-019B960494DF}">
-              <a14:hiddenLine xmlns="" xmlns:a14="http://schemas.microsoft.com/office/drawing/2010/main" w="9525">
+              <a14:hiddenLine xmlns:a14="http://schemas.microsoft.com/office/drawing/2010/main" xmlns="" w="9525">
                 <a:solidFill>
                   <a:schemeClr val="tx1"/>
                 </a:solidFill>
@@ -22374,7 +23070,7 @@
               </a14:hiddenLine>
             </a:ext>
             <a:ext uri="{AF507438-7753-43e0-B8FC-AC1667EBCBE1}">
-              <a14:hiddenEffects xmlns="" xmlns:a14="http://schemas.microsoft.com/office/drawing/2010/main">
+              <a14:hiddenEffects xmlns:a14="http://schemas.microsoft.com/office/drawing/2010/main" xmlns="">
                 <a:effectLst>
                   <a:outerShdw blurRad="63500" dist="38099" dir="2700000" algn="ctr" rotWithShape="0">
                     <a:schemeClr val="bg2">
@@ -22431,14 +23127,14 @@
           <a:effectLst/>
           <a:extLst>
             <a:ext uri="{909E8E84-426E-40dd-AFC4-6F175D3DCCD1}">
-              <a14:hiddenFill xmlns="" xmlns:a14="http://schemas.microsoft.com/office/drawing/2010/main">
+              <a14:hiddenFill xmlns:a14="http://schemas.microsoft.com/office/drawing/2010/main" xmlns="">
                 <a:solidFill>
                   <a:schemeClr val="accent1"/>
                 </a:solidFill>
               </a14:hiddenFill>
             </a:ext>
             <a:ext uri="{91240B29-F687-4f45-9708-019B960494DF}">
-              <a14:hiddenLine xmlns="" xmlns:a14="http://schemas.microsoft.com/office/drawing/2010/main" w="9525">
+              <a14:hiddenLine xmlns:a14="http://schemas.microsoft.com/office/drawing/2010/main" xmlns="" w="9525">
                 <a:solidFill>
                   <a:schemeClr val="tx1"/>
                 </a:solidFill>
@@ -22448,7 +23144,7 @@
               </a14:hiddenLine>
             </a:ext>
             <a:ext uri="{AF507438-7753-43e0-B8FC-AC1667EBCBE1}">
-              <a14:hiddenEffects xmlns="" xmlns:a14="http://schemas.microsoft.com/office/drawing/2010/main">
+              <a14:hiddenEffects xmlns:a14="http://schemas.microsoft.com/office/drawing/2010/main" xmlns="">
                 <a:effectLst>
                   <a:outerShdw blurRad="63500" dist="38099" dir="2700000" algn="ctr" rotWithShape="0">
                     <a:schemeClr val="bg2">
@@ -22505,14 +23201,14 @@
           <a:effectLst/>
           <a:extLst>
             <a:ext uri="{909E8E84-426E-40dd-AFC4-6F175D3DCCD1}">
-              <a14:hiddenFill xmlns="" xmlns:a14="http://schemas.microsoft.com/office/drawing/2010/main">
+              <a14:hiddenFill xmlns:a14="http://schemas.microsoft.com/office/drawing/2010/main" xmlns="">
                 <a:solidFill>
                   <a:schemeClr val="accent1"/>
                 </a:solidFill>
               </a14:hiddenFill>
             </a:ext>
             <a:ext uri="{91240B29-F687-4f45-9708-019B960494DF}">
-              <a14:hiddenLine xmlns="" xmlns:a14="http://schemas.microsoft.com/office/drawing/2010/main" w="9525">
+              <a14:hiddenLine xmlns:a14="http://schemas.microsoft.com/office/drawing/2010/main" xmlns="" w="9525">
                 <a:solidFill>
                   <a:schemeClr val="tx1"/>
                 </a:solidFill>
@@ -22522,7 +23218,7 @@
               </a14:hiddenLine>
             </a:ext>
             <a:ext uri="{AF507438-7753-43e0-B8FC-AC1667EBCBE1}">
-              <a14:hiddenEffects xmlns="" xmlns:a14="http://schemas.microsoft.com/office/drawing/2010/main">
+              <a14:hiddenEffects xmlns:a14="http://schemas.microsoft.com/office/drawing/2010/main" xmlns="">
                 <a:effectLst>
                   <a:outerShdw blurRad="63500" dist="38099" dir="2700000" algn="ctr" rotWithShape="0">
                     <a:schemeClr val="bg2">
@@ -22608,14 +23304,14 @@
           </a:ln>
           <a:extLst>
             <a:ext uri="{909E8E84-426E-40dd-AFC4-6F175D3DCCD1}">
-              <a14:hiddenFill xmlns="" xmlns:a14="http://schemas.microsoft.com/office/drawing/2010/main">
+              <a14:hiddenFill xmlns:a14="http://schemas.microsoft.com/office/drawing/2010/main" xmlns="">
                 <a:solidFill>
                   <a:srgbClr val="FFFFFF"/>
                 </a:solidFill>
               </a14:hiddenFill>
             </a:ext>
             <a:ext uri="{91240B29-F687-4f45-9708-019B960494DF}">
-              <a14:hiddenLine xmlns="" xmlns:a14="http://schemas.microsoft.com/office/drawing/2010/main" w="9525">
+              <a14:hiddenLine xmlns:a14="http://schemas.microsoft.com/office/drawing/2010/main" xmlns="" w="9525">
                 <a:solidFill>
                   <a:srgbClr val="000000"/>
                 </a:solidFill>
@@ -22701,7 +23397,7 @@
           <a:effectLst/>
           <a:extLst>
             <a:ext uri="{91240B29-F687-4f45-9708-019B960494DF}">
-              <a14:hiddenLine xmlns="" xmlns:a14="http://schemas.microsoft.com/office/drawing/2010/main" w="0">
+              <a14:hiddenLine xmlns:a14="http://schemas.microsoft.com/office/drawing/2010/main" xmlns="" w="0">
                 <a:solidFill>
                   <a:srgbClr val="000000"/>
                 </a:solidFill>
@@ -22711,7 +23407,7 @@
               </a14:hiddenLine>
             </a:ext>
             <a:ext uri="{AF507438-7753-43e0-B8FC-AC1667EBCBE1}">
-              <a14:hiddenEffects xmlns="" xmlns:a14="http://schemas.microsoft.com/office/drawing/2010/main">
+              <a14:hiddenEffects xmlns:a14="http://schemas.microsoft.com/office/drawing/2010/main" xmlns="">
                 <a:effectLst>
                   <a:outerShdw blurRad="63500" dist="38099" dir="2700000" algn="ctr" rotWithShape="0">
                     <a:srgbClr val="000000">
@@ -22772,7 +23468,7 @@
           <a:effectLst/>
           <a:extLst>
             <a:ext uri="{91240B29-F687-4f45-9708-019B960494DF}">
-              <a14:hiddenLine xmlns="" xmlns:a14="http://schemas.microsoft.com/office/drawing/2010/main" w="0">
+              <a14:hiddenLine xmlns:a14="http://schemas.microsoft.com/office/drawing/2010/main" xmlns="" w="0">
                 <a:solidFill>
                   <a:srgbClr val="000000"/>
                 </a:solidFill>
@@ -22782,7 +23478,7 @@
               </a14:hiddenLine>
             </a:ext>
             <a:ext uri="{AF507438-7753-43e0-B8FC-AC1667EBCBE1}">
-              <a14:hiddenEffects xmlns="" xmlns:a14="http://schemas.microsoft.com/office/drawing/2010/main">
+              <a14:hiddenEffects xmlns:a14="http://schemas.microsoft.com/office/drawing/2010/main" xmlns="">
                 <a:effectLst>
                   <a:outerShdw blurRad="63500" dist="38099" dir="2700000" algn="ctr" rotWithShape="0">
                     <a:srgbClr val="000000">
@@ -22843,7 +23539,7 @@
           <a:effectLst/>
           <a:extLst>
             <a:ext uri="{91240B29-F687-4f45-9708-019B960494DF}">
-              <a14:hiddenLine xmlns="" xmlns:a14="http://schemas.microsoft.com/office/drawing/2010/main" w="0">
+              <a14:hiddenLine xmlns:a14="http://schemas.microsoft.com/office/drawing/2010/main" xmlns="" w="0">
                 <a:solidFill>
                   <a:srgbClr val="000000"/>
                 </a:solidFill>
@@ -22853,7 +23549,7 @@
               </a14:hiddenLine>
             </a:ext>
             <a:ext uri="{AF507438-7753-43e0-B8FC-AC1667EBCBE1}">
-              <a14:hiddenEffects xmlns="" xmlns:a14="http://schemas.microsoft.com/office/drawing/2010/main">
+              <a14:hiddenEffects xmlns:a14="http://schemas.microsoft.com/office/drawing/2010/main" xmlns="">
                 <a:effectLst>
                   <a:outerShdw blurRad="63500" dist="38099" dir="2700000" algn="ctr" rotWithShape="0">
                     <a:srgbClr val="000000">
@@ -22914,7 +23610,7 @@
           <a:effectLst/>
           <a:extLst>
             <a:ext uri="{91240B29-F687-4f45-9708-019B960494DF}">
-              <a14:hiddenLine xmlns="" xmlns:a14="http://schemas.microsoft.com/office/drawing/2010/main" w="0">
+              <a14:hiddenLine xmlns:a14="http://schemas.microsoft.com/office/drawing/2010/main" xmlns="" w="0">
                 <a:solidFill>
                   <a:srgbClr val="000000"/>
                 </a:solidFill>
@@ -22924,7 +23620,7 @@
               </a14:hiddenLine>
             </a:ext>
             <a:ext uri="{AF507438-7753-43e0-B8FC-AC1667EBCBE1}">
-              <a14:hiddenEffects xmlns="" xmlns:a14="http://schemas.microsoft.com/office/drawing/2010/main">
+              <a14:hiddenEffects xmlns:a14="http://schemas.microsoft.com/office/drawing/2010/main" xmlns="">
                 <a:effectLst>
                   <a:outerShdw blurRad="63500" dist="38099" dir="2700000" algn="ctr" rotWithShape="0">
                     <a:srgbClr val="000000">
@@ -22985,7 +23681,7 @@
           <a:effectLst/>
           <a:extLst>
             <a:ext uri="{91240B29-F687-4f45-9708-019B960494DF}">
-              <a14:hiddenLine xmlns="" xmlns:a14="http://schemas.microsoft.com/office/drawing/2010/main" w="0">
+              <a14:hiddenLine xmlns:a14="http://schemas.microsoft.com/office/drawing/2010/main" xmlns="" w="0">
                 <a:solidFill>
                   <a:srgbClr val="000000"/>
                 </a:solidFill>
@@ -22995,7 +23691,7 @@
               </a14:hiddenLine>
             </a:ext>
             <a:ext uri="{AF507438-7753-43e0-B8FC-AC1667EBCBE1}">
-              <a14:hiddenEffects xmlns="" xmlns:a14="http://schemas.microsoft.com/office/drawing/2010/main">
+              <a14:hiddenEffects xmlns:a14="http://schemas.microsoft.com/office/drawing/2010/main" xmlns="">
                 <a:effectLst>
                   <a:outerShdw blurRad="63500" dist="38099" dir="2700000" algn="ctr" rotWithShape="0">
                     <a:srgbClr val="000000">
@@ -23056,7 +23752,7 @@
           <a:effectLst/>
           <a:extLst>
             <a:ext uri="{91240B29-F687-4f45-9708-019B960494DF}">
-              <a14:hiddenLine xmlns="" xmlns:a14="http://schemas.microsoft.com/office/drawing/2010/main" w="0">
+              <a14:hiddenLine xmlns:a14="http://schemas.microsoft.com/office/drawing/2010/main" xmlns="" w="0">
                 <a:solidFill>
                   <a:srgbClr val="000000"/>
                 </a:solidFill>
@@ -23066,7 +23762,7 @@
               </a14:hiddenLine>
             </a:ext>
             <a:ext uri="{AF507438-7753-43e0-B8FC-AC1667EBCBE1}">
-              <a14:hiddenEffects xmlns="" xmlns:a14="http://schemas.microsoft.com/office/drawing/2010/main">
+              <a14:hiddenEffects xmlns:a14="http://schemas.microsoft.com/office/drawing/2010/main" xmlns="">
                 <a:effectLst>
                   <a:outerShdw blurRad="63500" dist="38099" dir="2700000" algn="ctr" rotWithShape="0">
                     <a:srgbClr val="000000">
@@ -23114,14 +23810,14 @@
           <a:effectLst/>
           <a:extLst>
             <a:ext uri="{909E8E84-426E-40dd-AFC4-6F175D3DCCD1}">
-              <a14:hiddenFill xmlns="" xmlns:a14="http://schemas.microsoft.com/office/drawing/2010/main">
+              <a14:hiddenFill xmlns:a14="http://schemas.microsoft.com/office/drawing/2010/main" xmlns="">
                 <a:solidFill>
                   <a:schemeClr val="bg2"/>
                 </a:solidFill>
               </a14:hiddenFill>
             </a:ext>
             <a:ext uri="{AF507438-7753-43e0-B8FC-AC1667EBCBE1}">
-              <a14:hiddenEffects xmlns="" xmlns:a14="http://schemas.microsoft.com/office/drawing/2010/main">
+              <a14:hiddenEffects xmlns:a14="http://schemas.microsoft.com/office/drawing/2010/main" xmlns="">
                 <a:effectLst>
                   <a:outerShdw blurRad="63500" dist="109250" dir="3267739" algn="ctr" rotWithShape="0">
                     <a:srgbClr val="000000">
@@ -23203,7 +23899,7 @@
             <a:effectLst/>
             <a:extLst>
               <a:ext uri="{91240B29-F687-4f45-9708-019B960494DF}">
-                <a14:hiddenLine xmlns="" xmlns:a14="http://schemas.microsoft.com/office/drawing/2010/main" w="38100">
+                <a14:hiddenLine xmlns:a14="http://schemas.microsoft.com/office/drawing/2010/main" xmlns="" w="38100">
                   <a:solidFill>
                     <a:schemeClr val="bg1"/>
                   </a:solidFill>
@@ -23213,7 +23909,7 @@
                 </a14:hiddenLine>
               </a:ext>
               <a:ext uri="{AF507438-7753-43e0-B8FC-AC1667EBCBE1}">
-                <a14:hiddenEffects xmlns="" xmlns:a14="http://schemas.microsoft.com/office/drawing/2010/main">
+                <a14:hiddenEffects xmlns:a14="http://schemas.microsoft.com/office/drawing/2010/main" xmlns="">
                   <a:effectLst>
                     <a:outerShdw blurRad="63500" dist="109250" dir="3267739" algn="ctr" rotWithShape="0">
                       <a:srgbClr val="000000">
@@ -23279,7 +23975,7 @@
             <a:effectLst/>
             <a:extLst>
               <a:ext uri="{91240B29-F687-4f45-9708-019B960494DF}">
-                <a14:hiddenLine xmlns="" xmlns:a14="http://schemas.microsoft.com/office/drawing/2010/main" w="38100">
+                <a14:hiddenLine xmlns:a14="http://schemas.microsoft.com/office/drawing/2010/main" xmlns="" w="38100">
                   <a:solidFill>
                     <a:schemeClr val="bg1"/>
                   </a:solidFill>
@@ -23289,7 +23985,7 @@
                 </a14:hiddenLine>
               </a:ext>
               <a:ext uri="{AF507438-7753-43e0-B8FC-AC1667EBCBE1}">
-                <a14:hiddenEffects xmlns="" xmlns:a14="http://schemas.microsoft.com/office/drawing/2010/main">
+                <a14:hiddenEffects xmlns:a14="http://schemas.microsoft.com/office/drawing/2010/main" xmlns="">
                   <a:effectLst>
                     <a:outerShdw blurRad="63500" dist="109250" dir="3267739" algn="ctr" rotWithShape="0">
                       <a:srgbClr val="000000">
@@ -23350,7 +24046,7 @@
             <a:effectLst/>
             <a:extLst>
               <a:ext uri="{91240B29-F687-4f45-9708-019B960494DF}">
-                <a14:hiddenLine xmlns="" xmlns:a14="http://schemas.microsoft.com/office/drawing/2010/main" w="38100">
+                <a14:hiddenLine xmlns:a14="http://schemas.microsoft.com/office/drawing/2010/main" xmlns="" w="38100">
                   <a:solidFill>
                     <a:schemeClr val="bg1"/>
                   </a:solidFill>
@@ -23360,7 +24056,7 @@
                 </a14:hiddenLine>
               </a:ext>
               <a:ext uri="{AF507438-7753-43e0-B8FC-AC1667EBCBE1}">
-                <a14:hiddenEffects xmlns="" xmlns:a14="http://schemas.microsoft.com/office/drawing/2010/main">
+                <a14:hiddenEffects xmlns:a14="http://schemas.microsoft.com/office/drawing/2010/main" xmlns="">
                   <a:effectLst>
                     <a:outerShdw blurRad="63500" dist="109250" dir="3267739" algn="ctr" rotWithShape="0">
                       <a:srgbClr val="000000">
@@ -23407,7 +24103,7 @@
             <a:effectLst/>
             <a:extLst>
               <a:ext uri="{91240B29-F687-4f45-9708-019B960494DF}">
-                <a14:hiddenLine xmlns="" xmlns:a14="http://schemas.microsoft.com/office/drawing/2010/main" w="38100">
+                <a14:hiddenLine xmlns:a14="http://schemas.microsoft.com/office/drawing/2010/main" xmlns="" w="38100">
                   <a:solidFill>
                     <a:schemeClr val="bg1"/>
                   </a:solidFill>
@@ -23417,7 +24113,7 @@
                 </a14:hiddenLine>
               </a:ext>
               <a:ext uri="{AF507438-7753-43e0-B8FC-AC1667EBCBE1}">
-                <a14:hiddenEffects xmlns="" xmlns:a14="http://schemas.microsoft.com/office/drawing/2010/main">
+                <a14:hiddenEffects xmlns:a14="http://schemas.microsoft.com/office/drawing/2010/main" xmlns="">
                   <a:effectLst>
                     <a:outerShdw blurRad="63500" dist="109250" dir="3267739" algn="ctr" rotWithShape="0">
                       <a:srgbClr val="000000">
@@ -23492,7 +24188,7 @@
               <a:effectLst/>
               <a:extLst>
                 <a:ext uri="{91240B29-F687-4f45-9708-019B960494DF}">
-                  <a14:hiddenLine xmlns="" xmlns:a14="http://schemas.microsoft.com/office/drawing/2010/main" w="9525">
+                  <a14:hiddenLine xmlns:a14="http://schemas.microsoft.com/office/drawing/2010/main" xmlns="" w="9525">
                     <a:solidFill>
                       <a:schemeClr val="tx1"/>
                     </a:solidFill>
@@ -23502,7 +24198,7 @@
                   </a14:hiddenLine>
                 </a:ext>
                 <a:ext uri="{AF507438-7753-43e0-B8FC-AC1667EBCBE1}">
-                  <a14:hiddenEffects xmlns="" xmlns:a14="http://schemas.microsoft.com/office/drawing/2010/main">
+                  <a14:hiddenEffects xmlns:a14="http://schemas.microsoft.com/office/drawing/2010/main" xmlns="">
                     <a:effectLst>
                       <a:outerShdw blurRad="63500" dist="38099" dir="2700000" algn="ctr" rotWithShape="0">
                         <a:schemeClr val="bg2">
@@ -23561,7 +24257,7 @@
               <a:effectLst/>
               <a:extLst>
                 <a:ext uri="{91240B29-F687-4f45-9708-019B960494DF}">
-                  <a14:hiddenLine xmlns="" xmlns:a14="http://schemas.microsoft.com/office/drawing/2010/main" w="9525">
+                  <a14:hiddenLine xmlns:a14="http://schemas.microsoft.com/office/drawing/2010/main" xmlns="" w="9525">
                     <a:solidFill>
                       <a:schemeClr val="tx1"/>
                     </a:solidFill>
@@ -23571,7 +24267,7 @@
                   </a14:hiddenLine>
                 </a:ext>
                 <a:ext uri="{AF507438-7753-43e0-B8FC-AC1667EBCBE1}">
-                  <a14:hiddenEffects xmlns="" xmlns:a14="http://schemas.microsoft.com/office/drawing/2010/main">
+                  <a14:hiddenEffects xmlns:a14="http://schemas.microsoft.com/office/drawing/2010/main" xmlns="">
                     <a:effectLst>
                       <a:outerShdw blurRad="63500" dist="38099" dir="2700000" algn="ctr" rotWithShape="0">
                         <a:schemeClr val="bg2">
@@ -23630,7 +24326,7 @@
               <a:effectLst/>
               <a:extLst>
                 <a:ext uri="{91240B29-F687-4f45-9708-019B960494DF}">
-                  <a14:hiddenLine xmlns="" xmlns:a14="http://schemas.microsoft.com/office/drawing/2010/main" w="9525">
+                  <a14:hiddenLine xmlns:a14="http://schemas.microsoft.com/office/drawing/2010/main" xmlns="" w="9525">
                     <a:solidFill>
                       <a:schemeClr val="tx1"/>
                     </a:solidFill>
@@ -23640,7 +24336,7 @@
                   </a14:hiddenLine>
                 </a:ext>
                 <a:ext uri="{AF507438-7753-43e0-B8FC-AC1667EBCBE1}">
-                  <a14:hiddenEffects xmlns="" xmlns:a14="http://schemas.microsoft.com/office/drawing/2010/main">
+                  <a14:hiddenEffects xmlns:a14="http://schemas.microsoft.com/office/drawing/2010/main" xmlns="">
                     <a:effectLst>
                       <a:outerShdw blurRad="63500" dist="38099" dir="2700000" algn="ctr" rotWithShape="0">
                         <a:schemeClr val="bg2">
@@ -23699,7 +24395,7 @@
               <a:effectLst/>
               <a:extLst>
                 <a:ext uri="{91240B29-F687-4f45-9708-019B960494DF}">
-                  <a14:hiddenLine xmlns="" xmlns:a14="http://schemas.microsoft.com/office/drawing/2010/main" w="9525">
+                  <a14:hiddenLine xmlns:a14="http://schemas.microsoft.com/office/drawing/2010/main" xmlns="" w="9525">
                     <a:solidFill>
                       <a:schemeClr val="tx1"/>
                     </a:solidFill>
@@ -23709,7 +24405,7 @@
                   </a14:hiddenLine>
                 </a:ext>
                 <a:ext uri="{AF507438-7753-43e0-B8FC-AC1667EBCBE1}">
-                  <a14:hiddenEffects xmlns="" xmlns:a14="http://schemas.microsoft.com/office/drawing/2010/main">
+                  <a14:hiddenEffects xmlns:a14="http://schemas.microsoft.com/office/drawing/2010/main" xmlns="">
                     <a:effectLst>
                       <a:outerShdw blurRad="63500" dist="38099" dir="2700000" algn="ctr" rotWithShape="0">
                         <a:schemeClr val="bg2">
@@ -23753,14 +24449,14 @@
             <a:effectLst/>
             <a:extLst>
               <a:ext uri="{909E8E84-426E-40dd-AFC4-6F175D3DCCD1}">
-                <a14:hiddenFill xmlns="" xmlns:a14="http://schemas.microsoft.com/office/drawing/2010/main">
+                <a14:hiddenFill xmlns:a14="http://schemas.microsoft.com/office/drawing/2010/main" xmlns="">
                   <a:solidFill>
                     <a:schemeClr val="accent1"/>
                   </a:solidFill>
                 </a14:hiddenFill>
               </a:ext>
               <a:ext uri="{91240B29-F687-4f45-9708-019B960494DF}">
-                <a14:hiddenLine xmlns="" xmlns:a14="http://schemas.microsoft.com/office/drawing/2010/main" w="9525">
+                <a14:hiddenLine xmlns:a14="http://schemas.microsoft.com/office/drawing/2010/main" xmlns="" w="9525">
                   <a:solidFill>
                     <a:schemeClr val="tx1"/>
                   </a:solidFill>
@@ -23770,7 +24466,7 @@
                 </a14:hiddenLine>
               </a:ext>
               <a:ext uri="{AF507438-7753-43e0-B8FC-AC1667EBCBE1}">
-                <a14:hiddenEffects xmlns="" xmlns:a14="http://schemas.microsoft.com/office/drawing/2010/main">
+                <a14:hiddenEffects xmlns:a14="http://schemas.microsoft.com/office/drawing/2010/main" xmlns="">
                   <a:effectLst>
                     <a:outerShdw blurRad="63500" dist="38099" dir="2700000" algn="ctr" rotWithShape="0">
                       <a:schemeClr val="bg2">
@@ -24145,7 +24841,7 @@
           <a:effectLst/>
           <a:extLst>
             <a:ext uri="{91240B29-F687-4f45-9708-019B960494DF}">
-              <a14:hiddenLine xmlns="" xmlns:a14="http://schemas.microsoft.com/office/drawing/2010/main" w="0">
+              <a14:hiddenLine xmlns:a14="http://schemas.microsoft.com/office/drawing/2010/main" xmlns="" w="0">
                 <a:solidFill>
                   <a:srgbClr val="000000"/>
                 </a:solidFill>
@@ -24155,7 +24851,7 @@
               </a14:hiddenLine>
             </a:ext>
             <a:ext uri="{AF507438-7753-43e0-B8FC-AC1667EBCBE1}">
-              <a14:hiddenEffects xmlns="" xmlns:a14="http://schemas.microsoft.com/office/drawing/2010/main">
+              <a14:hiddenEffects xmlns:a14="http://schemas.microsoft.com/office/drawing/2010/main" xmlns="">
                 <a:effectLst>
                   <a:outerShdw blurRad="63500" dist="38099" dir="2700000" algn="ctr" rotWithShape="0">
                     <a:srgbClr val="000000">
@@ -24314,7 +25010,7 @@
           <a:effectLst/>
           <a:extLst>
             <a:ext uri="{91240B29-F687-4f45-9708-019B960494DF}">
-              <a14:hiddenLine xmlns="" xmlns:a14="http://schemas.microsoft.com/office/drawing/2010/main" w="0">
+              <a14:hiddenLine xmlns:a14="http://schemas.microsoft.com/office/drawing/2010/main" xmlns="" w="0">
                 <a:solidFill>
                   <a:srgbClr val="000000"/>
                 </a:solidFill>
@@ -24324,7 +25020,7 @@
               </a14:hiddenLine>
             </a:ext>
             <a:ext uri="{AF507438-7753-43e0-B8FC-AC1667EBCBE1}">
-              <a14:hiddenEffects xmlns="" xmlns:a14="http://schemas.microsoft.com/office/drawing/2010/main">
+              <a14:hiddenEffects xmlns:a14="http://schemas.microsoft.com/office/drawing/2010/main" xmlns="">
                 <a:effectLst>
                   <a:outerShdw blurRad="63500" dist="38099" dir="2700000" algn="ctr" rotWithShape="0">
                     <a:srgbClr val="000000">
@@ -24396,14 +25092,14 @@
           </a:ln>
           <a:extLst>
             <a:ext uri="{909E8E84-426E-40dd-AFC4-6F175D3DCCD1}">
-              <a14:hiddenFill xmlns="" xmlns:a14="http://schemas.microsoft.com/office/drawing/2010/main">
+              <a14:hiddenFill xmlns:a14="http://schemas.microsoft.com/office/drawing/2010/main" xmlns="">
                 <a:solidFill>
                   <a:srgbClr val="FFFFFF"/>
                 </a:solidFill>
               </a14:hiddenFill>
             </a:ext>
             <a:ext uri="{91240B29-F687-4f45-9708-019B960494DF}">
-              <a14:hiddenLine xmlns="" xmlns:a14="http://schemas.microsoft.com/office/drawing/2010/main" w="9525">
+              <a14:hiddenLine xmlns:a14="http://schemas.microsoft.com/office/drawing/2010/main" xmlns="" w="9525">
                 <a:solidFill>
                   <a:srgbClr val="000000"/>
                 </a:solidFill>
@@ -24557,7 +25253,7 @@
             <a:effectLst/>
             <a:extLst>
               <a:ext uri="{91240B29-F687-4f45-9708-019B960494DF}">
-                <a14:hiddenLine xmlns="" xmlns:a14="http://schemas.microsoft.com/office/drawing/2010/main" w="12700" cap="rnd" cmpd="sng">
+                <a14:hiddenLine xmlns:a14="http://schemas.microsoft.com/office/drawing/2010/main" xmlns="" w="12700" cap="rnd" cmpd="sng">
                   <a:solidFill>
                     <a:srgbClr val="000000"/>
                   </a:solidFill>
@@ -24568,7 +25264,7 @@
                 </a14:hiddenLine>
               </a:ext>
               <a:ext uri="{AF507438-7753-43e0-B8FC-AC1667EBCBE1}">
-                <a14:hiddenEffects xmlns="" xmlns:a14="http://schemas.microsoft.com/office/drawing/2010/main">
+                <a14:hiddenEffects xmlns:a14="http://schemas.microsoft.com/office/drawing/2010/main" xmlns="">
                   <a:effectLst>
                     <a:outerShdw blurRad="63500" dist="38099" dir="2700000" algn="ctr" rotWithShape="0">
                       <a:schemeClr val="bg2">
@@ -24675,7 +25371,7 @@
             <a:effectLst/>
             <a:extLst>
               <a:ext uri="{91240B29-F687-4f45-9708-019B960494DF}">
-                <a14:hiddenLine xmlns="" xmlns:a14="http://schemas.microsoft.com/office/drawing/2010/main" w="12700" cap="rnd" cmpd="sng">
+                <a14:hiddenLine xmlns:a14="http://schemas.microsoft.com/office/drawing/2010/main" xmlns="" w="12700" cap="rnd" cmpd="sng">
                   <a:solidFill>
                     <a:srgbClr val="000000"/>
                   </a:solidFill>
@@ -24686,7 +25382,7 @@
                 </a14:hiddenLine>
               </a:ext>
               <a:ext uri="{AF507438-7753-43e0-B8FC-AC1667EBCBE1}">
-                <a14:hiddenEffects xmlns="" xmlns:a14="http://schemas.microsoft.com/office/drawing/2010/main">
+                <a14:hiddenEffects xmlns:a14="http://schemas.microsoft.com/office/drawing/2010/main" xmlns="">
                   <a:effectLst>
                     <a:outerShdw blurRad="63500" dist="38099" dir="2700000" algn="ctr" rotWithShape="0">
                       <a:schemeClr val="bg2">
@@ -24793,7 +25489,7 @@
             <a:effectLst/>
             <a:extLst>
               <a:ext uri="{91240B29-F687-4f45-9708-019B960494DF}">
-                <a14:hiddenLine xmlns="" xmlns:a14="http://schemas.microsoft.com/office/drawing/2010/main" w="12700" cap="rnd" cmpd="sng">
+                <a14:hiddenLine xmlns:a14="http://schemas.microsoft.com/office/drawing/2010/main" xmlns="" w="12700" cap="rnd" cmpd="sng">
                   <a:solidFill>
                     <a:srgbClr val="000000"/>
                   </a:solidFill>
@@ -24804,7 +25500,7 @@
                 </a14:hiddenLine>
               </a:ext>
               <a:ext uri="{AF507438-7753-43e0-B8FC-AC1667EBCBE1}">
-                <a14:hiddenEffects xmlns="" xmlns:a14="http://schemas.microsoft.com/office/drawing/2010/main">
+                <a14:hiddenEffects xmlns:a14="http://schemas.microsoft.com/office/drawing/2010/main" xmlns="">
                   <a:effectLst>
                     <a:outerShdw blurRad="63500" dist="38099" dir="2700000" algn="ctr" rotWithShape="0">
                       <a:schemeClr val="bg2">
@@ -24911,7 +25607,7 @@
             <a:effectLst/>
             <a:extLst>
               <a:ext uri="{91240B29-F687-4f45-9708-019B960494DF}">
-                <a14:hiddenLine xmlns="" xmlns:a14="http://schemas.microsoft.com/office/drawing/2010/main" w="12700" cap="rnd" cmpd="sng">
+                <a14:hiddenLine xmlns:a14="http://schemas.microsoft.com/office/drawing/2010/main" xmlns="" w="12700" cap="rnd" cmpd="sng">
                   <a:solidFill>
                     <a:srgbClr val="000000"/>
                   </a:solidFill>
@@ -24922,7 +25618,7 @@
                 </a14:hiddenLine>
               </a:ext>
               <a:ext uri="{AF507438-7753-43e0-B8FC-AC1667EBCBE1}">
-                <a14:hiddenEffects xmlns="" xmlns:a14="http://schemas.microsoft.com/office/drawing/2010/main">
+                <a14:hiddenEffects xmlns:a14="http://schemas.microsoft.com/office/drawing/2010/main" xmlns="">
                   <a:effectLst>
                     <a:outerShdw blurRad="63500" dist="38099" dir="2700000" algn="ctr" rotWithShape="0">
                       <a:schemeClr val="bg2">
@@ -25029,7 +25725,7 @@
             <a:effectLst/>
             <a:extLst>
               <a:ext uri="{91240B29-F687-4f45-9708-019B960494DF}">
-                <a14:hiddenLine xmlns="" xmlns:a14="http://schemas.microsoft.com/office/drawing/2010/main" w="12700" cap="rnd" cmpd="sng">
+                <a14:hiddenLine xmlns:a14="http://schemas.microsoft.com/office/drawing/2010/main" xmlns="" w="12700" cap="rnd" cmpd="sng">
                   <a:solidFill>
                     <a:srgbClr val="000000"/>
                   </a:solidFill>
@@ -25040,7 +25736,7 @@
                 </a14:hiddenLine>
               </a:ext>
               <a:ext uri="{AF507438-7753-43e0-B8FC-AC1667EBCBE1}">
-                <a14:hiddenEffects xmlns="" xmlns:a14="http://schemas.microsoft.com/office/drawing/2010/main">
+                <a14:hiddenEffects xmlns:a14="http://schemas.microsoft.com/office/drawing/2010/main" xmlns="">
                   <a:effectLst>
                     <a:outerShdw blurRad="63500" dist="38099" dir="2700000" algn="ctr" rotWithShape="0">
                       <a:schemeClr val="bg2">
@@ -25147,7 +25843,7 @@
             <a:effectLst/>
             <a:extLst>
               <a:ext uri="{91240B29-F687-4f45-9708-019B960494DF}">
-                <a14:hiddenLine xmlns="" xmlns:a14="http://schemas.microsoft.com/office/drawing/2010/main" w="12700" cap="rnd" cmpd="sng">
+                <a14:hiddenLine xmlns:a14="http://schemas.microsoft.com/office/drawing/2010/main" xmlns="" w="12700" cap="rnd" cmpd="sng">
                   <a:solidFill>
                     <a:srgbClr val="000000"/>
                   </a:solidFill>
@@ -25158,7 +25854,7 @@
                 </a14:hiddenLine>
               </a:ext>
               <a:ext uri="{AF507438-7753-43e0-B8FC-AC1667EBCBE1}">
-                <a14:hiddenEffects xmlns="" xmlns:a14="http://schemas.microsoft.com/office/drawing/2010/main">
+                <a14:hiddenEffects xmlns:a14="http://schemas.microsoft.com/office/drawing/2010/main" xmlns="">
                   <a:effectLst>
                     <a:outerShdw blurRad="63500" dist="38099" dir="2700000" algn="ctr" rotWithShape="0">
                       <a:schemeClr val="bg2">
@@ -25265,7 +25961,7 @@
             <a:effectLst/>
             <a:extLst>
               <a:ext uri="{91240B29-F687-4f45-9708-019B960494DF}">
-                <a14:hiddenLine xmlns="" xmlns:a14="http://schemas.microsoft.com/office/drawing/2010/main" w="12700" cap="rnd" cmpd="sng">
+                <a14:hiddenLine xmlns:a14="http://schemas.microsoft.com/office/drawing/2010/main" xmlns="" w="12700" cap="rnd" cmpd="sng">
                   <a:solidFill>
                     <a:srgbClr val="000000"/>
                   </a:solidFill>
@@ -25276,7 +25972,7 @@
                 </a14:hiddenLine>
               </a:ext>
               <a:ext uri="{AF507438-7753-43e0-B8FC-AC1667EBCBE1}">
-                <a14:hiddenEffects xmlns="" xmlns:a14="http://schemas.microsoft.com/office/drawing/2010/main">
+                <a14:hiddenEffects xmlns:a14="http://schemas.microsoft.com/office/drawing/2010/main" xmlns="">
                   <a:effectLst>
                     <a:outerShdw blurRad="63500" dist="38099" dir="2700000" algn="ctr" rotWithShape="0">
                       <a:schemeClr val="bg2">
@@ -25383,7 +26079,7 @@
             <a:effectLst/>
             <a:extLst>
               <a:ext uri="{91240B29-F687-4f45-9708-019B960494DF}">
-                <a14:hiddenLine xmlns="" xmlns:a14="http://schemas.microsoft.com/office/drawing/2010/main" w="12700" cap="rnd" cmpd="sng">
+                <a14:hiddenLine xmlns:a14="http://schemas.microsoft.com/office/drawing/2010/main" xmlns="" w="12700" cap="rnd" cmpd="sng">
                   <a:solidFill>
                     <a:srgbClr val="000000"/>
                   </a:solidFill>
@@ -25394,7 +26090,7 @@
                 </a14:hiddenLine>
               </a:ext>
               <a:ext uri="{AF507438-7753-43e0-B8FC-AC1667EBCBE1}">
-                <a14:hiddenEffects xmlns="" xmlns:a14="http://schemas.microsoft.com/office/drawing/2010/main">
+                <a14:hiddenEffects xmlns:a14="http://schemas.microsoft.com/office/drawing/2010/main" xmlns="">
                   <a:effectLst>
                     <a:outerShdw blurRad="63500" dist="38099" dir="2700000" algn="ctr" rotWithShape="0">
                       <a:schemeClr val="bg2">
@@ -25501,7 +26197,7 @@
             <a:effectLst/>
             <a:extLst>
               <a:ext uri="{91240B29-F687-4f45-9708-019B960494DF}">
-                <a14:hiddenLine xmlns="" xmlns:a14="http://schemas.microsoft.com/office/drawing/2010/main" w="12700" cap="rnd" cmpd="sng">
+                <a14:hiddenLine xmlns:a14="http://schemas.microsoft.com/office/drawing/2010/main" xmlns="" w="12700" cap="rnd" cmpd="sng">
                   <a:solidFill>
                     <a:srgbClr val="000000"/>
                   </a:solidFill>
@@ -25512,7 +26208,7 @@
                 </a14:hiddenLine>
               </a:ext>
               <a:ext uri="{AF507438-7753-43e0-B8FC-AC1667EBCBE1}">
-                <a14:hiddenEffects xmlns="" xmlns:a14="http://schemas.microsoft.com/office/drawing/2010/main">
+                <a14:hiddenEffects xmlns:a14="http://schemas.microsoft.com/office/drawing/2010/main" xmlns="">
                   <a:effectLst>
                     <a:outerShdw blurRad="63500" dist="38099" dir="2700000" algn="ctr" rotWithShape="0">
                       <a:schemeClr val="bg2">
@@ -25619,7 +26315,7 @@
             <a:effectLst/>
             <a:extLst>
               <a:ext uri="{91240B29-F687-4f45-9708-019B960494DF}">
-                <a14:hiddenLine xmlns="" xmlns:a14="http://schemas.microsoft.com/office/drawing/2010/main" w="12700" cap="rnd" cmpd="sng">
+                <a14:hiddenLine xmlns:a14="http://schemas.microsoft.com/office/drawing/2010/main" xmlns="" w="12700" cap="rnd" cmpd="sng">
                   <a:solidFill>
                     <a:srgbClr val="000000"/>
                   </a:solidFill>
@@ -25630,7 +26326,7 @@
                 </a14:hiddenLine>
               </a:ext>
               <a:ext uri="{AF507438-7753-43e0-B8FC-AC1667EBCBE1}">
-                <a14:hiddenEffects xmlns="" xmlns:a14="http://schemas.microsoft.com/office/drawing/2010/main">
+                <a14:hiddenEffects xmlns:a14="http://schemas.microsoft.com/office/drawing/2010/main" xmlns="">
                   <a:effectLst>
                     <a:outerShdw blurRad="63500" dist="38099" dir="2700000" algn="ctr" rotWithShape="0">
                       <a:schemeClr val="bg2">
@@ -25737,7 +26433,7 @@
             <a:effectLst/>
             <a:extLst>
               <a:ext uri="{91240B29-F687-4f45-9708-019B960494DF}">
-                <a14:hiddenLine xmlns="" xmlns:a14="http://schemas.microsoft.com/office/drawing/2010/main" w="12700" cap="rnd" cmpd="sng">
+                <a14:hiddenLine xmlns:a14="http://schemas.microsoft.com/office/drawing/2010/main" xmlns="" w="12700" cap="rnd" cmpd="sng">
                   <a:solidFill>
                     <a:srgbClr val="000000"/>
                   </a:solidFill>
@@ -25748,7 +26444,7 @@
                 </a14:hiddenLine>
               </a:ext>
               <a:ext uri="{AF507438-7753-43e0-B8FC-AC1667EBCBE1}">
-                <a14:hiddenEffects xmlns="" xmlns:a14="http://schemas.microsoft.com/office/drawing/2010/main">
+                <a14:hiddenEffects xmlns:a14="http://schemas.microsoft.com/office/drawing/2010/main" xmlns="">
                   <a:effectLst>
                     <a:outerShdw blurRad="63500" dist="38099" dir="2700000" algn="ctr" rotWithShape="0">
                       <a:schemeClr val="bg2">
@@ -25855,7 +26551,7 @@
             <a:effectLst/>
             <a:extLst>
               <a:ext uri="{91240B29-F687-4f45-9708-019B960494DF}">
-                <a14:hiddenLine xmlns="" xmlns:a14="http://schemas.microsoft.com/office/drawing/2010/main" w="12700" cap="rnd" cmpd="sng">
+                <a14:hiddenLine xmlns:a14="http://schemas.microsoft.com/office/drawing/2010/main" xmlns="" w="12700" cap="rnd" cmpd="sng">
                   <a:solidFill>
                     <a:srgbClr val="000000"/>
                   </a:solidFill>
@@ -25866,7 +26562,7 @@
                 </a14:hiddenLine>
               </a:ext>
               <a:ext uri="{AF507438-7753-43e0-B8FC-AC1667EBCBE1}">
-                <a14:hiddenEffects xmlns="" xmlns:a14="http://schemas.microsoft.com/office/drawing/2010/main">
+                <a14:hiddenEffects xmlns:a14="http://schemas.microsoft.com/office/drawing/2010/main" xmlns="">
                   <a:effectLst>
                     <a:outerShdw blurRad="63500" dist="38099" dir="2700000" algn="ctr" rotWithShape="0">
                       <a:schemeClr val="bg2">
@@ -25965,7 +26661,7 @@
             <a:effectLst/>
             <a:extLst>
               <a:ext uri="{91240B29-F687-4f45-9708-019B960494DF}">
-                <a14:hiddenLine xmlns="" xmlns:a14="http://schemas.microsoft.com/office/drawing/2010/main" w="12700" cap="rnd" cmpd="sng">
+                <a14:hiddenLine xmlns:a14="http://schemas.microsoft.com/office/drawing/2010/main" xmlns="" w="12700" cap="rnd" cmpd="sng">
                   <a:solidFill>
                     <a:srgbClr val="000000"/>
                   </a:solidFill>
@@ -25976,7 +26672,7 @@
                 </a14:hiddenLine>
               </a:ext>
               <a:ext uri="{AF507438-7753-43e0-B8FC-AC1667EBCBE1}">
-                <a14:hiddenEffects xmlns="" xmlns:a14="http://schemas.microsoft.com/office/drawing/2010/main">
+                <a14:hiddenEffects xmlns:a14="http://schemas.microsoft.com/office/drawing/2010/main" xmlns="">
                   <a:effectLst>
                     <a:outerShdw blurRad="63500" dist="38099" dir="2700000" algn="ctr" rotWithShape="0">
                       <a:schemeClr val="bg2">
@@ -26075,7 +26771,7 @@
             <a:effectLst/>
             <a:extLst>
               <a:ext uri="{91240B29-F687-4f45-9708-019B960494DF}">
-                <a14:hiddenLine xmlns="" xmlns:a14="http://schemas.microsoft.com/office/drawing/2010/main" w="12700" cap="rnd" cmpd="sng">
+                <a14:hiddenLine xmlns:a14="http://schemas.microsoft.com/office/drawing/2010/main" xmlns="" w="12700" cap="rnd" cmpd="sng">
                   <a:solidFill>
                     <a:srgbClr val="000000"/>
                   </a:solidFill>
@@ -26086,7 +26782,7 @@
                 </a14:hiddenLine>
               </a:ext>
               <a:ext uri="{AF507438-7753-43e0-B8FC-AC1667EBCBE1}">
-                <a14:hiddenEffects xmlns="" xmlns:a14="http://schemas.microsoft.com/office/drawing/2010/main">
+                <a14:hiddenEffects xmlns:a14="http://schemas.microsoft.com/office/drawing/2010/main" xmlns="">
                   <a:effectLst>
                     <a:outerShdw blurRad="63500" dist="38099" dir="2700000" algn="ctr" rotWithShape="0">
                       <a:schemeClr val="bg2">
@@ -26129,14 +26825,14 @@
             <a:effectLst/>
             <a:extLst>
               <a:ext uri="{909E8E84-426E-40dd-AFC4-6F175D3DCCD1}">
-                <a14:hiddenFill xmlns="" xmlns:a14="http://schemas.microsoft.com/office/drawing/2010/main">
+                <a14:hiddenFill xmlns:a14="http://schemas.microsoft.com/office/drawing/2010/main" xmlns="">
                   <a:solidFill>
                     <a:schemeClr val="accent1"/>
                   </a:solidFill>
                 </a14:hiddenFill>
               </a:ext>
               <a:ext uri="{91240B29-F687-4f45-9708-019B960494DF}">
-                <a14:hiddenLine xmlns="" xmlns:a14="http://schemas.microsoft.com/office/drawing/2010/main" w="9525">
+                <a14:hiddenLine xmlns:a14="http://schemas.microsoft.com/office/drawing/2010/main" xmlns="" w="9525">
                   <a:solidFill>
                     <a:schemeClr val="tx1"/>
                   </a:solidFill>
@@ -26146,7 +26842,7 @@
                 </a14:hiddenLine>
               </a:ext>
               <a:ext uri="{AF507438-7753-43e0-B8FC-AC1667EBCBE1}">
-                <a14:hiddenEffects xmlns="" xmlns:a14="http://schemas.microsoft.com/office/drawing/2010/main">
+                <a14:hiddenEffects xmlns:a14="http://schemas.microsoft.com/office/drawing/2010/main" xmlns="">
                   <a:effectLst>
                     <a:outerShdw blurRad="63500" dist="38099" dir="2700000" algn="ctr" rotWithShape="0">
                       <a:schemeClr val="bg2">
@@ -26204,14 +26900,14 @@
             <a:effectLst/>
             <a:extLst>
               <a:ext uri="{909E8E84-426E-40dd-AFC4-6F175D3DCCD1}">
-                <a14:hiddenFill xmlns="" xmlns:a14="http://schemas.microsoft.com/office/drawing/2010/main">
+                <a14:hiddenFill xmlns:a14="http://schemas.microsoft.com/office/drawing/2010/main" xmlns="">
                   <a:solidFill>
                     <a:schemeClr val="accent1"/>
                   </a:solidFill>
                 </a14:hiddenFill>
               </a:ext>
               <a:ext uri="{91240B29-F687-4f45-9708-019B960494DF}">
-                <a14:hiddenLine xmlns="" xmlns:a14="http://schemas.microsoft.com/office/drawing/2010/main" w="9525">
+                <a14:hiddenLine xmlns:a14="http://schemas.microsoft.com/office/drawing/2010/main" xmlns="" w="9525">
                   <a:solidFill>
                     <a:schemeClr val="tx1"/>
                   </a:solidFill>
@@ -26221,7 +26917,7 @@
                 </a14:hiddenLine>
               </a:ext>
               <a:ext uri="{AF507438-7753-43e0-B8FC-AC1667EBCBE1}">
-                <a14:hiddenEffects xmlns="" xmlns:a14="http://schemas.microsoft.com/office/drawing/2010/main">
+                <a14:hiddenEffects xmlns:a14="http://schemas.microsoft.com/office/drawing/2010/main" xmlns="">
                   <a:effectLst>
                     <a:outerShdw blurRad="63500" dist="38099" dir="2700000" algn="ctr" rotWithShape="0">
                       <a:schemeClr val="bg2">
@@ -26279,14 +26975,14 @@
             <a:effectLst/>
             <a:extLst>
               <a:ext uri="{909E8E84-426E-40dd-AFC4-6F175D3DCCD1}">
-                <a14:hiddenFill xmlns="" xmlns:a14="http://schemas.microsoft.com/office/drawing/2010/main">
+                <a14:hiddenFill xmlns:a14="http://schemas.microsoft.com/office/drawing/2010/main" xmlns="">
                   <a:solidFill>
                     <a:schemeClr val="accent1"/>
                   </a:solidFill>
                 </a14:hiddenFill>
               </a:ext>
               <a:ext uri="{91240B29-F687-4f45-9708-019B960494DF}">
-                <a14:hiddenLine xmlns="" xmlns:a14="http://schemas.microsoft.com/office/drawing/2010/main" w="9525">
+                <a14:hiddenLine xmlns:a14="http://schemas.microsoft.com/office/drawing/2010/main" xmlns="" w="9525">
                   <a:solidFill>
                     <a:schemeClr val="tx1"/>
                   </a:solidFill>
@@ -26296,7 +26992,7 @@
                 </a14:hiddenLine>
               </a:ext>
               <a:ext uri="{AF507438-7753-43e0-B8FC-AC1667EBCBE1}">
-                <a14:hiddenEffects xmlns="" xmlns:a14="http://schemas.microsoft.com/office/drawing/2010/main">
+                <a14:hiddenEffects xmlns:a14="http://schemas.microsoft.com/office/drawing/2010/main" xmlns="">
                   <a:effectLst>
                     <a:outerShdw blurRad="63500" dist="38099" dir="2700000" algn="ctr" rotWithShape="0">
                       <a:schemeClr val="bg2">
@@ -26354,14 +27050,14 @@
             <a:effectLst/>
             <a:extLst>
               <a:ext uri="{909E8E84-426E-40dd-AFC4-6F175D3DCCD1}">
-                <a14:hiddenFill xmlns="" xmlns:a14="http://schemas.microsoft.com/office/drawing/2010/main">
+                <a14:hiddenFill xmlns:a14="http://schemas.microsoft.com/office/drawing/2010/main" xmlns="">
                   <a:solidFill>
                     <a:schemeClr val="accent1"/>
                   </a:solidFill>
                 </a14:hiddenFill>
               </a:ext>
               <a:ext uri="{91240B29-F687-4f45-9708-019B960494DF}">
-                <a14:hiddenLine xmlns="" xmlns:a14="http://schemas.microsoft.com/office/drawing/2010/main" w="9525">
+                <a14:hiddenLine xmlns:a14="http://schemas.microsoft.com/office/drawing/2010/main" xmlns="" w="9525">
                   <a:solidFill>
                     <a:schemeClr val="tx1"/>
                   </a:solidFill>
@@ -26371,7 +27067,7 @@
                 </a14:hiddenLine>
               </a:ext>
               <a:ext uri="{AF507438-7753-43e0-B8FC-AC1667EBCBE1}">
-                <a14:hiddenEffects xmlns="" xmlns:a14="http://schemas.microsoft.com/office/drawing/2010/main">
+                <a14:hiddenEffects xmlns:a14="http://schemas.microsoft.com/office/drawing/2010/main" xmlns="">
                   <a:effectLst>
                     <a:outerShdw blurRad="63500" dist="38099" dir="2700000" algn="ctr" rotWithShape="0">
                       <a:schemeClr val="bg2">
@@ -26429,14 +27125,14 @@
             <a:effectLst/>
             <a:extLst>
               <a:ext uri="{909E8E84-426E-40dd-AFC4-6F175D3DCCD1}">
-                <a14:hiddenFill xmlns="" xmlns:a14="http://schemas.microsoft.com/office/drawing/2010/main">
+                <a14:hiddenFill xmlns:a14="http://schemas.microsoft.com/office/drawing/2010/main" xmlns="">
                   <a:solidFill>
                     <a:schemeClr val="accent1"/>
                   </a:solidFill>
                 </a14:hiddenFill>
               </a:ext>
               <a:ext uri="{91240B29-F687-4f45-9708-019B960494DF}">
-                <a14:hiddenLine xmlns="" xmlns:a14="http://schemas.microsoft.com/office/drawing/2010/main" w="9525">
+                <a14:hiddenLine xmlns:a14="http://schemas.microsoft.com/office/drawing/2010/main" xmlns="" w="9525">
                   <a:solidFill>
                     <a:schemeClr val="tx1"/>
                   </a:solidFill>
@@ -26446,7 +27142,7 @@
                 </a14:hiddenLine>
               </a:ext>
               <a:ext uri="{AF507438-7753-43e0-B8FC-AC1667EBCBE1}">
-                <a14:hiddenEffects xmlns="" xmlns:a14="http://schemas.microsoft.com/office/drawing/2010/main">
+                <a14:hiddenEffects xmlns:a14="http://schemas.microsoft.com/office/drawing/2010/main" xmlns="">
                   <a:effectLst>
                     <a:outerShdw blurRad="63500" dist="38099" dir="2700000" algn="ctr" rotWithShape="0">
                       <a:schemeClr val="bg2">
@@ -26514,12 +27210,12 @@
           <a:effectLst/>
           <a:extLst>
             <a:ext uri="{909E8E84-426E-40dd-AFC4-6F175D3DCCD1}">
-              <a14:hiddenFill xmlns="" xmlns:a14="http://schemas.microsoft.com/office/drawing/2010/main">
+              <a14:hiddenFill xmlns:a14="http://schemas.microsoft.com/office/drawing/2010/main" xmlns="">
                 <a:noFill/>
               </a14:hiddenFill>
             </a:ext>
             <a:ext uri="{AF507438-7753-43e0-B8FC-AC1667EBCBE1}">
-              <a14:hiddenEffects xmlns="" xmlns:a14="http://schemas.microsoft.com/office/drawing/2010/main">
+              <a14:hiddenEffects xmlns:a14="http://schemas.microsoft.com/office/drawing/2010/main" xmlns="">
                 <a:effectLst>
                   <a:outerShdw blurRad="63500" dist="76200" dir="10800000" kx="-3284103" algn="br" rotWithShape="0">
                     <a:schemeClr val="bg2">
@@ -26568,12 +27264,12 @@
           <a:effectLst/>
           <a:extLst>
             <a:ext uri="{909E8E84-426E-40dd-AFC4-6F175D3DCCD1}">
-              <a14:hiddenFill xmlns="" xmlns:a14="http://schemas.microsoft.com/office/drawing/2010/main">
+              <a14:hiddenFill xmlns:a14="http://schemas.microsoft.com/office/drawing/2010/main" xmlns="">
                 <a:noFill/>
               </a14:hiddenFill>
             </a:ext>
             <a:ext uri="{AF507438-7753-43e0-B8FC-AC1667EBCBE1}">
-              <a14:hiddenEffects xmlns="" xmlns:a14="http://schemas.microsoft.com/office/drawing/2010/main">
+              <a14:hiddenEffects xmlns:a14="http://schemas.microsoft.com/office/drawing/2010/main" xmlns="">
                 <a:effectLst>
                   <a:outerShdw blurRad="63500" dist="76200" dir="10800000" kx="-3284103" algn="br" rotWithShape="0">
                     <a:schemeClr val="bg2">
@@ -26622,12 +27318,12 @@
           <a:effectLst/>
           <a:extLst>
             <a:ext uri="{909E8E84-426E-40dd-AFC4-6F175D3DCCD1}">
-              <a14:hiddenFill xmlns="" xmlns:a14="http://schemas.microsoft.com/office/drawing/2010/main">
+              <a14:hiddenFill xmlns:a14="http://schemas.microsoft.com/office/drawing/2010/main" xmlns="">
                 <a:noFill/>
               </a14:hiddenFill>
             </a:ext>
             <a:ext uri="{AF507438-7753-43e0-B8FC-AC1667EBCBE1}">
-              <a14:hiddenEffects xmlns="" xmlns:a14="http://schemas.microsoft.com/office/drawing/2010/main">
+              <a14:hiddenEffects xmlns:a14="http://schemas.microsoft.com/office/drawing/2010/main" xmlns="">
                 <a:effectLst>
                   <a:outerShdw blurRad="63500" dist="76200" dir="10800000" kx="-3284103" algn="br" rotWithShape="0">
                     <a:schemeClr val="bg2">
@@ -26676,12 +27372,12 @@
           <a:effectLst/>
           <a:extLst>
             <a:ext uri="{909E8E84-426E-40dd-AFC4-6F175D3DCCD1}">
-              <a14:hiddenFill xmlns="" xmlns:a14="http://schemas.microsoft.com/office/drawing/2010/main">
+              <a14:hiddenFill xmlns:a14="http://schemas.microsoft.com/office/drawing/2010/main" xmlns="">
                 <a:noFill/>
               </a14:hiddenFill>
             </a:ext>
             <a:ext uri="{AF507438-7753-43e0-B8FC-AC1667EBCBE1}">
-              <a14:hiddenEffects xmlns="" xmlns:a14="http://schemas.microsoft.com/office/drawing/2010/main">
+              <a14:hiddenEffects xmlns:a14="http://schemas.microsoft.com/office/drawing/2010/main" xmlns="">
                 <a:effectLst>
                   <a:outerShdw blurRad="63500" dist="76200" dir="10800000" kx="-3284103" algn="br" rotWithShape="0">
                     <a:schemeClr val="bg2">
@@ -26730,12 +27426,12 @@
           <a:effectLst/>
           <a:extLst>
             <a:ext uri="{909E8E84-426E-40dd-AFC4-6F175D3DCCD1}">
-              <a14:hiddenFill xmlns="" xmlns:a14="http://schemas.microsoft.com/office/drawing/2010/main">
+              <a14:hiddenFill xmlns:a14="http://schemas.microsoft.com/office/drawing/2010/main" xmlns="">
                 <a:noFill/>
               </a14:hiddenFill>
             </a:ext>
             <a:ext uri="{AF507438-7753-43e0-B8FC-AC1667EBCBE1}">
-              <a14:hiddenEffects xmlns="" xmlns:a14="http://schemas.microsoft.com/office/drawing/2010/main">
+              <a14:hiddenEffects xmlns:a14="http://schemas.microsoft.com/office/drawing/2010/main" xmlns="">
                 <a:effectLst>
                   <a:outerShdw blurRad="63500" dist="76200" dir="10800000" kx="-3284103" algn="br" rotWithShape="0">
                     <a:schemeClr val="bg2">
@@ -26784,12 +27480,12 @@
           <a:effectLst/>
           <a:extLst>
             <a:ext uri="{909E8E84-426E-40dd-AFC4-6F175D3DCCD1}">
-              <a14:hiddenFill xmlns="" xmlns:a14="http://schemas.microsoft.com/office/drawing/2010/main">
+              <a14:hiddenFill xmlns:a14="http://schemas.microsoft.com/office/drawing/2010/main" xmlns="">
                 <a:noFill/>
               </a14:hiddenFill>
             </a:ext>
             <a:ext uri="{AF507438-7753-43e0-B8FC-AC1667EBCBE1}">
-              <a14:hiddenEffects xmlns="" xmlns:a14="http://schemas.microsoft.com/office/drawing/2010/main">
+              <a14:hiddenEffects xmlns:a14="http://schemas.microsoft.com/office/drawing/2010/main" xmlns="">
                 <a:effectLst>
                   <a:outerShdw blurRad="63500" dist="76200" dir="10800000" kx="-3284103" algn="br" rotWithShape="0">
                     <a:schemeClr val="bg2">
@@ -26832,14 +27528,14 @@
           <a:effectLst/>
           <a:extLst>
             <a:ext uri="{909E8E84-426E-40dd-AFC4-6F175D3DCCD1}">
-              <a14:hiddenFill xmlns="" xmlns:a14="http://schemas.microsoft.com/office/drawing/2010/main">
+              <a14:hiddenFill xmlns:a14="http://schemas.microsoft.com/office/drawing/2010/main" xmlns="">
                 <a:solidFill>
                   <a:schemeClr val="accent1"/>
                 </a:solidFill>
               </a14:hiddenFill>
             </a:ext>
             <a:ext uri="{91240B29-F687-4f45-9708-019B960494DF}">
-              <a14:hiddenLine xmlns="" xmlns:a14="http://schemas.microsoft.com/office/drawing/2010/main" w="9525">
+              <a14:hiddenLine xmlns:a14="http://schemas.microsoft.com/office/drawing/2010/main" xmlns="" w="9525">
                 <a:solidFill>
                   <a:schemeClr val="tx1"/>
                 </a:solidFill>
@@ -26849,7 +27545,7 @@
               </a14:hiddenLine>
             </a:ext>
             <a:ext uri="{AF507438-7753-43e0-B8FC-AC1667EBCBE1}">
-              <a14:hiddenEffects xmlns="" xmlns:a14="http://schemas.microsoft.com/office/drawing/2010/main">
+              <a14:hiddenEffects xmlns:a14="http://schemas.microsoft.com/office/drawing/2010/main" xmlns="">
                 <a:effectLst>
                   <a:outerShdw blurRad="63500" dist="38099" dir="2700000" algn="ctr" rotWithShape="0">
                     <a:schemeClr val="bg2">
@@ -26912,14 +27608,14 @@
           <a:effectLst/>
           <a:extLst>
             <a:ext uri="{909E8E84-426E-40dd-AFC4-6F175D3DCCD1}">
-              <a14:hiddenFill xmlns="" xmlns:a14="http://schemas.microsoft.com/office/drawing/2010/main">
+              <a14:hiddenFill xmlns:a14="http://schemas.microsoft.com/office/drawing/2010/main" xmlns="">
                 <a:solidFill>
                   <a:schemeClr val="accent1"/>
                 </a:solidFill>
               </a14:hiddenFill>
             </a:ext>
             <a:ext uri="{91240B29-F687-4f45-9708-019B960494DF}">
-              <a14:hiddenLine xmlns="" xmlns:a14="http://schemas.microsoft.com/office/drawing/2010/main" w="9525">
+              <a14:hiddenLine xmlns:a14="http://schemas.microsoft.com/office/drawing/2010/main" xmlns="" w="9525">
                 <a:solidFill>
                   <a:schemeClr val="tx1"/>
                 </a:solidFill>
@@ -26929,7 +27625,7 @@
               </a14:hiddenLine>
             </a:ext>
             <a:ext uri="{AF507438-7753-43e0-B8FC-AC1667EBCBE1}">
-              <a14:hiddenEffects xmlns="" xmlns:a14="http://schemas.microsoft.com/office/drawing/2010/main">
+              <a14:hiddenEffects xmlns:a14="http://schemas.microsoft.com/office/drawing/2010/main" xmlns="">
                 <a:effectLst>
                   <a:outerShdw blurRad="63500" dist="38099" dir="2700000" algn="ctr" rotWithShape="0">
                     <a:schemeClr val="bg2">
@@ -26980,14 +27676,14 @@
           <a:effectLst/>
           <a:extLst>
             <a:ext uri="{909E8E84-426E-40dd-AFC4-6F175D3DCCD1}">
-              <a14:hiddenFill xmlns="" xmlns:a14="http://schemas.microsoft.com/office/drawing/2010/main">
+              <a14:hiddenFill xmlns:a14="http://schemas.microsoft.com/office/drawing/2010/main" xmlns="">
                 <a:solidFill>
                   <a:schemeClr val="accent1"/>
                 </a:solidFill>
               </a14:hiddenFill>
             </a:ext>
             <a:ext uri="{91240B29-F687-4f45-9708-019B960494DF}">
-              <a14:hiddenLine xmlns="" xmlns:a14="http://schemas.microsoft.com/office/drawing/2010/main" w="9525">
+              <a14:hiddenLine xmlns:a14="http://schemas.microsoft.com/office/drawing/2010/main" xmlns="" w="9525">
                 <a:solidFill>
                   <a:schemeClr val="tx1"/>
                 </a:solidFill>
@@ -26997,7 +27693,7 @@
               </a14:hiddenLine>
             </a:ext>
             <a:ext uri="{AF507438-7753-43e0-B8FC-AC1667EBCBE1}">
-              <a14:hiddenEffects xmlns="" xmlns:a14="http://schemas.microsoft.com/office/drawing/2010/main">
+              <a14:hiddenEffects xmlns:a14="http://schemas.microsoft.com/office/drawing/2010/main" xmlns="">
                 <a:effectLst>
                   <a:outerShdw blurRad="63500" dist="38099" dir="2700000" algn="ctr" rotWithShape="0">
                     <a:schemeClr val="bg2">
@@ -27054,14 +27750,14 @@
           <a:effectLst/>
           <a:extLst>
             <a:ext uri="{909E8E84-426E-40dd-AFC4-6F175D3DCCD1}">
-              <a14:hiddenFill xmlns="" xmlns:a14="http://schemas.microsoft.com/office/drawing/2010/main">
+              <a14:hiddenFill xmlns:a14="http://schemas.microsoft.com/office/drawing/2010/main" xmlns="">
                 <a:solidFill>
                   <a:schemeClr val="accent1"/>
                 </a:solidFill>
               </a14:hiddenFill>
             </a:ext>
             <a:ext uri="{91240B29-F687-4f45-9708-019B960494DF}">
-              <a14:hiddenLine xmlns="" xmlns:a14="http://schemas.microsoft.com/office/drawing/2010/main" w="9525">
+              <a14:hiddenLine xmlns:a14="http://schemas.microsoft.com/office/drawing/2010/main" xmlns="" w="9525">
                 <a:solidFill>
                   <a:schemeClr val="tx1"/>
                 </a:solidFill>
@@ -27071,7 +27767,7 @@
               </a14:hiddenLine>
             </a:ext>
             <a:ext uri="{AF507438-7753-43e0-B8FC-AC1667EBCBE1}">
-              <a14:hiddenEffects xmlns="" xmlns:a14="http://schemas.microsoft.com/office/drawing/2010/main">
+              <a14:hiddenEffects xmlns:a14="http://schemas.microsoft.com/office/drawing/2010/main" xmlns="">
                 <a:effectLst>
                   <a:outerShdw blurRad="63500" dist="38099" dir="2700000" algn="ctr" rotWithShape="0">
                     <a:schemeClr val="bg2">
@@ -27122,14 +27818,14 @@
           <a:effectLst/>
           <a:extLst>
             <a:ext uri="{909E8E84-426E-40dd-AFC4-6F175D3DCCD1}">
-              <a14:hiddenFill xmlns="" xmlns:a14="http://schemas.microsoft.com/office/drawing/2010/main">
+              <a14:hiddenFill xmlns:a14="http://schemas.microsoft.com/office/drawing/2010/main" xmlns="">
                 <a:solidFill>
                   <a:schemeClr val="accent1"/>
                 </a:solidFill>
               </a14:hiddenFill>
             </a:ext>
             <a:ext uri="{91240B29-F687-4f45-9708-019B960494DF}">
-              <a14:hiddenLine xmlns="" xmlns:a14="http://schemas.microsoft.com/office/drawing/2010/main" w="9525">
+              <a14:hiddenLine xmlns:a14="http://schemas.microsoft.com/office/drawing/2010/main" xmlns="" w="9525">
                 <a:solidFill>
                   <a:schemeClr val="tx1"/>
                 </a:solidFill>
@@ -27139,7 +27835,7 @@
               </a14:hiddenLine>
             </a:ext>
             <a:ext uri="{AF507438-7753-43e0-B8FC-AC1667EBCBE1}">
-              <a14:hiddenEffects xmlns="" xmlns:a14="http://schemas.microsoft.com/office/drawing/2010/main">
+              <a14:hiddenEffects xmlns:a14="http://schemas.microsoft.com/office/drawing/2010/main" xmlns="">
                 <a:effectLst>
                   <a:outerShdw blurRad="63500" dist="38099" dir="2700000" algn="ctr" rotWithShape="0">
                     <a:schemeClr val="bg2">
@@ -27199,12 +27895,12 @@
           <a:effectLst/>
           <a:extLst>
             <a:ext uri="{909E8E84-426E-40dd-AFC4-6F175D3DCCD1}">
-              <a14:hiddenFill xmlns="" xmlns:a14="http://schemas.microsoft.com/office/drawing/2010/main">
+              <a14:hiddenFill xmlns:a14="http://schemas.microsoft.com/office/drawing/2010/main" xmlns="">
                 <a:noFill/>
               </a14:hiddenFill>
             </a:ext>
             <a:ext uri="{AF507438-7753-43e0-B8FC-AC1667EBCBE1}">
-              <a14:hiddenEffects xmlns="" xmlns:a14="http://schemas.microsoft.com/office/drawing/2010/main">
+              <a14:hiddenEffects xmlns:a14="http://schemas.microsoft.com/office/drawing/2010/main" xmlns="">
                 <a:effectLst>
                   <a:outerShdw blurRad="63500" dist="38099" dir="2700000" algn="ctr" rotWithShape="0">
                     <a:schemeClr val="bg2">
@@ -27240,14 +27936,14 @@
           <a:effectLst/>
           <a:extLst>
             <a:ext uri="{909E8E84-426E-40dd-AFC4-6F175D3DCCD1}">
-              <a14:hiddenFill xmlns="" xmlns:a14="http://schemas.microsoft.com/office/drawing/2010/main">
+              <a14:hiddenFill xmlns:a14="http://schemas.microsoft.com/office/drawing/2010/main" xmlns="">
                 <a:solidFill>
                   <a:schemeClr val="accent1"/>
                 </a:solidFill>
               </a14:hiddenFill>
             </a:ext>
             <a:ext uri="{91240B29-F687-4f45-9708-019B960494DF}">
-              <a14:hiddenLine xmlns="" xmlns:a14="http://schemas.microsoft.com/office/drawing/2010/main" w="9525">
+              <a14:hiddenLine xmlns:a14="http://schemas.microsoft.com/office/drawing/2010/main" xmlns="" w="9525">
                 <a:solidFill>
                   <a:schemeClr val="tx1"/>
                 </a:solidFill>
@@ -27257,7 +27953,7 @@
               </a14:hiddenLine>
             </a:ext>
             <a:ext uri="{AF507438-7753-43e0-B8FC-AC1667EBCBE1}">
-              <a14:hiddenEffects xmlns="" xmlns:a14="http://schemas.microsoft.com/office/drawing/2010/main">
+              <a14:hiddenEffects xmlns:a14="http://schemas.microsoft.com/office/drawing/2010/main" xmlns="">
                 <a:effectLst>
                   <a:outerShdw blurRad="63500" dist="38099" dir="2700000" algn="ctr" rotWithShape="0">
                     <a:schemeClr val="bg2">
@@ -27454,12 +28150,12 @@
           <a:effectLst/>
           <a:extLst>
             <a:ext uri="{909E8E84-426E-40dd-AFC4-6F175D3DCCD1}">
-              <a14:hiddenFill xmlns="" xmlns:a14="http://schemas.microsoft.com/office/drawing/2010/main">
+              <a14:hiddenFill xmlns:a14="http://schemas.microsoft.com/office/drawing/2010/main" xmlns="">
                 <a:noFill/>
               </a14:hiddenFill>
             </a:ext>
             <a:ext uri="{AF507438-7753-43e0-B8FC-AC1667EBCBE1}">
-              <a14:hiddenEffects xmlns="" xmlns:a14="http://schemas.microsoft.com/office/drawing/2010/main">
+              <a14:hiddenEffects xmlns:a14="http://schemas.microsoft.com/office/drawing/2010/main" xmlns="">
                 <a:effectLst>
                   <a:outerShdw blurRad="63500" dist="107763" dir="2700000" algn="ctr" rotWithShape="0">
                     <a:schemeClr val="bg2">
@@ -27893,12 +28589,12 @@
           <a:effectLst/>
           <a:extLst>
             <a:ext uri="{909E8E84-426E-40dd-AFC4-6F175D3DCCD1}">
-              <a14:hiddenFill xmlns="" xmlns:a14="http://schemas.microsoft.com/office/drawing/2010/main">
+              <a14:hiddenFill xmlns:a14="http://schemas.microsoft.com/office/drawing/2010/main" xmlns="">
                 <a:noFill/>
               </a14:hiddenFill>
             </a:ext>
             <a:ext uri="{AF507438-7753-43e0-B8FC-AC1667EBCBE1}">
-              <a14:hiddenEffects xmlns="" xmlns:a14="http://schemas.microsoft.com/office/drawing/2010/main">
+              <a14:hiddenEffects xmlns:a14="http://schemas.microsoft.com/office/drawing/2010/main" xmlns="">
                 <a:effectLst>
                   <a:outerShdw blurRad="63500" dist="107763" dir="2700000" algn="ctr" rotWithShape="0">
                     <a:schemeClr val="bg2">
@@ -28133,7 +28829,7 @@
           <a:effectLst/>
           <a:extLst>
             <a:ext uri="{AF507438-7753-43e0-B8FC-AC1667EBCBE1}">
-              <a14:hiddenEffects xmlns="" xmlns:a14="http://schemas.microsoft.com/office/drawing/2010/main">
+              <a14:hiddenEffects xmlns:a14="http://schemas.microsoft.com/office/drawing/2010/main" xmlns="">
                 <a:effectLst>
                   <a:outerShdw blurRad="63500" dist="107763" dir="2700000" algn="ctr" rotWithShape="0">
                     <a:schemeClr val="bg2">
@@ -28372,7 +29068,7 @@
           <a:effectLst/>
           <a:extLst>
             <a:ext uri="{AF507438-7753-43e0-B8FC-AC1667EBCBE1}">
-              <a14:hiddenEffects xmlns="" xmlns:a14="http://schemas.microsoft.com/office/drawing/2010/main">
+              <a14:hiddenEffects xmlns:a14="http://schemas.microsoft.com/office/drawing/2010/main" xmlns="">
                 <a:effectLst>
                   <a:outerShdw blurRad="63500" dist="107763" dir="2700000" algn="ctr" rotWithShape="0">
                     <a:schemeClr val="bg2">
@@ -28433,14 +29129,14 @@
           <a:effectLst/>
           <a:extLst>
             <a:ext uri="{909E8E84-426E-40dd-AFC4-6F175D3DCCD1}">
-              <a14:hiddenFill xmlns="" xmlns:a14="http://schemas.microsoft.com/office/drawing/2010/main">
+              <a14:hiddenFill xmlns:a14="http://schemas.microsoft.com/office/drawing/2010/main" xmlns="">
                 <a:solidFill>
                   <a:srgbClr val="FFFF99"/>
                 </a:solidFill>
               </a14:hiddenFill>
             </a:ext>
             <a:ext uri="{AF507438-7753-43e0-B8FC-AC1667EBCBE1}">
-              <a14:hiddenEffects xmlns="" xmlns:a14="http://schemas.microsoft.com/office/drawing/2010/main">
+              <a14:hiddenEffects xmlns:a14="http://schemas.microsoft.com/office/drawing/2010/main" xmlns="">
                 <a:effectLst>
                   <a:outerShdw blurRad="63500" dist="107763" dir="2700000" algn="ctr" rotWithShape="0">
                     <a:schemeClr val="bg2">
@@ -28500,14 +29196,14 @@
           <a:effectLst/>
           <a:extLst>
             <a:ext uri="{909E8E84-426E-40dd-AFC4-6F175D3DCCD1}">
-              <a14:hiddenFill xmlns="" xmlns:a14="http://schemas.microsoft.com/office/drawing/2010/main">
+              <a14:hiddenFill xmlns:a14="http://schemas.microsoft.com/office/drawing/2010/main" xmlns="">
                 <a:solidFill>
                   <a:srgbClr val="FFFF99"/>
                 </a:solidFill>
               </a14:hiddenFill>
             </a:ext>
             <a:ext uri="{AF507438-7753-43e0-B8FC-AC1667EBCBE1}">
-              <a14:hiddenEffects xmlns="" xmlns:a14="http://schemas.microsoft.com/office/drawing/2010/main">
+              <a14:hiddenEffects xmlns:a14="http://schemas.microsoft.com/office/drawing/2010/main" xmlns="">
                 <a:effectLst>
                   <a:outerShdw blurRad="63500" dist="107763" dir="2700000" algn="ctr" rotWithShape="0">
                     <a:schemeClr val="bg2">
@@ -28567,14 +29263,14 @@
           <a:effectLst/>
           <a:extLst>
             <a:ext uri="{909E8E84-426E-40dd-AFC4-6F175D3DCCD1}">
-              <a14:hiddenFill xmlns="" xmlns:a14="http://schemas.microsoft.com/office/drawing/2010/main">
+              <a14:hiddenFill xmlns:a14="http://schemas.microsoft.com/office/drawing/2010/main" xmlns="">
                 <a:solidFill>
                   <a:srgbClr val="FFFF99"/>
                 </a:solidFill>
               </a14:hiddenFill>
             </a:ext>
             <a:ext uri="{AF507438-7753-43e0-B8FC-AC1667EBCBE1}">
-              <a14:hiddenEffects xmlns="" xmlns:a14="http://schemas.microsoft.com/office/drawing/2010/main">
+              <a14:hiddenEffects xmlns:a14="http://schemas.microsoft.com/office/drawing/2010/main" xmlns="">
                 <a:effectLst>
                   <a:outerShdw blurRad="63500" dist="107763" dir="2700000" algn="ctr" rotWithShape="0">
                     <a:schemeClr val="bg2">
@@ -28634,14 +29330,14 @@
           <a:effectLst/>
           <a:extLst>
             <a:ext uri="{909E8E84-426E-40dd-AFC4-6F175D3DCCD1}">
-              <a14:hiddenFill xmlns="" xmlns:a14="http://schemas.microsoft.com/office/drawing/2010/main">
+              <a14:hiddenFill xmlns:a14="http://schemas.microsoft.com/office/drawing/2010/main" xmlns="">
                 <a:solidFill>
                   <a:srgbClr val="FFFF99"/>
                 </a:solidFill>
               </a14:hiddenFill>
             </a:ext>
             <a:ext uri="{AF507438-7753-43e0-B8FC-AC1667EBCBE1}">
-              <a14:hiddenEffects xmlns="" xmlns:a14="http://schemas.microsoft.com/office/drawing/2010/main">
+              <a14:hiddenEffects xmlns:a14="http://schemas.microsoft.com/office/drawing/2010/main" xmlns="">
                 <a:effectLst>
                   <a:outerShdw blurRad="63500" dist="107763" dir="2700000" algn="ctr" rotWithShape="0">
                     <a:schemeClr val="bg2">
@@ -28701,14 +29397,14 @@
           <a:effectLst/>
           <a:extLst>
             <a:ext uri="{909E8E84-426E-40dd-AFC4-6F175D3DCCD1}">
-              <a14:hiddenFill xmlns="" xmlns:a14="http://schemas.microsoft.com/office/drawing/2010/main">
+              <a14:hiddenFill xmlns:a14="http://schemas.microsoft.com/office/drawing/2010/main" xmlns="">
                 <a:solidFill>
                   <a:srgbClr val="FFFF99"/>
                 </a:solidFill>
               </a14:hiddenFill>
             </a:ext>
             <a:ext uri="{AF507438-7753-43e0-B8FC-AC1667EBCBE1}">
-              <a14:hiddenEffects xmlns="" xmlns:a14="http://schemas.microsoft.com/office/drawing/2010/main">
+              <a14:hiddenEffects xmlns:a14="http://schemas.microsoft.com/office/drawing/2010/main" xmlns="">
                 <a:effectLst>
                   <a:outerShdw blurRad="63500" dist="107763" dir="2700000" algn="ctr" rotWithShape="0">
                     <a:schemeClr val="bg2">
@@ -28789,14 +29485,14 @@
           <a:effectLst/>
           <a:extLst>
             <a:ext uri="{909E8E84-426E-40dd-AFC4-6F175D3DCCD1}">
-              <a14:hiddenFill xmlns="" xmlns:a14="http://schemas.microsoft.com/office/drawing/2010/main">
+              <a14:hiddenFill xmlns:a14="http://schemas.microsoft.com/office/drawing/2010/main" xmlns="">
                 <a:solidFill>
                   <a:srgbClr val="FFFF99"/>
                 </a:solidFill>
               </a14:hiddenFill>
             </a:ext>
             <a:ext uri="{AF507438-7753-43e0-B8FC-AC1667EBCBE1}">
-              <a14:hiddenEffects xmlns="" xmlns:a14="http://schemas.microsoft.com/office/drawing/2010/main">
+              <a14:hiddenEffects xmlns:a14="http://schemas.microsoft.com/office/drawing/2010/main" xmlns="">
                 <a:effectLst>
                   <a:outerShdw blurRad="63500" dist="107763" dir="2700000" algn="ctr" rotWithShape="0">
                     <a:schemeClr val="bg2">
@@ -28861,14 +29557,14 @@
           <a:effectLst/>
           <a:extLst>
             <a:ext uri="{909E8E84-426E-40dd-AFC4-6F175D3DCCD1}">
-              <a14:hiddenFill xmlns="" xmlns:a14="http://schemas.microsoft.com/office/drawing/2010/main">
+              <a14:hiddenFill xmlns:a14="http://schemas.microsoft.com/office/drawing/2010/main" xmlns="">
                 <a:solidFill>
                   <a:srgbClr val="FFFF99"/>
                 </a:solidFill>
               </a14:hiddenFill>
             </a:ext>
             <a:ext uri="{AF507438-7753-43e0-B8FC-AC1667EBCBE1}">
-              <a14:hiddenEffects xmlns="" xmlns:a14="http://schemas.microsoft.com/office/drawing/2010/main">
+              <a14:hiddenEffects xmlns:a14="http://schemas.microsoft.com/office/drawing/2010/main" xmlns="">
                 <a:effectLst>
                   <a:outerShdw blurRad="63500" dist="107763" dir="2700000" algn="ctr" rotWithShape="0">
                     <a:schemeClr val="bg2">
@@ -28939,14 +29635,14 @@
           <a:effectLst/>
           <a:extLst>
             <a:ext uri="{909E8E84-426E-40dd-AFC4-6F175D3DCCD1}">
-              <a14:hiddenFill xmlns="" xmlns:a14="http://schemas.microsoft.com/office/drawing/2010/main">
+              <a14:hiddenFill xmlns:a14="http://schemas.microsoft.com/office/drawing/2010/main" xmlns="">
                 <a:solidFill>
                   <a:srgbClr val="FFFF99"/>
                 </a:solidFill>
               </a14:hiddenFill>
             </a:ext>
             <a:ext uri="{AF507438-7753-43e0-B8FC-AC1667EBCBE1}">
-              <a14:hiddenEffects xmlns="" xmlns:a14="http://schemas.microsoft.com/office/drawing/2010/main">
+              <a14:hiddenEffects xmlns:a14="http://schemas.microsoft.com/office/drawing/2010/main" xmlns="">
                 <a:effectLst>
                   <a:outerShdw blurRad="63500" dist="107763" dir="2700000" algn="ctr" rotWithShape="0">
                     <a:schemeClr val="bg2">
@@ -29011,14 +29707,14 @@
           </a:effectLst>
           <a:extLst>
             <a:ext uri="{909E8E84-426E-40dd-AFC4-6F175D3DCCD1}">
-              <a14:hiddenFill xmlns="" xmlns:a14="http://schemas.microsoft.com/office/drawing/2010/main">
+              <a14:hiddenFill xmlns:a14="http://schemas.microsoft.com/office/drawing/2010/main" xmlns="">
                 <a:solidFill>
                   <a:schemeClr val="accent1"/>
                 </a:solidFill>
               </a14:hiddenFill>
             </a:ext>
             <a:ext uri="{91240B29-F687-4f45-9708-019B960494DF}">
-              <a14:hiddenLine xmlns="" xmlns:a14="http://schemas.microsoft.com/office/drawing/2010/main" w="9525">
+              <a14:hiddenLine xmlns:a14="http://schemas.microsoft.com/office/drawing/2010/main" xmlns="" w="9525">
                 <a:solidFill>
                   <a:srgbClr val="000000"/>
                 </a:solidFill>
@@ -29134,14 +29830,14 @@
           <a:effectLst/>
           <a:extLst>
             <a:ext uri="{909E8E84-426E-40dd-AFC4-6F175D3DCCD1}">
-              <a14:hiddenFill xmlns="" xmlns:a14="http://schemas.microsoft.com/office/drawing/2010/main">
+              <a14:hiddenFill xmlns:a14="http://schemas.microsoft.com/office/drawing/2010/main" xmlns="">
                 <a:solidFill>
                   <a:srgbClr val="FFFF99"/>
                 </a:solidFill>
               </a14:hiddenFill>
             </a:ext>
             <a:ext uri="{AF507438-7753-43e0-B8FC-AC1667EBCBE1}">
-              <a14:hiddenEffects xmlns="" xmlns:a14="http://schemas.microsoft.com/office/drawing/2010/main">
+              <a14:hiddenEffects xmlns:a14="http://schemas.microsoft.com/office/drawing/2010/main" xmlns="">
                 <a:effectLst>
                   <a:outerShdw blurRad="63500" dist="107763" dir="2700000" algn="ctr" rotWithShape="0">
                     <a:schemeClr val="bg2">
@@ -29192,14 +29888,14 @@
           <a:effectLst/>
           <a:extLst>
             <a:ext uri="{909E8E84-426E-40dd-AFC4-6F175D3DCCD1}">
-              <a14:hiddenFill xmlns="" xmlns:a14="http://schemas.microsoft.com/office/drawing/2010/main">
+              <a14:hiddenFill xmlns:a14="http://schemas.microsoft.com/office/drawing/2010/main" xmlns="">
                 <a:solidFill>
                   <a:srgbClr val="FF9900"/>
                 </a:solidFill>
               </a14:hiddenFill>
             </a:ext>
             <a:ext uri="{91240B29-F687-4f45-9708-019B960494DF}">
-              <a14:hiddenLine xmlns="" xmlns:a14="http://schemas.microsoft.com/office/drawing/2010/main" w="9525">
+              <a14:hiddenLine xmlns:a14="http://schemas.microsoft.com/office/drawing/2010/main" xmlns="" w="9525">
                 <a:solidFill>
                   <a:srgbClr val="000000"/>
                 </a:solidFill>
@@ -29209,7 +29905,7 @@
               </a14:hiddenLine>
             </a:ext>
             <a:ext uri="{AF507438-7753-43e0-B8FC-AC1667EBCBE1}">
-              <a14:hiddenEffects xmlns="" xmlns:a14="http://schemas.microsoft.com/office/drawing/2010/main">
+              <a14:hiddenEffects xmlns:a14="http://schemas.microsoft.com/office/drawing/2010/main" xmlns="">
                 <a:effectLst>
                   <a:outerShdw blurRad="63500" dist="38099" dir="2700000" algn="ctr" rotWithShape="0">
                     <a:schemeClr val="bg2">
@@ -29256,14 +29952,14 @@
           <a:effectLst/>
           <a:extLst>
             <a:ext uri="{909E8E84-426E-40dd-AFC4-6F175D3DCCD1}">
-              <a14:hiddenFill xmlns="" xmlns:a14="http://schemas.microsoft.com/office/drawing/2010/main">
+              <a14:hiddenFill xmlns:a14="http://schemas.microsoft.com/office/drawing/2010/main" xmlns="">
                 <a:solidFill>
                   <a:srgbClr val="FF9900"/>
                 </a:solidFill>
               </a14:hiddenFill>
             </a:ext>
             <a:ext uri="{91240B29-F687-4f45-9708-019B960494DF}">
-              <a14:hiddenLine xmlns="" xmlns:a14="http://schemas.microsoft.com/office/drawing/2010/main" w="9525">
+              <a14:hiddenLine xmlns:a14="http://schemas.microsoft.com/office/drawing/2010/main" xmlns="" w="9525">
                 <a:solidFill>
                   <a:srgbClr val="000000"/>
                 </a:solidFill>
@@ -29273,7 +29969,7 @@
               </a14:hiddenLine>
             </a:ext>
             <a:ext uri="{AF507438-7753-43e0-B8FC-AC1667EBCBE1}">
-              <a14:hiddenEffects xmlns="" xmlns:a14="http://schemas.microsoft.com/office/drawing/2010/main">
+              <a14:hiddenEffects xmlns:a14="http://schemas.microsoft.com/office/drawing/2010/main" xmlns="">
                 <a:effectLst>
                   <a:outerShdw blurRad="63500" dist="38099" dir="2700000" algn="ctr" rotWithShape="0">
                     <a:schemeClr val="bg2">
@@ -29378,14 +30074,14 @@
           <a:effectLst/>
           <a:extLst>
             <a:ext uri="{909E8E84-426E-40dd-AFC4-6F175D3DCCD1}">
-              <a14:hiddenFill xmlns="" xmlns:a14="http://schemas.microsoft.com/office/drawing/2010/main">
+              <a14:hiddenFill xmlns:a14="http://schemas.microsoft.com/office/drawing/2010/main" xmlns="">
                 <a:solidFill>
                   <a:srgbClr val="FFFF99"/>
                 </a:solidFill>
               </a14:hiddenFill>
             </a:ext>
             <a:ext uri="{AF507438-7753-43e0-B8FC-AC1667EBCBE1}">
-              <a14:hiddenEffects xmlns="" xmlns:a14="http://schemas.microsoft.com/office/drawing/2010/main">
+              <a14:hiddenEffects xmlns:a14="http://schemas.microsoft.com/office/drawing/2010/main" xmlns="">
                 <a:effectLst>
                   <a:outerShdw blurRad="63500" dist="107763" dir="2700000" algn="ctr" rotWithShape="0">
                     <a:schemeClr val="bg2">
@@ -29505,14 +30201,14 @@
           <a:effectLst/>
           <a:extLst>
             <a:ext uri="{909E8E84-426E-40dd-AFC4-6F175D3DCCD1}">
-              <a14:hiddenFill xmlns="" xmlns:a14="http://schemas.microsoft.com/office/drawing/2010/main">
+              <a14:hiddenFill xmlns:a14="http://schemas.microsoft.com/office/drawing/2010/main" xmlns="">
                 <a:solidFill>
                   <a:srgbClr val="FFFF99"/>
                 </a:solidFill>
               </a14:hiddenFill>
             </a:ext>
             <a:ext uri="{AF507438-7753-43e0-B8FC-AC1667EBCBE1}">
-              <a14:hiddenEffects xmlns="" xmlns:a14="http://schemas.microsoft.com/office/drawing/2010/main">
+              <a14:hiddenEffects xmlns:a14="http://schemas.microsoft.com/office/drawing/2010/main" xmlns="">
                 <a:effectLst>
                   <a:outerShdw blurRad="63500" dist="107763" dir="2700000" algn="ctr" rotWithShape="0">
                     <a:schemeClr val="bg2">
@@ -29602,7 +30298,7 @@
           <a:effectLst/>
           <a:extLst>
             <a:ext uri="{AF507438-7753-43e0-B8FC-AC1667EBCBE1}">
-              <a14:hiddenEffects xmlns="" xmlns:a14="http://schemas.microsoft.com/office/drawing/2010/main">
+              <a14:hiddenEffects xmlns:a14="http://schemas.microsoft.com/office/drawing/2010/main" xmlns="">
                 <a:effectLst>
                   <a:outerShdw blurRad="63500" dist="38099" dir="2700000" algn="ctr" rotWithShape="0">
                     <a:schemeClr val="bg2">
@@ -29652,7 +30348,7 @@
           <a:effectLst/>
           <a:extLst>
             <a:ext uri="{AF507438-7753-43e0-B8FC-AC1667EBCBE1}">
-              <a14:hiddenEffects xmlns="" xmlns:a14="http://schemas.microsoft.com/office/drawing/2010/main">
+              <a14:hiddenEffects xmlns:a14="http://schemas.microsoft.com/office/drawing/2010/main" xmlns="">
                 <a:effectLst>
                   <a:outerShdw blurRad="63500" dist="38099" dir="2700000" algn="ctr" rotWithShape="0">
                     <a:schemeClr val="bg2">
@@ -29670,7 +30366,7 @@
           <a:p>
             <a:pPr algn="ctr"/>
             <a:r>
-              <a:rPr lang="en-US" altLang="zh-CN" b="1">
+              <a:rPr lang="en-US" altLang="zh-CN" b="1" dirty="0">
                 <a:solidFill>
                   <a:schemeClr val="bg1"/>
                 </a:solidFill>
@@ -29708,14 +30404,14 @@
           <a:effectLst/>
           <a:extLst>
             <a:ext uri="{909E8E84-426E-40dd-AFC4-6F175D3DCCD1}">
-              <a14:hiddenFill xmlns="" xmlns:a14="http://schemas.microsoft.com/office/drawing/2010/main">
+              <a14:hiddenFill xmlns:a14="http://schemas.microsoft.com/office/drawing/2010/main" xmlns="">
                 <a:solidFill>
                   <a:schemeClr val="accent1"/>
                 </a:solidFill>
               </a14:hiddenFill>
             </a:ext>
             <a:ext uri="{AF507438-7753-43e0-B8FC-AC1667EBCBE1}">
-              <a14:hiddenEffects xmlns="" xmlns:a14="http://schemas.microsoft.com/office/drawing/2010/main">
+              <a14:hiddenEffects xmlns:a14="http://schemas.microsoft.com/office/drawing/2010/main" xmlns="">
                 <a:effectLst>
                   <a:outerShdw blurRad="63500" dist="38099" dir="2700000" algn="ctr" rotWithShape="0">
                     <a:schemeClr val="bg2">
@@ -29733,7 +30429,7 @@
           <a:p>
             <a:pPr algn="ctr"/>
             <a:r>
-              <a:rPr lang="en-US" altLang="zh-CN" b="1"/>
+              <a:rPr lang="en-US" altLang="zh-CN" b="1" dirty="0"/>
               <a:t>client</a:t>
             </a:r>
           </a:p>
@@ -29767,12 +30463,12 @@
           <a:effectLst/>
           <a:extLst>
             <a:ext uri="{909E8E84-426E-40dd-AFC4-6F175D3DCCD1}">
-              <a14:hiddenFill xmlns="" xmlns:a14="http://schemas.microsoft.com/office/drawing/2010/main">
+              <a14:hiddenFill xmlns:a14="http://schemas.microsoft.com/office/drawing/2010/main" xmlns="">
                 <a:noFill/>
               </a14:hiddenFill>
             </a:ext>
             <a:ext uri="{AF507438-7753-43e0-B8FC-AC1667EBCBE1}">
-              <a14:hiddenEffects xmlns="" xmlns:a14="http://schemas.microsoft.com/office/drawing/2010/main">
+              <a14:hiddenEffects xmlns:a14="http://schemas.microsoft.com/office/drawing/2010/main" xmlns="">
                 <a:effectLst>
                   <a:outerShdw blurRad="63500" dist="38099" dir="2700000" algn="ctr" rotWithShape="0">
                     <a:schemeClr val="bg2">
@@ -29817,7 +30513,7 @@
           <a:effectLst/>
           <a:extLst>
             <a:ext uri="{91240B29-F687-4f45-9708-019B960494DF}">
-              <a14:hiddenLine xmlns="" xmlns:a14="http://schemas.microsoft.com/office/drawing/2010/main" w="9525">
+              <a14:hiddenLine xmlns:a14="http://schemas.microsoft.com/office/drawing/2010/main" xmlns="" w="9525">
                 <a:solidFill>
                   <a:schemeClr val="tx1"/>
                 </a:solidFill>
@@ -29827,7 +30523,7 @@
               </a14:hiddenLine>
             </a:ext>
             <a:ext uri="{AF507438-7753-43e0-B8FC-AC1667EBCBE1}">
-              <a14:hiddenEffects xmlns="" xmlns:a14="http://schemas.microsoft.com/office/drawing/2010/main">
+              <a14:hiddenEffects xmlns:a14="http://schemas.microsoft.com/office/drawing/2010/main" xmlns="">
                 <a:effectLst>
                   <a:outerShdw blurRad="63500" dist="38099" dir="2700000" algn="ctr" rotWithShape="0">
                     <a:schemeClr val="bg2">
@@ -29882,7 +30578,7 @@
           <a:effectLst/>
           <a:extLst>
             <a:ext uri="{AF507438-7753-43e0-B8FC-AC1667EBCBE1}">
-              <a14:hiddenEffects xmlns="" xmlns:a14="http://schemas.microsoft.com/office/drawing/2010/main">
+              <a14:hiddenEffects xmlns:a14="http://schemas.microsoft.com/office/drawing/2010/main" xmlns="">
                 <a:effectLst>
                   <a:outerShdw blurRad="63500" dist="38099" dir="2700000" algn="ctr" rotWithShape="0">
                     <a:schemeClr val="bg2">
@@ -29900,9 +30596,10 @@
           <a:p>
             <a:pPr algn="ctr"/>
             <a:r>
-              <a:rPr lang="en-US" altLang="zh-CN" b="1"/>
+              <a:rPr lang="en-US" altLang="zh-CN" b="1" dirty="0" err="1"/>
               <a:t>petsvr</a:t>
             </a:r>
+            <a:endParaRPr lang="en-US" altLang="zh-CN" b="1" dirty="0"/>
           </a:p>
         </p:txBody>
       </p:sp>
@@ -29936,7 +30633,7 @@
           <a:effectLst/>
           <a:extLst>
             <a:ext uri="{AF507438-7753-43e0-B8FC-AC1667EBCBE1}">
-              <a14:hiddenEffects xmlns="" xmlns:a14="http://schemas.microsoft.com/office/drawing/2010/main">
+              <a14:hiddenEffects xmlns:a14="http://schemas.microsoft.com/office/drawing/2010/main" xmlns="">
                 <a:effectLst>
                   <a:outerShdw blurRad="63500" dist="38099" dir="2700000" algn="ctr" rotWithShape="0">
                     <a:schemeClr val="bg2">
@@ -29954,9 +30651,10 @@
           <a:p>
             <a:pPr algn="ctr"/>
             <a:r>
-              <a:rPr lang="en-US" altLang="zh-CN" b="1"/>
+              <a:rPr lang="en-US" altLang="zh-CN" b="1" dirty="0" err="1"/>
               <a:t>petsvr</a:t>
             </a:r>
+            <a:endParaRPr lang="en-US" altLang="zh-CN" b="1" dirty="0"/>
           </a:p>
         </p:txBody>
       </p:sp>
@@ -29988,12 +30686,12 @@
           <a:effectLst/>
           <a:extLst>
             <a:ext uri="{909E8E84-426E-40dd-AFC4-6F175D3DCCD1}">
-              <a14:hiddenFill xmlns="" xmlns:a14="http://schemas.microsoft.com/office/drawing/2010/main">
+              <a14:hiddenFill xmlns:a14="http://schemas.microsoft.com/office/drawing/2010/main" xmlns="">
                 <a:noFill/>
               </a14:hiddenFill>
             </a:ext>
             <a:ext uri="{AF507438-7753-43e0-B8FC-AC1667EBCBE1}">
-              <a14:hiddenEffects xmlns="" xmlns:a14="http://schemas.microsoft.com/office/drawing/2010/main">
+              <a14:hiddenEffects xmlns:a14="http://schemas.microsoft.com/office/drawing/2010/main" xmlns="">
                 <a:effectLst>
                   <a:outerShdw blurRad="63500" dist="38099" dir="2700000" algn="ctr" rotWithShape="0">
                     <a:schemeClr val="bg2">
@@ -30041,12 +30739,12 @@
           <a:effectLst/>
           <a:extLst>
             <a:ext uri="{909E8E84-426E-40dd-AFC4-6F175D3DCCD1}">
-              <a14:hiddenFill xmlns="" xmlns:a14="http://schemas.microsoft.com/office/drawing/2010/main">
+              <a14:hiddenFill xmlns:a14="http://schemas.microsoft.com/office/drawing/2010/main" xmlns="">
                 <a:noFill/>
               </a14:hiddenFill>
             </a:ext>
             <a:ext uri="{AF507438-7753-43e0-B8FC-AC1667EBCBE1}">
-              <a14:hiddenEffects xmlns="" xmlns:a14="http://schemas.microsoft.com/office/drawing/2010/main">
+              <a14:hiddenEffects xmlns:a14="http://schemas.microsoft.com/office/drawing/2010/main" xmlns="">
                 <a:effectLst>
                   <a:outerShdw blurRad="63500" dist="38099" dir="2700000" algn="ctr" rotWithShape="0">
                     <a:schemeClr val="bg2">
@@ -30089,14 +30787,14 @@
           <a:effectLst/>
           <a:extLst>
             <a:ext uri="{909E8E84-426E-40dd-AFC4-6F175D3DCCD1}">
-              <a14:hiddenFill xmlns="" xmlns:a14="http://schemas.microsoft.com/office/drawing/2010/main">
+              <a14:hiddenFill xmlns:a14="http://schemas.microsoft.com/office/drawing/2010/main" xmlns="">
                 <a:solidFill>
                   <a:schemeClr val="bg1"/>
                 </a:solidFill>
               </a14:hiddenFill>
             </a:ext>
             <a:ext uri="{91240B29-F687-4f45-9708-019B960494DF}">
-              <a14:hiddenLine xmlns="" xmlns:a14="http://schemas.microsoft.com/office/drawing/2010/main" w="9525">
+              <a14:hiddenLine xmlns:a14="http://schemas.microsoft.com/office/drawing/2010/main" xmlns="" w="9525">
                 <a:solidFill>
                   <a:schemeClr val="tx1"/>
                 </a:solidFill>
@@ -30106,7 +30804,7 @@
               </a14:hiddenLine>
             </a:ext>
             <a:ext uri="{AF507438-7753-43e0-B8FC-AC1667EBCBE1}">
-              <a14:hiddenEffects xmlns="" xmlns:a14="http://schemas.microsoft.com/office/drawing/2010/main">
+              <a14:hiddenEffects xmlns:a14="http://schemas.microsoft.com/office/drawing/2010/main" xmlns="">
                 <a:effectLst>
                   <a:outerShdw blurRad="63500" dist="38099" dir="2700000" algn="ctr" rotWithShape="0">
                     <a:schemeClr val="bg2">
@@ -30162,7 +30860,7 @@
           <a:effectLst/>
           <a:extLst>
             <a:ext uri="{AF507438-7753-43e0-B8FC-AC1667EBCBE1}">
-              <a14:hiddenEffects xmlns="" xmlns:a14="http://schemas.microsoft.com/office/drawing/2010/main">
+              <a14:hiddenEffects xmlns:a14="http://schemas.microsoft.com/office/drawing/2010/main" xmlns="">
                 <a:effectLst>
                   <a:outerShdw blurRad="63500" dist="38099" dir="2700000" algn="ctr" rotWithShape="0">
                     <a:schemeClr val="bg2">
@@ -30180,7 +30878,7 @@
           <a:p>
             <a:pPr algn="ctr"/>
             <a:r>
-              <a:rPr lang="en-US" altLang="zh-CN" b="1"/>
+              <a:rPr lang="en-US" altLang="zh-CN" b="1" dirty="0"/>
               <a:t>node1</a:t>
             </a:r>
           </a:p>
@@ -30216,7 +30914,7 @@
           <a:effectLst/>
           <a:extLst>
             <a:ext uri="{AF507438-7753-43e0-B8FC-AC1667EBCBE1}">
-              <a14:hiddenEffects xmlns="" xmlns:a14="http://schemas.microsoft.com/office/drawing/2010/main">
+              <a14:hiddenEffects xmlns:a14="http://schemas.microsoft.com/office/drawing/2010/main" xmlns="">
                 <a:effectLst>
                   <a:outerShdw blurRad="63500" dist="38099" dir="2700000" algn="ctr" rotWithShape="0">
                     <a:schemeClr val="bg2">
@@ -30234,7 +30932,7 @@
           <a:p>
             <a:pPr algn="ctr"/>
             <a:r>
-              <a:rPr lang="en-US" altLang="zh-CN" b="1"/>
+              <a:rPr lang="en-US" altLang="zh-CN" b="1" dirty="0"/>
               <a:t>node2</a:t>
             </a:r>
           </a:p>
@@ -30268,12 +30966,12 @@
           <a:effectLst/>
           <a:extLst>
             <a:ext uri="{909E8E84-426E-40dd-AFC4-6F175D3DCCD1}">
-              <a14:hiddenFill xmlns="" xmlns:a14="http://schemas.microsoft.com/office/drawing/2010/main">
+              <a14:hiddenFill xmlns:a14="http://schemas.microsoft.com/office/drawing/2010/main" xmlns="">
                 <a:noFill/>
               </a14:hiddenFill>
             </a:ext>
             <a:ext uri="{AF507438-7753-43e0-B8FC-AC1667EBCBE1}">
-              <a14:hiddenEffects xmlns="" xmlns:a14="http://schemas.microsoft.com/office/drawing/2010/main">
+              <a14:hiddenEffects xmlns:a14="http://schemas.microsoft.com/office/drawing/2010/main" xmlns="">
                 <a:effectLst>
                   <a:outerShdw blurRad="63500" dist="38099" dir="2700000" algn="ctr" rotWithShape="0">
                     <a:schemeClr val="bg2">
@@ -30321,12 +31019,12 @@
           <a:effectLst/>
           <a:extLst>
             <a:ext uri="{909E8E84-426E-40dd-AFC4-6F175D3DCCD1}">
-              <a14:hiddenFill xmlns="" xmlns:a14="http://schemas.microsoft.com/office/drawing/2010/main">
+              <a14:hiddenFill xmlns:a14="http://schemas.microsoft.com/office/drawing/2010/main" xmlns="">
                 <a:noFill/>
               </a14:hiddenFill>
             </a:ext>
             <a:ext uri="{AF507438-7753-43e0-B8FC-AC1667EBCBE1}">
-              <a14:hiddenEffects xmlns="" xmlns:a14="http://schemas.microsoft.com/office/drawing/2010/main">
+              <a14:hiddenEffects xmlns:a14="http://schemas.microsoft.com/office/drawing/2010/main" xmlns="">
                 <a:effectLst>
                   <a:outerShdw blurRad="63500" dist="38099" dir="2700000" algn="ctr" rotWithShape="0">
                     <a:schemeClr val="bg2">
@@ -30369,14 +31067,14 @@
           <a:effectLst/>
           <a:extLst>
             <a:ext uri="{909E8E84-426E-40dd-AFC4-6F175D3DCCD1}">
-              <a14:hiddenFill xmlns="" xmlns:a14="http://schemas.microsoft.com/office/drawing/2010/main">
+              <a14:hiddenFill xmlns:a14="http://schemas.microsoft.com/office/drawing/2010/main" xmlns="">
                 <a:solidFill>
                   <a:schemeClr val="bg1"/>
                 </a:solidFill>
               </a14:hiddenFill>
             </a:ext>
             <a:ext uri="{91240B29-F687-4f45-9708-019B960494DF}">
-              <a14:hiddenLine xmlns="" xmlns:a14="http://schemas.microsoft.com/office/drawing/2010/main" w="9525">
+              <a14:hiddenLine xmlns:a14="http://schemas.microsoft.com/office/drawing/2010/main" xmlns="" w="9525">
                 <a:solidFill>
                   <a:schemeClr val="tx1"/>
                 </a:solidFill>
@@ -30386,7 +31084,7 @@
               </a14:hiddenLine>
             </a:ext>
             <a:ext uri="{AF507438-7753-43e0-B8FC-AC1667EBCBE1}">
-              <a14:hiddenEffects xmlns="" xmlns:a14="http://schemas.microsoft.com/office/drawing/2010/main">
+              <a14:hiddenEffects xmlns:a14="http://schemas.microsoft.com/office/drawing/2010/main" xmlns="">
                 <a:effectLst>
                   <a:outerShdw blurRad="63500" dist="38099" dir="2700000" algn="ctr" rotWithShape="0">
                     <a:schemeClr val="bg2">
@@ -30444,12 +31142,12 @@
           <a:effectLst/>
           <a:extLst>
             <a:ext uri="{909E8E84-426E-40dd-AFC4-6F175D3DCCD1}">
-              <a14:hiddenFill xmlns="" xmlns:a14="http://schemas.microsoft.com/office/drawing/2010/main">
+              <a14:hiddenFill xmlns:a14="http://schemas.microsoft.com/office/drawing/2010/main" xmlns="">
                 <a:noFill/>
               </a14:hiddenFill>
             </a:ext>
             <a:ext uri="{AF507438-7753-43e0-B8FC-AC1667EBCBE1}">
-              <a14:hiddenEffects xmlns="" xmlns:a14="http://schemas.microsoft.com/office/drawing/2010/main">
+              <a14:hiddenEffects xmlns:a14="http://schemas.microsoft.com/office/drawing/2010/main" xmlns="">
                 <a:effectLst>
                   <a:outerShdw blurRad="63500" dist="38099" dir="2700000" algn="ctr" rotWithShape="0">
                     <a:schemeClr val="bg2">
@@ -30490,12 +31188,12 @@
           <a:effectLst/>
           <a:extLst>
             <a:ext uri="{909E8E84-426E-40dd-AFC4-6F175D3DCCD1}">
-              <a14:hiddenFill xmlns="" xmlns:a14="http://schemas.microsoft.com/office/drawing/2010/main">
+              <a14:hiddenFill xmlns:a14="http://schemas.microsoft.com/office/drawing/2010/main" xmlns="">
                 <a:noFill/>
               </a14:hiddenFill>
             </a:ext>
             <a:ext uri="{AF507438-7753-43e0-B8FC-AC1667EBCBE1}">
-              <a14:hiddenEffects xmlns="" xmlns:a14="http://schemas.microsoft.com/office/drawing/2010/main">
+              <a14:hiddenEffects xmlns:a14="http://schemas.microsoft.com/office/drawing/2010/main" xmlns="">
                 <a:effectLst>
                   <a:outerShdw blurRad="63500" dist="38099" dir="2700000" algn="ctr" rotWithShape="0">
                     <a:schemeClr val="bg2">
@@ -30538,14 +31236,14 @@
           <a:effectLst/>
           <a:extLst>
             <a:ext uri="{909E8E84-426E-40dd-AFC4-6F175D3DCCD1}">
-              <a14:hiddenFill xmlns="" xmlns:a14="http://schemas.microsoft.com/office/drawing/2010/main">
+              <a14:hiddenFill xmlns:a14="http://schemas.microsoft.com/office/drawing/2010/main" xmlns="">
                 <a:solidFill>
                   <a:schemeClr val="bg1"/>
                 </a:solidFill>
               </a14:hiddenFill>
             </a:ext>
             <a:ext uri="{91240B29-F687-4f45-9708-019B960494DF}">
-              <a14:hiddenLine xmlns="" xmlns:a14="http://schemas.microsoft.com/office/drawing/2010/main" w="9525">
+              <a14:hiddenLine xmlns:a14="http://schemas.microsoft.com/office/drawing/2010/main" xmlns="" w="9525">
                 <a:solidFill>
                   <a:schemeClr val="tx1"/>
                 </a:solidFill>
@@ -30555,7 +31253,7 @@
               </a14:hiddenLine>
             </a:ext>
             <a:ext uri="{AF507438-7753-43e0-B8FC-AC1667EBCBE1}">
-              <a14:hiddenEffects xmlns="" xmlns:a14="http://schemas.microsoft.com/office/drawing/2010/main">
+              <a14:hiddenEffects xmlns:a14="http://schemas.microsoft.com/office/drawing/2010/main" xmlns="">
                 <a:effectLst>
                   <a:outerShdw blurRad="63500" dist="38099" dir="2700000" algn="ctr" rotWithShape="0">
                     <a:schemeClr val="bg2">
@@ -30610,7 +31308,7 @@
           <a:effectLst/>
           <a:extLst>
             <a:ext uri="{AF507438-7753-43e0-B8FC-AC1667EBCBE1}">
-              <a14:hiddenEffects xmlns="" xmlns:a14="http://schemas.microsoft.com/office/drawing/2010/main">
+              <a14:hiddenEffects xmlns:a14="http://schemas.microsoft.com/office/drawing/2010/main" xmlns="">
                 <a:effectLst>
                   <a:outerShdw blurRad="63500" dist="38099" dir="2700000" algn="ctr" rotWithShape="0">
                     <a:schemeClr val="bg2">
@@ -30662,12 +31360,12 @@
           <a:effectLst/>
           <a:extLst>
             <a:ext uri="{909E8E84-426E-40dd-AFC4-6F175D3DCCD1}">
-              <a14:hiddenFill xmlns="" xmlns:a14="http://schemas.microsoft.com/office/drawing/2010/main">
+              <a14:hiddenFill xmlns:a14="http://schemas.microsoft.com/office/drawing/2010/main" xmlns="">
                 <a:noFill/>
               </a14:hiddenFill>
             </a:ext>
             <a:ext uri="{AF507438-7753-43e0-B8FC-AC1667EBCBE1}">
-              <a14:hiddenEffects xmlns="" xmlns:a14="http://schemas.microsoft.com/office/drawing/2010/main">
+              <a14:hiddenEffects xmlns:a14="http://schemas.microsoft.com/office/drawing/2010/main" xmlns="">
                 <a:effectLst>
                   <a:outerShdw blurRad="63500" dist="38099" dir="2700000" algn="ctr" rotWithShape="0">
                     <a:schemeClr val="bg2">
@@ -30715,12 +31413,12 @@
           <a:effectLst/>
           <a:extLst>
             <a:ext uri="{909E8E84-426E-40dd-AFC4-6F175D3DCCD1}">
-              <a14:hiddenFill xmlns="" xmlns:a14="http://schemas.microsoft.com/office/drawing/2010/main">
+              <a14:hiddenFill xmlns:a14="http://schemas.microsoft.com/office/drawing/2010/main" xmlns="">
                 <a:noFill/>
               </a14:hiddenFill>
             </a:ext>
             <a:ext uri="{AF507438-7753-43e0-B8FC-AC1667EBCBE1}">
-              <a14:hiddenEffects xmlns="" xmlns:a14="http://schemas.microsoft.com/office/drawing/2010/main">
+              <a14:hiddenEffects xmlns:a14="http://schemas.microsoft.com/office/drawing/2010/main" xmlns="">
                 <a:effectLst>
                   <a:outerShdw blurRad="63500" dist="38099" dir="2700000" algn="ctr" rotWithShape="0">
                     <a:schemeClr val="bg2">
@@ -30763,14 +31461,14 @@
           <a:effectLst/>
           <a:extLst>
             <a:ext uri="{909E8E84-426E-40dd-AFC4-6F175D3DCCD1}">
-              <a14:hiddenFill xmlns="" xmlns:a14="http://schemas.microsoft.com/office/drawing/2010/main">
+              <a14:hiddenFill xmlns:a14="http://schemas.microsoft.com/office/drawing/2010/main" xmlns="">
                 <a:solidFill>
                   <a:schemeClr val="bg1"/>
                 </a:solidFill>
               </a14:hiddenFill>
             </a:ext>
             <a:ext uri="{91240B29-F687-4f45-9708-019B960494DF}">
-              <a14:hiddenLine xmlns="" xmlns:a14="http://schemas.microsoft.com/office/drawing/2010/main" w="9525">
+              <a14:hiddenLine xmlns:a14="http://schemas.microsoft.com/office/drawing/2010/main" xmlns="" w="9525">
                 <a:solidFill>
                   <a:schemeClr val="tx1"/>
                 </a:solidFill>
@@ -30780,7 +31478,7 @@
               </a14:hiddenLine>
             </a:ext>
             <a:ext uri="{AF507438-7753-43e0-B8FC-AC1667EBCBE1}">
-              <a14:hiddenEffects xmlns="" xmlns:a14="http://schemas.microsoft.com/office/drawing/2010/main">
+              <a14:hiddenEffects xmlns:a14="http://schemas.microsoft.com/office/drawing/2010/main" xmlns="">
                 <a:effectLst>
                   <a:outerShdw blurRad="63500" dist="38099" dir="2700000" algn="ctr" rotWithShape="0">
                     <a:schemeClr val="bg2">
@@ -30835,7 +31533,7 @@
           <a:effectLst/>
           <a:extLst>
             <a:ext uri="{AF507438-7753-43e0-B8FC-AC1667EBCBE1}">
-              <a14:hiddenEffects xmlns="" xmlns:a14="http://schemas.microsoft.com/office/drawing/2010/main">
+              <a14:hiddenEffects xmlns:a14="http://schemas.microsoft.com/office/drawing/2010/main" xmlns="">
                 <a:effectLst>
                   <a:outerShdw blurRad="63500" dist="38099" dir="2700000" algn="ctr" rotWithShape="0">
                     <a:schemeClr val="bg2">
@@ -30853,7 +31551,7 @@
           <a:p>
             <a:pPr algn="ctr"/>
             <a:r>
-              <a:rPr lang="en-US" altLang="zh-CN" b="1"/>
+              <a:rPr lang="en-US" altLang="zh-CN" b="1" dirty="0"/>
               <a:t>stat</a:t>
             </a:r>
           </a:p>
@@ -30889,7 +31587,7 @@
           <a:effectLst/>
           <a:extLst>
             <a:ext uri="{AF507438-7753-43e0-B8FC-AC1667EBCBE1}">
-              <a14:hiddenEffects xmlns="" xmlns:a14="http://schemas.microsoft.com/office/drawing/2010/main">
+              <a14:hiddenEffects xmlns:a14="http://schemas.microsoft.com/office/drawing/2010/main" xmlns="">
                 <a:effectLst>
                   <a:outerShdw blurRad="63500" dist="38099" dir="2700000" algn="ctr" rotWithShape="0">
                     <a:schemeClr val="bg2">
@@ -30943,7 +31641,7 @@
           <a:effectLst/>
           <a:extLst>
             <a:ext uri="{AF507438-7753-43e0-B8FC-AC1667EBCBE1}">
-              <a14:hiddenEffects xmlns="" xmlns:a14="http://schemas.microsoft.com/office/drawing/2010/main">
+              <a14:hiddenEffects xmlns:a14="http://schemas.microsoft.com/office/drawing/2010/main" xmlns="">
                 <a:effectLst>
                   <a:outerShdw blurRad="63500" dist="38099" dir="2700000" algn="ctr" rotWithShape="0">
                     <a:schemeClr val="bg2">
@@ -30997,7 +31695,7 @@
           <a:effectLst/>
           <a:extLst>
             <a:ext uri="{AF507438-7753-43e0-B8FC-AC1667EBCBE1}">
-              <a14:hiddenEffects xmlns="" xmlns:a14="http://schemas.microsoft.com/office/drawing/2010/main">
+              <a14:hiddenEffects xmlns:a14="http://schemas.microsoft.com/office/drawing/2010/main" xmlns="">
                 <a:effectLst>
                   <a:outerShdw blurRad="63500" dist="38099" dir="2700000" algn="ctr" rotWithShape="0">
                     <a:schemeClr val="bg2">
@@ -31051,7 +31749,7 @@
           <a:effectLst/>
           <a:extLst>
             <a:ext uri="{AF507438-7753-43e0-B8FC-AC1667EBCBE1}">
-              <a14:hiddenEffects xmlns="" xmlns:a14="http://schemas.microsoft.com/office/drawing/2010/main">
+              <a14:hiddenEffects xmlns:a14="http://schemas.microsoft.com/office/drawing/2010/main" xmlns="">
                 <a:effectLst>
                   <a:outerShdw blurRad="63500" dist="38099" dir="2700000" algn="ctr" rotWithShape="0">
                     <a:schemeClr val="bg2">
@@ -31104,12 +31802,12 @@
           <a:effectLst/>
           <a:extLst>
             <a:ext uri="{909E8E84-426E-40dd-AFC4-6F175D3DCCD1}">
-              <a14:hiddenFill xmlns="" xmlns:a14="http://schemas.microsoft.com/office/drawing/2010/main">
+              <a14:hiddenFill xmlns:a14="http://schemas.microsoft.com/office/drawing/2010/main" xmlns="">
                 <a:noFill/>
               </a14:hiddenFill>
             </a:ext>
             <a:ext uri="{AF507438-7753-43e0-B8FC-AC1667EBCBE1}">
-              <a14:hiddenEffects xmlns="" xmlns:a14="http://schemas.microsoft.com/office/drawing/2010/main">
+              <a14:hiddenEffects xmlns:a14="http://schemas.microsoft.com/office/drawing/2010/main" xmlns="">
                 <a:effectLst>
                   <a:outerShdw blurRad="63500" dist="38099" dir="2700000" algn="ctr" rotWithShape="0">
                     <a:schemeClr val="bg2">
@@ -31158,12 +31856,12 @@
           <a:effectLst/>
           <a:extLst>
             <a:ext uri="{909E8E84-426E-40dd-AFC4-6F175D3DCCD1}">
-              <a14:hiddenFill xmlns="" xmlns:a14="http://schemas.microsoft.com/office/drawing/2010/main">
+              <a14:hiddenFill xmlns:a14="http://schemas.microsoft.com/office/drawing/2010/main" xmlns="">
                 <a:noFill/>
               </a14:hiddenFill>
             </a:ext>
             <a:ext uri="{AF507438-7753-43e0-B8FC-AC1667EBCBE1}">
-              <a14:hiddenEffects xmlns="" xmlns:a14="http://schemas.microsoft.com/office/drawing/2010/main">
+              <a14:hiddenEffects xmlns:a14="http://schemas.microsoft.com/office/drawing/2010/main" xmlns="">
                 <a:effectLst>
                   <a:outerShdw blurRad="63500" dist="38099" dir="2700000" algn="ctr" rotWithShape="0">
                     <a:schemeClr val="bg2">
@@ -31212,12 +31910,12 @@
           <a:effectLst/>
           <a:extLst>
             <a:ext uri="{909E8E84-426E-40dd-AFC4-6F175D3DCCD1}">
-              <a14:hiddenFill xmlns="" xmlns:a14="http://schemas.microsoft.com/office/drawing/2010/main">
+              <a14:hiddenFill xmlns:a14="http://schemas.microsoft.com/office/drawing/2010/main" xmlns="">
                 <a:noFill/>
               </a14:hiddenFill>
             </a:ext>
             <a:ext uri="{AF507438-7753-43e0-B8FC-AC1667EBCBE1}">
-              <a14:hiddenEffects xmlns="" xmlns:a14="http://schemas.microsoft.com/office/drawing/2010/main">
+              <a14:hiddenEffects xmlns:a14="http://schemas.microsoft.com/office/drawing/2010/main" xmlns="">
                 <a:effectLst>
                   <a:outerShdw blurRad="63500" dist="38099" dir="2700000" algn="ctr" rotWithShape="0">
                     <a:schemeClr val="bg2">
@@ -31266,12 +31964,12 @@
           <a:effectLst/>
           <a:extLst>
             <a:ext uri="{909E8E84-426E-40dd-AFC4-6F175D3DCCD1}">
-              <a14:hiddenFill xmlns="" xmlns:a14="http://schemas.microsoft.com/office/drawing/2010/main">
+              <a14:hiddenFill xmlns:a14="http://schemas.microsoft.com/office/drawing/2010/main" xmlns="">
                 <a:noFill/>
               </a14:hiddenFill>
             </a:ext>
             <a:ext uri="{AF507438-7753-43e0-B8FC-AC1667EBCBE1}">
-              <a14:hiddenEffects xmlns="" xmlns:a14="http://schemas.microsoft.com/office/drawing/2010/main">
+              <a14:hiddenEffects xmlns:a14="http://schemas.microsoft.com/office/drawing/2010/main" xmlns="">
                 <a:effectLst>
                   <a:outerShdw blurRad="63500" dist="38099" dir="2700000" algn="ctr" rotWithShape="0">
                     <a:schemeClr val="bg2">
@@ -31320,12 +32018,12 @@
           <a:effectLst/>
           <a:extLst>
             <a:ext uri="{909E8E84-426E-40dd-AFC4-6F175D3DCCD1}">
-              <a14:hiddenFill xmlns="" xmlns:a14="http://schemas.microsoft.com/office/drawing/2010/main">
+              <a14:hiddenFill xmlns:a14="http://schemas.microsoft.com/office/drawing/2010/main" xmlns="">
                 <a:noFill/>
               </a14:hiddenFill>
             </a:ext>
             <a:ext uri="{AF507438-7753-43e0-B8FC-AC1667EBCBE1}">
-              <a14:hiddenEffects xmlns="" xmlns:a14="http://schemas.microsoft.com/office/drawing/2010/main">
+              <a14:hiddenEffects xmlns:a14="http://schemas.microsoft.com/office/drawing/2010/main" xmlns="">
                 <a:effectLst>
                   <a:outerShdw blurRad="63500" dist="38099" dir="2700000" algn="ctr" rotWithShape="0">
                     <a:schemeClr val="bg2">
@@ -31374,12 +32072,12 @@
           <a:effectLst/>
           <a:extLst>
             <a:ext uri="{909E8E84-426E-40dd-AFC4-6F175D3DCCD1}">
-              <a14:hiddenFill xmlns="" xmlns:a14="http://schemas.microsoft.com/office/drawing/2010/main">
+              <a14:hiddenFill xmlns:a14="http://schemas.microsoft.com/office/drawing/2010/main" xmlns="">
                 <a:noFill/>
               </a14:hiddenFill>
             </a:ext>
             <a:ext uri="{AF507438-7753-43e0-B8FC-AC1667EBCBE1}">
-              <a14:hiddenEffects xmlns="" xmlns:a14="http://schemas.microsoft.com/office/drawing/2010/main">
+              <a14:hiddenEffects xmlns:a14="http://schemas.microsoft.com/office/drawing/2010/main" xmlns="">
                 <a:effectLst>
                   <a:outerShdw blurRad="63500" dist="38099" dir="2700000" algn="ctr" rotWithShape="0">
                     <a:schemeClr val="bg2">
@@ -31422,14 +32120,14 @@
           <a:effectLst/>
           <a:extLst>
             <a:ext uri="{909E8E84-426E-40dd-AFC4-6F175D3DCCD1}">
-              <a14:hiddenFill xmlns="" xmlns:a14="http://schemas.microsoft.com/office/drawing/2010/main">
+              <a14:hiddenFill xmlns:a14="http://schemas.microsoft.com/office/drawing/2010/main" xmlns="">
                 <a:solidFill>
                   <a:schemeClr val="bg1"/>
                 </a:solidFill>
               </a14:hiddenFill>
             </a:ext>
             <a:ext uri="{91240B29-F687-4f45-9708-019B960494DF}">
-              <a14:hiddenLine xmlns="" xmlns:a14="http://schemas.microsoft.com/office/drawing/2010/main" w="9525">
+              <a14:hiddenLine xmlns:a14="http://schemas.microsoft.com/office/drawing/2010/main" xmlns="" w="9525">
                 <a:solidFill>
                   <a:schemeClr val="tx1"/>
                 </a:solidFill>
@@ -31439,7 +32137,7 @@
               </a14:hiddenLine>
             </a:ext>
             <a:ext uri="{AF507438-7753-43e0-B8FC-AC1667EBCBE1}">
-              <a14:hiddenEffects xmlns="" xmlns:a14="http://schemas.microsoft.com/office/drawing/2010/main">
+              <a14:hiddenEffects xmlns:a14="http://schemas.microsoft.com/office/drawing/2010/main" xmlns="">
                 <a:effectLst>
                   <a:outerShdw blurRad="63500" dist="38099" dir="2700000" algn="ctr" rotWithShape="0">
                     <a:schemeClr val="bg2">
@@ -31487,14 +32185,14 @@
           <a:effectLst/>
           <a:extLst>
             <a:ext uri="{909E8E84-426E-40dd-AFC4-6F175D3DCCD1}">
-              <a14:hiddenFill xmlns="" xmlns:a14="http://schemas.microsoft.com/office/drawing/2010/main">
+              <a14:hiddenFill xmlns:a14="http://schemas.microsoft.com/office/drawing/2010/main" xmlns="">
                 <a:solidFill>
                   <a:schemeClr val="bg1"/>
                 </a:solidFill>
               </a14:hiddenFill>
             </a:ext>
             <a:ext uri="{91240B29-F687-4f45-9708-019B960494DF}">
-              <a14:hiddenLine xmlns="" xmlns:a14="http://schemas.microsoft.com/office/drawing/2010/main" w="9525">
+              <a14:hiddenLine xmlns:a14="http://schemas.microsoft.com/office/drawing/2010/main" xmlns="" w="9525">
                 <a:solidFill>
                   <a:schemeClr val="tx1"/>
                 </a:solidFill>
@@ -31504,7 +32202,7 @@
               </a14:hiddenLine>
             </a:ext>
             <a:ext uri="{AF507438-7753-43e0-B8FC-AC1667EBCBE1}">
-              <a14:hiddenEffects xmlns="" xmlns:a14="http://schemas.microsoft.com/office/drawing/2010/main">
+              <a14:hiddenEffects xmlns:a14="http://schemas.microsoft.com/office/drawing/2010/main" xmlns="">
                 <a:effectLst>
                   <a:outerShdw blurRad="63500" dist="38099" dir="2700000" algn="ctr" rotWithShape="0">
                     <a:schemeClr val="bg2">
@@ -31553,14 +32251,14 @@
           <a:effectLst/>
           <a:extLst>
             <a:ext uri="{909E8E84-426E-40dd-AFC4-6F175D3DCCD1}">
-              <a14:hiddenFill xmlns="" xmlns:a14="http://schemas.microsoft.com/office/drawing/2010/main">
+              <a14:hiddenFill xmlns:a14="http://schemas.microsoft.com/office/drawing/2010/main" xmlns="">
                 <a:solidFill>
                   <a:schemeClr val="bg1"/>
                 </a:solidFill>
               </a14:hiddenFill>
             </a:ext>
             <a:ext uri="{91240B29-F687-4f45-9708-019B960494DF}">
-              <a14:hiddenLine xmlns="" xmlns:a14="http://schemas.microsoft.com/office/drawing/2010/main" w="9525">
+              <a14:hiddenLine xmlns:a14="http://schemas.microsoft.com/office/drawing/2010/main" xmlns="" w="9525">
                 <a:solidFill>
                   <a:schemeClr val="tx1"/>
                 </a:solidFill>
@@ -31570,7 +32268,7 @@
               </a14:hiddenLine>
             </a:ext>
             <a:ext uri="{AF507438-7753-43e0-B8FC-AC1667EBCBE1}">
-              <a14:hiddenEffects xmlns="" xmlns:a14="http://schemas.microsoft.com/office/drawing/2010/main">
+              <a14:hiddenEffects xmlns:a14="http://schemas.microsoft.com/office/drawing/2010/main" xmlns="">
                 <a:effectLst>
                   <a:outerShdw blurRad="63500" dist="38099" dir="2700000" algn="ctr" rotWithShape="0">
                     <a:schemeClr val="bg2">
@@ -31618,14 +32316,14 @@
           </a:ln>
           <a:extLst>
             <a:ext uri="{909E8E84-426E-40dd-AFC4-6F175D3DCCD1}">
-              <a14:hiddenFill xmlns="" xmlns:a14="http://schemas.microsoft.com/office/drawing/2010/main">
+              <a14:hiddenFill xmlns:a14="http://schemas.microsoft.com/office/drawing/2010/main" xmlns="">
                 <a:solidFill>
                   <a:srgbClr val="FFFFFF"/>
                 </a:solidFill>
               </a14:hiddenFill>
             </a:ext>
             <a:ext uri="{91240B29-F687-4f45-9708-019B960494DF}">
-              <a14:hiddenLine xmlns="" xmlns:a14="http://schemas.microsoft.com/office/drawing/2010/main" w="9525">
+              <a14:hiddenLine xmlns:a14="http://schemas.microsoft.com/office/drawing/2010/main" xmlns="" w="9525">
                 <a:solidFill>
                   <a:srgbClr val="000000"/>
                 </a:solidFill>
@@ -31688,7 +32386,7 @@
           <a:effectLst/>
           <a:extLst>
             <a:ext uri="{AF507438-7753-43e0-B8FC-AC1667EBCBE1}">
-              <a14:hiddenEffects xmlns="" xmlns:a14="http://schemas.microsoft.com/office/drawing/2010/main">
+              <a14:hiddenEffects xmlns:a14="http://schemas.microsoft.com/office/drawing/2010/main" xmlns="">
                 <a:effectLst>
                   <a:outerShdw blurRad="63500" dist="38099" dir="2700000" algn="ctr" rotWithShape="0">
                     <a:schemeClr val="bg2">
@@ -31752,7 +32450,7 @@
           <a:effectLst/>
           <a:extLst>
             <a:ext uri="{AF507438-7753-43e0-B8FC-AC1667EBCBE1}">
-              <a14:hiddenEffects xmlns="" xmlns:a14="http://schemas.microsoft.com/office/drawing/2010/main">
+              <a14:hiddenEffects xmlns:a14="http://schemas.microsoft.com/office/drawing/2010/main" xmlns="">
                 <a:effectLst>
                   <a:outerShdw blurRad="63500" dist="38099" dir="2700000" algn="ctr" rotWithShape="0">
                     <a:schemeClr val="bg2">
@@ -31817,12 +32515,12 @@
           <a:effectLst/>
           <a:extLst>
             <a:ext uri="{909E8E84-426E-40dd-AFC4-6F175D3DCCD1}">
-              <a14:hiddenFill xmlns="" xmlns:a14="http://schemas.microsoft.com/office/drawing/2010/main">
+              <a14:hiddenFill xmlns:a14="http://schemas.microsoft.com/office/drawing/2010/main" xmlns="">
                 <a:noFill/>
               </a14:hiddenFill>
             </a:ext>
             <a:ext uri="{AF507438-7753-43e0-B8FC-AC1667EBCBE1}">
-              <a14:hiddenEffects xmlns="" xmlns:a14="http://schemas.microsoft.com/office/drawing/2010/main">
+              <a14:hiddenEffects xmlns:a14="http://schemas.microsoft.com/office/drawing/2010/main" xmlns="">
                 <a:effectLst>
                   <a:outerShdw blurRad="63500" dist="38099" dir="2700000" algn="ctr" rotWithShape="0">
                     <a:schemeClr val="bg2">
@@ -31894,14 +32592,14 @@
           </a:ln>
           <a:extLst>
             <a:ext uri="{909E8E84-426E-40dd-AFC4-6F175D3DCCD1}">
-              <a14:hiddenFill xmlns="" xmlns:a14="http://schemas.microsoft.com/office/drawing/2010/main">
+              <a14:hiddenFill xmlns:a14="http://schemas.microsoft.com/office/drawing/2010/main" xmlns="">
                 <a:solidFill>
                   <a:srgbClr val="FFFFFF"/>
                 </a:solidFill>
               </a14:hiddenFill>
             </a:ext>
             <a:ext uri="{91240B29-F687-4f45-9708-019B960494DF}">
-              <a14:hiddenLine xmlns="" xmlns:a14="http://schemas.microsoft.com/office/drawing/2010/main" w="9525">
+              <a14:hiddenLine xmlns:a14="http://schemas.microsoft.com/office/drawing/2010/main" xmlns="" w="9525">
                 <a:solidFill>
                   <a:srgbClr val="000000"/>
                 </a:solidFill>
@@ -31973,7 +32671,7 @@
           <a:effectLst/>
           <a:extLst>
             <a:ext uri="{AF507438-7753-43e0-B8FC-AC1667EBCBE1}">
-              <a14:hiddenEffects xmlns="" xmlns:a14="http://schemas.microsoft.com/office/drawing/2010/main">
+              <a14:hiddenEffects xmlns:a14="http://schemas.microsoft.com/office/drawing/2010/main" xmlns="">
                 <a:effectLst>
                   <a:outerShdw blurRad="63500" dist="38099" dir="2700000" algn="ctr" rotWithShape="0">
                     <a:schemeClr val="bg2">
@@ -32027,7 +32725,7 @@
           <a:effectLst/>
           <a:extLst>
             <a:ext uri="{AF507438-7753-43e0-B8FC-AC1667EBCBE1}">
-              <a14:hiddenEffects xmlns="" xmlns:a14="http://schemas.microsoft.com/office/drawing/2010/main">
+              <a14:hiddenEffects xmlns:a14="http://schemas.microsoft.com/office/drawing/2010/main" xmlns="">
                 <a:effectLst>
                   <a:outerShdw blurRad="63500" dist="38099" dir="2700000" algn="ctr" rotWithShape="0">
                     <a:schemeClr val="bg2">
@@ -32045,14 +32743,14 @@
           <a:p>
             <a:pPr algn="ctr"/>
             <a:r>
-              <a:rPr lang="en-US" b="1"/>
+              <a:rPr lang="en-US" b="1" dirty="0"/>
               <a:t>Application</a:t>
             </a:r>
           </a:p>
           <a:p>
             <a:pPr algn="ctr"/>
             <a:r>
-              <a:rPr lang="zh-CN"/>
+              <a:rPr lang="zh-CN" dirty="0"/>
               <a:t>(conf/log/notify)</a:t>
             </a:r>
           </a:p>
@@ -32088,7 +32786,7 @@
           <a:effectLst/>
           <a:extLst>
             <a:ext uri="{AF507438-7753-43e0-B8FC-AC1667EBCBE1}">
-              <a14:hiddenEffects xmlns="" xmlns:a14="http://schemas.microsoft.com/office/drawing/2010/main">
+              <a14:hiddenEffects xmlns:a14="http://schemas.microsoft.com/office/drawing/2010/main" xmlns="">
                 <a:effectLst>
                   <a:outerShdw blurRad="63500" dist="38099" dir="2700000" algn="ctr" rotWithShape="0">
                     <a:schemeClr val="bg2">
@@ -32106,32 +32804,33 @@
           <a:p>
             <a:pPr algn="ctr"/>
             <a:r>
-              <a:rPr lang="zh-CN" b="1"/>
+              <a:rPr lang="zh-CN" b="1" dirty="0"/>
               <a:t>C</a:t>
             </a:r>
             <a:r>
-              <a:rPr lang="en-US" b="1"/>
+              <a:rPr lang="en-US" b="1" dirty="0" err="1"/>
               <a:t>ommunicator</a:t>
             </a:r>
+            <a:endParaRPr lang="en-US" b="1" dirty="0"/>
           </a:p>
           <a:p>
             <a:pPr algn="ctr"/>
             <a:r>
-              <a:rPr lang="en-US"/>
+              <a:rPr lang="en-US" dirty="0"/>
               <a:t>(stat</a:t>
             </a:r>
             <a:r>
-              <a:rPr lang="en-US" altLang="zh-CN"/>
+              <a:rPr lang="en-US" altLang="zh-CN" dirty="0"/>
               <a:t>/property</a:t>
             </a:r>
             <a:r>
-              <a:rPr lang="en-US"/>
+              <a:rPr lang="en-US" dirty="0"/>
               <a:t>)</a:t>
             </a:r>
           </a:p>
           <a:p>
             <a:pPr algn="ctr"/>
-            <a:endParaRPr lang="en-US"/>
+            <a:endParaRPr lang="en-US" dirty="0"/>
           </a:p>
         </p:txBody>
       </p:sp>
@@ -32165,7 +32864,7 @@
           <a:effectLst/>
           <a:extLst>
             <a:ext uri="{AF507438-7753-43e0-B8FC-AC1667EBCBE1}">
-              <a14:hiddenEffects xmlns="" xmlns:a14="http://schemas.microsoft.com/office/drawing/2010/main">
+              <a14:hiddenEffects xmlns:a14="http://schemas.microsoft.com/office/drawing/2010/main" xmlns="">
                 <a:effectLst>
                   <a:outerShdw blurRad="63500" dist="38099" dir="2700000" algn="ctr" rotWithShape="0">
                     <a:schemeClr val="bg2">
@@ -32219,7 +32918,7 @@
           <a:effectLst/>
           <a:extLst>
             <a:ext uri="{AF507438-7753-43e0-B8FC-AC1667EBCBE1}">
-              <a14:hiddenEffects xmlns="" xmlns:a14="http://schemas.microsoft.com/office/drawing/2010/main">
+              <a14:hiddenEffects xmlns:a14="http://schemas.microsoft.com/office/drawing/2010/main" xmlns="">
                 <a:effectLst>
                   <a:outerShdw blurRad="63500" dist="38099" dir="2700000" algn="ctr" rotWithShape="0">
                     <a:schemeClr val="bg2">
@@ -32273,7 +32972,7 @@
           <a:effectLst/>
           <a:extLst>
             <a:ext uri="{AF507438-7753-43e0-B8FC-AC1667EBCBE1}">
-              <a14:hiddenEffects xmlns="" xmlns:a14="http://schemas.microsoft.com/office/drawing/2010/main">
+              <a14:hiddenEffects xmlns:a14="http://schemas.microsoft.com/office/drawing/2010/main" xmlns="">
                 <a:effectLst>
                   <a:outerShdw blurRad="63500" dist="38099" dir="2700000" algn="ctr" rotWithShape="0">
                     <a:schemeClr val="bg2">
@@ -32327,7 +33026,7 @@
           <a:effectLst/>
           <a:extLst>
             <a:ext uri="{AF507438-7753-43e0-B8FC-AC1667EBCBE1}">
-              <a14:hiddenEffects xmlns="" xmlns:a14="http://schemas.microsoft.com/office/drawing/2010/main">
+              <a14:hiddenEffects xmlns:a14="http://schemas.microsoft.com/office/drawing/2010/main" xmlns="">
                 <a:effectLst>
                   <a:outerShdw blurRad="63500" dist="38099" dir="2700000" algn="ctr" rotWithShape="0">
                     <a:schemeClr val="bg2">
@@ -32381,7 +33080,7 @@
           <a:effectLst/>
           <a:extLst>
             <a:ext uri="{AF507438-7753-43e0-B8FC-AC1667EBCBE1}">
-              <a14:hiddenEffects xmlns="" xmlns:a14="http://schemas.microsoft.com/office/drawing/2010/main">
+              <a14:hiddenEffects xmlns:a14="http://schemas.microsoft.com/office/drawing/2010/main" xmlns="">
                 <a:effectLst>
                   <a:outerShdw blurRad="63500" dist="38099" dir="2700000" algn="ctr" rotWithShape="0">
                     <a:schemeClr val="bg2">
@@ -32435,7 +33134,7 @@
           <a:effectLst/>
           <a:extLst>
             <a:ext uri="{AF507438-7753-43e0-B8FC-AC1667EBCBE1}">
-              <a14:hiddenEffects xmlns="" xmlns:a14="http://schemas.microsoft.com/office/drawing/2010/main">
+              <a14:hiddenEffects xmlns:a14="http://schemas.microsoft.com/office/drawing/2010/main" xmlns="">
                 <a:effectLst>
                   <a:outerShdw blurRad="63500" dist="38099" dir="2700000" algn="ctr" rotWithShape="0">
                     <a:schemeClr val="bg2">
@@ -32489,7 +33188,7 @@
           <a:effectLst/>
           <a:extLst>
             <a:ext uri="{AF507438-7753-43e0-B8FC-AC1667EBCBE1}">
-              <a14:hiddenEffects xmlns="" xmlns:a14="http://schemas.microsoft.com/office/drawing/2010/main">
+              <a14:hiddenEffects xmlns:a14="http://schemas.microsoft.com/office/drawing/2010/main" xmlns="">
                 <a:effectLst>
                   <a:outerShdw blurRad="63500" dist="38099" dir="2700000" algn="ctr" rotWithShape="0">
                     <a:schemeClr val="bg2">
@@ -32543,7 +33242,7 @@
           <a:effectLst/>
           <a:extLst>
             <a:ext uri="{AF507438-7753-43e0-B8FC-AC1667EBCBE1}">
-              <a14:hiddenEffects xmlns="" xmlns:a14="http://schemas.microsoft.com/office/drawing/2010/main">
+              <a14:hiddenEffects xmlns:a14="http://schemas.microsoft.com/office/drawing/2010/main" xmlns="">
                 <a:effectLst>
                   <a:outerShdw blurRad="63500" dist="38099" dir="2700000" algn="ctr" rotWithShape="0">
                     <a:schemeClr val="bg2">
@@ -32598,7 +33297,7 @@
           <a:effectLst/>
           <a:extLst>
             <a:ext uri="{AF507438-7753-43e0-B8FC-AC1667EBCBE1}">
-              <a14:hiddenEffects xmlns="" xmlns:a14="http://schemas.microsoft.com/office/drawing/2010/main">
+              <a14:hiddenEffects xmlns:a14="http://schemas.microsoft.com/office/drawing/2010/main" xmlns="">
                 <a:effectLst>
                   <a:outerShdw blurRad="63500" dist="38099" dir="2700000" algn="ctr" rotWithShape="0">
                     <a:schemeClr val="bg2">
@@ -32653,7 +33352,7 @@
           <a:effectLst/>
           <a:extLst>
             <a:ext uri="{AF507438-7753-43e0-B8FC-AC1667EBCBE1}">
-              <a14:hiddenEffects xmlns="" xmlns:a14="http://schemas.microsoft.com/office/drawing/2010/main">
+              <a14:hiddenEffects xmlns:a14="http://schemas.microsoft.com/office/drawing/2010/main" xmlns="">
                 <a:effectLst>
                   <a:outerShdw blurRad="63500" dist="38099" dir="2700000" algn="ctr" rotWithShape="0">
                     <a:schemeClr val="bg2">
@@ -32671,9 +33370,10 @@
           <a:p>
             <a:pPr algn="ctr"/>
             <a:r>
-              <a:rPr lang="en-US"/>
+              <a:rPr lang="en-US" dirty="0" err="1"/>
               <a:t>libparse</a:t>
             </a:r>
+            <a:endParaRPr lang="en-US" dirty="0"/>
           </a:p>
         </p:txBody>
       </p:sp>
@@ -32707,7 +33407,7 @@
           <a:effectLst/>
           <a:extLst>
             <a:ext uri="{AF507438-7753-43e0-B8FC-AC1667EBCBE1}">
-              <a14:hiddenEffects xmlns="" xmlns:a14="http://schemas.microsoft.com/office/drawing/2010/main">
+              <a14:hiddenEffects xmlns:a14="http://schemas.microsoft.com/office/drawing/2010/main" xmlns="">
                 <a:effectLst>
                   <a:outerShdw blurRad="63500" dist="38099" dir="2700000" algn="ctr" rotWithShape="0">
                     <a:schemeClr val="bg2">
@@ -32794,7 +33494,7 @@
           <a:effectLst/>
           <a:extLst>
             <a:ext uri="{AF507438-7753-43e0-B8FC-AC1667EBCBE1}">
-              <a14:hiddenEffects xmlns="" xmlns:a14="http://schemas.microsoft.com/office/drawing/2010/main">
+              <a14:hiddenEffects xmlns:a14="http://schemas.microsoft.com/office/drawing/2010/main" xmlns="">
                 <a:effectLst>
                   <a:outerShdw blurRad="63500" dist="38099" dir="2700000" algn="ctr" rotWithShape="0">
                     <a:schemeClr val="bg2">
@@ -32812,8 +33512,8 @@
           <a:p>
             <a:pPr algn="ctr"/>
             <a:r>
-              <a:rPr lang="en-US"/>
-              <a:t>Jce protocol</a:t>
+              <a:rPr lang="en-US" dirty="0"/>
+              <a:t>tars protocol</a:t>
             </a:r>
           </a:p>
         </p:txBody>
@@ -32848,7 +33548,7 @@
           <a:effectLst/>
           <a:extLst>
             <a:ext uri="{AF507438-7753-43e0-B8FC-AC1667EBCBE1}">
-              <a14:hiddenEffects xmlns="" xmlns:a14="http://schemas.microsoft.com/office/drawing/2010/main">
+              <a14:hiddenEffects xmlns:a14="http://schemas.microsoft.com/office/drawing/2010/main" xmlns="">
                 <a:effectLst>
                   <a:outerShdw blurRad="63500" dist="38099" dir="2700000" algn="ctr" rotWithShape="0">
                     <a:schemeClr val="bg2">
@@ -32907,7 +33607,7 @@
           <a:effectLst/>
           <a:extLst>
             <a:ext uri="{AF507438-7753-43e0-B8FC-AC1667EBCBE1}">
-              <a14:hiddenEffects xmlns="" xmlns:a14="http://schemas.microsoft.com/office/drawing/2010/main">
+              <a14:hiddenEffects xmlns:a14="http://schemas.microsoft.com/office/drawing/2010/main" xmlns="">
                 <a:effectLst>
                   <a:outerShdw blurRad="63500" dist="38099" dir="2700000" algn="ctr" rotWithShape="0">
                     <a:schemeClr val="bg2">
@@ -32958,7 +33658,7 @@
           <a:effectLst/>
           <a:extLst>
             <a:ext uri="{AF507438-7753-43e0-B8FC-AC1667EBCBE1}">
-              <a14:hiddenEffects xmlns="" xmlns:a14="http://schemas.microsoft.com/office/drawing/2010/main">
+              <a14:hiddenEffects xmlns:a14="http://schemas.microsoft.com/office/drawing/2010/main" xmlns="">
                 <a:effectLst>
                   <a:outerShdw blurRad="63500" dist="38099" dir="2700000" algn="ctr" rotWithShape="0">
                     <a:schemeClr val="bg2">
@@ -33009,7 +33709,7 @@
           <a:effectLst/>
           <a:extLst>
             <a:ext uri="{AF507438-7753-43e0-B8FC-AC1667EBCBE1}">
-              <a14:hiddenEffects xmlns="" xmlns:a14="http://schemas.microsoft.com/office/drawing/2010/main">
+              <a14:hiddenEffects xmlns:a14="http://schemas.microsoft.com/office/drawing/2010/main" xmlns="">
                 <a:effectLst>
                   <a:outerShdw blurRad="63500" dist="38099" dir="2700000" algn="ctr" rotWithShape="0">
                     <a:schemeClr val="bg2">
@@ -33060,7 +33760,7 @@
           <a:effectLst/>
           <a:extLst>
             <a:ext uri="{AF507438-7753-43e0-B8FC-AC1667EBCBE1}">
-              <a14:hiddenEffects xmlns="" xmlns:a14="http://schemas.microsoft.com/office/drawing/2010/main">
+              <a14:hiddenEffects xmlns:a14="http://schemas.microsoft.com/office/drawing/2010/main" xmlns="">
                 <a:effectLst>
                   <a:outerShdw blurRad="63500" dist="38099" dir="2700000" algn="ctr" rotWithShape="0">
                     <a:schemeClr val="bg2">
@@ -33111,7 +33811,7 @@
           <a:effectLst/>
           <a:extLst>
             <a:ext uri="{AF507438-7753-43e0-B8FC-AC1667EBCBE1}">
-              <a14:hiddenEffects xmlns="" xmlns:a14="http://schemas.microsoft.com/office/drawing/2010/main">
+              <a14:hiddenEffects xmlns:a14="http://schemas.microsoft.com/office/drawing/2010/main" xmlns="">
                 <a:effectLst>
                   <a:outerShdw blurRad="63500" dist="38099" dir="2700000" algn="ctr" rotWithShape="0">
                     <a:schemeClr val="bg2">
@@ -33162,7 +33862,7 @@
           <a:effectLst/>
           <a:extLst>
             <a:ext uri="{AF507438-7753-43e0-B8FC-AC1667EBCBE1}">
-              <a14:hiddenEffects xmlns="" xmlns:a14="http://schemas.microsoft.com/office/drawing/2010/main">
+              <a14:hiddenEffects xmlns:a14="http://schemas.microsoft.com/office/drawing/2010/main" xmlns="">
                 <a:effectLst>
                   <a:outerShdw blurRad="63500" dist="38099" dir="2700000" algn="ctr" rotWithShape="0">
                     <a:schemeClr val="bg2">
@@ -33206,14 +33906,14 @@
           <a:effectLst/>
           <a:extLst>
             <a:ext uri="{909E8E84-426E-40dd-AFC4-6F175D3DCCD1}">
-              <a14:hiddenFill xmlns="" xmlns:a14="http://schemas.microsoft.com/office/drawing/2010/main">
+              <a14:hiddenFill xmlns:a14="http://schemas.microsoft.com/office/drawing/2010/main" xmlns="">
                 <a:solidFill>
                   <a:srgbClr val="FF9900"/>
                 </a:solidFill>
               </a14:hiddenFill>
             </a:ext>
             <a:ext uri="{91240B29-F687-4f45-9708-019B960494DF}">
-              <a14:hiddenLine xmlns="" xmlns:a14="http://schemas.microsoft.com/office/drawing/2010/main" w="9525">
+              <a14:hiddenLine xmlns:a14="http://schemas.microsoft.com/office/drawing/2010/main" xmlns="" w="9525">
                 <a:solidFill>
                   <a:srgbClr val="000000"/>
                 </a:solidFill>
@@ -33223,7 +33923,7 @@
               </a14:hiddenLine>
             </a:ext>
             <a:ext uri="{AF507438-7753-43e0-B8FC-AC1667EBCBE1}">
-              <a14:hiddenEffects xmlns="" xmlns:a14="http://schemas.microsoft.com/office/drawing/2010/main">
+              <a14:hiddenEffects xmlns:a14="http://schemas.microsoft.com/office/drawing/2010/main" xmlns="">
                 <a:effectLst>
                   <a:outerShdw blurRad="63500" dist="38099" dir="2700000" algn="ctr" rotWithShape="0">
                     <a:schemeClr val="bg2">
@@ -33270,14 +33970,14 @@
           <a:effectLst/>
           <a:extLst>
             <a:ext uri="{909E8E84-426E-40dd-AFC4-6F175D3DCCD1}">
-              <a14:hiddenFill xmlns="" xmlns:a14="http://schemas.microsoft.com/office/drawing/2010/main">
+              <a14:hiddenFill xmlns:a14="http://schemas.microsoft.com/office/drawing/2010/main" xmlns="">
                 <a:solidFill>
                   <a:srgbClr val="6699FF"/>
                 </a:solidFill>
               </a14:hiddenFill>
             </a:ext>
             <a:ext uri="{91240B29-F687-4f45-9708-019B960494DF}">
-              <a14:hiddenLine xmlns="" xmlns:a14="http://schemas.microsoft.com/office/drawing/2010/main" w="9525">
+              <a14:hiddenLine xmlns:a14="http://schemas.microsoft.com/office/drawing/2010/main" xmlns="" w="9525">
                 <a:solidFill>
                   <a:srgbClr val="000000"/>
                 </a:solidFill>
@@ -33287,7 +33987,7 @@
               </a14:hiddenLine>
             </a:ext>
             <a:ext uri="{AF507438-7753-43e0-B8FC-AC1667EBCBE1}">
-              <a14:hiddenEffects xmlns="" xmlns:a14="http://schemas.microsoft.com/office/drawing/2010/main">
+              <a14:hiddenEffects xmlns:a14="http://schemas.microsoft.com/office/drawing/2010/main" xmlns="">
                 <a:effectLst>
                   <a:outerShdw blurRad="63500" dist="38099" dir="2700000" algn="ctr" rotWithShape="0">
                     <a:schemeClr val="bg2">
@@ -33335,14 +34035,14 @@
           <a:effectLst/>
           <a:extLst>
             <a:ext uri="{909E8E84-426E-40dd-AFC4-6F175D3DCCD1}">
-              <a14:hiddenFill xmlns="" xmlns:a14="http://schemas.microsoft.com/office/drawing/2010/main">
+              <a14:hiddenFill xmlns:a14="http://schemas.microsoft.com/office/drawing/2010/main" xmlns="">
                 <a:solidFill>
                   <a:srgbClr val="CCECFF"/>
                 </a:solidFill>
               </a14:hiddenFill>
             </a:ext>
             <a:ext uri="{91240B29-F687-4f45-9708-019B960494DF}">
-              <a14:hiddenLine xmlns="" xmlns:a14="http://schemas.microsoft.com/office/drawing/2010/main" w="9525">
+              <a14:hiddenLine xmlns:a14="http://schemas.microsoft.com/office/drawing/2010/main" xmlns="" w="9525">
                 <a:solidFill>
                   <a:srgbClr val="000000"/>
                 </a:solidFill>
@@ -33352,7 +34052,7 @@
               </a14:hiddenLine>
             </a:ext>
             <a:ext uri="{AF507438-7753-43e0-B8FC-AC1667EBCBE1}">
-              <a14:hiddenEffects xmlns="" xmlns:a14="http://schemas.microsoft.com/office/drawing/2010/main">
+              <a14:hiddenEffects xmlns:a14="http://schemas.microsoft.com/office/drawing/2010/main" xmlns="">
                 <a:effectLst>
                   <a:outerShdw blurRad="63500" dist="38099" dir="2700000" algn="ctr" rotWithShape="0">
                     <a:schemeClr val="bg2">
@@ -33400,14 +34100,14 @@
           <a:effectLst/>
           <a:extLst>
             <a:ext uri="{909E8E84-426E-40dd-AFC4-6F175D3DCCD1}">
-              <a14:hiddenFill xmlns="" xmlns:a14="http://schemas.microsoft.com/office/drawing/2010/main">
+              <a14:hiddenFill xmlns:a14="http://schemas.microsoft.com/office/drawing/2010/main" xmlns="">
                 <a:solidFill>
                   <a:srgbClr val="66CCFF"/>
                 </a:solidFill>
               </a14:hiddenFill>
             </a:ext>
             <a:ext uri="{91240B29-F687-4f45-9708-019B960494DF}">
-              <a14:hiddenLine xmlns="" xmlns:a14="http://schemas.microsoft.com/office/drawing/2010/main" w="9525">
+              <a14:hiddenLine xmlns:a14="http://schemas.microsoft.com/office/drawing/2010/main" xmlns="" w="9525">
                 <a:solidFill>
                   <a:srgbClr val="000000"/>
                 </a:solidFill>
@@ -33417,7 +34117,7 @@
               </a14:hiddenLine>
             </a:ext>
             <a:ext uri="{AF507438-7753-43e0-B8FC-AC1667EBCBE1}">
-              <a14:hiddenEffects xmlns="" xmlns:a14="http://schemas.microsoft.com/office/drawing/2010/main">
+              <a14:hiddenEffects xmlns:a14="http://schemas.microsoft.com/office/drawing/2010/main" xmlns="">
                 <a:effectLst>
                   <a:outerShdw blurRad="63500" dist="38099" dir="2700000" algn="ctr" rotWithShape="0">
                     <a:schemeClr val="bg2">
@@ -33465,14 +34165,14 @@
           <a:effectLst/>
           <a:extLst>
             <a:ext uri="{909E8E84-426E-40dd-AFC4-6F175D3DCCD1}">
-              <a14:hiddenFill xmlns="" xmlns:a14="http://schemas.microsoft.com/office/drawing/2010/main">
+              <a14:hiddenFill xmlns:a14="http://schemas.microsoft.com/office/drawing/2010/main" xmlns="">
                 <a:solidFill>
                   <a:schemeClr val="hlink"/>
                 </a:solidFill>
               </a14:hiddenFill>
             </a:ext>
             <a:ext uri="{91240B29-F687-4f45-9708-019B960494DF}">
-              <a14:hiddenLine xmlns="" xmlns:a14="http://schemas.microsoft.com/office/drawing/2010/main" w="9525">
+              <a14:hiddenLine xmlns:a14="http://schemas.microsoft.com/office/drawing/2010/main" xmlns="" w="9525">
                 <a:solidFill>
                   <a:srgbClr val="000000"/>
                 </a:solidFill>
@@ -33482,7 +34182,7 @@
               </a14:hiddenLine>
             </a:ext>
             <a:ext uri="{AF507438-7753-43e0-B8FC-AC1667EBCBE1}">
-              <a14:hiddenEffects xmlns="" xmlns:a14="http://schemas.microsoft.com/office/drawing/2010/main">
+              <a14:hiddenEffects xmlns:a14="http://schemas.microsoft.com/office/drawing/2010/main" xmlns="">
                 <a:effectLst>
                   <a:outerShdw blurRad="63500" dist="38099" dir="2700000" algn="ctr" rotWithShape="0">
                     <a:schemeClr val="bg2">
@@ -33530,14 +34230,14 @@
           <a:effectLst/>
           <a:extLst>
             <a:ext uri="{909E8E84-426E-40dd-AFC4-6F175D3DCCD1}">
-              <a14:hiddenFill xmlns="" xmlns:a14="http://schemas.microsoft.com/office/drawing/2010/main">
+              <a14:hiddenFill xmlns:a14="http://schemas.microsoft.com/office/drawing/2010/main" xmlns="">
                 <a:solidFill>
                   <a:srgbClr val="FF00FF"/>
                 </a:solidFill>
               </a14:hiddenFill>
             </a:ext>
             <a:ext uri="{91240B29-F687-4f45-9708-019B960494DF}">
-              <a14:hiddenLine xmlns="" xmlns:a14="http://schemas.microsoft.com/office/drawing/2010/main" w="9525">
+              <a14:hiddenLine xmlns:a14="http://schemas.microsoft.com/office/drawing/2010/main" xmlns="" w="9525">
                 <a:solidFill>
                   <a:srgbClr val="000000"/>
                 </a:solidFill>
@@ -33547,7 +34247,7 @@
               </a14:hiddenLine>
             </a:ext>
             <a:ext uri="{AF507438-7753-43e0-B8FC-AC1667EBCBE1}">
-              <a14:hiddenEffects xmlns="" xmlns:a14="http://schemas.microsoft.com/office/drawing/2010/main">
+              <a14:hiddenEffects xmlns:a14="http://schemas.microsoft.com/office/drawing/2010/main" xmlns="">
                 <a:effectLst>
                   <a:outerShdw blurRad="63500" dist="38099" dir="2700000" algn="ctr" rotWithShape="0">
                     <a:schemeClr val="bg2">
@@ -33600,12 +34300,12 @@
           <a:effectLst/>
           <a:extLst>
             <a:ext uri="{909E8E84-426E-40dd-AFC4-6F175D3DCCD1}">
-              <a14:hiddenFill xmlns="" xmlns:a14="http://schemas.microsoft.com/office/drawing/2010/main">
+              <a14:hiddenFill xmlns:a14="http://schemas.microsoft.com/office/drawing/2010/main" xmlns="">
                 <a:noFill/>
               </a14:hiddenFill>
             </a:ext>
             <a:ext uri="{AF507438-7753-43e0-B8FC-AC1667EBCBE1}">
-              <a14:hiddenEffects xmlns="" xmlns:a14="http://schemas.microsoft.com/office/drawing/2010/main">
+              <a14:hiddenEffects xmlns:a14="http://schemas.microsoft.com/office/drawing/2010/main" xmlns="">
                 <a:effectLst>
                   <a:outerShdw blurRad="63500" dist="38099" dir="2700000" algn="ctr" rotWithShape="0">
                     <a:schemeClr val="bg2">
@@ -33650,7 +34350,7 @@
           <a:effectLst/>
           <a:extLst>
             <a:ext uri="{91240B29-F687-4f45-9708-019B960494DF}">
-              <a14:hiddenLine xmlns="" xmlns:a14="http://schemas.microsoft.com/office/drawing/2010/main" w="9525">
+              <a14:hiddenLine xmlns:a14="http://schemas.microsoft.com/office/drawing/2010/main" xmlns="" w="9525">
                 <a:solidFill>
                   <a:srgbClr val="000000"/>
                 </a:solidFill>
@@ -33660,7 +34360,7 @@
               </a14:hiddenLine>
             </a:ext>
             <a:ext uri="{AF507438-7753-43e0-B8FC-AC1667EBCBE1}">
-              <a14:hiddenEffects xmlns="" xmlns:a14="http://schemas.microsoft.com/office/drawing/2010/main">
+              <a14:hiddenEffects xmlns:a14="http://schemas.microsoft.com/office/drawing/2010/main" xmlns="">
                 <a:effectLst>
                   <a:outerShdw blurRad="63500" dist="38099" dir="2700000" algn="ctr" rotWithShape="0">
                     <a:schemeClr val="bg2">
@@ -33721,12 +34421,12 @@
           <a:effectLst/>
           <a:extLst>
             <a:ext uri="{909E8E84-426E-40dd-AFC4-6F175D3DCCD1}">
-              <a14:hiddenFill xmlns="" xmlns:a14="http://schemas.microsoft.com/office/drawing/2010/main">
+              <a14:hiddenFill xmlns:a14="http://schemas.microsoft.com/office/drawing/2010/main" xmlns="">
                 <a:noFill/>
               </a14:hiddenFill>
             </a:ext>
             <a:ext uri="{AF507438-7753-43e0-B8FC-AC1667EBCBE1}">
-              <a14:hiddenEffects xmlns="" xmlns:a14="http://schemas.microsoft.com/office/drawing/2010/main">
+              <a14:hiddenEffects xmlns:a14="http://schemas.microsoft.com/office/drawing/2010/main" xmlns="">
                 <a:effectLst>
                   <a:outerShdw blurRad="63500" dist="38099" dir="2700000" algn="ctr" rotWithShape="0">
                     <a:schemeClr val="bg2">
@@ -33771,7 +34471,7 @@
           <a:effectLst/>
           <a:extLst>
             <a:ext uri="{91240B29-F687-4f45-9708-019B960494DF}">
-              <a14:hiddenLine xmlns="" xmlns:a14="http://schemas.microsoft.com/office/drawing/2010/main" w="9525">
+              <a14:hiddenLine xmlns:a14="http://schemas.microsoft.com/office/drawing/2010/main" xmlns="" w="9525">
                 <a:solidFill>
                   <a:srgbClr val="000000"/>
                 </a:solidFill>
@@ -33781,7 +34481,7 @@
               </a14:hiddenLine>
             </a:ext>
             <a:ext uri="{AF507438-7753-43e0-B8FC-AC1667EBCBE1}">
-              <a14:hiddenEffects xmlns="" xmlns:a14="http://schemas.microsoft.com/office/drawing/2010/main">
+              <a14:hiddenEffects xmlns:a14="http://schemas.microsoft.com/office/drawing/2010/main" xmlns="">
                 <a:effectLst>
                   <a:outerShdw blurRad="63500" dist="38099" dir="2700000" algn="ctr" rotWithShape="0">
                     <a:schemeClr val="bg2">
@@ -33842,12 +34542,12 @@
           <a:effectLst/>
           <a:extLst>
             <a:ext uri="{909E8E84-426E-40dd-AFC4-6F175D3DCCD1}">
-              <a14:hiddenFill xmlns="" xmlns:a14="http://schemas.microsoft.com/office/drawing/2010/main">
+              <a14:hiddenFill xmlns:a14="http://schemas.microsoft.com/office/drawing/2010/main" xmlns="">
                 <a:noFill/>
               </a14:hiddenFill>
             </a:ext>
             <a:ext uri="{AF507438-7753-43e0-B8FC-AC1667EBCBE1}">
-              <a14:hiddenEffects xmlns="" xmlns:a14="http://schemas.microsoft.com/office/drawing/2010/main">
+              <a14:hiddenEffects xmlns:a14="http://schemas.microsoft.com/office/drawing/2010/main" xmlns="">
                 <a:effectLst>
                   <a:outerShdw blurRad="63500" dist="38099" dir="2700000" algn="ctr" rotWithShape="0">
                     <a:schemeClr val="bg2">
@@ -33892,7 +34592,7 @@
           <a:effectLst/>
           <a:extLst>
             <a:ext uri="{91240B29-F687-4f45-9708-019B960494DF}">
-              <a14:hiddenLine xmlns="" xmlns:a14="http://schemas.microsoft.com/office/drawing/2010/main" w="9525">
+              <a14:hiddenLine xmlns:a14="http://schemas.microsoft.com/office/drawing/2010/main" xmlns="" w="9525">
                 <a:solidFill>
                   <a:srgbClr val="000000"/>
                 </a:solidFill>
@@ -33902,7 +34602,7 @@
               </a14:hiddenLine>
             </a:ext>
             <a:ext uri="{AF507438-7753-43e0-B8FC-AC1667EBCBE1}">
-              <a14:hiddenEffects xmlns="" xmlns:a14="http://schemas.microsoft.com/office/drawing/2010/main">
+              <a14:hiddenEffects xmlns:a14="http://schemas.microsoft.com/office/drawing/2010/main" xmlns="">
                 <a:effectLst>
                   <a:outerShdw blurRad="63500" dist="38099" dir="2700000" algn="ctr" rotWithShape="0">
                     <a:schemeClr val="bg2">
@@ -33964,12 +34664,12 @@
           <a:effectLst/>
           <a:extLst>
             <a:ext uri="{909E8E84-426E-40dd-AFC4-6F175D3DCCD1}">
-              <a14:hiddenFill xmlns="" xmlns:a14="http://schemas.microsoft.com/office/drawing/2010/main">
+              <a14:hiddenFill xmlns:a14="http://schemas.microsoft.com/office/drawing/2010/main" xmlns="">
                 <a:noFill/>
               </a14:hiddenFill>
             </a:ext>
             <a:ext uri="{AF507438-7753-43e0-B8FC-AC1667EBCBE1}">
-              <a14:hiddenEffects xmlns="" xmlns:a14="http://schemas.microsoft.com/office/drawing/2010/main">
+              <a14:hiddenEffects xmlns:a14="http://schemas.microsoft.com/office/drawing/2010/main" xmlns="">
                 <a:effectLst>
                   <a:outerShdw blurRad="63500" dist="38099" dir="2700000" algn="ctr" rotWithShape="0">
                     <a:schemeClr val="bg2">
@@ -34018,12 +34718,12 @@
           <a:effectLst/>
           <a:extLst>
             <a:ext uri="{909E8E84-426E-40dd-AFC4-6F175D3DCCD1}">
-              <a14:hiddenFill xmlns="" xmlns:a14="http://schemas.microsoft.com/office/drawing/2010/main">
+              <a14:hiddenFill xmlns:a14="http://schemas.microsoft.com/office/drawing/2010/main" xmlns="">
                 <a:noFill/>
               </a14:hiddenFill>
             </a:ext>
             <a:ext uri="{AF507438-7753-43e0-B8FC-AC1667EBCBE1}">
-              <a14:hiddenEffects xmlns="" xmlns:a14="http://schemas.microsoft.com/office/drawing/2010/main">
+              <a14:hiddenEffects xmlns:a14="http://schemas.microsoft.com/office/drawing/2010/main" xmlns="">
                 <a:effectLst>
                   <a:outerShdw blurRad="63500" dist="38099" dir="2700000" algn="ctr" rotWithShape="0">
                     <a:schemeClr val="bg2">
@@ -34073,7 +34773,7 @@
           <a:effectLst/>
           <a:extLst>
             <a:ext uri="{AF507438-7753-43e0-B8FC-AC1667EBCBE1}">
-              <a14:hiddenEffects xmlns="" xmlns:a14="http://schemas.microsoft.com/office/drawing/2010/main">
+              <a14:hiddenEffects xmlns:a14="http://schemas.microsoft.com/office/drawing/2010/main" xmlns="">
                 <a:effectLst>
                   <a:outerShdw blurRad="63500" dist="38099" dir="2700000" algn="ctr" rotWithShape="0">
                     <a:schemeClr val="bg2">
@@ -34149,14 +34849,14 @@
           </a:ln>
           <a:extLst>
             <a:ext uri="{909E8E84-426E-40dd-AFC4-6F175D3DCCD1}">
-              <a14:hiddenFill xmlns="" xmlns:a14="http://schemas.microsoft.com/office/drawing/2010/main">
+              <a14:hiddenFill xmlns:a14="http://schemas.microsoft.com/office/drawing/2010/main" xmlns="">
                 <a:solidFill>
                   <a:srgbClr val="FFFFFF"/>
                 </a:solidFill>
               </a14:hiddenFill>
             </a:ext>
             <a:ext uri="{91240B29-F687-4f45-9708-019B960494DF}">
-              <a14:hiddenLine xmlns="" xmlns:a14="http://schemas.microsoft.com/office/drawing/2010/main" w="9525">
+              <a14:hiddenLine xmlns:a14="http://schemas.microsoft.com/office/drawing/2010/main" xmlns="" w="9525">
                 <a:solidFill>
                   <a:srgbClr val="000000"/>
                 </a:solidFill>
@@ -34247,7 +34947,7 @@
           </a:ln>
           <a:extLst>
             <a:ext uri="{909E8E84-426E-40dd-AFC4-6F175D3DCCD1}">
-              <a14:hiddenFill xmlns="" xmlns:a14="http://schemas.microsoft.com/office/drawing/2010/main">
+              <a14:hiddenFill xmlns:a14="http://schemas.microsoft.com/office/drawing/2010/main" xmlns="">
                 <a:solidFill>
                   <a:srgbClr val="FFFFFF"/>
                 </a:solidFill>
@@ -34281,7 +34981,7 @@
           <a:effectLst/>
           <a:extLst>
             <a:ext uri="{91240B29-F687-4f45-9708-019B960494DF}">
-              <a14:hiddenLine xmlns="" xmlns:a14="http://schemas.microsoft.com/office/drawing/2010/main" w="9525">
+              <a14:hiddenLine xmlns:a14="http://schemas.microsoft.com/office/drawing/2010/main" xmlns="" w="9525">
                 <a:solidFill>
                   <a:schemeClr val="tx1"/>
                 </a:solidFill>
@@ -34291,7 +34991,7 @@
               </a14:hiddenLine>
             </a:ext>
             <a:ext uri="{AF507438-7753-43e0-B8FC-AC1667EBCBE1}">
-              <a14:hiddenEffects xmlns="" xmlns:a14="http://schemas.microsoft.com/office/drawing/2010/main">
+              <a14:hiddenEffects xmlns:a14="http://schemas.microsoft.com/office/drawing/2010/main" xmlns="">
                 <a:effectLst>
                   <a:outerShdw blurRad="63500" dist="38099" dir="2700000" algn="ctr" rotWithShape="0">
                     <a:schemeClr val="bg2">
@@ -34363,7 +35063,7 @@
           <a:effectLst/>
           <a:extLst>
             <a:ext uri="{91240B29-F687-4f45-9708-019B960494DF}">
-              <a14:hiddenLine xmlns="" xmlns:a14="http://schemas.microsoft.com/office/drawing/2010/main" w="9525">
+              <a14:hiddenLine xmlns:a14="http://schemas.microsoft.com/office/drawing/2010/main" xmlns="" w="9525">
                 <a:solidFill>
                   <a:schemeClr val="tx1"/>
                 </a:solidFill>
@@ -34373,7 +35073,7 @@
               </a14:hiddenLine>
             </a:ext>
             <a:ext uri="{AF507438-7753-43e0-B8FC-AC1667EBCBE1}">
-              <a14:hiddenEffects xmlns="" xmlns:a14="http://schemas.microsoft.com/office/drawing/2010/main">
+              <a14:hiddenEffects xmlns:a14="http://schemas.microsoft.com/office/drawing/2010/main" xmlns="">
                 <a:effectLst>
                   <a:outerShdw blurRad="63500" dist="38099" dir="2700000" algn="ctr" rotWithShape="0">
                     <a:schemeClr val="bg2">
@@ -34453,7 +35153,7 @@
           <a:effectLst/>
           <a:extLst>
             <a:ext uri="{91240B29-F687-4f45-9708-019B960494DF}">
-              <a14:hiddenLine xmlns="" xmlns:a14="http://schemas.microsoft.com/office/drawing/2010/main" w="9525">
+              <a14:hiddenLine xmlns:a14="http://schemas.microsoft.com/office/drawing/2010/main" xmlns="" w="9525">
                 <a:solidFill>
                   <a:schemeClr val="tx1"/>
                 </a:solidFill>
@@ -34463,7 +35163,7 @@
               </a14:hiddenLine>
             </a:ext>
             <a:ext uri="{AF507438-7753-43e0-B8FC-AC1667EBCBE1}">
-              <a14:hiddenEffects xmlns="" xmlns:a14="http://schemas.microsoft.com/office/drawing/2010/main">
+              <a14:hiddenEffects xmlns:a14="http://schemas.microsoft.com/office/drawing/2010/main" xmlns="">
                 <a:effectLst>
                   <a:outerShdw blurRad="63500" dist="38099" dir="2700000" algn="ctr" rotWithShape="0">
                     <a:schemeClr val="bg2">
@@ -34512,7 +35212,7 @@
           <a:effectLst/>
           <a:extLst>
             <a:ext uri="{91240B29-F687-4f45-9708-019B960494DF}">
-              <a14:hiddenLine xmlns="" xmlns:a14="http://schemas.microsoft.com/office/drawing/2010/main" w="9525">
+              <a14:hiddenLine xmlns:a14="http://schemas.microsoft.com/office/drawing/2010/main" xmlns="" w="9525">
                 <a:solidFill>
                   <a:schemeClr val="tx1"/>
                 </a:solidFill>
@@ -34522,7 +35222,7 @@
               </a14:hiddenLine>
             </a:ext>
             <a:ext uri="{AF507438-7753-43e0-B8FC-AC1667EBCBE1}">
-              <a14:hiddenEffects xmlns="" xmlns:a14="http://schemas.microsoft.com/office/drawing/2010/main">
+              <a14:hiddenEffects xmlns:a14="http://schemas.microsoft.com/office/drawing/2010/main" xmlns="">
                 <a:effectLst>
                   <a:outerShdw blurRad="63500" dist="38099" dir="2700000" algn="ctr" rotWithShape="0">
                     <a:schemeClr val="bg2">
@@ -34565,14 +35265,14 @@
           <a:effectLst/>
           <a:extLst>
             <a:ext uri="{909E8E84-426E-40dd-AFC4-6F175D3DCCD1}">
-              <a14:hiddenFill xmlns="" xmlns:a14="http://schemas.microsoft.com/office/drawing/2010/main">
+              <a14:hiddenFill xmlns:a14="http://schemas.microsoft.com/office/drawing/2010/main" xmlns="">
                 <a:solidFill>
                   <a:schemeClr val="accent1"/>
                 </a:solidFill>
               </a14:hiddenFill>
             </a:ext>
             <a:ext uri="{91240B29-F687-4f45-9708-019B960494DF}">
-              <a14:hiddenLine xmlns="" xmlns:a14="http://schemas.microsoft.com/office/drawing/2010/main" w="9525">
+              <a14:hiddenLine xmlns:a14="http://schemas.microsoft.com/office/drawing/2010/main" xmlns="" w="9525">
                 <a:solidFill>
                   <a:schemeClr val="tx1"/>
                 </a:solidFill>
@@ -34582,7 +35282,7 @@
               </a14:hiddenLine>
             </a:ext>
             <a:ext uri="{AF507438-7753-43e0-B8FC-AC1667EBCBE1}">
-              <a14:hiddenEffects xmlns="" xmlns:a14="http://schemas.microsoft.com/office/drawing/2010/main">
+              <a14:hiddenEffects xmlns:a14="http://schemas.microsoft.com/office/drawing/2010/main" xmlns="">
                 <a:effectLst>
                   <a:outerShdw blurRad="63500" dist="38099" dir="2700000" algn="ctr" rotWithShape="0">
                     <a:schemeClr val="bg2">
@@ -34630,14 +35330,14 @@
           <a:effectLst/>
           <a:extLst>
             <a:ext uri="{909E8E84-426E-40dd-AFC4-6F175D3DCCD1}">
-              <a14:hiddenFill xmlns="" xmlns:a14="http://schemas.microsoft.com/office/drawing/2010/main">
+              <a14:hiddenFill xmlns:a14="http://schemas.microsoft.com/office/drawing/2010/main" xmlns="">
                 <a:solidFill>
                   <a:schemeClr val="accent1"/>
                 </a:solidFill>
               </a14:hiddenFill>
             </a:ext>
             <a:ext uri="{91240B29-F687-4f45-9708-019B960494DF}">
-              <a14:hiddenLine xmlns="" xmlns:a14="http://schemas.microsoft.com/office/drawing/2010/main" w="9525">
+              <a14:hiddenLine xmlns:a14="http://schemas.microsoft.com/office/drawing/2010/main" xmlns="" w="9525">
                 <a:solidFill>
                   <a:schemeClr val="tx1"/>
                 </a:solidFill>
@@ -34647,7 +35347,7 @@
               </a14:hiddenLine>
             </a:ext>
             <a:ext uri="{AF507438-7753-43e0-B8FC-AC1667EBCBE1}">
-              <a14:hiddenEffects xmlns="" xmlns:a14="http://schemas.microsoft.com/office/drawing/2010/main">
+              <a14:hiddenEffects xmlns:a14="http://schemas.microsoft.com/office/drawing/2010/main" xmlns="">
                 <a:effectLst>
                   <a:outerShdw blurRad="63500" dist="38099" dir="2700000" algn="ctr" rotWithShape="0">
                     <a:schemeClr val="bg2">
@@ -34700,14 +35400,14 @@
           <a:effectLst/>
           <a:extLst>
             <a:ext uri="{909E8E84-426E-40dd-AFC4-6F175D3DCCD1}">
-              <a14:hiddenFill xmlns="" xmlns:a14="http://schemas.microsoft.com/office/drawing/2010/main">
+              <a14:hiddenFill xmlns:a14="http://schemas.microsoft.com/office/drawing/2010/main" xmlns="">
                 <a:solidFill>
                   <a:schemeClr val="accent1"/>
                 </a:solidFill>
               </a14:hiddenFill>
             </a:ext>
             <a:ext uri="{AF507438-7753-43e0-B8FC-AC1667EBCBE1}">
-              <a14:hiddenEffects xmlns="" xmlns:a14="http://schemas.microsoft.com/office/drawing/2010/main">
+              <a14:hiddenEffects xmlns:a14="http://schemas.microsoft.com/office/drawing/2010/main" xmlns="">
                 <a:effectLst>
                   <a:outerShdw blurRad="63500" dist="38099" dir="2700000" algn="ctr" rotWithShape="0">
                     <a:schemeClr val="bg2">
@@ -34755,14 +35455,14 @@
           <a:effectLst/>
           <a:extLst>
             <a:ext uri="{909E8E84-426E-40dd-AFC4-6F175D3DCCD1}">
-              <a14:hiddenFill xmlns="" xmlns:a14="http://schemas.microsoft.com/office/drawing/2010/main">
+              <a14:hiddenFill xmlns:a14="http://schemas.microsoft.com/office/drawing/2010/main" xmlns="">
                 <a:solidFill>
                   <a:schemeClr val="accent1"/>
                 </a:solidFill>
               </a14:hiddenFill>
             </a:ext>
             <a:ext uri="{AF507438-7753-43e0-B8FC-AC1667EBCBE1}">
-              <a14:hiddenEffects xmlns="" xmlns:a14="http://schemas.microsoft.com/office/drawing/2010/main">
+              <a14:hiddenEffects xmlns:a14="http://schemas.microsoft.com/office/drawing/2010/main" xmlns="">
                 <a:effectLst>
                   <a:outerShdw blurRad="63500" dist="38099" dir="2700000" algn="ctr" rotWithShape="0">
                     <a:schemeClr val="bg2">
@@ -34810,12 +35510,12 @@
           <a:effectLst/>
           <a:extLst>
             <a:ext uri="{909E8E84-426E-40dd-AFC4-6F175D3DCCD1}">
-              <a14:hiddenFill xmlns="" xmlns:a14="http://schemas.microsoft.com/office/drawing/2010/main">
+              <a14:hiddenFill xmlns:a14="http://schemas.microsoft.com/office/drawing/2010/main" xmlns="">
                 <a:noFill/>
               </a14:hiddenFill>
             </a:ext>
             <a:ext uri="{AF507438-7753-43e0-B8FC-AC1667EBCBE1}">
-              <a14:hiddenEffects xmlns="" xmlns:a14="http://schemas.microsoft.com/office/drawing/2010/main">
+              <a14:hiddenEffects xmlns:a14="http://schemas.microsoft.com/office/drawing/2010/main" xmlns="">
                 <a:effectLst>
                   <a:outerShdw blurRad="63500" dist="38099" dir="2700000" algn="ctr" rotWithShape="0">
                     <a:schemeClr val="bg2">
@@ -34858,14 +35558,14 @@
           <a:effectLst/>
           <a:extLst>
             <a:ext uri="{909E8E84-426E-40dd-AFC4-6F175D3DCCD1}">
-              <a14:hiddenFill xmlns="" xmlns:a14="http://schemas.microsoft.com/office/drawing/2010/main">
+              <a14:hiddenFill xmlns:a14="http://schemas.microsoft.com/office/drawing/2010/main" xmlns="">
                 <a:solidFill>
                   <a:schemeClr val="accent1"/>
                 </a:solidFill>
               </a14:hiddenFill>
             </a:ext>
             <a:ext uri="{91240B29-F687-4f45-9708-019B960494DF}">
-              <a14:hiddenLine xmlns="" xmlns:a14="http://schemas.microsoft.com/office/drawing/2010/main" w="9525">
+              <a14:hiddenLine xmlns:a14="http://schemas.microsoft.com/office/drawing/2010/main" xmlns="" w="9525">
                 <a:solidFill>
                   <a:schemeClr val="tx1"/>
                 </a:solidFill>
@@ -34875,7 +35575,7 @@
               </a14:hiddenLine>
             </a:ext>
             <a:ext uri="{AF507438-7753-43e0-B8FC-AC1667EBCBE1}">
-              <a14:hiddenEffects xmlns="" xmlns:a14="http://schemas.microsoft.com/office/drawing/2010/main">
+              <a14:hiddenEffects xmlns:a14="http://schemas.microsoft.com/office/drawing/2010/main" xmlns="">
                 <a:effectLst>
                   <a:outerShdw blurRad="63500" dist="38099" dir="2700000" algn="ctr" rotWithShape="0">
                     <a:schemeClr val="bg2">
@@ -34928,12 +35628,12 @@
           <a:effectLst/>
           <a:extLst>
             <a:ext uri="{909E8E84-426E-40dd-AFC4-6F175D3DCCD1}">
-              <a14:hiddenFill xmlns="" xmlns:a14="http://schemas.microsoft.com/office/drawing/2010/main">
+              <a14:hiddenFill xmlns:a14="http://schemas.microsoft.com/office/drawing/2010/main" xmlns="">
                 <a:noFill/>
               </a14:hiddenFill>
             </a:ext>
             <a:ext uri="{AF507438-7753-43e0-B8FC-AC1667EBCBE1}">
-              <a14:hiddenEffects xmlns="" xmlns:a14="http://schemas.microsoft.com/office/drawing/2010/main">
+              <a14:hiddenEffects xmlns:a14="http://schemas.microsoft.com/office/drawing/2010/main" xmlns="">
                 <a:effectLst>
                   <a:outerShdw blurRad="63500" dist="38099" dir="2700000" algn="ctr" rotWithShape="0">
                     <a:schemeClr val="bg2">
@@ -34976,14 +35676,14 @@
           <a:effectLst/>
           <a:extLst>
             <a:ext uri="{909E8E84-426E-40dd-AFC4-6F175D3DCCD1}">
-              <a14:hiddenFill xmlns="" xmlns:a14="http://schemas.microsoft.com/office/drawing/2010/main">
+              <a14:hiddenFill xmlns:a14="http://schemas.microsoft.com/office/drawing/2010/main" xmlns="">
                 <a:solidFill>
                   <a:schemeClr val="accent1"/>
                 </a:solidFill>
               </a14:hiddenFill>
             </a:ext>
             <a:ext uri="{91240B29-F687-4f45-9708-019B960494DF}">
-              <a14:hiddenLine xmlns="" xmlns:a14="http://schemas.microsoft.com/office/drawing/2010/main" w="9525">
+              <a14:hiddenLine xmlns:a14="http://schemas.microsoft.com/office/drawing/2010/main" xmlns="" w="9525">
                 <a:solidFill>
                   <a:schemeClr val="tx1"/>
                 </a:solidFill>
@@ -34993,7 +35693,7 @@
               </a14:hiddenLine>
             </a:ext>
             <a:ext uri="{AF507438-7753-43e0-B8FC-AC1667EBCBE1}">
-              <a14:hiddenEffects xmlns="" xmlns:a14="http://schemas.microsoft.com/office/drawing/2010/main">
+              <a14:hiddenEffects xmlns:a14="http://schemas.microsoft.com/office/drawing/2010/main" xmlns="">
                 <a:effectLst>
                   <a:outerShdw blurRad="63500" dist="38099" dir="2700000" algn="ctr" rotWithShape="0">
                     <a:schemeClr val="bg2">
@@ -35046,14 +35746,14 @@
           <a:effectLst/>
           <a:extLst>
             <a:ext uri="{909E8E84-426E-40dd-AFC4-6F175D3DCCD1}">
-              <a14:hiddenFill xmlns="" xmlns:a14="http://schemas.microsoft.com/office/drawing/2010/main">
+              <a14:hiddenFill xmlns:a14="http://schemas.microsoft.com/office/drawing/2010/main" xmlns="">
                 <a:solidFill>
                   <a:schemeClr val="accent1"/>
                 </a:solidFill>
               </a14:hiddenFill>
             </a:ext>
             <a:ext uri="{AF507438-7753-43e0-B8FC-AC1667EBCBE1}">
-              <a14:hiddenEffects xmlns="" xmlns:a14="http://schemas.microsoft.com/office/drawing/2010/main">
+              <a14:hiddenEffects xmlns:a14="http://schemas.microsoft.com/office/drawing/2010/main" xmlns="">
                 <a:effectLst>
                   <a:outerShdw blurRad="63500" dist="38099" dir="2700000" algn="ctr" rotWithShape="0">
                     <a:schemeClr val="bg2">
@@ -35096,14 +35796,14 @@
           <a:effectLst/>
           <a:extLst>
             <a:ext uri="{909E8E84-426E-40dd-AFC4-6F175D3DCCD1}">
-              <a14:hiddenFill xmlns="" xmlns:a14="http://schemas.microsoft.com/office/drawing/2010/main">
+              <a14:hiddenFill xmlns:a14="http://schemas.microsoft.com/office/drawing/2010/main" xmlns="">
                 <a:solidFill>
                   <a:schemeClr val="accent1"/>
                 </a:solidFill>
               </a14:hiddenFill>
             </a:ext>
             <a:ext uri="{91240B29-F687-4f45-9708-019B960494DF}">
-              <a14:hiddenLine xmlns="" xmlns:a14="http://schemas.microsoft.com/office/drawing/2010/main" w="9525">
+              <a14:hiddenLine xmlns:a14="http://schemas.microsoft.com/office/drawing/2010/main" xmlns="" w="9525">
                 <a:solidFill>
                   <a:schemeClr val="tx1"/>
                 </a:solidFill>
@@ -35113,7 +35813,7 @@
               </a14:hiddenLine>
             </a:ext>
             <a:ext uri="{AF507438-7753-43e0-B8FC-AC1667EBCBE1}">
-              <a14:hiddenEffects xmlns="" xmlns:a14="http://schemas.microsoft.com/office/drawing/2010/main">
+              <a14:hiddenEffects xmlns:a14="http://schemas.microsoft.com/office/drawing/2010/main" xmlns="">
                 <a:effectLst>
                   <a:outerShdw blurRad="63500" dist="38099" dir="2700000" algn="ctr" rotWithShape="0">
                     <a:schemeClr val="bg2">
@@ -35166,12 +35866,12 @@
           <a:effectLst/>
           <a:extLst>
             <a:ext uri="{909E8E84-426E-40dd-AFC4-6F175D3DCCD1}">
-              <a14:hiddenFill xmlns="" xmlns:a14="http://schemas.microsoft.com/office/drawing/2010/main">
+              <a14:hiddenFill xmlns:a14="http://schemas.microsoft.com/office/drawing/2010/main" xmlns="">
                 <a:noFill/>
               </a14:hiddenFill>
             </a:ext>
             <a:ext uri="{AF507438-7753-43e0-B8FC-AC1667EBCBE1}">
-              <a14:hiddenEffects xmlns="" xmlns:a14="http://schemas.microsoft.com/office/drawing/2010/main">
+              <a14:hiddenEffects xmlns:a14="http://schemas.microsoft.com/office/drawing/2010/main" xmlns="">
                 <a:effectLst>
                   <a:outerShdw blurRad="63500" dist="38099" dir="2700000" algn="ctr" rotWithShape="0">
                     <a:schemeClr val="bg2">
